--- a/res/deduce.pptx
+++ b/res/deduce.pptx
@@ -104,6 +104,11 @@
       </a:defRPr>
     </a:lvl9pPr>
   </p:defaultTextStyle>
+  <p:extLst>
+    <p:ext uri="{EFAFB233-063F-42B5-8137-9DF3F51BA10A}">
+      <p15:sldGuideLst xmlns:p15="http://schemas.microsoft.com/office/powerpoint/2012/main"/>
+    </p:ext>
+  </p:extLst>
 </p:presentation>
 </file>
 
@@ -3791,7 +3796,7 @@
         </p:nvSpPr>
         <p:spPr>
           <a:xfrm>
-            <a:off x="134112" y="2169652"/>
+            <a:off x="110799" y="1917716"/>
             <a:ext cx="609600" cy="499872"/>
           </a:xfrm>
           <a:prstGeom prst="roundRect">
@@ -3839,7 +3844,7 @@
         </p:nvSpPr>
         <p:spPr>
           <a:xfrm>
-            <a:off x="743712" y="2169652"/>
+            <a:off x="720399" y="1917716"/>
             <a:ext cx="609600" cy="499872"/>
           </a:xfrm>
           <a:prstGeom prst="roundRect">
@@ -3887,7 +3892,7 @@
         </p:nvSpPr>
         <p:spPr>
           <a:xfrm>
-            <a:off x="1353312" y="2169652"/>
+            <a:off x="1329999" y="1917716"/>
             <a:ext cx="609600" cy="499872"/>
           </a:xfrm>
           <a:prstGeom prst="roundRect">
@@ -3935,7 +3940,7 @@
         </p:nvSpPr>
         <p:spPr>
           <a:xfrm>
-            <a:off x="1962912" y="2169652"/>
+            <a:off x="1939599" y="1917716"/>
             <a:ext cx="609600" cy="499872"/>
           </a:xfrm>
           <a:prstGeom prst="roundRect">
@@ -3983,7 +3988,7 @@
         </p:nvSpPr>
         <p:spPr>
           <a:xfrm>
-            <a:off x="2572512" y="2169652"/>
+            <a:off x="2549199" y="1917716"/>
             <a:ext cx="609600" cy="499872"/>
           </a:xfrm>
           <a:prstGeom prst="roundRect">
@@ -4031,7 +4036,7 @@
         </p:nvSpPr>
         <p:spPr>
           <a:xfrm>
-            <a:off x="3182112" y="2169652"/>
+            <a:off x="3158799" y="1917716"/>
             <a:ext cx="609600" cy="499872"/>
           </a:xfrm>
           <a:prstGeom prst="roundRect">
@@ -4079,7 +4084,7 @@
         </p:nvSpPr>
         <p:spPr>
           <a:xfrm>
-            <a:off x="3791712" y="2169652"/>
+            <a:off x="3768399" y="1917716"/>
             <a:ext cx="609600" cy="499872"/>
           </a:xfrm>
           <a:prstGeom prst="roundRect">
@@ -4127,7 +4132,7 @@
         </p:nvSpPr>
         <p:spPr>
           <a:xfrm>
-            <a:off x="4401312" y="2169652"/>
+            <a:off x="4377999" y="1917716"/>
             <a:ext cx="609600" cy="499872"/>
           </a:xfrm>
           <a:prstGeom prst="roundRect">
@@ -4177,7 +4182,7 @@
         </p:nvCxnSpPr>
         <p:spPr>
           <a:xfrm flipV="1">
-            <a:off x="2852928" y="2668476"/>
+            <a:off x="2829615" y="2416540"/>
             <a:ext cx="0" cy="353568"/>
           </a:xfrm>
           <a:prstGeom prst="straightConnector1">
@@ -4218,7 +4223,7 @@
         </p:nvCxnSpPr>
         <p:spPr>
           <a:xfrm flipV="1">
-            <a:off x="3496718" y="2669524"/>
+            <a:off x="3473405" y="2417588"/>
             <a:ext cx="0" cy="353568"/>
           </a:xfrm>
           <a:prstGeom prst="straightConnector1">
@@ -4259,7 +4264,7 @@
         </p:nvCxnSpPr>
         <p:spPr>
           <a:xfrm flipV="1">
-            <a:off x="4675632" y="2669524"/>
+            <a:off x="4652319" y="2417588"/>
             <a:ext cx="0" cy="353568"/>
           </a:xfrm>
           <a:prstGeom prst="straightConnector1">
@@ -4298,7 +4303,7 @@
         </p:nvSpPr>
         <p:spPr>
           <a:xfrm>
-            <a:off x="2572512" y="3003232"/>
+            <a:off x="2549199" y="2751296"/>
             <a:ext cx="620683" cy="369332"/>
           </a:xfrm>
           <a:prstGeom prst="rect">
@@ -4334,7 +4339,7 @@
         </p:nvSpPr>
         <p:spPr>
           <a:xfrm>
-            <a:off x="3260083" y="3019520"/>
+            <a:off x="3236770" y="2767584"/>
             <a:ext cx="562975" cy="369332"/>
           </a:xfrm>
           <a:prstGeom prst="rect">
@@ -4370,7 +4375,7 @@
         </p:nvSpPr>
         <p:spPr>
           <a:xfrm>
-            <a:off x="4394144" y="3019520"/>
+            <a:off x="4370831" y="2767584"/>
             <a:ext cx="562975" cy="369332"/>
           </a:xfrm>
           <a:prstGeom prst="rect">
@@ -4386,6 +4391,2114 @@
             <a:r>
               <a:rPr lang="en-US" altLang="zh-CN" dirty="0"/>
               <a:t>end</a:t>
+            </a:r>
+            <a:endParaRPr lang="zh-CN" altLang="en-US" dirty="0"/>
+          </a:p>
+        </p:txBody>
+      </p:sp>
+      <p:sp>
+        <p:nvSpPr>
+          <p:cNvPr id="41" name="圆角矩形 40">
+            <a:extLst>
+              <a:ext uri="{FF2B5EF4-FFF2-40B4-BE49-F238E27FC236}">
+                <a16:creationId xmlns:a16="http://schemas.microsoft.com/office/drawing/2014/main" id="{3BECC8BC-D5C5-4C4B-BF91-5611A0A99CBB}"/>
+              </a:ext>
+            </a:extLst>
+          </p:cNvPr>
+          <p:cNvSpPr/>
+          <p:nvPr/>
+        </p:nvSpPr>
+        <p:spPr>
+          <a:xfrm>
+            <a:off x="110799" y="3120104"/>
+            <a:ext cx="609600" cy="499872"/>
+          </a:xfrm>
+          <a:prstGeom prst="roundRect">
+            <a:avLst/>
+          </a:prstGeom>
+        </p:spPr>
+        <p:style>
+          <a:lnRef idx="2">
+            <a:schemeClr val="accent6"/>
+          </a:lnRef>
+          <a:fillRef idx="1">
+            <a:schemeClr val="lt1"/>
+          </a:fillRef>
+          <a:effectRef idx="0">
+            <a:schemeClr val="accent6"/>
+          </a:effectRef>
+          <a:fontRef idx="minor">
+            <a:schemeClr val="dk1"/>
+          </a:fontRef>
+        </p:style>
+        <p:txBody>
+          <a:bodyPr rtlCol="0" anchor="ctr"/>
+          <a:lstStyle/>
+          <a:p>
+            <a:pPr algn="ctr"/>
+            <a:r>
+              <a:rPr kumimoji="1" lang="en-US" altLang="zh-CN" sz="2400" b="1" dirty="0"/>
+              <a:t>4</a:t>
+            </a:r>
+            <a:endParaRPr kumimoji="1" lang="zh-CN" altLang="en-US" sz="2400" b="1" dirty="0"/>
+          </a:p>
+        </p:txBody>
+      </p:sp>
+      <p:sp>
+        <p:nvSpPr>
+          <p:cNvPr id="42" name="圆角矩形 41">
+            <a:extLst>
+              <a:ext uri="{FF2B5EF4-FFF2-40B4-BE49-F238E27FC236}">
+                <a16:creationId xmlns:a16="http://schemas.microsoft.com/office/drawing/2014/main" id="{73C3A2B2-7F92-6841-B0FD-E628D03975D1}"/>
+              </a:ext>
+            </a:extLst>
+          </p:cNvPr>
+          <p:cNvSpPr/>
+          <p:nvPr/>
+        </p:nvSpPr>
+        <p:spPr>
+          <a:xfrm>
+            <a:off x="720399" y="3120104"/>
+            <a:ext cx="609600" cy="499872"/>
+          </a:xfrm>
+          <a:prstGeom prst="roundRect">
+            <a:avLst/>
+          </a:prstGeom>
+        </p:spPr>
+        <p:style>
+          <a:lnRef idx="2">
+            <a:schemeClr val="accent6"/>
+          </a:lnRef>
+          <a:fillRef idx="1">
+            <a:schemeClr val="lt1"/>
+          </a:fillRef>
+          <a:effectRef idx="0">
+            <a:schemeClr val="accent6"/>
+          </a:effectRef>
+          <a:fontRef idx="minor">
+            <a:schemeClr val="dk1"/>
+          </a:fontRef>
+        </p:style>
+        <p:txBody>
+          <a:bodyPr rtlCol="0" anchor="ctr"/>
+          <a:lstStyle/>
+          <a:p>
+            <a:pPr algn="ctr"/>
+            <a:r>
+              <a:rPr kumimoji="1" lang="en-US" altLang="zh-CN" sz="2400" b="1" dirty="0"/>
+              <a:t>5</a:t>
+            </a:r>
+            <a:endParaRPr kumimoji="1" lang="zh-CN" altLang="en-US" sz="2400" b="1" dirty="0"/>
+          </a:p>
+        </p:txBody>
+      </p:sp>
+      <p:sp>
+        <p:nvSpPr>
+          <p:cNvPr id="43" name="圆角矩形 42">
+            <a:extLst>
+              <a:ext uri="{FF2B5EF4-FFF2-40B4-BE49-F238E27FC236}">
+                <a16:creationId xmlns:a16="http://schemas.microsoft.com/office/drawing/2014/main" id="{A9298D13-7315-7847-AF3C-186F78D10CBA}"/>
+              </a:ext>
+            </a:extLst>
+          </p:cNvPr>
+          <p:cNvSpPr/>
+          <p:nvPr/>
+        </p:nvSpPr>
+        <p:spPr>
+          <a:xfrm>
+            <a:off x="1329999" y="3120104"/>
+            <a:ext cx="609600" cy="499872"/>
+          </a:xfrm>
+          <a:prstGeom prst="roundRect">
+            <a:avLst/>
+          </a:prstGeom>
+        </p:spPr>
+        <p:style>
+          <a:lnRef idx="2">
+            <a:schemeClr val="accent6"/>
+          </a:lnRef>
+          <a:fillRef idx="1">
+            <a:schemeClr val="lt1"/>
+          </a:fillRef>
+          <a:effectRef idx="0">
+            <a:schemeClr val="accent6"/>
+          </a:effectRef>
+          <a:fontRef idx="minor">
+            <a:schemeClr val="dk1"/>
+          </a:fontRef>
+        </p:style>
+        <p:txBody>
+          <a:bodyPr rtlCol="0" anchor="ctr"/>
+          <a:lstStyle/>
+          <a:p>
+            <a:pPr algn="ctr"/>
+            <a:r>
+              <a:rPr kumimoji="1" lang="en-US" altLang="zh-CN" sz="2400" b="1" dirty="0"/>
+              <a:t>6</a:t>
+            </a:r>
+            <a:endParaRPr kumimoji="1" lang="zh-CN" altLang="en-US" sz="2400" b="1" dirty="0"/>
+          </a:p>
+        </p:txBody>
+      </p:sp>
+      <p:sp>
+        <p:nvSpPr>
+          <p:cNvPr id="44" name="圆角矩形 43">
+            <a:extLst>
+              <a:ext uri="{FF2B5EF4-FFF2-40B4-BE49-F238E27FC236}">
+                <a16:creationId xmlns:a16="http://schemas.microsoft.com/office/drawing/2014/main" id="{43365194-C5C6-8949-94B4-58226A721578}"/>
+              </a:ext>
+            </a:extLst>
+          </p:cNvPr>
+          <p:cNvSpPr/>
+          <p:nvPr/>
+        </p:nvSpPr>
+        <p:spPr>
+          <a:xfrm>
+            <a:off x="1939599" y="3120104"/>
+            <a:ext cx="609600" cy="499872"/>
+          </a:xfrm>
+          <a:prstGeom prst="roundRect">
+            <a:avLst/>
+          </a:prstGeom>
+        </p:spPr>
+        <p:style>
+          <a:lnRef idx="2">
+            <a:schemeClr val="accent6"/>
+          </a:lnRef>
+          <a:fillRef idx="1">
+            <a:schemeClr val="lt1"/>
+          </a:fillRef>
+          <a:effectRef idx="0">
+            <a:schemeClr val="accent6"/>
+          </a:effectRef>
+          <a:fontRef idx="minor">
+            <a:schemeClr val="dk1"/>
+          </a:fontRef>
+        </p:style>
+        <p:txBody>
+          <a:bodyPr rtlCol="0" anchor="ctr"/>
+          <a:lstStyle/>
+          <a:p>
+            <a:pPr algn="ctr"/>
+            <a:r>
+              <a:rPr kumimoji="1" lang="en-US" altLang="zh-CN" sz="2400" b="1" dirty="0"/>
+              <a:t>7</a:t>
+            </a:r>
+            <a:endParaRPr kumimoji="1" lang="zh-CN" altLang="en-US" sz="2400" b="1" dirty="0"/>
+          </a:p>
+        </p:txBody>
+      </p:sp>
+      <p:sp>
+        <p:nvSpPr>
+          <p:cNvPr id="45" name="圆角矩形 44">
+            <a:extLst>
+              <a:ext uri="{FF2B5EF4-FFF2-40B4-BE49-F238E27FC236}">
+                <a16:creationId xmlns:a16="http://schemas.microsoft.com/office/drawing/2014/main" id="{5366ADB4-C3B0-C94B-87EF-699D3CE5A27A}"/>
+              </a:ext>
+            </a:extLst>
+          </p:cNvPr>
+          <p:cNvSpPr/>
+          <p:nvPr/>
+        </p:nvSpPr>
+        <p:spPr>
+          <a:xfrm>
+            <a:off x="2549199" y="3120104"/>
+            <a:ext cx="609600" cy="499872"/>
+          </a:xfrm>
+          <a:prstGeom prst="roundRect">
+            <a:avLst/>
+          </a:prstGeom>
+        </p:spPr>
+        <p:style>
+          <a:lnRef idx="2">
+            <a:schemeClr val="accent6"/>
+          </a:lnRef>
+          <a:fillRef idx="1">
+            <a:schemeClr val="lt1"/>
+          </a:fillRef>
+          <a:effectRef idx="0">
+            <a:schemeClr val="accent6"/>
+          </a:effectRef>
+          <a:fontRef idx="minor">
+            <a:schemeClr val="dk1"/>
+          </a:fontRef>
+        </p:style>
+        <p:txBody>
+          <a:bodyPr rtlCol="0" anchor="ctr"/>
+          <a:lstStyle/>
+          <a:p>
+            <a:pPr algn="ctr"/>
+            <a:r>
+              <a:rPr kumimoji="1" lang="en-US" altLang="zh-CN" sz="2400" b="1" dirty="0"/>
+              <a:t>8</a:t>
+            </a:r>
+            <a:endParaRPr kumimoji="1" lang="zh-CN" altLang="en-US" sz="2400" b="1" dirty="0"/>
+          </a:p>
+        </p:txBody>
+      </p:sp>
+      <p:sp>
+        <p:nvSpPr>
+          <p:cNvPr id="46" name="圆角矩形 45">
+            <a:extLst>
+              <a:ext uri="{FF2B5EF4-FFF2-40B4-BE49-F238E27FC236}">
+                <a16:creationId xmlns:a16="http://schemas.microsoft.com/office/drawing/2014/main" id="{26CAE289-AA8E-C748-A86E-E70E2C24FF0D}"/>
+              </a:ext>
+            </a:extLst>
+          </p:cNvPr>
+          <p:cNvSpPr/>
+          <p:nvPr/>
+        </p:nvSpPr>
+        <p:spPr>
+          <a:xfrm>
+            <a:off x="3158799" y="3120104"/>
+            <a:ext cx="609600" cy="499872"/>
+          </a:xfrm>
+          <a:prstGeom prst="roundRect">
+            <a:avLst/>
+          </a:prstGeom>
+        </p:spPr>
+        <p:style>
+          <a:lnRef idx="2">
+            <a:schemeClr val="accent6"/>
+          </a:lnRef>
+          <a:fillRef idx="1">
+            <a:schemeClr val="lt1"/>
+          </a:fillRef>
+          <a:effectRef idx="0">
+            <a:schemeClr val="accent6"/>
+          </a:effectRef>
+          <a:fontRef idx="minor">
+            <a:schemeClr val="dk1"/>
+          </a:fontRef>
+        </p:style>
+        <p:txBody>
+          <a:bodyPr rtlCol="0" anchor="ctr"/>
+          <a:lstStyle/>
+          <a:p>
+            <a:pPr algn="ctr"/>
+            <a:r>
+              <a:rPr kumimoji="1" lang="en-US" altLang="zh-CN" sz="2400" b="1" dirty="0"/>
+              <a:t>1</a:t>
+            </a:r>
+            <a:endParaRPr kumimoji="1" lang="zh-CN" altLang="en-US" sz="2400" b="1" dirty="0"/>
+          </a:p>
+        </p:txBody>
+      </p:sp>
+      <p:sp>
+        <p:nvSpPr>
+          <p:cNvPr id="47" name="圆角矩形 46">
+            <a:extLst>
+              <a:ext uri="{FF2B5EF4-FFF2-40B4-BE49-F238E27FC236}">
+                <a16:creationId xmlns:a16="http://schemas.microsoft.com/office/drawing/2014/main" id="{872AD85A-C7F6-2945-8DD4-58463DF1002C}"/>
+              </a:ext>
+            </a:extLst>
+          </p:cNvPr>
+          <p:cNvSpPr/>
+          <p:nvPr/>
+        </p:nvSpPr>
+        <p:spPr>
+          <a:xfrm>
+            <a:off x="3768399" y="3120104"/>
+            <a:ext cx="609600" cy="499872"/>
+          </a:xfrm>
+          <a:prstGeom prst="roundRect">
+            <a:avLst/>
+          </a:prstGeom>
+        </p:spPr>
+        <p:style>
+          <a:lnRef idx="2">
+            <a:schemeClr val="accent6"/>
+          </a:lnRef>
+          <a:fillRef idx="1">
+            <a:schemeClr val="lt1"/>
+          </a:fillRef>
+          <a:effectRef idx="0">
+            <a:schemeClr val="accent6"/>
+          </a:effectRef>
+          <a:fontRef idx="minor">
+            <a:schemeClr val="dk1"/>
+          </a:fontRef>
+        </p:style>
+        <p:txBody>
+          <a:bodyPr rtlCol="0" anchor="ctr"/>
+          <a:lstStyle/>
+          <a:p>
+            <a:pPr algn="ctr"/>
+            <a:r>
+              <a:rPr kumimoji="1" lang="en-US" altLang="zh-CN" sz="2400" b="1" dirty="0"/>
+              <a:t>2</a:t>
+            </a:r>
+            <a:endParaRPr kumimoji="1" lang="zh-CN" altLang="en-US" sz="2400" b="1" dirty="0"/>
+          </a:p>
+        </p:txBody>
+      </p:sp>
+      <p:sp>
+        <p:nvSpPr>
+          <p:cNvPr id="48" name="圆角矩形 47">
+            <a:extLst>
+              <a:ext uri="{FF2B5EF4-FFF2-40B4-BE49-F238E27FC236}">
+                <a16:creationId xmlns:a16="http://schemas.microsoft.com/office/drawing/2014/main" id="{17C7FC18-D027-1A4E-8B54-95FCC6D9A19E}"/>
+              </a:ext>
+            </a:extLst>
+          </p:cNvPr>
+          <p:cNvSpPr/>
+          <p:nvPr/>
+        </p:nvSpPr>
+        <p:spPr>
+          <a:xfrm>
+            <a:off x="4377999" y="3120104"/>
+            <a:ext cx="609600" cy="499872"/>
+          </a:xfrm>
+          <a:prstGeom prst="roundRect">
+            <a:avLst/>
+          </a:prstGeom>
+        </p:spPr>
+        <p:style>
+          <a:lnRef idx="2">
+            <a:schemeClr val="accent6"/>
+          </a:lnRef>
+          <a:fillRef idx="1">
+            <a:schemeClr val="lt1"/>
+          </a:fillRef>
+          <a:effectRef idx="0">
+            <a:schemeClr val="accent6"/>
+          </a:effectRef>
+          <a:fontRef idx="minor">
+            <a:schemeClr val="dk1"/>
+          </a:fontRef>
+        </p:style>
+        <p:txBody>
+          <a:bodyPr rtlCol="0" anchor="ctr"/>
+          <a:lstStyle/>
+          <a:p>
+            <a:pPr algn="ctr"/>
+            <a:r>
+              <a:rPr kumimoji="1" lang="en-US" altLang="zh-CN" sz="2400" b="1" dirty="0"/>
+              <a:t>3</a:t>
+            </a:r>
+            <a:endParaRPr kumimoji="1" lang="zh-CN" altLang="en-US" sz="2400" b="1" dirty="0"/>
+          </a:p>
+        </p:txBody>
+      </p:sp>
+      <p:cxnSp>
+        <p:nvCxnSpPr>
+          <p:cNvPr id="49" name="直线箭头连接符 48">
+            <a:extLst>
+              <a:ext uri="{FF2B5EF4-FFF2-40B4-BE49-F238E27FC236}">
+                <a16:creationId xmlns:a16="http://schemas.microsoft.com/office/drawing/2014/main" id="{76985A8A-E3AF-7E46-82C4-02BB37EFC2D6}"/>
+              </a:ext>
+            </a:extLst>
+          </p:cNvPr>
+          <p:cNvCxnSpPr>
+            <a:cxnSpLocks/>
+          </p:cNvCxnSpPr>
+          <p:nvPr/>
+        </p:nvCxnSpPr>
+        <p:spPr>
+          <a:xfrm flipV="1">
+            <a:off x="2829615" y="3618928"/>
+            <a:ext cx="0" cy="353568"/>
+          </a:xfrm>
+          <a:prstGeom prst="straightConnector1">
+            <a:avLst/>
+          </a:prstGeom>
+          <a:ln>
+            <a:tailEnd type="triangle"/>
+          </a:ln>
+        </p:spPr>
+        <p:style>
+          <a:lnRef idx="1">
+            <a:schemeClr val="accent1"/>
+          </a:lnRef>
+          <a:fillRef idx="0">
+            <a:schemeClr val="accent1"/>
+          </a:fillRef>
+          <a:effectRef idx="0">
+            <a:schemeClr val="accent1"/>
+          </a:effectRef>
+          <a:fontRef idx="minor">
+            <a:schemeClr val="tx1"/>
+          </a:fontRef>
+        </p:style>
+      </p:cxnSp>
+      <p:cxnSp>
+        <p:nvCxnSpPr>
+          <p:cNvPr id="50" name="直线箭头连接符 49">
+            <a:extLst>
+              <a:ext uri="{FF2B5EF4-FFF2-40B4-BE49-F238E27FC236}">
+                <a16:creationId xmlns:a16="http://schemas.microsoft.com/office/drawing/2014/main" id="{E32D9EE8-B271-6649-A421-78294C334BDE}"/>
+              </a:ext>
+            </a:extLst>
+          </p:cNvPr>
+          <p:cNvCxnSpPr>
+            <a:cxnSpLocks/>
+          </p:cNvCxnSpPr>
+          <p:nvPr/>
+        </p:nvCxnSpPr>
+        <p:spPr>
+          <a:xfrm flipV="1">
+            <a:off x="3473405" y="3619976"/>
+            <a:ext cx="0" cy="353568"/>
+          </a:xfrm>
+          <a:prstGeom prst="straightConnector1">
+            <a:avLst/>
+          </a:prstGeom>
+          <a:ln>
+            <a:tailEnd type="triangle"/>
+          </a:ln>
+        </p:spPr>
+        <p:style>
+          <a:lnRef idx="1">
+            <a:schemeClr val="accent1"/>
+          </a:lnRef>
+          <a:fillRef idx="0">
+            <a:schemeClr val="accent1"/>
+          </a:fillRef>
+          <a:effectRef idx="0">
+            <a:schemeClr val="accent1"/>
+          </a:effectRef>
+          <a:fontRef idx="minor">
+            <a:schemeClr val="tx1"/>
+          </a:fontRef>
+        </p:style>
+      </p:cxnSp>
+      <p:cxnSp>
+        <p:nvCxnSpPr>
+          <p:cNvPr id="51" name="直线箭头连接符 50">
+            <a:extLst>
+              <a:ext uri="{FF2B5EF4-FFF2-40B4-BE49-F238E27FC236}">
+                <a16:creationId xmlns:a16="http://schemas.microsoft.com/office/drawing/2014/main" id="{CE522C3C-396C-B244-99C6-FC6967678063}"/>
+              </a:ext>
+            </a:extLst>
+          </p:cNvPr>
+          <p:cNvCxnSpPr>
+            <a:cxnSpLocks/>
+          </p:cNvCxnSpPr>
+          <p:nvPr/>
+        </p:nvCxnSpPr>
+        <p:spPr>
+          <a:xfrm flipV="1">
+            <a:off x="2665023" y="3618928"/>
+            <a:ext cx="0" cy="353568"/>
+          </a:xfrm>
+          <a:prstGeom prst="straightConnector1">
+            <a:avLst/>
+          </a:prstGeom>
+          <a:ln>
+            <a:tailEnd type="triangle"/>
+          </a:ln>
+        </p:spPr>
+        <p:style>
+          <a:lnRef idx="1">
+            <a:schemeClr val="accent1"/>
+          </a:lnRef>
+          <a:fillRef idx="0">
+            <a:schemeClr val="accent1"/>
+          </a:fillRef>
+          <a:effectRef idx="0">
+            <a:schemeClr val="accent1"/>
+          </a:effectRef>
+          <a:fontRef idx="minor">
+            <a:schemeClr val="tx1"/>
+          </a:fontRef>
+        </p:style>
+      </p:cxnSp>
+      <p:sp>
+        <p:nvSpPr>
+          <p:cNvPr id="52" name="文本框 51">
+            <a:extLst>
+              <a:ext uri="{FF2B5EF4-FFF2-40B4-BE49-F238E27FC236}">
+                <a16:creationId xmlns:a16="http://schemas.microsoft.com/office/drawing/2014/main" id="{37F5D932-68D9-6349-B3CF-50631B5CAAD2}"/>
+              </a:ext>
+            </a:extLst>
+          </p:cNvPr>
+          <p:cNvSpPr txBox="1"/>
+          <p:nvPr/>
+        </p:nvSpPr>
+        <p:spPr>
+          <a:xfrm>
+            <a:off x="2208932" y="4007500"/>
+            <a:ext cx="620683" cy="369332"/>
+          </a:xfrm>
+          <a:prstGeom prst="rect">
+            <a:avLst/>
+          </a:prstGeom>
+          <a:noFill/>
+        </p:spPr>
+        <p:txBody>
+          <a:bodyPr wrap="none" rtlCol="0">
+            <a:spAutoFit/>
+          </a:bodyPr>
+          <a:lstStyle/>
+          <a:p>
+            <a:r>
+              <a:rPr kumimoji="1" lang="en-US" altLang="zh-CN" dirty="0"/>
+              <a:t>start</a:t>
+            </a:r>
+            <a:endParaRPr kumimoji="1" lang="zh-CN" altLang="en-US" dirty="0"/>
+          </a:p>
+        </p:txBody>
+      </p:sp>
+      <p:sp>
+        <p:nvSpPr>
+          <p:cNvPr id="53" name="文本框 52">
+            <a:extLst>
+              <a:ext uri="{FF2B5EF4-FFF2-40B4-BE49-F238E27FC236}">
+                <a16:creationId xmlns:a16="http://schemas.microsoft.com/office/drawing/2014/main" id="{606F627A-6766-BC4B-A9C9-680660C5A838}"/>
+              </a:ext>
+            </a:extLst>
+          </p:cNvPr>
+          <p:cNvSpPr txBox="1"/>
+          <p:nvPr/>
+        </p:nvSpPr>
+        <p:spPr>
+          <a:xfrm>
+            <a:off x="3236770" y="3969972"/>
+            <a:ext cx="562975" cy="369332"/>
+          </a:xfrm>
+          <a:prstGeom prst="rect">
+            <a:avLst/>
+          </a:prstGeom>
+          <a:noFill/>
+        </p:spPr>
+        <p:txBody>
+          <a:bodyPr wrap="none" rtlCol="0">
+            <a:spAutoFit/>
+          </a:bodyPr>
+          <a:lstStyle/>
+          <a:p>
+            <a:r>
+              <a:rPr kumimoji="1" lang="en-US" altLang="zh-CN" dirty="0"/>
+              <a:t>end</a:t>
+            </a:r>
+            <a:endParaRPr kumimoji="1" lang="zh-CN" altLang="en-US" dirty="0"/>
+          </a:p>
+        </p:txBody>
+      </p:sp>
+      <p:sp>
+        <p:nvSpPr>
+          <p:cNvPr id="54" name="矩形 53">
+            <a:extLst>
+              <a:ext uri="{FF2B5EF4-FFF2-40B4-BE49-F238E27FC236}">
+                <a16:creationId xmlns:a16="http://schemas.microsoft.com/office/drawing/2014/main" id="{59F7FF26-6FBB-4341-BF7D-B7B1C1AA299F}"/>
+              </a:ext>
+            </a:extLst>
+          </p:cNvPr>
+          <p:cNvSpPr/>
+          <p:nvPr/>
+        </p:nvSpPr>
+        <p:spPr>
+          <a:xfrm>
+            <a:off x="2708583" y="4007500"/>
+            <a:ext cx="562975" cy="369332"/>
+          </a:xfrm>
+          <a:prstGeom prst="rect">
+            <a:avLst/>
+          </a:prstGeom>
+        </p:spPr>
+        <p:txBody>
+          <a:bodyPr wrap="none">
+            <a:spAutoFit/>
+          </a:bodyPr>
+          <a:lstStyle/>
+          <a:p>
+            <a:r>
+              <a:rPr lang="en-US" altLang="zh-CN" dirty="0"/>
+              <a:t>mid</a:t>
+            </a:r>
+            <a:endParaRPr lang="zh-CN" altLang="en-US" dirty="0"/>
+          </a:p>
+        </p:txBody>
+      </p:sp>
+      <p:sp>
+        <p:nvSpPr>
+          <p:cNvPr id="55" name="圆角矩形 54">
+            <a:extLst>
+              <a:ext uri="{FF2B5EF4-FFF2-40B4-BE49-F238E27FC236}">
+                <a16:creationId xmlns:a16="http://schemas.microsoft.com/office/drawing/2014/main" id="{F935DB2C-64C1-8C48-924A-1A581925C215}"/>
+              </a:ext>
+            </a:extLst>
+          </p:cNvPr>
+          <p:cNvSpPr/>
+          <p:nvPr/>
+        </p:nvSpPr>
+        <p:spPr>
+          <a:xfrm>
+            <a:off x="6322623" y="621792"/>
+            <a:ext cx="609600" cy="499872"/>
+          </a:xfrm>
+          <a:prstGeom prst="roundRect">
+            <a:avLst/>
+          </a:prstGeom>
+        </p:spPr>
+        <p:style>
+          <a:lnRef idx="2">
+            <a:schemeClr val="accent6"/>
+          </a:lnRef>
+          <a:fillRef idx="1">
+            <a:schemeClr val="lt1"/>
+          </a:fillRef>
+          <a:effectRef idx="0">
+            <a:schemeClr val="accent6"/>
+          </a:effectRef>
+          <a:fontRef idx="minor">
+            <a:schemeClr val="dk1"/>
+          </a:fontRef>
+        </p:style>
+        <p:txBody>
+          <a:bodyPr rtlCol="0" anchor="ctr"/>
+          <a:lstStyle/>
+          <a:p>
+            <a:pPr algn="ctr"/>
+            <a:r>
+              <a:rPr kumimoji="1" lang="en-US" altLang="zh-CN" sz="2400" b="1" dirty="0"/>
+              <a:t>1</a:t>
+            </a:r>
+            <a:endParaRPr kumimoji="1" lang="zh-CN" altLang="en-US" sz="2400" b="1" dirty="0"/>
+          </a:p>
+        </p:txBody>
+      </p:sp>
+      <p:sp>
+        <p:nvSpPr>
+          <p:cNvPr id="56" name="圆角矩形 55">
+            <a:extLst>
+              <a:ext uri="{FF2B5EF4-FFF2-40B4-BE49-F238E27FC236}">
+                <a16:creationId xmlns:a16="http://schemas.microsoft.com/office/drawing/2014/main" id="{90C3C1CE-236D-3E41-9D4F-DFC125805978}"/>
+              </a:ext>
+            </a:extLst>
+          </p:cNvPr>
+          <p:cNvSpPr/>
+          <p:nvPr/>
+        </p:nvSpPr>
+        <p:spPr>
+          <a:xfrm>
+            <a:off x="6932223" y="621792"/>
+            <a:ext cx="609600" cy="499872"/>
+          </a:xfrm>
+          <a:prstGeom prst="roundRect">
+            <a:avLst/>
+          </a:prstGeom>
+        </p:spPr>
+        <p:style>
+          <a:lnRef idx="2">
+            <a:schemeClr val="accent6"/>
+          </a:lnRef>
+          <a:fillRef idx="1">
+            <a:schemeClr val="lt1"/>
+          </a:fillRef>
+          <a:effectRef idx="0">
+            <a:schemeClr val="accent6"/>
+          </a:effectRef>
+          <a:fontRef idx="minor">
+            <a:schemeClr val="dk1"/>
+          </a:fontRef>
+        </p:style>
+        <p:txBody>
+          <a:bodyPr rtlCol="0" anchor="ctr"/>
+          <a:lstStyle/>
+          <a:p>
+            <a:pPr algn="ctr"/>
+            <a:r>
+              <a:rPr kumimoji="1" lang="en-US" altLang="zh-CN" sz="2400" b="1" dirty="0"/>
+              <a:t>0</a:t>
+            </a:r>
+            <a:endParaRPr kumimoji="1" lang="zh-CN" altLang="en-US" sz="2400" b="1" dirty="0"/>
+          </a:p>
+        </p:txBody>
+      </p:sp>
+      <p:sp>
+        <p:nvSpPr>
+          <p:cNvPr id="57" name="圆角矩形 56">
+            <a:extLst>
+              <a:ext uri="{FF2B5EF4-FFF2-40B4-BE49-F238E27FC236}">
+                <a16:creationId xmlns:a16="http://schemas.microsoft.com/office/drawing/2014/main" id="{49845B70-2670-3A4C-BEC3-734574B2DFE3}"/>
+              </a:ext>
+            </a:extLst>
+          </p:cNvPr>
+          <p:cNvSpPr/>
+          <p:nvPr/>
+        </p:nvSpPr>
+        <p:spPr>
+          <a:xfrm>
+            <a:off x="7541823" y="621792"/>
+            <a:ext cx="609600" cy="499872"/>
+          </a:xfrm>
+          <a:prstGeom prst="roundRect">
+            <a:avLst/>
+          </a:prstGeom>
+        </p:spPr>
+        <p:style>
+          <a:lnRef idx="2">
+            <a:schemeClr val="accent6"/>
+          </a:lnRef>
+          <a:fillRef idx="1">
+            <a:schemeClr val="lt1"/>
+          </a:fillRef>
+          <a:effectRef idx="0">
+            <a:schemeClr val="accent6"/>
+          </a:effectRef>
+          <a:fontRef idx="minor">
+            <a:schemeClr val="dk1"/>
+          </a:fontRef>
+        </p:style>
+        <p:txBody>
+          <a:bodyPr rtlCol="0" anchor="ctr"/>
+          <a:lstStyle/>
+          <a:p>
+            <a:pPr algn="ctr"/>
+            <a:r>
+              <a:rPr kumimoji="1" lang="en-US" altLang="zh-CN" sz="2400" b="1" dirty="0"/>
+              <a:t>1</a:t>
+            </a:r>
+            <a:endParaRPr kumimoji="1" lang="zh-CN" altLang="en-US" sz="2400" b="1" dirty="0"/>
+          </a:p>
+        </p:txBody>
+      </p:sp>
+      <p:sp>
+        <p:nvSpPr>
+          <p:cNvPr id="58" name="圆角矩形 57">
+            <a:extLst>
+              <a:ext uri="{FF2B5EF4-FFF2-40B4-BE49-F238E27FC236}">
+                <a16:creationId xmlns:a16="http://schemas.microsoft.com/office/drawing/2014/main" id="{DD13942D-2DAD-B544-94A1-F5614A6ED992}"/>
+              </a:ext>
+            </a:extLst>
+          </p:cNvPr>
+          <p:cNvSpPr/>
+          <p:nvPr/>
+        </p:nvSpPr>
+        <p:spPr>
+          <a:xfrm>
+            <a:off x="8151423" y="621792"/>
+            <a:ext cx="609600" cy="499872"/>
+          </a:xfrm>
+          <a:prstGeom prst="roundRect">
+            <a:avLst/>
+          </a:prstGeom>
+        </p:spPr>
+        <p:style>
+          <a:lnRef idx="2">
+            <a:schemeClr val="accent6"/>
+          </a:lnRef>
+          <a:fillRef idx="1">
+            <a:schemeClr val="lt1"/>
+          </a:fillRef>
+          <a:effectRef idx="0">
+            <a:schemeClr val="accent6"/>
+          </a:effectRef>
+          <a:fontRef idx="minor">
+            <a:schemeClr val="dk1"/>
+          </a:fontRef>
+        </p:style>
+        <p:txBody>
+          <a:bodyPr rtlCol="0" anchor="ctr"/>
+          <a:lstStyle/>
+          <a:p>
+            <a:pPr algn="ctr"/>
+            <a:r>
+              <a:rPr kumimoji="1" lang="en-US" altLang="zh-CN" sz="2400" b="1" dirty="0"/>
+              <a:t>1</a:t>
+            </a:r>
+            <a:endParaRPr kumimoji="1" lang="zh-CN" altLang="en-US" sz="2400" b="1" dirty="0"/>
+          </a:p>
+        </p:txBody>
+      </p:sp>
+      <p:sp>
+        <p:nvSpPr>
+          <p:cNvPr id="59" name="圆角矩形 58">
+            <a:extLst>
+              <a:ext uri="{FF2B5EF4-FFF2-40B4-BE49-F238E27FC236}">
+                <a16:creationId xmlns:a16="http://schemas.microsoft.com/office/drawing/2014/main" id="{09A5A52E-D88C-4847-8B3D-A9B1CAB97691}"/>
+              </a:ext>
+            </a:extLst>
+          </p:cNvPr>
+          <p:cNvSpPr/>
+          <p:nvPr/>
+        </p:nvSpPr>
+        <p:spPr>
+          <a:xfrm>
+            <a:off x="8761023" y="621792"/>
+            <a:ext cx="609600" cy="499872"/>
+          </a:xfrm>
+          <a:prstGeom prst="roundRect">
+            <a:avLst/>
+          </a:prstGeom>
+        </p:spPr>
+        <p:style>
+          <a:lnRef idx="2">
+            <a:schemeClr val="accent6"/>
+          </a:lnRef>
+          <a:fillRef idx="1">
+            <a:schemeClr val="lt1"/>
+          </a:fillRef>
+          <a:effectRef idx="0">
+            <a:schemeClr val="accent6"/>
+          </a:effectRef>
+          <a:fontRef idx="minor">
+            <a:schemeClr val="dk1"/>
+          </a:fontRef>
+        </p:style>
+        <p:txBody>
+          <a:bodyPr rtlCol="0" anchor="ctr"/>
+          <a:lstStyle/>
+          <a:p>
+            <a:pPr algn="ctr"/>
+            <a:r>
+              <a:rPr kumimoji="1" lang="en-US" altLang="zh-CN" sz="2400" b="1" dirty="0"/>
+              <a:t>1</a:t>
+            </a:r>
+            <a:endParaRPr kumimoji="1" lang="zh-CN" altLang="en-US" sz="2400" b="1" dirty="0"/>
+          </a:p>
+        </p:txBody>
+      </p:sp>
+      <p:cxnSp>
+        <p:nvCxnSpPr>
+          <p:cNvPr id="63" name="直线箭头连接符 62">
+            <a:extLst>
+              <a:ext uri="{FF2B5EF4-FFF2-40B4-BE49-F238E27FC236}">
+                <a16:creationId xmlns:a16="http://schemas.microsoft.com/office/drawing/2014/main" id="{DC0060E2-B24D-9845-B21B-9470214C121F}"/>
+              </a:ext>
+            </a:extLst>
+          </p:cNvPr>
+          <p:cNvCxnSpPr>
+            <a:cxnSpLocks/>
+          </p:cNvCxnSpPr>
+          <p:nvPr/>
+        </p:nvCxnSpPr>
+        <p:spPr>
+          <a:xfrm flipV="1">
+            <a:off x="6606496" y="1121664"/>
+            <a:ext cx="0" cy="353568"/>
+          </a:xfrm>
+          <a:prstGeom prst="straightConnector1">
+            <a:avLst/>
+          </a:prstGeom>
+          <a:ln>
+            <a:tailEnd type="triangle"/>
+          </a:ln>
+        </p:spPr>
+        <p:style>
+          <a:lnRef idx="1">
+            <a:schemeClr val="accent1"/>
+          </a:lnRef>
+          <a:fillRef idx="0">
+            <a:schemeClr val="accent1"/>
+          </a:fillRef>
+          <a:effectRef idx="0">
+            <a:schemeClr val="accent1"/>
+          </a:effectRef>
+          <a:fontRef idx="minor">
+            <a:schemeClr val="tx1"/>
+          </a:fontRef>
+        </p:style>
+      </p:cxnSp>
+      <p:sp>
+        <p:nvSpPr>
+          <p:cNvPr id="64" name="文本框 63">
+            <a:extLst>
+              <a:ext uri="{FF2B5EF4-FFF2-40B4-BE49-F238E27FC236}">
+                <a16:creationId xmlns:a16="http://schemas.microsoft.com/office/drawing/2014/main" id="{7DE547EC-7D88-7E45-B884-193180CBCBF6}"/>
+              </a:ext>
+            </a:extLst>
+          </p:cNvPr>
+          <p:cNvSpPr txBox="1"/>
+          <p:nvPr/>
+        </p:nvSpPr>
+        <p:spPr>
+          <a:xfrm>
+            <a:off x="6326080" y="1511808"/>
+            <a:ext cx="620683" cy="369332"/>
+          </a:xfrm>
+          <a:prstGeom prst="rect">
+            <a:avLst/>
+          </a:prstGeom>
+          <a:noFill/>
+        </p:spPr>
+        <p:txBody>
+          <a:bodyPr wrap="none" rtlCol="0">
+            <a:spAutoFit/>
+          </a:bodyPr>
+          <a:lstStyle/>
+          <a:p>
+            <a:r>
+              <a:rPr kumimoji="1" lang="en-US" altLang="zh-CN" dirty="0"/>
+              <a:t>start</a:t>
+            </a:r>
+            <a:endParaRPr kumimoji="1" lang="zh-CN" altLang="en-US" dirty="0"/>
+          </a:p>
+        </p:txBody>
+      </p:sp>
+      <p:cxnSp>
+        <p:nvCxnSpPr>
+          <p:cNvPr id="65" name="直线箭头连接符 64">
+            <a:extLst>
+              <a:ext uri="{FF2B5EF4-FFF2-40B4-BE49-F238E27FC236}">
+                <a16:creationId xmlns:a16="http://schemas.microsoft.com/office/drawing/2014/main" id="{70F84F97-D0AD-814B-8976-E264EBBB291E}"/>
+              </a:ext>
+            </a:extLst>
+          </p:cNvPr>
+          <p:cNvCxnSpPr>
+            <a:cxnSpLocks/>
+          </p:cNvCxnSpPr>
+          <p:nvPr/>
+        </p:nvCxnSpPr>
+        <p:spPr>
+          <a:xfrm flipV="1">
+            <a:off x="9058656" y="1158240"/>
+            <a:ext cx="0" cy="353568"/>
+          </a:xfrm>
+          <a:prstGeom prst="straightConnector1">
+            <a:avLst/>
+          </a:prstGeom>
+          <a:ln>
+            <a:tailEnd type="triangle"/>
+          </a:ln>
+        </p:spPr>
+        <p:style>
+          <a:lnRef idx="1">
+            <a:schemeClr val="accent1"/>
+          </a:lnRef>
+          <a:fillRef idx="0">
+            <a:schemeClr val="accent1"/>
+          </a:fillRef>
+          <a:effectRef idx="0">
+            <a:schemeClr val="accent1"/>
+          </a:effectRef>
+          <a:fontRef idx="minor">
+            <a:schemeClr val="tx1"/>
+          </a:fontRef>
+        </p:style>
+      </p:cxnSp>
+      <p:sp>
+        <p:nvSpPr>
+          <p:cNvPr id="66" name="矩形 65">
+            <a:extLst>
+              <a:ext uri="{FF2B5EF4-FFF2-40B4-BE49-F238E27FC236}">
+                <a16:creationId xmlns:a16="http://schemas.microsoft.com/office/drawing/2014/main" id="{1883E0A9-B9C8-4F4D-8DF2-C1741B6466BC}"/>
+              </a:ext>
+            </a:extLst>
+          </p:cNvPr>
+          <p:cNvSpPr/>
+          <p:nvPr/>
+        </p:nvSpPr>
+        <p:spPr>
+          <a:xfrm>
+            <a:off x="8807648" y="1548384"/>
+            <a:ext cx="562975" cy="369332"/>
+          </a:xfrm>
+          <a:prstGeom prst="rect">
+            <a:avLst/>
+          </a:prstGeom>
+        </p:spPr>
+        <p:txBody>
+          <a:bodyPr wrap="none">
+            <a:spAutoFit/>
+          </a:bodyPr>
+          <a:lstStyle/>
+          <a:p>
+            <a:r>
+              <a:rPr lang="en-US" altLang="zh-CN" dirty="0"/>
+              <a:t>end</a:t>
+            </a:r>
+            <a:endParaRPr lang="zh-CN" altLang="en-US" dirty="0"/>
+          </a:p>
+        </p:txBody>
+      </p:sp>
+      <p:cxnSp>
+        <p:nvCxnSpPr>
+          <p:cNvPr id="67" name="直线箭头连接符 66">
+            <a:extLst>
+              <a:ext uri="{FF2B5EF4-FFF2-40B4-BE49-F238E27FC236}">
+                <a16:creationId xmlns:a16="http://schemas.microsoft.com/office/drawing/2014/main" id="{C879B39A-ADDC-EA42-B172-378041CF0FFC}"/>
+              </a:ext>
+            </a:extLst>
+          </p:cNvPr>
+          <p:cNvCxnSpPr>
+            <a:cxnSpLocks/>
+          </p:cNvCxnSpPr>
+          <p:nvPr/>
+        </p:nvCxnSpPr>
+        <p:spPr>
+          <a:xfrm flipV="1">
+            <a:off x="7848867" y="1121664"/>
+            <a:ext cx="0" cy="353568"/>
+          </a:xfrm>
+          <a:prstGeom prst="straightConnector1">
+            <a:avLst/>
+          </a:prstGeom>
+          <a:ln>
+            <a:tailEnd type="triangle"/>
+          </a:ln>
+        </p:spPr>
+        <p:style>
+          <a:lnRef idx="1">
+            <a:schemeClr val="accent1"/>
+          </a:lnRef>
+          <a:fillRef idx="0">
+            <a:schemeClr val="accent1"/>
+          </a:fillRef>
+          <a:effectRef idx="0">
+            <a:schemeClr val="accent1"/>
+          </a:effectRef>
+          <a:fontRef idx="minor">
+            <a:schemeClr val="tx1"/>
+          </a:fontRef>
+        </p:style>
+      </p:cxnSp>
+      <p:sp>
+        <p:nvSpPr>
+          <p:cNvPr id="68" name="文本框 67">
+            <a:extLst>
+              <a:ext uri="{FF2B5EF4-FFF2-40B4-BE49-F238E27FC236}">
+                <a16:creationId xmlns:a16="http://schemas.microsoft.com/office/drawing/2014/main" id="{1670AD29-3BAC-344D-A752-C5FBD9BEF6F9}"/>
+              </a:ext>
+            </a:extLst>
+          </p:cNvPr>
+          <p:cNvSpPr txBox="1"/>
+          <p:nvPr/>
+        </p:nvSpPr>
+        <p:spPr>
+          <a:xfrm>
+            <a:off x="7596788" y="1511808"/>
+            <a:ext cx="562975" cy="369332"/>
+          </a:xfrm>
+          <a:prstGeom prst="rect">
+            <a:avLst/>
+          </a:prstGeom>
+          <a:noFill/>
+        </p:spPr>
+        <p:txBody>
+          <a:bodyPr wrap="none" rtlCol="0">
+            <a:spAutoFit/>
+          </a:bodyPr>
+          <a:lstStyle/>
+          <a:p>
+            <a:r>
+              <a:rPr kumimoji="1" lang="en-US" altLang="zh-CN" dirty="0"/>
+              <a:t>mid</a:t>
+            </a:r>
+            <a:endParaRPr kumimoji="1" lang="zh-CN" altLang="en-US" dirty="0"/>
+          </a:p>
+        </p:txBody>
+      </p:sp>
+      <p:sp>
+        <p:nvSpPr>
+          <p:cNvPr id="69" name="圆角矩形 68">
+            <a:extLst>
+              <a:ext uri="{FF2B5EF4-FFF2-40B4-BE49-F238E27FC236}">
+                <a16:creationId xmlns:a16="http://schemas.microsoft.com/office/drawing/2014/main" id="{101AD7EF-2422-6F4F-8FB7-FCDD84DF7D3B}"/>
+              </a:ext>
+            </a:extLst>
+          </p:cNvPr>
+          <p:cNvSpPr/>
+          <p:nvPr/>
+        </p:nvSpPr>
+        <p:spPr>
+          <a:xfrm>
+            <a:off x="6301696" y="1954292"/>
+            <a:ext cx="609600" cy="499872"/>
+          </a:xfrm>
+          <a:prstGeom prst="roundRect">
+            <a:avLst/>
+          </a:prstGeom>
+        </p:spPr>
+        <p:style>
+          <a:lnRef idx="2">
+            <a:schemeClr val="accent6"/>
+          </a:lnRef>
+          <a:fillRef idx="1">
+            <a:schemeClr val="lt1"/>
+          </a:fillRef>
+          <a:effectRef idx="0">
+            <a:schemeClr val="accent6"/>
+          </a:effectRef>
+          <a:fontRef idx="minor">
+            <a:schemeClr val="dk1"/>
+          </a:fontRef>
+        </p:style>
+        <p:txBody>
+          <a:bodyPr rtlCol="0" anchor="ctr"/>
+          <a:lstStyle/>
+          <a:p>
+            <a:pPr algn="ctr"/>
+            <a:r>
+              <a:rPr kumimoji="1" lang="en-US" altLang="zh-CN" sz="2400" b="1" dirty="0"/>
+              <a:t>1</a:t>
+            </a:r>
+            <a:endParaRPr kumimoji="1" lang="zh-CN" altLang="en-US" sz="2400" b="1" dirty="0"/>
+          </a:p>
+        </p:txBody>
+      </p:sp>
+      <p:sp>
+        <p:nvSpPr>
+          <p:cNvPr id="70" name="圆角矩形 69">
+            <a:extLst>
+              <a:ext uri="{FF2B5EF4-FFF2-40B4-BE49-F238E27FC236}">
+                <a16:creationId xmlns:a16="http://schemas.microsoft.com/office/drawing/2014/main" id="{B86FA588-8443-C741-A9C3-B425AE23A5FC}"/>
+              </a:ext>
+            </a:extLst>
+          </p:cNvPr>
+          <p:cNvSpPr/>
+          <p:nvPr/>
+        </p:nvSpPr>
+        <p:spPr>
+          <a:xfrm>
+            <a:off x="6911296" y="1954292"/>
+            <a:ext cx="609600" cy="499872"/>
+          </a:xfrm>
+          <a:prstGeom prst="roundRect">
+            <a:avLst/>
+          </a:prstGeom>
+        </p:spPr>
+        <p:style>
+          <a:lnRef idx="2">
+            <a:schemeClr val="accent6"/>
+          </a:lnRef>
+          <a:fillRef idx="1">
+            <a:schemeClr val="lt1"/>
+          </a:fillRef>
+          <a:effectRef idx="0">
+            <a:schemeClr val="accent6"/>
+          </a:effectRef>
+          <a:fontRef idx="minor">
+            <a:schemeClr val="dk1"/>
+          </a:fontRef>
+        </p:style>
+        <p:txBody>
+          <a:bodyPr rtlCol="0" anchor="ctr"/>
+          <a:lstStyle/>
+          <a:p>
+            <a:pPr algn="ctr"/>
+            <a:r>
+              <a:rPr kumimoji="1" lang="en-US" altLang="zh-CN" sz="2400" b="1" dirty="0"/>
+              <a:t>0</a:t>
+            </a:r>
+            <a:endParaRPr kumimoji="1" lang="zh-CN" altLang="en-US" sz="2400" b="1" dirty="0"/>
+          </a:p>
+        </p:txBody>
+      </p:sp>
+      <p:sp>
+        <p:nvSpPr>
+          <p:cNvPr id="71" name="圆角矩形 70">
+            <a:extLst>
+              <a:ext uri="{FF2B5EF4-FFF2-40B4-BE49-F238E27FC236}">
+                <a16:creationId xmlns:a16="http://schemas.microsoft.com/office/drawing/2014/main" id="{1F0142FC-4E1E-C047-AFAF-B1F11C26F7F9}"/>
+              </a:ext>
+            </a:extLst>
+          </p:cNvPr>
+          <p:cNvSpPr/>
+          <p:nvPr/>
+        </p:nvSpPr>
+        <p:spPr>
+          <a:xfrm>
+            <a:off x="7520896" y="1954292"/>
+            <a:ext cx="609600" cy="499872"/>
+          </a:xfrm>
+          <a:prstGeom prst="roundRect">
+            <a:avLst/>
+          </a:prstGeom>
+        </p:spPr>
+        <p:style>
+          <a:lnRef idx="2">
+            <a:schemeClr val="accent6"/>
+          </a:lnRef>
+          <a:fillRef idx="1">
+            <a:schemeClr val="lt1"/>
+          </a:fillRef>
+          <a:effectRef idx="0">
+            <a:schemeClr val="accent6"/>
+          </a:effectRef>
+          <a:fontRef idx="minor">
+            <a:schemeClr val="dk1"/>
+          </a:fontRef>
+        </p:style>
+        <p:txBody>
+          <a:bodyPr rtlCol="0" anchor="ctr"/>
+          <a:lstStyle/>
+          <a:p>
+            <a:pPr algn="ctr"/>
+            <a:r>
+              <a:rPr kumimoji="1" lang="en-US" altLang="zh-CN" sz="2400" b="1" dirty="0"/>
+              <a:t>1</a:t>
+            </a:r>
+            <a:endParaRPr kumimoji="1" lang="zh-CN" altLang="en-US" sz="2400" b="1" dirty="0"/>
+          </a:p>
+        </p:txBody>
+      </p:sp>
+      <p:sp>
+        <p:nvSpPr>
+          <p:cNvPr id="72" name="圆角矩形 71">
+            <a:extLst>
+              <a:ext uri="{FF2B5EF4-FFF2-40B4-BE49-F238E27FC236}">
+                <a16:creationId xmlns:a16="http://schemas.microsoft.com/office/drawing/2014/main" id="{F12B8B30-A914-2742-ADEA-FA9FF3C2AA93}"/>
+              </a:ext>
+            </a:extLst>
+          </p:cNvPr>
+          <p:cNvSpPr/>
+          <p:nvPr/>
+        </p:nvSpPr>
+        <p:spPr>
+          <a:xfrm>
+            <a:off x="8130496" y="1954292"/>
+            <a:ext cx="609600" cy="499872"/>
+          </a:xfrm>
+          <a:prstGeom prst="roundRect">
+            <a:avLst/>
+          </a:prstGeom>
+        </p:spPr>
+        <p:style>
+          <a:lnRef idx="2">
+            <a:schemeClr val="accent6"/>
+          </a:lnRef>
+          <a:fillRef idx="1">
+            <a:schemeClr val="lt1"/>
+          </a:fillRef>
+          <a:effectRef idx="0">
+            <a:schemeClr val="accent6"/>
+          </a:effectRef>
+          <a:fontRef idx="minor">
+            <a:schemeClr val="dk1"/>
+          </a:fontRef>
+        </p:style>
+        <p:txBody>
+          <a:bodyPr rtlCol="0" anchor="ctr"/>
+          <a:lstStyle/>
+          <a:p>
+            <a:pPr algn="ctr"/>
+            <a:r>
+              <a:rPr kumimoji="1" lang="en-US" altLang="zh-CN" sz="2400" b="1" dirty="0"/>
+              <a:t>1</a:t>
+            </a:r>
+            <a:endParaRPr kumimoji="1" lang="zh-CN" altLang="en-US" sz="2400" b="1" dirty="0"/>
+          </a:p>
+        </p:txBody>
+      </p:sp>
+      <p:sp>
+        <p:nvSpPr>
+          <p:cNvPr id="73" name="圆角矩形 72">
+            <a:extLst>
+              <a:ext uri="{FF2B5EF4-FFF2-40B4-BE49-F238E27FC236}">
+                <a16:creationId xmlns:a16="http://schemas.microsoft.com/office/drawing/2014/main" id="{A504EC66-878C-2345-93B0-98F0D5A9DCAC}"/>
+              </a:ext>
+            </a:extLst>
+          </p:cNvPr>
+          <p:cNvSpPr/>
+          <p:nvPr/>
+        </p:nvSpPr>
+        <p:spPr>
+          <a:xfrm>
+            <a:off x="8740096" y="1954292"/>
+            <a:ext cx="609600" cy="499872"/>
+          </a:xfrm>
+          <a:prstGeom prst="roundRect">
+            <a:avLst/>
+          </a:prstGeom>
+        </p:spPr>
+        <p:style>
+          <a:lnRef idx="2">
+            <a:schemeClr val="accent6"/>
+          </a:lnRef>
+          <a:fillRef idx="1">
+            <a:schemeClr val="lt1"/>
+          </a:fillRef>
+          <a:effectRef idx="0">
+            <a:schemeClr val="accent6"/>
+          </a:effectRef>
+          <a:fontRef idx="minor">
+            <a:schemeClr val="dk1"/>
+          </a:fontRef>
+        </p:style>
+        <p:txBody>
+          <a:bodyPr rtlCol="0" anchor="ctr"/>
+          <a:lstStyle/>
+          <a:p>
+            <a:pPr algn="ctr"/>
+            <a:r>
+              <a:rPr kumimoji="1" lang="en-US" altLang="zh-CN" sz="2400" b="1" dirty="0"/>
+              <a:t>1</a:t>
+            </a:r>
+            <a:endParaRPr kumimoji="1" lang="zh-CN" altLang="en-US" sz="2400" b="1" dirty="0"/>
+          </a:p>
+        </p:txBody>
+      </p:sp>
+      <p:cxnSp>
+        <p:nvCxnSpPr>
+          <p:cNvPr id="74" name="直线箭头连接符 73">
+            <a:extLst>
+              <a:ext uri="{FF2B5EF4-FFF2-40B4-BE49-F238E27FC236}">
+                <a16:creationId xmlns:a16="http://schemas.microsoft.com/office/drawing/2014/main" id="{8E1172F4-0959-8E46-A386-04511AEAF098}"/>
+              </a:ext>
+            </a:extLst>
+          </p:cNvPr>
+          <p:cNvCxnSpPr>
+            <a:cxnSpLocks/>
+          </p:cNvCxnSpPr>
+          <p:nvPr/>
+        </p:nvCxnSpPr>
+        <p:spPr>
+          <a:xfrm flipV="1">
+            <a:off x="7208392" y="2454164"/>
+            <a:ext cx="0" cy="353568"/>
+          </a:xfrm>
+          <a:prstGeom prst="straightConnector1">
+            <a:avLst/>
+          </a:prstGeom>
+          <a:ln>
+            <a:tailEnd type="triangle"/>
+          </a:ln>
+        </p:spPr>
+        <p:style>
+          <a:lnRef idx="1">
+            <a:schemeClr val="accent1"/>
+          </a:lnRef>
+          <a:fillRef idx="0">
+            <a:schemeClr val="accent1"/>
+          </a:fillRef>
+          <a:effectRef idx="0">
+            <a:schemeClr val="accent1"/>
+          </a:effectRef>
+          <a:fontRef idx="minor">
+            <a:schemeClr val="tx1"/>
+          </a:fontRef>
+        </p:style>
+      </p:cxnSp>
+      <p:sp>
+        <p:nvSpPr>
+          <p:cNvPr id="75" name="文本框 74">
+            <a:extLst>
+              <a:ext uri="{FF2B5EF4-FFF2-40B4-BE49-F238E27FC236}">
+                <a16:creationId xmlns:a16="http://schemas.microsoft.com/office/drawing/2014/main" id="{F9054DBC-62C4-E54D-A576-47F15B61512C}"/>
+              </a:ext>
+            </a:extLst>
+          </p:cNvPr>
+          <p:cNvSpPr txBox="1"/>
+          <p:nvPr/>
+        </p:nvSpPr>
+        <p:spPr>
+          <a:xfrm>
+            <a:off x="6927976" y="2807732"/>
+            <a:ext cx="620683" cy="369332"/>
+          </a:xfrm>
+          <a:prstGeom prst="rect">
+            <a:avLst/>
+          </a:prstGeom>
+          <a:noFill/>
+        </p:spPr>
+        <p:txBody>
+          <a:bodyPr wrap="none" rtlCol="0">
+            <a:spAutoFit/>
+          </a:bodyPr>
+          <a:lstStyle/>
+          <a:p>
+            <a:r>
+              <a:rPr kumimoji="1" lang="en-US" altLang="zh-CN" dirty="0"/>
+              <a:t>start</a:t>
+            </a:r>
+            <a:endParaRPr kumimoji="1" lang="zh-CN" altLang="en-US" dirty="0"/>
+          </a:p>
+        </p:txBody>
+      </p:sp>
+      <p:cxnSp>
+        <p:nvCxnSpPr>
+          <p:cNvPr id="76" name="直线箭头连接符 75">
+            <a:extLst>
+              <a:ext uri="{FF2B5EF4-FFF2-40B4-BE49-F238E27FC236}">
+                <a16:creationId xmlns:a16="http://schemas.microsoft.com/office/drawing/2014/main" id="{0368E96A-766F-4C40-828A-8648CB4941AB}"/>
+              </a:ext>
+            </a:extLst>
+          </p:cNvPr>
+          <p:cNvCxnSpPr>
+            <a:cxnSpLocks/>
+          </p:cNvCxnSpPr>
+          <p:nvPr/>
+        </p:nvCxnSpPr>
+        <p:spPr>
+          <a:xfrm flipV="1">
+            <a:off x="9037729" y="2490740"/>
+            <a:ext cx="0" cy="353568"/>
+          </a:xfrm>
+          <a:prstGeom prst="straightConnector1">
+            <a:avLst/>
+          </a:prstGeom>
+          <a:ln>
+            <a:tailEnd type="triangle"/>
+          </a:ln>
+        </p:spPr>
+        <p:style>
+          <a:lnRef idx="1">
+            <a:schemeClr val="accent1"/>
+          </a:lnRef>
+          <a:fillRef idx="0">
+            <a:schemeClr val="accent1"/>
+          </a:fillRef>
+          <a:effectRef idx="0">
+            <a:schemeClr val="accent1"/>
+          </a:effectRef>
+          <a:fontRef idx="minor">
+            <a:schemeClr val="tx1"/>
+          </a:fontRef>
+        </p:style>
+      </p:cxnSp>
+      <p:sp>
+        <p:nvSpPr>
+          <p:cNvPr id="77" name="矩形 76">
+            <a:extLst>
+              <a:ext uri="{FF2B5EF4-FFF2-40B4-BE49-F238E27FC236}">
+                <a16:creationId xmlns:a16="http://schemas.microsoft.com/office/drawing/2014/main" id="{8F0A42A6-4317-7242-B84A-0639B83592EB}"/>
+              </a:ext>
+            </a:extLst>
+          </p:cNvPr>
+          <p:cNvSpPr/>
+          <p:nvPr/>
+        </p:nvSpPr>
+        <p:spPr>
+          <a:xfrm>
+            <a:off x="8786721" y="2807732"/>
+            <a:ext cx="562975" cy="369332"/>
+          </a:xfrm>
+          <a:prstGeom prst="rect">
+            <a:avLst/>
+          </a:prstGeom>
+        </p:spPr>
+        <p:txBody>
+          <a:bodyPr wrap="none">
+            <a:spAutoFit/>
+          </a:bodyPr>
+          <a:lstStyle/>
+          <a:p>
+            <a:r>
+              <a:rPr lang="en-US" altLang="zh-CN" dirty="0"/>
+              <a:t>end</a:t>
+            </a:r>
+            <a:endParaRPr lang="zh-CN" altLang="en-US" dirty="0"/>
+          </a:p>
+        </p:txBody>
+      </p:sp>
+      <p:cxnSp>
+        <p:nvCxnSpPr>
+          <p:cNvPr id="78" name="直线箭头连接符 77">
+            <a:extLst>
+              <a:ext uri="{FF2B5EF4-FFF2-40B4-BE49-F238E27FC236}">
+                <a16:creationId xmlns:a16="http://schemas.microsoft.com/office/drawing/2014/main" id="{C20291BB-F2DB-9341-90C6-258D3CD162CD}"/>
+              </a:ext>
+            </a:extLst>
+          </p:cNvPr>
+          <p:cNvCxnSpPr>
+            <a:cxnSpLocks/>
+          </p:cNvCxnSpPr>
+          <p:nvPr/>
+        </p:nvCxnSpPr>
+        <p:spPr>
+          <a:xfrm flipV="1">
+            <a:off x="7827940" y="2454164"/>
+            <a:ext cx="0" cy="353568"/>
+          </a:xfrm>
+          <a:prstGeom prst="straightConnector1">
+            <a:avLst/>
+          </a:prstGeom>
+          <a:ln>
+            <a:tailEnd type="triangle"/>
+          </a:ln>
+        </p:spPr>
+        <p:style>
+          <a:lnRef idx="1">
+            <a:schemeClr val="accent1"/>
+          </a:lnRef>
+          <a:fillRef idx="0">
+            <a:schemeClr val="accent1"/>
+          </a:fillRef>
+          <a:effectRef idx="0">
+            <a:schemeClr val="accent1"/>
+          </a:effectRef>
+          <a:fontRef idx="minor">
+            <a:schemeClr val="tx1"/>
+          </a:fontRef>
+        </p:style>
+      </p:cxnSp>
+      <p:sp>
+        <p:nvSpPr>
+          <p:cNvPr id="79" name="文本框 78">
+            <a:extLst>
+              <a:ext uri="{FF2B5EF4-FFF2-40B4-BE49-F238E27FC236}">
+                <a16:creationId xmlns:a16="http://schemas.microsoft.com/office/drawing/2014/main" id="{03DCE1AD-655B-0B4D-AD2F-D1F35548C5AC}"/>
+              </a:ext>
+            </a:extLst>
+          </p:cNvPr>
+          <p:cNvSpPr txBox="1"/>
+          <p:nvPr/>
+        </p:nvSpPr>
+        <p:spPr>
+          <a:xfrm>
+            <a:off x="7620108" y="2807732"/>
+            <a:ext cx="562975" cy="369332"/>
+          </a:xfrm>
+          <a:prstGeom prst="rect">
+            <a:avLst/>
+          </a:prstGeom>
+          <a:noFill/>
+        </p:spPr>
+        <p:txBody>
+          <a:bodyPr wrap="none" rtlCol="0">
+            <a:spAutoFit/>
+          </a:bodyPr>
+          <a:lstStyle/>
+          <a:p>
+            <a:r>
+              <a:rPr kumimoji="1" lang="en-US" altLang="zh-CN" dirty="0"/>
+              <a:t>mid</a:t>
+            </a:r>
+            <a:endParaRPr kumimoji="1" lang="zh-CN" altLang="en-US" dirty="0"/>
+          </a:p>
+        </p:txBody>
+      </p:sp>
+      <p:sp>
+        <p:nvSpPr>
+          <p:cNvPr id="80" name="圆角矩形 79">
+            <a:extLst>
+              <a:ext uri="{FF2B5EF4-FFF2-40B4-BE49-F238E27FC236}">
+                <a16:creationId xmlns:a16="http://schemas.microsoft.com/office/drawing/2014/main" id="{D06D15EC-5A34-F845-B395-E1AD33E7238A}"/>
+              </a:ext>
+            </a:extLst>
+          </p:cNvPr>
+          <p:cNvSpPr/>
+          <p:nvPr/>
+        </p:nvSpPr>
+        <p:spPr>
+          <a:xfrm>
+            <a:off x="6301696" y="3119056"/>
+            <a:ext cx="609600" cy="499872"/>
+          </a:xfrm>
+          <a:prstGeom prst="roundRect">
+            <a:avLst/>
+          </a:prstGeom>
+        </p:spPr>
+        <p:style>
+          <a:lnRef idx="2">
+            <a:schemeClr val="accent6"/>
+          </a:lnRef>
+          <a:fillRef idx="1">
+            <a:schemeClr val="lt1"/>
+          </a:fillRef>
+          <a:effectRef idx="0">
+            <a:schemeClr val="accent6"/>
+          </a:effectRef>
+          <a:fontRef idx="minor">
+            <a:schemeClr val="dk1"/>
+          </a:fontRef>
+        </p:style>
+        <p:txBody>
+          <a:bodyPr rtlCol="0" anchor="ctr"/>
+          <a:lstStyle/>
+          <a:p>
+            <a:pPr algn="ctr"/>
+            <a:r>
+              <a:rPr kumimoji="1" lang="en-US" altLang="zh-CN" sz="2400" b="1" dirty="0"/>
+              <a:t>1</a:t>
+            </a:r>
+            <a:endParaRPr kumimoji="1" lang="zh-CN" altLang="en-US" sz="2400" b="1" dirty="0"/>
+          </a:p>
+        </p:txBody>
+      </p:sp>
+      <p:sp>
+        <p:nvSpPr>
+          <p:cNvPr id="81" name="圆角矩形 80">
+            <a:extLst>
+              <a:ext uri="{FF2B5EF4-FFF2-40B4-BE49-F238E27FC236}">
+                <a16:creationId xmlns:a16="http://schemas.microsoft.com/office/drawing/2014/main" id="{0F4D9EAF-A3E9-9345-ABD3-43379F45EBF7}"/>
+              </a:ext>
+            </a:extLst>
+          </p:cNvPr>
+          <p:cNvSpPr/>
+          <p:nvPr/>
+        </p:nvSpPr>
+        <p:spPr>
+          <a:xfrm>
+            <a:off x="6911296" y="3119056"/>
+            <a:ext cx="609600" cy="499872"/>
+          </a:xfrm>
+          <a:prstGeom prst="roundRect">
+            <a:avLst/>
+          </a:prstGeom>
+        </p:spPr>
+        <p:style>
+          <a:lnRef idx="2">
+            <a:schemeClr val="accent6"/>
+          </a:lnRef>
+          <a:fillRef idx="1">
+            <a:schemeClr val="lt1"/>
+          </a:fillRef>
+          <a:effectRef idx="0">
+            <a:schemeClr val="accent6"/>
+          </a:effectRef>
+          <a:fontRef idx="minor">
+            <a:schemeClr val="dk1"/>
+          </a:fontRef>
+        </p:style>
+        <p:txBody>
+          <a:bodyPr rtlCol="0" anchor="ctr"/>
+          <a:lstStyle/>
+          <a:p>
+            <a:pPr algn="ctr"/>
+            <a:r>
+              <a:rPr kumimoji="1" lang="en-US" altLang="zh-CN" sz="2400" b="1" dirty="0"/>
+              <a:t>0</a:t>
+            </a:r>
+            <a:endParaRPr kumimoji="1" lang="zh-CN" altLang="en-US" sz="2400" b="1" dirty="0"/>
+          </a:p>
+        </p:txBody>
+      </p:sp>
+      <p:sp>
+        <p:nvSpPr>
+          <p:cNvPr id="82" name="圆角矩形 81">
+            <a:extLst>
+              <a:ext uri="{FF2B5EF4-FFF2-40B4-BE49-F238E27FC236}">
+                <a16:creationId xmlns:a16="http://schemas.microsoft.com/office/drawing/2014/main" id="{9D83FBC0-4FED-AC4B-B4E8-07D02E85A848}"/>
+              </a:ext>
+            </a:extLst>
+          </p:cNvPr>
+          <p:cNvSpPr/>
+          <p:nvPr/>
+        </p:nvSpPr>
+        <p:spPr>
+          <a:xfrm>
+            <a:off x="7520896" y="3119056"/>
+            <a:ext cx="609600" cy="499872"/>
+          </a:xfrm>
+          <a:prstGeom prst="roundRect">
+            <a:avLst/>
+          </a:prstGeom>
+        </p:spPr>
+        <p:style>
+          <a:lnRef idx="2">
+            <a:schemeClr val="accent6"/>
+          </a:lnRef>
+          <a:fillRef idx="1">
+            <a:schemeClr val="lt1"/>
+          </a:fillRef>
+          <a:effectRef idx="0">
+            <a:schemeClr val="accent6"/>
+          </a:effectRef>
+          <a:fontRef idx="minor">
+            <a:schemeClr val="dk1"/>
+          </a:fontRef>
+        </p:style>
+        <p:txBody>
+          <a:bodyPr rtlCol="0" anchor="ctr"/>
+          <a:lstStyle/>
+          <a:p>
+            <a:pPr algn="ctr"/>
+            <a:r>
+              <a:rPr kumimoji="1" lang="en-US" altLang="zh-CN" sz="2400" b="1" dirty="0"/>
+              <a:t>1</a:t>
+            </a:r>
+            <a:endParaRPr kumimoji="1" lang="zh-CN" altLang="en-US" sz="2400" b="1" dirty="0"/>
+          </a:p>
+        </p:txBody>
+      </p:sp>
+      <p:sp>
+        <p:nvSpPr>
+          <p:cNvPr id="83" name="圆角矩形 82">
+            <a:extLst>
+              <a:ext uri="{FF2B5EF4-FFF2-40B4-BE49-F238E27FC236}">
+                <a16:creationId xmlns:a16="http://schemas.microsoft.com/office/drawing/2014/main" id="{1F864813-7980-7C46-BA45-D81B4C5DA082}"/>
+              </a:ext>
+            </a:extLst>
+          </p:cNvPr>
+          <p:cNvSpPr/>
+          <p:nvPr/>
+        </p:nvSpPr>
+        <p:spPr>
+          <a:xfrm>
+            <a:off x="8130496" y="3119056"/>
+            <a:ext cx="609600" cy="499872"/>
+          </a:xfrm>
+          <a:prstGeom prst="roundRect">
+            <a:avLst/>
+          </a:prstGeom>
+        </p:spPr>
+        <p:style>
+          <a:lnRef idx="2">
+            <a:schemeClr val="accent6"/>
+          </a:lnRef>
+          <a:fillRef idx="1">
+            <a:schemeClr val="lt1"/>
+          </a:fillRef>
+          <a:effectRef idx="0">
+            <a:schemeClr val="accent6"/>
+          </a:effectRef>
+          <a:fontRef idx="minor">
+            <a:schemeClr val="dk1"/>
+          </a:fontRef>
+        </p:style>
+        <p:txBody>
+          <a:bodyPr rtlCol="0" anchor="ctr"/>
+          <a:lstStyle/>
+          <a:p>
+            <a:pPr algn="ctr"/>
+            <a:r>
+              <a:rPr kumimoji="1" lang="en-US" altLang="zh-CN" sz="2400" b="1" dirty="0"/>
+              <a:t>1</a:t>
+            </a:r>
+            <a:endParaRPr kumimoji="1" lang="zh-CN" altLang="en-US" sz="2400" b="1" dirty="0"/>
+          </a:p>
+        </p:txBody>
+      </p:sp>
+      <p:sp>
+        <p:nvSpPr>
+          <p:cNvPr id="84" name="圆角矩形 83">
+            <a:extLst>
+              <a:ext uri="{FF2B5EF4-FFF2-40B4-BE49-F238E27FC236}">
+                <a16:creationId xmlns:a16="http://schemas.microsoft.com/office/drawing/2014/main" id="{8C715C59-144B-A940-99E9-8A015C61506B}"/>
+              </a:ext>
+            </a:extLst>
+          </p:cNvPr>
+          <p:cNvSpPr/>
+          <p:nvPr/>
+        </p:nvSpPr>
+        <p:spPr>
+          <a:xfrm>
+            <a:off x="8740096" y="3119056"/>
+            <a:ext cx="609600" cy="499872"/>
+          </a:xfrm>
+          <a:prstGeom prst="roundRect">
+            <a:avLst/>
+          </a:prstGeom>
+        </p:spPr>
+        <p:style>
+          <a:lnRef idx="2">
+            <a:schemeClr val="accent6"/>
+          </a:lnRef>
+          <a:fillRef idx="1">
+            <a:schemeClr val="lt1"/>
+          </a:fillRef>
+          <a:effectRef idx="0">
+            <a:schemeClr val="accent6"/>
+          </a:effectRef>
+          <a:fontRef idx="minor">
+            <a:schemeClr val="dk1"/>
+          </a:fontRef>
+        </p:style>
+        <p:txBody>
+          <a:bodyPr rtlCol="0" anchor="ctr"/>
+          <a:lstStyle/>
+          <a:p>
+            <a:pPr algn="ctr"/>
+            <a:r>
+              <a:rPr kumimoji="1" lang="en-US" altLang="zh-CN" sz="2400" b="1" dirty="0"/>
+              <a:t>1</a:t>
+            </a:r>
+            <a:endParaRPr kumimoji="1" lang="zh-CN" altLang="en-US" sz="2400" b="1" dirty="0"/>
+          </a:p>
+        </p:txBody>
+      </p:sp>
+      <p:cxnSp>
+        <p:nvCxnSpPr>
+          <p:cNvPr id="85" name="直线箭头连接符 84">
+            <a:extLst>
+              <a:ext uri="{FF2B5EF4-FFF2-40B4-BE49-F238E27FC236}">
+                <a16:creationId xmlns:a16="http://schemas.microsoft.com/office/drawing/2014/main" id="{B96A0398-5176-CC40-BD04-7AAB28081138}"/>
+              </a:ext>
+            </a:extLst>
+          </p:cNvPr>
+          <p:cNvCxnSpPr>
+            <a:cxnSpLocks/>
+          </p:cNvCxnSpPr>
+          <p:nvPr/>
+        </p:nvCxnSpPr>
+        <p:spPr>
+          <a:xfrm flipV="1">
+            <a:off x="7686006" y="3616404"/>
+            <a:ext cx="0" cy="353568"/>
+          </a:xfrm>
+          <a:prstGeom prst="straightConnector1">
+            <a:avLst/>
+          </a:prstGeom>
+          <a:ln>
+            <a:tailEnd type="triangle"/>
+          </a:ln>
+        </p:spPr>
+        <p:style>
+          <a:lnRef idx="1">
+            <a:schemeClr val="accent1"/>
+          </a:lnRef>
+          <a:fillRef idx="0">
+            <a:schemeClr val="accent1"/>
+          </a:fillRef>
+          <a:effectRef idx="0">
+            <a:schemeClr val="accent1"/>
+          </a:effectRef>
+          <a:fontRef idx="minor">
+            <a:schemeClr val="tx1"/>
+          </a:fontRef>
+        </p:style>
+      </p:cxnSp>
+      <p:sp>
+        <p:nvSpPr>
+          <p:cNvPr id="86" name="文本框 85">
+            <a:extLst>
+              <a:ext uri="{FF2B5EF4-FFF2-40B4-BE49-F238E27FC236}">
+                <a16:creationId xmlns:a16="http://schemas.microsoft.com/office/drawing/2014/main" id="{3C8FD3DC-9C7F-7941-AAC2-72CFE38B48DE}"/>
+              </a:ext>
+            </a:extLst>
+          </p:cNvPr>
+          <p:cNvSpPr txBox="1"/>
+          <p:nvPr/>
+        </p:nvSpPr>
+        <p:spPr>
+          <a:xfrm>
+            <a:off x="7296411" y="3969972"/>
+            <a:ext cx="620683" cy="369332"/>
+          </a:xfrm>
+          <a:prstGeom prst="rect">
+            <a:avLst/>
+          </a:prstGeom>
+          <a:noFill/>
+        </p:spPr>
+        <p:txBody>
+          <a:bodyPr wrap="none" rtlCol="0">
+            <a:spAutoFit/>
+          </a:bodyPr>
+          <a:lstStyle/>
+          <a:p>
+            <a:r>
+              <a:rPr kumimoji="1" lang="en-US" altLang="zh-CN" dirty="0"/>
+              <a:t>start</a:t>
+            </a:r>
+            <a:endParaRPr kumimoji="1" lang="zh-CN" altLang="en-US" dirty="0"/>
+          </a:p>
+        </p:txBody>
+      </p:sp>
+      <p:cxnSp>
+        <p:nvCxnSpPr>
+          <p:cNvPr id="87" name="直线箭头连接符 86">
+            <a:extLst>
+              <a:ext uri="{FF2B5EF4-FFF2-40B4-BE49-F238E27FC236}">
+                <a16:creationId xmlns:a16="http://schemas.microsoft.com/office/drawing/2014/main" id="{4C39EA03-E259-3C45-B273-0E7AA7146D48}"/>
+              </a:ext>
+            </a:extLst>
+          </p:cNvPr>
+          <p:cNvCxnSpPr>
+            <a:cxnSpLocks/>
+          </p:cNvCxnSpPr>
+          <p:nvPr/>
+        </p:nvCxnSpPr>
+        <p:spPr>
+          <a:xfrm flipV="1">
+            <a:off x="9037729" y="3655504"/>
+            <a:ext cx="0" cy="353568"/>
+          </a:xfrm>
+          <a:prstGeom prst="straightConnector1">
+            <a:avLst/>
+          </a:prstGeom>
+          <a:ln>
+            <a:tailEnd type="triangle"/>
+          </a:ln>
+        </p:spPr>
+        <p:style>
+          <a:lnRef idx="1">
+            <a:schemeClr val="accent1"/>
+          </a:lnRef>
+          <a:fillRef idx="0">
+            <a:schemeClr val="accent1"/>
+          </a:fillRef>
+          <a:effectRef idx="0">
+            <a:schemeClr val="accent1"/>
+          </a:effectRef>
+          <a:fontRef idx="minor">
+            <a:schemeClr val="tx1"/>
+          </a:fontRef>
+        </p:style>
+      </p:cxnSp>
+      <p:sp>
+        <p:nvSpPr>
+          <p:cNvPr id="88" name="矩形 87">
+            <a:extLst>
+              <a:ext uri="{FF2B5EF4-FFF2-40B4-BE49-F238E27FC236}">
+                <a16:creationId xmlns:a16="http://schemas.microsoft.com/office/drawing/2014/main" id="{B38F57B9-63A7-9043-8CF6-4992672363F7}"/>
+              </a:ext>
+            </a:extLst>
+          </p:cNvPr>
+          <p:cNvSpPr/>
+          <p:nvPr/>
+        </p:nvSpPr>
+        <p:spPr>
+          <a:xfrm>
+            <a:off x="8786721" y="3972496"/>
+            <a:ext cx="562975" cy="369332"/>
+          </a:xfrm>
+          <a:prstGeom prst="rect">
+            <a:avLst/>
+          </a:prstGeom>
+        </p:spPr>
+        <p:txBody>
+          <a:bodyPr wrap="none">
+            <a:spAutoFit/>
+          </a:bodyPr>
+          <a:lstStyle/>
+          <a:p>
+            <a:r>
+              <a:rPr lang="en-US" altLang="zh-CN" dirty="0"/>
+              <a:t>end</a:t>
+            </a:r>
+            <a:endParaRPr lang="zh-CN" altLang="en-US" dirty="0"/>
+          </a:p>
+        </p:txBody>
+      </p:sp>
+      <p:cxnSp>
+        <p:nvCxnSpPr>
+          <p:cNvPr id="89" name="直线箭头连接符 88">
+            <a:extLst>
+              <a:ext uri="{FF2B5EF4-FFF2-40B4-BE49-F238E27FC236}">
+                <a16:creationId xmlns:a16="http://schemas.microsoft.com/office/drawing/2014/main" id="{67E22A5F-D87B-CB48-BFCE-168994AC6FB1}"/>
+              </a:ext>
+            </a:extLst>
+          </p:cNvPr>
+          <p:cNvCxnSpPr>
+            <a:cxnSpLocks/>
+          </p:cNvCxnSpPr>
+          <p:nvPr/>
+        </p:nvCxnSpPr>
+        <p:spPr>
+          <a:xfrm flipV="1">
+            <a:off x="8033998" y="3616404"/>
+            <a:ext cx="0" cy="353568"/>
+          </a:xfrm>
+          <a:prstGeom prst="straightConnector1">
+            <a:avLst/>
+          </a:prstGeom>
+          <a:ln>
+            <a:tailEnd type="triangle"/>
+          </a:ln>
+        </p:spPr>
+        <p:style>
+          <a:lnRef idx="1">
+            <a:schemeClr val="accent1"/>
+          </a:lnRef>
+          <a:fillRef idx="0">
+            <a:schemeClr val="accent1"/>
+          </a:fillRef>
+          <a:effectRef idx="0">
+            <a:schemeClr val="accent1"/>
+          </a:effectRef>
+          <a:fontRef idx="minor">
+            <a:schemeClr val="tx1"/>
+          </a:fontRef>
+        </p:style>
+      </p:cxnSp>
+      <p:sp>
+        <p:nvSpPr>
+          <p:cNvPr id="90" name="文本框 89">
+            <a:extLst>
+              <a:ext uri="{FF2B5EF4-FFF2-40B4-BE49-F238E27FC236}">
+                <a16:creationId xmlns:a16="http://schemas.microsoft.com/office/drawing/2014/main" id="{F00DAC35-B01E-7D4E-9F13-03119CEF4FC5}"/>
+              </a:ext>
+            </a:extLst>
+          </p:cNvPr>
+          <p:cNvSpPr txBox="1"/>
+          <p:nvPr/>
+        </p:nvSpPr>
+        <p:spPr>
+          <a:xfrm>
+            <a:off x="7826166" y="3969972"/>
+            <a:ext cx="562975" cy="369332"/>
+          </a:xfrm>
+          <a:prstGeom prst="rect">
+            <a:avLst/>
+          </a:prstGeom>
+          <a:noFill/>
+        </p:spPr>
+        <p:txBody>
+          <a:bodyPr wrap="none" rtlCol="0">
+            <a:spAutoFit/>
+          </a:bodyPr>
+          <a:lstStyle/>
+          <a:p>
+            <a:r>
+              <a:rPr kumimoji="1" lang="en-US" altLang="zh-CN" dirty="0"/>
+              <a:t>mid</a:t>
+            </a:r>
+            <a:endParaRPr kumimoji="1" lang="zh-CN" altLang="en-US" dirty="0"/>
+          </a:p>
+        </p:txBody>
+      </p:sp>
+      <p:sp>
+        <p:nvSpPr>
+          <p:cNvPr id="91" name="矩形 90">
+            <a:extLst>
+              <a:ext uri="{FF2B5EF4-FFF2-40B4-BE49-F238E27FC236}">
+                <a16:creationId xmlns:a16="http://schemas.microsoft.com/office/drawing/2014/main" id="{74B71A5B-3368-D944-81B8-D028189B94A0}"/>
+              </a:ext>
+            </a:extLst>
+          </p:cNvPr>
+          <p:cNvSpPr/>
+          <p:nvPr/>
+        </p:nvSpPr>
+        <p:spPr>
+          <a:xfrm>
+            <a:off x="6096000" y="4617119"/>
+            <a:ext cx="6096000" cy="646331"/>
+          </a:xfrm>
+          <a:prstGeom prst="rect">
+            <a:avLst/>
+          </a:prstGeom>
+        </p:spPr>
+        <p:txBody>
+          <a:bodyPr>
+            <a:spAutoFit/>
+          </a:bodyPr>
+          <a:lstStyle/>
+          <a:p>
+            <a:r>
+              <a:rPr lang="en" altLang="zh-CN" dirty="0">
+                <a:effectLst/>
+              </a:rPr>
+              <a:t>if </a:t>
+            </a:r>
+            <a:r>
+              <a:rPr lang="en" altLang="zh-CN" dirty="0"/>
+              <a:t>(</a:t>
+            </a:r>
+            <a:r>
+              <a:rPr lang="en" altLang="zh-CN" dirty="0" err="1">
+                <a:effectLst/>
+              </a:rPr>
+              <a:t>rotateArray</a:t>
+            </a:r>
+            <a:r>
+              <a:rPr lang="en" altLang="zh-CN" dirty="0"/>
+              <a:t>[low] &lt; </a:t>
+            </a:r>
+            <a:r>
+              <a:rPr lang="en" altLang="zh-CN" dirty="0" err="1">
+                <a:effectLst/>
+              </a:rPr>
+              <a:t>rotateArray</a:t>
+            </a:r>
+            <a:r>
+              <a:rPr lang="en" altLang="zh-CN" dirty="0"/>
+              <a:t>[high])</a:t>
+            </a:r>
+            <a:br>
+              <a:rPr lang="en" altLang="zh-CN" dirty="0"/>
+            </a:br>
+            <a:r>
+              <a:rPr lang="en" altLang="zh-CN" dirty="0"/>
+              <a:t>  </a:t>
+            </a:r>
+            <a:r>
+              <a:rPr lang="en" altLang="zh-CN" dirty="0">
+                <a:effectLst/>
+              </a:rPr>
+              <a:t>return </a:t>
+            </a:r>
+            <a:r>
+              <a:rPr lang="en" altLang="zh-CN" dirty="0" err="1">
+                <a:effectLst/>
+              </a:rPr>
+              <a:t>rotateArray</a:t>
+            </a:r>
+            <a:r>
+              <a:rPr lang="en" altLang="zh-CN" dirty="0"/>
+              <a:t>[low];</a:t>
             </a:r>
             <a:endParaRPr lang="zh-CN" altLang="en-US" dirty="0"/>
           </a:p>

--- a/res/deduce.pptx
+++ b/res/deduce.pptx
@@ -4,8 +4,12 @@
   <p:sldMasterIdLst>
     <p:sldMasterId id="2147483648" r:id="rId1"/>
   </p:sldMasterIdLst>
+  <p:notesMasterIdLst>
+    <p:notesMasterId r:id="rId4"/>
+  </p:notesMasterIdLst>
   <p:sldIdLst>
     <p:sldId id="256" r:id="rId2"/>
+    <p:sldId id="257" r:id="rId3"/>
   </p:sldIdLst>
   <p:sldSz cx="12192000" cy="6858000"/>
   <p:notesSz cx="6858000" cy="9144000"/>
@@ -110,6 +114,498 @@
     </p:ext>
   </p:extLst>
 </p:presentation>
+</file>
+
+<file path=ppt/notesMasters/notesMaster1.xml><?xml version="1.0" encoding="utf-8"?>
+<p:notesMaster xmlns:a="http://schemas.openxmlformats.org/drawingml/2006/main" xmlns:r="http://schemas.openxmlformats.org/officeDocument/2006/relationships" xmlns:p="http://schemas.openxmlformats.org/presentationml/2006/main">
+  <p:cSld>
+    <p:bg>
+      <p:bgRef idx="1001">
+        <a:schemeClr val="bg1"/>
+      </p:bgRef>
+    </p:bg>
+    <p:spTree>
+      <p:nvGrpSpPr>
+        <p:cNvPr id="1" name=""/>
+        <p:cNvGrpSpPr/>
+        <p:nvPr/>
+      </p:nvGrpSpPr>
+      <p:grpSpPr>
+        <a:xfrm>
+          <a:off x="0" y="0"/>
+          <a:ext cx="0" cy="0"/>
+          <a:chOff x="0" y="0"/>
+          <a:chExt cx="0" cy="0"/>
+        </a:xfrm>
+      </p:grpSpPr>
+      <p:sp>
+        <p:nvSpPr>
+          <p:cNvPr id="2" name="页眉占位符 1"/>
+          <p:cNvSpPr>
+            <a:spLocks noGrp="1"/>
+          </p:cNvSpPr>
+          <p:nvPr>
+            <p:ph type="hdr" sz="quarter"/>
+          </p:nvPr>
+        </p:nvSpPr>
+        <p:spPr>
+          <a:xfrm>
+            <a:off x="0" y="0"/>
+            <a:ext cx="2971800" cy="458788"/>
+          </a:xfrm>
+          <a:prstGeom prst="rect">
+            <a:avLst/>
+          </a:prstGeom>
+        </p:spPr>
+        <p:txBody>
+          <a:bodyPr vert="horz" lIns="91440" tIns="45720" rIns="91440" bIns="45720" rtlCol="0"/>
+          <a:lstStyle>
+            <a:lvl1pPr algn="l">
+              <a:defRPr sz="1200"/>
+            </a:lvl1pPr>
+          </a:lstStyle>
+          <a:p>
+            <a:endParaRPr kumimoji="1" lang="zh-CN" altLang="en-US"/>
+          </a:p>
+        </p:txBody>
+      </p:sp>
+      <p:sp>
+        <p:nvSpPr>
+          <p:cNvPr id="3" name="日期占位符 2"/>
+          <p:cNvSpPr>
+            <a:spLocks noGrp="1"/>
+          </p:cNvSpPr>
+          <p:nvPr>
+            <p:ph type="dt" idx="1"/>
+          </p:nvPr>
+        </p:nvSpPr>
+        <p:spPr>
+          <a:xfrm>
+            <a:off x="3884613" y="0"/>
+            <a:ext cx="2971800" cy="458788"/>
+          </a:xfrm>
+          <a:prstGeom prst="rect">
+            <a:avLst/>
+          </a:prstGeom>
+        </p:spPr>
+        <p:txBody>
+          <a:bodyPr vert="horz" lIns="91440" tIns="45720" rIns="91440" bIns="45720" rtlCol="0"/>
+          <a:lstStyle>
+            <a:lvl1pPr algn="r">
+              <a:defRPr sz="1200"/>
+            </a:lvl1pPr>
+          </a:lstStyle>
+          <a:p>
+            <a:fld id="{9D46E52F-CA79-6A4B-90D1-D6D05DAD10A0}" type="datetimeFigureOut">
+              <a:rPr kumimoji="1" lang="zh-CN" altLang="en-US" smtClean="0"/>
+              <a:t>2019/12/6</a:t>
+            </a:fld>
+            <a:endParaRPr kumimoji="1" lang="zh-CN" altLang="en-US"/>
+          </a:p>
+        </p:txBody>
+      </p:sp>
+      <p:sp>
+        <p:nvSpPr>
+          <p:cNvPr id="4" name="幻灯片图像占位符 3"/>
+          <p:cNvSpPr>
+            <a:spLocks noGrp="1" noRot="1" noChangeAspect="1"/>
+          </p:cNvSpPr>
+          <p:nvPr>
+            <p:ph type="sldImg" idx="2"/>
+          </p:nvPr>
+        </p:nvSpPr>
+        <p:spPr>
+          <a:xfrm>
+            <a:off x="685800" y="1143000"/>
+            <a:ext cx="5486400" cy="3086100"/>
+          </a:xfrm>
+          <a:prstGeom prst="rect">
+            <a:avLst/>
+          </a:prstGeom>
+          <a:noFill/>
+          <a:ln w="12700">
+            <a:solidFill>
+              <a:prstClr val="black"/>
+            </a:solidFill>
+          </a:ln>
+        </p:spPr>
+        <p:txBody>
+          <a:bodyPr vert="horz" lIns="91440" tIns="45720" rIns="91440" bIns="45720" rtlCol="0" anchor="ctr"/>
+          <a:lstStyle/>
+          <a:p>
+            <a:endParaRPr lang="zh-CN" altLang="en-US"/>
+          </a:p>
+        </p:txBody>
+      </p:sp>
+      <p:sp>
+        <p:nvSpPr>
+          <p:cNvPr id="5" name="备注占位符 4"/>
+          <p:cNvSpPr>
+            <a:spLocks noGrp="1"/>
+          </p:cNvSpPr>
+          <p:nvPr>
+            <p:ph type="body" sz="quarter" idx="3"/>
+          </p:nvPr>
+        </p:nvSpPr>
+        <p:spPr>
+          <a:xfrm>
+            <a:off x="685800" y="4400550"/>
+            <a:ext cx="5486400" cy="3600450"/>
+          </a:xfrm>
+          <a:prstGeom prst="rect">
+            <a:avLst/>
+          </a:prstGeom>
+        </p:spPr>
+        <p:txBody>
+          <a:bodyPr vert="horz" lIns="91440" tIns="45720" rIns="91440" bIns="45720" rtlCol="0"/>
+          <a:lstStyle/>
+          <a:p>
+            <a:r>
+              <a:rPr kumimoji="1" lang="zh-CN" altLang="en-US"/>
+              <a:t>单击此处编辑母版文本样式
+二级
+三级
+四级
+五级</a:t>
+            </a:r>
+          </a:p>
+        </p:txBody>
+      </p:sp>
+      <p:sp>
+        <p:nvSpPr>
+          <p:cNvPr id="6" name="页脚占位符 5"/>
+          <p:cNvSpPr>
+            <a:spLocks noGrp="1"/>
+          </p:cNvSpPr>
+          <p:nvPr>
+            <p:ph type="ftr" sz="quarter" idx="4"/>
+          </p:nvPr>
+        </p:nvSpPr>
+        <p:spPr>
+          <a:xfrm>
+            <a:off x="0" y="8685213"/>
+            <a:ext cx="2971800" cy="458787"/>
+          </a:xfrm>
+          <a:prstGeom prst="rect">
+            <a:avLst/>
+          </a:prstGeom>
+        </p:spPr>
+        <p:txBody>
+          <a:bodyPr vert="horz" lIns="91440" tIns="45720" rIns="91440" bIns="45720" rtlCol="0" anchor="b"/>
+          <a:lstStyle>
+            <a:lvl1pPr algn="l">
+              <a:defRPr sz="1200"/>
+            </a:lvl1pPr>
+          </a:lstStyle>
+          <a:p>
+            <a:endParaRPr kumimoji="1" lang="zh-CN" altLang="en-US"/>
+          </a:p>
+        </p:txBody>
+      </p:sp>
+      <p:sp>
+        <p:nvSpPr>
+          <p:cNvPr id="7" name="灯片编号占位符 6"/>
+          <p:cNvSpPr>
+            <a:spLocks noGrp="1"/>
+          </p:cNvSpPr>
+          <p:nvPr>
+            <p:ph type="sldNum" sz="quarter" idx="5"/>
+          </p:nvPr>
+        </p:nvSpPr>
+        <p:spPr>
+          <a:xfrm>
+            <a:off x="3884613" y="8685213"/>
+            <a:ext cx="2971800" cy="458787"/>
+          </a:xfrm>
+          <a:prstGeom prst="rect">
+            <a:avLst/>
+          </a:prstGeom>
+        </p:spPr>
+        <p:txBody>
+          <a:bodyPr vert="horz" lIns="91440" tIns="45720" rIns="91440" bIns="45720" rtlCol="0" anchor="b"/>
+          <a:lstStyle>
+            <a:lvl1pPr algn="r">
+              <a:defRPr sz="1200"/>
+            </a:lvl1pPr>
+          </a:lstStyle>
+          <a:p>
+            <a:fld id="{83D0C189-6362-324B-9535-B8BBBB2049DD}" type="slidenum">
+              <a:rPr kumimoji="1" lang="zh-CN" altLang="en-US" smtClean="0"/>
+              <a:t>‹#›</a:t>
+            </a:fld>
+            <a:endParaRPr kumimoji="1" lang="zh-CN" altLang="en-US"/>
+          </a:p>
+        </p:txBody>
+      </p:sp>
+    </p:spTree>
+    <p:extLst>
+      <p:ext uri="{BB962C8B-B14F-4D97-AF65-F5344CB8AC3E}">
+        <p14:creationId xmlns:p14="http://schemas.microsoft.com/office/powerpoint/2010/main" val="161219649"/>
+      </p:ext>
+    </p:extLst>
+  </p:cSld>
+  <p:clrMap bg1="lt1" tx1="dk1" bg2="lt2" tx2="dk2" accent1="accent1" accent2="accent2" accent3="accent3" accent4="accent4" accent5="accent5" accent6="accent6" hlink="hlink" folHlink="folHlink"/>
+  <p:notesStyle>
+    <a:lvl1pPr marL="0" algn="l" defTabSz="914400" rtl="0" eaLnBrk="1" latinLnBrk="0" hangingPunct="1">
+      <a:defRPr sz="1200" kern="1200">
+        <a:solidFill>
+          <a:schemeClr val="tx1"/>
+        </a:solidFill>
+        <a:latin typeface="+mn-lt"/>
+        <a:ea typeface="+mn-ea"/>
+        <a:cs typeface="+mn-cs"/>
+      </a:defRPr>
+    </a:lvl1pPr>
+    <a:lvl2pPr marL="457200" algn="l" defTabSz="914400" rtl="0" eaLnBrk="1" latinLnBrk="0" hangingPunct="1">
+      <a:defRPr sz="1200" kern="1200">
+        <a:solidFill>
+          <a:schemeClr val="tx1"/>
+        </a:solidFill>
+        <a:latin typeface="+mn-lt"/>
+        <a:ea typeface="+mn-ea"/>
+        <a:cs typeface="+mn-cs"/>
+      </a:defRPr>
+    </a:lvl2pPr>
+    <a:lvl3pPr marL="914400" algn="l" defTabSz="914400" rtl="0" eaLnBrk="1" latinLnBrk="0" hangingPunct="1">
+      <a:defRPr sz="1200" kern="1200">
+        <a:solidFill>
+          <a:schemeClr val="tx1"/>
+        </a:solidFill>
+        <a:latin typeface="+mn-lt"/>
+        <a:ea typeface="+mn-ea"/>
+        <a:cs typeface="+mn-cs"/>
+      </a:defRPr>
+    </a:lvl3pPr>
+    <a:lvl4pPr marL="1371600" algn="l" defTabSz="914400" rtl="0" eaLnBrk="1" latinLnBrk="0" hangingPunct="1">
+      <a:defRPr sz="1200" kern="1200">
+        <a:solidFill>
+          <a:schemeClr val="tx1"/>
+        </a:solidFill>
+        <a:latin typeface="+mn-lt"/>
+        <a:ea typeface="+mn-ea"/>
+        <a:cs typeface="+mn-cs"/>
+      </a:defRPr>
+    </a:lvl4pPr>
+    <a:lvl5pPr marL="1828800" algn="l" defTabSz="914400" rtl="0" eaLnBrk="1" latinLnBrk="0" hangingPunct="1">
+      <a:defRPr sz="1200" kern="1200">
+        <a:solidFill>
+          <a:schemeClr val="tx1"/>
+        </a:solidFill>
+        <a:latin typeface="+mn-lt"/>
+        <a:ea typeface="+mn-ea"/>
+        <a:cs typeface="+mn-cs"/>
+      </a:defRPr>
+    </a:lvl5pPr>
+    <a:lvl6pPr marL="2286000" algn="l" defTabSz="914400" rtl="0" eaLnBrk="1" latinLnBrk="0" hangingPunct="1">
+      <a:defRPr sz="1200" kern="1200">
+        <a:solidFill>
+          <a:schemeClr val="tx1"/>
+        </a:solidFill>
+        <a:latin typeface="+mn-lt"/>
+        <a:ea typeface="+mn-ea"/>
+        <a:cs typeface="+mn-cs"/>
+      </a:defRPr>
+    </a:lvl6pPr>
+    <a:lvl7pPr marL="2743200" algn="l" defTabSz="914400" rtl="0" eaLnBrk="1" latinLnBrk="0" hangingPunct="1">
+      <a:defRPr sz="1200" kern="1200">
+        <a:solidFill>
+          <a:schemeClr val="tx1"/>
+        </a:solidFill>
+        <a:latin typeface="+mn-lt"/>
+        <a:ea typeface="+mn-ea"/>
+        <a:cs typeface="+mn-cs"/>
+      </a:defRPr>
+    </a:lvl7pPr>
+    <a:lvl8pPr marL="3200400" algn="l" defTabSz="914400" rtl="0" eaLnBrk="1" latinLnBrk="0" hangingPunct="1">
+      <a:defRPr sz="1200" kern="1200">
+        <a:solidFill>
+          <a:schemeClr val="tx1"/>
+        </a:solidFill>
+        <a:latin typeface="+mn-lt"/>
+        <a:ea typeface="+mn-ea"/>
+        <a:cs typeface="+mn-cs"/>
+      </a:defRPr>
+    </a:lvl8pPr>
+    <a:lvl9pPr marL="3657600" algn="l" defTabSz="914400" rtl="0" eaLnBrk="1" latinLnBrk="0" hangingPunct="1">
+      <a:defRPr sz="1200" kern="1200">
+        <a:solidFill>
+          <a:schemeClr val="tx1"/>
+        </a:solidFill>
+        <a:latin typeface="+mn-lt"/>
+        <a:ea typeface="+mn-ea"/>
+        <a:cs typeface="+mn-cs"/>
+      </a:defRPr>
+    </a:lvl9pPr>
+  </p:notesStyle>
+</p:notesMaster>
+</file>
+
+<file path=ppt/notesSlides/notesSlide1.xml><?xml version="1.0" encoding="utf-8"?>
+<p:notes xmlns:a="http://schemas.openxmlformats.org/drawingml/2006/main" xmlns:r="http://schemas.openxmlformats.org/officeDocument/2006/relationships" xmlns:p="http://schemas.openxmlformats.org/presentationml/2006/main">
+  <p:cSld>
+    <p:spTree>
+      <p:nvGrpSpPr>
+        <p:cNvPr id="1" name=""/>
+        <p:cNvGrpSpPr/>
+        <p:nvPr/>
+      </p:nvGrpSpPr>
+      <p:grpSpPr>
+        <a:xfrm>
+          <a:off x="0" y="0"/>
+          <a:ext cx="0" cy="0"/>
+          <a:chOff x="0" y="0"/>
+          <a:chExt cx="0" cy="0"/>
+        </a:xfrm>
+      </p:grpSpPr>
+      <p:sp>
+        <p:nvSpPr>
+          <p:cNvPr id="2" name="幻灯片图像占位符 1"/>
+          <p:cNvSpPr>
+            <a:spLocks noGrp="1" noRot="1" noChangeAspect="1"/>
+          </p:cNvSpPr>
+          <p:nvPr>
+            <p:ph type="sldImg"/>
+          </p:nvPr>
+        </p:nvSpPr>
+        <p:spPr/>
+      </p:sp>
+      <p:sp>
+        <p:nvSpPr>
+          <p:cNvPr id="3" name="备注占位符 2"/>
+          <p:cNvSpPr>
+            <a:spLocks noGrp="1"/>
+          </p:cNvSpPr>
+          <p:nvPr>
+            <p:ph type="body" idx="1"/>
+          </p:nvPr>
+        </p:nvSpPr>
+        <p:spPr/>
+        <p:txBody>
+          <a:bodyPr/>
+          <a:lstStyle/>
+          <a:p>
+            <a:r>
+              <a:rPr lang="en" altLang="zh-CN" sz="1200" b="0" i="0" kern="1200" dirty="0">
+                <a:solidFill>
+                  <a:schemeClr val="tx1"/>
+                </a:solidFill>
+                <a:effectLst/>
+                <a:latin typeface="+mn-lt"/>
+                <a:ea typeface="+mn-ea"/>
+                <a:cs typeface="+mn-cs"/>
+              </a:rPr>
+              <a:t>I use a function to express this product: f=x(N-x)</a:t>
+            </a:r>
+          </a:p>
+          <a:p>
+            <a:r>
+              <a:rPr lang="en" altLang="zh-CN" sz="1200" b="0" i="0" kern="1200" dirty="0">
+                <a:solidFill>
+                  <a:schemeClr val="tx1"/>
+                </a:solidFill>
+                <a:effectLst/>
+                <a:latin typeface="+mn-lt"/>
+                <a:ea typeface="+mn-ea"/>
+                <a:cs typeface="+mn-cs"/>
+              </a:rPr>
+              <a:t>When x=N/2, we get the maximum of this function.</a:t>
+            </a:r>
+          </a:p>
+          <a:p>
+            <a:r>
+              <a:rPr lang="en" altLang="zh-CN" sz="1200" b="0" i="0" kern="1200" dirty="0">
+                <a:solidFill>
+                  <a:schemeClr val="tx1"/>
+                </a:solidFill>
+                <a:effectLst/>
+                <a:latin typeface="+mn-lt"/>
+                <a:ea typeface="+mn-ea"/>
+                <a:cs typeface="+mn-cs"/>
+              </a:rPr>
+              <a:t>However, factors should be integers. Thus the maximum is (N/2)*(N/2) when N is even or (N-1)/2 *(N+1)/2 when N is odd.</a:t>
+            </a:r>
+          </a:p>
+          <a:p>
+            <a:r>
+              <a:rPr lang="en" altLang="zh-CN" sz="1200" b="0" i="0" kern="1200" dirty="0">
+                <a:solidFill>
+                  <a:schemeClr val="tx1"/>
+                </a:solidFill>
+                <a:effectLst/>
+                <a:latin typeface="+mn-lt"/>
+                <a:ea typeface="+mn-ea"/>
+                <a:cs typeface="+mn-cs"/>
+              </a:rPr>
+              <a:t>When the maximum of f is larger than N, we should do the break.</a:t>
+            </a:r>
+          </a:p>
+          <a:p>
+            <a:r>
+              <a:rPr lang="en" altLang="zh-CN" sz="1200" b="0" i="0" kern="1200" dirty="0">
+                <a:solidFill>
+                  <a:schemeClr val="tx1"/>
+                </a:solidFill>
+                <a:effectLst/>
+                <a:latin typeface="+mn-lt"/>
+                <a:ea typeface="+mn-ea"/>
+                <a:cs typeface="+mn-cs"/>
+              </a:rPr>
+              <a:t>(N/2)*(N/2)&gt;=N, then N&gt;=4</a:t>
+            </a:r>
+          </a:p>
+          <a:p>
+            <a:r>
+              <a:rPr lang="en" altLang="zh-CN" sz="1200" b="0" i="0" kern="1200" dirty="0">
+                <a:solidFill>
+                  <a:schemeClr val="tx1"/>
+                </a:solidFill>
+                <a:effectLst/>
+                <a:latin typeface="+mn-lt"/>
+                <a:ea typeface="+mn-ea"/>
+                <a:cs typeface="+mn-cs"/>
+              </a:rPr>
+              <a:t>(N-1)/2 *(N+1)/2, then N&gt;=5</a:t>
+            </a:r>
+          </a:p>
+          <a:p>
+            <a:endParaRPr kumimoji="1" lang="zh-CN" altLang="en-US" dirty="0"/>
+          </a:p>
+        </p:txBody>
+      </p:sp>
+      <p:sp>
+        <p:nvSpPr>
+          <p:cNvPr id="4" name="灯片编号占位符 3"/>
+          <p:cNvSpPr>
+            <a:spLocks noGrp="1"/>
+          </p:cNvSpPr>
+          <p:nvPr>
+            <p:ph type="sldNum" sz="quarter" idx="5"/>
+          </p:nvPr>
+        </p:nvSpPr>
+        <p:spPr/>
+        <p:txBody>
+          <a:bodyPr/>
+          <a:lstStyle/>
+          <a:p>
+            <a:fld id="{83D0C189-6362-324B-9535-B8BBBB2049DD}" type="slidenum">
+              <a:rPr kumimoji="1" lang="zh-CN" altLang="en-US" smtClean="0"/>
+              <a:t>2</a:t>
+            </a:fld>
+            <a:endParaRPr kumimoji="1" lang="zh-CN" altLang="en-US"/>
+          </a:p>
+        </p:txBody>
+      </p:sp>
+    </p:spTree>
+    <p:extLst>
+      <p:ext uri="{BB962C8B-B14F-4D97-AF65-F5344CB8AC3E}">
+        <p14:creationId xmlns:p14="http://schemas.microsoft.com/office/powerpoint/2010/main" val="2580510078"/>
+      </p:ext>
+    </p:extLst>
+  </p:cSld>
+  <p:clrMapOvr>
+    <a:masterClrMapping/>
+  </p:clrMapOvr>
+</p:notes>
 </file>
 
 <file path=ppt/slideLayouts/slideLayout1.xml><?xml version="1.0" encoding="utf-8"?>
@@ -6517,6 +7013,185 @@
 </p:sld>
 </file>
 
+<file path=ppt/slides/slide2.xml><?xml version="1.0" encoding="utf-8"?>
+<p:sld xmlns:a="http://schemas.openxmlformats.org/drawingml/2006/main" xmlns:r="http://schemas.openxmlformats.org/officeDocument/2006/relationships" xmlns:p="http://schemas.openxmlformats.org/presentationml/2006/main">
+  <p:cSld>
+    <p:spTree>
+      <p:nvGrpSpPr>
+        <p:cNvPr id="1" name=""/>
+        <p:cNvGrpSpPr/>
+        <p:nvPr/>
+      </p:nvGrpSpPr>
+      <p:grpSpPr>
+        <a:xfrm>
+          <a:off x="0" y="0"/>
+          <a:ext cx="0" cy="0"/>
+          <a:chOff x="0" y="0"/>
+          <a:chExt cx="0" cy="0"/>
+        </a:xfrm>
+      </p:grpSpPr>
+      <p:sp>
+        <p:nvSpPr>
+          <p:cNvPr id="4" name="矩形 3">
+            <a:extLst>
+              <a:ext uri="{FF2B5EF4-FFF2-40B4-BE49-F238E27FC236}">
+                <a16:creationId xmlns:a16="http://schemas.microsoft.com/office/drawing/2014/main" id="{265725A7-886B-974B-A0C2-3DFFBFCE83FA}"/>
+              </a:ext>
+            </a:extLst>
+          </p:cNvPr>
+          <p:cNvSpPr/>
+          <p:nvPr/>
+        </p:nvSpPr>
+        <p:spPr>
+          <a:xfrm>
+            <a:off x="0" y="123182"/>
+            <a:ext cx="1866217" cy="369332"/>
+          </a:xfrm>
+          <a:prstGeom prst="rect">
+            <a:avLst/>
+          </a:prstGeom>
+        </p:spPr>
+        <p:txBody>
+          <a:bodyPr wrap="none">
+            <a:spAutoFit/>
+          </a:bodyPr>
+          <a:lstStyle/>
+          <a:p>
+            <a:r>
+              <a:rPr lang="en-US" altLang="zh-CN" dirty="0">
+                <a:solidFill>
+                  <a:srgbClr val="FF0000"/>
+                </a:solidFill>
+              </a:rPr>
+              <a:t>_14_CuttingRope</a:t>
+            </a:r>
+            <a:endParaRPr lang="zh-CN" altLang="en-US" dirty="0">
+              <a:solidFill>
+                <a:srgbClr val="FF0000"/>
+              </a:solidFill>
+            </a:endParaRPr>
+          </a:p>
+        </p:txBody>
+      </p:sp>
+      <p:sp>
+        <p:nvSpPr>
+          <p:cNvPr id="6" name="矩形 5">
+            <a:extLst>
+              <a:ext uri="{FF2B5EF4-FFF2-40B4-BE49-F238E27FC236}">
+                <a16:creationId xmlns:a16="http://schemas.microsoft.com/office/drawing/2014/main" id="{04AE3F76-F322-6441-B47A-5376D6A7580E}"/>
+              </a:ext>
+            </a:extLst>
+          </p:cNvPr>
+          <p:cNvSpPr/>
+          <p:nvPr/>
+        </p:nvSpPr>
+        <p:spPr>
+          <a:xfrm>
+            <a:off x="109728" y="670388"/>
+            <a:ext cx="6096000" cy="5078313"/>
+          </a:xfrm>
+          <a:prstGeom prst="rect">
+            <a:avLst/>
+          </a:prstGeom>
+        </p:spPr>
+        <p:txBody>
+          <a:bodyPr>
+            <a:spAutoFit/>
+          </a:bodyPr>
+          <a:lstStyle/>
+          <a:p>
+            <a:r>
+              <a:rPr lang="zh-CN" altLang="en-US" dirty="0"/>
+              <a:t>那么2只能拆成1+1，所以乘积也为1。</a:t>
+            </a:r>
+          </a:p>
+          <a:p>
+            <a:endParaRPr lang="zh-CN" altLang="en-US" dirty="0"/>
+          </a:p>
+          <a:p>
+            <a:r>
+              <a:rPr lang="zh-CN" altLang="en-US" dirty="0"/>
+              <a:t>数字3可以拆分成2+1或1+1+1，显然第一种拆分方法乘积大为2。</a:t>
+            </a:r>
+          </a:p>
+          <a:p>
+            <a:endParaRPr lang="zh-CN" altLang="en-US" dirty="0"/>
+          </a:p>
+          <a:p>
+            <a:r>
+              <a:rPr lang="zh-CN" altLang="en-US" dirty="0"/>
+              <a:t>数字4拆成2+2，乘积最大，为4。</a:t>
+            </a:r>
+          </a:p>
+          <a:p>
+            <a:endParaRPr lang="zh-CN" altLang="en-US" dirty="0"/>
+          </a:p>
+          <a:p>
+            <a:r>
+              <a:rPr lang="zh-CN" altLang="en-US" dirty="0"/>
+              <a:t>数字5拆成3+2，乘积最大，为6。</a:t>
+            </a:r>
+          </a:p>
+          <a:p>
+            <a:endParaRPr lang="zh-CN" altLang="en-US" dirty="0"/>
+          </a:p>
+          <a:p>
+            <a:r>
+              <a:rPr lang="zh-CN" altLang="en-US" dirty="0"/>
+              <a:t>数字6拆成3+3，乘积最大，为9。</a:t>
+            </a:r>
+          </a:p>
+          <a:p>
+            <a:endParaRPr lang="zh-CN" altLang="en-US" dirty="0"/>
+          </a:p>
+          <a:p>
+            <a:r>
+              <a:rPr lang="zh-CN" altLang="en-US" dirty="0"/>
+              <a:t>数字7拆为3+4，乘积最大，为12。</a:t>
+            </a:r>
+          </a:p>
+          <a:p>
+            <a:endParaRPr lang="zh-CN" altLang="en-US" dirty="0"/>
+          </a:p>
+          <a:p>
+            <a:r>
+              <a:rPr lang="zh-CN" altLang="en-US" dirty="0"/>
+              <a:t>数字8拆为3+3+2，乘积最大，为18。</a:t>
+            </a:r>
+          </a:p>
+          <a:p>
+            <a:endParaRPr lang="zh-CN" altLang="en-US" dirty="0"/>
+          </a:p>
+          <a:p>
+            <a:r>
+              <a:rPr lang="zh-CN" altLang="en-US" dirty="0"/>
+              <a:t>数字9拆为3+3+3，乘积最大，为27。</a:t>
+            </a:r>
+          </a:p>
+          <a:p>
+            <a:endParaRPr lang="zh-CN" altLang="en-US" dirty="0"/>
+          </a:p>
+          <a:p>
+            <a:r>
+              <a:rPr lang="zh-CN" altLang="en-US" dirty="0"/>
+              <a:t>数字10拆为3+3+4，乘积最大，为36。</a:t>
+            </a:r>
+          </a:p>
+        </p:txBody>
+      </p:sp>
+    </p:spTree>
+    <p:extLst>
+      <p:ext uri="{BB962C8B-B14F-4D97-AF65-F5344CB8AC3E}">
+        <p14:creationId xmlns:p14="http://schemas.microsoft.com/office/powerpoint/2010/main" val="4244036083"/>
+      </p:ext>
+    </p:extLst>
+  </p:cSld>
+  <p:clrMapOvr>
+    <a:masterClrMapping/>
+  </p:clrMapOvr>
+</p:sld>
+</file>
+
 <file path=ppt/theme/theme1.xml><?xml version="1.0" encoding="utf-8"?>
 <a:theme xmlns:a="http://schemas.openxmlformats.org/drawingml/2006/main" name="Office 主题​​">
   <a:themeElements>
@@ -6810,4 +7485,299 @@
     </a:ext>
   </a:extLst>
 </a:theme>
+</file>
+
+<file path=ppt/theme/theme2.xml><?xml version="1.0" encoding="utf-8"?>
+<a:theme xmlns:a="http://schemas.openxmlformats.org/drawingml/2006/main" name="Office 主题​​">
+  <a:themeElements>
+    <a:clrScheme name="Office">
+      <a:dk1>
+        <a:sysClr val="windowText" lastClr="000000"/>
+      </a:dk1>
+      <a:lt1>
+        <a:sysClr val="window" lastClr="FFFFFF"/>
+      </a:lt1>
+      <a:dk2>
+        <a:srgbClr val="44546A"/>
+      </a:dk2>
+      <a:lt2>
+        <a:srgbClr val="E7E6E6"/>
+      </a:lt2>
+      <a:accent1>
+        <a:srgbClr val="4472C4"/>
+      </a:accent1>
+      <a:accent2>
+        <a:srgbClr val="ED7D31"/>
+      </a:accent2>
+      <a:accent3>
+        <a:srgbClr val="A5A5A5"/>
+      </a:accent3>
+      <a:accent4>
+        <a:srgbClr val="FFC000"/>
+      </a:accent4>
+      <a:accent5>
+        <a:srgbClr val="5B9BD5"/>
+      </a:accent5>
+      <a:accent6>
+        <a:srgbClr val="70AD47"/>
+      </a:accent6>
+      <a:hlink>
+        <a:srgbClr val="0563C1"/>
+      </a:hlink>
+      <a:folHlink>
+        <a:srgbClr val="954F72"/>
+      </a:folHlink>
+    </a:clrScheme>
+    <a:fontScheme name="Office">
+      <a:majorFont>
+        <a:latin typeface="等线 Light" panose="020F0302020204030204"/>
+        <a:ea typeface=""/>
+        <a:cs typeface=""/>
+        <a:font script="Jpan" typeface="游ゴシック Light"/>
+        <a:font script="Hang" typeface="맑은 고딕"/>
+        <a:font script="Hans" typeface="等线 Light"/>
+        <a:font script="Hant" typeface="新細明體"/>
+        <a:font script="Arab" typeface="Times New Roman"/>
+        <a:font script="Hebr" typeface="Times New Roman"/>
+        <a:font script="Thai" typeface="Angsana New"/>
+        <a:font script="Ethi" typeface="Nyala"/>
+        <a:font script="Beng" typeface="Vrinda"/>
+        <a:font script="Gujr" typeface="Shruti"/>
+        <a:font script="Khmr" typeface="MoolBoran"/>
+        <a:font script="Knda" typeface="Tunga"/>
+        <a:font script="Guru" typeface="Raavi"/>
+        <a:font script="Cans" typeface="Euphemia"/>
+        <a:font script="Cher" typeface="Plantagenet Cherokee"/>
+        <a:font script="Yiii" typeface="Microsoft Yi Baiti"/>
+        <a:font script="Tibt" typeface="Microsoft Himalaya"/>
+        <a:font script="Thaa" typeface="MV Boli"/>
+        <a:font script="Deva" typeface="Mangal"/>
+        <a:font script="Telu" typeface="Gautami"/>
+        <a:font script="Taml" typeface="Latha"/>
+        <a:font script="Syrc" typeface="Estrangelo Edessa"/>
+        <a:font script="Orya" typeface="Kalinga"/>
+        <a:font script="Mlym" typeface="Kartika"/>
+        <a:font script="Laoo" typeface="DokChampa"/>
+        <a:font script="Sinh" typeface="Iskoola Pota"/>
+        <a:font script="Mong" typeface="Mongolian Baiti"/>
+        <a:font script="Viet" typeface="Times New Roman"/>
+        <a:font script="Uigh" typeface="Microsoft Uighur"/>
+        <a:font script="Geor" typeface="Sylfaen"/>
+        <a:font script="Armn" typeface="Arial"/>
+        <a:font script="Bugi" typeface="Leelawadee UI"/>
+        <a:font script="Bopo" typeface="Microsoft JhengHei"/>
+        <a:font script="Java" typeface="Javanese Text"/>
+        <a:font script="Lisu" typeface="Segoe UI"/>
+        <a:font script="Mymr" typeface="Myanmar Text"/>
+        <a:font script="Nkoo" typeface="Ebrima"/>
+        <a:font script="Olck" typeface="Nirmala UI"/>
+        <a:font script="Osma" typeface="Ebrima"/>
+        <a:font script="Phag" typeface="Phagspa"/>
+        <a:font script="Syrn" typeface="Estrangelo Edessa"/>
+        <a:font script="Syrj" typeface="Estrangelo Edessa"/>
+        <a:font script="Syre" typeface="Estrangelo Edessa"/>
+        <a:font script="Sora" typeface="Nirmala UI"/>
+        <a:font script="Tale" typeface="Microsoft Tai Le"/>
+        <a:font script="Talu" typeface="Microsoft New Tai Lue"/>
+        <a:font script="Tfng" typeface="Ebrima"/>
+      </a:majorFont>
+      <a:minorFont>
+        <a:latin typeface="等线" panose="020F0502020204030204"/>
+        <a:ea typeface=""/>
+        <a:cs typeface=""/>
+        <a:font script="Jpan" typeface="游ゴシック"/>
+        <a:font script="Hang" typeface="맑은 고딕"/>
+        <a:font script="Hans" typeface="等线"/>
+        <a:font script="Hant" typeface="新細明體"/>
+        <a:font script="Arab" typeface="Arial"/>
+        <a:font script="Hebr" typeface="Arial"/>
+        <a:font script="Thai" typeface="Cordia New"/>
+        <a:font script="Ethi" typeface="Nyala"/>
+        <a:font script="Beng" typeface="Vrinda"/>
+        <a:font script="Gujr" typeface="Shruti"/>
+        <a:font script="Khmr" typeface="DaunPenh"/>
+        <a:font script="Knda" typeface="Tunga"/>
+        <a:font script="Guru" typeface="Raavi"/>
+        <a:font script="Cans" typeface="Euphemia"/>
+        <a:font script="Cher" typeface="Plantagenet Cherokee"/>
+        <a:font script="Yiii" typeface="Microsoft Yi Baiti"/>
+        <a:font script="Tibt" typeface="Microsoft Himalaya"/>
+        <a:font script="Thaa" typeface="MV Boli"/>
+        <a:font script="Deva" typeface="Mangal"/>
+        <a:font script="Telu" typeface="Gautami"/>
+        <a:font script="Taml" typeface="Latha"/>
+        <a:font script="Syrc" typeface="Estrangelo Edessa"/>
+        <a:font script="Orya" typeface="Kalinga"/>
+        <a:font script="Mlym" typeface="Kartika"/>
+        <a:font script="Laoo" typeface="DokChampa"/>
+        <a:font script="Sinh" typeface="Iskoola Pota"/>
+        <a:font script="Mong" typeface="Mongolian Baiti"/>
+        <a:font script="Viet" typeface="Arial"/>
+        <a:font script="Uigh" typeface="Microsoft Uighur"/>
+        <a:font script="Geor" typeface="Sylfaen"/>
+        <a:font script="Armn" typeface="Arial"/>
+        <a:font script="Bugi" typeface="Leelawadee UI"/>
+        <a:font script="Bopo" typeface="Microsoft JhengHei"/>
+        <a:font script="Java" typeface="Javanese Text"/>
+        <a:font script="Lisu" typeface="Segoe UI"/>
+        <a:font script="Mymr" typeface="Myanmar Text"/>
+        <a:font script="Nkoo" typeface="Ebrima"/>
+        <a:font script="Olck" typeface="Nirmala UI"/>
+        <a:font script="Osma" typeface="Ebrima"/>
+        <a:font script="Phag" typeface="Phagspa"/>
+        <a:font script="Syrn" typeface="Estrangelo Edessa"/>
+        <a:font script="Syrj" typeface="Estrangelo Edessa"/>
+        <a:font script="Syre" typeface="Estrangelo Edessa"/>
+        <a:font script="Sora" typeface="Nirmala UI"/>
+        <a:font script="Tale" typeface="Microsoft Tai Le"/>
+        <a:font script="Talu" typeface="Microsoft New Tai Lue"/>
+        <a:font script="Tfng" typeface="Ebrima"/>
+      </a:minorFont>
+    </a:fontScheme>
+    <a:fmtScheme name="Office">
+      <a:fillStyleLst>
+        <a:solidFill>
+          <a:schemeClr val="phClr"/>
+        </a:solidFill>
+        <a:gradFill rotWithShape="1">
+          <a:gsLst>
+            <a:gs pos="0">
+              <a:schemeClr val="phClr">
+                <a:lumMod val="110000"/>
+                <a:satMod val="105000"/>
+                <a:tint val="67000"/>
+              </a:schemeClr>
+            </a:gs>
+            <a:gs pos="50000">
+              <a:schemeClr val="phClr">
+                <a:lumMod val="105000"/>
+                <a:satMod val="103000"/>
+                <a:tint val="73000"/>
+              </a:schemeClr>
+            </a:gs>
+            <a:gs pos="100000">
+              <a:schemeClr val="phClr">
+                <a:lumMod val="105000"/>
+                <a:satMod val="109000"/>
+                <a:tint val="81000"/>
+              </a:schemeClr>
+            </a:gs>
+          </a:gsLst>
+          <a:lin ang="5400000" scaled="0"/>
+        </a:gradFill>
+        <a:gradFill rotWithShape="1">
+          <a:gsLst>
+            <a:gs pos="0">
+              <a:schemeClr val="phClr">
+                <a:satMod val="103000"/>
+                <a:lumMod val="102000"/>
+                <a:tint val="94000"/>
+              </a:schemeClr>
+            </a:gs>
+            <a:gs pos="50000">
+              <a:schemeClr val="phClr">
+                <a:satMod val="110000"/>
+                <a:lumMod val="100000"/>
+                <a:shade val="100000"/>
+              </a:schemeClr>
+            </a:gs>
+            <a:gs pos="100000">
+              <a:schemeClr val="phClr">
+                <a:lumMod val="99000"/>
+                <a:satMod val="120000"/>
+                <a:shade val="78000"/>
+              </a:schemeClr>
+            </a:gs>
+          </a:gsLst>
+          <a:lin ang="5400000" scaled="0"/>
+        </a:gradFill>
+      </a:fillStyleLst>
+      <a:lnStyleLst>
+        <a:ln w="6350" cap="flat" cmpd="sng" algn="ctr">
+          <a:solidFill>
+            <a:schemeClr val="phClr"/>
+          </a:solidFill>
+          <a:prstDash val="solid"/>
+          <a:miter lim="800000"/>
+        </a:ln>
+        <a:ln w="12700" cap="flat" cmpd="sng" algn="ctr">
+          <a:solidFill>
+            <a:schemeClr val="phClr"/>
+          </a:solidFill>
+          <a:prstDash val="solid"/>
+          <a:miter lim="800000"/>
+        </a:ln>
+        <a:ln w="19050" cap="flat" cmpd="sng" algn="ctr">
+          <a:solidFill>
+            <a:schemeClr val="phClr"/>
+          </a:solidFill>
+          <a:prstDash val="solid"/>
+          <a:miter lim="800000"/>
+        </a:ln>
+      </a:lnStyleLst>
+      <a:effectStyleLst>
+        <a:effectStyle>
+          <a:effectLst/>
+        </a:effectStyle>
+        <a:effectStyle>
+          <a:effectLst/>
+        </a:effectStyle>
+        <a:effectStyle>
+          <a:effectLst>
+            <a:outerShdw blurRad="57150" dist="19050" dir="5400000" algn="ctr" rotWithShape="0">
+              <a:srgbClr val="000000">
+                <a:alpha val="63000"/>
+              </a:srgbClr>
+            </a:outerShdw>
+          </a:effectLst>
+        </a:effectStyle>
+      </a:effectStyleLst>
+      <a:bgFillStyleLst>
+        <a:solidFill>
+          <a:schemeClr val="phClr"/>
+        </a:solidFill>
+        <a:solidFill>
+          <a:schemeClr val="phClr">
+            <a:tint val="95000"/>
+            <a:satMod val="170000"/>
+          </a:schemeClr>
+        </a:solidFill>
+        <a:gradFill rotWithShape="1">
+          <a:gsLst>
+            <a:gs pos="0">
+              <a:schemeClr val="phClr">
+                <a:tint val="93000"/>
+                <a:satMod val="150000"/>
+                <a:shade val="98000"/>
+                <a:lumMod val="102000"/>
+              </a:schemeClr>
+            </a:gs>
+            <a:gs pos="50000">
+              <a:schemeClr val="phClr">
+                <a:tint val="98000"/>
+                <a:satMod val="130000"/>
+                <a:shade val="90000"/>
+                <a:lumMod val="103000"/>
+              </a:schemeClr>
+            </a:gs>
+            <a:gs pos="100000">
+              <a:schemeClr val="phClr">
+                <a:shade val="63000"/>
+                <a:satMod val="120000"/>
+              </a:schemeClr>
+            </a:gs>
+          </a:gsLst>
+          <a:lin ang="5400000" scaled="0"/>
+        </a:gradFill>
+      </a:bgFillStyleLst>
+    </a:fmtScheme>
+  </a:themeElements>
+  <a:objectDefaults/>
+  <a:extraClrSchemeLst/>
+  <a:extLst>
+    <a:ext uri="{05A4C25C-085E-4340-85A3-A5531E510DB2}">
+      <thm15:themeFamily xmlns:thm15="http://schemas.microsoft.com/office/thememl/2012/main" name="Office Theme" id="{62F939B6-93AF-4DB8-9C6B-D6C7DFDC589F}" vid="{4A3C46E8-61CC-4603-A589-7422A47A8E4A}"/>
+    </a:ext>
+  </a:extLst>
+</a:theme>
 </file>
--- a/res/deduce.pptx
+++ b/res/deduce.pptx
@@ -5,11 +5,12 @@
     <p:sldMasterId id="2147483648" r:id="rId1"/>
   </p:sldMasterIdLst>
   <p:notesMasterIdLst>
-    <p:notesMasterId r:id="rId4"/>
+    <p:notesMasterId r:id="rId5"/>
   </p:notesMasterIdLst>
   <p:sldIdLst>
     <p:sldId id="256" r:id="rId2"/>
     <p:sldId id="257" r:id="rId3"/>
+    <p:sldId id="258" r:id="rId4"/>
   </p:sldIdLst>
   <p:sldSz cx="12192000" cy="6858000"/>
   <p:notesSz cx="6858000" cy="9144000"/>
@@ -7183,6 +7184,2231 @@
     <p:extLst>
       <p:ext uri="{BB962C8B-B14F-4D97-AF65-F5344CB8AC3E}">
         <p14:creationId xmlns:p14="http://schemas.microsoft.com/office/powerpoint/2010/main" val="4244036083"/>
+      </p:ext>
+    </p:extLst>
+  </p:cSld>
+  <p:clrMapOvr>
+    <a:masterClrMapping/>
+  </p:clrMapOvr>
+</p:sld>
+</file>
+
+<file path=ppt/slides/slide3.xml><?xml version="1.0" encoding="utf-8"?>
+<p:sld xmlns:a="http://schemas.openxmlformats.org/drawingml/2006/main" xmlns:r="http://schemas.openxmlformats.org/officeDocument/2006/relationships" xmlns:p="http://schemas.openxmlformats.org/presentationml/2006/main">
+  <p:cSld>
+    <p:spTree>
+      <p:nvGrpSpPr>
+        <p:cNvPr id="1" name=""/>
+        <p:cNvGrpSpPr/>
+        <p:nvPr/>
+      </p:nvGrpSpPr>
+      <p:grpSpPr>
+        <a:xfrm>
+          <a:off x="0" y="0"/>
+          <a:ext cx="0" cy="0"/>
+          <a:chOff x="0" y="0"/>
+          <a:chExt cx="0" cy="0"/>
+        </a:xfrm>
+      </p:grpSpPr>
+      <p:sp>
+        <p:nvSpPr>
+          <p:cNvPr id="4" name="矩形 3">
+            <a:extLst>
+              <a:ext uri="{FF2B5EF4-FFF2-40B4-BE49-F238E27FC236}">
+                <a16:creationId xmlns:a16="http://schemas.microsoft.com/office/drawing/2014/main" id="{294908A2-9A89-6C4A-9F1C-8A9E4C6291BB}"/>
+              </a:ext>
+            </a:extLst>
+          </p:cNvPr>
+          <p:cNvSpPr/>
+          <p:nvPr/>
+        </p:nvSpPr>
+        <p:spPr>
+          <a:xfrm>
+            <a:off x="0" y="113677"/>
+            <a:ext cx="3278462" cy="369332"/>
+          </a:xfrm>
+          <a:prstGeom prst="rect">
+            <a:avLst/>
+          </a:prstGeom>
+        </p:spPr>
+        <p:txBody>
+          <a:bodyPr wrap="none">
+            <a:spAutoFit/>
+          </a:bodyPr>
+          <a:lstStyle/>
+          <a:p>
+            <a:r>
+              <a:rPr lang="en-US" altLang="zh-CN" dirty="0">
+                <a:solidFill>
+                  <a:srgbClr val="FF0000"/>
+                </a:solidFill>
+              </a:rPr>
+              <a:t>_18_02_DeleteDuplicationNode</a:t>
+            </a:r>
+            <a:endParaRPr lang="zh-CN" altLang="en-US" dirty="0">
+              <a:solidFill>
+                <a:srgbClr val="FF0000"/>
+              </a:solidFill>
+            </a:endParaRPr>
+          </a:p>
+        </p:txBody>
+      </p:sp>
+      <p:sp>
+        <p:nvSpPr>
+          <p:cNvPr id="6" name="圆角矩形 5">
+            <a:extLst>
+              <a:ext uri="{FF2B5EF4-FFF2-40B4-BE49-F238E27FC236}">
+                <a16:creationId xmlns:a16="http://schemas.microsoft.com/office/drawing/2014/main" id="{D40D7FAD-4100-0048-AEA3-F91C676F856E}"/>
+              </a:ext>
+            </a:extLst>
+          </p:cNvPr>
+          <p:cNvSpPr/>
+          <p:nvPr/>
+        </p:nvSpPr>
+        <p:spPr>
+          <a:xfrm>
+            <a:off x="134112" y="621792"/>
+            <a:ext cx="609600" cy="499872"/>
+          </a:xfrm>
+          <a:prstGeom prst="roundRect">
+            <a:avLst/>
+          </a:prstGeom>
+        </p:spPr>
+        <p:style>
+          <a:lnRef idx="2">
+            <a:schemeClr val="accent6"/>
+          </a:lnRef>
+          <a:fillRef idx="1">
+            <a:schemeClr val="lt1"/>
+          </a:fillRef>
+          <a:effectRef idx="0">
+            <a:schemeClr val="accent6"/>
+          </a:effectRef>
+          <a:fontRef idx="minor">
+            <a:schemeClr val="dk1"/>
+          </a:fontRef>
+        </p:style>
+        <p:txBody>
+          <a:bodyPr rtlCol="0" anchor="ctr"/>
+          <a:lstStyle/>
+          <a:p>
+            <a:pPr algn="ctr"/>
+            <a:r>
+              <a:rPr kumimoji="1" lang="en-US" altLang="zh-CN" sz="2400" b="1" dirty="0"/>
+              <a:t>?</a:t>
+            </a:r>
+            <a:endParaRPr kumimoji="1" lang="zh-CN" altLang="en-US" sz="2400" b="1" dirty="0"/>
+          </a:p>
+        </p:txBody>
+      </p:sp>
+      <p:sp>
+        <p:nvSpPr>
+          <p:cNvPr id="7" name="圆角矩形 6">
+            <a:extLst>
+              <a:ext uri="{FF2B5EF4-FFF2-40B4-BE49-F238E27FC236}">
+                <a16:creationId xmlns:a16="http://schemas.microsoft.com/office/drawing/2014/main" id="{96992FC7-2BA3-E34F-998E-2C494037BF57}"/>
+              </a:ext>
+            </a:extLst>
+          </p:cNvPr>
+          <p:cNvSpPr/>
+          <p:nvPr/>
+        </p:nvSpPr>
+        <p:spPr>
+          <a:xfrm>
+            <a:off x="743712" y="621792"/>
+            <a:ext cx="609600" cy="499872"/>
+          </a:xfrm>
+          <a:prstGeom prst="roundRect">
+            <a:avLst/>
+          </a:prstGeom>
+        </p:spPr>
+        <p:style>
+          <a:lnRef idx="2">
+            <a:schemeClr val="accent6"/>
+          </a:lnRef>
+          <a:fillRef idx="1">
+            <a:schemeClr val="lt1"/>
+          </a:fillRef>
+          <a:effectRef idx="0">
+            <a:schemeClr val="accent6"/>
+          </a:effectRef>
+          <a:fontRef idx="minor">
+            <a:schemeClr val="dk1"/>
+          </a:fontRef>
+        </p:style>
+        <p:txBody>
+          <a:bodyPr rtlCol="0" anchor="ctr"/>
+          <a:lstStyle/>
+          <a:p>
+            <a:pPr algn="ctr"/>
+            <a:r>
+              <a:rPr kumimoji="1" lang="en-US" altLang="zh-CN" sz="2400" b="1" dirty="0"/>
+              <a:t>5</a:t>
+            </a:r>
+            <a:endParaRPr kumimoji="1" lang="zh-CN" altLang="en-US" sz="2400" b="1" dirty="0"/>
+          </a:p>
+        </p:txBody>
+      </p:sp>
+      <p:sp>
+        <p:nvSpPr>
+          <p:cNvPr id="8" name="圆角矩形 7">
+            <a:extLst>
+              <a:ext uri="{FF2B5EF4-FFF2-40B4-BE49-F238E27FC236}">
+                <a16:creationId xmlns:a16="http://schemas.microsoft.com/office/drawing/2014/main" id="{63CC1323-0015-234B-A931-8408226DC122}"/>
+              </a:ext>
+            </a:extLst>
+          </p:cNvPr>
+          <p:cNvSpPr/>
+          <p:nvPr/>
+        </p:nvSpPr>
+        <p:spPr>
+          <a:xfrm>
+            <a:off x="1353312" y="621792"/>
+            <a:ext cx="609600" cy="499872"/>
+          </a:xfrm>
+          <a:prstGeom prst="roundRect">
+            <a:avLst/>
+          </a:prstGeom>
+        </p:spPr>
+        <p:style>
+          <a:lnRef idx="2">
+            <a:schemeClr val="accent6"/>
+          </a:lnRef>
+          <a:fillRef idx="1">
+            <a:schemeClr val="lt1"/>
+          </a:fillRef>
+          <a:effectRef idx="0">
+            <a:schemeClr val="accent6"/>
+          </a:effectRef>
+          <a:fontRef idx="minor">
+            <a:schemeClr val="dk1"/>
+          </a:fontRef>
+        </p:style>
+        <p:txBody>
+          <a:bodyPr rtlCol="0" anchor="ctr"/>
+          <a:lstStyle/>
+          <a:p>
+            <a:pPr algn="ctr"/>
+            <a:r>
+              <a:rPr kumimoji="1" lang="en-US" altLang="zh-CN" sz="2400" b="1" dirty="0"/>
+              <a:t>5</a:t>
+            </a:r>
+            <a:endParaRPr kumimoji="1" lang="zh-CN" altLang="en-US" sz="2400" b="1" dirty="0"/>
+          </a:p>
+        </p:txBody>
+      </p:sp>
+      <p:sp>
+        <p:nvSpPr>
+          <p:cNvPr id="9" name="圆角矩形 8">
+            <a:extLst>
+              <a:ext uri="{FF2B5EF4-FFF2-40B4-BE49-F238E27FC236}">
+                <a16:creationId xmlns:a16="http://schemas.microsoft.com/office/drawing/2014/main" id="{7B5F0A39-D6DC-FA4B-A8D9-85CAFA268046}"/>
+              </a:ext>
+            </a:extLst>
+          </p:cNvPr>
+          <p:cNvSpPr/>
+          <p:nvPr/>
+        </p:nvSpPr>
+        <p:spPr>
+          <a:xfrm>
+            <a:off x="1962912" y="621792"/>
+            <a:ext cx="609600" cy="499872"/>
+          </a:xfrm>
+          <a:prstGeom prst="roundRect">
+            <a:avLst/>
+          </a:prstGeom>
+        </p:spPr>
+        <p:style>
+          <a:lnRef idx="2">
+            <a:schemeClr val="accent6"/>
+          </a:lnRef>
+          <a:fillRef idx="1">
+            <a:schemeClr val="lt1"/>
+          </a:fillRef>
+          <a:effectRef idx="0">
+            <a:schemeClr val="accent6"/>
+          </a:effectRef>
+          <a:fontRef idx="minor">
+            <a:schemeClr val="dk1"/>
+          </a:fontRef>
+        </p:style>
+        <p:txBody>
+          <a:bodyPr rtlCol="0" anchor="ctr"/>
+          <a:lstStyle/>
+          <a:p>
+            <a:pPr algn="ctr"/>
+            <a:r>
+              <a:rPr kumimoji="1" lang="en-US" altLang="zh-CN" sz="2400" b="1" dirty="0"/>
+              <a:t>5</a:t>
+            </a:r>
+            <a:endParaRPr kumimoji="1" lang="zh-CN" altLang="en-US" sz="2400" b="1" dirty="0"/>
+          </a:p>
+        </p:txBody>
+      </p:sp>
+      <p:sp>
+        <p:nvSpPr>
+          <p:cNvPr id="10" name="圆角矩形 9">
+            <a:extLst>
+              <a:ext uri="{FF2B5EF4-FFF2-40B4-BE49-F238E27FC236}">
+                <a16:creationId xmlns:a16="http://schemas.microsoft.com/office/drawing/2014/main" id="{85E7C7B3-34ED-C945-B452-C8462FE54007}"/>
+              </a:ext>
+            </a:extLst>
+          </p:cNvPr>
+          <p:cNvSpPr/>
+          <p:nvPr/>
+        </p:nvSpPr>
+        <p:spPr>
+          <a:xfrm>
+            <a:off x="2572512" y="621792"/>
+            <a:ext cx="609600" cy="499872"/>
+          </a:xfrm>
+          <a:prstGeom prst="roundRect">
+            <a:avLst/>
+          </a:prstGeom>
+        </p:spPr>
+        <p:style>
+          <a:lnRef idx="2">
+            <a:schemeClr val="accent6"/>
+          </a:lnRef>
+          <a:fillRef idx="1">
+            <a:schemeClr val="lt1"/>
+          </a:fillRef>
+          <a:effectRef idx="0">
+            <a:schemeClr val="accent6"/>
+          </a:effectRef>
+          <a:fontRef idx="minor">
+            <a:schemeClr val="dk1"/>
+          </a:fontRef>
+        </p:style>
+        <p:txBody>
+          <a:bodyPr rtlCol="0" anchor="ctr"/>
+          <a:lstStyle/>
+          <a:p>
+            <a:pPr algn="ctr"/>
+            <a:r>
+              <a:rPr kumimoji="1" lang="en-US" altLang="zh-CN" sz="2400" b="1" dirty="0"/>
+              <a:t>5</a:t>
+            </a:r>
+            <a:endParaRPr kumimoji="1" lang="zh-CN" altLang="en-US" sz="2400" b="1" dirty="0"/>
+          </a:p>
+        </p:txBody>
+      </p:sp>
+      <p:sp>
+        <p:nvSpPr>
+          <p:cNvPr id="11" name="圆角矩形 10">
+            <a:extLst>
+              <a:ext uri="{FF2B5EF4-FFF2-40B4-BE49-F238E27FC236}">
+                <a16:creationId xmlns:a16="http://schemas.microsoft.com/office/drawing/2014/main" id="{FCBC5867-DC57-C540-BA3E-A8B6D8DB4D01}"/>
+              </a:ext>
+            </a:extLst>
+          </p:cNvPr>
+          <p:cNvSpPr/>
+          <p:nvPr/>
+        </p:nvSpPr>
+        <p:spPr>
+          <a:xfrm>
+            <a:off x="3182112" y="621792"/>
+            <a:ext cx="609600" cy="499872"/>
+          </a:xfrm>
+          <a:prstGeom prst="roundRect">
+            <a:avLst/>
+          </a:prstGeom>
+        </p:spPr>
+        <p:style>
+          <a:lnRef idx="2">
+            <a:schemeClr val="accent6"/>
+          </a:lnRef>
+          <a:fillRef idx="1">
+            <a:schemeClr val="lt1"/>
+          </a:fillRef>
+          <a:effectRef idx="0">
+            <a:schemeClr val="accent6"/>
+          </a:effectRef>
+          <a:fontRef idx="minor">
+            <a:schemeClr val="dk1"/>
+          </a:fontRef>
+        </p:style>
+        <p:txBody>
+          <a:bodyPr rtlCol="0" anchor="ctr"/>
+          <a:lstStyle/>
+          <a:p>
+            <a:pPr algn="ctr"/>
+            <a:r>
+              <a:rPr kumimoji="1" lang="en-US" altLang="zh-CN" sz="2400" b="1" dirty="0"/>
+              <a:t>6</a:t>
+            </a:r>
+            <a:endParaRPr kumimoji="1" lang="zh-CN" altLang="en-US" sz="2400" b="1" dirty="0"/>
+          </a:p>
+        </p:txBody>
+      </p:sp>
+      <p:sp>
+        <p:nvSpPr>
+          <p:cNvPr id="12" name="圆角矩形 11">
+            <a:extLst>
+              <a:ext uri="{FF2B5EF4-FFF2-40B4-BE49-F238E27FC236}">
+                <a16:creationId xmlns:a16="http://schemas.microsoft.com/office/drawing/2014/main" id="{54D36731-F7A8-5B4D-92C6-5B5A7E50D869}"/>
+              </a:ext>
+            </a:extLst>
+          </p:cNvPr>
+          <p:cNvSpPr/>
+          <p:nvPr/>
+        </p:nvSpPr>
+        <p:spPr>
+          <a:xfrm>
+            <a:off x="3791712" y="621792"/>
+            <a:ext cx="609600" cy="499872"/>
+          </a:xfrm>
+          <a:prstGeom prst="roundRect">
+            <a:avLst/>
+          </a:prstGeom>
+        </p:spPr>
+        <p:style>
+          <a:lnRef idx="2">
+            <a:schemeClr val="accent6"/>
+          </a:lnRef>
+          <a:fillRef idx="1">
+            <a:schemeClr val="lt1"/>
+          </a:fillRef>
+          <a:effectRef idx="0">
+            <a:schemeClr val="accent6"/>
+          </a:effectRef>
+          <a:fontRef idx="minor">
+            <a:schemeClr val="dk1"/>
+          </a:fontRef>
+        </p:style>
+        <p:txBody>
+          <a:bodyPr rtlCol="0" anchor="ctr"/>
+          <a:lstStyle/>
+          <a:p>
+            <a:pPr algn="ctr"/>
+            <a:r>
+              <a:rPr kumimoji="1" lang="en-US" altLang="zh-CN" sz="2400" b="1" dirty="0"/>
+              <a:t>7</a:t>
+            </a:r>
+            <a:endParaRPr kumimoji="1" lang="zh-CN" altLang="en-US" sz="2400" b="1" dirty="0"/>
+          </a:p>
+        </p:txBody>
+      </p:sp>
+      <p:sp>
+        <p:nvSpPr>
+          <p:cNvPr id="13" name="圆角矩形 12">
+            <a:extLst>
+              <a:ext uri="{FF2B5EF4-FFF2-40B4-BE49-F238E27FC236}">
+                <a16:creationId xmlns:a16="http://schemas.microsoft.com/office/drawing/2014/main" id="{DEE32E12-248A-0A48-B128-42FBB7EC21F3}"/>
+              </a:ext>
+            </a:extLst>
+          </p:cNvPr>
+          <p:cNvSpPr/>
+          <p:nvPr/>
+        </p:nvSpPr>
+        <p:spPr>
+          <a:xfrm>
+            <a:off x="4401312" y="621792"/>
+            <a:ext cx="609600" cy="499872"/>
+          </a:xfrm>
+          <a:prstGeom prst="roundRect">
+            <a:avLst/>
+          </a:prstGeom>
+        </p:spPr>
+        <p:style>
+          <a:lnRef idx="2">
+            <a:schemeClr val="accent6"/>
+          </a:lnRef>
+          <a:fillRef idx="1">
+            <a:schemeClr val="lt1"/>
+          </a:fillRef>
+          <a:effectRef idx="0">
+            <a:schemeClr val="accent6"/>
+          </a:effectRef>
+          <a:fontRef idx="minor">
+            <a:schemeClr val="dk1"/>
+          </a:fontRef>
+        </p:style>
+        <p:txBody>
+          <a:bodyPr rtlCol="0" anchor="ctr"/>
+          <a:lstStyle/>
+          <a:p>
+            <a:pPr algn="ctr"/>
+            <a:r>
+              <a:rPr kumimoji="1" lang="en-US" altLang="zh-CN" sz="2400" b="1" dirty="0"/>
+              <a:t>8</a:t>
+            </a:r>
+            <a:endParaRPr kumimoji="1" lang="zh-CN" altLang="en-US" sz="2400" b="1" dirty="0"/>
+          </a:p>
+        </p:txBody>
+      </p:sp>
+      <p:cxnSp>
+        <p:nvCxnSpPr>
+          <p:cNvPr id="22" name="直线箭头连接符 21">
+            <a:extLst>
+              <a:ext uri="{FF2B5EF4-FFF2-40B4-BE49-F238E27FC236}">
+                <a16:creationId xmlns:a16="http://schemas.microsoft.com/office/drawing/2014/main" id="{28955C7B-B8BB-0A41-8297-C992122586A1}"/>
+              </a:ext>
+            </a:extLst>
+          </p:cNvPr>
+          <p:cNvCxnSpPr>
+            <a:cxnSpLocks/>
+          </p:cNvCxnSpPr>
+          <p:nvPr/>
+        </p:nvCxnSpPr>
+        <p:spPr>
+          <a:xfrm flipV="1">
+            <a:off x="414528" y="1121664"/>
+            <a:ext cx="0" cy="353568"/>
+          </a:xfrm>
+          <a:prstGeom prst="straightConnector1">
+            <a:avLst/>
+          </a:prstGeom>
+          <a:ln>
+            <a:tailEnd type="triangle"/>
+          </a:ln>
+        </p:spPr>
+        <p:style>
+          <a:lnRef idx="1">
+            <a:schemeClr val="accent1"/>
+          </a:lnRef>
+          <a:fillRef idx="0">
+            <a:schemeClr val="accent1"/>
+          </a:fillRef>
+          <a:effectRef idx="0">
+            <a:schemeClr val="accent1"/>
+          </a:effectRef>
+          <a:fontRef idx="minor">
+            <a:schemeClr val="tx1"/>
+          </a:fontRef>
+        </p:style>
+      </p:cxnSp>
+      <p:sp>
+        <p:nvSpPr>
+          <p:cNvPr id="23" name="文本框 22">
+            <a:extLst>
+              <a:ext uri="{FF2B5EF4-FFF2-40B4-BE49-F238E27FC236}">
+                <a16:creationId xmlns:a16="http://schemas.microsoft.com/office/drawing/2014/main" id="{04799C1F-A43B-884C-B372-3BEB2607AE01}"/>
+              </a:ext>
+            </a:extLst>
+          </p:cNvPr>
+          <p:cNvSpPr txBox="1"/>
+          <p:nvPr/>
+        </p:nvSpPr>
+        <p:spPr>
+          <a:xfrm>
+            <a:off x="181469" y="1478125"/>
+            <a:ext cx="603050" cy="369332"/>
+          </a:xfrm>
+          <a:prstGeom prst="rect">
+            <a:avLst/>
+          </a:prstGeom>
+          <a:noFill/>
+        </p:spPr>
+        <p:txBody>
+          <a:bodyPr wrap="none" rtlCol="0">
+            <a:spAutoFit/>
+          </a:bodyPr>
+          <a:lstStyle/>
+          <a:p>
+            <a:r>
+              <a:rPr kumimoji="1" lang="en-US" altLang="zh-CN" dirty="0"/>
+              <a:t>root</a:t>
+            </a:r>
+            <a:endParaRPr kumimoji="1" lang="zh-CN" altLang="en-US" dirty="0"/>
+          </a:p>
+        </p:txBody>
+      </p:sp>
+      <p:cxnSp>
+        <p:nvCxnSpPr>
+          <p:cNvPr id="24" name="直线箭头连接符 23">
+            <a:extLst>
+              <a:ext uri="{FF2B5EF4-FFF2-40B4-BE49-F238E27FC236}">
+                <a16:creationId xmlns:a16="http://schemas.microsoft.com/office/drawing/2014/main" id="{1BB7E81C-2E93-C941-817B-C8EAFE7D8C54}"/>
+              </a:ext>
+            </a:extLst>
+          </p:cNvPr>
+          <p:cNvCxnSpPr>
+            <a:cxnSpLocks/>
+          </p:cNvCxnSpPr>
+          <p:nvPr/>
+        </p:nvCxnSpPr>
+        <p:spPr>
+          <a:xfrm flipV="1">
+            <a:off x="1026504" y="1121664"/>
+            <a:ext cx="0" cy="353568"/>
+          </a:xfrm>
+          <a:prstGeom prst="straightConnector1">
+            <a:avLst/>
+          </a:prstGeom>
+          <a:ln>
+            <a:tailEnd type="triangle"/>
+          </a:ln>
+        </p:spPr>
+        <p:style>
+          <a:lnRef idx="1">
+            <a:schemeClr val="accent1"/>
+          </a:lnRef>
+          <a:fillRef idx="0">
+            <a:schemeClr val="accent1"/>
+          </a:fillRef>
+          <a:effectRef idx="0">
+            <a:schemeClr val="accent1"/>
+          </a:effectRef>
+          <a:fontRef idx="minor">
+            <a:schemeClr val="tx1"/>
+          </a:fontRef>
+        </p:style>
+      </p:cxnSp>
+      <p:sp>
+        <p:nvSpPr>
+          <p:cNvPr id="25" name="文本框 24">
+            <a:extLst>
+              <a:ext uri="{FF2B5EF4-FFF2-40B4-BE49-F238E27FC236}">
+                <a16:creationId xmlns:a16="http://schemas.microsoft.com/office/drawing/2014/main" id="{59DB1076-212E-944C-BD71-B22DE0210BE8}"/>
+              </a:ext>
+            </a:extLst>
+          </p:cNvPr>
+          <p:cNvSpPr txBox="1"/>
+          <p:nvPr/>
+        </p:nvSpPr>
+        <p:spPr>
+          <a:xfrm>
+            <a:off x="791069" y="1475232"/>
+            <a:ext cx="678391" cy="369332"/>
+          </a:xfrm>
+          <a:prstGeom prst="rect">
+            <a:avLst/>
+          </a:prstGeom>
+          <a:noFill/>
+        </p:spPr>
+        <p:txBody>
+          <a:bodyPr wrap="none" rtlCol="0">
+            <a:spAutoFit/>
+          </a:bodyPr>
+          <a:lstStyle/>
+          <a:p>
+            <a:r>
+              <a:rPr kumimoji="1" lang="en-US" altLang="zh-CN" dirty="0"/>
+              <a:t>head</a:t>
+            </a:r>
+            <a:endParaRPr kumimoji="1" lang="zh-CN" altLang="en-US" dirty="0"/>
+          </a:p>
+        </p:txBody>
+      </p:sp>
+      <p:sp>
+        <p:nvSpPr>
+          <p:cNvPr id="27" name="圆角矩形 26">
+            <a:extLst>
+              <a:ext uri="{FF2B5EF4-FFF2-40B4-BE49-F238E27FC236}">
+                <a16:creationId xmlns:a16="http://schemas.microsoft.com/office/drawing/2014/main" id="{9547ECEE-B30D-834C-88A8-A48873E01CC6}"/>
+              </a:ext>
+            </a:extLst>
+          </p:cNvPr>
+          <p:cNvSpPr/>
+          <p:nvPr/>
+        </p:nvSpPr>
+        <p:spPr>
+          <a:xfrm>
+            <a:off x="6571490" y="621792"/>
+            <a:ext cx="609600" cy="499872"/>
+          </a:xfrm>
+          <a:prstGeom prst="roundRect">
+            <a:avLst/>
+          </a:prstGeom>
+        </p:spPr>
+        <p:style>
+          <a:lnRef idx="2">
+            <a:schemeClr val="accent6"/>
+          </a:lnRef>
+          <a:fillRef idx="1">
+            <a:schemeClr val="lt1"/>
+          </a:fillRef>
+          <a:effectRef idx="0">
+            <a:schemeClr val="accent6"/>
+          </a:effectRef>
+          <a:fontRef idx="minor">
+            <a:schemeClr val="dk1"/>
+          </a:fontRef>
+        </p:style>
+        <p:txBody>
+          <a:bodyPr rtlCol="0" anchor="ctr"/>
+          <a:lstStyle/>
+          <a:p>
+            <a:pPr algn="ctr"/>
+            <a:r>
+              <a:rPr kumimoji="1" lang="en-US" altLang="zh-CN" sz="2400" b="1" strike="sngStrike" dirty="0"/>
+              <a:t>5</a:t>
+            </a:r>
+            <a:endParaRPr kumimoji="1" lang="zh-CN" altLang="en-US" sz="2400" b="1" strike="sngStrike" dirty="0"/>
+          </a:p>
+        </p:txBody>
+      </p:sp>
+      <p:sp>
+        <p:nvSpPr>
+          <p:cNvPr id="28" name="圆角矩形 27">
+            <a:extLst>
+              <a:ext uri="{FF2B5EF4-FFF2-40B4-BE49-F238E27FC236}">
+                <a16:creationId xmlns:a16="http://schemas.microsoft.com/office/drawing/2014/main" id="{3DF24344-3A50-684B-8F2D-E1D9A2FBC989}"/>
+              </a:ext>
+            </a:extLst>
+          </p:cNvPr>
+          <p:cNvSpPr/>
+          <p:nvPr/>
+        </p:nvSpPr>
+        <p:spPr>
+          <a:xfrm>
+            <a:off x="7181090" y="621792"/>
+            <a:ext cx="609600" cy="499872"/>
+          </a:xfrm>
+          <a:prstGeom prst="roundRect">
+            <a:avLst/>
+          </a:prstGeom>
+        </p:spPr>
+        <p:style>
+          <a:lnRef idx="2">
+            <a:schemeClr val="accent6"/>
+          </a:lnRef>
+          <a:fillRef idx="1">
+            <a:schemeClr val="lt1"/>
+          </a:fillRef>
+          <a:effectRef idx="0">
+            <a:schemeClr val="accent6"/>
+          </a:effectRef>
+          <a:fontRef idx="minor">
+            <a:schemeClr val="dk1"/>
+          </a:fontRef>
+        </p:style>
+        <p:txBody>
+          <a:bodyPr rtlCol="0" anchor="ctr"/>
+          <a:lstStyle/>
+          <a:p>
+            <a:pPr algn="ctr"/>
+            <a:r>
+              <a:rPr kumimoji="1" lang="en-US" altLang="zh-CN" sz="2400" b="1" strike="sngStrike" dirty="0"/>
+              <a:t>5</a:t>
+            </a:r>
+            <a:endParaRPr kumimoji="1" lang="zh-CN" altLang="en-US" sz="2400" b="1" strike="sngStrike" dirty="0"/>
+          </a:p>
+        </p:txBody>
+      </p:sp>
+      <p:sp>
+        <p:nvSpPr>
+          <p:cNvPr id="29" name="圆角矩形 28">
+            <a:extLst>
+              <a:ext uri="{FF2B5EF4-FFF2-40B4-BE49-F238E27FC236}">
+                <a16:creationId xmlns:a16="http://schemas.microsoft.com/office/drawing/2014/main" id="{51B2007E-593B-EA40-8DC5-8439B83A7872}"/>
+              </a:ext>
+            </a:extLst>
+          </p:cNvPr>
+          <p:cNvSpPr/>
+          <p:nvPr/>
+        </p:nvSpPr>
+        <p:spPr>
+          <a:xfrm>
+            <a:off x="7790690" y="621792"/>
+            <a:ext cx="609600" cy="499872"/>
+          </a:xfrm>
+          <a:prstGeom prst="roundRect">
+            <a:avLst/>
+          </a:prstGeom>
+        </p:spPr>
+        <p:style>
+          <a:lnRef idx="2">
+            <a:schemeClr val="accent6"/>
+          </a:lnRef>
+          <a:fillRef idx="1">
+            <a:schemeClr val="lt1"/>
+          </a:fillRef>
+          <a:effectRef idx="0">
+            <a:schemeClr val="accent6"/>
+          </a:effectRef>
+          <a:fontRef idx="minor">
+            <a:schemeClr val="dk1"/>
+          </a:fontRef>
+        </p:style>
+        <p:txBody>
+          <a:bodyPr rtlCol="0" anchor="ctr"/>
+          <a:lstStyle/>
+          <a:p>
+            <a:pPr algn="ctr"/>
+            <a:r>
+              <a:rPr kumimoji="1" lang="en-US" altLang="zh-CN" sz="2400" b="1" strike="sngStrike" dirty="0"/>
+              <a:t>5</a:t>
+            </a:r>
+            <a:endParaRPr kumimoji="1" lang="zh-CN" altLang="en-US" sz="2400" b="1" strike="sngStrike" dirty="0"/>
+          </a:p>
+        </p:txBody>
+      </p:sp>
+      <p:sp>
+        <p:nvSpPr>
+          <p:cNvPr id="30" name="圆角矩形 29">
+            <a:extLst>
+              <a:ext uri="{FF2B5EF4-FFF2-40B4-BE49-F238E27FC236}">
+                <a16:creationId xmlns:a16="http://schemas.microsoft.com/office/drawing/2014/main" id="{53CF0A20-683C-134B-BD0D-DEA7DCAD019F}"/>
+              </a:ext>
+            </a:extLst>
+          </p:cNvPr>
+          <p:cNvSpPr/>
+          <p:nvPr/>
+        </p:nvSpPr>
+        <p:spPr>
+          <a:xfrm>
+            <a:off x="8400290" y="621792"/>
+            <a:ext cx="609600" cy="499872"/>
+          </a:xfrm>
+          <a:prstGeom prst="roundRect">
+            <a:avLst/>
+          </a:prstGeom>
+        </p:spPr>
+        <p:style>
+          <a:lnRef idx="2">
+            <a:schemeClr val="accent6"/>
+          </a:lnRef>
+          <a:fillRef idx="1">
+            <a:schemeClr val="lt1"/>
+          </a:fillRef>
+          <a:effectRef idx="0">
+            <a:schemeClr val="accent6"/>
+          </a:effectRef>
+          <a:fontRef idx="minor">
+            <a:schemeClr val="dk1"/>
+          </a:fontRef>
+        </p:style>
+        <p:txBody>
+          <a:bodyPr rtlCol="0" anchor="ctr"/>
+          <a:lstStyle/>
+          <a:p>
+            <a:pPr algn="ctr"/>
+            <a:r>
+              <a:rPr kumimoji="1" lang="en-US" altLang="zh-CN" sz="2400" b="1" strike="sngStrike" dirty="0"/>
+              <a:t>5</a:t>
+            </a:r>
+            <a:endParaRPr kumimoji="1" lang="zh-CN" altLang="en-US" sz="2400" b="1" strike="sngStrike" dirty="0"/>
+          </a:p>
+        </p:txBody>
+      </p:sp>
+      <p:sp>
+        <p:nvSpPr>
+          <p:cNvPr id="26" name="圆角矩形 25">
+            <a:extLst>
+              <a:ext uri="{FF2B5EF4-FFF2-40B4-BE49-F238E27FC236}">
+                <a16:creationId xmlns:a16="http://schemas.microsoft.com/office/drawing/2014/main" id="{50DAD705-162C-D54E-BE99-EDED630C7B81}"/>
+              </a:ext>
+            </a:extLst>
+          </p:cNvPr>
+          <p:cNvSpPr/>
+          <p:nvPr/>
+        </p:nvSpPr>
+        <p:spPr>
+          <a:xfrm>
+            <a:off x="5961890" y="621792"/>
+            <a:ext cx="609600" cy="499872"/>
+          </a:xfrm>
+          <a:prstGeom prst="roundRect">
+            <a:avLst/>
+          </a:prstGeom>
+        </p:spPr>
+        <p:style>
+          <a:lnRef idx="2">
+            <a:schemeClr val="accent6"/>
+          </a:lnRef>
+          <a:fillRef idx="1">
+            <a:schemeClr val="lt1"/>
+          </a:fillRef>
+          <a:effectRef idx="0">
+            <a:schemeClr val="accent6"/>
+          </a:effectRef>
+          <a:fontRef idx="minor">
+            <a:schemeClr val="dk1"/>
+          </a:fontRef>
+        </p:style>
+        <p:txBody>
+          <a:bodyPr rtlCol="0" anchor="ctr"/>
+          <a:lstStyle/>
+          <a:p>
+            <a:pPr algn="ctr"/>
+            <a:r>
+              <a:rPr kumimoji="1" lang="en-US" altLang="zh-CN" sz="2400" b="1" dirty="0"/>
+              <a:t>?</a:t>
+            </a:r>
+            <a:endParaRPr kumimoji="1" lang="zh-CN" altLang="en-US" sz="2400" b="1" dirty="0"/>
+          </a:p>
+        </p:txBody>
+      </p:sp>
+      <p:sp>
+        <p:nvSpPr>
+          <p:cNvPr id="31" name="圆角矩形 30">
+            <a:extLst>
+              <a:ext uri="{FF2B5EF4-FFF2-40B4-BE49-F238E27FC236}">
+                <a16:creationId xmlns:a16="http://schemas.microsoft.com/office/drawing/2014/main" id="{D10BBAD9-AF77-AB4A-AD91-6975BAA2E563}"/>
+              </a:ext>
+            </a:extLst>
+          </p:cNvPr>
+          <p:cNvSpPr/>
+          <p:nvPr/>
+        </p:nvSpPr>
+        <p:spPr>
+          <a:xfrm>
+            <a:off x="9009890" y="621792"/>
+            <a:ext cx="609600" cy="499872"/>
+          </a:xfrm>
+          <a:prstGeom prst="roundRect">
+            <a:avLst/>
+          </a:prstGeom>
+        </p:spPr>
+        <p:style>
+          <a:lnRef idx="2">
+            <a:schemeClr val="accent6"/>
+          </a:lnRef>
+          <a:fillRef idx="1">
+            <a:schemeClr val="lt1"/>
+          </a:fillRef>
+          <a:effectRef idx="0">
+            <a:schemeClr val="accent6"/>
+          </a:effectRef>
+          <a:fontRef idx="minor">
+            <a:schemeClr val="dk1"/>
+          </a:fontRef>
+        </p:style>
+        <p:txBody>
+          <a:bodyPr rtlCol="0" anchor="ctr"/>
+          <a:lstStyle/>
+          <a:p>
+            <a:pPr algn="ctr"/>
+            <a:r>
+              <a:rPr kumimoji="1" lang="en-US" altLang="zh-CN" sz="2400" b="1" dirty="0"/>
+              <a:t>6</a:t>
+            </a:r>
+            <a:endParaRPr kumimoji="1" lang="zh-CN" altLang="en-US" sz="2400" b="1" dirty="0"/>
+          </a:p>
+        </p:txBody>
+      </p:sp>
+      <p:sp>
+        <p:nvSpPr>
+          <p:cNvPr id="32" name="圆角矩形 31">
+            <a:extLst>
+              <a:ext uri="{FF2B5EF4-FFF2-40B4-BE49-F238E27FC236}">
+                <a16:creationId xmlns:a16="http://schemas.microsoft.com/office/drawing/2014/main" id="{4AC493D7-E6FB-1948-BDE0-9E116452564C}"/>
+              </a:ext>
+            </a:extLst>
+          </p:cNvPr>
+          <p:cNvSpPr/>
+          <p:nvPr/>
+        </p:nvSpPr>
+        <p:spPr>
+          <a:xfrm>
+            <a:off x="9619490" y="621792"/>
+            <a:ext cx="609600" cy="499872"/>
+          </a:xfrm>
+          <a:prstGeom prst="roundRect">
+            <a:avLst/>
+          </a:prstGeom>
+        </p:spPr>
+        <p:style>
+          <a:lnRef idx="2">
+            <a:schemeClr val="accent6"/>
+          </a:lnRef>
+          <a:fillRef idx="1">
+            <a:schemeClr val="lt1"/>
+          </a:fillRef>
+          <a:effectRef idx="0">
+            <a:schemeClr val="accent6"/>
+          </a:effectRef>
+          <a:fontRef idx="minor">
+            <a:schemeClr val="dk1"/>
+          </a:fontRef>
+        </p:style>
+        <p:txBody>
+          <a:bodyPr rtlCol="0" anchor="ctr"/>
+          <a:lstStyle/>
+          <a:p>
+            <a:pPr algn="ctr"/>
+            <a:r>
+              <a:rPr kumimoji="1" lang="en-US" altLang="zh-CN" sz="2400" b="1" dirty="0"/>
+              <a:t>7</a:t>
+            </a:r>
+            <a:endParaRPr kumimoji="1" lang="zh-CN" altLang="en-US" sz="2400" b="1" dirty="0"/>
+          </a:p>
+        </p:txBody>
+      </p:sp>
+      <p:sp>
+        <p:nvSpPr>
+          <p:cNvPr id="33" name="圆角矩形 32">
+            <a:extLst>
+              <a:ext uri="{FF2B5EF4-FFF2-40B4-BE49-F238E27FC236}">
+                <a16:creationId xmlns:a16="http://schemas.microsoft.com/office/drawing/2014/main" id="{18CC294B-DD1F-D345-8448-944E0493C7C0}"/>
+              </a:ext>
+            </a:extLst>
+          </p:cNvPr>
+          <p:cNvSpPr/>
+          <p:nvPr/>
+        </p:nvSpPr>
+        <p:spPr>
+          <a:xfrm>
+            <a:off x="10229090" y="621792"/>
+            <a:ext cx="609600" cy="499872"/>
+          </a:xfrm>
+          <a:prstGeom prst="roundRect">
+            <a:avLst/>
+          </a:prstGeom>
+        </p:spPr>
+        <p:style>
+          <a:lnRef idx="2">
+            <a:schemeClr val="accent6"/>
+          </a:lnRef>
+          <a:fillRef idx="1">
+            <a:schemeClr val="lt1"/>
+          </a:fillRef>
+          <a:effectRef idx="0">
+            <a:schemeClr val="accent6"/>
+          </a:effectRef>
+          <a:fontRef idx="minor">
+            <a:schemeClr val="dk1"/>
+          </a:fontRef>
+        </p:style>
+        <p:txBody>
+          <a:bodyPr rtlCol="0" anchor="ctr"/>
+          <a:lstStyle/>
+          <a:p>
+            <a:pPr algn="ctr"/>
+            <a:r>
+              <a:rPr kumimoji="1" lang="en-US" altLang="zh-CN" sz="2400" b="1" dirty="0"/>
+              <a:t>8</a:t>
+            </a:r>
+            <a:endParaRPr kumimoji="1" lang="zh-CN" altLang="en-US" sz="2400" b="1" dirty="0"/>
+          </a:p>
+        </p:txBody>
+      </p:sp>
+      <p:cxnSp>
+        <p:nvCxnSpPr>
+          <p:cNvPr id="34" name="直线箭头连接符 33">
+            <a:extLst>
+              <a:ext uri="{FF2B5EF4-FFF2-40B4-BE49-F238E27FC236}">
+                <a16:creationId xmlns:a16="http://schemas.microsoft.com/office/drawing/2014/main" id="{872F418C-7179-AE44-82E0-0A9B85B4EBCA}"/>
+              </a:ext>
+            </a:extLst>
+          </p:cNvPr>
+          <p:cNvCxnSpPr>
+            <a:cxnSpLocks/>
+          </p:cNvCxnSpPr>
+          <p:nvPr/>
+        </p:nvCxnSpPr>
+        <p:spPr>
+          <a:xfrm flipV="1">
+            <a:off x="6242306" y="1121664"/>
+            <a:ext cx="0" cy="353568"/>
+          </a:xfrm>
+          <a:prstGeom prst="straightConnector1">
+            <a:avLst/>
+          </a:prstGeom>
+          <a:ln>
+            <a:tailEnd type="triangle"/>
+          </a:ln>
+        </p:spPr>
+        <p:style>
+          <a:lnRef idx="1">
+            <a:schemeClr val="accent1"/>
+          </a:lnRef>
+          <a:fillRef idx="0">
+            <a:schemeClr val="accent1"/>
+          </a:fillRef>
+          <a:effectRef idx="0">
+            <a:schemeClr val="accent1"/>
+          </a:effectRef>
+          <a:fontRef idx="minor">
+            <a:schemeClr val="tx1"/>
+          </a:fontRef>
+        </p:style>
+      </p:cxnSp>
+      <p:sp>
+        <p:nvSpPr>
+          <p:cNvPr id="35" name="文本框 34">
+            <a:extLst>
+              <a:ext uri="{FF2B5EF4-FFF2-40B4-BE49-F238E27FC236}">
+                <a16:creationId xmlns:a16="http://schemas.microsoft.com/office/drawing/2014/main" id="{4ADD9723-8BE0-1948-A02B-D5E95A5AD13D}"/>
+              </a:ext>
+            </a:extLst>
+          </p:cNvPr>
+          <p:cNvSpPr txBox="1"/>
+          <p:nvPr/>
+        </p:nvSpPr>
+        <p:spPr>
+          <a:xfrm>
+            <a:off x="6009247" y="1478125"/>
+            <a:ext cx="603050" cy="369332"/>
+          </a:xfrm>
+          <a:prstGeom prst="rect">
+            <a:avLst/>
+          </a:prstGeom>
+          <a:noFill/>
+        </p:spPr>
+        <p:txBody>
+          <a:bodyPr wrap="none" rtlCol="0">
+            <a:spAutoFit/>
+          </a:bodyPr>
+          <a:lstStyle/>
+          <a:p>
+            <a:r>
+              <a:rPr kumimoji="1" lang="en-US" altLang="zh-CN" dirty="0"/>
+              <a:t>root</a:t>
+            </a:r>
+            <a:endParaRPr kumimoji="1" lang="zh-CN" altLang="en-US" dirty="0"/>
+          </a:p>
+        </p:txBody>
+      </p:sp>
+      <p:cxnSp>
+        <p:nvCxnSpPr>
+          <p:cNvPr id="36" name="直线箭头连接符 35">
+            <a:extLst>
+              <a:ext uri="{FF2B5EF4-FFF2-40B4-BE49-F238E27FC236}">
+                <a16:creationId xmlns:a16="http://schemas.microsoft.com/office/drawing/2014/main" id="{C11D04FB-0A28-DD4E-801B-29B79498AA2D}"/>
+              </a:ext>
+            </a:extLst>
+          </p:cNvPr>
+          <p:cNvCxnSpPr>
+            <a:cxnSpLocks/>
+          </p:cNvCxnSpPr>
+          <p:nvPr/>
+        </p:nvCxnSpPr>
+        <p:spPr>
+          <a:xfrm flipV="1">
+            <a:off x="9302501" y="1121664"/>
+            <a:ext cx="0" cy="353568"/>
+          </a:xfrm>
+          <a:prstGeom prst="straightConnector1">
+            <a:avLst/>
+          </a:prstGeom>
+          <a:ln>
+            <a:tailEnd type="triangle"/>
+          </a:ln>
+        </p:spPr>
+        <p:style>
+          <a:lnRef idx="1">
+            <a:schemeClr val="accent1"/>
+          </a:lnRef>
+          <a:fillRef idx="0">
+            <a:schemeClr val="accent1"/>
+          </a:fillRef>
+          <a:effectRef idx="0">
+            <a:schemeClr val="accent1"/>
+          </a:effectRef>
+          <a:fontRef idx="minor">
+            <a:schemeClr val="tx1"/>
+          </a:fontRef>
+        </p:style>
+      </p:cxnSp>
+      <p:sp>
+        <p:nvSpPr>
+          <p:cNvPr id="37" name="文本框 36">
+            <a:extLst>
+              <a:ext uri="{FF2B5EF4-FFF2-40B4-BE49-F238E27FC236}">
+                <a16:creationId xmlns:a16="http://schemas.microsoft.com/office/drawing/2014/main" id="{F1A8B725-3CC2-4249-82DD-00C4D65C0ECB}"/>
+              </a:ext>
+            </a:extLst>
+          </p:cNvPr>
+          <p:cNvSpPr txBox="1"/>
+          <p:nvPr/>
+        </p:nvSpPr>
+        <p:spPr>
+          <a:xfrm>
+            <a:off x="9067066" y="1475232"/>
+            <a:ext cx="678391" cy="369332"/>
+          </a:xfrm>
+          <a:prstGeom prst="rect">
+            <a:avLst/>
+          </a:prstGeom>
+          <a:noFill/>
+        </p:spPr>
+        <p:txBody>
+          <a:bodyPr wrap="none" rtlCol="0">
+            <a:spAutoFit/>
+          </a:bodyPr>
+          <a:lstStyle/>
+          <a:p>
+            <a:r>
+              <a:rPr kumimoji="1" lang="en-US" altLang="zh-CN" dirty="0"/>
+              <a:t>head</a:t>
+            </a:r>
+            <a:endParaRPr kumimoji="1" lang="zh-CN" altLang="en-US" dirty="0"/>
+          </a:p>
+        </p:txBody>
+      </p:sp>
+      <p:sp>
+        <p:nvSpPr>
+          <p:cNvPr id="38" name="圆角矩形 37">
+            <a:extLst>
+              <a:ext uri="{FF2B5EF4-FFF2-40B4-BE49-F238E27FC236}">
+                <a16:creationId xmlns:a16="http://schemas.microsoft.com/office/drawing/2014/main" id="{9167F176-05A6-F546-974B-454D16CB3BA8}"/>
+              </a:ext>
+            </a:extLst>
+          </p:cNvPr>
+          <p:cNvSpPr/>
+          <p:nvPr/>
+        </p:nvSpPr>
+        <p:spPr>
+          <a:xfrm>
+            <a:off x="134112" y="2417012"/>
+            <a:ext cx="609600" cy="499872"/>
+          </a:xfrm>
+          <a:prstGeom prst="roundRect">
+            <a:avLst/>
+          </a:prstGeom>
+        </p:spPr>
+        <p:style>
+          <a:lnRef idx="2">
+            <a:schemeClr val="accent6"/>
+          </a:lnRef>
+          <a:fillRef idx="1">
+            <a:schemeClr val="lt1"/>
+          </a:fillRef>
+          <a:effectRef idx="0">
+            <a:schemeClr val="accent6"/>
+          </a:effectRef>
+          <a:fontRef idx="minor">
+            <a:schemeClr val="dk1"/>
+          </a:fontRef>
+        </p:style>
+        <p:txBody>
+          <a:bodyPr rtlCol="0" anchor="ctr"/>
+          <a:lstStyle/>
+          <a:p>
+            <a:pPr algn="ctr"/>
+            <a:r>
+              <a:rPr kumimoji="1" lang="en-US" altLang="zh-CN" sz="2400" b="1" dirty="0"/>
+              <a:t>?</a:t>
+            </a:r>
+            <a:endParaRPr kumimoji="1" lang="zh-CN" altLang="en-US" sz="2400" b="1" dirty="0"/>
+          </a:p>
+        </p:txBody>
+      </p:sp>
+      <p:sp>
+        <p:nvSpPr>
+          <p:cNvPr id="39" name="圆角矩形 38">
+            <a:extLst>
+              <a:ext uri="{FF2B5EF4-FFF2-40B4-BE49-F238E27FC236}">
+                <a16:creationId xmlns:a16="http://schemas.microsoft.com/office/drawing/2014/main" id="{6B4DC8C3-6491-A84C-9D3D-997DF1581331}"/>
+              </a:ext>
+            </a:extLst>
+          </p:cNvPr>
+          <p:cNvSpPr/>
+          <p:nvPr/>
+        </p:nvSpPr>
+        <p:spPr>
+          <a:xfrm>
+            <a:off x="743712" y="2417012"/>
+            <a:ext cx="609600" cy="499872"/>
+          </a:xfrm>
+          <a:prstGeom prst="roundRect">
+            <a:avLst/>
+          </a:prstGeom>
+        </p:spPr>
+        <p:style>
+          <a:lnRef idx="2">
+            <a:schemeClr val="accent6"/>
+          </a:lnRef>
+          <a:fillRef idx="1">
+            <a:schemeClr val="lt1"/>
+          </a:fillRef>
+          <a:effectRef idx="0">
+            <a:schemeClr val="accent6"/>
+          </a:effectRef>
+          <a:fontRef idx="minor">
+            <a:schemeClr val="dk1"/>
+          </a:fontRef>
+        </p:style>
+        <p:txBody>
+          <a:bodyPr rtlCol="0" anchor="ctr"/>
+          <a:lstStyle/>
+          <a:p>
+            <a:pPr algn="ctr"/>
+            <a:r>
+              <a:rPr kumimoji="1" lang="en-US" altLang="zh-CN" sz="2400" b="1" dirty="0"/>
+              <a:t>1</a:t>
+            </a:r>
+            <a:endParaRPr kumimoji="1" lang="zh-CN" altLang="en-US" sz="2400" b="1" dirty="0"/>
+          </a:p>
+        </p:txBody>
+      </p:sp>
+      <p:sp>
+        <p:nvSpPr>
+          <p:cNvPr id="40" name="圆角矩形 39">
+            <a:extLst>
+              <a:ext uri="{FF2B5EF4-FFF2-40B4-BE49-F238E27FC236}">
+                <a16:creationId xmlns:a16="http://schemas.microsoft.com/office/drawing/2014/main" id="{31903EE7-D64F-954F-B018-E692A411E0ED}"/>
+              </a:ext>
+            </a:extLst>
+          </p:cNvPr>
+          <p:cNvSpPr/>
+          <p:nvPr/>
+        </p:nvSpPr>
+        <p:spPr>
+          <a:xfrm>
+            <a:off x="1353312" y="2417012"/>
+            <a:ext cx="609600" cy="499872"/>
+          </a:xfrm>
+          <a:prstGeom prst="roundRect">
+            <a:avLst/>
+          </a:prstGeom>
+        </p:spPr>
+        <p:style>
+          <a:lnRef idx="2">
+            <a:schemeClr val="accent6"/>
+          </a:lnRef>
+          <a:fillRef idx="1">
+            <a:schemeClr val="lt1"/>
+          </a:fillRef>
+          <a:effectRef idx="0">
+            <a:schemeClr val="accent6"/>
+          </a:effectRef>
+          <a:fontRef idx="minor">
+            <a:schemeClr val="dk1"/>
+          </a:fontRef>
+        </p:style>
+        <p:txBody>
+          <a:bodyPr rtlCol="0" anchor="ctr"/>
+          <a:lstStyle/>
+          <a:p>
+            <a:pPr algn="ctr"/>
+            <a:r>
+              <a:rPr kumimoji="1" lang="en-US" altLang="zh-CN" sz="2400" b="1" dirty="0"/>
+              <a:t>5</a:t>
+            </a:r>
+            <a:endParaRPr kumimoji="1" lang="zh-CN" altLang="en-US" sz="2400" b="1" dirty="0"/>
+          </a:p>
+        </p:txBody>
+      </p:sp>
+      <p:sp>
+        <p:nvSpPr>
+          <p:cNvPr id="41" name="圆角矩形 40">
+            <a:extLst>
+              <a:ext uri="{FF2B5EF4-FFF2-40B4-BE49-F238E27FC236}">
+                <a16:creationId xmlns:a16="http://schemas.microsoft.com/office/drawing/2014/main" id="{EFB08D54-7297-EC42-83B4-5AB9DB4756FD}"/>
+              </a:ext>
+            </a:extLst>
+          </p:cNvPr>
+          <p:cNvSpPr/>
+          <p:nvPr/>
+        </p:nvSpPr>
+        <p:spPr>
+          <a:xfrm>
+            <a:off x="1962912" y="2417012"/>
+            <a:ext cx="609600" cy="499872"/>
+          </a:xfrm>
+          <a:prstGeom prst="roundRect">
+            <a:avLst/>
+          </a:prstGeom>
+        </p:spPr>
+        <p:style>
+          <a:lnRef idx="2">
+            <a:schemeClr val="accent6"/>
+          </a:lnRef>
+          <a:fillRef idx="1">
+            <a:schemeClr val="lt1"/>
+          </a:fillRef>
+          <a:effectRef idx="0">
+            <a:schemeClr val="accent6"/>
+          </a:effectRef>
+          <a:fontRef idx="minor">
+            <a:schemeClr val="dk1"/>
+          </a:fontRef>
+        </p:style>
+        <p:txBody>
+          <a:bodyPr rtlCol="0" anchor="ctr"/>
+          <a:lstStyle/>
+          <a:p>
+            <a:pPr algn="ctr"/>
+            <a:r>
+              <a:rPr kumimoji="1" lang="en-US" altLang="zh-CN" sz="2400" b="1" dirty="0"/>
+              <a:t>5</a:t>
+            </a:r>
+            <a:endParaRPr kumimoji="1" lang="zh-CN" altLang="en-US" sz="2400" b="1" dirty="0"/>
+          </a:p>
+        </p:txBody>
+      </p:sp>
+      <p:sp>
+        <p:nvSpPr>
+          <p:cNvPr id="42" name="圆角矩形 41">
+            <a:extLst>
+              <a:ext uri="{FF2B5EF4-FFF2-40B4-BE49-F238E27FC236}">
+                <a16:creationId xmlns:a16="http://schemas.microsoft.com/office/drawing/2014/main" id="{062B1955-1490-4E4B-9BDF-B4FCC3FB8FC3}"/>
+              </a:ext>
+            </a:extLst>
+          </p:cNvPr>
+          <p:cNvSpPr/>
+          <p:nvPr/>
+        </p:nvSpPr>
+        <p:spPr>
+          <a:xfrm>
+            <a:off x="2572512" y="2417012"/>
+            <a:ext cx="609600" cy="499872"/>
+          </a:xfrm>
+          <a:prstGeom prst="roundRect">
+            <a:avLst/>
+          </a:prstGeom>
+        </p:spPr>
+        <p:style>
+          <a:lnRef idx="2">
+            <a:schemeClr val="accent6"/>
+          </a:lnRef>
+          <a:fillRef idx="1">
+            <a:schemeClr val="lt1"/>
+          </a:fillRef>
+          <a:effectRef idx="0">
+            <a:schemeClr val="accent6"/>
+          </a:effectRef>
+          <a:fontRef idx="minor">
+            <a:schemeClr val="dk1"/>
+          </a:fontRef>
+        </p:style>
+        <p:txBody>
+          <a:bodyPr rtlCol="0" anchor="ctr"/>
+          <a:lstStyle/>
+          <a:p>
+            <a:pPr algn="ctr"/>
+            <a:r>
+              <a:rPr kumimoji="1" lang="en-US" altLang="zh-CN" sz="2400" b="1" dirty="0"/>
+              <a:t>5</a:t>
+            </a:r>
+            <a:endParaRPr kumimoji="1" lang="zh-CN" altLang="en-US" sz="2400" b="1" dirty="0"/>
+          </a:p>
+        </p:txBody>
+      </p:sp>
+      <p:sp>
+        <p:nvSpPr>
+          <p:cNvPr id="43" name="圆角矩形 42">
+            <a:extLst>
+              <a:ext uri="{FF2B5EF4-FFF2-40B4-BE49-F238E27FC236}">
+                <a16:creationId xmlns:a16="http://schemas.microsoft.com/office/drawing/2014/main" id="{FEF34E59-B213-F542-8385-7028C03225D0}"/>
+              </a:ext>
+            </a:extLst>
+          </p:cNvPr>
+          <p:cNvSpPr/>
+          <p:nvPr/>
+        </p:nvSpPr>
+        <p:spPr>
+          <a:xfrm>
+            <a:off x="3182112" y="2417012"/>
+            <a:ext cx="609600" cy="499872"/>
+          </a:xfrm>
+          <a:prstGeom prst="roundRect">
+            <a:avLst/>
+          </a:prstGeom>
+        </p:spPr>
+        <p:style>
+          <a:lnRef idx="2">
+            <a:schemeClr val="accent6"/>
+          </a:lnRef>
+          <a:fillRef idx="1">
+            <a:schemeClr val="lt1"/>
+          </a:fillRef>
+          <a:effectRef idx="0">
+            <a:schemeClr val="accent6"/>
+          </a:effectRef>
+          <a:fontRef idx="minor">
+            <a:schemeClr val="dk1"/>
+          </a:fontRef>
+        </p:style>
+        <p:txBody>
+          <a:bodyPr rtlCol="0" anchor="ctr"/>
+          <a:lstStyle/>
+          <a:p>
+            <a:pPr algn="ctr"/>
+            <a:r>
+              <a:rPr kumimoji="1" lang="en-US" altLang="zh-CN" sz="2400" b="1" dirty="0"/>
+              <a:t>6</a:t>
+            </a:r>
+            <a:endParaRPr kumimoji="1" lang="zh-CN" altLang="en-US" sz="2400" b="1" dirty="0"/>
+          </a:p>
+        </p:txBody>
+      </p:sp>
+      <p:sp>
+        <p:nvSpPr>
+          <p:cNvPr id="44" name="圆角矩形 43">
+            <a:extLst>
+              <a:ext uri="{FF2B5EF4-FFF2-40B4-BE49-F238E27FC236}">
+                <a16:creationId xmlns:a16="http://schemas.microsoft.com/office/drawing/2014/main" id="{C0C661AD-4705-A84A-BC26-410C9A346797}"/>
+              </a:ext>
+            </a:extLst>
+          </p:cNvPr>
+          <p:cNvSpPr/>
+          <p:nvPr/>
+        </p:nvSpPr>
+        <p:spPr>
+          <a:xfrm>
+            <a:off x="3791712" y="2417012"/>
+            <a:ext cx="609600" cy="499872"/>
+          </a:xfrm>
+          <a:prstGeom prst="roundRect">
+            <a:avLst/>
+          </a:prstGeom>
+        </p:spPr>
+        <p:style>
+          <a:lnRef idx="2">
+            <a:schemeClr val="accent6"/>
+          </a:lnRef>
+          <a:fillRef idx="1">
+            <a:schemeClr val="lt1"/>
+          </a:fillRef>
+          <a:effectRef idx="0">
+            <a:schemeClr val="accent6"/>
+          </a:effectRef>
+          <a:fontRef idx="minor">
+            <a:schemeClr val="dk1"/>
+          </a:fontRef>
+        </p:style>
+        <p:txBody>
+          <a:bodyPr rtlCol="0" anchor="ctr"/>
+          <a:lstStyle/>
+          <a:p>
+            <a:pPr algn="ctr"/>
+            <a:r>
+              <a:rPr kumimoji="1" lang="en-US" altLang="zh-CN" sz="2400" b="1" dirty="0"/>
+              <a:t>7</a:t>
+            </a:r>
+            <a:endParaRPr kumimoji="1" lang="zh-CN" altLang="en-US" sz="2400" b="1" dirty="0"/>
+          </a:p>
+        </p:txBody>
+      </p:sp>
+      <p:sp>
+        <p:nvSpPr>
+          <p:cNvPr id="45" name="圆角矩形 44">
+            <a:extLst>
+              <a:ext uri="{FF2B5EF4-FFF2-40B4-BE49-F238E27FC236}">
+                <a16:creationId xmlns:a16="http://schemas.microsoft.com/office/drawing/2014/main" id="{8D1CD15D-954D-E146-877C-172CA8706B15}"/>
+              </a:ext>
+            </a:extLst>
+          </p:cNvPr>
+          <p:cNvSpPr/>
+          <p:nvPr/>
+        </p:nvSpPr>
+        <p:spPr>
+          <a:xfrm>
+            <a:off x="4401312" y="2417012"/>
+            <a:ext cx="609600" cy="499872"/>
+          </a:xfrm>
+          <a:prstGeom prst="roundRect">
+            <a:avLst/>
+          </a:prstGeom>
+        </p:spPr>
+        <p:style>
+          <a:lnRef idx="2">
+            <a:schemeClr val="accent6"/>
+          </a:lnRef>
+          <a:fillRef idx="1">
+            <a:schemeClr val="lt1"/>
+          </a:fillRef>
+          <a:effectRef idx="0">
+            <a:schemeClr val="accent6"/>
+          </a:effectRef>
+          <a:fontRef idx="minor">
+            <a:schemeClr val="dk1"/>
+          </a:fontRef>
+        </p:style>
+        <p:txBody>
+          <a:bodyPr rtlCol="0" anchor="ctr"/>
+          <a:lstStyle/>
+          <a:p>
+            <a:pPr algn="ctr"/>
+            <a:r>
+              <a:rPr kumimoji="1" lang="en-US" altLang="zh-CN" sz="2400" b="1" dirty="0"/>
+              <a:t>8</a:t>
+            </a:r>
+            <a:endParaRPr kumimoji="1" lang="zh-CN" altLang="en-US" sz="2400" b="1" dirty="0"/>
+          </a:p>
+        </p:txBody>
+      </p:sp>
+      <p:cxnSp>
+        <p:nvCxnSpPr>
+          <p:cNvPr id="46" name="直线箭头连接符 45">
+            <a:extLst>
+              <a:ext uri="{FF2B5EF4-FFF2-40B4-BE49-F238E27FC236}">
+                <a16:creationId xmlns:a16="http://schemas.microsoft.com/office/drawing/2014/main" id="{48A78B45-4636-B345-8750-934A2B348D18}"/>
+              </a:ext>
+            </a:extLst>
+          </p:cNvPr>
+          <p:cNvCxnSpPr>
+            <a:cxnSpLocks/>
+          </p:cNvCxnSpPr>
+          <p:nvPr/>
+        </p:nvCxnSpPr>
+        <p:spPr>
+          <a:xfrm flipV="1">
+            <a:off x="414528" y="2916884"/>
+            <a:ext cx="0" cy="353568"/>
+          </a:xfrm>
+          <a:prstGeom prst="straightConnector1">
+            <a:avLst/>
+          </a:prstGeom>
+          <a:ln>
+            <a:tailEnd type="triangle"/>
+          </a:ln>
+        </p:spPr>
+        <p:style>
+          <a:lnRef idx="1">
+            <a:schemeClr val="accent1"/>
+          </a:lnRef>
+          <a:fillRef idx="0">
+            <a:schemeClr val="accent1"/>
+          </a:fillRef>
+          <a:effectRef idx="0">
+            <a:schemeClr val="accent1"/>
+          </a:effectRef>
+          <a:fontRef idx="minor">
+            <a:schemeClr val="tx1"/>
+          </a:fontRef>
+        </p:style>
+      </p:cxnSp>
+      <p:sp>
+        <p:nvSpPr>
+          <p:cNvPr id="47" name="文本框 46">
+            <a:extLst>
+              <a:ext uri="{FF2B5EF4-FFF2-40B4-BE49-F238E27FC236}">
+                <a16:creationId xmlns:a16="http://schemas.microsoft.com/office/drawing/2014/main" id="{AB11396E-A3D0-4D4E-9BE6-4F5F7C9315E1}"/>
+              </a:ext>
+            </a:extLst>
+          </p:cNvPr>
+          <p:cNvSpPr txBox="1"/>
+          <p:nvPr/>
+        </p:nvSpPr>
+        <p:spPr>
+          <a:xfrm>
+            <a:off x="181469" y="3273345"/>
+            <a:ext cx="603050" cy="369332"/>
+          </a:xfrm>
+          <a:prstGeom prst="rect">
+            <a:avLst/>
+          </a:prstGeom>
+          <a:noFill/>
+        </p:spPr>
+        <p:txBody>
+          <a:bodyPr wrap="none" rtlCol="0">
+            <a:spAutoFit/>
+          </a:bodyPr>
+          <a:lstStyle/>
+          <a:p>
+            <a:r>
+              <a:rPr kumimoji="1" lang="en-US" altLang="zh-CN" dirty="0"/>
+              <a:t>root</a:t>
+            </a:r>
+            <a:endParaRPr kumimoji="1" lang="zh-CN" altLang="en-US" dirty="0"/>
+          </a:p>
+        </p:txBody>
+      </p:sp>
+      <p:cxnSp>
+        <p:nvCxnSpPr>
+          <p:cNvPr id="48" name="直线箭头连接符 47">
+            <a:extLst>
+              <a:ext uri="{FF2B5EF4-FFF2-40B4-BE49-F238E27FC236}">
+                <a16:creationId xmlns:a16="http://schemas.microsoft.com/office/drawing/2014/main" id="{40056881-D9CC-7745-9676-02ED92C693BE}"/>
+              </a:ext>
+            </a:extLst>
+          </p:cNvPr>
+          <p:cNvCxnSpPr>
+            <a:cxnSpLocks/>
+          </p:cNvCxnSpPr>
+          <p:nvPr/>
+        </p:nvCxnSpPr>
+        <p:spPr>
+          <a:xfrm flipV="1">
+            <a:off x="1026504" y="2916884"/>
+            <a:ext cx="0" cy="353568"/>
+          </a:xfrm>
+          <a:prstGeom prst="straightConnector1">
+            <a:avLst/>
+          </a:prstGeom>
+          <a:ln>
+            <a:tailEnd type="triangle"/>
+          </a:ln>
+        </p:spPr>
+        <p:style>
+          <a:lnRef idx="1">
+            <a:schemeClr val="accent1"/>
+          </a:lnRef>
+          <a:fillRef idx="0">
+            <a:schemeClr val="accent1"/>
+          </a:fillRef>
+          <a:effectRef idx="0">
+            <a:schemeClr val="accent1"/>
+          </a:effectRef>
+          <a:fontRef idx="minor">
+            <a:schemeClr val="tx1"/>
+          </a:fontRef>
+        </p:style>
+      </p:cxnSp>
+      <p:sp>
+        <p:nvSpPr>
+          <p:cNvPr id="49" name="文本框 48">
+            <a:extLst>
+              <a:ext uri="{FF2B5EF4-FFF2-40B4-BE49-F238E27FC236}">
+                <a16:creationId xmlns:a16="http://schemas.microsoft.com/office/drawing/2014/main" id="{16FDE00C-F62A-2B4C-949C-688651A71AAD}"/>
+              </a:ext>
+            </a:extLst>
+          </p:cNvPr>
+          <p:cNvSpPr txBox="1"/>
+          <p:nvPr/>
+        </p:nvSpPr>
+        <p:spPr>
+          <a:xfrm>
+            <a:off x="791069" y="3270452"/>
+            <a:ext cx="678391" cy="369332"/>
+          </a:xfrm>
+          <a:prstGeom prst="rect">
+            <a:avLst/>
+          </a:prstGeom>
+          <a:noFill/>
+        </p:spPr>
+        <p:txBody>
+          <a:bodyPr wrap="none" rtlCol="0">
+            <a:spAutoFit/>
+          </a:bodyPr>
+          <a:lstStyle/>
+          <a:p>
+            <a:r>
+              <a:rPr kumimoji="1" lang="en-US" altLang="zh-CN" dirty="0"/>
+              <a:t>head</a:t>
+            </a:r>
+            <a:endParaRPr kumimoji="1" lang="zh-CN" altLang="en-US" dirty="0"/>
+          </a:p>
+        </p:txBody>
+      </p:sp>
+      <p:sp>
+        <p:nvSpPr>
+          <p:cNvPr id="50" name="圆角矩形 49">
+            <a:extLst>
+              <a:ext uri="{FF2B5EF4-FFF2-40B4-BE49-F238E27FC236}">
+                <a16:creationId xmlns:a16="http://schemas.microsoft.com/office/drawing/2014/main" id="{4E313451-A2B2-AA40-AAC3-6294F9132F0E}"/>
+              </a:ext>
+            </a:extLst>
+          </p:cNvPr>
+          <p:cNvSpPr/>
+          <p:nvPr/>
+        </p:nvSpPr>
+        <p:spPr>
+          <a:xfrm>
+            <a:off x="5914532" y="2417012"/>
+            <a:ext cx="609600" cy="499872"/>
+          </a:xfrm>
+          <a:prstGeom prst="roundRect">
+            <a:avLst/>
+          </a:prstGeom>
+        </p:spPr>
+        <p:style>
+          <a:lnRef idx="2">
+            <a:schemeClr val="accent6"/>
+          </a:lnRef>
+          <a:fillRef idx="1">
+            <a:schemeClr val="lt1"/>
+          </a:fillRef>
+          <a:effectRef idx="0">
+            <a:schemeClr val="accent6"/>
+          </a:effectRef>
+          <a:fontRef idx="minor">
+            <a:schemeClr val="dk1"/>
+          </a:fontRef>
+        </p:style>
+        <p:txBody>
+          <a:bodyPr rtlCol="0" anchor="ctr"/>
+          <a:lstStyle/>
+          <a:p>
+            <a:pPr algn="ctr"/>
+            <a:r>
+              <a:rPr kumimoji="1" lang="en-US" altLang="zh-CN" sz="2400" b="1" dirty="0"/>
+              <a:t>?</a:t>
+            </a:r>
+            <a:endParaRPr kumimoji="1" lang="zh-CN" altLang="en-US" sz="2400" b="1" dirty="0"/>
+          </a:p>
+        </p:txBody>
+      </p:sp>
+      <p:sp>
+        <p:nvSpPr>
+          <p:cNvPr id="51" name="圆角矩形 50">
+            <a:extLst>
+              <a:ext uri="{FF2B5EF4-FFF2-40B4-BE49-F238E27FC236}">
+                <a16:creationId xmlns:a16="http://schemas.microsoft.com/office/drawing/2014/main" id="{5801DD6C-0A66-E94D-A994-1F6C2ACD8C90}"/>
+              </a:ext>
+            </a:extLst>
+          </p:cNvPr>
+          <p:cNvSpPr/>
+          <p:nvPr/>
+        </p:nvSpPr>
+        <p:spPr>
+          <a:xfrm>
+            <a:off x="6524132" y="2417012"/>
+            <a:ext cx="609600" cy="499872"/>
+          </a:xfrm>
+          <a:prstGeom prst="roundRect">
+            <a:avLst/>
+          </a:prstGeom>
+        </p:spPr>
+        <p:style>
+          <a:lnRef idx="2">
+            <a:schemeClr val="accent6"/>
+          </a:lnRef>
+          <a:fillRef idx="1">
+            <a:schemeClr val="lt1"/>
+          </a:fillRef>
+          <a:effectRef idx="0">
+            <a:schemeClr val="accent6"/>
+          </a:effectRef>
+          <a:fontRef idx="minor">
+            <a:schemeClr val="dk1"/>
+          </a:fontRef>
+        </p:style>
+        <p:txBody>
+          <a:bodyPr rtlCol="0" anchor="ctr"/>
+          <a:lstStyle/>
+          <a:p>
+            <a:pPr algn="ctr"/>
+            <a:r>
+              <a:rPr kumimoji="1" lang="en-US" altLang="zh-CN" sz="2400" b="1" dirty="0"/>
+              <a:t>1</a:t>
+            </a:r>
+            <a:endParaRPr kumimoji="1" lang="zh-CN" altLang="en-US" sz="2400" b="1" dirty="0"/>
+          </a:p>
+        </p:txBody>
+      </p:sp>
+      <p:sp>
+        <p:nvSpPr>
+          <p:cNvPr id="52" name="圆角矩形 51">
+            <a:extLst>
+              <a:ext uri="{FF2B5EF4-FFF2-40B4-BE49-F238E27FC236}">
+                <a16:creationId xmlns:a16="http://schemas.microsoft.com/office/drawing/2014/main" id="{3A88F084-58E1-A94E-B94C-7799C41DA894}"/>
+              </a:ext>
+            </a:extLst>
+          </p:cNvPr>
+          <p:cNvSpPr/>
+          <p:nvPr/>
+        </p:nvSpPr>
+        <p:spPr>
+          <a:xfrm>
+            <a:off x="7133732" y="2417012"/>
+            <a:ext cx="609600" cy="499872"/>
+          </a:xfrm>
+          <a:prstGeom prst="roundRect">
+            <a:avLst/>
+          </a:prstGeom>
+        </p:spPr>
+        <p:style>
+          <a:lnRef idx="2">
+            <a:schemeClr val="accent6"/>
+          </a:lnRef>
+          <a:fillRef idx="1">
+            <a:schemeClr val="lt1"/>
+          </a:fillRef>
+          <a:effectRef idx="0">
+            <a:schemeClr val="accent6"/>
+          </a:effectRef>
+          <a:fontRef idx="minor">
+            <a:schemeClr val="dk1"/>
+          </a:fontRef>
+        </p:style>
+        <p:txBody>
+          <a:bodyPr rtlCol="0" anchor="ctr"/>
+          <a:lstStyle/>
+          <a:p>
+            <a:pPr algn="ctr"/>
+            <a:r>
+              <a:rPr kumimoji="1" lang="en-US" altLang="zh-CN" sz="2400" b="1" dirty="0"/>
+              <a:t>5</a:t>
+            </a:r>
+            <a:endParaRPr kumimoji="1" lang="zh-CN" altLang="en-US" sz="2400" b="1" dirty="0"/>
+          </a:p>
+        </p:txBody>
+      </p:sp>
+      <p:sp>
+        <p:nvSpPr>
+          <p:cNvPr id="53" name="圆角矩形 52">
+            <a:extLst>
+              <a:ext uri="{FF2B5EF4-FFF2-40B4-BE49-F238E27FC236}">
+                <a16:creationId xmlns:a16="http://schemas.microsoft.com/office/drawing/2014/main" id="{A3729F1A-3E12-344A-A11A-CF64C189C3FA}"/>
+              </a:ext>
+            </a:extLst>
+          </p:cNvPr>
+          <p:cNvSpPr/>
+          <p:nvPr/>
+        </p:nvSpPr>
+        <p:spPr>
+          <a:xfrm>
+            <a:off x="7743332" y="2417012"/>
+            <a:ext cx="609600" cy="499872"/>
+          </a:xfrm>
+          <a:prstGeom prst="roundRect">
+            <a:avLst/>
+          </a:prstGeom>
+        </p:spPr>
+        <p:style>
+          <a:lnRef idx="2">
+            <a:schemeClr val="accent6"/>
+          </a:lnRef>
+          <a:fillRef idx="1">
+            <a:schemeClr val="lt1"/>
+          </a:fillRef>
+          <a:effectRef idx="0">
+            <a:schemeClr val="accent6"/>
+          </a:effectRef>
+          <a:fontRef idx="minor">
+            <a:schemeClr val="dk1"/>
+          </a:fontRef>
+        </p:style>
+        <p:txBody>
+          <a:bodyPr rtlCol="0" anchor="ctr"/>
+          <a:lstStyle/>
+          <a:p>
+            <a:pPr algn="ctr"/>
+            <a:r>
+              <a:rPr kumimoji="1" lang="en-US" altLang="zh-CN" sz="2400" b="1" dirty="0"/>
+              <a:t>5</a:t>
+            </a:r>
+            <a:endParaRPr kumimoji="1" lang="zh-CN" altLang="en-US" sz="2400" b="1" dirty="0"/>
+          </a:p>
+        </p:txBody>
+      </p:sp>
+      <p:sp>
+        <p:nvSpPr>
+          <p:cNvPr id="54" name="圆角矩形 53">
+            <a:extLst>
+              <a:ext uri="{FF2B5EF4-FFF2-40B4-BE49-F238E27FC236}">
+                <a16:creationId xmlns:a16="http://schemas.microsoft.com/office/drawing/2014/main" id="{3CCC764E-C237-E44C-AF70-3E09A8E0803F}"/>
+              </a:ext>
+            </a:extLst>
+          </p:cNvPr>
+          <p:cNvSpPr/>
+          <p:nvPr/>
+        </p:nvSpPr>
+        <p:spPr>
+          <a:xfrm>
+            <a:off x="8352932" y="2417012"/>
+            <a:ext cx="609600" cy="499872"/>
+          </a:xfrm>
+          <a:prstGeom prst="roundRect">
+            <a:avLst/>
+          </a:prstGeom>
+        </p:spPr>
+        <p:style>
+          <a:lnRef idx="2">
+            <a:schemeClr val="accent6"/>
+          </a:lnRef>
+          <a:fillRef idx="1">
+            <a:schemeClr val="lt1"/>
+          </a:fillRef>
+          <a:effectRef idx="0">
+            <a:schemeClr val="accent6"/>
+          </a:effectRef>
+          <a:fontRef idx="minor">
+            <a:schemeClr val="dk1"/>
+          </a:fontRef>
+        </p:style>
+        <p:txBody>
+          <a:bodyPr rtlCol="0" anchor="ctr"/>
+          <a:lstStyle/>
+          <a:p>
+            <a:pPr algn="ctr"/>
+            <a:r>
+              <a:rPr kumimoji="1" lang="en-US" altLang="zh-CN" sz="2400" b="1" dirty="0"/>
+              <a:t>5</a:t>
+            </a:r>
+            <a:endParaRPr kumimoji="1" lang="zh-CN" altLang="en-US" sz="2400" b="1" dirty="0"/>
+          </a:p>
+        </p:txBody>
+      </p:sp>
+      <p:sp>
+        <p:nvSpPr>
+          <p:cNvPr id="55" name="圆角矩形 54">
+            <a:extLst>
+              <a:ext uri="{FF2B5EF4-FFF2-40B4-BE49-F238E27FC236}">
+                <a16:creationId xmlns:a16="http://schemas.microsoft.com/office/drawing/2014/main" id="{EBB17218-C919-7040-9FCF-5A6D80354239}"/>
+              </a:ext>
+            </a:extLst>
+          </p:cNvPr>
+          <p:cNvSpPr/>
+          <p:nvPr/>
+        </p:nvSpPr>
+        <p:spPr>
+          <a:xfrm>
+            <a:off x="8962532" y="2417012"/>
+            <a:ext cx="609600" cy="499872"/>
+          </a:xfrm>
+          <a:prstGeom prst="roundRect">
+            <a:avLst/>
+          </a:prstGeom>
+        </p:spPr>
+        <p:style>
+          <a:lnRef idx="2">
+            <a:schemeClr val="accent6"/>
+          </a:lnRef>
+          <a:fillRef idx="1">
+            <a:schemeClr val="lt1"/>
+          </a:fillRef>
+          <a:effectRef idx="0">
+            <a:schemeClr val="accent6"/>
+          </a:effectRef>
+          <a:fontRef idx="minor">
+            <a:schemeClr val="dk1"/>
+          </a:fontRef>
+        </p:style>
+        <p:txBody>
+          <a:bodyPr rtlCol="0" anchor="ctr"/>
+          <a:lstStyle/>
+          <a:p>
+            <a:pPr algn="ctr"/>
+            <a:r>
+              <a:rPr kumimoji="1" lang="en-US" altLang="zh-CN" sz="2400" b="1" dirty="0"/>
+              <a:t>6</a:t>
+            </a:r>
+            <a:endParaRPr kumimoji="1" lang="zh-CN" altLang="en-US" sz="2400" b="1" dirty="0"/>
+          </a:p>
+        </p:txBody>
+      </p:sp>
+      <p:sp>
+        <p:nvSpPr>
+          <p:cNvPr id="56" name="圆角矩形 55">
+            <a:extLst>
+              <a:ext uri="{FF2B5EF4-FFF2-40B4-BE49-F238E27FC236}">
+                <a16:creationId xmlns:a16="http://schemas.microsoft.com/office/drawing/2014/main" id="{5AE32E4F-7D58-3443-A106-87D8D296919D}"/>
+              </a:ext>
+            </a:extLst>
+          </p:cNvPr>
+          <p:cNvSpPr/>
+          <p:nvPr/>
+        </p:nvSpPr>
+        <p:spPr>
+          <a:xfrm>
+            <a:off x="9572132" y="2417012"/>
+            <a:ext cx="609600" cy="499872"/>
+          </a:xfrm>
+          <a:prstGeom prst="roundRect">
+            <a:avLst/>
+          </a:prstGeom>
+        </p:spPr>
+        <p:style>
+          <a:lnRef idx="2">
+            <a:schemeClr val="accent6"/>
+          </a:lnRef>
+          <a:fillRef idx="1">
+            <a:schemeClr val="lt1"/>
+          </a:fillRef>
+          <a:effectRef idx="0">
+            <a:schemeClr val="accent6"/>
+          </a:effectRef>
+          <a:fontRef idx="minor">
+            <a:schemeClr val="dk1"/>
+          </a:fontRef>
+        </p:style>
+        <p:txBody>
+          <a:bodyPr rtlCol="0" anchor="ctr"/>
+          <a:lstStyle/>
+          <a:p>
+            <a:pPr algn="ctr"/>
+            <a:r>
+              <a:rPr kumimoji="1" lang="en-US" altLang="zh-CN" sz="2400" b="1" dirty="0"/>
+              <a:t>7</a:t>
+            </a:r>
+            <a:endParaRPr kumimoji="1" lang="zh-CN" altLang="en-US" sz="2400" b="1" dirty="0"/>
+          </a:p>
+        </p:txBody>
+      </p:sp>
+      <p:sp>
+        <p:nvSpPr>
+          <p:cNvPr id="57" name="圆角矩形 56">
+            <a:extLst>
+              <a:ext uri="{FF2B5EF4-FFF2-40B4-BE49-F238E27FC236}">
+                <a16:creationId xmlns:a16="http://schemas.microsoft.com/office/drawing/2014/main" id="{F2CF07EF-CB66-3647-A0FF-D3E644EA3E27}"/>
+              </a:ext>
+            </a:extLst>
+          </p:cNvPr>
+          <p:cNvSpPr/>
+          <p:nvPr/>
+        </p:nvSpPr>
+        <p:spPr>
+          <a:xfrm>
+            <a:off x="10181732" y="2417012"/>
+            <a:ext cx="609600" cy="499872"/>
+          </a:xfrm>
+          <a:prstGeom prst="roundRect">
+            <a:avLst/>
+          </a:prstGeom>
+        </p:spPr>
+        <p:style>
+          <a:lnRef idx="2">
+            <a:schemeClr val="accent6"/>
+          </a:lnRef>
+          <a:fillRef idx="1">
+            <a:schemeClr val="lt1"/>
+          </a:fillRef>
+          <a:effectRef idx="0">
+            <a:schemeClr val="accent6"/>
+          </a:effectRef>
+          <a:fontRef idx="minor">
+            <a:schemeClr val="dk1"/>
+          </a:fontRef>
+        </p:style>
+        <p:txBody>
+          <a:bodyPr rtlCol="0" anchor="ctr"/>
+          <a:lstStyle/>
+          <a:p>
+            <a:pPr algn="ctr"/>
+            <a:r>
+              <a:rPr kumimoji="1" lang="en-US" altLang="zh-CN" sz="2400" b="1" dirty="0"/>
+              <a:t>8</a:t>
+            </a:r>
+            <a:endParaRPr kumimoji="1" lang="zh-CN" altLang="en-US" sz="2400" b="1" dirty="0"/>
+          </a:p>
+        </p:txBody>
+      </p:sp>
+      <p:cxnSp>
+        <p:nvCxnSpPr>
+          <p:cNvPr id="58" name="直线箭头连接符 57">
+            <a:extLst>
+              <a:ext uri="{FF2B5EF4-FFF2-40B4-BE49-F238E27FC236}">
+                <a16:creationId xmlns:a16="http://schemas.microsoft.com/office/drawing/2014/main" id="{BEC3B022-0C62-DD4F-BD26-B8BDFBC45EBE}"/>
+              </a:ext>
+            </a:extLst>
+          </p:cNvPr>
+          <p:cNvCxnSpPr>
+            <a:cxnSpLocks/>
+          </p:cNvCxnSpPr>
+          <p:nvPr/>
+        </p:nvCxnSpPr>
+        <p:spPr>
+          <a:xfrm flipV="1">
+            <a:off x="6841574" y="2945312"/>
+            <a:ext cx="0" cy="353568"/>
+          </a:xfrm>
+          <a:prstGeom prst="straightConnector1">
+            <a:avLst/>
+          </a:prstGeom>
+          <a:ln>
+            <a:tailEnd type="triangle"/>
+          </a:ln>
+        </p:spPr>
+        <p:style>
+          <a:lnRef idx="1">
+            <a:schemeClr val="accent1"/>
+          </a:lnRef>
+          <a:fillRef idx="0">
+            <a:schemeClr val="accent1"/>
+          </a:fillRef>
+          <a:effectRef idx="0">
+            <a:schemeClr val="accent1"/>
+          </a:effectRef>
+          <a:fontRef idx="minor">
+            <a:schemeClr val="tx1"/>
+          </a:fontRef>
+        </p:style>
+      </p:cxnSp>
+      <p:sp>
+        <p:nvSpPr>
+          <p:cNvPr id="59" name="文本框 58">
+            <a:extLst>
+              <a:ext uri="{FF2B5EF4-FFF2-40B4-BE49-F238E27FC236}">
+                <a16:creationId xmlns:a16="http://schemas.microsoft.com/office/drawing/2014/main" id="{464E3DFF-A169-9A4A-B644-7CF9E449DD6B}"/>
+              </a:ext>
+            </a:extLst>
+          </p:cNvPr>
+          <p:cNvSpPr txBox="1"/>
+          <p:nvPr/>
+        </p:nvSpPr>
+        <p:spPr>
+          <a:xfrm>
+            <a:off x="6608515" y="3301773"/>
+            <a:ext cx="603050" cy="369332"/>
+          </a:xfrm>
+          <a:prstGeom prst="rect">
+            <a:avLst/>
+          </a:prstGeom>
+          <a:noFill/>
+        </p:spPr>
+        <p:txBody>
+          <a:bodyPr wrap="none" rtlCol="0">
+            <a:spAutoFit/>
+          </a:bodyPr>
+          <a:lstStyle/>
+          <a:p>
+            <a:r>
+              <a:rPr kumimoji="1" lang="en-US" altLang="zh-CN"/>
+              <a:t>root</a:t>
+            </a:r>
+            <a:endParaRPr kumimoji="1" lang="zh-CN" altLang="en-US" dirty="0"/>
+          </a:p>
+        </p:txBody>
+      </p:sp>
+      <p:cxnSp>
+        <p:nvCxnSpPr>
+          <p:cNvPr id="60" name="直线箭头连接符 59">
+            <a:extLst>
+              <a:ext uri="{FF2B5EF4-FFF2-40B4-BE49-F238E27FC236}">
+                <a16:creationId xmlns:a16="http://schemas.microsoft.com/office/drawing/2014/main" id="{9361037B-C068-6E43-84ED-41E6EFEF594E}"/>
+              </a:ext>
+            </a:extLst>
+          </p:cNvPr>
+          <p:cNvCxnSpPr>
+            <a:cxnSpLocks/>
+          </p:cNvCxnSpPr>
+          <p:nvPr/>
+        </p:nvCxnSpPr>
+        <p:spPr>
+          <a:xfrm flipV="1">
+            <a:off x="7420937" y="2916884"/>
+            <a:ext cx="0" cy="353568"/>
+          </a:xfrm>
+          <a:prstGeom prst="straightConnector1">
+            <a:avLst/>
+          </a:prstGeom>
+          <a:ln>
+            <a:tailEnd type="triangle"/>
+          </a:ln>
+        </p:spPr>
+        <p:style>
+          <a:lnRef idx="1">
+            <a:schemeClr val="accent1"/>
+          </a:lnRef>
+          <a:fillRef idx="0">
+            <a:schemeClr val="accent1"/>
+          </a:fillRef>
+          <a:effectRef idx="0">
+            <a:schemeClr val="accent1"/>
+          </a:effectRef>
+          <a:fontRef idx="minor">
+            <a:schemeClr val="tx1"/>
+          </a:fontRef>
+        </p:style>
+      </p:cxnSp>
+      <p:sp>
+        <p:nvSpPr>
+          <p:cNvPr id="61" name="文本框 60">
+            <a:extLst>
+              <a:ext uri="{FF2B5EF4-FFF2-40B4-BE49-F238E27FC236}">
+                <a16:creationId xmlns:a16="http://schemas.microsoft.com/office/drawing/2014/main" id="{74CD7246-22D3-5447-985A-6CD1AD8E5667}"/>
+              </a:ext>
+            </a:extLst>
+          </p:cNvPr>
+          <p:cNvSpPr txBox="1"/>
+          <p:nvPr/>
+        </p:nvSpPr>
+        <p:spPr>
+          <a:xfrm>
+            <a:off x="7185502" y="3270452"/>
+            <a:ext cx="678391" cy="369332"/>
+          </a:xfrm>
+          <a:prstGeom prst="rect">
+            <a:avLst/>
+          </a:prstGeom>
+          <a:noFill/>
+        </p:spPr>
+        <p:txBody>
+          <a:bodyPr wrap="none" rtlCol="0">
+            <a:spAutoFit/>
+          </a:bodyPr>
+          <a:lstStyle/>
+          <a:p>
+            <a:r>
+              <a:rPr kumimoji="1" lang="en-US" altLang="zh-CN" dirty="0"/>
+              <a:t>head</a:t>
+            </a:r>
+            <a:endParaRPr kumimoji="1" lang="zh-CN" altLang="en-US" dirty="0"/>
+          </a:p>
+        </p:txBody>
+      </p:sp>
+    </p:spTree>
+    <p:extLst>
+      <p:ext uri="{BB962C8B-B14F-4D97-AF65-F5344CB8AC3E}">
+        <p14:creationId xmlns:p14="http://schemas.microsoft.com/office/powerpoint/2010/main" val="1628421797"/>
       </p:ext>
     </p:extLst>
   </p:cSld>

--- a/res/deduce.pptx
+++ b/res/deduce.pptx
@@ -5,12 +5,13 @@
     <p:sldMasterId id="2147483648" r:id="rId1"/>
   </p:sldMasterIdLst>
   <p:notesMasterIdLst>
-    <p:notesMasterId r:id="rId5"/>
+    <p:notesMasterId r:id="rId6"/>
   </p:notesMasterIdLst>
   <p:sldIdLst>
     <p:sldId id="256" r:id="rId2"/>
     <p:sldId id="257" r:id="rId3"/>
-    <p:sldId id="258" r:id="rId4"/>
+    <p:sldId id="259" r:id="rId4"/>
+    <p:sldId id="258" r:id="rId5"/>
   </p:sldIdLst>
   <p:sldSz cx="12192000" cy="6858000"/>
   <p:notesSz cx="6858000" cy="9144000"/>
@@ -199,7 +200,7 @@
           <a:p>
             <a:fld id="{9D46E52F-CA79-6A4B-90D1-D6D05DAD10A0}" type="datetimeFigureOut">
               <a:rPr kumimoji="1" lang="zh-CN" altLang="en-US" smtClean="0"/>
-              <a:t>2019/12/6</a:t>
+              <a:t>2019/12/9</a:t>
             </a:fld>
             <a:endParaRPr kumimoji="1" lang="zh-CN" altLang="en-US"/>
           </a:p>
@@ -756,7 +757,7 @@
           <a:p>
             <a:fld id="{CC72EA82-287C-4B49-9087-D15DF2E0952F}" type="datetimeFigureOut">
               <a:rPr kumimoji="1" lang="zh-CN" altLang="en-US" smtClean="0"/>
-              <a:t>2019/12/5</a:t>
+              <a:t>2019/12/9</a:t>
             </a:fld>
             <a:endParaRPr kumimoji="1" lang="zh-CN" altLang="en-US"/>
           </a:p>
@@ -929,7 +930,7 @@
           <a:p>
             <a:fld id="{CC72EA82-287C-4B49-9087-D15DF2E0952F}" type="datetimeFigureOut">
               <a:rPr kumimoji="1" lang="zh-CN" altLang="en-US" smtClean="0"/>
-              <a:t>2019/12/5</a:t>
+              <a:t>2019/12/9</a:t>
             </a:fld>
             <a:endParaRPr kumimoji="1" lang="zh-CN" altLang="en-US"/>
           </a:p>
@@ -1112,7 +1113,7 @@
           <a:p>
             <a:fld id="{CC72EA82-287C-4B49-9087-D15DF2E0952F}" type="datetimeFigureOut">
               <a:rPr kumimoji="1" lang="zh-CN" altLang="en-US" smtClean="0"/>
-              <a:t>2019/12/5</a:t>
+              <a:t>2019/12/9</a:t>
             </a:fld>
             <a:endParaRPr kumimoji="1" lang="zh-CN" altLang="en-US"/>
           </a:p>
@@ -1285,7 +1286,7 @@
           <a:p>
             <a:fld id="{CC72EA82-287C-4B49-9087-D15DF2E0952F}" type="datetimeFigureOut">
               <a:rPr kumimoji="1" lang="zh-CN" altLang="en-US" smtClean="0"/>
-              <a:t>2019/12/5</a:t>
+              <a:t>2019/12/9</a:t>
             </a:fld>
             <a:endParaRPr kumimoji="1" lang="zh-CN" altLang="en-US"/>
           </a:p>
@@ -1563,7 +1564,7 @@
           <a:p>
             <a:fld id="{CC72EA82-287C-4B49-9087-D15DF2E0952F}" type="datetimeFigureOut">
               <a:rPr kumimoji="1" lang="zh-CN" altLang="en-US" smtClean="0"/>
-              <a:t>2019/12/5</a:t>
+              <a:t>2019/12/9</a:t>
             </a:fld>
             <a:endParaRPr kumimoji="1" lang="zh-CN" altLang="en-US"/>
           </a:p>
@@ -1778,7 +1779,7 @@
           <a:p>
             <a:fld id="{CC72EA82-287C-4B49-9087-D15DF2E0952F}" type="datetimeFigureOut">
               <a:rPr kumimoji="1" lang="zh-CN" altLang="en-US" smtClean="0"/>
-              <a:t>2019/12/5</a:t>
+              <a:t>2019/12/9</a:t>
             </a:fld>
             <a:endParaRPr kumimoji="1" lang="zh-CN" altLang="en-US"/>
           </a:p>
@@ -2146,7 +2147,7 @@
           <a:p>
             <a:fld id="{CC72EA82-287C-4B49-9087-D15DF2E0952F}" type="datetimeFigureOut">
               <a:rPr kumimoji="1" lang="zh-CN" altLang="en-US" smtClean="0"/>
-              <a:t>2019/12/5</a:t>
+              <a:t>2019/12/9</a:t>
             </a:fld>
             <a:endParaRPr kumimoji="1" lang="zh-CN" altLang="en-US"/>
           </a:p>
@@ -2287,7 +2288,7 @@
           <a:p>
             <a:fld id="{CC72EA82-287C-4B49-9087-D15DF2E0952F}" type="datetimeFigureOut">
               <a:rPr kumimoji="1" lang="zh-CN" altLang="en-US" smtClean="0"/>
-              <a:t>2019/12/5</a:t>
+              <a:t>2019/12/9</a:t>
             </a:fld>
             <a:endParaRPr kumimoji="1" lang="zh-CN" altLang="en-US"/>
           </a:p>
@@ -2400,7 +2401,7 @@
           <a:p>
             <a:fld id="{CC72EA82-287C-4B49-9087-D15DF2E0952F}" type="datetimeFigureOut">
               <a:rPr kumimoji="1" lang="zh-CN" altLang="en-US" smtClean="0"/>
-              <a:t>2019/12/5</a:t>
+              <a:t>2019/12/9</a:t>
             </a:fld>
             <a:endParaRPr kumimoji="1" lang="zh-CN" altLang="en-US"/>
           </a:p>
@@ -2689,7 +2690,7 @@
           <a:p>
             <a:fld id="{CC72EA82-287C-4B49-9087-D15DF2E0952F}" type="datetimeFigureOut">
               <a:rPr kumimoji="1" lang="zh-CN" altLang="en-US" smtClean="0"/>
-              <a:t>2019/12/5</a:t>
+              <a:t>2019/12/9</a:t>
             </a:fld>
             <a:endParaRPr kumimoji="1" lang="zh-CN" altLang="en-US"/>
           </a:p>
@@ -2980,7 +2981,7 @@
           <a:p>
             <a:fld id="{CC72EA82-287C-4B49-9087-D15DF2E0952F}" type="datetimeFigureOut">
               <a:rPr kumimoji="1" lang="zh-CN" altLang="en-US" smtClean="0"/>
-              <a:t>2019/12/5</a:t>
+              <a:t>2019/12/9</a:t>
             </a:fld>
             <a:endParaRPr kumimoji="1" lang="zh-CN" altLang="en-US"/>
           </a:p>
@@ -3196,7 +3197,7 @@
           <a:p>
             <a:fld id="{CC72EA82-287C-4B49-9087-D15DF2E0952F}" type="datetimeFigureOut">
               <a:rPr kumimoji="1" lang="zh-CN" altLang="en-US" smtClean="0"/>
-              <a:t>2019/12/5</a:t>
+              <a:t>2019/12/9</a:t>
             </a:fld>
             <a:endParaRPr kumimoji="1" lang="zh-CN" altLang="en-US"/>
           </a:p>
@@ -4135,7 +4136,7 @@
         <p:spPr>
           <a:xfrm>
             <a:off x="134112" y="1511808"/>
-            <a:ext cx="620683" cy="369332"/>
+            <a:ext cx="530915" cy="369332"/>
           </a:xfrm>
           <a:prstGeom prst="rect">
             <a:avLst/>
@@ -4150,7 +4151,7 @@
           <a:p>
             <a:r>
               <a:rPr kumimoji="1" lang="en-US" altLang="zh-CN" dirty="0"/>
-              <a:t>start</a:t>
+              <a:t>low</a:t>
             </a:r>
             <a:endParaRPr kumimoji="1" lang="zh-CN" altLang="en-US" dirty="0"/>
           </a:p>
@@ -4207,7 +4208,7 @@
         <p:spPr>
           <a:xfrm>
             <a:off x="4424624" y="1511808"/>
-            <a:ext cx="562975" cy="369332"/>
+            <a:ext cx="622286" cy="369332"/>
           </a:xfrm>
           <a:prstGeom prst="rect">
             <a:avLst/>
@@ -4221,7 +4222,7 @@
           <a:p>
             <a:r>
               <a:rPr lang="en-US" altLang="zh-CN" dirty="0"/>
-              <a:t>end</a:t>
+              <a:t>high</a:t>
             </a:r>
             <a:endParaRPr lang="zh-CN" altLang="en-US" dirty="0"/>
           </a:p>
@@ -4801,7 +4802,7 @@
         <p:spPr>
           <a:xfrm>
             <a:off x="2549199" y="2751296"/>
-            <a:ext cx="620683" cy="369332"/>
+            <a:ext cx="530915" cy="369332"/>
           </a:xfrm>
           <a:prstGeom prst="rect">
             <a:avLst/>
@@ -4816,7 +4817,7 @@
           <a:p>
             <a:r>
               <a:rPr kumimoji="1" lang="en-US" altLang="zh-CN" dirty="0"/>
-              <a:t>start</a:t>
+              <a:t>low</a:t>
             </a:r>
             <a:endParaRPr kumimoji="1" lang="zh-CN" altLang="en-US" dirty="0"/>
           </a:p>
@@ -4873,7 +4874,7 @@
         <p:spPr>
           <a:xfrm>
             <a:off x="4370831" y="2767584"/>
-            <a:ext cx="562975" cy="369332"/>
+            <a:ext cx="622286" cy="369332"/>
           </a:xfrm>
           <a:prstGeom prst="rect">
             <a:avLst/>
@@ -4887,7 +4888,7 @@
           <a:p>
             <a:r>
               <a:rPr lang="en-US" altLang="zh-CN" dirty="0"/>
-              <a:t>end</a:t>
+              <a:t>high</a:t>
             </a:r>
             <a:endParaRPr lang="zh-CN" altLang="en-US" dirty="0"/>
           </a:p>
@@ -5293,7 +5294,7 @@
         </p:nvCxnSpPr>
         <p:spPr>
           <a:xfrm flipV="1">
-            <a:off x="2829615" y="3618928"/>
+            <a:off x="3271558" y="3616404"/>
             <a:ext cx="0" cy="353568"/>
           </a:xfrm>
           <a:prstGeom prst="straightConnector1">
@@ -5415,7 +5416,7 @@
         <p:spPr>
           <a:xfrm>
             <a:off x="2208932" y="4007500"/>
-            <a:ext cx="620683" cy="369332"/>
+            <a:ext cx="530915" cy="369332"/>
           </a:xfrm>
           <a:prstGeom prst="rect">
             <a:avLst/>
@@ -5430,7 +5431,7 @@
           <a:p>
             <a:r>
               <a:rPr kumimoji="1" lang="en-US" altLang="zh-CN" dirty="0"/>
-              <a:t>start</a:t>
+              <a:t>low</a:t>
             </a:r>
             <a:endParaRPr kumimoji="1" lang="zh-CN" altLang="en-US" dirty="0"/>
           </a:p>
@@ -5451,7 +5452,7 @@
         <p:spPr>
           <a:xfrm>
             <a:off x="3236770" y="3969972"/>
-            <a:ext cx="562975" cy="369332"/>
+            <a:ext cx="622286" cy="369332"/>
           </a:xfrm>
           <a:prstGeom prst="rect">
             <a:avLst/>
@@ -5466,7 +5467,7 @@
           <a:p>
             <a:r>
               <a:rPr kumimoji="1" lang="en-US" altLang="zh-CN" dirty="0"/>
-              <a:t>end</a:t>
+              <a:t>high</a:t>
             </a:r>
             <a:endParaRPr kumimoji="1" lang="zh-CN" altLang="en-US" dirty="0"/>
           </a:p>
@@ -5486,7 +5487,7 @@
         </p:nvSpPr>
         <p:spPr>
           <a:xfrm>
-            <a:off x="2708583" y="4007500"/>
+            <a:off x="2842305" y="4007500"/>
             <a:ext cx="562975" cy="369332"/>
           </a:xfrm>
           <a:prstGeom prst="rect">
@@ -5803,7 +5804,7 @@
         <p:spPr>
           <a:xfrm>
             <a:off x="6326080" y="1511808"/>
-            <a:ext cx="620683" cy="369332"/>
+            <a:ext cx="530915" cy="369332"/>
           </a:xfrm>
           <a:prstGeom prst="rect">
             <a:avLst/>
@@ -5818,7 +5819,7 @@
           <a:p>
             <a:r>
               <a:rPr kumimoji="1" lang="en-US" altLang="zh-CN" dirty="0"/>
-              <a:t>start</a:t>
+              <a:t>low</a:t>
             </a:r>
             <a:endParaRPr kumimoji="1" lang="zh-CN" altLang="en-US" dirty="0"/>
           </a:p>
@@ -5880,7 +5881,7 @@
         <p:spPr>
           <a:xfrm>
             <a:off x="8807648" y="1548384"/>
-            <a:ext cx="562975" cy="369332"/>
+            <a:ext cx="622286" cy="369332"/>
           </a:xfrm>
           <a:prstGeom prst="rect">
             <a:avLst/>
@@ -5894,7 +5895,7 @@
           <a:p>
             <a:r>
               <a:rPr lang="en-US" altLang="zh-CN" dirty="0"/>
-              <a:t>end</a:t>
+              <a:t>high</a:t>
             </a:r>
             <a:endParaRPr lang="zh-CN" altLang="en-US" dirty="0"/>
           </a:p>
@@ -6273,7 +6274,7 @@
         <p:spPr>
           <a:xfrm>
             <a:off x="6927976" y="2807732"/>
-            <a:ext cx="620683" cy="369332"/>
+            <a:ext cx="530915" cy="369332"/>
           </a:xfrm>
           <a:prstGeom prst="rect">
             <a:avLst/>
@@ -6288,7 +6289,7 @@
           <a:p>
             <a:r>
               <a:rPr kumimoji="1" lang="en-US" altLang="zh-CN" dirty="0"/>
-              <a:t>start</a:t>
+              <a:t>low</a:t>
             </a:r>
             <a:endParaRPr kumimoji="1" lang="zh-CN" altLang="en-US" dirty="0"/>
           </a:p>
@@ -6350,7 +6351,7 @@
         <p:spPr>
           <a:xfrm>
             <a:off x="8786721" y="2807732"/>
-            <a:ext cx="562975" cy="369332"/>
+            <a:ext cx="622286" cy="369332"/>
           </a:xfrm>
           <a:prstGeom prst="rect">
             <a:avLst/>
@@ -6364,7 +6365,7 @@
           <a:p>
             <a:r>
               <a:rPr lang="en-US" altLang="zh-CN" dirty="0"/>
-              <a:t>end</a:t>
+              <a:t>high</a:t>
             </a:r>
             <a:endParaRPr lang="zh-CN" altLang="en-US" dirty="0"/>
           </a:p>
@@ -6743,7 +6744,7 @@
         <p:spPr>
           <a:xfrm>
             <a:off x="7296411" y="3969972"/>
-            <a:ext cx="620683" cy="369332"/>
+            <a:ext cx="530915" cy="369332"/>
           </a:xfrm>
           <a:prstGeom prst="rect">
             <a:avLst/>
@@ -6758,7 +6759,7 @@
           <a:p>
             <a:r>
               <a:rPr kumimoji="1" lang="en-US" altLang="zh-CN" dirty="0"/>
-              <a:t>start</a:t>
+              <a:t>low</a:t>
             </a:r>
             <a:endParaRPr kumimoji="1" lang="zh-CN" altLang="en-US" dirty="0"/>
           </a:p>
@@ -6820,7 +6821,7 @@
         <p:spPr>
           <a:xfrm>
             <a:off x="8786721" y="3972496"/>
-            <a:ext cx="562975" cy="369332"/>
+            <a:ext cx="622286" cy="369332"/>
           </a:xfrm>
           <a:prstGeom prst="rect">
             <a:avLst/>
@@ -6834,7 +6835,7 @@
           <a:p>
             <a:r>
               <a:rPr lang="en-US" altLang="zh-CN" dirty="0"/>
-              <a:t>end</a:t>
+              <a:t>high</a:t>
             </a:r>
             <a:endParaRPr lang="zh-CN" altLang="en-US" dirty="0"/>
           </a:p>
@@ -6998,6 +6999,656 @@
               <a:t>[low];</a:t>
             </a:r>
             <a:endParaRPr lang="zh-CN" altLang="en-US" dirty="0"/>
+          </a:p>
+        </p:txBody>
+      </p:sp>
+      <p:sp>
+        <p:nvSpPr>
+          <p:cNvPr id="92" name="圆角矩形 91">
+            <a:extLst>
+              <a:ext uri="{FF2B5EF4-FFF2-40B4-BE49-F238E27FC236}">
+                <a16:creationId xmlns:a16="http://schemas.microsoft.com/office/drawing/2014/main" id="{6DCAB58B-A095-854A-B243-C2AD432C7FEF}"/>
+              </a:ext>
+            </a:extLst>
+          </p:cNvPr>
+          <p:cNvSpPr/>
+          <p:nvPr/>
+        </p:nvSpPr>
+        <p:spPr>
+          <a:xfrm>
+            <a:off x="110799" y="4514420"/>
+            <a:ext cx="609600" cy="499872"/>
+          </a:xfrm>
+          <a:prstGeom prst="roundRect">
+            <a:avLst/>
+          </a:prstGeom>
+        </p:spPr>
+        <p:style>
+          <a:lnRef idx="2">
+            <a:schemeClr val="accent6"/>
+          </a:lnRef>
+          <a:fillRef idx="1">
+            <a:schemeClr val="lt1"/>
+          </a:fillRef>
+          <a:effectRef idx="0">
+            <a:schemeClr val="accent6"/>
+          </a:effectRef>
+          <a:fontRef idx="minor">
+            <a:schemeClr val="dk1"/>
+          </a:fontRef>
+        </p:style>
+        <p:txBody>
+          <a:bodyPr rtlCol="0" anchor="ctr"/>
+          <a:lstStyle/>
+          <a:p>
+            <a:pPr algn="ctr"/>
+            <a:r>
+              <a:rPr kumimoji="1" lang="en-US" altLang="zh-CN" sz="2400" b="1" dirty="0"/>
+              <a:t>4</a:t>
+            </a:r>
+            <a:endParaRPr kumimoji="1" lang="zh-CN" altLang="en-US" sz="2400" b="1" dirty="0"/>
+          </a:p>
+        </p:txBody>
+      </p:sp>
+      <p:sp>
+        <p:nvSpPr>
+          <p:cNvPr id="93" name="圆角矩形 92">
+            <a:extLst>
+              <a:ext uri="{FF2B5EF4-FFF2-40B4-BE49-F238E27FC236}">
+                <a16:creationId xmlns:a16="http://schemas.microsoft.com/office/drawing/2014/main" id="{52EFFD56-CBDB-A24F-8F3F-1E2DF855D584}"/>
+              </a:ext>
+            </a:extLst>
+          </p:cNvPr>
+          <p:cNvSpPr/>
+          <p:nvPr/>
+        </p:nvSpPr>
+        <p:spPr>
+          <a:xfrm>
+            <a:off x="720399" y="4514420"/>
+            <a:ext cx="609600" cy="499872"/>
+          </a:xfrm>
+          <a:prstGeom prst="roundRect">
+            <a:avLst/>
+          </a:prstGeom>
+        </p:spPr>
+        <p:style>
+          <a:lnRef idx="2">
+            <a:schemeClr val="accent6"/>
+          </a:lnRef>
+          <a:fillRef idx="1">
+            <a:schemeClr val="lt1"/>
+          </a:fillRef>
+          <a:effectRef idx="0">
+            <a:schemeClr val="accent6"/>
+          </a:effectRef>
+          <a:fontRef idx="minor">
+            <a:schemeClr val="dk1"/>
+          </a:fontRef>
+        </p:style>
+        <p:txBody>
+          <a:bodyPr rtlCol="0" anchor="ctr"/>
+          <a:lstStyle/>
+          <a:p>
+            <a:pPr algn="ctr"/>
+            <a:r>
+              <a:rPr kumimoji="1" lang="en-US" altLang="zh-CN" sz="2400" b="1" dirty="0"/>
+              <a:t>5</a:t>
+            </a:r>
+            <a:endParaRPr kumimoji="1" lang="zh-CN" altLang="en-US" sz="2400" b="1" dirty="0"/>
+          </a:p>
+        </p:txBody>
+      </p:sp>
+      <p:sp>
+        <p:nvSpPr>
+          <p:cNvPr id="94" name="圆角矩形 93">
+            <a:extLst>
+              <a:ext uri="{FF2B5EF4-FFF2-40B4-BE49-F238E27FC236}">
+                <a16:creationId xmlns:a16="http://schemas.microsoft.com/office/drawing/2014/main" id="{474787BE-0349-3E47-870B-602677AAA4FA}"/>
+              </a:ext>
+            </a:extLst>
+          </p:cNvPr>
+          <p:cNvSpPr/>
+          <p:nvPr/>
+        </p:nvSpPr>
+        <p:spPr>
+          <a:xfrm>
+            <a:off x="1329999" y="4514420"/>
+            <a:ext cx="609600" cy="499872"/>
+          </a:xfrm>
+          <a:prstGeom prst="roundRect">
+            <a:avLst/>
+          </a:prstGeom>
+        </p:spPr>
+        <p:style>
+          <a:lnRef idx="2">
+            <a:schemeClr val="accent6"/>
+          </a:lnRef>
+          <a:fillRef idx="1">
+            <a:schemeClr val="lt1"/>
+          </a:fillRef>
+          <a:effectRef idx="0">
+            <a:schemeClr val="accent6"/>
+          </a:effectRef>
+          <a:fontRef idx="minor">
+            <a:schemeClr val="dk1"/>
+          </a:fontRef>
+        </p:style>
+        <p:txBody>
+          <a:bodyPr rtlCol="0" anchor="ctr"/>
+          <a:lstStyle/>
+          <a:p>
+            <a:pPr algn="ctr"/>
+            <a:r>
+              <a:rPr kumimoji="1" lang="en-US" altLang="zh-CN" sz="2400" b="1" dirty="0"/>
+              <a:t>6</a:t>
+            </a:r>
+            <a:endParaRPr kumimoji="1" lang="zh-CN" altLang="en-US" sz="2400" b="1" dirty="0"/>
+          </a:p>
+        </p:txBody>
+      </p:sp>
+      <p:sp>
+        <p:nvSpPr>
+          <p:cNvPr id="95" name="圆角矩形 94">
+            <a:extLst>
+              <a:ext uri="{FF2B5EF4-FFF2-40B4-BE49-F238E27FC236}">
+                <a16:creationId xmlns:a16="http://schemas.microsoft.com/office/drawing/2014/main" id="{299C68D8-0CDC-A14F-AA62-D4FA497FD0BE}"/>
+              </a:ext>
+            </a:extLst>
+          </p:cNvPr>
+          <p:cNvSpPr/>
+          <p:nvPr/>
+        </p:nvSpPr>
+        <p:spPr>
+          <a:xfrm>
+            <a:off x="1939599" y="4514420"/>
+            <a:ext cx="609600" cy="499872"/>
+          </a:xfrm>
+          <a:prstGeom prst="roundRect">
+            <a:avLst/>
+          </a:prstGeom>
+        </p:spPr>
+        <p:style>
+          <a:lnRef idx="2">
+            <a:schemeClr val="accent6"/>
+          </a:lnRef>
+          <a:fillRef idx="1">
+            <a:schemeClr val="lt1"/>
+          </a:fillRef>
+          <a:effectRef idx="0">
+            <a:schemeClr val="accent6"/>
+          </a:effectRef>
+          <a:fontRef idx="minor">
+            <a:schemeClr val="dk1"/>
+          </a:fontRef>
+        </p:style>
+        <p:txBody>
+          <a:bodyPr rtlCol="0" anchor="ctr"/>
+          <a:lstStyle/>
+          <a:p>
+            <a:pPr algn="ctr"/>
+            <a:r>
+              <a:rPr kumimoji="1" lang="en-US" altLang="zh-CN" sz="2400" b="1" dirty="0"/>
+              <a:t>7</a:t>
+            </a:r>
+            <a:endParaRPr kumimoji="1" lang="zh-CN" altLang="en-US" sz="2400" b="1" dirty="0"/>
+          </a:p>
+        </p:txBody>
+      </p:sp>
+      <p:sp>
+        <p:nvSpPr>
+          <p:cNvPr id="96" name="圆角矩形 95">
+            <a:extLst>
+              <a:ext uri="{FF2B5EF4-FFF2-40B4-BE49-F238E27FC236}">
+                <a16:creationId xmlns:a16="http://schemas.microsoft.com/office/drawing/2014/main" id="{C9F91EAB-E694-5443-A883-5065370BA742}"/>
+              </a:ext>
+            </a:extLst>
+          </p:cNvPr>
+          <p:cNvSpPr/>
+          <p:nvPr/>
+        </p:nvSpPr>
+        <p:spPr>
+          <a:xfrm>
+            <a:off x="2549199" y="4514420"/>
+            <a:ext cx="609600" cy="499872"/>
+          </a:xfrm>
+          <a:prstGeom prst="roundRect">
+            <a:avLst/>
+          </a:prstGeom>
+        </p:spPr>
+        <p:style>
+          <a:lnRef idx="2">
+            <a:schemeClr val="accent6"/>
+          </a:lnRef>
+          <a:fillRef idx="1">
+            <a:schemeClr val="lt1"/>
+          </a:fillRef>
+          <a:effectRef idx="0">
+            <a:schemeClr val="accent6"/>
+          </a:effectRef>
+          <a:fontRef idx="minor">
+            <a:schemeClr val="dk1"/>
+          </a:fontRef>
+        </p:style>
+        <p:txBody>
+          <a:bodyPr rtlCol="0" anchor="ctr"/>
+          <a:lstStyle/>
+          <a:p>
+            <a:pPr algn="ctr"/>
+            <a:r>
+              <a:rPr kumimoji="1" lang="en-US" altLang="zh-CN" sz="2400" b="1" dirty="0"/>
+              <a:t>8</a:t>
+            </a:r>
+            <a:endParaRPr kumimoji="1" lang="zh-CN" altLang="en-US" sz="2400" b="1" dirty="0"/>
+          </a:p>
+        </p:txBody>
+      </p:sp>
+      <p:sp>
+        <p:nvSpPr>
+          <p:cNvPr id="97" name="圆角矩形 96">
+            <a:extLst>
+              <a:ext uri="{FF2B5EF4-FFF2-40B4-BE49-F238E27FC236}">
+                <a16:creationId xmlns:a16="http://schemas.microsoft.com/office/drawing/2014/main" id="{C1AA0CBE-BE79-8340-941F-4F0EC85A624C}"/>
+              </a:ext>
+            </a:extLst>
+          </p:cNvPr>
+          <p:cNvSpPr/>
+          <p:nvPr/>
+        </p:nvSpPr>
+        <p:spPr>
+          <a:xfrm>
+            <a:off x="3158799" y="4514420"/>
+            <a:ext cx="609600" cy="499872"/>
+          </a:xfrm>
+          <a:prstGeom prst="roundRect">
+            <a:avLst/>
+          </a:prstGeom>
+        </p:spPr>
+        <p:style>
+          <a:lnRef idx="2">
+            <a:schemeClr val="accent6"/>
+          </a:lnRef>
+          <a:fillRef idx="1">
+            <a:schemeClr val="lt1"/>
+          </a:fillRef>
+          <a:effectRef idx="0">
+            <a:schemeClr val="accent6"/>
+          </a:effectRef>
+          <a:fontRef idx="minor">
+            <a:schemeClr val="dk1"/>
+          </a:fontRef>
+        </p:style>
+        <p:txBody>
+          <a:bodyPr rtlCol="0" anchor="ctr"/>
+          <a:lstStyle/>
+          <a:p>
+            <a:pPr algn="ctr"/>
+            <a:r>
+              <a:rPr kumimoji="1" lang="en-US" altLang="zh-CN" sz="2400" b="1" dirty="0"/>
+              <a:t>1</a:t>
+            </a:r>
+            <a:endParaRPr kumimoji="1" lang="zh-CN" altLang="en-US" sz="2400" b="1" dirty="0"/>
+          </a:p>
+        </p:txBody>
+      </p:sp>
+      <p:sp>
+        <p:nvSpPr>
+          <p:cNvPr id="98" name="圆角矩形 97">
+            <a:extLst>
+              <a:ext uri="{FF2B5EF4-FFF2-40B4-BE49-F238E27FC236}">
+                <a16:creationId xmlns:a16="http://schemas.microsoft.com/office/drawing/2014/main" id="{5EE86141-9BEB-6242-8C6E-5EA0F634D5B3}"/>
+              </a:ext>
+            </a:extLst>
+          </p:cNvPr>
+          <p:cNvSpPr/>
+          <p:nvPr/>
+        </p:nvSpPr>
+        <p:spPr>
+          <a:xfrm>
+            <a:off x="3768399" y="4514420"/>
+            <a:ext cx="609600" cy="499872"/>
+          </a:xfrm>
+          <a:prstGeom prst="roundRect">
+            <a:avLst/>
+          </a:prstGeom>
+        </p:spPr>
+        <p:style>
+          <a:lnRef idx="2">
+            <a:schemeClr val="accent6"/>
+          </a:lnRef>
+          <a:fillRef idx="1">
+            <a:schemeClr val="lt1"/>
+          </a:fillRef>
+          <a:effectRef idx="0">
+            <a:schemeClr val="accent6"/>
+          </a:effectRef>
+          <a:fontRef idx="minor">
+            <a:schemeClr val="dk1"/>
+          </a:fontRef>
+        </p:style>
+        <p:txBody>
+          <a:bodyPr rtlCol="0" anchor="ctr"/>
+          <a:lstStyle/>
+          <a:p>
+            <a:pPr algn="ctr"/>
+            <a:r>
+              <a:rPr kumimoji="1" lang="en-US" altLang="zh-CN" sz="2400" b="1" dirty="0"/>
+              <a:t>2</a:t>
+            </a:r>
+            <a:endParaRPr kumimoji="1" lang="zh-CN" altLang="en-US" sz="2400" b="1" dirty="0"/>
+          </a:p>
+        </p:txBody>
+      </p:sp>
+      <p:sp>
+        <p:nvSpPr>
+          <p:cNvPr id="99" name="圆角矩形 98">
+            <a:extLst>
+              <a:ext uri="{FF2B5EF4-FFF2-40B4-BE49-F238E27FC236}">
+                <a16:creationId xmlns:a16="http://schemas.microsoft.com/office/drawing/2014/main" id="{70DD6B5C-3669-DD46-945E-3BAEF342B99E}"/>
+              </a:ext>
+            </a:extLst>
+          </p:cNvPr>
+          <p:cNvSpPr/>
+          <p:nvPr/>
+        </p:nvSpPr>
+        <p:spPr>
+          <a:xfrm>
+            <a:off x="4377999" y="4514420"/>
+            <a:ext cx="609600" cy="499872"/>
+          </a:xfrm>
+          <a:prstGeom prst="roundRect">
+            <a:avLst/>
+          </a:prstGeom>
+        </p:spPr>
+        <p:style>
+          <a:lnRef idx="2">
+            <a:schemeClr val="accent6"/>
+          </a:lnRef>
+          <a:fillRef idx="1">
+            <a:schemeClr val="lt1"/>
+          </a:fillRef>
+          <a:effectRef idx="0">
+            <a:schemeClr val="accent6"/>
+          </a:effectRef>
+          <a:fontRef idx="minor">
+            <a:schemeClr val="dk1"/>
+          </a:fontRef>
+        </p:style>
+        <p:txBody>
+          <a:bodyPr rtlCol="0" anchor="ctr"/>
+          <a:lstStyle/>
+          <a:p>
+            <a:pPr algn="ctr"/>
+            <a:r>
+              <a:rPr kumimoji="1" lang="en-US" altLang="zh-CN" sz="2400" b="1" dirty="0"/>
+              <a:t>3</a:t>
+            </a:r>
+            <a:endParaRPr kumimoji="1" lang="zh-CN" altLang="en-US" sz="2400" b="1" dirty="0"/>
+          </a:p>
+        </p:txBody>
+      </p:sp>
+      <p:cxnSp>
+        <p:nvCxnSpPr>
+          <p:cNvPr id="100" name="直线箭头连接符 99">
+            <a:extLst>
+              <a:ext uri="{FF2B5EF4-FFF2-40B4-BE49-F238E27FC236}">
+                <a16:creationId xmlns:a16="http://schemas.microsoft.com/office/drawing/2014/main" id="{58B293DC-CDD9-6946-905C-50A198834336}"/>
+              </a:ext>
+            </a:extLst>
+          </p:cNvPr>
+          <p:cNvCxnSpPr>
+            <a:cxnSpLocks/>
+          </p:cNvCxnSpPr>
+          <p:nvPr/>
+        </p:nvCxnSpPr>
+        <p:spPr>
+          <a:xfrm flipV="1">
+            <a:off x="3405280" y="5010720"/>
+            <a:ext cx="0" cy="353568"/>
+          </a:xfrm>
+          <a:prstGeom prst="straightConnector1">
+            <a:avLst/>
+          </a:prstGeom>
+          <a:ln>
+            <a:tailEnd type="triangle"/>
+          </a:ln>
+        </p:spPr>
+        <p:style>
+          <a:lnRef idx="1">
+            <a:schemeClr val="accent1"/>
+          </a:lnRef>
+          <a:fillRef idx="0">
+            <a:schemeClr val="accent1"/>
+          </a:fillRef>
+          <a:effectRef idx="0">
+            <a:schemeClr val="accent1"/>
+          </a:effectRef>
+          <a:fontRef idx="minor">
+            <a:schemeClr val="tx1"/>
+          </a:fontRef>
+        </p:style>
+      </p:cxnSp>
+      <p:cxnSp>
+        <p:nvCxnSpPr>
+          <p:cNvPr id="101" name="直线箭头连接符 100">
+            <a:extLst>
+              <a:ext uri="{FF2B5EF4-FFF2-40B4-BE49-F238E27FC236}">
+                <a16:creationId xmlns:a16="http://schemas.microsoft.com/office/drawing/2014/main" id="{9583F5BE-7F3B-0D46-A544-291F91450297}"/>
+              </a:ext>
+            </a:extLst>
+          </p:cNvPr>
+          <p:cNvCxnSpPr>
+            <a:cxnSpLocks/>
+          </p:cNvCxnSpPr>
+          <p:nvPr/>
+        </p:nvCxnSpPr>
+        <p:spPr>
+          <a:xfrm flipV="1">
+            <a:off x="3634043" y="5010720"/>
+            <a:ext cx="0" cy="353568"/>
+          </a:xfrm>
+          <a:prstGeom prst="straightConnector1">
+            <a:avLst/>
+          </a:prstGeom>
+          <a:ln>
+            <a:tailEnd type="triangle"/>
+          </a:ln>
+        </p:spPr>
+        <p:style>
+          <a:lnRef idx="1">
+            <a:schemeClr val="accent1"/>
+          </a:lnRef>
+          <a:fillRef idx="0">
+            <a:schemeClr val="accent1"/>
+          </a:fillRef>
+          <a:effectRef idx="0">
+            <a:schemeClr val="accent1"/>
+          </a:effectRef>
+          <a:fontRef idx="minor">
+            <a:schemeClr val="tx1"/>
+          </a:fontRef>
+        </p:style>
+      </p:cxnSp>
+      <p:cxnSp>
+        <p:nvCxnSpPr>
+          <p:cNvPr id="102" name="直线箭头连接符 101">
+            <a:extLst>
+              <a:ext uri="{FF2B5EF4-FFF2-40B4-BE49-F238E27FC236}">
+                <a16:creationId xmlns:a16="http://schemas.microsoft.com/office/drawing/2014/main" id="{0E05A6FA-5CD4-024F-B282-BA991DC89BB9}"/>
+              </a:ext>
+            </a:extLst>
+          </p:cNvPr>
+          <p:cNvCxnSpPr>
+            <a:cxnSpLocks/>
+          </p:cNvCxnSpPr>
+          <p:nvPr/>
+        </p:nvCxnSpPr>
+        <p:spPr>
+          <a:xfrm flipV="1">
+            <a:off x="3236770" y="5048248"/>
+            <a:ext cx="0" cy="353568"/>
+          </a:xfrm>
+          <a:prstGeom prst="straightConnector1">
+            <a:avLst/>
+          </a:prstGeom>
+          <a:ln>
+            <a:tailEnd type="triangle"/>
+          </a:ln>
+        </p:spPr>
+        <p:style>
+          <a:lnRef idx="1">
+            <a:schemeClr val="accent1"/>
+          </a:lnRef>
+          <a:fillRef idx="0">
+            <a:schemeClr val="accent1"/>
+          </a:fillRef>
+          <a:effectRef idx="0">
+            <a:schemeClr val="accent1"/>
+          </a:effectRef>
+          <a:fontRef idx="minor">
+            <a:schemeClr val="tx1"/>
+          </a:fontRef>
+        </p:style>
+      </p:cxnSp>
+      <p:sp>
+        <p:nvSpPr>
+          <p:cNvPr id="103" name="文本框 102">
+            <a:extLst>
+              <a:ext uri="{FF2B5EF4-FFF2-40B4-BE49-F238E27FC236}">
+                <a16:creationId xmlns:a16="http://schemas.microsoft.com/office/drawing/2014/main" id="{A5FA264C-71E2-8546-A72C-87BC2CB3774C}"/>
+              </a:ext>
+            </a:extLst>
+          </p:cNvPr>
+          <p:cNvSpPr txBox="1"/>
+          <p:nvPr/>
+        </p:nvSpPr>
+        <p:spPr>
+          <a:xfrm>
+            <a:off x="2858334" y="5364288"/>
+            <a:ext cx="530915" cy="369332"/>
+          </a:xfrm>
+          <a:prstGeom prst="rect">
+            <a:avLst/>
+          </a:prstGeom>
+          <a:noFill/>
+        </p:spPr>
+        <p:txBody>
+          <a:bodyPr wrap="none" rtlCol="0">
+            <a:spAutoFit/>
+          </a:bodyPr>
+          <a:lstStyle/>
+          <a:p>
+            <a:r>
+              <a:rPr kumimoji="1" lang="en-US" altLang="zh-CN" dirty="0"/>
+              <a:t>low</a:t>
+            </a:r>
+            <a:endParaRPr kumimoji="1" lang="zh-CN" altLang="en-US" dirty="0"/>
+          </a:p>
+        </p:txBody>
+      </p:sp>
+      <p:sp>
+        <p:nvSpPr>
+          <p:cNvPr id="104" name="文本框 103">
+            <a:extLst>
+              <a:ext uri="{FF2B5EF4-FFF2-40B4-BE49-F238E27FC236}">
+                <a16:creationId xmlns:a16="http://schemas.microsoft.com/office/drawing/2014/main" id="{E9EE8A5F-CDA4-384D-AECF-B328292C1A31}"/>
+              </a:ext>
+            </a:extLst>
+          </p:cNvPr>
+          <p:cNvSpPr txBox="1"/>
+          <p:nvPr/>
+        </p:nvSpPr>
+        <p:spPr>
+          <a:xfrm>
+            <a:off x="3457256" y="5401816"/>
+            <a:ext cx="622286" cy="369332"/>
+          </a:xfrm>
+          <a:prstGeom prst="rect">
+            <a:avLst/>
+          </a:prstGeom>
+          <a:noFill/>
+        </p:spPr>
+        <p:txBody>
+          <a:bodyPr wrap="none" rtlCol="0">
+            <a:spAutoFit/>
+          </a:bodyPr>
+          <a:lstStyle/>
+          <a:p>
+            <a:r>
+              <a:rPr kumimoji="1" lang="en-US" altLang="zh-CN" dirty="0"/>
+              <a:t>high</a:t>
+            </a:r>
+            <a:endParaRPr kumimoji="1" lang="zh-CN" altLang="en-US" dirty="0"/>
+          </a:p>
+        </p:txBody>
+      </p:sp>
+      <p:sp>
+        <p:nvSpPr>
+          <p:cNvPr id="105" name="矩形 104">
+            <a:extLst>
+              <a:ext uri="{FF2B5EF4-FFF2-40B4-BE49-F238E27FC236}">
+                <a16:creationId xmlns:a16="http://schemas.microsoft.com/office/drawing/2014/main" id="{793D77E3-2A39-BE40-8E2D-4863E27E2C0F}"/>
+              </a:ext>
+            </a:extLst>
+          </p:cNvPr>
+          <p:cNvSpPr/>
+          <p:nvPr/>
+        </p:nvSpPr>
+        <p:spPr>
+          <a:xfrm>
+            <a:off x="3138881" y="5567146"/>
+            <a:ext cx="562975" cy="369332"/>
+          </a:xfrm>
+          <a:prstGeom prst="rect">
+            <a:avLst/>
+          </a:prstGeom>
+        </p:spPr>
+        <p:txBody>
+          <a:bodyPr wrap="square">
+            <a:spAutoFit/>
+          </a:bodyPr>
+          <a:lstStyle/>
+          <a:p>
+            <a:r>
+              <a:rPr lang="en-US" altLang="zh-CN" dirty="0"/>
+              <a:t>mid</a:t>
+            </a:r>
+            <a:endParaRPr lang="zh-CN" altLang="en-US" dirty="0"/>
+          </a:p>
+        </p:txBody>
+      </p:sp>
+      <p:sp>
+        <p:nvSpPr>
+          <p:cNvPr id="3" name="文本框 2">
+            <a:extLst>
+              <a:ext uri="{FF2B5EF4-FFF2-40B4-BE49-F238E27FC236}">
+                <a16:creationId xmlns:a16="http://schemas.microsoft.com/office/drawing/2014/main" id="{08255DAB-8544-9847-9F14-D3C25B823670}"/>
+              </a:ext>
+            </a:extLst>
+          </p:cNvPr>
+          <p:cNvSpPr txBox="1"/>
+          <p:nvPr/>
+        </p:nvSpPr>
+        <p:spPr>
+          <a:xfrm>
+            <a:off x="9737124" y="871728"/>
+            <a:ext cx="1285929" cy="369332"/>
+          </a:xfrm>
+          <a:prstGeom prst="rect">
+            <a:avLst/>
+          </a:prstGeom>
+          <a:noFill/>
+        </p:spPr>
+        <p:txBody>
+          <a:bodyPr wrap="none" rtlCol="0">
+            <a:spAutoFit/>
+          </a:bodyPr>
+          <a:lstStyle/>
+          <a:p>
+            <a:r>
+              <a:rPr kumimoji="1" lang="en-US" altLang="zh-CN" dirty="0"/>
+              <a:t>Mid &gt;=low</a:t>
+            </a:r>
+            <a:endParaRPr kumimoji="1" lang="zh-CN" altLang="en-US" dirty="0"/>
           </a:p>
         </p:txBody>
       </p:sp>
@@ -7215,6 +7866,681 @@
           <p:cNvPr id="4" name="矩形 3">
             <a:extLst>
               <a:ext uri="{FF2B5EF4-FFF2-40B4-BE49-F238E27FC236}">
+                <a16:creationId xmlns:a16="http://schemas.microsoft.com/office/drawing/2014/main" id="{8C3D9E44-BCB5-8344-A998-C57A35A45180}"/>
+              </a:ext>
+            </a:extLst>
+          </p:cNvPr>
+          <p:cNvSpPr/>
+          <p:nvPr/>
+        </p:nvSpPr>
+        <p:spPr>
+          <a:xfrm>
+            <a:off x="0" y="118075"/>
+            <a:ext cx="2664512" cy="369332"/>
+          </a:xfrm>
+          <a:prstGeom prst="rect">
+            <a:avLst/>
+          </a:prstGeom>
+        </p:spPr>
+        <p:txBody>
+          <a:bodyPr wrap="none">
+            <a:spAutoFit/>
+          </a:bodyPr>
+          <a:lstStyle/>
+          <a:p>
+            <a:r>
+              <a:rPr lang="en" altLang="zh-CN" dirty="0">
+                <a:solidFill>
+                  <a:srgbClr val="FF0000"/>
+                </a:solidFill>
+              </a:rPr>
+              <a:t>_18_01_DeleteNodeInList</a:t>
+            </a:r>
+            <a:endParaRPr lang="zh-CN" altLang="en-US" dirty="0">
+              <a:solidFill>
+                <a:srgbClr val="FF0000"/>
+              </a:solidFill>
+            </a:endParaRPr>
+          </a:p>
+        </p:txBody>
+      </p:sp>
+      <p:sp>
+        <p:nvSpPr>
+          <p:cNvPr id="5" name="矩形 4">
+            <a:extLst>
+              <a:ext uri="{FF2B5EF4-FFF2-40B4-BE49-F238E27FC236}">
+                <a16:creationId xmlns:a16="http://schemas.microsoft.com/office/drawing/2014/main" id="{64747BB6-0A0E-2147-88C1-A4674FE76116}"/>
+              </a:ext>
+            </a:extLst>
+          </p:cNvPr>
+          <p:cNvSpPr/>
+          <p:nvPr/>
+        </p:nvSpPr>
+        <p:spPr>
+          <a:xfrm>
+            <a:off x="205629" y="785339"/>
+            <a:ext cx="1944763" cy="369332"/>
+          </a:xfrm>
+          <a:prstGeom prst="rect">
+            <a:avLst/>
+          </a:prstGeom>
+        </p:spPr>
+        <p:txBody>
+          <a:bodyPr wrap="none">
+            <a:spAutoFit/>
+          </a:bodyPr>
+          <a:lstStyle/>
+          <a:p>
+            <a:r>
+              <a:rPr lang="en" altLang="zh-CN" dirty="0"/>
+              <a:t>A -&gt; B -&gt; C -&gt; D</a:t>
+            </a:r>
+            <a:endParaRPr lang="zh-CN" altLang="en-US" dirty="0"/>
+          </a:p>
+        </p:txBody>
+      </p:sp>
+      <p:cxnSp>
+        <p:nvCxnSpPr>
+          <p:cNvPr id="6" name="直线箭头连接符 5">
+            <a:extLst>
+              <a:ext uri="{FF2B5EF4-FFF2-40B4-BE49-F238E27FC236}">
+                <a16:creationId xmlns:a16="http://schemas.microsoft.com/office/drawing/2014/main" id="{EFCCFF36-984D-3340-9631-6C1DA1BB6BC3}"/>
+              </a:ext>
+            </a:extLst>
+          </p:cNvPr>
+          <p:cNvCxnSpPr>
+            <a:cxnSpLocks/>
+          </p:cNvCxnSpPr>
+          <p:nvPr/>
+        </p:nvCxnSpPr>
+        <p:spPr>
+          <a:xfrm flipV="1">
+            <a:off x="859372" y="1154671"/>
+            <a:ext cx="0" cy="353568"/>
+          </a:xfrm>
+          <a:prstGeom prst="straightConnector1">
+            <a:avLst/>
+          </a:prstGeom>
+          <a:ln>
+            <a:tailEnd type="triangle"/>
+          </a:ln>
+        </p:spPr>
+        <p:style>
+          <a:lnRef idx="1">
+            <a:schemeClr val="accent1"/>
+          </a:lnRef>
+          <a:fillRef idx="0">
+            <a:schemeClr val="accent1"/>
+          </a:fillRef>
+          <a:effectRef idx="0">
+            <a:schemeClr val="accent1"/>
+          </a:effectRef>
+          <a:fontRef idx="minor">
+            <a:schemeClr val="tx1"/>
+          </a:fontRef>
+        </p:style>
+      </p:cxnSp>
+      <p:sp>
+        <p:nvSpPr>
+          <p:cNvPr id="7" name="文本框 6">
+            <a:extLst>
+              <a:ext uri="{FF2B5EF4-FFF2-40B4-BE49-F238E27FC236}">
+                <a16:creationId xmlns:a16="http://schemas.microsoft.com/office/drawing/2014/main" id="{62B35800-8400-234F-B918-3AB64AE8CAF4}"/>
+              </a:ext>
+            </a:extLst>
+          </p:cNvPr>
+          <p:cNvSpPr txBox="1"/>
+          <p:nvPr/>
+        </p:nvSpPr>
+        <p:spPr>
+          <a:xfrm>
+            <a:off x="2483708" y="785339"/>
+            <a:ext cx="1338828" cy="369332"/>
+          </a:xfrm>
+          <a:prstGeom prst="rect">
+            <a:avLst/>
+          </a:prstGeom>
+          <a:noFill/>
+        </p:spPr>
+        <p:txBody>
+          <a:bodyPr wrap="none" rtlCol="0">
+            <a:spAutoFit/>
+          </a:bodyPr>
+          <a:lstStyle/>
+          <a:p>
+            <a:r>
+              <a:rPr kumimoji="1" lang="zh-CN" altLang="en-US" dirty="0"/>
+              <a:t>删除头结点</a:t>
+            </a:r>
+          </a:p>
+        </p:txBody>
+      </p:sp>
+      <p:sp>
+        <p:nvSpPr>
+          <p:cNvPr id="8" name="矩形 7">
+            <a:extLst>
+              <a:ext uri="{FF2B5EF4-FFF2-40B4-BE49-F238E27FC236}">
+                <a16:creationId xmlns:a16="http://schemas.microsoft.com/office/drawing/2014/main" id="{A5679AEC-028F-E94D-8479-7DE497AB3567}"/>
+              </a:ext>
+            </a:extLst>
+          </p:cNvPr>
+          <p:cNvSpPr/>
+          <p:nvPr/>
+        </p:nvSpPr>
+        <p:spPr>
+          <a:xfrm>
+            <a:off x="205629" y="2099274"/>
+            <a:ext cx="1944763" cy="369332"/>
+          </a:xfrm>
+          <a:prstGeom prst="rect">
+            <a:avLst/>
+          </a:prstGeom>
+        </p:spPr>
+        <p:txBody>
+          <a:bodyPr wrap="none">
+            <a:spAutoFit/>
+          </a:bodyPr>
+          <a:lstStyle/>
+          <a:p>
+            <a:r>
+              <a:rPr lang="en" altLang="zh-CN" dirty="0"/>
+              <a:t>A -&gt; B -&gt; C -&gt; D</a:t>
+            </a:r>
+            <a:endParaRPr lang="zh-CN" altLang="en-US" dirty="0"/>
+          </a:p>
+        </p:txBody>
+      </p:sp>
+      <p:cxnSp>
+        <p:nvCxnSpPr>
+          <p:cNvPr id="9" name="直线箭头连接符 8">
+            <a:extLst>
+              <a:ext uri="{FF2B5EF4-FFF2-40B4-BE49-F238E27FC236}">
+                <a16:creationId xmlns:a16="http://schemas.microsoft.com/office/drawing/2014/main" id="{62901F51-ED29-BF4D-B993-888C540E982B}"/>
+              </a:ext>
+            </a:extLst>
+          </p:cNvPr>
+          <p:cNvCxnSpPr>
+            <a:cxnSpLocks/>
+          </p:cNvCxnSpPr>
+          <p:nvPr/>
+        </p:nvCxnSpPr>
+        <p:spPr>
+          <a:xfrm flipV="1">
+            <a:off x="377459" y="2468606"/>
+            <a:ext cx="0" cy="353568"/>
+          </a:xfrm>
+          <a:prstGeom prst="straightConnector1">
+            <a:avLst/>
+          </a:prstGeom>
+          <a:ln>
+            <a:tailEnd type="triangle"/>
+          </a:ln>
+        </p:spPr>
+        <p:style>
+          <a:lnRef idx="1">
+            <a:schemeClr val="accent1"/>
+          </a:lnRef>
+          <a:fillRef idx="0">
+            <a:schemeClr val="accent1"/>
+          </a:fillRef>
+          <a:effectRef idx="0">
+            <a:schemeClr val="accent1"/>
+          </a:effectRef>
+          <a:fontRef idx="minor">
+            <a:schemeClr val="tx1"/>
+          </a:fontRef>
+        </p:style>
+      </p:cxnSp>
+      <p:sp>
+        <p:nvSpPr>
+          <p:cNvPr id="10" name="文本框 9">
+            <a:extLst>
+              <a:ext uri="{FF2B5EF4-FFF2-40B4-BE49-F238E27FC236}">
+                <a16:creationId xmlns:a16="http://schemas.microsoft.com/office/drawing/2014/main" id="{2041BDED-55B1-A84E-8F01-E35C1B383251}"/>
+              </a:ext>
+            </a:extLst>
+          </p:cNvPr>
+          <p:cNvSpPr txBox="1"/>
+          <p:nvPr/>
+        </p:nvSpPr>
+        <p:spPr>
+          <a:xfrm>
+            <a:off x="520176" y="1508954"/>
+            <a:ext cx="678391" cy="369332"/>
+          </a:xfrm>
+          <a:prstGeom prst="rect">
+            <a:avLst/>
+          </a:prstGeom>
+          <a:noFill/>
+        </p:spPr>
+        <p:txBody>
+          <a:bodyPr wrap="none" rtlCol="0">
+            <a:spAutoFit/>
+          </a:bodyPr>
+          <a:lstStyle/>
+          <a:p>
+            <a:r>
+              <a:rPr kumimoji="1" lang="en-US" altLang="zh-CN" dirty="0"/>
+              <a:t>head</a:t>
+            </a:r>
+            <a:endParaRPr kumimoji="1" lang="zh-CN" altLang="en-US" dirty="0"/>
+          </a:p>
+        </p:txBody>
+      </p:sp>
+      <p:sp>
+        <p:nvSpPr>
+          <p:cNvPr id="11" name="文本框 10">
+            <a:extLst>
+              <a:ext uri="{FF2B5EF4-FFF2-40B4-BE49-F238E27FC236}">
+                <a16:creationId xmlns:a16="http://schemas.microsoft.com/office/drawing/2014/main" id="{EA135DD5-5FF6-2C46-8EF6-A90A99C75016}"/>
+              </a:ext>
+            </a:extLst>
+          </p:cNvPr>
+          <p:cNvSpPr txBox="1"/>
+          <p:nvPr/>
+        </p:nvSpPr>
+        <p:spPr>
+          <a:xfrm>
+            <a:off x="43825" y="2822174"/>
+            <a:ext cx="678391" cy="369332"/>
+          </a:xfrm>
+          <a:prstGeom prst="rect">
+            <a:avLst/>
+          </a:prstGeom>
+          <a:noFill/>
+        </p:spPr>
+        <p:txBody>
+          <a:bodyPr wrap="none" rtlCol="0">
+            <a:spAutoFit/>
+          </a:bodyPr>
+          <a:lstStyle/>
+          <a:p>
+            <a:r>
+              <a:rPr kumimoji="1" lang="en-US" altLang="zh-CN" dirty="0"/>
+              <a:t>head</a:t>
+            </a:r>
+            <a:endParaRPr kumimoji="1" lang="zh-CN" altLang="en-US" dirty="0"/>
+          </a:p>
+        </p:txBody>
+      </p:sp>
+      <p:cxnSp>
+        <p:nvCxnSpPr>
+          <p:cNvPr id="12" name="直线箭头连接符 11">
+            <a:extLst>
+              <a:ext uri="{FF2B5EF4-FFF2-40B4-BE49-F238E27FC236}">
+                <a16:creationId xmlns:a16="http://schemas.microsoft.com/office/drawing/2014/main" id="{9BE98D2C-E577-C34D-A200-E371F06ED64B}"/>
+              </a:ext>
+            </a:extLst>
+          </p:cNvPr>
+          <p:cNvCxnSpPr>
+            <a:cxnSpLocks/>
+          </p:cNvCxnSpPr>
+          <p:nvPr/>
+        </p:nvCxnSpPr>
+        <p:spPr>
+          <a:xfrm flipV="1">
+            <a:off x="1926172" y="2468606"/>
+            <a:ext cx="0" cy="353568"/>
+          </a:xfrm>
+          <a:prstGeom prst="straightConnector1">
+            <a:avLst/>
+          </a:prstGeom>
+          <a:ln>
+            <a:tailEnd type="triangle"/>
+          </a:ln>
+        </p:spPr>
+        <p:style>
+          <a:lnRef idx="1">
+            <a:schemeClr val="accent1"/>
+          </a:lnRef>
+          <a:fillRef idx="0">
+            <a:schemeClr val="accent1"/>
+          </a:fillRef>
+          <a:effectRef idx="0">
+            <a:schemeClr val="accent1"/>
+          </a:effectRef>
+          <a:fontRef idx="minor">
+            <a:schemeClr val="tx1"/>
+          </a:fontRef>
+        </p:style>
+      </p:cxnSp>
+      <p:sp>
+        <p:nvSpPr>
+          <p:cNvPr id="13" name="文本框 12">
+            <a:extLst>
+              <a:ext uri="{FF2B5EF4-FFF2-40B4-BE49-F238E27FC236}">
+                <a16:creationId xmlns:a16="http://schemas.microsoft.com/office/drawing/2014/main" id="{A4FE33B1-CC97-874D-AE88-953232997BFF}"/>
+              </a:ext>
+            </a:extLst>
+          </p:cNvPr>
+          <p:cNvSpPr txBox="1"/>
+          <p:nvPr/>
+        </p:nvSpPr>
+        <p:spPr>
+          <a:xfrm>
+            <a:off x="1770520" y="2837938"/>
+            <a:ext cx="311304" cy="369332"/>
+          </a:xfrm>
+          <a:prstGeom prst="rect">
+            <a:avLst/>
+          </a:prstGeom>
+          <a:noFill/>
+        </p:spPr>
+        <p:txBody>
+          <a:bodyPr wrap="none" rtlCol="0">
+            <a:spAutoFit/>
+          </a:bodyPr>
+          <a:lstStyle/>
+          <a:p>
+            <a:r>
+              <a:rPr kumimoji="1" lang="en-US" altLang="zh-CN" dirty="0"/>
+              <a:t>P</a:t>
+            </a:r>
+            <a:endParaRPr kumimoji="1" lang="zh-CN" altLang="en-US" dirty="0"/>
+          </a:p>
+        </p:txBody>
+      </p:sp>
+      <p:sp>
+        <p:nvSpPr>
+          <p:cNvPr id="16" name="矩形 15">
+            <a:extLst>
+              <a:ext uri="{FF2B5EF4-FFF2-40B4-BE49-F238E27FC236}">
+                <a16:creationId xmlns:a16="http://schemas.microsoft.com/office/drawing/2014/main" id="{F16D5AA7-B9B3-3E49-AB3D-DEC4F2CAE966}"/>
+              </a:ext>
+            </a:extLst>
+          </p:cNvPr>
+          <p:cNvSpPr/>
+          <p:nvPr/>
+        </p:nvSpPr>
+        <p:spPr>
+          <a:xfrm>
+            <a:off x="1262097" y="2504928"/>
+            <a:ext cx="574196" cy="369332"/>
+          </a:xfrm>
+          <a:prstGeom prst="rect">
+            <a:avLst/>
+          </a:prstGeom>
+        </p:spPr>
+        <p:txBody>
+          <a:bodyPr wrap="none">
+            <a:spAutoFit/>
+          </a:bodyPr>
+          <a:lstStyle/>
+          <a:p>
+            <a:r>
+              <a:rPr lang="en-US" altLang="zh-CN" dirty="0"/>
+              <a:t>D</a:t>
+            </a:r>
+            <a:r>
+              <a:rPr lang="zh-CN" altLang="en-US" dirty="0"/>
+              <a:t>’</a:t>
+            </a:r>
+          </a:p>
+        </p:txBody>
+      </p:sp>
+      <p:sp>
+        <p:nvSpPr>
+          <p:cNvPr id="17" name="矩形 16">
+            <a:extLst>
+              <a:ext uri="{FF2B5EF4-FFF2-40B4-BE49-F238E27FC236}">
+                <a16:creationId xmlns:a16="http://schemas.microsoft.com/office/drawing/2014/main" id="{0276E5B3-9647-044B-8D85-30FD8746873C}"/>
+              </a:ext>
+            </a:extLst>
+          </p:cNvPr>
+          <p:cNvSpPr/>
+          <p:nvPr/>
+        </p:nvSpPr>
+        <p:spPr>
+          <a:xfrm>
+            <a:off x="2483708" y="2135596"/>
+            <a:ext cx="922047" cy="369332"/>
+          </a:xfrm>
+          <a:prstGeom prst="rect">
+            <a:avLst/>
+          </a:prstGeom>
+        </p:spPr>
+        <p:txBody>
+          <a:bodyPr wrap="none">
+            <a:spAutoFit/>
+          </a:bodyPr>
+          <a:lstStyle/>
+          <a:p>
+            <a:r>
+              <a:rPr kumimoji="1" lang="zh-CN" altLang="en-US" dirty="0"/>
+              <a:t>让</a:t>
+            </a:r>
+            <a:r>
+              <a:rPr kumimoji="1" lang="en-US" altLang="zh-CN" dirty="0"/>
+              <a:t>C=D'</a:t>
+            </a:r>
+            <a:endParaRPr kumimoji="1" lang="zh-CN" altLang="en-US" dirty="0"/>
+          </a:p>
+        </p:txBody>
+      </p:sp>
+      <p:sp>
+        <p:nvSpPr>
+          <p:cNvPr id="18" name="矩形 17">
+            <a:extLst>
+              <a:ext uri="{FF2B5EF4-FFF2-40B4-BE49-F238E27FC236}">
+                <a16:creationId xmlns:a16="http://schemas.microsoft.com/office/drawing/2014/main" id="{D48A57C0-BF30-E542-8737-20A570F1B464}"/>
+              </a:ext>
+            </a:extLst>
+          </p:cNvPr>
+          <p:cNvSpPr/>
+          <p:nvPr/>
+        </p:nvSpPr>
+        <p:spPr>
+          <a:xfrm>
+            <a:off x="205629" y="3614409"/>
+            <a:ext cx="2141933" cy="369332"/>
+          </a:xfrm>
+          <a:prstGeom prst="rect">
+            <a:avLst/>
+          </a:prstGeom>
+        </p:spPr>
+        <p:txBody>
+          <a:bodyPr wrap="none">
+            <a:spAutoFit/>
+          </a:bodyPr>
+          <a:lstStyle/>
+          <a:p>
+            <a:r>
+              <a:rPr lang="en" altLang="zh-CN" dirty="0"/>
+              <a:t>A -&gt; B -&gt; C -&gt; null</a:t>
+            </a:r>
+            <a:endParaRPr lang="zh-CN" altLang="en-US" dirty="0"/>
+          </a:p>
+        </p:txBody>
+      </p:sp>
+      <p:cxnSp>
+        <p:nvCxnSpPr>
+          <p:cNvPr id="19" name="直线箭头连接符 18">
+            <a:extLst>
+              <a:ext uri="{FF2B5EF4-FFF2-40B4-BE49-F238E27FC236}">
+                <a16:creationId xmlns:a16="http://schemas.microsoft.com/office/drawing/2014/main" id="{102F4C59-B716-5942-BBC9-FE8CAC20F01C}"/>
+              </a:ext>
+            </a:extLst>
+          </p:cNvPr>
+          <p:cNvCxnSpPr>
+            <a:cxnSpLocks/>
+          </p:cNvCxnSpPr>
+          <p:nvPr/>
+        </p:nvCxnSpPr>
+        <p:spPr>
+          <a:xfrm flipV="1">
+            <a:off x="377459" y="3983741"/>
+            <a:ext cx="0" cy="353568"/>
+          </a:xfrm>
+          <a:prstGeom prst="straightConnector1">
+            <a:avLst/>
+          </a:prstGeom>
+          <a:ln>
+            <a:tailEnd type="triangle"/>
+          </a:ln>
+        </p:spPr>
+        <p:style>
+          <a:lnRef idx="1">
+            <a:schemeClr val="accent1"/>
+          </a:lnRef>
+          <a:fillRef idx="0">
+            <a:schemeClr val="accent1"/>
+          </a:fillRef>
+          <a:effectRef idx="0">
+            <a:schemeClr val="accent1"/>
+          </a:effectRef>
+          <a:fontRef idx="minor">
+            <a:schemeClr val="tx1"/>
+          </a:fontRef>
+        </p:style>
+      </p:cxnSp>
+      <p:sp>
+        <p:nvSpPr>
+          <p:cNvPr id="20" name="文本框 19">
+            <a:extLst>
+              <a:ext uri="{FF2B5EF4-FFF2-40B4-BE49-F238E27FC236}">
+                <a16:creationId xmlns:a16="http://schemas.microsoft.com/office/drawing/2014/main" id="{86AB36EB-50BA-3249-887E-16A55C942F7C}"/>
+              </a:ext>
+            </a:extLst>
+          </p:cNvPr>
+          <p:cNvSpPr txBox="1"/>
+          <p:nvPr/>
+        </p:nvSpPr>
+        <p:spPr>
+          <a:xfrm>
+            <a:off x="43825" y="4337309"/>
+            <a:ext cx="678391" cy="369332"/>
+          </a:xfrm>
+          <a:prstGeom prst="rect">
+            <a:avLst/>
+          </a:prstGeom>
+          <a:noFill/>
+        </p:spPr>
+        <p:txBody>
+          <a:bodyPr wrap="none" rtlCol="0">
+            <a:spAutoFit/>
+          </a:bodyPr>
+          <a:lstStyle/>
+          <a:p>
+            <a:r>
+              <a:rPr kumimoji="1" lang="en-US" altLang="zh-CN" dirty="0"/>
+              <a:t>head</a:t>
+            </a:r>
+            <a:endParaRPr kumimoji="1" lang="zh-CN" altLang="en-US" dirty="0"/>
+          </a:p>
+        </p:txBody>
+      </p:sp>
+      <p:sp>
+        <p:nvSpPr>
+          <p:cNvPr id="23" name="矩形 22">
+            <a:extLst>
+              <a:ext uri="{FF2B5EF4-FFF2-40B4-BE49-F238E27FC236}">
+                <a16:creationId xmlns:a16="http://schemas.microsoft.com/office/drawing/2014/main" id="{F95AE11D-19B8-0844-90BD-6FB651F8FAFE}"/>
+              </a:ext>
+            </a:extLst>
+          </p:cNvPr>
+          <p:cNvSpPr/>
+          <p:nvPr/>
+        </p:nvSpPr>
+        <p:spPr>
+          <a:xfrm>
+            <a:off x="1262097" y="4020063"/>
+            <a:ext cx="574196" cy="369332"/>
+          </a:xfrm>
+          <a:prstGeom prst="rect">
+            <a:avLst/>
+          </a:prstGeom>
+        </p:spPr>
+        <p:txBody>
+          <a:bodyPr wrap="none">
+            <a:spAutoFit/>
+          </a:bodyPr>
+          <a:lstStyle/>
+          <a:p>
+            <a:r>
+              <a:rPr lang="en-US" altLang="zh-CN" dirty="0"/>
+              <a:t>D</a:t>
+            </a:r>
+            <a:r>
+              <a:rPr lang="zh-CN" altLang="en-US" dirty="0"/>
+              <a:t>’</a:t>
+            </a:r>
+          </a:p>
+        </p:txBody>
+      </p:sp>
+      <p:sp>
+        <p:nvSpPr>
+          <p:cNvPr id="24" name="矩形 23">
+            <a:extLst>
+              <a:ext uri="{FF2B5EF4-FFF2-40B4-BE49-F238E27FC236}">
+                <a16:creationId xmlns:a16="http://schemas.microsoft.com/office/drawing/2014/main" id="{07D8642F-DFBA-7248-A81B-6AC124EDD71B}"/>
+              </a:ext>
+            </a:extLst>
+          </p:cNvPr>
+          <p:cNvSpPr/>
+          <p:nvPr/>
+        </p:nvSpPr>
+        <p:spPr>
+          <a:xfrm>
+            <a:off x="2483708" y="3650731"/>
+            <a:ext cx="1475084" cy="369332"/>
+          </a:xfrm>
+          <a:prstGeom prst="rect">
+            <a:avLst/>
+          </a:prstGeom>
+        </p:spPr>
+        <p:txBody>
+          <a:bodyPr wrap="none">
+            <a:spAutoFit/>
+          </a:bodyPr>
+          <a:lstStyle/>
+          <a:p>
+            <a:r>
+              <a:rPr kumimoji="1" lang="en-US" altLang="zh-CN" dirty="0" err="1"/>
+              <a:t>C.Next</a:t>
+            </a:r>
+            <a:r>
+              <a:rPr kumimoji="1" lang="en-US" altLang="zh-CN" dirty="0"/>
+              <a:t> = null</a:t>
+            </a:r>
+            <a:endParaRPr kumimoji="1" lang="zh-CN" altLang="en-US" dirty="0"/>
+          </a:p>
+        </p:txBody>
+      </p:sp>
+    </p:spTree>
+    <p:extLst>
+      <p:ext uri="{BB962C8B-B14F-4D97-AF65-F5344CB8AC3E}">
+        <p14:creationId xmlns:p14="http://schemas.microsoft.com/office/powerpoint/2010/main" val="3840162472"/>
+      </p:ext>
+    </p:extLst>
+  </p:cSld>
+  <p:clrMapOvr>
+    <a:masterClrMapping/>
+  </p:clrMapOvr>
+</p:sld>
+</file>
+
+<file path=ppt/slides/slide4.xml><?xml version="1.0" encoding="utf-8"?>
+<p:sld xmlns:a="http://schemas.openxmlformats.org/drawingml/2006/main" xmlns:r="http://schemas.openxmlformats.org/officeDocument/2006/relationships" xmlns:p="http://schemas.openxmlformats.org/presentationml/2006/main">
+  <p:cSld>
+    <p:spTree>
+      <p:nvGrpSpPr>
+        <p:cNvPr id="1" name=""/>
+        <p:cNvGrpSpPr/>
+        <p:nvPr/>
+      </p:nvGrpSpPr>
+      <p:grpSpPr>
+        <a:xfrm>
+          <a:off x="0" y="0"/>
+          <a:ext cx="0" cy="0"/>
+          <a:chOff x="0" y="0"/>
+          <a:chExt cx="0" cy="0"/>
+        </a:xfrm>
+      </p:grpSpPr>
+      <p:sp>
+        <p:nvSpPr>
+          <p:cNvPr id="4" name="矩形 3">
+            <a:extLst>
+              <a:ext uri="{FF2B5EF4-FFF2-40B4-BE49-F238E27FC236}">
                 <a16:creationId xmlns:a16="http://schemas.microsoft.com/office/drawing/2014/main" id="{294908A2-9A89-6C4A-9F1C-8A9E4C6291BB}"/>
               </a:ext>
             </a:extLst>
@@ -7293,10 +8619,6 @@
           <a:lstStyle/>
           <a:p>
             <a:pPr algn="ctr"/>
-            <a:r>
-              <a:rPr kumimoji="1" lang="en-US" altLang="zh-CN" sz="2400" b="1" dirty="0"/>
-              <a:t>?</a:t>
-            </a:r>
             <a:endParaRPr kumimoji="1" lang="zh-CN" altLang="en-US" sz="2400" b="1" dirty="0"/>
           </a:p>
         </p:txBody>
@@ -7693,7 +9015,7 @@
         <p:spPr>
           <a:xfrm>
             <a:off x="181469" y="1478125"/>
-            <a:ext cx="603050" cy="369332"/>
+            <a:ext cx="514885" cy="369332"/>
           </a:xfrm>
           <a:prstGeom prst="rect">
             <a:avLst/>
@@ -7708,7 +9030,7 @@
           <a:p>
             <a:r>
               <a:rPr kumimoji="1" lang="en-US" altLang="zh-CN" dirty="0"/>
-              <a:t>root</a:t>
+              <a:t>pre</a:t>
             </a:r>
             <a:endParaRPr kumimoji="1" lang="zh-CN" altLang="en-US" dirty="0"/>
           </a:p>
@@ -7730,7 +9052,7 @@
         </p:nvCxnSpPr>
         <p:spPr>
           <a:xfrm flipV="1">
-            <a:off x="1026504" y="1121664"/>
+            <a:off x="915293" y="1135009"/>
             <a:ext cx="0" cy="353568"/>
           </a:xfrm>
           <a:prstGeom prst="straightConnector1">
@@ -7769,7 +9091,7 @@
         </p:nvSpPr>
         <p:spPr>
           <a:xfrm>
-            <a:off x="791069" y="1475232"/>
+            <a:off x="576097" y="1790438"/>
             <a:ext cx="678391" cy="369332"/>
           </a:xfrm>
           <a:prstGeom prst="rect">
@@ -7832,10 +9154,10 @@
           <a:p>
             <a:pPr algn="ctr"/>
             <a:r>
-              <a:rPr kumimoji="1" lang="en-US" altLang="zh-CN" sz="2400" b="1" strike="sngStrike" dirty="0"/>
+              <a:rPr kumimoji="1" lang="en-US" altLang="zh-CN" sz="2400" b="1" dirty="0"/>
               <a:t>5</a:t>
             </a:r>
-            <a:endParaRPr kumimoji="1" lang="zh-CN" altLang="en-US" sz="2400" b="1" strike="sngStrike" dirty="0"/>
+            <a:endParaRPr kumimoji="1" lang="zh-CN" altLang="en-US" sz="2400" b="1" dirty="0"/>
           </a:p>
         </p:txBody>
       </p:sp>
@@ -7880,10 +9202,10 @@
           <a:p>
             <a:pPr algn="ctr"/>
             <a:r>
-              <a:rPr kumimoji="1" lang="en-US" altLang="zh-CN" sz="2400" b="1" strike="sngStrike" dirty="0"/>
+              <a:rPr kumimoji="1" lang="en-US" altLang="zh-CN" sz="2400" b="1" dirty="0"/>
               <a:t>5</a:t>
             </a:r>
-            <a:endParaRPr kumimoji="1" lang="zh-CN" altLang="en-US" sz="2400" b="1" strike="sngStrike" dirty="0"/>
+            <a:endParaRPr kumimoji="1" lang="zh-CN" altLang="en-US" sz="2400" b="1" dirty="0"/>
           </a:p>
         </p:txBody>
       </p:sp>
@@ -7928,10 +9250,10 @@
           <a:p>
             <a:pPr algn="ctr"/>
             <a:r>
-              <a:rPr kumimoji="1" lang="en-US" altLang="zh-CN" sz="2400" b="1" strike="sngStrike" dirty="0"/>
+              <a:rPr kumimoji="1" lang="en-US" altLang="zh-CN" sz="2400" b="1" dirty="0"/>
               <a:t>5</a:t>
             </a:r>
-            <a:endParaRPr kumimoji="1" lang="zh-CN" altLang="en-US" sz="2400" b="1" strike="sngStrike" dirty="0"/>
+            <a:endParaRPr kumimoji="1" lang="zh-CN" altLang="en-US" sz="2400" b="1" dirty="0"/>
           </a:p>
         </p:txBody>
       </p:sp>
@@ -7976,10 +9298,10 @@
           <a:p>
             <a:pPr algn="ctr"/>
             <a:r>
-              <a:rPr kumimoji="1" lang="en-US" altLang="zh-CN" sz="2400" b="1" strike="sngStrike" dirty="0"/>
+              <a:rPr kumimoji="1" lang="en-US" altLang="zh-CN" sz="2400" b="1" dirty="0"/>
               <a:t>5</a:t>
             </a:r>
-            <a:endParaRPr kumimoji="1" lang="zh-CN" altLang="en-US" sz="2400" b="1" strike="sngStrike" dirty="0"/>
+            <a:endParaRPr kumimoji="1" lang="zh-CN" altLang="en-US" sz="2400" b="1" dirty="0"/>
           </a:p>
         </p:txBody>
       </p:sp>
@@ -8231,7 +9553,7 @@
         <p:spPr>
           <a:xfrm>
             <a:off x="6009247" y="1478125"/>
-            <a:ext cx="603050" cy="369332"/>
+            <a:ext cx="514885" cy="369332"/>
           </a:xfrm>
           <a:prstGeom prst="rect">
             <a:avLst/>
@@ -8246,7 +9568,7 @@
           <a:p>
             <a:r>
               <a:rPr kumimoji="1" lang="en-US" altLang="zh-CN" dirty="0"/>
-              <a:t>root</a:t>
+              <a:t>pre</a:t>
             </a:r>
             <a:endParaRPr kumimoji="1" lang="zh-CN" altLang="en-US" dirty="0"/>
           </a:p>
@@ -8268,7 +9590,7 @@
         </p:nvCxnSpPr>
         <p:spPr>
           <a:xfrm flipV="1">
-            <a:off x="9302501" y="1121664"/>
+            <a:off x="9078086" y="1147755"/>
             <a:ext cx="0" cy="353568"/>
           </a:xfrm>
           <a:prstGeom prst="straightConnector1">
@@ -8307,7 +9629,7 @@
         </p:nvSpPr>
         <p:spPr>
           <a:xfrm>
-            <a:off x="9067066" y="1475232"/>
+            <a:off x="8588941" y="1673144"/>
             <a:ext cx="678391" cy="369332"/>
           </a:xfrm>
           <a:prstGeom prst="rect">
@@ -8769,7 +10091,7 @@
         <p:spPr>
           <a:xfrm>
             <a:off x="181469" y="3273345"/>
-            <a:ext cx="603050" cy="369332"/>
+            <a:ext cx="514885" cy="369332"/>
           </a:xfrm>
           <a:prstGeom prst="rect">
             <a:avLst/>
@@ -8784,7 +10106,7 @@
           <a:p>
             <a:r>
               <a:rPr kumimoji="1" lang="en-US" altLang="zh-CN" dirty="0"/>
-              <a:t>root</a:t>
+              <a:t>pre</a:t>
             </a:r>
             <a:endParaRPr kumimoji="1" lang="zh-CN" altLang="en-US" dirty="0"/>
           </a:p>
@@ -8845,7 +10167,7 @@
         </p:nvSpPr>
         <p:spPr>
           <a:xfrm>
-            <a:off x="791069" y="3270452"/>
+            <a:off x="668786" y="3486439"/>
             <a:ext cx="678391" cy="369332"/>
           </a:xfrm>
           <a:prstGeom prst="rect">
@@ -9307,7 +10629,7 @@
         <p:spPr>
           <a:xfrm>
             <a:off x="6608515" y="3301773"/>
-            <a:ext cx="603050" cy="369332"/>
+            <a:ext cx="514885" cy="369332"/>
           </a:xfrm>
           <a:prstGeom prst="rect">
             <a:avLst/>
@@ -9321,8 +10643,8 @@
           <a:lstStyle/>
           <a:p>
             <a:r>
-              <a:rPr kumimoji="1" lang="en-US" altLang="zh-CN"/>
-              <a:t>root</a:t>
+              <a:rPr kumimoji="1" lang="en-US" altLang="zh-CN" dirty="0"/>
+              <a:t>pre</a:t>
             </a:r>
             <a:endParaRPr kumimoji="1" lang="zh-CN" altLang="en-US" dirty="0"/>
           </a:p>
@@ -9344,7 +10666,7 @@
         </p:nvCxnSpPr>
         <p:spPr>
           <a:xfrm flipV="1">
-            <a:off x="7420937" y="2916884"/>
+            <a:off x="6606378" y="2966021"/>
             <a:ext cx="0" cy="353568"/>
           </a:xfrm>
           <a:prstGeom prst="straightConnector1">
@@ -9383,7 +10705,7 @@
         </p:nvSpPr>
         <p:spPr>
           <a:xfrm>
-            <a:off x="7185502" y="3270452"/>
+            <a:off x="6137949" y="3475987"/>
             <a:ext cx="678391" cy="369332"/>
           </a:xfrm>
           <a:prstGeom prst="rect">
@@ -9400,6 +10722,1598 @@
             <a:r>
               <a:rPr kumimoji="1" lang="en-US" altLang="zh-CN" dirty="0"/>
               <a:t>head</a:t>
+            </a:r>
+            <a:endParaRPr kumimoji="1" lang="zh-CN" altLang="en-US" dirty="0"/>
+          </a:p>
+        </p:txBody>
+      </p:sp>
+      <p:cxnSp>
+        <p:nvCxnSpPr>
+          <p:cNvPr id="62" name="直线箭头连接符 61">
+            <a:extLst>
+              <a:ext uri="{FF2B5EF4-FFF2-40B4-BE49-F238E27FC236}">
+                <a16:creationId xmlns:a16="http://schemas.microsoft.com/office/drawing/2014/main" id="{86FE10D1-7634-1045-8F56-83082CA85B32}"/>
+              </a:ext>
+            </a:extLst>
+          </p:cNvPr>
+          <p:cNvCxnSpPr>
+            <a:cxnSpLocks/>
+          </p:cNvCxnSpPr>
+          <p:nvPr/>
+        </p:nvCxnSpPr>
+        <p:spPr>
+          <a:xfrm flipV="1">
+            <a:off x="1130264" y="1121664"/>
+            <a:ext cx="0" cy="353568"/>
+          </a:xfrm>
+          <a:prstGeom prst="straightConnector1">
+            <a:avLst/>
+          </a:prstGeom>
+          <a:ln>
+            <a:tailEnd type="triangle"/>
+          </a:ln>
+        </p:spPr>
+        <p:style>
+          <a:lnRef idx="1">
+            <a:schemeClr val="accent1"/>
+          </a:lnRef>
+          <a:fillRef idx="0">
+            <a:schemeClr val="accent1"/>
+          </a:fillRef>
+          <a:effectRef idx="0">
+            <a:schemeClr val="accent1"/>
+          </a:effectRef>
+          <a:fontRef idx="minor">
+            <a:schemeClr val="tx1"/>
+          </a:fontRef>
+        </p:style>
+      </p:cxnSp>
+      <p:sp>
+        <p:nvSpPr>
+          <p:cNvPr id="63" name="文本框 62">
+            <a:extLst>
+              <a:ext uri="{FF2B5EF4-FFF2-40B4-BE49-F238E27FC236}">
+                <a16:creationId xmlns:a16="http://schemas.microsoft.com/office/drawing/2014/main" id="{11931C4C-A310-494D-89E4-F2B9798FA0A2}"/>
+              </a:ext>
+            </a:extLst>
+          </p:cNvPr>
+          <p:cNvSpPr txBox="1"/>
+          <p:nvPr/>
+        </p:nvSpPr>
+        <p:spPr>
+          <a:xfrm>
+            <a:off x="883241" y="1482142"/>
+            <a:ext cx="494046" cy="369332"/>
+          </a:xfrm>
+          <a:prstGeom prst="rect">
+            <a:avLst/>
+          </a:prstGeom>
+          <a:noFill/>
+        </p:spPr>
+        <p:txBody>
+          <a:bodyPr wrap="none" rtlCol="0">
+            <a:spAutoFit/>
+          </a:bodyPr>
+          <a:lstStyle/>
+          <a:p>
+            <a:r>
+              <a:rPr kumimoji="1" lang="en-US" altLang="zh-CN" dirty="0"/>
+              <a:t>cur</a:t>
+            </a:r>
+            <a:endParaRPr kumimoji="1" lang="zh-CN" altLang="en-US" dirty="0"/>
+          </a:p>
+        </p:txBody>
+      </p:sp>
+      <p:cxnSp>
+        <p:nvCxnSpPr>
+          <p:cNvPr id="64" name="直线箭头连接符 63">
+            <a:extLst>
+              <a:ext uri="{FF2B5EF4-FFF2-40B4-BE49-F238E27FC236}">
+                <a16:creationId xmlns:a16="http://schemas.microsoft.com/office/drawing/2014/main" id="{92EDCBCA-5670-6741-9FE9-8EC56DEED26D}"/>
+              </a:ext>
+            </a:extLst>
+          </p:cNvPr>
+          <p:cNvCxnSpPr>
+            <a:cxnSpLocks/>
+          </p:cNvCxnSpPr>
+          <p:nvPr/>
+        </p:nvCxnSpPr>
+        <p:spPr>
+          <a:xfrm flipV="1">
+            <a:off x="9325109" y="1128099"/>
+            <a:ext cx="0" cy="353568"/>
+          </a:xfrm>
+          <a:prstGeom prst="straightConnector1">
+            <a:avLst/>
+          </a:prstGeom>
+          <a:ln>
+            <a:tailEnd type="triangle"/>
+          </a:ln>
+        </p:spPr>
+        <p:style>
+          <a:lnRef idx="1">
+            <a:schemeClr val="accent1"/>
+          </a:lnRef>
+          <a:fillRef idx="0">
+            <a:schemeClr val="accent1"/>
+          </a:fillRef>
+          <a:effectRef idx="0">
+            <a:schemeClr val="accent1"/>
+          </a:effectRef>
+          <a:fontRef idx="minor">
+            <a:schemeClr val="tx1"/>
+          </a:fontRef>
+        </p:style>
+      </p:cxnSp>
+      <p:sp>
+        <p:nvSpPr>
+          <p:cNvPr id="65" name="文本框 64">
+            <a:extLst>
+              <a:ext uri="{FF2B5EF4-FFF2-40B4-BE49-F238E27FC236}">
+                <a16:creationId xmlns:a16="http://schemas.microsoft.com/office/drawing/2014/main" id="{6387A99D-8710-EE41-BD64-41D104DA1C39}"/>
+              </a:ext>
+            </a:extLst>
+          </p:cNvPr>
+          <p:cNvSpPr txBox="1"/>
+          <p:nvPr/>
+        </p:nvSpPr>
+        <p:spPr>
+          <a:xfrm>
+            <a:off x="9078086" y="1488577"/>
+            <a:ext cx="494046" cy="369332"/>
+          </a:xfrm>
+          <a:prstGeom prst="rect">
+            <a:avLst/>
+          </a:prstGeom>
+          <a:noFill/>
+        </p:spPr>
+        <p:txBody>
+          <a:bodyPr wrap="none" rtlCol="0">
+            <a:spAutoFit/>
+          </a:bodyPr>
+          <a:lstStyle/>
+          <a:p>
+            <a:r>
+              <a:rPr kumimoji="1" lang="en-US" altLang="zh-CN" dirty="0"/>
+              <a:t>cur</a:t>
+            </a:r>
+            <a:endParaRPr kumimoji="1" lang="zh-CN" altLang="en-US" dirty="0"/>
+          </a:p>
+        </p:txBody>
+      </p:sp>
+      <p:cxnSp>
+        <p:nvCxnSpPr>
+          <p:cNvPr id="66" name="直线箭头连接符 65">
+            <a:extLst>
+              <a:ext uri="{FF2B5EF4-FFF2-40B4-BE49-F238E27FC236}">
+                <a16:creationId xmlns:a16="http://schemas.microsoft.com/office/drawing/2014/main" id="{877B5F65-EFFD-504E-B61F-BC39B7620338}"/>
+              </a:ext>
+            </a:extLst>
+          </p:cNvPr>
+          <p:cNvCxnSpPr>
+            <a:cxnSpLocks/>
+          </p:cNvCxnSpPr>
+          <p:nvPr/>
+        </p:nvCxnSpPr>
+        <p:spPr>
+          <a:xfrm flipV="1">
+            <a:off x="1255005" y="2909974"/>
+            <a:ext cx="0" cy="353568"/>
+          </a:xfrm>
+          <a:prstGeom prst="straightConnector1">
+            <a:avLst/>
+          </a:prstGeom>
+          <a:ln>
+            <a:tailEnd type="triangle"/>
+          </a:ln>
+        </p:spPr>
+        <p:style>
+          <a:lnRef idx="1">
+            <a:schemeClr val="accent1"/>
+          </a:lnRef>
+          <a:fillRef idx="0">
+            <a:schemeClr val="accent1"/>
+          </a:fillRef>
+          <a:effectRef idx="0">
+            <a:schemeClr val="accent1"/>
+          </a:effectRef>
+          <a:fontRef idx="minor">
+            <a:schemeClr val="tx1"/>
+          </a:fontRef>
+        </p:style>
+      </p:cxnSp>
+      <p:sp>
+        <p:nvSpPr>
+          <p:cNvPr id="67" name="文本框 66">
+            <a:extLst>
+              <a:ext uri="{FF2B5EF4-FFF2-40B4-BE49-F238E27FC236}">
+                <a16:creationId xmlns:a16="http://schemas.microsoft.com/office/drawing/2014/main" id="{153D67E5-7B09-4249-A0F0-A03DBCAF6F57}"/>
+              </a:ext>
+            </a:extLst>
+          </p:cNvPr>
+          <p:cNvSpPr txBox="1"/>
+          <p:nvPr/>
+        </p:nvSpPr>
+        <p:spPr>
+          <a:xfrm>
+            <a:off x="1007982" y="3270452"/>
+            <a:ext cx="494046" cy="369332"/>
+          </a:xfrm>
+          <a:prstGeom prst="rect">
+            <a:avLst/>
+          </a:prstGeom>
+          <a:noFill/>
+        </p:spPr>
+        <p:txBody>
+          <a:bodyPr wrap="none" rtlCol="0">
+            <a:spAutoFit/>
+          </a:bodyPr>
+          <a:lstStyle/>
+          <a:p>
+            <a:r>
+              <a:rPr kumimoji="1" lang="en-US" altLang="zh-CN" dirty="0"/>
+              <a:t>cur</a:t>
+            </a:r>
+            <a:endParaRPr kumimoji="1" lang="zh-CN" altLang="en-US" dirty="0"/>
+          </a:p>
+        </p:txBody>
+      </p:sp>
+      <p:cxnSp>
+        <p:nvCxnSpPr>
+          <p:cNvPr id="68" name="直线箭头连接符 67">
+            <a:extLst>
+              <a:ext uri="{FF2B5EF4-FFF2-40B4-BE49-F238E27FC236}">
+                <a16:creationId xmlns:a16="http://schemas.microsoft.com/office/drawing/2014/main" id="{1E4FC5B9-8486-274E-9DD5-946A550F4063}"/>
+              </a:ext>
+            </a:extLst>
+          </p:cNvPr>
+          <p:cNvCxnSpPr>
+            <a:cxnSpLocks/>
+          </p:cNvCxnSpPr>
+          <p:nvPr/>
+        </p:nvCxnSpPr>
+        <p:spPr>
+          <a:xfrm flipV="1">
+            <a:off x="7380755" y="2924662"/>
+            <a:ext cx="0" cy="353568"/>
+          </a:xfrm>
+          <a:prstGeom prst="straightConnector1">
+            <a:avLst/>
+          </a:prstGeom>
+          <a:ln>
+            <a:tailEnd type="triangle"/>
+          </a:ln>
+        </p:spPr>
+        <p:style>
+          <a:lnRef idx="1">
+            <a:schemeClr val="accent1"/>
+          </a:lnRef>
+          <a:fillRef idx="0">
+            <a:schemeClr val="accent1"/>
+          </a:fillRef>
+          <a:effectRef idx="0">
+            <a:schemeClr val="accent1"/>
+          </a:effectRef>
+          <a:fontRef idx="minor">
+            <a:schemeClr val="tx1"/>
+          </a:fontRef>
+        </p:style>
+      </p:cxnSp>
+      <p:sp>
+        <p:nvSpPr>
+          <p:cNvPr id="69" name="文本框 68">
+            <a:extLst>
+              <a:ext uri="{FF2B5EF4-FFF2-40B4-BE49-F238E27FC236}">
+                <a16:creationId xmlns:a16="http://schemas.microsoft.com/office/drawing/2014/main" id="{843A2B37-EAFB-5341-99D2-9A422A6B6A1F}"/>
+              </a:ext>
+            </a:extLst>
+          </p:cNvPr>
+          <p:cNvSpPr txBox="1"/>
+          <p:nvPr/>
+        </p:nvSpPr>
+        <p:spPr>
+          <a:xfrm>
+            <a:off x="7133732" y="3285140"/>
+            <a:ext cx="494046" cy="369332"/>
+          </a:xfrm>
+          <a:prstGeom prst="rect">
+            <a:avLst/>
+          </a:prstGeom>
+          <a:noFill/>
+        </p:spPr>
+        <p:txBody>
+          <a:bodyPr wrap="none" rtlCol="0">
+            <a:spAutoFit/>
+          </a:bodyPr>
+          <a:lstStyle/>
+          <a:p>
+            <a:r>
+              <a:rPr kumimoji="1" lang="en-US" altLang="zh-CN" dirty="0"/>
+              <a:t>cur</a:t>
+            </a:r>
+            <a:endParaRPr kumimoji="1" lang="zh-CN" altLang="en-US" dirty="0"/>
+          </a:p>
+        </p:txBody>
+      </p:sp>
+      <p:cxnSp>
+        <p:nvCxnSpPr>
+          <p:cNvPr id="3" name="直线连接符 2">
+            <a:extLst>
+              <a:ext uri="{FF2B5EF4-FFF2-40B4-BE49-F238E27FC236}">
+                <a16:creationId xmlns:a16="http://schemas.microsoft.com/office/drawing/2014/main" id="{DD0C55DD-36A9-8849-A0FF-875E6F392437}"/>
+              </a:ext>
+            </a:extLst>
+          </p:cNvPr>
+          <p:cNvCxnSpPr/>
+          <p:nvPr/>
+        </p:nvCxnSpPr>
+        <p:spPr>
+          <a:xfrm>
+            <a:off x="134112" y="2159770"/>
+            <a:ext cx="12057888" cy="0"/>
+          </a:xfrm>
+          <a:prstGeom prst="line">
+            <a:avLst/>
+          </a:prstGeom>
+        </p:spPr>
+        <p:style>
+          <a:lnRef idx="1">
+            <a:schemeClr val="accent1"/>
+          </a:lnRef>
+          <a:fillRef idx="0">
+            <a:schemeClr val="accent1"/>
+          </a:fillRef>
+          <a:effectRef idx="0">
+            <a:schemeClr val="accent1"/>
+          </a:effectRef>
+          <a:fontRef idx="minor">
+            <a:schemeClr val="tx1"/>
+          </a:fontRef>
+        </p:style>
+      </p:cxnSp>
+      <p:sp>
+        <p:nvSpPr>
+          <p:cNvPr id="70" name="圆角矩形 69">
+            <a:extLst>
+              <a:ext uri="{FF2B5EF4-FFF2-40B4-BE49-F238E27FC236}">
+                <a16:creationId xmlns:a16="http://schemas.microsoft.com/office/drawing/2014/main" id="{7C55778B-743B-5247-A703-A6FCC28F5122}"/>
+              </a:ext>
+            </a:extLst>
+          </p:cNvPr>
+          <p:cNvSpPr/>
+          <p:nvPr/>
+        </p:nvSpPr>
+        <p:spPr>
+          <a:xfrm>
+            <a:off x="86754" y="4068865"/>
+            <a:ext cx="609600" cy="499872"/>
+          </a:xfrm>
+          <a:prstGeom prst="roundRect">
+            <a:avLst/>
+          </a:prstGeom>
+        </p:spPr>
+        <p:style>
+          <a:lnRef idx="2">
+            <a:schemeClr val="accent6"/>
+          </a:lnRef>
+          <a:fillRef idx="1">
+            <a:schemeClr val="lt1"/>
+          </a:fillRef>
+          <a:effectRef idx="0">
+            <a:schemeClr val="accent6"/>
+          </a:effectRef>
+          <a:fontRef idx="minor">
+            <a:schemeClr val="dk1"/>
+          </a:fontRef>
+        </p:style>
+        <p:txBody>
+          <a:bodyPr rtlCol="0" anchor="ctr"/>
+          <a:lstStyle/>
+          <a:p>
+            <a:pPr algn="ctr"/>
+            <a:r>
+              <a:rPr kumimoji="1" lang="en-US" altLang="zh-CN" sz="2400" b="1" dirty="0"/>
+              <a:t>?</a:t>
+            </a:r>
+            <a:endParaRPr kumimoji="1" lang="zh-CN" altLang="en-US" sz="2400" b="1" dirty="0"/>
+          </a:p>
+        </p:txBody>
+      </p:sp>
+      <p:sp>
+        <p:nvSpPr>
+          <p:cNvPr id="71" name="圆角矩形 70">
+            <a:extLst>
+              <a:ext uri="{FF2B5EF4-FFF2-40B4-BE49-F238E27FC236}">
+                <a16:creationId xmlns:a16="http://schemas.microsoft.com/office/drawing/2014/main" id="{BA539E9E-CE49-F44B-82D6-32A5E7D7B69C}"/>
+              </a:ext>
+            </a:extLst>
+          </p:cNvPr>
+          <p:cNvSpPr/>
+          <p:nvPr/>
+        </p:nvSpPr>
+        <p:spPr>
+          <a:xfrm>
+            <a:off x="696354" y="4068865"/>
+            <a:ext cx="609600" cy="499872"/>
+          </a:xfrm>
+          <a:prstGeom prst="roundRect">
+            <a:avLst/>
+          </a:prstGeom>
+        </p:spPr>
+        <p:style>
+          <a:lnRef idx="2">
+            <a:schemeClr val="accent6"/>
+          </a:lnRef>
+          <a:fillRef idx="1">
+            <a:schemeClr val="lt1"/>
+          </a:fillRef>
+          <a:effectRef idx="0">
+            <a:schemeClr val="accent6"/>
+          </a:effectRef>
+          <a:fontRef idx="minor">
+            <a:schemeClr val="dk1"/>
+          </a:fontRef>
+        </p:style>
+        <p:txBody>
+          <a:bodyPr rtlCol="0" anchor="ctr"/>
+          <a:lstStyle/>
+          <a:p>
+            <a:pPr algn="ctr"/>
+            <a:r>
+              <a:rPr kumimoji="1" lang="en-US" altLang="zh-CN" sz="2400" b="1" dirty="0"/>
+              <a:t>1</a:t>
+            </a:r>
+            <a:endParaRPr kumimoji="1" lang="zh-CN" altLang="en-US" sz="2400" b="1" dirty="0"/>
+          </a:p>
+        </p:txBody>
+      </p:sp>
+      <p:sp>
+        <p:nvSpPr>
+          <p:cNvPr id="72" name="圆角矩形 71">
+            <a:extLst>
+              <a:ext uri="{FF2B5EF4-FFF2-40B4-BE49-F238E27FC236}">
+                <a16:creationId xmlns:a16="http://schemas.microsoft.com/office/drawing/2014/main" id="{7734001E-8BDB-914C-BC81-A5CB200F3499}"/>
+              </a:ext>
+            </a:extLst>
+          </p:cNvPr>
+          <p:cNvSpPr/>
+          <p:nvPr/>
+        </p:nvSpPr>
+        <p:spPr>
+          <a:xfrm>
+            <a:off x="1305954" y="4068865"/>
+            <a:ext cx="609600" cy="499872"/>
+          </a:xfrm>
+          <a:prstGeom prst="roundRect">
+            <a:avLst/>
+          </a:prstGeom>
+        </p:spPr>
+        <p:style>
+          <a:lnRef idx="2">
+            <a:schemeClr val="accent6"/>
+          </a:lnRef>
+          <a:fillRef idx="1">
+            <a:schemeClr val="lt1"/>
+          </a:fillRef>
+          <a:effectRef idx="0">
+            <a:schemeClr val="accent6"/>
+          </a:effectRef>
+          <a:fontRef idx="minor">
+            <a:schemeClr val="dk1"/>
+          </a:fontRef>
+        </p:style>
+        <p:txBody>
+          <a:bodyPr rtlCol="0" anchor="ctr"/>
+          <a:lstStyle/>
+          <a:p>
+            <a:pPr algn="ctr"/>
+            <a:r>
+              <a:rPr kumimoji="1" lang="en-US" altLang="zh-CN" sz="2400" b="1" dirty="0"/>
+              <a:t>5</a:t>
+            </a:r>
+            <a:endParaRPr kumimoji="1" lang="zh-CN" altLang="en-US" sz="2400" b="1" dirty="0"/>
+          </a:p>
+        </p:txBody>
+      </p:sp>
+      <p:sp>
+        <p:nvSpPr>
+          <p:cNvPr id="73" name="圆角矩形 72">
+            <a:extLst>
+              <a:ext uri="{FF2B5EF4-FFF2-40B4-BE49-F238E27FC236}">
+                <a16:creationId xmlns:a16="http://schemas.microsoft.com/office/drawing/2014/main" id="{133B109B-FD92-8C41-B3BC-1D67D145D1B2}"/>
+              </a:ext>
+            </a:extLst>
+          </p:cNvPr>
+          <p:cNvSpPr/>
+          <p:nvPr/>
+        </p:nvSpPr>
+        <p:spPr>
+          <a:xfrm>
+            <a:off x="1915554" y="4068865"/>
+            <a:ext cx="609600" cy="499872"/>
+          </a:xfrm>
+          <a:prstGeom prst="roundRect">
+            <a:avLst/>
+          </a:prstGeom>
+        </p:spPr>
+        <p:style>
+          <a:lnRef idx="2">
+            <a:schemeClr val="accent6"/>
+          </a:lnRef>
+          <a:fillRef idx="1">
+            <a:schemeClr val="lt1"/>
+          </a:fillRef>
+          <a:effectRef idx="0">
+            <a:schemeClr val="accent6"/>
+          </a:effectRef>
+          <a:fontRef idx="minor">
+            <a:schemeClr val="dk1"/>
+          </a:fontRef>
+        </p:style>
+        <p:txBody>
+          <a:bodyPr rtlCol="0" anchor="ctr"/>
+          <a:lstStyle/>
+          <a:p>
+            <a:pPr algn="ctr"/>
+            <a:r>
+              <a:rPr kumimoji="1" lang="en-US" altLang="zh-CN" sz="2400" b="1" dirty="0"/>
+              <a:t>5</a:t>
+            </a:r>
+            <a:endParaRPr kumimoji="1" lang="zh-CN" altLang="en-US" sz="2400" b="1" dirty="0"/>
+          </a:p>
+        </p:txBody>
+      </p:sp>
+      <p:sp>
+        <p:nvSpPr>
+          <p:cNvPr id="74" name="圆角矩形 73">
+            <a:extLst>
+              <a:ext uri="{FF2B5EF4-FFF2-40B4-BE49-F238E27FC236}">
+                <a16:creationId xmlns:a16="http://schemas.microsoft.com/office/drawing/2014/main" id="{D6575BF6-E064-EE44-B743-E1E20DD9F8F1}"/>
+              </a:ext>
+            </a:extLst>
+          </p:cNvPr>
+          <p:cNvSpPr/>
+          <p:nvPr/>
+        </p:nvSpPr>
+        <p:spPr>
+          <a:xfrm>
+            <a:off x="2525154" y="4068865"/>
+            <a:ext cx="609600" cy="499872"/>
+          </a:xfrm>
+          <a:prstGeom prst="roundRect">
+            <a:avLst/>
+          </a:prstGeom>
+        </p:spPr>
+        <p:style>
+          <a:lnRef idx="2">
+            <a:schemeClr val="accent6"/>
+          </a:lnRef>
+          <a:fillRef idx="1">
+            <a:schemeClr val="lt1"/>
+          </a:fillRef>
+          <a:effectRef idx="0">
+            <a:schemeClr val="accent6"/>
+          </a:effectRef>
+          <a:fontRef idx="minor">
+            <a:schemeClr val="dk1"/>
+          </a:fontRef>
+        </p:style>
+        <p:txBody>
+          <a:bodyPr rtlCol="0" anchor="ctr"/>
+          <a:lstStyle/>
+          <a:p>
+            <a:pPr algn="ctr"/>
+            <a:r>
+              <a:rPr kumimoji="1" lang="en-US" altLang="zh-CN" sz="2400" b="1" dirty="0"/>
+              <a:t>5</a:t>
+            </a:r>
+            <a:endParaRPr kumimoji="1" lang="zh-CN" altLang="en-US" sz="2400" b="1" dirty="0"/>
+          </a:p>
+        </p:txBody>
+      </p:sp>
+      <p:sp>
+        <p:nvSpPr>
+          <p:cNvPr id="75" name="圆角矩形 74">
+            <a:extLst>
+              <a:ext uri="{FF2B5EF4-FFF2-40B4-BE49-F238E27FC236}">
+                <a16:creationId xmlns:a16="http://schemas.microsoft.com/office/drawing/2014/main" id="{1CF0BA43-3A7B-A045-AD4C-0276D6E0142A}"/>
+              </a:ext>
+            </a:extLst>
+          </p:cNvPr>
+          <p:cNvSpPr/>
+          <p:nvPr/>
+        </p:nvSpPr>
+        <p:spPr>
+          <a:xfrm>
+            <a:off x="3134754" y="4068865"/>
+            <a:ext cx="609600" cy="499872"/>
+          </a:xfrm>
+          <a:prstGeom prst="roundRect">
+            <a:avLst/>
+          </a:prstGeom>
+        </p:spPr>
+        <p:style>
+          <a:lnRef idx="2">
+            <a:schemeClr val="accent6"/>
+          </a:lnRef>
+          <a:fillRef idx="1">
+            <a:schemeClr val="lt1"/>
+          </a:fillRef>
+          <a:effectRef idx="0">
+            <a:schemeClr val="accent6"/>
+          </a:effectRef>
+          <a:fontRef idx="minor">
+            <a:schemeClr val="dk1"/>
+          </a:fontRef>
+        </p:style>
+        <p:txBody>
+          <a:bodyPr rtlCol="0" anchor="ctr"/>
+          <a:lstStyle/>
+          <a:p>
+            <a:pPr algn="ctr"/>
+            <a:r>
+              <a:rPr kumimoji="1" lang="en-US" altLang="zh-CN" sz="2400" b="1" dirty="0"/>
+              <a:t>6</a:t>
+            </a:r>
+            <a:endParaRPr kumimoji="1" lang="zh-CN" altLang="en-US" sz="2400" b="1" dirty="0"/>
+          </a:p>
+        </p:txBody>
+      </p:sp>
+      <p:sp>
+        <p:nvSpPr>
+          <p:cNvPr id="76" name="圆角矩形 75">
+            <a:extLst>
+              <a:ext uri="{FF2B5EF4-FFF2-40B4-BE49-F238E27FC236}">
+                <a16:creationId xmlns:a16="http://schemas.microsoft.com/office/drawing/2014/main" id="{B80D725E-B14F-9C48-98F4-CCEA8CB9F3DA}"/>
+              </a:ext>
+            </a:extLst>
+          </p:cNvPr>
+          <p:cNvSpPr/>
+          <p:nvPr/>
+        </p:nvSpPr>
+        <p:spPr>
+          <a:xfrm>
+            <a:off x="3744354" y="4068865"/>
+            <a:ext cx="609600" cy="499872"/>
+          </a:xfrm>
+          <a:prstGeom prst="roundRect">
+            <a:avLst/>
+          </a:prstGeom>
+        </p:spPr>
+        <p:style>
+          <a:lnRef idx="2">
+            <a:schemeClr val="accent6"/>
+          </a:lnRef>
+          <a:fillRef idx="1">
+            <a:schemeClr val="lt1"/>
+          </a:fillRef>
+          <a:effectRef idx="0">
+            <a:schemeClr val="accent6"/>
+          </a:effectRef>
+          <a:fontRef idx="minor">
+            <a:schemeClr val="dk1"/>
+          </a:fontRef>
+        </p:style>
+        <p:txBody>
+          <a:bodyPr rtlCol="0" anchor="ctr"/>
+          <a:lstStyle/>
+          <a:p>
+            <a:pPr algn="ctr"/>
+            <a:r>
+              <a:rPr kumimoji="1" lang="en-US" altLang="zh-CN" sz="2400" b="1" dirty="0"/>
+              <a:t>7</a:t>
+            </a:r>
+            <a:endParaRPr kumimoji="1" lang="zh-CN" altLang="en-US" sz="2400" b="1" dirty="0"/>
+          </a:p>
+        </p:txBody>
+      </p:sp>
+      <p:sp>
+        <p:nvSpPr>
+          <p:cNvPr id="77" name="圆角矩形 76">
+            <a:extLst>
+              <a:ext uri="{FF2B5EF4-FFF2-40B4-BE49-F238E27FC236}">
+                <a16:creationId xmlns:a16="http://schemas.microsoft.com/office/drawing/2014/main" id="{A1A8CB2C-C9EA-B242-8F30-EB436D18D90D}"/>
+              </a:ext>
+            </a:extLst>
+          </p:cNvPr>
+          <p:cNvSpPr/>
+          <p:nvPr/>
+        </p:nvSpPr>
+        <p:spPr>
+          <a:xfrm>
+            <a:off x="4353954" y="4068865"/>
+            <a:ext cx="609600" cy="499872"/>
+          </a:xfrm>
+          <a:prstGeom prst="roundRect">
+            <a:avLst/>
+          </a:prstGeom>
+        </p:spPr>
+        <p:style>
+          <a:lnRef idx="2">
+            <a:schemeClr val="accent6"/>
+          </a:lnRef>
+          <a:fillRef idx="1">
+            <a:schemeClr val="lt1"/>
+          </a:fillRef>
+          <a:effectRef idx="0">
+            <a:schemeClr val="accent6"/>
+          </a:effectRef>
+          <a:fontRef idx="minor">
+            <a:schemeClr val="dk1"/>
+          </a:fontRef>
+        </p:style>
+        <p:txBody>
+          <a:bodyPr rtlCol="0" anchor="ctr"/>
+          <a:lstStyle/>
+          <a:p>
+            <a:pPr algn="ctr"/>
+            <a:r>
+              <a:rPr kumimoji="1" lang="en-US" altLang="zh-CN" sz="2400" b="1" dirty="0"/>
+              <a:t>8</a:t>
+            </a:r>
+            <a:endParaRPr kumimoji="1" lang="zh-CN" altLang="en-US" sz="2400" b="1" dirty="0"/>
+          </a:p>
+        </p:txBody>
+      </p:sp>
+      <p:cxnSp>
+        <p:nvCxnSpPr>
+          <p:cNvPr id="78" name="直线箭头连接符 77">
+            <a:extLst>
+              <a:ext uri="{FF2B5EF4-FFF2-40B4-BE49-F238E27FC236}">
+                <a16:creationId xmlns:a16="http://schemas.microsoft.com/office/drawing/2014/main" id="{13BAB4C9-7A41-8640-9ABA-6E033F76CBB9}"/>
+              </a:ext>
+            </a:extLst>
+          </p:cNvPr>
+          <p:cNvCxnSpPr>
+            <a:cxnSpLocks/>
+          </p:cNvCxnSpPr>
+          <p:nvPr/>
+        </p:nvCxnSpPr>
+        <p:spPr>
+          <a:xfrm flipV="1">
+            <a:off x="1013796" y="4597165"/>
+            <a:ext cx="0" cy="353568"/>
+          </a:xfrm>
+          <a:prstGeom prst="straightConnector1">
+            <a:avLst/>
+          </a:prstGeom>
+          <a:ln>
+            <a:tailEnd type="triangle"/>
+          </a:ln>
+        </p:spPr>
+        <p:style>
+          <a:lnRef idx="1">
+            <a:schemeClr val="accent1"/>
+          </a:lnRef>
+          <a:fillRef idx="0">
+            <a:schemeClr val="accent1"/>
+          </a:fillRef>
+          <a:effectRef idx="0">
+            <a:schemeClr val="accent1"/>
+          </a:effectRef>
+          <a:fontRef idx="minor">
+            <a:schemeClr val="tx1"/>
+          </a:fontRef>
+        </p:style>
+      </p:cxnSp>
+      <p:sp>
+        <p:nvSpPr>
+          <p:cNvPr id="79" name="文本框 78">
+            <a:extLst>
+              <a:ext uri="{FF2B5EF4-FFF2-40B4-BE49-F238E27FC236}">
+                <a16:creationId xmlns:a16="http://schemas.microsoft.com/office/drawing/2014/main" id="{0C08C153-30FB-A648-9463-8F64872AB1A9}"/>
+              </a:ext>
+            </a:extLst>
+          </p:cNvPr>
+          <p:cNvSpPr txBox="1"/>
+          <p:nvPr/>
+        </p:nvSpPr>
+        <p:spPr>
+          <a:xfrm>
+            <a:off x="780737" y="4953626"/>
+            <a:ext cx="514885" cy="369332"/>
+          </a:xfrm>
+          <a:prstGeom prst="rect">
+            <a:avLst/>
+          </a:prstGeom>
+          <a:noFill/>
+        </p:spPr>
+        <p:txBody>
+          <a:bodyPr wrap="none" rtlCol="0">
+            <a:spAutoFit/>
+          </a:bodyPr>
+          <a:lstStyle/>
+          <a:p>
+            <a:r>
+              <a:rPr kumimoji="1" lang="en-US" altLang="zh-CN" dirty="0"/>
+              <a:t>pre</a:t>
+            </a:r>
+            <a:endParaRPr kumimoji="1" lang="zh-CN" altLang="en-US" dirty="0"/>
+          </a:p>
+        </p:txBody>
+      </p:sp>
+      <p:cxnSp>
+        <p:nvCxnSpPr>
+          <p:cNvPr id="80" name="直线箭头连接符 79">
+            <a:extLst>
+              <a:ext uri="{FF2B5EF4-FFF2-40B4-BE49-F238E27FC236}">
+                <a16:creationId xmlns:a16="http://schemas.microsoft.com/office/drawing/2014/main" id="{27B26D99-F588-9049-97DC-953EA49957F5}"/>
+              </a:ext>
+            </a:extLst>
+          </p:cNvPr>
+          <p:cNvCxnSpPr>
+            <a:cxnSpLocks/>
+          </p:cNvCxnSpPr>
+          <p:nvPr/>
+        </p:nvCxnSpPr>
+        <p:spPr>
+          <a:xfrm flipV="1">
+            <a:off x="778600" y="4617874"/>
+            <a:ext cx="0" cy="353568"/>
+          </a:xfrm>
+          <a:prstGeom prst="straightConnector1">
+            <a:avLst/>
+          </a:prstGeom>
+          <a:ln>
+            <a:tailEnd type="triangle"/>
+          </a:ln>
+        </p:spPr>
+        <p:style>
+          <a:lnRef idx="1">
+            <a:schemeClr val="accent1"/>
+          </a:lnRef>
+          <a:fillRef idx="0">
+            <a:schemeClr val="accent1"/>
+          </a:fillRef>
+          <a:effectRef idx="0">
+            <a:schemeClr val="accent1"/>
+          </a:effectRef>
+          <a:fontRef idx="minor">
+            <a:schemeClr val="tx1"/>
+          </a:fontRef>
+        </p:style>
+      </p:cxnSp>
+      <p:sp>
+        <p:nvSpPr>
+          <p:cNvPr id="81" name="文本框 80">
+            <a:extLst>
+              <a:ext uri="{FF2B5EF4-FFF2-40B4-BE49-F238E27FC236}">
+                <a16:creationId xmlns:a16="http://schemas.microsoft.com/office/drawing/2014/main" id="{6F05DA13-24C0-6D45-B455-F423D8E0210B}"/>
+              </a:ext>
+            </a:extLst>
+          </p:cNvPr>
+          <p:cNvSpPr txBox="1"/>
+          <p:nvPr/>
+        </p:nvSpPr>
+        <p:spPr>
+          <a:xfrm>
+            <a:off x="310171" y="5127840"/>
+            <a:ext cx="678391" cy="369332"/>
+          </a:xfrm>
+          <a:prstGeom prst="rect">
+            <a:avLst/>
+          </a:prstGeom>
+          <a:noFill/>
+        </p:spPr>
+        <p:txBody>
+          <a:bodyPr wrap="none" rtlCol="0">
+            <a:spAutoFit/>
+          </a:bodyPr>
+          <a:lstStyle/>
+          <a:p>
+            <a:r>
+              <a:rPr kumimoji="1" lang="en-US" altLang="zh-CN" dirty="0"/>
+              <a:t>head</a:t>
+            </a:r>
+            <a:endParaRPr kumimoji="1" lang="zh-CN" altLang="en-US" dirty="0"/>
+          </a:p>
+        </p:txBody>
+      </p:sp>
+      <p:cxnSp>
+        <p:nvCxnSpPr>
+          <p:cNvPr id="82" name="直线箭头连接符 81">
+            <a:extLst>
+              <a:ext uri="{FF2B5EF4-FFF2-40B4-BE49-F238E27FC236}">
+                <a16:creationId xmlns:a16="http://schemas.microsoft.com/office/drawing/2014/main" id="{8DDC023D-35D1-534F-850B-95FA0EBCDC7D}"/>
+              </a:ext>
+            </a:extLst>
+          </p:cNvPr>
+          <p:cNvCxnSpPr>
+            <a:cxnSpLocks/>
+          </p:cNvCxnSpPr>
+          <p:nvPr/>
+        </p:nvCxnSpPr>
+        <p:spPr>
+          <a:xfrm flipV="1">
+            <a:off x="3381777" y="4590255"/>
+            <a:ext cx="0" cy="353568"/>
+          </a:xfrm>
+          <a:prstGeom prst="straightConnector1">
+            <a:avLst/>
+          </a:prstGeom>
+          <a:ln>
+            <a:tailEnd type="triangle"/>
+          </a:ln>
+        </p:spPr>
+        <p:style>
+          <a:lnRef idx="1">
+            <a:schemeClr val="accent1"/>
+          </a:lnRef>
+          <a:fillRef idx="0">
+            <a:schemeClr val="accent1"/>
+          </a:fillRef>
+          <a:effectRef idx="0">
+            <a:schemeClr val="accent1"/>
+          </a:effectRef>
+          <a:fontRef idx="minor">
+            <a:schemeClr val="tx1"/>
+          </a:fontRef>
+        </p:style>
+      </p:cxnSp>
+      <p:sp>
+        <p:nvSpPr>
+          <p:cNvPr id="83" name="文本框 82">
+            <a:extLst>
+              <a:ext uri="{FF2B5EF4-FFF2-40B4-BE49-F238E27FC236}">
+                <a16:creationId xmlns:a16="http://schemas.microsoft.com/office/drawing/2014/main" id="{F3BF2E7B-7F80-854A-A157-C245A91EE19A}"/>
+              </a:ext>
+            </a:extLst>
+          </p:cNvPr>
+          <p:cNvSpPr txBox="1"/>
+          <p:nvPr/>
+        </p:nvSpPr>
+        <p:spPr>
+          <a:xfrm>
+            <a:off x="3134754" y="4950733"/>
+            <a:ext cx="494046" cy="369332"/>
+          </a:xfrm>
+          <a:prstGeom prst="rect">
+            <a:avLst/>
+          </a:prstGeom>
+          <a:noFill/>
+        </p:spPr>
+        <p:txBody>
+          <a:bodyPr wrap="none" rtlCol="0">
+            <a:spAutoFit/>
+          </a:bodyPr>
+          <a:lstStyle/>
+          <a:p>
+            <a:r>
+              <a:rPr kumimoji="1" lang="en-US" altLang="zh-CN" dirty="0"/>
+              <a:t>cur</a:t>
+            </a:r>
+            <a:endParaRPr kumimoji="1" lang="zh-CN" altLang="en-US" dirty="0"/>
+          </a:p>
+        </p:txBody>
+      </p:sp>
+      <p:sp>
+        <p:nvSpPr>
+          <p:cNvPr id="84" name="圆角矩形 83">
+            <a:extLst>
+              <a:ext uri="{FF2B5EF4-FFF2-40B4-BE49-F238E27FC236}">
+                <a16:creationId xmlns:a16="http://schemas.microsoft.com/office/drawing/2014/main" id="{C9C9BD02-CA96-A545-A8A4-14C42FD2D953}"/>
+              </a:ext>
+            </a:extLst>
+          </p:cNvPr>
+          <p:cNvSpPr/>
+          <p:nvPr/>
+        </p:nvSpPr>
+        <p:spPr>
+          <a:xfrm>
+            <a:off x="5914532" y="4230208"/>
+            <a:ext cx="609600" cy="499872"/>
+          </a:xfrm>
+          <a:prstGeom prst="roundRect">
+            <a:avLst/>
+          </a:prstGeom>
+        </p:spPr>
+        <p:style>
+          <a:lnRef idx="2">
+            <a:schemeClr val="accent6"/>
+          </a:lnRef>
+          <a:fillRef idx="1">
+            <a:schemeClr val="lt1"/>
+          </a:fillRef>
+          <a:effectRef idx="0">
+            <a:schemeClr val="accent6"/>
+          </a:effectRef>
+          <a:fontRef idx="minor">
+            <a:schemeClr val="dk1"/>
+          </a:fontRef>
+        </p:style>
+        <p:txBody>
+          <a:bodyPr rtlCol="0" anchor="ctr"/>
+          <a:lstStyle/>
+          <a:p>
+            <a:pPr algn="ctr"/>
+            <a:r>
+              <a:rPr kumimoji="1" lang="en-US" altLang="zh-CN" sz="2400" b="1" dirty="0"/>
+              <a:t>?</a:t>
+            </a:r>
+            <a:endParaRPr kumimoji="1" lang="zh-CN" altLang="en-US" sz="2400" b="1" dirty="0"/>
+          </a:p>
+        </p:txBody>
+      </p:sp>
+      <p:sp>
+        <p:nvSpPr>
+          <p:cNvPr id="85" name="圆角矩形 84">
+            <a:extLst>
+              <a:ext uri="{FF2B5EF4-FFF2-40B4-BE49-F238E27FC236}">
+                <a16:creationId xmlns:a16="http://schemas.microsoft.com/office/drawing/2014/main" id="{6C0A0EAF-8778-424D-932C-14692CB45D4E}"/>
+              </a:ext>
+            </a:extLst>
+          </p:cNvPr>
+          <p:cNvSpPr/>
+          <p:nvPr/>
+        </p:nvSpPr>
+        <p:spPr>
+          <a:xfrm>
+            <a:off x="6524132" y="4230208"/>
+            <a:ext cx="609600" cy="499872"/>
+          </a:xfrm>
+          <a:prstGeom prst="roundRect">
+            <a:avLst/>
+          </a:prstGeom>
+        </p:spPr>
+        <p:style>
+          <a:lnRef idx="2">
+            <a:schemeClr val="accent6"/>
+          </a:lnRef>
+          <a:fillRef idx="1">
+            <a:schemeClr val="lt1"/>
+          </a:fillRef>
+          <a:effectRef idx="0">
+            <a:schemeClr val="accent6"/>
+          </a:effectRef>
+          <a:fontRef idx="minor">
+            <a:schemeClr val="dk1"/>
+          </a:fontRef>
+        </p:style>
+        <p:txBody>
+          <a:bodyPr rtlCol="0" anchor="ctr"/>
+          <a:lstStyle/>
+          <a:p>
+            <a:pPr algn="ctr"/>
+            <a:r>
+              <a:rPr kumimoji="1" lang="en-US" altLang="zh-CN" sz="2400" b="1" dirty="0"/>
+              <a:t>1</a:t>
+            </a:r>
+            <a:endParaRPr kumimoji="1" lang="zh-CN" altLang="en-US" sz="2400" b="1" dirty="0"/>
+          </a:p>
+        </p:txBody>
+      </p:sp>
+      <p:sp>
+        <p:nvSpPr>
+          <p:cNvPr id="86" name="圆角矩形 85">
+            <a:extLst>
+              <a:ext uri="{FF2B5EF4-FFF2-40B4-BE49-F238E27FC236}">
+                <a16:creationId xmlns:a16="http://schemas.microsoft.com/office/drawing/2014/main" id="{161ACCD9-68DB-364F-8018-519B4A3CBA1D}"/>
+              </a:ext>
+            </a:extLst>
+          </p:cNvPr>
+          <p:cNvSpPr/>
+          <p:nvPr/>
+        </p:nvSpPr>
+        <p:spPr>
+          <a:xfrm>
+            <a:off x="7133732" y="4230208"/>
+            <a:ext cx="609600" cy="499872"/>
+          </a:xfrm>
+          <a:prstGeom prst="roundRect">
+            <a:avLst/>
+          </a:prstGeom>
+          <a:ln>
+            <a:solidFill>
+              <a:schemeClr val="accent6"/>
+            </a:solidFill>
+            <a:prstDash val="sysDash"/>
+          </a:ln>
+        </p:spPr>
+        <p:style>
+          <a:lnRef idx="2">
+            <a:schemeClr val="accent6"/>
+          </a:lnRef>
+          <a:fillRef idx="1">
+            <a:schemeClr val="lt1"/>
+          </a:fillRef>
+          <a:effectRef idx="0">
+            <a:schemeClr val="accent6"/>
+          </a:effectRef>
+          <a:fontRef idx="minor">
+            <a:schemeClr val="dk1"/>
+          </a:fontRef>
+        </p:style>
+        <p:txBody>
+          <a:bodyPr rtlCol="0" anchor="ctr"/>
+          <a:lstStyle/>
+          <a:p>
+            <a:pPr algn="ctr"/>
+            <a:r>
+              <a:rPr kumimoji="1" lang="en-US" altLang="zh-CN" sz="2400" b="1" strike="sngStrike" dirty="0"/>
+              <a:t>5</a:t>
+            </a:r>
+            <a:endParaRPr kumimoji="1" lang="zh-CN" altLang="en-US" sz="2400" b="1" strike="sngStrike" dirty="0"/>
+          </a:p>
+        </p:txBody>
+      </p:sp>
+      <p:sp>
+        <p:nvSpPr>
+          <p:cNvPr id="87" name="圆角矩形 86">
+            <a:extLst>
+              <a:ext uri="{FF2B5EF4-FFF2-40B4-BE49-F238E27FC236}">
+                <a16:creationId xmlns:a16="http://schemas.microsoft.com/office/drawing/2014/main" id="{F0CD68AE-6C03-194A-9519-C39D5C044CC7}"/>
+              </a:ext>
+            </a:extLst>
+          </p:cNvPr>
+          <p:cNvSpPr/>
+          <p:nvPr/>
+        </p:nvSpPr>
+        <p:spPr>
+          <a:xfrm>
+            <a:off x="7743332" y="4230208"/>
+            <a:ext cx="609600" cy="499872"/>
+          </a:xfrm>
+          <a:prstGeom prst="roundRect">
+            <a:avLst/>
+          </a:prstGeom>
+          <a:ln>
+            <a:solidFill>
+              <a:schemeClr val="accent6"/>
+            </a:solidFill>
+            <a:prstDash val="sysDash"/>
+          </a:ln>
+        </p:spPr>
+        <p:style>
+          <a:lnRef idx="2">
+            <a:schemeClr val="accent6"/>
+          </a:lnRef>
+          <a:fillRef idx="1">
+            <a:schemeClr val="lt1"/>
+          </a:fillRef>
+          <a:effectRef idx="0">
+            <a:schemeClr val="accent6"/>
+          </a:effectRef>
+          <a:fontRef idx="minor">
+            <a:schemeClr val="dk1"/>
+          </a:fontRef>
+        </p:style>
+        <p:txBody>
+          <a:bodyPr rtlCol="0" anchor="ctr"/>
+          <a:lstStyle/>
+          <a:p>
+            <a:pPr algn="ctr"/>
+            <a:r>
+              <a:rPr kumimoji="1" lang="en-US" altLang="zh-CN" sz="2400" b="1" strike="sngStrike" dirty="0"/>
+              <a:t>5</a:t>
+            </a:r>
+            <a:endParaRPr kumimoji="1" lang="zh-CN" altLang="en-US" sz="2400" b="1" strike="sngStrike" dirty="0"/>
+          </a:p>
+        </p:txBody>
+      </p:sp>
+      <p:sp>
+        <p:nvSpPr>
+          <p:cNvPr id="88" name="圆角矩形 87">
+            <a:extLst>
+              <a:ext uri="{FF2B5EF4-FFF2-40B4-BE49-F238E27FC236}">
+                <a16:creationId xmlns:a16="http://schemas.microsoft.com/office/drawing/2014/main" id="{EC6C5538-A921-D943-8659-9C59EFDA7AC5}"/>
+              </a:ext>
+            </a:extLst>
+          </p:cNvPr>
+          <p:cNvSpPr/>
+          <p:nvPr/>
+        </p:nvSpPr>
+        <p:spPr>
+          <a:xfrm>
+            <a:off x="8352932" y="4230208"/>
+            <a:ext cx="609600" cy="499872"/>
+          </a:xfrm>
+          <a:prstGeom prst="roundRect">
+            <a:avLst/>
+          </a:prstGeom>
+          <a:ln>
+            <a:solidFill>
+              <a:schemeClr val="accent6"/>
+            </a:solidFill>
+            <a:prstDash val="sysDash"/>
+          </a:ln>
+        </p:spPr>
+        <p:style>
+          <a:lnRef idx="2">
+            <a:schemeClr val="accent6"/>
+          </a:lnRef>
+          <a:fillRef idx="1">
+            <a:schemeClr val="lt1"/>
+          </a:fillRef>
+          <a:effectRef idx="0">
+            <a:schemeClr val="accent6"/>
+          </a:effectRef>
+          <a:fontRef idx="minor">
+            <a:schemeClr val="dk1"/>
+          </a:fontRef>
+        </p:style>
+        <p:txBody>
+          <a:bodyPr rtlCol="0" anchor="ctr"/>
+          <a:lstStyle/>
+          <a:p>
+            <a:pPr algn="ctr"/>
+            <a:r>
+              <a:rPr kumimoji="1" lang="en-US" altLang="zh-CN" sz="2400" b="1" strike="sngStrike" dirty="0"/>
+              <a:t>5</a:t>
+            </a:r>
+            <a:endParaRPr kumimoji="1" lang="zh-CN" altLang="en-US" sz="2400" b="1" strike="sngStrike" dirty="0"/>
+          </a:p>
+        </p:txBody>
+      </p:sp>
+      <p:sp>
+        <p:nvSpPr>
+          <p:cNvPr id="89" name="圆角矩形 88">
+            <a:extLst>
+              <a:ext uri="{FF2B5EF4-FFF2-40B4-BE49-F238E27FC236}">
+                <a16:creationId xmlns:a16="http://schemas.microsoft.com/office/drawing/2014/main" id="{5E922720-EFDF-B54A-892F-C53A5D4321F4}"/>
+              </a:ext>
+            </a:extLst>
+          </p:cNvPr>
+          <p:cNvSpPr/>
+          <p:nvPr/>
+        </p:nvSpPr>
+        <p:spPr>
+          <a:xfrm>
+            <a:off x="8962532" y="4230208"/>
+            <a:ext cx="609600" cy="499872"/>
+          </a:xfrm>
+          <a:prstGeom prst="roundRect">
+            <a:avLst/>
+          </a:prstGeom>
+        </p:spPr>
+        <p:style>
+          <a:lnRef idx="2">
+            <a:schemeClr val="accent6"/>
+          </a:lnRef>
+          <a:fillRef idx="1">
+            <a:schemeClr val="lt1"/>
+          </a:fillRef>
+          <a:effectRef idx="0">
+            <a:schemeClr val="accent6"/>
+          </a:effectRef>
+          <a:fontRef idx="minor">
+            <a:schemeClr val="dk1"/>
+          </a:fontRef>
+        </p:style>
+        <p:txBody>
+          <a:bodyPr rtlCol="0" anchor="ctr"/>
+          <a:lstStyle/>
+          <a:p>
+            <a:pPr algn="ctr"/>
+            <a:r>
+              <a:rPr kumimoji="1" lang="en-US" altLang="zh-CN" sz="2400" b="1" dirty="0"/>
+              <a:t>6</a:t>
+            </a:r>
+            <a:endParaRPr kumimoji="1" lang="zh-CN" altLang="en-US" sz="2400" b="1" dirty="0"/>
+          </a:p>
+        </p:txBody>
+      </p:sp>
+      <p:sp>
+        <p:nvSpPr>
+          <p:cNvPr id="90" name="圆角矩形 89">
+            <a:extLst>
+              <a:ext uri="{FF2B5EF4-FFF2-40B4-BE49-F238E27FC236}">
+                <a16:creationId xmlns:a16="http://schemas.microsoft.com/office/drawing/2014/main" id="{FA3F9C66-48F1-734C-9DA3-E5337239F349}"/>
+              </a:ext>
+            </a:extLst>
+          </p:cNvPr>
+          <p:cNvSpPr/>
+          <p:nvPr/>
+        </p:nvSpPr>
+        <p:spPr>
+          <a:xfrm>
+            <a:off x="9572132" y="4230208"/>
+            <a:ext cx="609600" cy="499872"/>
+          </a:xfrm>
+          <a:prstGeom prst="roundRect">
+            <a:avLst/>
+          </a:prstGeom>
+        </p:spPr>
+        <p:style>
+          <a:lnRef idx="2">
+            <a:schemeClr val="accent6"/>
+          </a:lnRef>
+          <a:fillRef idx="1">
+            <a:schemeClr val="lt1"/>
+          </a:fillRef>
+          <a:effectRef idx="0">
+            <a:schemeClr val="accent6"/>
+          </a:effectRef>
+          <a:fontRef idx="minor">
+            <a:schemeClr val="dk1"/>
+          </a:fontRef>
+        </p:style>
+        <p:txBody>
+          <a:bodyPr rtlCol="0" anchor="ctr"/>
+          <a:lstStyle/>
+          <a:p>
+            <a:pPr algn="ctr"/>
+            <a:r>
+              <a:rPr kumimoji="1" lang="en-US" altLang="zh-CN" sz="2400" b="1" dirty="0"/>
+              <a:t>7</a:t>
+            </a:r>
+            <a:endParaRPr kumimoji="1" lang="zh-CN" altLang="en-US" sz="2400" b="1" dirty="0"/>
+          </a:p>
+        </p:txBody>
+      </p:sp>
+      <p:sp>
+        <p:nvSpPr>
+          <p:cNvPr id="91" name="圆角矩形 90">
+            <a:extLst>
+              <a:ext uri="{FF2B5EF4-FFF2-40B4-BE49-F238E27FC236}">
+                <a16:creationId xmlns:a16="http://schemas.microsoft.com/office/drawing/2014/main" id="{CE443E6E-07C0-FB41-93E8-5609F1086F89}"/>
+              </a:ext>
+            </a:extLst>
+          </p:cNvPr>
+          <p:cNvSpPr/>
+          <p:nvPr/>
+        </p:nvSpPr>
+        <p:spPr>
+          <a:xfrm>
+            <a:off x="10181732" y="4230208"/>
+            <a:ext cx="609600" cy="499872"/>
+          </a:xfrm>
+          <a:prstGeom prst="roundRect">
+            <a:avLst/>
+          </a:prstGeom>
+        </p:spPr>
+        <p:style>
+          <a:lnRef idx="2">
+            <a:schemeClr val="accent6"/>
+          </a:lnRef>
+          <a:fillRef idx="1">
+            <a:schemeClr val="lt1"/>
+          </a:fillRef>
+          <a:effectRef idx="0">
+            <a:schemeClr val="accent6"/>
+          </a:effectRef>
+          <a:fontRef idx="minor">
+            <a:schemeClr val="dk1"/>
+          </a:fontRef>
+        </p:style>
+        <p:txBody>
+          <a:bodyPr rtlCol="0" anchor="ctr"/>
+          <a:lstStyle/>
+          <a:p>
+            <a:pPr algn="ctr"/>
+            <a:r>
+              <a:rPr kumimoji="1" lang="en-US" altLang="zh-CN" sz="2400" b="1" dirty="0"/>
+              <a:t>8</a:t>
+            </a:r>
+            <a:endParaRPr kumimoji="1" lang="zh-CN" altLang="en-US" sz="2400" b="1" dirty="0"/>
+          </a:p>
+        </p:txBody>
+      </p:sp>
+      <p:cxnSp>
+        <p:nvCxnSpPr>
+          <p:cNvPr id="92" name="直线箭头连接符 91">
+            <a:extLst>
+              <a:ext uri="{FF2B5EF4-FFF2-40B4-BE49-F238E27FC236}">
+                <a16:creationId xmlns:a16="http://schemas.microsoft.com/office/drawing/2014/main" id="{DFDA2662-537B-F649-8936-E1F8CE5BB7F5}"/>
+              </a:ext>
+            </a:extLst>
+          </p:cNvPr>
+          <p:cNvCxnSpPr>
+            <a:cxnSpLocks/>
+          </p:cNvCxnSpPr>
+          <p:nvPr/>
+        </p:nvCxnSpPr>
+        <p:spPr>
+          <a:xfrm flipV="1">
+            <a:off x="6841574" y="4758508"/>
+            <a:ext cx="0" cy="353568"/>
+          </a:xfrm>
+          <a:prstGeom prst="straightConnector1">
+            <a:avLst/>
+          </a:prstGeom>
+          <a:ln>
+            <a:tailEnd type="triangle"/>
+          </a:ln>
+        </p:spPr>
+        <p:style>
+          <a:lnRef idx="1">
+            <a:schemeClr val="accent1"/>
+          </a:lnRef>
+          <a:fillRef idx="0">
+            <a:schemeClr val="accent1"/>
+          </a:fillRef>
+          <a:effectRef idx="0">
+            <a:schemeClr val="accent1"/>
+          </a:effectRef>
+          <a:fontRef idx="minor">
+            <a:schemeClr val="tx1"/>
+          </a:fontRef>
+        </p:style>
+      </p:cxnSp>
+      <p:sp>
+        <p:nvSpPr>
+          <p:cNvPr id="93" name="文本框 92">
+            <a:extLst>
+              <a:ext uri="{FF2B5EF4-FFF2-40B4-BE49-F238E27FC236}">
+                <a16:creationId xmlns:a16="http://schemas.microsoft.com/office/drawing/2014/main" id="{DE45E5D7-AE33-864E-AD46-78896DBB68AB}"/>
+              </a:ext>
+            </a:extLst>
+          </p:cNvPr>
+          <p:cNvSpPr txBox="1"/>
+          <p:nvPr/>
+        </p:nvSpPr>
+        <p:spPr>
+          <a:xfrm>
+            <a:off x="6608515" y="5114969"/>
+            <a:ext cx="514885" cy="369332"/>
+          </a:xfrm>
+          <a:prstGeom prst="rect">
+            <a:avLst/>
+          </a:prstGeom>
+          <a:noFill/>
+        </p:spPr>
+        <p:txBody>
+          <a:bodyPr wrap="none" rtlCol="0">
+            <a:spAutoFit/>
+          </a:bodyPr>
+          <a:lstStyle/>
+          <a:p>
+            <a:r>
+              <a:rPr kumimoji="1" lang="en-US" altLang="zh-CN" dirty="0"/>
+              <a:t>pre</a:t>
+            </a:r>
+            <a:endParaRPr kumimoji="1" lang="zh-CN" altLang="en-US" dirty="0"/>
+          </a:p>
+        </p:txBody>
+      </p:sp>
+      <p:cxnSp>
+        <p:nvCxnSpPr>
+          <p:cNvPr id="94" name="直线箭头连接符 93">
+            <a:extLst>
+              <a:ext uri="{FF2B5EF4-FFF2-40B4-BE49-F238E27FC236}">
+                <a16:creationId xmlns:a16="http://schemas.microsoft.com/office/drawing/2014/main" id="{D991879F-2D56-234B-B6F7-46E0BC2384C8}"/>
+              </a:ext>
+            </a:extLst>
+          </p:cNvPr>
+          <p:cNvCxnSpPr>
+            <a:cxnSpLocks/>
+          </p:cNvCxnSpPr>
+          <p:nvPr/>
+        </p:nvCxnSpPr>
+        <p:spPr>
+          <a:xfrm flipV="1">
+            <a:off x="6606378" y="4779217"/>
+            <a:ext cx="0" cy="353568"/>
+          </a:xfrm>
+          <a:prstGeom prst="straightConnector1">
+            <a:avLst/>
+          </a:prstGeom>
+          <a:ln>
+            <a:tailEnd type="triangle"/>
+          </a:ln>
+        </p:spPr>
+        <p:style>
+          <a:lnRef idx="1">
+            <a:schemeClr val="accent1"/>
+          </a:lnRef>
+          <a:fillRef idx="0">
+            <a:schemeClr val="accent1"/>
+          </a:fillRef>
+          <a:effectRef idx="0">
+            <a:schemeClr val="accent1"/>
+          </a:effectRef>
+          <a:fontRef idx="minor">
+            <a:schemeClr val="tx1"/>
+          </a:fontRef>
+        </p:style>
+      </p:cxnSp>
+      <p:sp>
+        <p:nvSpPr>
+          <p:cNvPr id="95" name="文本框 94">
+            <a:extLst>
+              <a:ext uri="{FF2B5EF4-FFF2-40B4-BE49-F238E27FC236}">
+                <a16:creationId xmlns:a16="http://schemas.microsoft.com/office/drawing/2014/main" id="{4322680D-6BFF-B744-8EC5-C2862A54FD36}"/>
+              </a:ext>
+            </a:extLst>
+          </p:cNvPr>
+          <p:cNvSpPr txBox="1"/>
+          <p:nvPr/>
+        </p:nvSpPr>
+        <p:spPr>
+          <a:xfrm>
+            <a:off x="6137949" y="5289183"/>
+            <a:ext cx="678391" cy="369332"/>
+          </a:xfrm>
+          <a:prstGeom prst="rect">
+            <a:avLst/>
+          </a:prstGeom>
+          <a:noFill/>
+        </p:spPr>
+        <p:txBody>
+          <a:bodyPr wrap="none" rtlCol="0">
+            <a:spAutoFit/>
+          </a:bodyPr>
+          <a:lstStyle/>
+          <a:p>
+            <a:r>
+              <a:rPr kumimoji="1" lang="en-US" altLang="zh-CN" dirty="0"/>
+              <a:t>head</a:t>
+            </a:r>
+            <a:endParaRPr kumimoji="1" lang="zh-CN" altLang="en-US" dirty="0"/>
+          </a:p>
+        </p:txBody>
+      </p:sp>
+      <p:cxnSp>
+        <p:nvCxnSpPr>
+          <p:cNvPr id="96" name="直线箭头连接符 95">
+            <a:extLst>
+              <a:ext uri="{FF2B5EF4-FFF2-40B4-BE49-F238E27FC236}">
+                <a16:creationId xmlns:a16="http://schemas.microsoft.com/office/drawing/2014/main" id="{1F33F366-8AEB-7241-B738-C0C72D25558E}"/>
+              </a:ext>
+            </a:extLst>
+          </p:cNvPr>
+          <p:cNvCxnSpPr>
+            <a:cxnSpLocks/>
+          </p:cNvCxnSpPr>
+          <p:nvPr/>
+        </p:nvCxnSpPr>
+        <p:spPr>
+          <a:xfrm flipV="1">
+            <a:off x="9209555" y="4751598"/>
+            <a:ext cx="0" cy="353568"/>
+          </a:xfrm>
+          <a:prstGeom prst="straightConnector1">
+            <a:avLst/>
+          </a:prstGeom>
+          <a:ln>
+            <a:tailEnd type="triangle"/>
+          </a:ln>
+        </p:spPr>
+        <p:style>
+          <a:lnRef idx="1">
+            <a:schemeClr val="accent1"/>
+          </a:lnRef>
+          <a:fillRef idx="0">
+            <a:schemeClr val="accent1"/>
+          </a:fillRef>
+          <a:effectRef idx="0">
+            <a:schemeClr val="accent1"/>
+          </a:effectRef>
+          <a:fontRef idx="minor">
+            <a:schemeClr val="tx1"/>
+          </a:fontRef>
+        </p:style>
+      </p:cxnSp>
+      <p:sp>
+        <p:nvSpPr>
+          <p:cNvPr id="97" name="文本框 96">
+            <a:extLst>
+              <a:ext uri="{FF2B5EF4-FFF2-40B4-BE49-F238E27FC236}">
+                <a16:creationId xmlns:a16="http://schemas.microsoft.com/office/drawing/2014/main" id="{4D39EBF4-433C-9E45-983D-394E4013CB96}"/>
+              </a:ext>
+            </a:extLst>
+          </p:cNvPr>
+          <p:cNvSpPr txBox="1"/>
+          <p:nvPr/>
+        </p:nvSpPr>
+        <p:spPr>
+          <a:xfrm>
+            <a:off x="8962532" y="5112076"/>
+            <a:ext cx="494046" cy="369332"/>
+          </a:xfrm>
+          <a:prstGeom prst="rect">
+            <a:avLst/>
+          </a:prstGeom>
+          <a:noFill/>
+        </p:spPr>
+        <p:txBody>
+          <a:bodyPr wrap="none" rtlCol="0">
+            <a:spAutoFit/>
+          </a:bodyPr>
+          <a:lstStyle/>
+          <a:p>
+            <a:r>
+              <a:rPr kumimoji="1" lang="en-US" altLang="zh-CN" dirty="0"/>
+              <a:t>cur</a:t>
             </a:r>
             <a:endParaRPr kumimoji="1" lang="zh-CN" altLang="en-US" dirty="0"/>
           </a:p>

--- a/res/deduce.pptx
+++ b/res/deduce.pptx
@@ -5,12 +5,13 @@
     <p:sldMasterId id="2147483648" r:id="rId1"/>
   </p:sldMasterIdLst>
   <p:notesMasterIdLst>
-    <p:notesMasterId r:id="rId5"/>
+    <p:notesMasterId r:id="rId6"/>
   </p:notesMasterIdLst>
   <p:sldIdLst>
     <p:sldId id="256" r:id="rId2"/>
     <p:sldId id="257" r:id="rId3"/>
-    <p:sldId id="258" r:id="rId4"/>
+    <p:sldId id="259" r:id="rId4"/>
+    <p:sldId id="258" r:id="rId5"/>
   </p:sldIdLst>
   <p:sldSz cx="12192000" cy="6858000"/>
   <p:notesSz cx="6858000" cy="9144000"/>
@@ -199,7 +200,7 @@
           <a:p>
             <a:fld id="{9D46E52F-CA79-6A4B-90D1-D6D05DAD10A0}" type="datetimeFigureOut">
               <a:rPr kumimoji="1" lang="zh-CN" altLang="en-US" smtClean="0"/>
-              <a:t>2019/12/6</a:t>
+              <a:t>2019/12/10</a:t>
             </a:fld>
             <a:endParaRPr kumimoji="1" lang="zh-CN" altLang="en-US"/>
           </a:p>
@@ -756,7 +757,7 @@
           <a:p>
             <a:fld id="{CC72EA82-287C-4B49-9087-D15DF2E0952F}" type="datetimeFigureOut">
               <a:rPr kumimoji="1" lang="zh-CN" altLang="en-US" smtClean="0"/>
-              <a:t>2019/12/5</a:t>
+              <a:t>2019/12/10</a:t>
             </a:fld>
             <a:endParaRPr kumimoji="1" lang="zh-CN" altLang="en-US"/>
           </a:p>
@@ -929,7 +930,7 @@
           <a:p>
             <a:fld id="{CC72EA82-287C-4B49-9087-D15DF2E0952F}" type="datetimeFigureOut">
               <a:rPr kumimoji="1" lang="zh-CN" altLang="en-US" smtClean="0"/>
-              <a:t>2019/12/5</a:t>
+              <a:t>2019/12/10</a:t>
             </a:fld>
             <a:endParaRPr kumimoji="1" lang="zh-CN" altLang="en-US"/>
           </a:p>
@@ -1112,7 +1113,7 @@
           <a:p>
             <a:fld id="{CC72EA82-287C-4B49-9087-D15DF2E0952F}" type="datetimeFigureOut">
               <a:rPr kumimoji="1" lang="zh-CN" altLang="en-US" smtClean="0"/>
-              <a:t>2019/12/5</a:t>
+              <a:t>2019/12/10</a:t>
             </a:fld>
             <a:endParaRPr kumimoji="1" lang="zh-CN" altLang="en-US"/>
           </a:p>
@@ -1285,7 +1286,7 @@
           <a:p>
             <a:fld id="{CC72EA82-287C-4B49-9087-D15DF2E0952F}" type="datetimeFigureOut">
               <a:rPr kumimoji="1" lang="zh-CN" altLang="en-US" smtClean="0"/>
-              <a:t>2019/12/5</a:t>
+              <a:t>2019/12/10</a:t>
             </a:fld>
             <a:endParaRPr kumimoji="1" lang="zh-CN" altLang="en-US"/>
           </a:p>
@@ -1563,7 +1564,7 @@
           <a:p>
             <a:fld id="{CC72EA82-287C-4B49-9087-D15DF2E0952F}" type="datetimeFigureOut">
               <a:rPr kumimoji="1" lang="zh-CN" altLang="en-US" smtClean="0"/>
-              <a:t>2019/12/5</a:t>
+              <a:t>2019/12/10</a:t>
             </a:fld>
             <a:endParaRPr kumimoji="1" lang="zh-CN" altLang="en-US"/>
           </a:p>
@@ -1778,7 +1779,7 @@
           <a:p>
             <a:fld id="{CC72EA82-287C-4B49-9087-D15DF2E0952F}" type="datetimeFigureOut">
               <a:rPr kumimoji="1" lang="zh-CN" altLang="en-US" smtClean="0"/>
-              <a:t>2019/12/5</a:t>
+              <a:t>2019/12/10</a:t>
             </a:fld>
             <a:endParaRPr kumimoji="1" lang="zh-CN" altLang="en-US"/>
           </a:p>
@@ -2146,7 +2147,7 @@
           <a:p>
             <a:fld id="{CC72EA82-287C-4B49-9087-D15DF2E0952F}" type="datetimeFigureOut">
               <a:rPr kumimoji="1" lang="zh-CN" altLang="en-US" smtClean="0"/>
-              <a:t>2019/12/5</a:t>
+              <a:t>2019/12/10</a:t>
             </a:fld>
             <a:endParaRPr kumimoji="1" lang="zh-CN" altLang="en-US"/>
           </a:p>
@@ -2287,7 +2288,7 @@
           <a:p>
             <a:fld id="{CC72EA82-287C-4B49-9087-D15DF2E0952F}" type="datetimeFigureOut">
               <a:rPr kumimoji="1" lang="zh-CN" altLang="en-US" smtClean="0"/>
-              <a:t>2019/12/5</a:t>
+              <a:t>2019/12/10</a:t>
             </a:fld>
             <a:endParaRPr kumimoji="1" lang="zh-CN" altLang="en-US"/>
           </a:p>
@@ -2400,7 +2401,7 @@
           <a:p>
             <a:fld id="{CC72EA82-287C-4B49-9087-D15DF2E0952F}" type="datetimeFigureOut">
               <a:rPr kumimoji="1" lang="zh-CN" altLang="en-US" smtClean="0"/>
-              <a:t>2019/12/5</a:t>
+              <a:t>2019/12/10</a:t>
             </a:fld>
             <a:endParaRPr kumimoji="1" lang="zh-CN" altLang="en-US"/>
           </a:p>
@@ -2689,7 +2690,7 @@
           <a:p>
             <a:fld id="{CC72EA82-287C-4B49-9087-D15DF2E0952F}" type="datetimeFigureOut">
               <a:rPr kumimoji="1" lang="zh-CN" altLang="en-US" smtClean="0"/>
-              <a:t>2019/12/5</a:t>
+              <a:t>2019/12/10</a:t>
             </a:fld>
             <a:endParaRPr kumimoji="1" lang="zh-CN" altLang="en-US"/>
           </a:p>
@@ -2980,7 +2981,7 @@
           <a:p>
             <a:fld id="{CC72EA82-287C-4B49-9087-D15DF2E0952F}" type="datetimeFigureOut">
               <a:rPr kumimoji="1" lang="zh-CN" altLang="en-US" smtClean="0"/>
-              <a:t>2019/12/5</a:t>
+              <a:t>2019/12/10</a:t>
             </a:fld>
             <a:endParaRPr kumimoji="1" lang="zh-CN" altLang="en-US"/>
           </a:p>
@@ -3196,7 +3197,7 @@
           <a:p>
             <a:fld id="{CC72EA82-287C-4B49-9087-D15DF2E0952F}" type="datetimeFigureOut">
               <a:rPr kumimoji="1" lang="zh-CN" altLang="en-US" smtClean="0"/>
-              <a:t>2019/12/5</a:t>
+              <a:t>2019/12/10</a:t>
             </a:fld>
             <a:endParaRPr kumimoji="1" lang="zh-CN" altLang="en-US"/>
           </a:p>
@@ -4135,7 +4136,7 @@
         <p:spPr>
           <a:xfrm>
             <a:off x="134112" y="1511808"/>
-            <a:ext cx="620683" cy="369332"/>
+            <a:ext cx="530915" cy="369332"/>
           </a:xfrm>
           <a:prstGeom prst="rect">
             <a:avLst/>
@@ -4150,7 +4151,7 @@
           <a:p>
             <a:r>
               <a:rPr kumimoji="1" lang="en-US" altLang="zh-CN" dirty="0"/>
-              <a:t>start</a:t>
+              <a:t>low</a:t>
             </a:r>
             <a:endParaRPr kumimoji="1" lang="zh-CN" altLang="en-US" dirty="0"/>
           </a:p>
@@ -4207,7 +4208,7 @@
         <p:spPr>
           <a:xfrm>
             <a:off x="4424624" y="1511808"/>
-            <a:ext cx="562975" cy="369332"/>
+            <a:ext cx="622286" cy="369332"/>
           </a:xfrm>
           <a:prstGeom prst="rect">
             <a:avLst/>
@@ -4221,7 +4222,7 @@
           <a:p>
             <a:r>
               <a:rPr lang="en-US" altLang="zh-CN" dirty="0"/>
-              <a:t>end</a:t>
+              <a:t>high</a:t>
             </a:r>
             <a:endParaRPr lang="zh-CN" altLang="en-US" dirty="0"/>
           </a:p>
@@ -4801,7 +4802,7 @@
         <p:spPr>
           <a:xfrm>
             <a:off x="2549199" y="2751296"/>
-            <a:ext cx="620683" cy="369332"/>
+            <a:ext cx="530915" cy="369332"/>
           </a:xfrm>
           <a:prstGeom prst="rect">
             <a:avLst/>
@@ -4816,7 +4817,7 @@
           <a:p>
             <a:r>
               <a:rPr kumimoji="1" lang="en-US" altLang="zh-CN" dirty="0"/>
-              <a:t>start</a:t>
+              <a:t>low</a:t>
             </a:r>
             <a:endParaRPr kumimoji="1" lang="zh-CN" altLang="en-US" dirty="0"/>
           </a:p>
@@ -4873,7 +4874,7 @@
         <p:spPr>
           <a:xfrm>
             <a:off x="4370831" y="2767584"/>
-            <a:ext cx="562975" cy="369332"/>
+            <a:ext cx="622286" cy="369332"/>
           </a:xfrm>
           <a:prstGeom prst="rect">
             <a:avLst/>
@@ -4887,7 +4888,7 @@
           <a:p>
             <a:r>
               <a:rPr lang="en-US" altLang="zh-CN" dirty="0"/>
-              <a:t>end</a:t>
+              <a:t>high</a:t>
             </a:r>
             <a:endParaRPr lang="zh-CN" altLang="en-US" dirty="0"/>
           </a:p>
@@ -5293,7 +5294,7 @@
         </p:nvCxnSpPr>
         <p:spPr>
           <a:xfrm flipV="1">
-            <a:off x="2829615" y="3618928"/>
+            <a:off x="3271558" y="3616404"/>
             <a:ext cx="0" cy="353568"/>
           </a:xfrm>
           <a:prstGeom prst="straightConnector1">
@@ -5415,7 +5416,7 @@
         <p:spPr>
           <a:xfrm>
             <a:off x="2208932" y="4007500"/>
-            <a:ext cx="620683" cy="369332"/>
+            <a:ext cx="530915" cy="369332"/>
           </a:xfrm>
           <a:prstGeom prst="rect">
             <a:avLst/>
@@ -5430,7 +5431,7 @@
           <a:p>
             <a:r>
               <a:rPr kumimoji="1" lang="en-US" altLang="zh-CN" dirty="0"/>
-              <a:t>start</a:t>
+              <a:t>low</a:t>
             </a:r>
             <a:endParaRPr kumimoji="1" lang="zh-CN" altLang="en-US" dirty="0"/>
           </a:p>
@@ -5451,7 +5452,7 @@
         <p:spPr>
           <a:xfrm>
             <a:off x="3236770" y="3969972"/>
-            <a:ext cx="562975" cy="369332"/>
+            <a:ext cx="622286" cy="369332"/>
           </a:xfrm>
           <a:prstGeom prst="rect">
             <a:avLst/>
@@ -5466,7 +5467,7 @@
           <a:p>
             <a:r>
               <a:rPr kumimoji="1" lang="en-US" altLang="zh-CN" dirty="0"/>
-              <a:t>end</a:t>
+              <a:t>high</a:t>
             </a:r>
             <a:endParaRPr kumimoji="1" lang="zh-CN" altLang="en-US" dirty="0"/>
           </a:p>
@@ -5486,7 +5487,7 @@
         </p:nvSpPr>
         <p:spPr>
           <a:xfrm>
-            <a:off x="2708583" y="4007500"/>
+            <a:off x="2842305" y="4007500"/>
             <a:ext cx="562975" cy="369332"/>
           </a:xfrm>
           <a:prstGeom prst="rect">
@@ -5803,7 +5804,7 @@
         <p:spPr>
           <a:xfrm>
             <a:off x="6326080" y="1511808"/>
-            <a:ext cx="620683" cy="369332"/>
+            <a:ext cx="530915" cy="369332"/>
           </a:xfrm>
           <a:prstGeom prst="rect">
             <a:avLst/>
@@ -5818,7 +5819,7 @@
           <a:p>
             <a:r>
               <a:rPr kumimoji="1" lang="en-US" altLang="zh-CN" dirty="0"/>
-              <a:t>start</a:t>
+              <a:t>low</a:t>
             </a:r>
             <a:endParaRPr kumimoji="1" lang="zh-CN" altLang="en-US" dirty="0"/>
           </a:p>
@@ -5880,7 +5881,7 @@
         <p:spPr>
           <a:xfrm>
             <a:off x="8807648" y="1548384"/>
-            <a:ext cx="562975" cy="369332"/>
+            <a:ext cx="622286" cy="369332"/>
           </a:xfrm>
           <a:prstGeom prst="rect">
             <a:avLst/>
@@ -5894,7 +5895,7 @@
           <a:p>
             <a:r>
               <a:rPr lang="en-US" altLang="zh-CN" dirty="0"/>
-              <a:t>end</a:t>
+              <a:t>high</a:t>
             </a:r>
             <a:endParaRPr lang="zh-CN" altLang="en-US" dirty="0"/>
           </a:p>
@@ -6273,7 +6274,7 @@
         <p:spPr>
           <a:xfrm>
             <a:off x="6927976" y="2807732"/>
-            <a:ext cx="620683" cy="369332"/>
+            <a:ext cx="530915" cy="369332"/>
           </a:xfrm>
           <a:prstGeom prst="rect">
             <a:avLst/>
@@ -6288,7 +6289,7 @@
           <a:p>
             <a:r>
               <a:rPr kumimoji="1" lang="en-US" altLang="zh-CN" dirty="0"/>
-              <a:t>start</a:t>
+              <a:t>low</a:t>
             </a:r>
             <a:endParaRPr kumimoji="1" lang="zh-CN" altLang="en-US" dirty="0"/>
           </a:p>
@@ -6350,7 +6351,7 @@
         <p:spPr>
           <a:xfrm>
             <a:off x="8786721" y="2807732"/>
-            <a:ext cx="562975" cy="369332"/>
+            <a:ext cx="622286" cy="369332"/>
           </a:xfrm>
           <a:prstGeom prst="rect">
             <a:avLst/>
@@ -6364,7 +6365,7 @@
           <a:p>
             <a:r>
               <a:rPr lang="en-US" altLang="zh-CN" dirty="0"/>
-              <a:t>end</a:t>
+              <a:t>high</a:t>
             </a:r>
             <a:endParaRPr lang="zh-CN" altLang="en-US" dirty="0"/>
           </a:p>
@@ -6743,7 +6744,7 @@
         <p:spPr>
           <a:xfrm>
             <a:off x="7296411" y="3969972"/>
-            <a:ext cx="620683" cy="369332"/>
+            <a:ext cx="530915" cy="369332"/>
           </a:xfrm>
           <a:prstGeom prst="rect">
             <a:avLst/>
@@ -6758,7 +6759,7 @@
           <a:p>
             <a:r>
               <a:rPr kumimoji="1" lang="en-US" altLang="zh-CN" dirty="0"/>
-              <a:t>start</a:t>
+              <a:t>low</a:t>
             </a:r>
             <a:endParaRPr kumimoji="1" lang="zh-CN" altLang="en-US" dirty="0"/>
           </a:p>
@@ -6820,7 +6821,7 @@
         <p:spPr>
           <a:xfrm>
             <a:off x="8786721" y="3972496"/>
-            <a:ext cx="562975" cy="369332"/>
+            <a:ext cx="622286" cy="369332"/>
           </a:xfrm>
           <a:prstGeom prst="rect">
             <a:avLst/>
@@ -6834,7 +6835,7 @@
           <a:p>
             <a:r>
               <a:rPr lang="en-US" altLang="zh-CN" dirty="0"/>
-              <a:t>end</a:t>
+              <a:t>high</a:t>
             </a:r>
             <a:endParaRPr lang="zh-CN" altLang="en-US" dirty="0"/>
           </a:p>
@@ -6932,7 +6933,7 @@
         <p:spPr>
           <a:xfrm>
             <a:off x="6096000" y="4617119"/>
-            <a:ext cx="6096000" cy="646331"/>
+            <a:ext cx="6096000" cy="923330"/>
           </a:xfrm>
           <a:prstGeom prst="rect">
             <a:avLst/>
@@ -6997,7 +6998,659 @@
               <a:rPr lang="en" altLang="zh-CN" dirty="0"/>
               <a:t>[low];</a:t>
             </a:r>
+          </a:p>
+          <a:p>
+            <a:endParaRPr lang="en" altLang="zh-CN" dirty="0"/>
+          </a:p>
+        </p:txBody>
+      </p:sp>
+      <p:sp>
+        <p:nvSpPr>
+          <p:cNvPr id="92" name="圆角矩形 91">
+            <a:extLst>
+              <a:ext uri="{FF2B5EF4-FFF2-40B4-BE49-F238E27FC236}">
+                <a16:creationId xmlns:a16="http://schemas.microsoft.com/office/drawing/2014/main" id="{6DCAB58B-A095-854A-B243-C2AD432C7FEF}"/>
+              </a:ext>
+            </a:extLst>
+          </p:cNvPr>
+          <p:cNvSpPr/>
+          <p:nvPr/>
+        </p:nvSpPr>
+        <p:spPr>
+          <a:xfrm>
+            <a:off x="110799" y="4514420"/>
+            <a:ext cx="609600" cy="499872"/>
+          </a:xfrm>
+          <a:prstGeom prst="roundRect">
+            <a:avLst/>
+          </a:prstGeom>
+        </p:spPr>
+        <p:style>
+          <a:lnRef idx="2">
+            <a:schemeClr val="accent6"/>
+          </a:lnRef>
+          <a:fillRef idx="1">
+            <a:schemeClr val="lt1"/>
+          </a:fillRef>
+          <a:effectRef idx="0">
+            <a:schemeClr val="accent6"/>
+          </a:effectRef>
+          <a:fontRef idx="minor">
+            <a:schemeClr val="dk1"/>
+          </a:fontRef>
+        </p:style>
+        <p:txBody>
+          <a:bodyPr rtlCol="0" anchor="ctr"/>
+          <a:lstStyle/>
+          <a:p>
+            <a:pPr algn="ctr"/>
+            <a:r>
+              <a:rPr kumimoji="1" lang="en-US" altLang="zh-CN" sz="2400" b="1" dirty="0"/>
+              <a:t>4</a:t>
+            </a:r>
+            <a:endParaRPr kumimoji="1" lang="zh-CN" altLang="en-US" sz="2400" b="1" dirty="0"/>
+          </a:p>
+        </p:txBody>
+      </p:sp>
+      <p:sp>
+        <p:nvSpPr>
+          <p:cNvPr id="93" name="圆角矩形 92">
+            <a:extLst>
+              <a:ext uri="{FF2B5EF4-FFF2-40B4-BE49-F238E27FC236}">
+                <a16:creationId xmlns:a16="http://schemas.microsoft.com/office/drawing/2014/main" id="{52EFFD56-CBDB-A24F-8F3F-1E2DF855D584}"/>
+              </a:ext>
+            </a:extLst>
+          </p:cNvPr>
+          <p:cNvSpPr/>
+          <p:nvPr/>
+        </p:nvSpPr>
+        <p:spPr>
+          <a:xfrm>
+            <a:off x="720399" y="4514420"/>
+            <a:ext cx="609600" cy="499872"/>
+          </a:xfrm>
+          <a:prstGeom prst="roundRect">
+            <a:avLst/>
+          </a:prstGeom>
+        </p:spPr>
+        <p:style>
+          <a:lnRef idx="2">
+            <a:schemeClr val="accent6"/>
+          </a:lnRef>
+          <a:fillRef idx="1">
+            <a:schemeClr val="lt1"/>
+          </a:fillRef>
+          <a:effectRef idx="0">
+            <a:schemeClr val="accent6"/>
+          </a:effectRef>
+          <a:fontRef idx="minor">
+            <a:schemeClr val="dk1"/>
+          </a:fontRef>
+        </p:style>
+        <p:txBody>
+          <a:bodyPr rtlCol="0" anchor="ctr"/>
+          <a:lstStyle/>
+          <a:p>
+            <a:pPr algn="ctr"/>
+            <a:r>
+              <a:rPr kumimoji="1" lang="en-US" altLang="zh-CN" sz="2400" b="1" dirty="0"/>
+              <a:t>5</a:t>
+            </a:r>
+            <a:endParaRPr kumimoji="1" lang="zh-CN" altLang="en-US" sz="2400" b="1" dirty="0"/>
+          </a:p>
+        </p:txBody>
+      </p:sp>
+      <p:sp>
+        <p:nvSpPr>
+          <p:cNvPr id="94" name="圆角矩形 93">
+            <a:extLst>
+              <a:ext uri="{FF2B5EF4-FFF2-40B4-BE49-F238E27FC236}">
+                <a16:creationId xmlns:a16="http://schemas.microsoft.com/office/drawing/2014/main" id="{474787BE-0349-3E47-870B-602677AAA4FA}"/>
+              </a:ext>
+            </a:extLst>
+          </p:cNvPr>
+          <p:cNvSpPr/>
+          <p:nvPr/>
+        </p:nvSpPr>
+        <p:spPr>
+          <a:xfrm>
+            <a:off x="1329999" y="4514420"/>
+            <a:ext cx="609600" cy="499872"/>
+          </a:xfrm>
+          <a:prstGeom prst="roundRect">
+            <a:avLst/>
+          </a:prstGeom>
+        </p:spPr>
+        <p:style>
+          <a:lnRef idx="2">
+            <a:schemeClr val="accent6"/>
+          </a:lnRef>
+          <a:fillRef idx="1">
+            <a:schemeClr val="lt1"/>
+          </a:fillRef>
+          <a:effectRef idx="0">
+            <a:schemeClr val="accent6"/>
+          </a:effectRef>
+          <a:fontRef idx="minor">
+            <a:schemeClr val="dk1"/>
+          </a:fontRef>
+        </p:style>
+        <p:txBody>
+          <a:bodyPr rtlCol="0" anchor="ctr"/>
+          <a:lstStyle/>
+          <a:p>
+            <a:pPr algn="ctr"/>
+            <a:r>
+              <a:rPr kumimoji="1" lang="en-US" altLang="zh-CN" sz="2400" b="1" dirty="0"/>
+              <a:t>6</a:t>
+            </a:r>
+            <a:endParaRPr kumimoji="1" lang="zh-CN" altLang="en-US" sz="2400" b="1" dirty="0"/>
+          </a:p>
+        </p:txBody>
+      </p:sp>
+      <p:sp>
+        <p:nvSpPr>
+          <p:cNvPr id="95" name="圆角矩形 94">
+            <a:extLst>
+              <a:ext uri="{FF2B5EF4-FFF2-40B4-BE49-F238E27FC236}">
+                <a16:creationId xmlns:a16="http://schemas.microsoft.com/office/drawing/2014/main" id="{299C68D8-0CDC-A14F-AA62-D4FA497FD0BE}"/>
+              </a:ext>
+            </a:extLst>
+          </p:cNvPr>
+          <p:cNvSpPr/>
+          <p:nvPr/>
+        </p:nvSpPr>
+        <p:spPr>
+          <a:xfrm>
+            <a:off x="1939599" y="4514420"/>
+            <a:ext cx="609600" cy="499872"/>
+          </a:xfrm>
+          <a:prstGeom prst="roundRect">
+            <a:avLst/>
+          </a:prstGeom>
+        </p:spPr>
+        <p:style>
+          <a:lnRef idx="2">
+            <a:schemeClr val="accent6"/>
+          </a:lnRef>
+          <a:fillRef idx="1">
+            <a:schemeClr val="lt1"/>
+          </a:fillRef>
+          <a:effectRef idx="0">
+            <a:schemeClr val="accent6"/>
+          </a:effectRef>
+          <a:fontRef idx="minor">
+            <a:schemeClr val="dk1"/>
+          </a:fontRef>
+        </p:style>
+        <p:txBody>
+          <a:bodyPr rtlCol="0" anchor="ctr"/>
+          <a:lstStyle/>
+          <a:p>
+            <a:pPr algn="ctr"/>
+            <a:r>
+              <a:rPr kumimoji="1" lang="en-US" altLang="zh-CN" sz="2400" b="1" dirty="0"/>
+              <a:t>7</a:t>
+            </a:r>
+            <a:endParaRPr kumimoji="1" lang="zh-CN" altLang="en-US" sz="2400" b="1" dirty="0"/>
+          </a:p>
+        </p:txBody>
+      </p:sp>
+      <p:sp>
+        <p:nvSpPr>
+          <p:cNvPr id="96" name="圆角矩形 95">
+            <a:extLst>
+              <a:ext uri="{FF2B5EF4-FFF2-40B4-BE49-F238E27FC236}">
+                <a16:creationId xmlns:a16="http://schemas.microsoft.com/office/drawing/2014/main" id="{C9F91EAB-E694-5443-A883-5065370BA742}"/>
+              </a:ext>
+            </a:extLst>
+          </p:cNvPr>
+          <p:cNvSpPr/>
+          <p:nvPr/>
+        </p:nvSpPr>
+        <p:spPr>
+          <a:xfrm>
+            <a:off x="2549199" y="4514420"/>
+            <a:ext cx="609600" cy="499872"/>
+          </a:xfrm>
+          <a:prstGeom prst="roundRect">
+            <a:avLst/>
+          </a:prstGeom>
+        </p:spPr>
+        <p:style>
+          <a:lnRef idx="2">
+            <a:schemeClr val="accent6"/>
+          </a:lnRef>
+          <a:fillRef idx="1">
+            <a:schemeClr val="lt1"/>
+          </a:fillRef>
+          <a:effectRef idx="0">
+            <a:schemeClr val="accent6"/>
+          </a:effectRef>
+          <a:fontRef idx="minor">
+            <a:schemeClr val="dk1"/>
+          </a:fontRef>
+        </p:style>
+        <p:txBody>
+          <a:bodyPr rtlCol="0" anchor="ctr"/>
+          <a:lstStyle/>
+          <a:p>
+            <a:pPr algn="ctr"/>
+            <a:r>
+              <a:rPr kumimoji="1" lang="en-US" altLang="zh-CN" sz="2400" b="1" dirty="0"/>
+              <a:t>8</a:t>
+            </a:r>
+            <a:endParaRPr kumimoji="1" lang="zh-CN" altLang="en-US" sz="2400" b="1" dirty="0"/>
+          </a:p>
+        </p:txBody>
+      </p:sp>
+      <p:sp>
+        <p:nvSpPr>
+          <p:cNvPr id="97" name="圆角矩形 96">
+            <a:extLst>
+              <a:ext uri="{FF2B5EF4-FFF2-40B4-BE49-F238E27FC236}">
+                <a16:creationId xmlns:a16="http://schemas.microsoft.com/office/drawing/2014/main" id="{C1AA0CBE-BE79-8340-941F-4F0EC85A624C}"/>
+              </a:ext>
+            </a:extLst>
+          </p:cNvPr>
+          <p:cNvSpPr/>
+          <p:nvPr/>
+        </p:nvSpPr>
+        <p:spPr>
+          <a:xfrm>
+            <a:off x="3158799" y="4514420"/>
+            <a:ext cx="609600" cy="499872"/>
+          </a:xfrm>
+          <a:prstGeom prst="roundRect">
+            <a:avLst/>
+          </a:prstGeom>
+        </p:spPr>
+        <p:style>
+          <a:lnRef idx="2">
+            <a:schemeClr val="accent6"/>
+          </a:lnRef>
+          <a:fillRef idx="1">
+            <a:schemeClr val="lt1"/>
+          </a:fillRef>
+          <a:effectRef idx="0">
+            <a:schemeClr val="accent6"/>
+          </a:effectRef>
+          <a:fontRef idx="minor">
+            <a:schemeClr val="dk1"/>
+          </a:fontRef>
+        </p:style>
+        <p:txBody>
+          <a:bodyPr rtlCol="0" anchor="ctr"/>
+          <a:lstStyle/>
+          <a:p>
+            <a:pPr algn="ctr"/>
+            <a:r>
+              <a:rPr kumimoji="1" lang="en-US" altLang="zh-CN" sz="2400" b="1" dirty="0"/>
+              <a:t>1</a:t>
+            </a:r>
+            <a:endParaRPr kumimoji="1" lang="zh-CN" altLang="en-US" sz="2400" b="1" dirty="0"/>
+          </a:p>
+        </p:txBody>
+      </p:sp>
+      <p:sp>
+        <p:nvSpPr>
+          <p:cNvPr id="98" name="圆角矩形 97">
+            <a:extLst>
+              <a:ext uri="{FF2B5EF4-FFF2-40B4-BE49-F238E27FC236}">
+                <a16:creationId xmlns:a16="http://schemas.microsoft.com/office/drawing/2014/main" id="{5EE86141-9BEB-6242-8C6E-5EA0F634D5B3}"/>
+              </a:ext>
+            </a:extLst>
+          </p:cNvPr>
+          <p:cNvSpPr/>
+          <p:nvPr/>
+        </p:nvSpPr>
+        <p:spPr>
+          <a:xfrm>
+            <a:off x="3768399" y="4514420"/>
+            <a:ext cx="609600" cy="499872"/>
+          </a:xfrm>
+          <a:prstGeom prst="roundRect">
+            <a:avLst/>
+          </a:prstGeom>
+        </p:spPr>
+        <p:style>
+          <a:lnRef idx="2">
+            <a:schemeClr val="accent6"/>
+          </a:lnRef>
+          <a:fillRef idx="1">
+            <a:schemeClr val="lt1"/>
+          </a:fillRef>
+          <a:effectRef idx="0">
+            <a:schemeClr val="accent6"/>
+          </a:effectRef>
+          <a:fontRef idx="minor">
+            <a:schemeClr val="dk1"/>
+          </a:fontRef>
+        </p:style>
+        <p:txBody>
+          <a:bodyPr rtlCol="0" anchor="ctr"/>
+          <a:lstStyle/>
+          <a:p>
+            <a:pPr algn="ctr"/>
+            <a:r>
+              <a:rPr kumimoji="1" lang="en-US" altLang="zh-CN" sz="2400" b="1" dirty="0"/>
+              <a:t>2</a:t>
+            </a:r>
+            <a:endParaRPr kumimoji="1" lang="zh-CN" altLang="en-US" sz="2400" b="1" dirty="0"/>
+          </a:p>
+        </p:txBody>
+      </p:sp>
+      <p:sp>
+        <p:nvSpPr>
+          <p:cNvPr id="99" name="圆角矩形 98">
+            <a:extLst>
+              <a:ext uri="{FF2B5EF4-FFF2-40B4-BE49-F238E27FC236}">
+                <a16:creationId xmlns:a16="http://schemas.microsoft.com/office/drawing/2014/main" id="{70DD6B5C-3669-DD46-945E-3BAEF342B99E}"/>
+              </a:ext>
+            </a:extLst>
+          </p:cNvPr>
+          <p:cNvSpPr/>
+          <p:nvPr/>
+        </p:nvSpPr>
+        <p:spPr>
+          <a:xfrm>
+            <a:off x="4377999" y="4514420"/>
+            <a:ext cx="609600" cy="499872"/>
+          </a:xfrm>
+          <a:prstGeom prst="roundRect">
+            <a:avLst/>
+          </a:prstGeom>
+        </p:spPr>
+        <p:style>
+          <a:lnRef idx="2">
+            <a:schemeClr val="accent6"/>
+          </a:lnRef>
+          <a:fillRef idx="1">
+            <a:schemeClr val="lt1"/>
+          </a:fillRef>
+          <a:effectRef idx="0">
+            <a:schemeClr val="accent6"/>
+          </a:effectRef>
+          <a:fontRef idx="minor">
+            <a:schemeClr val="dk1"/>
+          </a:fontRef>
+        </p:style>
+        <p:txBody>
+          <a:bodyPr rtlCol="0" anchor="ctr"/>
+          <a:lstStyle/>
+          <a:p>
+            <a:pPr algn="ctr"/>
+            <a:r>
+              <a:rPr kumimoji="1" lang="en-US" altLang="zh-CN" sz="2400" b="1" dirty="0"/>
+              <a:t>3</a:t>
+            </a:r>
+            <a:endParaRPr kumimoji="1" lang="zh-CN" altLang="en-US" sz="2400" b="1" dirty="0"/>
+          </a:p>
+        </p:txBody>
+      </p:sp>
+      <p:cxnSp>
+        <p:nvCxnSpPr>
+          <p:cNvPr id="100" name="直线箭头连接符 99">
+            <a:extLst>
+              <a:ext uri="{FF2B5EF4-FFF2-40B4-BE49-F238E27FC236}">
+                <a16:creationId xmlns:a16="http://schemas.microsoft.com/office/drawing/2014/main" id="{58B293DC-CDD9-6946-905C-50A198834336}"/>
+              </a:ext>
+            </a:extLst>
+          </p:cNvPr>
+          <p:cNvCxnSpPr>
+            <a:cxnSpLocks/>
+          </p:cNvCxnSpPr>
+          <p:nvPr/>
+        </p:nvCxnSpPr>
+        <p:spPr>
+          <a:xfrm flipV="1">
+            <a:off x="3405280" y="5010720"/>
+            <a:ext cx="0" cy="353568"/>
+          </a:xfrm>
+          <a:prstGeom prst="straightConnector1">
+            <a:avLst/>
+          </a:prstGeom>
+          <a:ln>
+            <a:tailEnd type="triangle"/>
+          </a:ln>
+        </p:spPr>
+        <p:style>
+          <a:lnRef idx="1">
+            <a:schemeClr val="accent1"/>
+          </a:lnRef>
+          <a:fillRef idx="0">
+            <a:schemeClr val="accent1"/>
+          </a:fillRef>
+          <a:effectRef idx="0">
+            <a:schemeClr val="accent1"/>
+          </a:effectRef>
+          <a:fontRef idx="minor">
+            <a:schemeClr val="tx1"/>
+          </a:fontRef>
+        </p:style>
+      </p:cxnSp>
+      <p:cxnSp>
+        <p:nvCxnSpPr>
+          <p:cNvPr id="101" name="直线箭头连接符 100">
+            <a:extLst>
+              <a:ext uri="{FF2B5EF4-FFF2-40B4-BE49-F238E27FC236}">
+                <a16:creationId xmlns:a16="http://schemas.microsoft.com/office/drawing/2014/main" id="{9583F5BE-7F3B-0D46-A544-291F91450297}"/>
+              </a:ext>
+            </a:extLst>
+          </p:cNvPr>
+          <p:cNvCxnSpPr>
+            <a:cxnSpLocks/>
+          </p:cNvCxnSpPr>
+          <p:nvPr/>
+        </p:nvCxnSpPr>
+        <p:spPr>
+          <a:xfrm flipV="1">
+            <a:off x="3634043" y="5010720"/>
+            <a:ext cx="0" cy="353568"/>
+          </a:xfrm>
+          <a:prstGeom prst="straightConnector1">
+            <a:avLst/>
+          </a:prstGeom>
+          <a:ln>
+            <a:tailEnd type="triangle"/>
+          </a:ln>
+        </p:spPr>
+        <p:style>
+          <a:lnRef idx="1">
+            <a:schemeClr val="accent1"/>
+          </a:lnRef>
+          <a:fillRef idx="0">
+            <a:schemeClr val="accent1"/>
+          </a:fillRef>
+          <a:effectRef idx="0">
+            <a:schemeClr val="accent1"/>
+          </a:effectRef>
+          <a:fontRef idx="minor">
+            <a:schemeClr val="tx1"/>
+          </a:fontRef>
+        </p:style>
+      </p:cxnSp>
+      <p:cxnSp>
+        <p:nvCxnSpPr>
+          <p:cNvPr id="102" name="直线箭头连接符 101">
+            <a:extLst>
+              <a:ext uri="{FF2B5EF4-FFF2-40B4-BE49-F238E27FC236}">
+                <a16:creationId xmlns:a16="http://schemas.microsoft.com/office/drawing/2014/main" id="{0E05A6FA-5CD4-024F-B282-BA991DC89BB9}"/>
+              </a:ext>
+            </a:extLst>
+          </p:cNvPr>
+          <p:cNvCxnSpPr>
+            <a:cxnSpLocks/>
+          </p:cNvCxnSpPr>
+          <p:nvPr/>
+        </p:nvCxnSpPr>
+        <p:spPr>
+          <a:xfrm flipV="1">
+            <a:off x="3236770" y="5048248"/>
+            <a:ext cx="0" cy="353568"/>
+          </a:xfrm>
+          <a:prstGeom prst="straightConnector1">
+            <a:avLst/>
+          </a:prstGeom>
+          <a:ln>
+            <a:tailEnd type="triangle"/>
+          </a:ln>
+        </p:spPr>
+        <p:style>
+          <a:lnRef idx="1">
+            <a:schemeClr val="accent1"/>
+          </a:lnRef>
+          <a:fillRef idx="0">
+            <a:schemeClr val="accent1"/>
+          </a:fillRef>
+          <a:effectRef idx="0">
+            <a:schemeClr val="accent1"/>
+          </a:effectRef>
+          <a:fontRef idx="minor">
+            <a:schemeClr val="tx1"/>
+          </a:fontRef>
+        </p:style>
+      </p:cxnSp>
+      <p:sp>
+        <p:nvSpPr>
+          <p:cNvPr id="103" name="文本框 102">
+            <a:extLst>
+              <a:ext uri="{FF2B5EF4-FFF2-40B4-BE49-F238E27FC236}">
+                <a16:creationId xmlns:a16="http://schemas.microsoft.com/office/drawing/2014/main" id="{A5FA264C-71E2-8546-A72C-87BC2CB3774C}"/>
+              </a:ext>
+            </a:extLst>
+          </p:cNvPr>
+          <p:cNvSpPr txBox="1"/>
+          <p:nvPr/>
+        </p:nvSpPr>
+        <p:spPr>
+          <a:xfrm>
+            <a:off x="2858334" y="5364288"/>
+            <a:ext cx="530915" cy="369332"/>
+          </a:xfrm>
+          <a:prstGeom prst="rect">
+            <a:avLst/>
+          </a:prstGeom>
+          <a:noFill/>
+        </p:spPr>
+        <p:txBody>
+          <a:bodyPr wrap="none" rtlCol="0">
+            <a:spAutoFit/>
+          </a:bodyPr>
+          <a:lstStyle/>
+          <a:p>
+            <a:r>
+              <a:rPr kumimoji="1" lang="en-US" altLang="zh-CN" dirty="0"/>
+              <a:t>low</a:t>
+            </a:r>
+            <a:endParaRPr kumimoji="1" lang="zh-CN" altLang="en-US" dirty="0"/>
+          </a:p>
+        </p:txBody>
+      </p:sp>
+      <p:sp>
+        <p:nvSpPr>
+          <p:cNvPr id="104" name="文本框 103">
+            <a:extLst>
+              <a:ext uri="{FF2B5EF4-FFF2-40B4-BE49-F238E27FC236}">
+                <a16:creationId xmlns:a16="http://schemas.microsoft.com/office/drawing/2014/main" id="{E9EE8A5F-CDA4-384D-AECF-B328292C1A31}"/>
+              </a:ext>
+            </a:extLst>
+          </p:cNvPr>
+          <p:cNvSpPr txBox="1"/>
+          <p:nvPr/>
+        </p:nvSpPr>
+        <p:spPr>
+          <a:xfrm>
+            <a:off x="3457256" y="5401816"/>
+            <a:ext cx="622286" cy="369332"/>
+          </a:xfrm>
+          <a:prstGeom prst="rect">
+            <a:avLst/>
+          </a:prstGeom>
+          <a:noFill/>
+        </p:spPr>
+        <p:txBody>
+          <a:bodyPr wrap="none" rtlCol="0">
+            <a:spAutoFit/>
+          </a:bodyPr>
+          <a:lstStyle/>
+          <a:p>
+            <a:r>
+              <a:rPr kumimoji="1" lang="en-US" altLang="zh-CN" dirty="0"/>
+              <a:t>high</a:t>
+            </a:r>
+            <a:endParaRPr kumimoji="1" lang="zh-CN" altLang="en-US" dirty="0"/>
+          </a:p>
+        </p:txBody>
+      </p:sp>
+      <p:sp>
+        <p:nvSpPr>
+          <p:cNvPr id="105" name="矩形 104">
+            <a:extLst>
+              <a:ext uri="{FF2B5EF4-FFF2-40B4-BE49-F238E27FC236}">
+                <a16:creationId xmlns:a16="http://schemas.microsoft.com/office/drawing/2014/main" id="{793D77E3-2A39-BE40-8E2D-4863E27E2C0F}"/>
+              </a:ext>
+            </a:extLst>
+          </p:cNvPr>
+          <p:cNvSpPr/>
+          <p:nvPr/>
+        </p:nvSpPr>
+        <p:spPr>
+          <a:xfrm>
+            <a:off x="3138881" y="5567146"/>
+            <a:ext cx="562975" cy="369332"/>
+          </a:xfrm>
+          <a:prstGeom prst="rect">
+            <a:avLst/>
+          </a:prstGeom>
+        </p:spPr>
+        <p:txBody>
+          <a:bodyPr wrap="square">
+            <a:spAutoFit/>
+          </a:bodyPr>
+          <a:lstStyle/>
+          <a:p>
+            <a:r>
+              <a:rPr lang="en-US" altLang="zh-CN" dirty="0"/>
+              <a:t>mid</a:t>
+            </a:r>
             <a:endParaRPr lang="zh-CN" altLang="en-US" dirty="0"/>
+          </a:p>
+        </p:txBody>
+      </p:sp>
+      <p:sp>
+        <p:nvSpPr>
+          <p:cNvPr id="3" name="文本框 2">
+            <a:extLst>
+              <a:ext uri="{FF2B5EF4-FFF2-40B4-BE49-F238E27FC236}">
+                <a16:creationId xmlns:a16="http://schemas.microsoft.com/office/drawing/2014/main" id="{08255DAB-8544-9847-9F14-D3C25B823670}"/>
+              </a:ext>
+            </a:extLst>
+          </p:cNvPr>
+          <p:cNvSpPr txBox="1"/>
+          <p:nvPr/>
+        </p:nvSpPr>
+        <p:spPr>
+          <a:xfrm>
+            <a:off x="9737124" y="871728"/>
+            <a:ext cx="1285929" cy="369332"/>
+          </a:xfrm>
+          <a:prstGeom prst="rect">
+            <a:avLst/>
+          </a:prstGeom>
+          <a:noFill/>
+        </p:spPr>
+        <p:txBody>
+          <a:bodyPr wrap="none" rtlCol="0">
+            <a:spAutoFit/>
+          </a:bodyPr>
+          <a:lstStyle/>
+          <a:p>
+            <a:r>
+              <a:rPr kumimoji="1" lang="en-US" altLang="zh-CN" dirty="0"/>
+              <a:t>Mid &gt;=low</a:t>
+            </a:r>
+            <a:endParaRPr kumimoji="1" lang="zh-CN" altLang="en-US" dirty="0"/>
           </a:p>
         </p:txBody>
       </p:sp>
@@ -7089,7 +7742,7 @@
         <p:spPr>
           <a:xfrm>
             <a:off x="109728" y="670388"/>
-            <a:ext cx="6096000" cy="5078313"/>
+            <a:ext cx="6096000" cy="5632311"/>
           </a:xfrm>
           <a:prstGeom prst="rect">
             <a:avLst/>
@@ -7123,6 +7776,11 @@
               <a:rPr lang="zh-CN" altLang="en-US" dirty="0"/>
               <a:t>数字4拆成2+2，乘积最大，为4。</a:t>
             </a:r>
+            <a:r>
+              <a:rPr lang="en-US" altLang="zh-CN" dirty="0"/>
+              <a:t>3 +1  </a:t>
+            </a:r>
+            <a:endParaRPr lang="zh-CN" altLang="en-US" dirty="0"/>
           </a:p>
           <a:p>
             <a:endParaRPr lang="zh-CN" altLang="en-US" dirty="0"/>
@@ -7132,6 +7790,11 @@
               <a:rPr lang="zh-CN" altLang="en-US" dirty="0"/>
               <a:t>数字5拆成3+2，乘积最大，为6。</a:t>
             </a:r>
+            <a:r>
+              <a:rPr lang="en-US" altLang="zh-CN" dirty="0"/>
+              <a:t> 3*1 = 3  3*2</a:t>
+            </a:r>
+            <a:endParaRPr lang="zh-CN" altLang="en-US" dirty="0"/>
           </a:p>
           <a:p>
             <a:endParaRPr lang="zh-CN" altLang="en-US" dirty="0"/>
@@ -7177,6 +7840,17 @@
               <a:rPr lang="zh-CN" altLang="en-US" dirty="0"/>
               <a:t>数字10拆为3+3+4，乘积最大，为36。</a:t>
             </a:r>
+            <a:endParaRPr lang="en-US" altLang="zh-CN" dirty="0"/>
+          </a:p>
+          <a:p>
+            <a:endParaRPr lang="en-US" altLang="zh-CN" dirty="0"/>
+          </a:p>
+          <a:p>
+            <a:r>
+              <a:rPr lang="en-US" altLang="zh-CN" dirty="0"/>
+              <a:t>4 = 2*2   4 = 2+2  2*2</a:t>
+            </a:r>
+            <a:endParaRPr lang="zh-CN" altLang="en-US" dirty="0"/>
           </a:p>
         </p:txBody>
       </p:sp>
@@ -7215,6 +7889,681 @@
           <p:cNvPr id="4" name="矩形 3">
             <a:extLst>
               <a:ext uri="{FF2B5EF4-FFF2-40B4-BE49-F238E27FC236}">
+                <a16:creationId xmlns:a16="http://schemas.microsoft.com/office/drawing/2014/main" id="{8C3D9E44-BCB5-8344-A998-C57A35A45180}"/>
+              </a:ext>
+            </a:extLst>
+          </p:cNvPr>
+          <p:cNvSpPr/>
+          <p:nvPr/>
+        </p:nvSpPr>
+        <p:spPr>
+          <a:xfrm>
+            <a:off x="0" y="118075"/>
+            <a:ext cx="2664512" cy="369332"/>
+          </a:xfrm>
+          <a:prstGeom prst="rect">
+            <a:avLst/>
+          </a:prstGeom>
+        </p:spPr>
+        <p:txBody>
+          <a:bodyPr wrap="none">
+            <a:spAutoFit/>
+          </a:bodyPr>
+          <a:lstStyle/>
+          <a:p>
+            <a:r>
+              <a:rPr lang="en" altLang="zh-CN" dirty="0">
+                <a:solidFill>
+                  <a:srgbClr val="FF0000"/>
+                </a:solidFill>
+              </a:rPr>
+              <a:t>_18_01_DeleteNodeInList</a:t>
+            </a:r>
+            <a:endParaRPr lang="zh-CN" altLang="en-US" dirty="0">
+              <a:solidFill>
+                <a:srgbClr val="FF0000"/>
+              </a:solidFill>
+            </a:endParaRPr>
+          </a:p>
+        </p:txBody>
+      </p:sp>
+      <p:sp>
+        <p:nvSpPr>
+          <p:cNvPr id="5" name="矩形 4">
+            <a:extLst>
+              <a:ext uri="{FF2B5EF4-FFF2-40B4-BE49-F238E27FC236}">
+                <a16:creationId xmlns:a16="http://schemas.microsoft.com/office/drawing/2014/main" id="{64747BB6-0A0E-2147-88C1-A4674FE76116}"/>
+              </a:ext>
+            </a:extLst>
+          </p:cNvPr>
+          <p:cNvSpPr/>
+          <p:nvPr/>
+        </p:nvSpPr>
+        <p:spPr>
+          <a:xfrm>
+            <a:off x="205629" y="785339"/>
+            <a:ext cx="1944763" cy="369332"/>
+          </a:xfrm>
+          <a:prstGeom prst="rect">
+            <a:avLst/>
+          </a:prstGeom>
+        </p:spPr>
+        <p:txBody>
+          <a:bodyPr wrap="none">
+            <a:spAutoFit/>
+          </a:bodyPr>
+          <a:lstStyle/>
+          <a:p>
+            <a:r>
+              <a:rPr lang="en" altLang="zh-CN" dirty="0"/>
+              <a:t>A -&gt; B -&gt; C -&gt; D</a:t>
+            </a:r>
+            <a:endParaRPr lang="zh-CN" altLang="en-US" dirty="0"/>
+          </a:p>
+        </p:txBody>
+      </p:sp>
+      <p:cxnSp>
+        <p:nvCxnSpPr>
+          <p:cNvPr id="6" name="直线箭头连接符 5">
+            <a:extLst>
+              <a:ext uri="{FF2B5EF4-FFF2-40B4-BE49-F238E27FC236}">
+                <a16:creationId xmlns:a16="http://schemas.microsoft.com/office/drawing/2014/main" id="{EFCCFF36-984D-3340-9631-6C1DA1BB6BC3}"/>
+              </a:ext>
+            </a:extLst>
+          </p:cNvPr>
+          <p:cNvCxnSpPr>
+            <a:cxnSpLocks/>
+          </p:cNvCxnSpPr>
+          <p:nvPr/>
+        </p:nvCxnSpPr>
+        <p:spPr>
+          <a:xfrm flipV="1">
+            <a:off x="859372" y="1154671"/>
+            <a:ext cx="0" cy="353568"/>
+          </a:xfrm>
+          <a:prstGeom prst="straightConnector1">
+            <a:avLst/>
+          </a:prstGeom>
+          <a:ln>
+            <a:tailEnd type="triangle"/>
+          </a:ln>
+        </p:spPr>
+        <p:style>
+          <a:lnRef idx="1">
+            <a:schemeClr val="accent1"/>
+          </a:lnRef>
+          <a:fillRef idx="0">
+            <a:schemeClr val="accent1"/>
+          </a:fillRef>
+          <a:effectRef idx="0">
+            <a:schemeClr val="accent1"/>
+          </a:effectRef>
+          <a:fontRef idx="minor">
+            <a:schemeClr val="tx1"/>
+          </a:fontRef>
+        </p:style>
+      </p:cxnSp>
+      <p:sp>
+        <p:nvSpPr>
+          <p:cNvPr id="7" name="文本框 6">
+            <a:extLst>
+              <a:ext uri="{FF2B5EF4-FFF2-40B4-BE49-F238E27FC236}">
+                <a16:creationId xmlns:a16="http://schemas.microsoft.com/office/drawing/2014/main" id="{62B35800-8400-234F-B918-3AB64AE8CAF4}"/>
+              </a:ext>
+            </a:extLst>
+          </p:cNvPr>
+          <p:cNvSpPr txBox="1"/>
+          <p:nvPr/>
+        </p:nvSpPr>
+        <p:spPr>
+          <a:xfrm>
+            <a:off x="2483708" y="785339"/>
+            <a:ext cx="1338828" cy="369332"/>
+          </a:xfrm>
+          <a:prstGeom prst="rect">
+            <a:avLst/>
+          </a:prstGeom>
+          <a:noFill/>
+        </p:spPr>
+        <p:txBody>
+          <a:bodyPr wrap="none" rtlCol="0">
+            <a:spAutoFit/>
+          </a:bodyPr>
+          <a:lstStyle/>
+          <a:p>
+            <a:r>
+              <a:rPr kumimoji="1" lang="zh-CN" altLang="en-US" dirty="0"/>
+              <a:t>删除头结点</a:t>
+            </a:r>
+          </a:p>
+        </p:txBody>
+      </p:sp>
+      <p:sp>
+        <p:nvSpPr>
+          <p:cNvPr id="8" name="矩形 7">
+            <a:extLst>
+              <a:ext uri="{FF2B5EF4-FFF2-40B4-BE49-F238E27FC236}">
+                <a16:creationId xmlns:a16="http://schemas.microsoft.com/office/drawing/2014/main" id="{A5679AEC-028F-E94D-8479-7DE497AB3567}"/>
+              </a:ext>
+            </a:extLst>
+          </p:cNvPr>
+          <p:cNvSpPr/>
+          <p:nvPr/>
+        </p:nvSpPr>
+        <p:spPr>
+          <a:xfrm>
+            <a:off x="205629" y="2099274"/>
+            <a:ext cx="1944763" cy="369332"/>
+          </a:xfrm>
+          <a:prstGeom prst="rect">
+            <a:avLst/>
+          </a:prstGeom>
+        </p:spPr>
+        <p:txBody>
+          <a:bodyPr wrap="none">
+            <a:spAutoFit/>
+          </a:bodyPr>
+          <a:lstStyle/>
+          <a:p>
+            <a:r>
+              <a:rPr lang="en" altLang="zh-CN" dirty="0"/>
+              <a:t>A -&gt; B -&gt; C -&gt; D</a:t>
+            </a:r>
+            <a:endParaRPr lang="zh-CN" altLang="en-US" dirty="0"/>
+          </a:p>
+        </p:txBody>
+      </p:sp>
+      <p:cxnSp>
+        <p:nvCxnSpPr>
+          <p:cNvPr id="9" name="直线箭头连接符 8">
+            <a:extLst>
+              <a:ext uri="{FF2B5EF4-FFF2-40B4-BE49-F238E27FC236}">
+                <a16:creationId xmlns:a16="http://schemas.microsoft.com/office/drawing/2014/main" id="{62901F51-ED29-BF4D-B993-888C540E982B}"/>
+              </a:ext>
+            </a:extLst>
+          </p:cNvPr>
+          <p:cNvCxnSpPr>
+            <a:cxnSpLocks/>
+          </p:cNvCxnSpPr>
+          <p:nvPr/>
+        </p:nvCxnSpPr>
+        <p:spPr>
+          <a:xfrm flipV="1">
+            <a:off x="377459" y="2468606"/>
+            <a:ext cx="0" cy="353568"/>
+          </a:xfrm>
+          <a:prstGeom prst="straightConnector1">
+            <a:avLst/>
+          </a:prstGeom>
+          <a:ln>
+            <a:tailEnd type="triangle"/>
+          </a:ln>
+        </p:spPr>
+        <p:style>
+          <a:lnRef idx="1">
+            <a:schemeClr val="accent1"/>
+          </a:lnRef>
+          <a:fillRef idx="0">
+            <a:schemeClr val="accent1"/>
+          </a:fillRef>
+          <a:effectRef idx="0">
+            <a:schemeClr val="accent1"/>
+          </a:effectRef>
+          <a:fontRef idx="minor">
+            <a:schemeClr val="tx1"/>
+          </a:fontRef>
+        </p:style>
+      </p:cxnSp>
+      <p:sp>
+        <p:nvSpPr>
+          <p:cNvPr id="10" name="文本框 9">
+            <a:extLst>
+              <a:ext uri="{FF2B5EF4-FFF2-40B4-BE49-F238E27FC236}">
+                <a16:creationId xmlns:a16="http://schemas.microsoft.com/office/drawing/2014/main" id="{2041BDED-55B1-A84E-8F01-E35C1B383251}"/>
+              </a:ext>
+            </a:extLst>
+          </p:cNvPr>
+          <p:cNvSpPr txBox="1"/>
+          <p:nvPr/>
+        </p:nvSpPr>
+        <p:spPr>
+          <a:xfrm>
+            <a:off x="520176" y="1508954"/>
+            <a:ext cx="678391" cy="369332"/>
+          </a:xfrm>
+          <a:prstGeom prst="rect">
+            <a:avLst/>
+          </a:prstGeom>
+          <a:noFill/>
+        </p:spPr>
+        <p:txBody>
+          <a:bodyPr wrap="none" rtlCol="0">
+            <a:spAutoFit/>
+          </a:bodyPr>
+          <a:lstStyle/>
+          <a:p>
+            <a:r>
+              <a:rPr kumimoji="1" lang="en-US" altLang="zh-CN" dirty="0"/>
+              <a:t>head</a:t>
+            </a:r>
+            <a:endParaRPr kumimoji="1" lang="zh-CN" altLang="en-US" dirty="0"/>
+          </a:p>
+        </p:txBody>
+      </p:sp>
+      <p:sp>
+        <p:nvSpPr>
+          <p:cNvPr id="11" name="文本框 10">
+            <a:extLst>
+              <a:ext uri="{FF2B5EF4-FFF2-40B4-BE49-F238E27FC236}">
+                <a16:creationId xmlns:a16="http://schemas.microsoft.com/office/drawing/2014/main" id="{EA135DD5-5FF6-2C46-8EF6-A90A99C75016}"/>
+              </a:ext>
+            </a:extLst>
+          </p:cNvPr>
+          <p:cNvSpPr txBox="1"/>
+          <p:nvPr/>
+        </p:nvSpPr>
+        <p:spPr>
+          <a:xfrm>
+            <a:off x="43825" y="2822174"/>
+            <a:ext cx="678391" cy="369332"/>
+          </a:xfrm>
+          <a:prstGeom prst="rect">
+            <a:avLst/>
+          </a:prstGeom>
+          <a:noFill/>
+        </p:spPr>
+        <p:txBody>
+          <a:bodyPr wrap="none" rtlCol="0">
+            <a:spAutoFit/>
+          </a:bodyPr>
+          <a:lstStyle/>
+          <a:p>
+            <a:r>
+              <a:rPr kumimoji="1" lang="en-US" altLang="zh-CN" dirty="0"/>
+              <a:t>head</a:t>
+            </a:r>
+            <a:endParaRPr kumimoji="1" lang="zh-CN" altLang="en-US" dirty="0"/>
+          </a:p>
+        </p:txBody>
+      </p:sp>
+      <p:cxnSp>
+        <p:nvCxnSpPr>
+          <p:cNvPr id="12" name="直线箭头连接符 11">
+            <a:extLst>
+              <a:ext uri="{FF2B5EF4-FFF2-40B4-BE49-F238E27FC236}">
+                <a16:creationId xmlns:a16="http://schemas.microsoft.com/office/drawing/2014/main" id="{9BE98D2C-E577-C34D-A200-E371F06ED64B}"/>
+              </a:ext>
+            </a:extLst>
+          </p:cNvPr>
+          <p:cNvCxnSpPr>
+            <a:cxnSpLocks/>
+          </p:cNvCxnSpPr>
+          <p:nvPr/>
+        </p:nvCxnSpPr>
+        <p:spPr>
+          <a:xfrm flipV="1">
+            <a:off x="1926172" y="2468606"/>
+            <a:ext cx="0" cy="353568"/>
+          </a:xfrm>
+          <a:prstGeom prst="straightConnector1">
+            <a:avLst/>
+          </a:prstGeom>
+          <a:ln>
+            <a:tailEnd type="triangle"/>
+          </a:ln>
+        </p:spPr>
+        <p:style>
+          <a:lnRef idx="1">
+            <a:schemeClr val="accent1"/>
+          </a:lnRef>
+          <a:fillRef idx="0">
+            <a:schemeClr val="accent1"/>
+          </a:fillRef>
+          <a:effectRef idx="0">
+            <a:schemeClr val="accent1"/>
+          </a:effectRef>
+          <a:fontRef idx="minor">
+            <a:schemeClr val="tx1"/>
+          </a:fontRef>
+        </p:style>
+      </p:cxnSp>
+      <p:sp>
+        <p:nvSpPr>
+          <p:cNvPr id="13" name="文本框 12">
+            <a:extLst>
+              <a:ext uri="{FF2B5EF4-FFF2-40B4-BE49-F238E27FC236}">
+                <a16:creationId xmlns:a16="http://schemas.microsoft.com/office/drawing/2014/main" id="{A4FE33B1-CC97-874D-AE88-953232997BFF}"/>
+              </a:ext>
+            </a:extLst>
+          </p:cNvPr>
+          <p:cNvSpPr txBox="1"/>
+          <p:nvPr/>
+        </p:nvSpPr>
+        <p:spPr>
+          <a:xfrm>
+            <a:off x="1770520" y="2837938"/>
+            <a:ext cx="311304" cy="369332"/>
+          </a:xfrm>
+          <a:prstGeom prst="rect">
+            <a:avLst/>
+          </a:prstGeom>
+          <a:noFill/>
+        </p:spPr>
+        <p:txBody>
+          <a:bodyPr wrap="none" rtlCol="0">
+            <a:spAutoFit/>
+          </a:bodyPr>
+          <a:lstStyle/>
+          <a:p>
+            <a:r>
+              <a:rPr kumimoji="1" lang="en-US" altLang="zh-CN" dirty="0"/>
+              <a:t>P</a:t>
+            </a:r>
+            <a:endParaRPr kumimoji="1" lang="zh-CN" altLang="en-US" dirty="0"/>
+          </a:p>
+        </p:txBody>
+      </p:sp>
+      <p:sp>
+        <p:nvSpPr>
+          <p:cNvPr id="16" name="矩形 15">
+            <a:extLst>
+              <a:ext uri="{FF2B5EF4-FFF2-40B4-BE49-F238E27FC236}">
+                <a16:creationId xmlns:a16="http://schemas.microsoft.com/office/drawing/2014/main" id="{F16D5AA7-B9B3-3E49-AB3D-DEC4F2CAE966}"/>
+              </a:ext>
+            </a:extLst>
+          </p:cNvPr>
+          <p:cNvSpPr/>
+          <p:nvPr/>
+        </p:nvSpPr>
+        <p:spPr>
+          <a:xfrm>
+            <a:off x="1262097" y="2504928"/>
+            <a:ext cx="574196" cy="369332"/>
+          </a:xfrm>
+          <a:prstGeom prst="rect">
+            <a:avLst/>
+          </a:prstGeom>
+        </p:spPr>
+        <p:txBody>
+          <a:bodyPr wrap="none">
+            <a:spAutoFit/>
+          </a:bodyPr>
+          <a:lstStyle/>
+          <a:p>
+            <a:r>
+              <a:rPr lang="en-US" altLang="zh-CN" dirty="0"/>
+              <a:t>D</a:t>
+            </a:r>
+            <a:r>
+              <a:rPr lang="zh-CN" altLang="en-US" dirty="0"/>
+              <a:t>’</a:t>
+            </a:r>
+          </a:p>
+        </p:txBody>
+      </p:sp>
+      <p:sp>
+        <p:nvSpPr>
+          <p:cNvPr id="17" name="矩形 16">
+            <a:extLst>
+              <a:ext uri="{FF2B5EF4-FFF2-40B4-BE49-F238E27FC236}">
+                <a16:creationId xmlns:a16="http://schemas.microsoft.com/office/drawing/2014/main" id="{0276E5B3-9647-044B-8D85-30FD8746873C}"/>
+              </a:ext>
+            </a:extLst>
+          </p:cNvPr>
+          <p:cNvSpPr/>
+          <p:nvPr/>
+        </p:nvSpPr>
+        <p:spPr>
+          <a:xfrm>
+            <a:off x="2483708" y="2135596"/>
+            <a:ext cx="922047" cy="369332"/>
+          </a:xfrm>
+          <a:prstGeom prst="rect">
+            <a:avLst/>
+          </a:prstGeom>
+        </p:spPr>
+        <p:txBody>
+          <a:bodyPr wrap="none">
+            <a:spAutoFit/>
+          </a:bodyPr>
+          <a:lstStyle/>
+          <a:p>
+            <a:r>
+              <a:rPr kumimoji="1" lang="zh-CN" altLang="en-US" dirty="0"/>
+              <a:t>让</a:t>
+            </a:r>
+            <a:r>
+              <a:rPr kumimoji="1" lang="en-US" altLang="zh-CN" dirty="0"/>
+              <a:t>C=D'</a:t>
+            </a:r>
+            <a:endParaRPr kumimoji="1" lang="zh-CN" altLang="en-US" dirty="0"/>
+          </a:p>
+        </p:txBody>
+      </p:sp>
+      <p:sp>
+        <p:nvSpPr>
+          <p:cNvPr id="18" name="矩形 17">
+            <a:extLst>
+              <a:ext uri="{FF2B5EF4-FFF2-40B4-BE49-F238E27FC236}">
+                <a16:creationId xmlns:a16="http://schemas.microsoft.com/office/drawing/2014/main" id="{D48A57C0-BF30-E542-8737-20A570F1B464}"/>
+              </a:ext>
+            </a:extLst>
+          </p:cNvPr>
+          <p:cNvSpPr/>
+          <p:nvPr/>
+        </p:nvSpPr>
+        <p:spPr>
+          <a:xfrm>
+            <a:off x="205629" y="3614409"/>
+            <a:ext cx="2141933" cy="369332"/>
+          </a:xfrm>
+          <a:prstGeom prst="rect">
+            <a:avLst/>
+          </a:prstGeom>
+        </p:spPr>
+        <p:txBody>
+          <a:bodyPr wrap="none">
+            <a:spAutoFit/>
+          </a:bodyPr>
+          <a:lstStyle/>
+          <a:p>
+            <a:r>
+              <a:rPr lang="en" altLang="zh-CN" dirty="0"/>
+              <a:t>A -&gt; B -&gt; C -&gt; null</a:t>
+            </a:r>
+            <a:endParaRPr lang="zh-CN" altLang="en-US" dirty="0"/>
+          </a:p>
+        </p:txBody>
+      </p:sp>
+      <p:cxnSp>
+        <p:nvCxnSpPr>
+          <p:cNvPr id="19" name="直线箭头连接符 18">
+            <a:extLst>
+              <a:ext uri="{FF2B5EF4-FFF2-40B4-BE49-F238E27FC236}">
+                <a16:creationId xmlns:a16="http://schemas.microsoft.com/office/drawing/2014/main" id="{102F4C59-B716-5942-BBC9-FE8CAC20F01C}"/>
+              </a:ext>
+            </a:extLst>
+          </p:cNvPr>
+          <p:cNvCxnSpPr>
+            <a:cxnSpLocks/>
+          </p:cNvCxnSpPr>
+          <p:nvPr/>
+        </p:nvCxnSpPr>
+        <p:spPr>
+          <a:xfrm flipV="1">
+            <a:off x="377459" y="3983741"/>
+            <a:ext cx="0" cy="353568"/>
+          </a:xfrm>
+          <a:prstGeom prst="straightConnector1">
+            <a:avLst/>
+          </a:prstGeom>
+          <a:ln>
+            <a:tailEnd type="triangle"/>
+          </a:ln>
+        </p:spPr>
+        <p:style>
+          <a:lnRef idx="1">
+            <a:schemeClr val="accent1"/>
+          </a:lnRef>
+          <a:fillRef idx="0">
+            <a:schemeClr val="accent1"/>
+          </a:fillRef>
+          <a:effectRef idx="0">
+            <a:schemeClr val="accent1"/>
+          </a:effectRef>
+          <a:fontRef idx="minor">
+            <a:schemeClr val="tx1"/>
+          </a:fontRef>
+        </p:style>
+      </p:cxnSp>
+      <p:sp>
+        <p:nvSpPr>
+          <p:cNvPr id="20" name="文本框 19">
+            <a:extLst>
+              <a:ext uri="{FF2B5EF4-FFF2-40B4-BE49-F238E27FC236}">
+                <a16:creationId xmlns:a16="http://schemas.microsoft.com/office/drawing/2014/main" id="{86AB36EB-50BA-3249-887E-16A55C942F7C}"/>
+              </a:ext>
+            </a:extLst>
+          </p:cNvPr>
+          <p:cNvSpPr txBox="1"/>
+          <p:nvPr/>
+        </p:nvSpPr>
+        <p:spPr>
+          <a:xfrm>
+            <a:off x="43825" y="4337309"/>
+            <a:ext cx="678391" cy="369332"/>
+          </a:xfrm>
+          <a:prstGeom prst="rect">
+            <a:avLst/>
+          </a:prstGeom>
+          <a:noFill/>
+        </p:spPr>
+        <p:txBody>
+          <a:bodyPr wrap="none" rtlCol="0">
+            <a:spAutoFit/>
+          </a:bodyPr>
+          <a:lstStyle/>
+          <a:p>
+            <a:r>
+              <a:rPr kumimoji="1" lang="en-US" altLang="zh-CN" dirty="0"/>
+              <a:t>head</a:t>
+            </a:r>
+            <a:endParaRPr kumimoji="1" lang="zh-CN" altLang="en-US" dirty="0"/>
+          </a:p>
+        </p:txBody>
+      </p:sp>
+      <p:sp>
+        <p:nvSpPr>
+          <p:cNvPr id="23" name="矩形 22">
+            <a:extLst>
+              <a:ext uri="{FF2B5EF4-FFF2-40B4-BE49-F238E27FC236}">
+                <a16:creationId xmlns:a16="http://schemas.microsoft.com/office/drawing/2014/main" id="{F95AE11D-19B8-0844-90BD-6FB651F8FAFE}"/>
+              </a:ext>
+            </a:extLst>
+          </p:cNvPr>
+          <p:cNvSpPr/>
+          <p:nvPr/>
+        </p:nvSpPr>
+        <p:spPr>
+          <a:xfrm>
+            <a:off x="1262097" y="4020063"/>
+            <a:ext cx="574196" cy="369332"/>
+          </a:xfrm>
+          <a:prstGeom prst="rect">
+            <a:avLst/>
+          </a:prstGeom>
+        </p:spPr>
+        <p:txBody>
+          <a:bodyPr wrap="none">
+            <a:spAutoFit/>
+          </a:bodyPr>
+          <a:lstStyle/>
+          <a:p>
+            <a:r>
+              <a:rPr lang="en-US" altLang="zh-CN" dirty="0"/>
+              <a:t>D</a:t>
+            </a:r>
+            <a:r>
+              <a:rPr lang="zh-CN" altLang="en-US" dirty="0"/>
+              <a:t>’</a:t>
+            </a:r>
+          </a:p>
+        </p:txBody>
+      </p:sp>
+      <p:sp>
+        <p:nvSpPr>
+          <p:cNvPr id="24" name="矩形 23">
+            <a:extLst>
+              <a:ext uri="{FF2B5EF4-FFF2-40B4-BE49-F238E27FC236}">
+                <a16:creationId xmlns:a16="http://schemas.microsoft.com/office/drawing/2014/main" id="{07D8642F-DFBA-7248-A81B-6AC124EDD71B}"/>
+              </a:ext>
+            </a:extLst>
+          </p:cNvPr>
+          <p:cNvSpPr/>
+          <p:nvPr/>
+        </p:nvSpPr>
+        <p:spPr>
+          <a:xfrm>
+            <a:off x="2483708" y="3650731"/>
+            <a:ext cx="1475084" cy="369332"/>
+          </a:xfrm>
+          <a:prstGeom prst="rect">
+            <a:avLst/>
+          </a:prstGeom>
+        </p:spPr>
+        <p:txBody>
+          <a:bodyPr wrap="none">
+            <a:spAutoFit/>
+          </a:bodyPr>
+          <a:lstStyle/>
+          <a:p>
+            <a:r>
+              <a:rPr kumimoji="1" lang="en-US" altLang="zh-CN" dirty="0" err="1"/>
+              <a:t>C.Next</a:t>
+            </a:r>
+            <a:r>
+              <a:rPr kumimoji="1" lang="en-US" altLang="zh-CN" dirty="0"/>
+              <a:t> = null</a:t>
+            </a:r>
+            <a:endParaRPr kumimoji="1" lang="zh-CN" altLang="en-US" dirty="0"/>
+          </a:p>
+        </p:txBody>
+      </p:sp>
+    </p:spTree>
+    <p:extLst>
+      <p:ext uri="{BB962C8B-B14F-4D97-AF65-F5344CB8AC3E}">
+        <p14:creationId xmlns:p14="http://schemas.microsoft.com/office/powerpoint/2010/main" val="3840162472"/>
+      </p:ext>
+    </p:extLst>
+  </p:cSld>
+  <p:clrMapOvr>
+    <a:masterClrMapping/>
+  </p:clrMapOvr>
+</p:sld>
+</file>
+
+<file path=ppt/slides/slide4.xml><?xml version="1.0" encoding="utf-8"?>
+<p:sld xmlns:a="http://schemas.openxmlformats.org/drawingml/2006/main" xmlns:r="http://schemas.openxmlformats.org/officeDocument/2006/relationships" xmlns:p="http://schemas.openxmlformats.org/presentationml/2006/main">
+  <p:cSld>
+    <p:spTree>
+      <p:nvGrpSpPr>
+        <p:cNvPr id="1" name=""/>
+        <p:cNvGrpSpPr/>
+        <p:nvPr/>
+      </p:nvGrpSpPr>
+      <p:grpSpPr>
+        <a:xfrm>
+          <a:off x="0" y="0"/>
+          <a:ext cx="0" cy="0"/>
+          <a:chOff x="0" y="0"/>
+          <a:chExt cx="0" cy="0"/>
+        </a:xfrm>
+      </p:grpSpPr>
+      <p:sp>
+        <p:nvSpPr>
+          <p:cNvPr id="4" name="矩形 3">
+            <a:extLst>
+              <a:ext uri="{FF2B5EF4-FFF2-40B4-BE49-F238E27FC236}">
                 <a16:creationId xmlns:a16="http://schemas.microsoft.com/office/drawing/2014/main" id="{294908A2-9A89-6C4A-9F1C-8A9E4C6291BB}"/>
               </a:ext>
             </a:extLst>
@@ -7293,10 +8642,6 @@
           <a:lstStyle/>
           <a:p>
             <a:pPr algn="ctr"/>
-            <a:r>
-              <a:rPr kumimoji="1" lang="en-US" altLang="zh-CN" sz="2400" b="1" dirty="0"/>
-              <a:t>?</a:t>
-            </a:r>
             <a:endParaRPr kumimoji="1" lang="zh-CN" altLang="en-US" sz="2400" b="1" dirty="0"/>
           </a:p>
         </p:txBody>
@@ -7693,7 +9038,7 @@
         <p:spPr>
           <a:xfrm>
             <a:off x="181469" y="1478125"/>
-            <a:ext cx="603050" cy="369332"/>
+            <a:ext cx="514885" cy="369332"/>
           </a:xfrm>
           <a:prstGeom prst="rect">
             <a:avLst/>
@@ -7708,7 +9053,7 @@
           <a:p>
             <a:r>
               <a:rPr kumimoji="1" lang="en-US" altLang="zh-CN" dirty="0"/>
-              <a:t>root</a:t>
+              <a:t>pre</a:t>
             </a:r>
             <a:endParaRPr kumimoji="1" lang="zh-CN" altLang="en-US" dirty="0"/>
           </a:p>
@@ -7730,7 +9075,7 @@
         </p:nvCxnSpPr>
         <p:spPr>
           <a:xfrm flipV="1">
-            <a:off x="1026504" y="1121664"/>
+            <a:off x="915293" y="1135009"/>
             <a:ext cx="0" cy="353568"/>
           </a:xfrm>
           <a:prstGeom prst="straightConnector1">
@@ -7769,7 +9114,7 @@
         </p:nvSpPr>
         <p:spPr>
           <a:xfrm>
-            <a:off x="791069" y="1475232"/>
+            <a:off x="576097" y="1790438"/>
             <a:ext cx="678391" cy="369332"/>
           </a:xfrm>
           <a:prstGeom prst="rect">
@@ -7832,10 +9177,10 @@
           <a:p>
             <a:pPr algn="ctr"/>
             <a:r>
-              <a:rPr kumimoji="1" lang="en-US" altLang="zh-CN" sz="2400" b="1" strike="sngStrike" dirty="0"/>
+              <a:rPr kumimoji="1" lang="en-US" altLang="zh-CN" sz="2400" b="1" dirty="0"/>
               <a:t>5</a:t>
             </a:r>
-            <a:endParaRPr kumimoji="1" lang="zh-CN" altLang="en-US" sz="2400" b="1" strike="sngStrike" dirty="0"/>
+            <a:endParaRPr kumimoji="1" lang="zh-CN" altLang="en-US" sz="2400" b="1" dirty="0"/>
           </a:p>
         </p:txBody>
       </p:sp>
@@ -7880,10 +9225,10 @@
           <a:p>
             <a:pPr algn="ctr"/>
             <a:r>
-              <a:rPr kumimoji="1" lang="en-US" altLang="zh-CN" sz="2400" b="1" strike="sngStrike" dirty="0"/>
+              <a:rPr kumimoji="1" lang="en-US" altLang="zh-CN" sz="2400" b="1" dirty="0"/>
               <a:t>5</a:t>
             </a:r>
-            <a:endParaRPr kumimoji="1" lang="zh-CN" altLang="en-US" sz="2400" b="1" strike="sngStrike" dirty="0"/>
+            <a:endParaRPr kumimoji="1" lang="zh-CN" altLang="en-US" sz="2400" b="1" dirty="0"/>
           </a:p>
         </p:txBody>
       </p:sp>
@@ -7928,10 +9273,10 @@
           <a:p>
             <a:pPr algn="ctr"/>
             <a:r>
-              <a:rPr kumimoji="1" lang="en-US" altLang="zh-CN" sz="2400" b="1" strike="sngStrike" dirty="0"/>
+              <a:rPr kumimoji="1" lang="en-US" altLang="zh-CN" sz="2400" b="1" dirty="0"/>
               <a:t>5</a:t>
             </a:r>
-            <a:endParaRPr kumimoji="1" lang="zh-CN" altLang="en-US" sz="2400" b="1" strike="sngStrike" dirty="0"/>
+            <a:endParaRPr kumimoji="1" lang="zh-CN" altLang="en-US" sz="2400" b="1" dirty="0"/>
           </a:p>
         </p:txBody>
       </p:sp>
@@ -7976,10 +9321,10 @@
           <a:p>
             <a:pPr algn="ctr"/>
             <a:r>
-              <a:rPr kumimoji="1" lang="en-US" altLang="zh-CN" sz="2400" b="1" strike="sngStrike" dirty="0"/>
+              <a:rPr kumimoji="1" lang="en-US" altLang="zh-CN" sz="2400" b="1" dirty="0"/>
               <a:t>5</a:t>
             </a:r>
-            <a:endParaRPr kumimoji="1" lang="zh-CN" altLang="en-US" sz="2400" b="1" strike="sngStrike" dirty="0"/>
+            <a:endParaRPr kumimoji="1" lang="zh-CN" altLang="en-US" sz="2400" b="1" dirty="0"/>
           </a:p>
         </p:txBody>
       </p:sp>
@@ -8231,7 +9576,7 @@
         <p:spPr>
           <a:xfrm>
             <a:off x="6009247" y="1478125"/>
-            <a:ext cx="603050" cy="369332"/>
+            <a:ext cx="514885" cy="369332"/>
           </a:xfrm>
           <a:prstGeom prst="rect">
             <a:avLst/>
@@ -8246,7 +9591,7 @@
           <a:p>
             <a:r>
               <a:rPr kumimoji="1" lang="en-US" altLang="zh-CN" dirty="0"/>
-              <a:t>root</a:t>
+              <a:t>pre</a:t>
             </a:r>
             <a:endParaRPr kumimoji="1" lang="zh-CN" altLang="en-US" dirty="0"/>
           </a:p>
@@ -8268,7 +9613,7 @@
         </p:nvCxnSpPr>
         <p:spPr>
           <a:xfrm flipV="1">
-            <a:off x="9302501" y="1121664"/>
+            <a:off x="9078086" y="1147755"/>
             <a:ext cx="0" cy="353568"/>
           </a:xfrm>
           <a:prstGeom prst="straightConnector1">
@@ -8307,7 +9652,7 @@
         </p:nvSpPr>
         <p:spPr>
           <a:xfrm>
-            <a:off x="9067066" y="1475232"/>
+            <a:off x="8588941" y="1673144"/>
             <a:ext cx="678391" cy="369332"/>
           </a:xfrm>
           <a:prstGeom prst="rect">
@@ -8769,7 +10114,7 @@
         <p:spPr>
           <a:xfrm>
             <a:off x="181469" y="3273345"/>
-            <a:ext cx="603050" cy="369332"/>
+            <a:ext cx="514885" cy="369332"/>
           </a:xfrm>
           <a:prstGeom prst="rect">
             <a:avLst/>
@@ -8784,7 +10129,7 @@
           <a:p>
             <a:r>
               <a:rPr kumimoji="1" lang="en-US" altLang="zh-CN" dirty="0"/>
-              <a:t>root</a:t>
+              <a:t>pre</a:t>
             </a:r>
             <a:endParaRPr kumimoji="1" lang="zh-CN" altLang="en-US" dirty="0"/>
           </a:p>
@@ -8845,7 +10190,7 @@
         </p:nvSpPr>
         <p:spPr>
           <a:xfrm>
-            <a:off x="791069" y="3270452"/>
+            <a:off x="668786" y="3486439"/>
             <a:ext cx="678391" cy="369332"/>
           </a:xfrm>
           <a:prstGeom prst="rect">
@@ -9307,7 +10652,7 @@
         <p:spPr>
           <a:xfrm>
             <a:off x="6608515" y="3301773"/>
-            <a:ext cx="603050" cy="369332"/>
+            <a:ext cx="514885" cy="369332"/>
           </a:xfrm>
           <a:prstGeom prst="rect">
             <a:avLst/>
@@ -9321,8 +10666,8 @@
           <a:lstStyle/>
           <a:p>
             <a:r>
-              <a:rPr kumimoji="1" lang="en-US" altLang="zh-CN"/>
-              <a:t>root</a:t>
+              <a:rPr kumimoji="1" lang="en-US" altLang="zh-CN" dirty="0"/>
+              <a:t>pre</a:t>
             </a:r>
             <a:endParaRPr kumimoji="1" lang="zh-CN" altLang="en-US" dirty="0"/>
           </a:p>
@@ -9344,7 +10689,7 @@
         </p:nvCxnSpPr>
         <p:spPr>
           <a:xfrm flipV="1">
-            <a:off x="7420937" y="2916884"/>
+            <a:off x="6606378" y="2966021"/>
             <a:ext cx="0" cy="353568"/>
           </a:xfrm>
           <a:prstGeom prst="straightConnector1">
@@ -9383,7 +10728,7 @@
         </p:nvSpPr>
         <p:spPr>
           <a:xfrm>
-            <a:off x="7185502" y="3270452"/>
+            <a:off x="6137949" y="3475987"/>
             <a:ext cx="678391" cy="369332"/>
           </a:xfrm>
           <a:prstGeom prst="rect">
@@ -9400,6 +10745,1598 @@
             <a:r>
               <a:rPr kumimoji="1" lang="en-US" altLang="zh-CN" dirty="0"/>
               <a:t>head</a:t>
+            </a:r>
+            <a:endParaRPr kumimoji="1" lang="zh-CN" altLang="en-US" dirty="0"/>
+          </a:p>
+        </p:txBody>
+      </p:sp>
+      <p:cxnSp>
+        <p:nvCxnSpPr>
+          <p:cNvPr id="62" name="直线箭头连接符 61">
+            <a:extLst>
+              <a:ext uri="{FF2B5EF4-FFF2-40B4-BE49-F238E27FC236}">
+                <a16:creationId xmlns:a16="http://schemas.microsoft.com/office/drawing/2014/main" id="{86FE10D1-7634-1045-8F56-83082CA85B32}"/>
+              </a:ext>
+            </a:extLst>
+          </p:cNvPr>
+          <p:cNvCxnSpPr>
+            <a:cxnSpLocks/>
+          </p:cNvCxnSpPr>
+          <p:nvPr/>
+        </p:nvCxnSpPr>
+        <p:spPr>
+          <a:xfrm flipV="1">
+            <a:off x="1130264" y="1121664"/>
+            <a:ext cx="0" cy="353568"/>
+          </a:xfrm>
+          <a:prstGeom prst="straightConnector1">
+            <a:avLst/>
+          </a:prstGeom>
+          <a:ln>
+            <a:tailEnd type="triangle"/>
+          </a:ln>
+        </p:spPr>
+        <p:style>
+          <a:lnRef idx="1">
+            <a:schemeClr val="accent1"/>
+          </a:lnRef>
+          <a:fillRef idx="0">
+            <a:schemeClr val="accent1"/>
+          </a:fillRef>
+          <a:effectRef idx="0">
+            <a:schemeClr val="accent1"/>
+          </a:effectRef>
+          <a:fontRef idx="minor">
+            <a:schemeClr val="tx1"/>
+          </a:fontRef>
+        </p:style>
+      </p:cxnSp>
+      <p:sp>
+        <p:nvSpPr>
+          <p:cNvPr id="63" name="文本框 62">
+            <a:extLst>
+              <a:ext uri="{FF2B5EF4-FFF2-40B4-BE49-F238E27FC236}">
+                <a16:creationId xmlns:a16="http://schemas.microsoft.com/office/drawing/2014/main" id="{11931C4C-A310-494D-89E4-F2B9798FA0A2}"/>
+              </a:ext>
+            </a:extLst>
+          </p:cNvPr>
+          <p:cNvSpPr txBox="1"/>
+          <p:nvPr/>
+        </p:nvSpPr>
+        <p:spPr>
+          <a:xfrm>
+            <a:off x="883241" y="1482142"/>
+            <a:ext cx="494046" cy="369332"/>
+          </a:xfrm>
+          <a:prstGeom prst="rect">
+            <a:avLst/>
+          </a:prstGeom>
+          <a:noFill/>
+        </p:spPr>
+        <p:txBody>
+          <a:bodyPr wrap="none" rtlCol="0">
+            <a:spAutoFit/>
+          </a:bodyPr>
+          <a:lstStyle/>
+          <a:p>
+            <a:r>
+              <a:rPr kumimoji="1" lang="en-US" altLang="zh-CN" dirty="0"/>
+              <a:t>cur</a:t>
+            </a:r>
+            <a:endParaRPr kumimoji="1" lang="zh-CN" altLang="en-US" dirty="0"/>
+          </a:p>
+        </p:txBody>
+      </p:sp>
+      <p:cxnSp>
+        <p:nvCxnSpPr>
+          <p:cNvPr id="64" name="直线箭头连接符 63">
+            <a:extLst>
+              <a:ext uri="{FF2B5EF4-FFF2-40B4-BE49-F238E27FC236}">
+                <a16:creationId xmlns:a16="http://schemas.microsoft.com/office/drawing/2014/main" id="{92EDCBCA-5670-6741-9FE9-8EC56DEED26D}"/>
+              </a:ext>
+            </a:extLst>
+          </p:cNvPr>
+          <p:cNvCxnSpPr>
+            <a:cxnSpLocks/>
+          </p:cNvCxnSpPr>
+          <p:nvPr/>
+        </p:nvCxnSpPr>
+        <p:spPr>
+          <a:xfrm flipV="1">
+            <a:off x="9325109" y="1128099"/>
+            <a:ext cx="0" cy="353568"/>
+          </a:xfrm>
+          <a:prstGeom prst="straightConnector1">
+            <a:avLst/>
+          </a:prstGeom>
+          <a:ln>
+            <a:tailEnd type="triangle"/>
+          </a:ln>
+        </p:spPr>
+        <p:style>
+          <a:lnRef idx="1">
+            <a:schemeClr val="accent1"/>
+          </a:lnRef>
+          <a:fillRef idx="0">
+            <a:schemeClr val="accent1"/>
+          </a:fillRef>
+          <a:effectRef idx="0">
+            <a:schemeClr val="accent1"/>
+          </a:effectRef>
+          <a:fontRef idx="minor">
+            <a:schemeClr val="tx1"/>
+          </a:fontRef>
+        </p:style>
+      </p:cxnSp>
+      <p:sp>
+        <p:nvSpPr>
+          <p:cNvPr id="65" name="文本框 64">
+            <a:extLst>
+              <a:ext uri="{FF2B5EF4-FFF2-40B4-BE49-F238E27FC236}">
+                <a16:creationId xmlns:a16="http://schemas.microsoft.com/office/drawing/2014/main" id="{6387A99D-8710-EE41-BD64-41D104DA1C39}"/>
+              </a:ext>
+            </a:extLst>
+          </p:cNvPr>
+          <p:cNvSpPr txBox="1"/>
+          <p:nvPr/>
+        </p:nvSpPr>
+        <p:spPr>
+          <a:xfrm>
+            <a:off x="9078086" y="1488577"/>
+            <a:ext cx="494046" cy="369332"/>
+          </a:xfrm>
+          <a:prstGeom prst="rect">
+            <a:avLst/>
+          </a:prstGeom>
+          <a:noFill/>
+        </p:spPr>
+        <p:txBody>
+          <a:bodyPr wrap="none" rtlCol="0">
+            <a:spAutoFit/>
+          </a:bodyPr>
+          <a:lstStyle/>
+          <a:p>
+            <a:r>
+              <a:rPr kumimoji="1" lang="en-US" altLang="zh-CN" dirty="0"/>
+              <a:t>cur</a:t>
+            </a:r>
+            <a:endParaRPr kumimoji="1" lang="zh-CN" altLang="en-US" dirty="0"/>
+          </a:p>
+        </p:txBody>
+      </p:sp>
+      <p:cxnSp>
+        <p:nvCxnSpPr>
+          <p:cNvPr id="66" name="直线箭头连接符 65">
+            <a:extLst>
+              <a:ext uri="{FF2B5EF4-FFF2-40B4-BE49-F238E27FC236}">
+                <a16:creationId xmlns:a16="http://schemas.microsoft.com/office/drawing/2014/main" id="{877B5F65-EFFD-504E-B61F-BC39B7620338}"/>
+              </a:ext>
+            </a:extLst>
+          </p:cNvPr>
+          <p:cNvCxnSpPr>
+            <a:cxnSpLocks/>
+          </p:cNvCxnSpPr>
+          <p:nvPr/>
+        </p:nvCxnSpPr>
+        <p:spPr>
+          <a:xfrm flipV="1">
+            <a:off x="1255005" y="2909974"/>
+            <a:ext cx="0" cy="353568"/>
+          </a:xfrm>
+          <a:prstGeom prst="straightConnector1">
+            <a:avLst/>
+          </a:prstGeom>
+          <a:ln>
+            <a:tailEnd type="triangle"/>
+          </a:ln>
+        </p:spPr>
+        <p:style>
+          <a:lnRef idx="1">
+            <a:schemeClr val="accent1"/>
+          </a:lnRef>
+          <a:fillRef idx="0">
+            <a:schemeClr val="accent1"/>
+          </a:fillRef>
+          <a:effectRef idx="0">
+            <a:schemeClr val="accent1"/>
+          </a:effectRef>
+          <a:fontRef idx="minor">
+            <a:schemeClr val="tx1"/>
+          </a:fontRef>
+        </p:style>
+      </p:cxnSp>
+      <p:sp>
+        <p:nvSpPr>
+          <p:cNvPr id="67" name="文本框 66">
+            <a:extLst>
+              <a:ext uri="{FF2B5EF4-FFF2-40B4-BE49-F238E27FC236}">
+                <a16:creationId xmlns:a16="http://schemas.microsoft.com/office/drawing/2014/main" id="{153D67E5-7B09-4249-A0F0-A03DBCAF6F57}"/>
+              </a:ext>
+            </a:extLst>
+          </p:cNvPr>
+          <p:cNvSpPr txBox="1"/>
+          <p:nvPr/>
+        </p:nvSpPr>
+        <p:spPr>
+          <a:xfrm>
+            <a:off x="1007982" y="3270452"/>
+            <a:ext cx="494046" cy="369332"/>
+          </a:xfrm>
+          <a:prstGeom prst="rect">
+            <a:avLst/>
+          </a:prstGeom>
+          <a:noFill/>
+        </p:spPr>
+        <p:txBody>
+          <a:bodyPr wrap="none" rtlCol="0">
+            <a:spAutoFit/>
+          </a:bodyPr>
+          <a:lstStyle/>
+          <a:p>
+            <a:r>
+              <a:rPr kumimoji="1" lang="en-US" altLang="zh-CN" dirty="0"/>
+              <a:t>cur</a:t>
+            </a:r>
+            <a:endParaRPr kumimoji="1" lang="zh-CN" altLang="en-US" dirty="0"/>
+          </a:p>
+        </p:txBody>
+      </p:sp>
+      <p:cxnSp>
+        <p:nvCxnSpPr>
+          <p:cNvPr id="68" name="直线箭头连接符 67">
+            <a:extLst>
+              <a:ext uri="{FF2B5EF4-FFF2-40B4-BE49-F238E27FC236}">
+                <a16:creationId xmlns:a16="http://schemas.microsoft.com/office/drawing/2014/main" id="{1E4FC5B9-8486-274E-9DD5-946A550F4063}"/>
+              </a:ext>
+            </a:extLst>
+          </p:cNvPr>
+          <p:cNvCxnSpPr>
+            <a:cxnSpLocks/>
+          </p:cNvCxnSpPr>
+          <p:nvPr/>
+        </p:nvCxnSpPr>
+        <p:spPr>
+          <a:xfrm flipV="1">
+            <a:off x="7380755" y="2924662"/>
+            <a:ext cx="0" cy="353568"/>
+          </a:xfrm>
+          <a:prstGeom prst="straightConnector1">
+            <a:avLst/>
+          </a:prstGeom>
+          <a:ln>
+            <a:tailEnd type="triangle"/>
+          </a:ln>
+        </p:spPr>
+        <p:style>
+          <a:lnRef idx="1">
+            <a:schemeClr val="accent1"/>
+          </a:lnRef>
+          <a:fillRef idx="0">
+            <a:schemeClr val="accent1"/>
+          </a:fillRef>
+          <a:effectRef idx="0">
+            <a:schemeClr val="accent1"/>
+          </a:effectRef>
+          <a:fontRef idx="minor">
+            <a:schemeClr val="tx1"/>
+          </a:fontRef>
+        </p:style>
+      </p:cxnSp>
+      <p:sp>
+        <p:nvSpPr>
+          <p:cNvPr id="69" name="文本框 68">
+            <a:extLst>
+              <a:ext uri="{FF2B5EF4-FFF2-40B4-BE49-F238E27FC236}">
+                <a16:creationId xmlns:a16="http://schemas.microsoft.com/office/drawing/2014/main" id="{843A2B37-EAFB-5341-99D2-9A422A6B6A1F}"/>
+              </a:ext>
+            </a:extLst>
+          </p:cNvPr>
+          <p:cNvSpPr txBox="1"/>
+          <p:nvPr/>
+        </p:nvSpPr>
+        <p:spPr>
+          <a:xfrm>
+            <a:off x="7133732" y="3285140"/>
+            <a:ext cx="494046" cy="369332"/>
+          </a:xfrm>
+          <a:prstGeom prst="rect">
+            <a:avLst/>
+          </a:prstGeom>
+          <a:noFill/>
+        </p:spPr>
+        <p:txBody>
+          <a:bodyPr wrap="none" rtlCol="0">
+            <a:spAutoFit/>
+          </a:bodyPr>
+          <a:lstStyle/>
+          <a:p>
+            <a:r>
+              <a:rPr kumimoji="1" lang="en-US" altLang="zh-CN" dirty="0"/>
+              <a:t>cur</a:t>
+            </a:r>
+            <a:endParaRPr kumimoji="1" lang="zh-CN" altLang="en-US" dirty="0"/>
+          </a:p>
+        </p:txBody>
+      </p:sp>
+      <p:cxnSp>
+        <p:nvCxnSpPr>
+          <p:cNvPr id="3" name="直线连接符 2">
+            <a:extLst>
+              <a:ext uri="{FF2B5EF4-FFF2-40B4-BE49-F238E27FC236}">
+                <a16:creationId xmlns:a16="http://schemas.microsoft.com/office/drawing/2014/main" id="{DD0C55DD-36A9-8849-A0FF-875E6F392437}"/>
+              </a:ext>
+            </a:extLst>
+          </p:cNvPr>
+          <p:cNvCxnSpPr/>
+          <p:nvPr/>
+        </p:nvCxnSpPr>
+        <p:spPr>
+          <a:xfrm>
+            <a:off x="134112" y="2159770"/>
+            <a:ext cx="12057888" cy="0"/>
+          </a:xfrm>
+          <a:prstGeom prst="line">
+            <a:avLst/>
+          </a:prstGeom>
+        </p:spPr>
+        <p:style>
+          <a:lnRef idx="1">
+            <a:schemeClr val="accent1"/>
+          </a:lnRef>
+          <a:fillRef idx="0">
+            <a:schemeClr val="accent1"/>
+          </a:fillRef>
+          <a:effectRef idx="0">
+            <a:schemeClr val="accent1"/>
+          </a:effectRef>
+          <a:fontRef idx="minor">
+            <a:schemeClr val="tx1"/>
+          </a:fontRef>
+        </p:style>
+      </p:cxnSp>
+      <p:sp>
+        <p:nvSpPr>
+          <p:cNvPr id="70" name="圆角矩形 69">
+            <a:extLst>
+              <a:ext uri="{FF2B5EF4-FFF2-40B4-BE49-F238E27FC236}">
+                <a16:creationId xmlns:a16="http://schemas.microsoft.com/office/drawing/2014/main" id="{7C55778B-743B-5247-A703-A6FCC28F5122}"/>
+              </a:ext>
+            </a:extLst>
+          </p:cNvPr>
+          <p:cNvSpPr/>
+          <p:nvPr/>
+        </p:nvSpPr>
+        <p:spPr>
+          <a:xfrm>
+            <a:off x="86754" y="4068865"/>
+            <a:ext cx="609600" cy="499872"/>
+          </a:xfrm>
+          <a:prstGeom prst="roundRect">
+            <a:avLst/>
+          </a:prstGeom>
+        </p:spPr>
+        <p:style>
+          <a:lnRef idx="2">
+            <a:schemeClr val="accent6"/>
+          </a:lnRef>
+          <a:fillRef idx="1">
+            <a:schemeClr val="lt1"/>
+          </a:fillRef>
+          <a:effectRef idx="0">
+            <a:schemeClr val="accent6"/>
+          </a:effectRef>
+          <a:fontRef idx="minor">
+            <a:schemeClr val="dk1"/>
+          </a:fontRef>
+        </p:style>
+        <p:txBody>
+          <a:bodyPr rtlCol="0" anchor="ctr"/>
+          <a:lstStyle/>
+          <a:p>
+            <a:pPr algn="ctr"/>
+            <a:r>
+              <a:rPr kumimoji="1" lang="en-US" altLang="zh-CN" sz="2400" b="1" dirty="0"/>
+              <a:t>?</a:t>
+            </a:r>
+            <a:endParaRPr kumimoji="1" lang="zh-CN" altLang="en-US" sz="2400" b="1" dirty="0"/>
+          </a:p>
+        </p:txBody>
+      </p:sp>
+      <p:sp>
+        <p:nvSpPr>
+          <p:cNvPr id="71" name="圆角矩形 70">
+            <a:extLst>
+              <a:ext uri="{FF2B5EF4-FFF2-40B4-BE49-F238E27FC236}">
+                <a16:creationId xmlns:a16="http://schemas.microsoft.com/office/drawing/2014/main" id="{BA539E9E-CE49-F44B-82D6-32A5E7D7B69C}"/>
+              </a:ext>
+            </a:extLst>
+          </p:cNvPr>
+          <p:cNvSpPr/>
+          <p:nvPr/>
+        </p:nvSpPr>
+        <p:spPr>
+          <a:xfrm>
+            <a:off x="696354" y="4068865"/>
+            <a:ext cx="609600" cy="499872"/>
+          </a:xfrm>
+          <a:prstGeom prst="roundRect">
+            <a:avLst/>
+          </a:prstGeom>
+        </p:spPr>
+        <p:style>
+          <a:lnRef idx="2">
+            <a:schemeClr val="accent6"/>
+          </a:lnRef>
+          <a:fillRef idx="1">
+            <a:schemeClr val="lt1"/>
+          </a:fillRef>
+          <a:effectRef idx="0">
+            <a:schemeClr val="accent6"/>
+          </a:effectRef>
+          <a:fontRef idx="minor">
+            <a:schemeClr val="dk1"/>
+          </a:fontRef>
+        </p:style>
+        <p:txBody>
+          <a:bodyPr rtlCol="0" anchor="ctr"/>
+          <a:lstStyle/>
+          <a:p>
+            <a:pPr algn="ctr"/>
+            <a:r>
+              <a:rPr kumimoji="1" lang="en-US" altLang="zh-CN" sz="2400" b="1" dirty="0"/>
+              <a:t>1</a:t>
+            </a:r>
+            <a:endParaRPr kumimoji="1" lang="zh-CN" altLang="en-US" sz="2400" b="1" dirty="0"/>
+          </a:p>
+        </p:txBody>
+      </p:sp>
+      <p:sp>
+        <p:nvSpPr>
+          <p:cNvPr id="72" name="圆角矩形 71">
+            <a:extLst>
+              <a:ext uri="{FF2B5EF4-FFF2-40B4-BE49-F238E27FC236}">
+                <a16:creationId xmlns:a16="http://schemas.microsoft.com/office/drawing/2014/main" id="{7734001E-8BDB-914C-BC81-A5CB200F3499}"/>
+              </a:ext>
+            </a:extLst>
+          </p:cNvPr>
+          <p:cNvSpPr/>
+          <p:nvPr/>
+        </p:nvSpPr>
+        <p:spPr>
+          <a:xfrm>
+            <a:off x="1305954" y="4068865"/>
+            <a:ext cx="609600" cy="499872"/>
+          </a:xfrm>
+          <a:prstGeom prst="roundRect">
+            <a:avLst/>
+          </a:prstGeom>
+        </p:spPr>
+        <p:style>
+          <a:lnRef idx="2">
+            <a:schemeClr val="accent6"/>
+          </a:lnRef>
+          <a:fillRef idx="1">
+            <a:schemeClr val="lt1"/>
+          </a:fillRef>
+          <a:effectRef idx="0">
+            <a:schemeClr val="accent6"/>
+          </a:effectRef>
+          <a:fontRef idx="minor">
+            <a:schemeClr val="dk1"/>
+          </a:fontRef>
+        </p:style>
+        <p:txBody>
+          <a:bodyPr rtlCol="0" anchor="ctr"/>
+          <a:lstStyle/>
+          <a:p>
+            <a:pPr algn="ctr"/>
+            <a:r>
+              <a:rPr kumimoji="1" lang="en-US" altLang="zh-CN" sz="2400" b="1" dirty="0"/>
+              <a:t>5</a:t>
+            </a:r>
+            <a:endParaRPr kumimoji="1" lang="zh-CN" altLang="en-US" sz="2400" b="1" dirty="0"/>
+          </a:p>
+        </p:txBody>
+      </p:sp>
+      <p:sp>
+        <p:nvSpPr>
+          <p:cNvPr id="73" name="圆角矩形 72">
+            <a:extLst>
+              <a:ext uri="{FF2B5EF4-FFF2-40B4-BE49-F238E27FC236}">
+                <a16:creationId xmlns:a16="http://schemas.microsoft.com/office/drawing/2014/main" id="{133B109B-FD92-8C41-B3BC-1D67D145D1B2}"/>
+              </a:ext>
+            </a:extLst>
+          </p:cNvPr>
+          <p:cNvSpPr/>
+          <p:nvPr/>
+        </p:nvSpPr>
+        <p:spPr>
+          <a:xfrm>
+            <a:off x="1915554" y="4068865"/>
+            <a:ext cx="609600" cy="499872"/>
+          </a:xfrm>
+          <a:prstGeom prst="roundRect">
+            <a:avLst/>
+          </a:prstGeom>
+        </p:spPr>
+        <p:style>
+          <a:lnRef idx="2">
+            <a:schemeClr val="accent6"/>
+          </a:lnRef>
+          <a:fillRef idx="1">
+            <a:schemeClr val="lt1"/>
+          </a:fillRef>
+          <a:effectRef idx="0">
+            <a:schemeClr val="accent6"/>
+          </a:effectRef>
+          <a:fontRef idx="minor">
+            <a:schemeClr val="dk1"/>
+          </a:fontRef>
+        </p:style>
+        <p:txBody>
+          <a:bodyPr rtlCol="0" anchor="ctr"/>
+          <a:lstStyle/>
+          <a:p>
+            <a:pPr algn="ctr"/>
+            <a:r>
+              <a:rPr kumimoji="1" lang="en-US" altLang="zh-CN" sz="2400" b="1" dirty="0"/>
+              <a:t>5</a:t>
+            </a:r>
+            <a:endParaRPr kumimoji="1" lang="zh-CN" altLang="en-US" sz="2400" b="1" dirty="0"/>
+          </a:p>
+        </p:txBody>
+      </p:sp>
+      <p:sp>
+        <p:nvSpPr>
+          <p:cNvPr id="74" name="圆角矩形 73">
+            <a:extLst>
+              <a:ext uri="{FF2B5EF4-FFF2-40B4-BE49-F238E27FC236}">
+                <a16:creationId xmlns:a16="http://schemas.microsoft.com/office/drawing/2014/main" id="{D6575BF6-E064-EE44-B743-E1E20DD9F8F1}"/>
+              </a:ext>
+            </a:extLst>
+          </p:cNvPr>
+          <p:cNvSpPr/>
+          <p:nvPr/>
+        </p:nvSpPr>
+        <p:spPr>
+          <a:xfrm>
+            <a:off x="2525154" y="4068865"/>
+            <a:ext cx="609600" cy="499872"/>
+          </a:xfrm>
+          <a:prstGeom prst="roundRect">
+            <a:avLst/>
+          </a:prstGeom>
+        </p:spPr>
+        <p:style>
+          <a:lnRef idx="2">
+            <a:schemeClr val="accent6"/>
+          </a:lnRef>
+          <a:fillRef idx="1">
+            <a:schemeClr val="lt1"/>
+          </a:fillRef>
+          <a:effectRef idx="0">
+            <a:schemeClr val="accent6"/>
+          </a:effectRef>
+          <a:fontRef idx="minor">
+            <a:schemeClr val="dk1"/>
+          </a:fontRef>
+        </p:style>
+        <p:txBody>
+          <a:bodyPr rtlCol="0" anchor="ctr"/>
+          <a:lstStyle/>
+          <a:p>
+            <a:pPr algn="ctr"/>
+            <a:r>
+              <a:rPr kumimoji="1" lang="en-US" altLang="zh-CN" sz="2400" b="1" dirty="0"/>
+              <a:t>5</a:t>
+            </a:r>
+            <a:endParaRPr kumimoji="1" lang="zh-CN" altLang="en-US" sz="2400" b="1" dirty="0"/>
+          </a:p>
+        </p:txBody>
+      </p:sp>
+      <p:sp>
+        <p:nvSpPr>
+          <p:cNvPr id="75" name="圆角矩形 74">
+            <a:extLst>
+              <a:ext uri="{FF2B5EF4-FFF2-40B4-BE49-F238E27FC236}">
+                <a16:creationId xmlns:a16="http://schemas.microsoft.com/office/drawing/2014/main" id="{1CF0BA43-3A7B-A045-AD4C-0276D6E0142A}"/>
+              </a:ext>
+            </a:extLst>
+          </p:cNvPr>
+          <p:cNvSpPr/>
+          <p:nvPr/>
+        </p:nvSpPr>
+        <p:spPr>
+          <a:xfrm>
+            <a:off x="3134754" y="4068865"/>
+            <a:ext cx="609600" cy="499872"/>
+          </a:xfrm>
+          <a:prstGeom prst="roundRect">
+            <a:avLst/>
+          </a:prstGeom>
+        </p:spPr>
+        <p:style>
+          <a:lnRef idx="2">
+            <a:schemeClr val="accent6"/>
+          </a:lnRef>
+          <a:fillRef idx="1">
+            <a:schemeClr val="lt1"/>
+          </a:fillRef>
+          <a:effectRef idx="0">
+            <a:schemeClr val="accent6"/>
+          </a:effectRef>
+          <a:fontRef idx="minor">
+            <a:schemeClr val="dk1"/>
+          </a:fontRef>
+        </p:style>
+        <p:txBody>
+          <a:bodyPr rtlCol="0" anchor="ctr"/>
+          <a:lstStyle/>
+          <a:p>
+            <a:pPr algn="ctr"/>
+            <a:r>
+              <a:rPr kumimoji="1" lang="en-US" altLang="zh-CN" sz="2400" b="1" dirty="0"/>
+              <a:t>6</a:t>
+            </a:r>
+            <a:endParaRPr kumimoji="1" lang="zh-CN" altLang="en-US" sz="2400" b="1" dirty="0"/>
+          </a:p>
+        </p:txBody>
+      </p:sp>
+      <p:sp>
+        <p:nvSpPr>
+          <p:cNvPr id="76" name="圆角矩形 75">
+            <a:extLst>
+              <a:ext uri="{FF2B5EF4-FFF2-40B4-BE49-F238E27FC236}">
+                <a16:creationId xmlns:a16="http://schemas.microsoft.com/office/drawing/2014/main" id="{B80D725E-B14F-9C48-98F4-CCEA8CB9F3DA}"/>
+              </a:ext>
+            </a:extLst>
+          </p:cNvPr>
+          <p:cNvSpPr/>
+          <p:nvPr/>
+        </p:nvSpPr>
+        <p:spPr>
+          <a:xfrm>
+            <a:off x="3744354" y="4068865"/>
+            <a:ext cx="609600" cy="499872"/>
+          </a:xfrm>
+          <a:prstGeom prst="roundRect">
+            <a:avLst/>
+          </a:prstGeom>
+        </p:spPr>
+        <p:style>
+          <a:lnRef idx="2">
+            <a:schemeClr val="accent6"/>
+          </a:lnRef>
+          <a:fillRef idx="1">
+            <a:schemeClr val="lt1"/>
+          </a:fillRef>
+          <a:effectRef idx="0">
+            <a:schemeClr val="accent6"/>
+          </a:effectRef>
+          <a:fontRef idx="minor">
+            <a:schemeClr val="dk1"/>
+          </a:fontRef>
+        </p:style>
+        <p:txBody>
+          <a:bodyPr rtlCol="0" anchor="ctr"/>
+          <a:lstStyle/>
+          <a:p>
+            <a:pPr algn="ctr"/>
+            <a:r>
+              <a:rPr kumimoji="1" lang="en-US" altLang="zh-CN" sz="2400" b="1" dirty="0"/>
+              <a:t>7</a:t>
+            </a:r>
+            <a:endParaRPr kumimoji="1" lang="zh-CN" altLang="en-US" sz="2400" b="1" dirty="0"/>
+          </a:p>
+        </p:txBody>
+      </p:sp>
+      <p:sp>
+        <p:nvSpPr>
+          <p:cNvPr id="77" name="圆角矩形 76">
+            <a:extLst>
+              <a:ext uri="{FF2B5EF4-FFF2-40B4-BE49-F238E27FC236}">
+                <a16:creationId xmlns:a16="http://schemas.microsoft.com/office/drawing/2014/main" id="{A1A8CB2C-C9EA-B242-8F30-EB436D18D90D}"/>
+              </a:ext>
+            </a:extLst>
+          </p:cNvPr>
+          <p:cNvSpPr/>
+          <p:nvPr/>
+        </p:nvSpPr>
+        <p:spPr>
+          <a:xfrm>
+            <a:off x="4353954" y="4068865"/>
+            <a:ext cx="609600" cy="499872"/>
+          </a:xfrm>
+          <a:prstGeom prst="roundRect">
+            <a:avLst/>
+          </a:prstGeom>
+        </p:spPr>
+        <p:style>
+          <a:lnRef idx="2">
+            <a:schemeClr val="accent6"/>
+          </a:lnRef>
+          <a:fillRef idx="1">
+            <a:schemeClr val="lt1"/>
+          </a:fillRef>
+          <a:effectRef idx="0">
+            <a:schemeClr val="accent6"/>
+          </a:effectRef>
+          <a:fontRef idx="minor">
+            <a:schemeClr val="dk1"/>
+          </a:fontRef>
+        </p:style>
+        <p:txBody>
+          <a:bodyPr rtlCol="0" anchor="ctr"/>
+          <a:lstStyle/>
+          <a:p>
+            <a:pPr algn="ctr"/>
+            <a:r>
+              <a:rPr kumimoji="1" lang="en-US" altLang="zh-CN" sz="2400" b="1" dirty="0"/>
+              <a:t>8</a:t>
+            </a:r>
+            <a:endParaRPr kumimoji="1" lang="zh-CN" altLang="en-US" sz="2400" b="1" dirty="0"/>
+          </a:p>
+        </p:txBody>
+      </p:sp>
+      <p:cxnSp>
+        <p:nvCxnSpPr>
+          <p:cNvPr id="78" name="直线箭头连接符 77">
+            <a:extLst>
+              <a:ext uri="{FF2B5EF4-FFF2-40B4-BE49-F238E27FC236}">
+                <a16:creationId xmlns:a16="http://schemas.microsoft.com/office/drawing/2014/main" id="{13BAB4C9-7A41-8640-9ABA-6E033F76CBB9}"/>
+              </a:ext>
+            </a:extLst>
+          </p:cNvPr>
+          <p:cNvCxnSpPr>
+            <a:cxnSpLocks/>
+          </p:cNvCxnSpPr>
+          <p:nvPr/>
+        </p:nvCxnSpPr>
+        <p:spPr>
+          <a:xfrm flipV="1">
+            <a:off x="1013796" y="4597165"/>
+            <a:ext cx="0" cy="353568"/>
+          </a:xfrm>
+          <a:prstGeom prst="straightConnector1">
+            <a:avLst/>
+          </a:prstGeom>
+          <a:ln>
+            <a:tailEnd type="triangle"/>
+          </a:ln>
+        </p:spPr>
+        <p:style>
+          <a:lnRef idx="1">
+            <a:schemeClr val="accent1"/>
+          </a:lnRef>
+          <a:fillRef idx="0">
+            <a:schemeClr val="accent1"/>
+          </a:fillRef>
+          <a:effectRef idx="0">
+            <a:schemeClr val="accent1"/>
+          </a:effectRef>
+          <a:fontRef idx="minor">
+            <a:schemeClr val="tx1"/>
+          </a:fontRef>
+        </p:style>
+      </p:cxnSp>
+      <p:sp>
+        <p:nvSpPr>
+          <p:cNvPr id="79" name="文本框 78">
+            <a:extLst>
+              <a:ext uri="{FF2B5EF4-FFF2-40B4-BE49-F238E27FC236}">
+                <a16:creationId xmlns:a16="http://schemas.microsoft.com/office/drawing/2014/main" id="{0C08C153-30FB-A648-9463-8F64872AB1A9}"/>
+              </a:ext>
+            </a:extLst>
+          </p:cNvPr>
+          <p:cNvSpPr txBox="1"/>
+          <p:nvPr/>
+        </p:nvSpPr>
+        <p:spPr>
+          <a:xfrm>
+            <a:off x="780737" y="4953626"/>
+            <a:ext cx="514885" cy="369332"/>
+          </a:xfrm>
+          <a:prstGeom prst="rect">
+            <a:avLst/>
+          </a:prstGeom>
+          <a:noFill/>
+        </p:spPr>
+        <p:txBody>
+          <a:bodyPr wrap="none" rtlCol="0">
+            <a:spAutoFit/>
+          </a:bodyPr>
+          <a:lstStyle/>
+          <a:p>
+            <a:r>
+              <a:rPr kumimoji="1" lang="en-US" altLang="zh-CN" dirty="0"/>
+              <a:t>pre</a:t>
+            </a:r>
+            <a:endParaRPr kumimoji="1" lang="zh-CN" altLang="en-US" dirty="0"/>
+          </a:p>
+        </p:txBody>
+      </p:sp>
+      <p:cxnSp>
+        <p:nvCxnSpPr>
+          <p:cNvPr id="80" name="直线箭头连接符 79">
+            <a:extLst>
+              <a:ext uri="{FF2B5EF4-FFF2-40B4-BE49-F238E27FC236}">
+                <a16:creationId xmlns:a16="http://schemas.microsoft.com/office/drawing/2014/main" id="{27B26D99-F588-9049-97DC-953EA49957F5}"/>
+              </a:ext>
+            </a:extLst>
+          </p:cNvPr>
+          <p:cNvCxnSpPr>
+            <a:cxnSpLocks/>
+          </p:cNvCxnSpPr>
+          <p:nvPr/>
+        </p:nvCxnSpPr>
+        <p:spPr>
+          <a:xfrm flipV="1">
+            <a:off x="778600" y="4617874"/>
+            <a:ext cx="0" cy="353568"/>
+          </a:xfrm>
+          <a:prstGeom prst="straightConnector1">
+            <a:avLst/>
+          </a:prstGeom>
+          <a:ln>
+            <a:tailEnd type="triangle"/>
+          </a:ln>
+        </p:spPr>
+        <p:style>
+          <a:lnRef idx="1">
+            <a:schemeClr val="accent1"/>
+          </a:lnRef>
+          <a:fillRef idx="0">
+            <a:schemeClr val="accent1"/>
+          </a:fillRef>
+          <a:effectRef idx="0">
+            <a:schemeClr val="accent1"/>
+          </a:effectRef>
+          <a:fontRef idx="minor">
+            <a:schemeClr val="tx1"/>
+          </a:fontRef>
+        </p:style>
+      </p:cxnSp>
+      <p:sp>
+        <p:nvSpPr>
+          <p:cNvPr id="81" name="文本框 80">
+            <a:extLst>
+              <a:ext uri="{FF2B5EF4-FFF2-40B4-BE49-F238E27FC236}">
+                <a16:creationId xmlns:a16="http://schemas.microsoft.com/office/drawing/2014/main" id="{6F05DA13-24C0-6D45-B455-F423D8E0210B}"/>
+              </a:ext>
+            </a:extLst>
+          </p:cNvPr>
+          <p:cNvSpPr txBox="1"/>
+          <p:nvPr/>
+        </p:nvSpPr>
+        <p:spPr>
+          <a:xfrm>
+            <a:off x="310171" y="5127840"/>
+            <a:ext cx="678391" cy="369332"/>
+          </a:xfrm>
+          <a:prstGeom prst="rect">
+            <a:avLst/>
+          </a:prstGeom>
+          <a:noFill/>
+        </p:spPr>
+        <p:txBody>
+          <a:bodyPr wrap="none" rtlCol="0">
+            <a:spAutoFit/>
+          </a:bodyPr>
+          <a:lstStyle/>
+          <a:p>
+            <a:r>
+              <a:rPr kumimoji="1" lang="en-US" altLang="zh-CN" dirty="0"/>
+              <a:t>head</a:t>
+            </a:r>
+            <a:endParaRPr kumimoji="1" lang="zh-CN" altLang="en-US" dirty="0"/>
+          </a:p>
+        </p:txBody>
+      </p:sp>
+      <p:cxnSp>
+        <p:nvCxnSpPr>
+          <p:cNvPr id="82" name="直线箭头连接符 81">
+            <a:extLst>
+              <a:ext uri="{FF2B5EF4-FFF2-40B4-BE49-F238E27FC236}">
+                <a16:creationId xmlns:a16="http://schemas.microsoft.com/office/drawing/2014/main" id="{8DDC023D-35D1-534F-850B-95FA0EBCDC7D}"/>
+              </a:ext>
+            </a:extLst>
+          </p:cNvPr>
+          <p:cNvCxnSpPr>
+            <a:cxnSpLocks/>
+          </p:cNvCxnSpPr>
+          <p:nvPr/>
+        </p:nvCxnSpPr>
+        <p:spPr>
+          <a:xfrm flipV="1">
+            <a:off x="3381777" y="4590255"/>
+            <a:ext cx="0" cy="353568"/>
+          </a:xfrm>
+          <a:prstGeom prst="straightConnector1">
+            <a:avLst/>
+          </a:prstGeom>
+          <a:ln>
+            <a:tailEnd type="triangle"/>
+          </a:ln>
+        </p:spPr>
+        <p:style>
+          <a:lnRef idx="1">
+            <a:schemeClr val="accent1"/>
+          </a:lnRef>
+          <a:fillRef idx="0">
+            <a:schemeClr val="accent1"/>
+          </a:fillRef>
+          <a:effectRef idx="0">
+            <a:schemeClr val="accent1"/>
+          </a:effectRef>
+          <a:fontRef idx="minor">
+            <a:schemeClr val="tx1"/>
+          </a:fontRef>
+        </p:style>
+      </p:cxnSp>
+      <p:sp>
+        <p:nvSpPr>
+          <p:cNvPr id="83" name="文本框 82">
+            <a:extLst>
+              <a:ext uri="{FF2B5EF4-FFF2-40B4-BE49-F238E27FC236}">
+                <a16:creationId xmlns:a16="http://schemas.microsoft.com/office/drawing/2014/main" id="{F3BF2E7B-7F80-854A-A157-C245A91EE19A}"/>
+              </a:ext>
+            </a:extLst>
+          </p:cNvPr>
+          <p:cNvSpPr txBox="1"/>
+          <p:nvPr/>
+        </p:nvSpPr>
+        <p:spPr>
+          <a:xfrm>
+            <a:off x="3134754" y="4950733"/>
+            <a:ext cx="494046" cy="369332"/>
+          </a:xfrm>
+          <a:prstGeom prst="rect">
+            <a:avLst/>
+          </a:prstGeom>
+          <a:noFill/>
+        </p:spPr>
+        <p:txBody>
+          <a:bodyPr wrap="none" rtlCol="0">
+            <a:spAutoFit/>
+          </a:bodyPr>
+          <a:lstStyle/>
+          <a:p>
+            <a:r>
+              <a:rPr kumimoji="1" lang="en-US" altLang="zh-CN" dirty="0"/>
+              <a:t>cur</a:t>
+            </a:r>
+            <a:endParaRPr kumimoji="1" lang="zh-CN" altLang="en-US" dirty="0"/>
+          </a:p>
+        </p:txBody>
+      </p:sp>
+      <p:sp>
+        <p:nvSpPr>
+          <p:cNvPr id="84" name="圆角矩形 83">
+            <a:extLst>
+              <a:ext uri="{FF2B5EF4-FFF2-40B4-BE49-F238E27FC236}">
+                <a16:creationId xmlns:a16="http://schemas.microsoft.com/office/drawing/2014/main" id="{C9C9BD02-CA96-A545-A8A4-14C42FD2D953}"/>
+              </a:ext>
+            </a:extLst>
+          </p:cNvPr>
+          <p:cNvSpPr/>
+          <p:nvPr/>
+        </p:nvSpPr>
+        <p:spPr>
+          <a:xfrm>
+            <a:off x="5914532" y="4230208"/>
+            <a:ext cx="609600" cy="499872"/>
+          </a:xfrm>
+          <a:prstGeom prst="roundRect">
+            <a:avLst/>
+          </a:prstGeom>
+        </p:spPr>
+        <p:style>
+          <a:lnRef idx="2">
+            <a:schemeClr val="accent6"/>
+          </a:lnRef>
+          <a:fillRef idx="1">
+            <a:schemeClr val="lt1"/>
+          </a:fillRef>
+          <a:effectRef idx="0">
+            <a:schemeClr val="accent6"/>
+          </a:effectRef>
+          <a:fontRef idx="minor">
+            <a:schemeClr val="dk1"/>
+          </a:fontRef>
+        </p:style>
+        <p:txBody>
+          <a:bodyPr rtlCol="0" anchor="ctr"/>
+          <a:lstStyle/>
+          <a:p>
+            <a:pPr algn="ctr"/>
+            <a:r>
+              <a:rPr kumimoji="1" lang="en-US" altLang="zh-CN" sz="2400" b="1" dirty="0"/>
+              <a:t>?</a:t>
+            </a:r>
+            <a:endParaRPr kumimoji="1" lang="zh-CN" altLang="en-US" sz="2400" b="1" dirty="0"/>
+          </a:p>
+        </p:txBody>
+      </p:sp>
+      <p:sp>
+        <p:nvSpPr>
+          <p:cNvPr id="85" name="圆角矩形 84">
+            <a:extLst>
+              <a:ext uri="{FF2B5EF4-FFF2-40B4-BE49-F238E27FC236}">
+                <a16:creationId xmlns:a16="http://schemas.microsoft.com/office/drawing/2014/main" id="{6C0A0EAF-8778-424D-932C-14692CB45D4E}"/>
+              </a:ext>
+            </a:extLst>
+          </p:cNvPr>
+          <p:cNvSpPr/>
+          <p:nvPr/>
+        </p:nvSpPr>
+        <p:spPr>
+          <a:xfrm>
+            <a:off x="6524132" y="4230208"/>
+            <a:ext cx="609600" cy="499872"/>
+          </a:xfrm>
+          <a:prstGeom prst="roundRect">
+            <a:avLst/>
+          </a:prstGeom>
+        </p:spPr>
+        <p:style>
+          <a:lnRef idx="2">
+            <a:schemeClr val="accent6"/>
+          </a:lnRef>
+          <a:fillRef idx="1">
+            <a:schemeClr val="lt1"/>
+          </a:fillRef>
+          <a:effectRef idx="0">
+            <a:schemeClr val="accent6"/>
+          </a:effectRef>
+          <a:fontRef idx="minor">
+            <a:schemeClr val="dk1"/>
+          </a:fontRef>
+        </p:style>
+        <p:txBody>
+          <a:bodyPr rtlCol="0" anchor="ctr"/>
+          <a:lstStyle/>
+          <a:p>
+            <a:pPr algn="ctr"/>
+            <a:r>
+              <a:rPr kumimoji="1" lang="en-US" altLang="zh-CN" sz="2400" b="1" dirty="0"/>
+              <a:t>1</a:t>
+            </a:r>
+            <a:endParaRPr kumimoji="1" lang="zh-CN" altLang="en-US" sz="2400" b="1" dirty="0"/>
+          </a:p>
+        </p:txBody>
+      </p:sp>
+      <p:sp>
+        <p:nvSpPr>
+          <p:cNvPr id="86" name="圆角矩形 85">
+            <a:extLst>
+              <a:ext uri="{FF2B5EF4-FFF2-40B4-BE49-F238E27FC236}">
+                <a16:creationId xmlns:a16="http://schemas.microsoft.com/office/drawing/2014/main" id="{161ACCD9-68DB-364F-8018-519B4A3CBA1D}"/>
+              </a:ext>
+            </a:extLst>
+          </p:cNvPr>
+          <p:cNvSpPr/>
+          <p:nvPr/>
+        </p:nvSpPr>
+        <p:spPr>
+          <a:xfrm>
+            <a:off x="7133732" y="4230208"/>
+            <a:ext cx="609600" cy="499872"/>
+          </a:xfrm>
+          <a:prstGeom prst="roundRect">
+            <a:avLst/>
+          </a:prstGeom>
+          <a:ln>
+            <a:solidFill>
+              <a:schemeClr val="accent6"/>
+            </a:solidFill>
+            <a:prstDash val="sysDash"/>
+          </a:ln>
+        </p:spPr>
+        <p:style>
+          <a:lnRef idx="2">
+            <a:schemeClr val="accent6"/>
+          </a:lnRef>
+          <a:fillRef idx="1">
+            <a:schemeClr val="lt1"/>
+          </a:fillRef>
+          <a:effectRef idx="0">
+            <a:schemeClr val="accent6"/>
+          </a:effectRef>
+          <a:fontRef idx="minor">
+            <a:schemeClr val="dk1"/>
+          </a:fontRef>
+        </p:style>
+        <p:txBody>
+          <a:bodyPr rtlCol="0" anchor="ctr"/>
+          <a:lstStyle/>
+          <a:p>
+            <a:pPr algn="ctr"/>
+            <a:r>
+              <a:rPr kumimoji="1" lang="en-US" altLang="zh-CN" sz="2400" b="1" strike="sngStrike" dirty="0"/>
+              <a:t>5</a:t>
+            </a:r>
+            <a:endParaRPr kumimoji="1" lang="zh-CN" altLang="en-US" sz="2400" b="1" strike="sngStrike" dirty="0"/>
+          </a:p>
+        </p:txBody>
+      </p:sp>
+      <p:sp>
+        <p:nvSpPr>
+          <p:cNvPr id="87" name="圆角矩形 86">
+            <a:extLst>
+              <a:ext uri="{FF2B5EF4-FFF2-40B4-BE49-F238E27FC236}">
+                <a16:creationId xmlns:a16="http://schemas.microsoft.com/office/drawing/2014/main" id="{F0CD68AE-6C03-194A-9519-C39D5C044CC7}"/>
+              </a:ext>
+            </a:extLst>
+          </p:cNvPr>
+          <p:cNvSpPr/>
+          <p:nvPr/>
+        </p:nvSpPr>
+        <p:spPr>
+          <a:xfrm>
+            <a:off x="7743332" y="4230208"/>
+            <a:ext cx="609600" cy="499872"/>
+          </a:xfrm>
+          <a:prstGeom prst="roundRect">
+            <a:avLst/>
+          </a:prstGeom>
+          <a:ln>
+            <a:solidFill>
+              <a:schemeClr val="accent6"/>
+            </a:solidFill>
+            <a:prstDash val="sysDash"/>
+          </a:ln>
+        </p:spPr>
+        <p:style>
+          <a:lnRef idx="2">
+            <a:schemeClr val="accent6"/>
+          </a:lnRef>
+          <a:fillRef idx="1">
+            <a:schemeClr val="lt1"/>
+          </a:fillRef>
+          <a:effectRef idx="0">
+            <a:schemeClr val="accent6"/>
+          </a:effectRef>
+          <a:fontRef idx="minor">
+            <a:schemeClr val="dk1"/>
+          </a:fontRef>
+        </p:style>
+        <p:txBody>
+          <a:bodyPr rtlCol="0" anchor="ctr"/>
+          <a:lstStyle/>
+          <a:p>
+            <a:pPr algn="ctr"/>
+            <a:r>
+              <a:rPr kumimoji="1" lang="en-US" altLang="zh-CN" sz="2400" b="1" strike="sngStrike" dirty="0"/>
+              <a:t>5</a:t>
+            </a:r>
+            <a:endParaRPr kumimoji="1" lang="zh-CN" altLang="en-US" sz="2400" b="1" strike="sngStrike" dirty="0"/>
+          </a:p>
+        </p:txBody>
+      </p:sp>
+      <p:sp>
+        <p:nvSpPr>
+          <p:cNvPr id="88" name="圆角矩形 87">
+            <a:extLst>
+              <a:ext uri="{FF2B5EF4-FFF2-40B4-BE49-F238E27FC236}">
+                <a16:creationId xmlns:a16="http://schemas.microsoft.com/office/drawing/2014/main" id="{EC6C5538-A921-D943-8659-9C59EFDA7AC5}"/>
+              </a:ext>
+            </a:extLst>
+          </p:cNvPr>
+          <p:cNvSpPr/>
+          <p:nvPr/>
+        </p:nvSpPr>
+        <p:spPr>
+          <a:xfrm>
+            <a:off x="8352932" y="4230208"/>
+            <a:ext cx="609600" cy="499872"/>
+          </a:xfrm>
+          <a:prstGeom prst="roundRect">
+            <a:avLst/>
+          </a:prstGeom>
+          <a:ln>
+            <a:solidFill>
+              <a:schemeClr val="accent6"/>
+            </a:solidFill>
+            <a:prstDash val="sysDash"/>
+          </a:ln>
+        </p:spPr>
+        <p:style>
+          <a:lnRef idx="2">
+            <a:schemeClr val="accent6"/>
+          </a:lnRef>
+          <a:fillRef idx="1">
+            <a:schemeClr val="lt1"/>
+          </a:fillRef>
+          <a:effectRef idx="0">
+            <a:schemeClr val="accent6"/>
+          </a:effectRef>
+          <a:fontRef idx="minor">
+            <a:schemeClr val="dk1"/>
+          </a:fontRef>
+        </p:style>
+        <p:txBody>
+          <a:bodyPr rtlCol="0" anchor="ctr"/>
+          <a:lstStyle/>
+          <a:p>
+            <a:pPr algn="ctr"/>
+            <a:r>
+              <a:rPr kumimoji="1" lang="en-US" altLang="zh-CN" sz="2400" b="1" strike="sngStrike" dirty="0"/>
+              <a:t>5</a:t>
+            </a:r>
+            <a:endParaRPr kumimoji="1" lang="zh-CN" altLang="en-US" sz="2400" b="1" strike="sngStrike" dirty="0"/>
+          </a:p>
+        </p:txBody>
+      </p:sp>
+      <p:sp>
+        <p:nvSpPr>
+          <p:cNvPr id="89" name="圆角矩形 88">
+            <a:extLst>
+              <a:ext uri="{FF2B5EF4-FFF2-40B4-BE49-F238E27FC236}">
+                <a16:creationId xmlns:a16="http://schemas.microsoft.com/office/drawing/2014/main" id="{5E922720-EFDF-B54A-892F-C53A5D4321F4}"/>
+              </a:ext>
+            </a:extLst>
+          </p:cNvPr>
+          <p:cNvSpPr/>
+          <p:nvPr/>
+        </p:nvSpPr>
+        <p:spPr>
+          <a:xfrm>
+            <a:off x="8962532" y="4230208"/>
+            <a:ext cx="609600" cy="499872"/>
+          </a:xfrm>
+          <a:prstGeom prst="roundRect">
+            <a:avLst/>
+          </a:prstGeom>
+        </p:spPr>
+        <p:style>
+          <a:lnRef idx="2">
+            <a:schemeClr val="accent6"/>
+          </a:lnRef>
+          <a:fillRef idx="1">
+            <a:schemeClr val="lt1"/>
+          </a:fillRef>
+          <a:effectRef idx="0">
+            <a:schemeClr val="accent6"/>
+          </a:effectRef>
+          <a:fontRef idx="minor">
+            <a:schemeClr val="dk1"/>
+          </a:fontRef>
+        </p:style>
+        <p:txBody>
+          <a:bodyPr rtlCol="0" anchor="ctr"/>
+          <a:lstStyle/>
+          <a:p>
+            <a:pPr algn="ctr"/>
+            <a:r>
+              <a:rPr kumimoji="1" lang="en-US" altLang="zh-CN" sz="2400" b="1" dirty="0"/>
+              <a:t>6</a:t>
+            </a:r>
+            <a:endParaRPr kumimoji="1" lang="zh-CN" altLang="en-US" sz="2400" b="1" dirty="0"/>
+          </a:p>
+        </p:txBody>
+      </p:sp>
+      <p:sp>
+        <p:nvSpPr>
+          <p:cNvPr id="90" name="圆角矩形 89">
+            <a:extLst>
+              <a:ext uri="{FF2B5EF4-FFF2-40B4-BE49-F238E27FC236}">
+                <a16:creationId xmlns:a16="http://schemas.microsoft.com/office/drawing/2014/main" id="{FA3F9C66-48F1-734C-9DA3-E5337239F349}"/>
+              </a:ext>
+            </a:extLst>
+          </p:cNvPr>
+          <p:cNvSpPr/>
+          <p:nvPr/>
+        </p:nvSpPr>
+        <p:spPr>
+          <a:xfrm>
+            <a:off x="9572132" y="4230208"/>
+            <a:ext cx="609600" cy="499872"/>
+          </a:xfrm>
+          <a:prstGeom prst="roundRect">
+            <a:avLst/>
+          </a:prstGeom>
+        </p:spPr>
+        <p:style>
+          <a:lnRef idx="2">
+            <a:schemeClr val="accent6"/>
+          </a:lnRef>
+          <a:fillRef idx="1">
+            <a:schemeClr val="lt1"/>
+          </a:fillRef>
+          <a:effectRef idx="0">
+            <a:schemeClr val="accent6"/>
+          </a:effectRef>
+          <a:fontRef idx="minor">
+            <a:schemeClr val="dk1"/>
+          </a:fontRef>
+        </p:style>
+        <p:txBody>
+          <a:bodyPr rtlCol="0" anchor="ctr"/>
+          <a:lstStyle/>
+          <a:p>
+            <a:pPr algn="ctr"/>
+            <a:r>
+              <a:rPr kumimoji="1" lang="en-US" altLang="zh-CN" sz="2400" b="1" dirty="0"/>
+              <a:t>7</a:t>
+            </a:r>
+            <a:endParaRPr kumimoji="1" lang="zh-CN" altLang="en-US" sz="2400" b="1" dirty="0"/>
+          </a:p>
+        </p:txBody>
+      </p:sp>
+      <p:sp>
+        <p:nvSpPr>
+          <p:cNvPr id="91" name="圆角矩形 90">
+            <a:extLst>
+              <a:ext uri="{FF2B5EF4-FFF2-40B4-BE49-F238E27FC236}">
+                <a16:creationId xmlns:a16="http://schemas.microsoft.com/office/drawing/2014/main" id="{CE443E6E-07C0-FB41-93E8-5609F1086F89}"/>
+              </a:ext>
+            </a:extLst>
+          </p:cNvPr>
+          <p:cNvSpPr/>
+          <p:nvPr/>
+        </p:nvSpPr>
+        <p:spPr>
+          <a:xfrm>
+            <a:off x="10181732" y="4230208"/>
+            <a:ext cx="609600" cy="499872"/>
+          </a:xfrm>
+          <a:prstGeom prst="roundRect">
+            <a:avLst/>
+          </a:prstGeom>
+        </p:spPr>
+        <p:style>
+          <a:lnRef idx="2">
+            <a:schemeClr val="accent6"/>
+          </a:lnRef>
+          <a:fillRef idx="1">
+            <a:schemeClr val="lt1"/>
+          </a:fillRef>
+          <a:effectRef idx="0">
+            <a:schemeClr val="accent6"/>
+          </a:effectRef>
+          <a:fontRef idx="minor">
+            <a:schemeClr val="dk1"/>
+          </a:fontRef>
+        </p:style>
+        <p:txBody>
+          <a:bodyPr rtlCol="0" anchor="ctr"/>
+          <a:lstStyle/>
+          <a:p>
+            <a:pPr algn="ctr"/>
+            <a:r>
+              <a:rPr kumimoji="1" lang="en-US" altLang="zh-CN" sz="2400" b="1" dirty="0"/>
+              <a:t>8</a:t>
+            </a:r>
+            <a:endParaRPr kumimoji="1" lang="zh-CN" altLang="en-US" sz="2400" b="1" dirty="0"/>
+          </a:p>
+        </p:txBody>
+      </p:sp>
+      <p:cxnSp>
+        <p:nvCxnSpPr>
+          <p:cNvPr id="92" name="直线箭头连接符 91">
+            <a:extLst>
+              <a:ext uri="{FF2B5EF4-FFF2-40B4-BE49-F238E27FC236}">
+                <a16:creationId xmlns:a16="http://schemas.microsoft.com/office/drawing/2014/main" id="{DFDA2662-537B-F649-8936-E1F8CE5BB7F5}"/>
+              </a:ext>
+            </a:extLst>
+          </p:cNvPr>
+          <p:cNvCxnSpPr>
+            <a:cxnSpLocks/>
+          </p:cNvCxnSpPr>
+          <p:nvPr/>
+        </p:nvCxnSpPr>
+        <p:spPr>
+          <a:xfrm flipV="1">
+            <a:off x="6841574" y="4758508"/>
+            <a:ext cx="0" cy="353568"/>
+          </a:xfrm>
+          <a:prstGeom prst="straightConnector1">
+            <a:avLst/>
+          </a:prstGeom>
+          <a:ln>
+            <a:tailEnd type="triangle"/>
+          </a:ln>
+        </p:spPr>
+        <p:style>
+          <a:lnRef idx="1">
+            <a:schemeClr val="accent1"/>
+          </a:lnRef>
+          <a:fillRef idx="0">
+            <a:schemeClr val="accent1"/>
+          </a:fillRef>
+          <a:effectRef idx="0">
+            <a:schemeClr val="accent1"/>
+          </a:effectRef>
+          <a:fontRef idx="minor">
+            <a:schemeClr val="tx1"/>
+          </a:fontRef>
+        </p:style>
+      </p:cxnSp>
+      <p:sp>
+        <p:nvSpPr>
+          <p:cNvPr id="93" name="文本框 92">
+            <a:extLst>
+              <a:ext uri="{FF2B5EF4-FFF2-40B4-BE49-F238E27FC236}">
+                <a16:creationId xmlns:a16="http://schemas.microsoft.com/office/drawing/2014/main" id="{DE45E5D7-AE33-864E-AD46-78896DBB68AB}"/>
+              </a:ext>
+            </a:extLst>
+          </p:cNvPr>
+          <p:cNvSpPr txBox="1"/>
+          <p:nvPr/>
+        </p:nvSpPr>
+        <p:spPr>
+          <a:xfrm>
+            <a:off x="6608515" y="5114969"/>
+            <a:ext cx="514885" cy="369332"/>
+          </a:xfrm>
+          <a:prstGeom prst="rect">
+            <a:avLst/>
+          </a:prstGeom>
+          <a:noFill/>
+        </p:spPr>
+        <p:txBody>
+          <a:bodyPr wrap="none" rtlCol="0">
+            <a:spAutoFit/>
+          </a:bodyPr>
+          <a:lstStyle/>
+          <a:p>
+            <a:r>
+              <a:rPr kumimoji="1" lang="en-US" altLang="zh-CN" dirty="0"/>
+              <a:t>pre</a:t>
+            </a:r>
+            <a:endParaRPr kumimoji="1" lang="zh-CN" altLang="en-US" dirty="0"/>
+          </a:p>
+        </p:txBody>
+      </p:sp>
+      <p:cxnSp>
+        <p:nvCxnSpPr>
+          <p:cNvPr id="94" name="直线箭头连接符 93">
+            <a:extLst>
+              <a:ext uri="{FF2B5EF4-FFF2-40B4-BE49-F238E27FC236}">
+                <a16:creationId xmlns:a16="http://schemas.microsoft.com/office/drawing/2014/main" id="{D991879F-2D56-234B-B6F7-46E0BC2384C8}"/>
+              </a:ext>
+            </a:extLst>
+          </p:cNvPr>
+          <p:cNvCxnSpPr>
+            <a:cxnSpLocks/>
+          </p:cNvCxnSpPr>
+          <p:nvPr/>
+        </p:nvCxnSpPr>
+        <p:spPr>
+          <a:xfrm flipV="1">
+            <a:off x="6606378" y="4779217"/>
+            <a:ext cx="0" cy="353568"/>
+          </a:xfrm>
+          <a:prstGeom prst="straightConnector1">
+            <a:avLst/>
+          </a:prstGeom>
+          <a:ln>
+            <a:tailEnd type="triangle"/>
+          </a:ln>
+        </p:spPr>
+        <p:style>
+          <a:lnRef idx="1">
+            <a:schemeClr val="accent1"/>
+          </a:lnRef>
+          <a:fillRef idx="0">
+            <a:schemeClr val="accent1"/>
+          </a:fillRef>
+          <a:effectRef idx="0">
+            <a:schemeClr val="accent1"/>
+          </a:effectRef>
+          <a:fontRef idx="minor">
+            <a:schemeClr val="tx1"/>
+          </a:fontRef>
+        </p:style>
+      </p:cxnSp>
+      <p:sp>
+        <p:nvSpPr>
+          <p:cNvPr id="95" name="文本框 94">
+            <a:extLst>
+              <a:ext uri="{FF2B5EF4-FFF2-40B4-BE49-F238E27FC236}">
+                <a16:creationId xmlns:a16="http://schemas.microsoft.com/office/drawing/2014/main" id="{4322680D-6BFF-B744-8EC5-C2862A54FD36}"/>
+              </a:ext>
+            </a:extLst>
+          </p:cNvPr>
+          <p:cNvSpPr txBox="1"/>
+          <p:nvPr/>
+        </p:nvSpPr>
+        <p:spPr>
+          <a:xfrm>
+            <a:off x="6137949" y="5289183"/>
+            <a:ext cx="678391" cy="369332"/>
+          </a:xfrm>
+          <a:prstGeom prst="rect">
+            <a:avLst/>
+          </a:prstGeom>
+          <a:noFill/>
+        </p:spPr>
+        <p:txBody>
+          <a:bodyPr wrap="none" rtlCol="0">
+            <a:spAutoFit/>
+          </a:bodyPr>
+          <a:lstStyle/>
+          <a:p>
+            <a:r>
+              <a:rPr kumimoji="1" lang="en-US" altLang="zh-CN" dirty="0"/>
+              <a:t>head</a:t>
+            </a:r>
+            <a:endParaRPr kumimoji="1" lang="zh-CN" altLang="en-US" dirty="0"/>
+          </a:p>
+        </p:txBody>
+      </p:sp>
+      <p:cxnSp>
+        <p:nvCxnSpPr>
+          <p:cNvPr id="96" name="直线箭头连接符 95">
+            <a:extLst>
+              <a:ext uri="{FF2B5EF4-FFF2-40B4-BE49-F238E27FC236}">
+                <a16:creationId xmlns:a16="http://schemas.microsoft.com/office/drawing/2014/main" id="{1F33F366-8AEB-7241-B738-C0C72D25558E}"/>
+              </a:ext>
+            </a:extLst>
+          </p:cNvPr>
+          <p:cNvCxnSpPr>
+            <a:cxnSpLocks/>
+          </p:cNvCxnSpPr>
+          <p:nvPr/>
+        </p:nvCxnSpPr>
+        <p:spPr>
+          <a:xfrm flipV="1">
+            <a:off x="9209555" y="4751598"/>
+            <a:ext cx="0" cy="353568"/>
+          </a:xfrm>
+          <a:prstGeom prst="straightConnector1">
+            <a:avLst/>
+          </a:prstGeom>
+          <a:ln>
+            <a:tailEnd type="triangle"/>
+          </a:ln>
+        </p:spPr>
+        <p:style>
+          <a:lnRef idx="1">
+            <a:schemeClr val="accent1"/>
+          </a:lnRef>
+          <a:fillRef idx="0">
+            <a:schemeClr val="accent1"/>
+          </a:fillRef>
+          <a:effectRef idx="0">
+            <a:schemeClr val="accent1"/>
+          </a:effectRef>
+          <a:fontRef idx="minor">
+            <a:schemeClr val="tx1"/>
+          </a:fontRef>
+        </p:style>
+      </p:cxnSp>
+      <p:sp>
+        <p:nvSpPr>
+          <p:cNvPr id="97" name="文本框 96">
+            <a:extLst>
+              <a:ext uri="{FF2B5EF4-FFF2-40B4-BE49-F238E27FC236}">
+                <a16:creationId xmlns:a16="http://schemas.microsoft.com/office/drawing/2014/main" id="{4D39EBF4-433C-9E45-983D-394E4013CB96}"/>
+              </a:ext>
+            </a:extLst>
+          </p:cNvPr>
+          <p:cNvSpPr txBox="1"/>
+          <p:nvPr/>
+        </p:nvSpPr>
+        <p:spPr>
+          <a:xfrm>
+            <a:off x="8962532" y="5112076"/>
+            <a:ext cx="494046" cy="369332"/>
+          </a:xfrm>
+          <a:prstGeom prst="rect">
+            <a:avLst/>
+          </a:prstGeom>
+          <a:noFill/>
+        </p:spPr>
+        <p:txBody>
+          <a:bodyPr wrap="none" rtlCol="0">
+            <a:spAutoFit/>
+          </a:bodyPr>
+          <a:lstStyle/>
+          <a:p>
+            <a:r>
+              <a:rPr kumimoji="1" lang="en-US" altLang="zh-CN" dirty="0"/>
+              <a:t>cur</a:t>
             </a:r>
             <a:endParaRPr kumimoji="1" lang="zh-CN" altLang="en-US" dirty="0"/>
           </a:p>

--- a/res/deduce.pptx
+++ b/res/deduce.pptx
@@ -5,13 +5,14 @@
     <p:sldMasterId id="2147483648" r:id="rId1"/>
   </p:sldMasterIdLst>
   <p:notesMasterIdLst>
-    <p:notesMasterId r:id="rId6"/>
+    <p:notesMasterId r:id="rId7"/>
   </p:notesMasterIdLst>
   <p:sldIdLst>
     <p:sldId id="256" r:id="rId2"/>
     <p:sldId id="257" r:id="rId3"/>
     <p:sldId id="259" r:id="rId4"/>
     <p:sldId id="258" r:id="rId5"/>
+    <p:sldId id="260" r:id="rId6"/>
   </p:sldIdLst>
   <p:sldSz cx="12192000" cy="6858000"/>
   <p:notesSz cx="6858000" cy="9144000"/>
@@ -12346,6 +12347,305 @@
     <p:extLst>
       <p:ext uri="{BB962C8B-B14F-4D97-AF65-F5344CB8AC3E}">
         <p14:creationId xmlns:p14="http://schemas.microsoft.com/office/powerpoint/2010/main" val="1628421797"/>
+      </p:ext>
+    </p:extLst>
+  </p:cSld>
+  <p:clrMapOvr>
+    <a:masterClrMapping/>
+  </p:clrMapOvr>
+</p:sld>
+</file>
+
+<file path=ppt/slides/slide5.xml><?xml version="1.0" encoding="utf-8"?>
+<p:sld xmlns:a="http://schemas.openxmlformats.org/drawingml/2006/main" xmlns:r="http://schemas.openxmlformats.org/officeDocument/2006/relationships" xmlns:p="http://schemas.openxmlformats.org/presentationml/2006/main">
+  <p:cSld>
+    <p:spTree>
+      <p:nvGrpSpPr>
+        <p:cNvPr id="1" name=""/>
+        <p:cNvGrpSpPr/>
+        <p:nvPr/>
+      </p:nvGrpSpPr>
+      <p:grpSpPr>
+        <a:xfrm>
+          <a:off x="0" y="0"/>
+          <a:ext cx="0" cy="0"/>
+          <a:chOff x="0" y="0"/>
+          <a:chExt cx="0" cy="0"/>
+        </a:xfrm>
+      </p:grpSpPr>
+      <p:sp>
+        <p:nvSpPr>
+          <p:cNvPr id="4" name="矩形 3">
+            <a:extLst>
+              <a:ext uri="{FF2B5EF4-FFF2-40B4-BE49-F238E27FC236}">
+                <a16:creationId xmlns:a16="http://schemas.microsoft.com/office/drawing/2014/main" id="{D438BCF4-13C4-4E47-9B6A-623EE0F6B821}"/>
+              </a:ext>
+            </a:extLst>
+          </p:cNvPr>
+          <p:cNvSpPr/>
+          <p:nvPr/>
+        </p:nvSpPr>
+        <p:spPr>
+          <a:xfrm>
+            <a:off x="0" y="129175"/>
+            <a:ext cx="2595582" cy="369332"/>
+          </a:xfrm>
+          <a:prstGeom prst="rect">
+            <a:avLst/>
+          </a:prstGeom>
+        </p:spPr>
+        <p:txBody>
+          <a:bodyPr wrap="none">
+            <a:spAutoFit/>
+          </a:bodyPr>
+          <a:lstStyle/>
+          <a:p>
+            <a:r>
+              <a:rPr lang="en-US" altLang="zh-CN" dirty="0">
+                <a:solidFill>
+                  <a:srgbClr val="FF0000"/>
+                </a:solidFill>
+              </a:rPr>
+              <a:t>_15_NumberOf1InBinary</a:t>
+            </a:r>
+            <a:endParaRPr lang="zh-CN" altLang="en-US" dirty="0">
+              <a:solidFill>
+                <a:srgbClr val="FF0000"/>
+              </a:solidFill>
+            </a:endParaRPr>
+          </a:p>
+        </p:txBody>
+      </p:sp>
+      <p:sp>
+        <p:nvSpPr>
+          <p:cNvPr id="5" name="矩形 4">
+            <a:extLst>
+              <a:ext uri="{FF2B5EF4-FFF2-40B4-BE49-F238E27FC236}">
+                <a16:creationId xmlns:a16="http://schemas.microsoft.com/office/drawing/2014/main" id="{D44AC311-951C-5B44-BA55-A07D3EB49E45}"/>
+              </a:ext>
+            </a:extLst>
+          </p:cNvPr>
+          <p:cNvSpPr/>
+          <p:nvPr/>
+        </p:nvSpPr>
+        <p:spPr>
+          <a:xfrm>
+            <a:off x="154983" y="733609"/>
+            <a:ext cx="3735092" cy="4524315"/>
+          </a:xfrm>
+          <a:prstGeom prst="rect">
+            <a:avLst/>
+          </a:prstGeom>
+        </p:spPr>
+        <p:txBody>
+          <a:bodyPr wrap="square">
+            <a:spAutoFit/>
+          </a:bodyPr>
+          <a:lstStyle/>
+          <a:p>
+            <a:r>
+              <a:rPr lang="en-US" altLang="zh-CN" sz="2400" dirty="0">
+                <a:latin typeface="Microsoft YaHei" panose="020B0503020204020204" pitchFamily="34" charset="-122"/>
+                <a:ea typeface="Microsoft YaHei" panose="020B0503020204020204" pitchFamily="34" charset="-122"/>
+              </a:rPr>
+              <a:t>9</a:t>
+            </a:r>
+            <a:r>
+              <a:rPr lang="zh-CN" altLang="en-US" sz="2400" dirty="0">
+                <a:latin typeface="Microsoft YaHei" panose="020B0503020204020204" pitchFamily="34" charset="-122"/>
+                <a:ea typeface="Microsoft YaHei" panose="020B0503020204020204" pitchFamily="34" charset="-122"/>
+              </a:rPr>
+              <a:t>的二进制</a:t>
+            </a:r>
+            <a:r>
+              <a:rPr lang="en-US" altLang="zh-CN" sz="2400" dirty="0">
+                <a:latin typeface="Microsoft YaHei" panose="020B0503020204020204" pitchFamily="34" charset="-122"/>
+                <a:ea typeface="Microsoft YaHei" panose="020B0503020204020204" pitchFamily="34" charset="-122"/>
+              </a:rPr>
+              <a:t>   0000 1001</a:t>
+            </a:r>
+          </a:p>
+          <a:p>
+            <a:r>
+              <a:rPr lang="en-US" altLang="zh-CN" sz="2400" dirty="0">
+                <a:latin typeface="Microsoft YaHei" panose="020B0503020204020204" pitchFamily="34" charset="-122"/>
+                <a:ea typeface="Microsoft YaHei" panose="020B0503020204020204" pitchFamily="34" charset="-122"/>
+              </a:rPr>
+              <a:t>   </a:t>
+            </a:r>
+          </a:p>
+          <a:p>
+            <a:r>
+              <a:rPr lang="en-US" altLang="zh-CN" sz="2400" dirty="0">
+                <a:latin typeface="Microsoft YaHei" panose="020B0503020204020204" pitchFamily="34" charset="-122"/>
+                <a:ea typeface="Microsoft YaHei" panose="020B0503020204020204" pitchFamily="34" charset="-122"/>
+              </a:rPr>
+              <a:t>        &amp;</a:t>
+            </a:r>
+          </a:p>
+          <a:p>
+            <a:endParaRPr lang="en-US" altLang="zh-CN" sz="2400" dirty="0">
+              <a:latin typeface="Microsoft YaHei" panose="020B0503020204020204" pitchFamily="34" charset="-122"/>
+              <a:ea typeface="Microsoft YaHei" panose="020B0503020204020204" pitchFamily="34" charset="-122"/>
+            </a:endParaRPr>
+          </a:p>
+          <a:p>
+            <a:r>
+              <a:rPr lang="en-US" altLang="zh-CN" sz="2400" dirty="0">
+                <a:latin typeface="Microsoft YaHei" panose="020B0503020204020204" pitchFamily="34" charset="-122"/>
+                <a:ea typeface="Microsoft YaHei" panose="020B0503020204020204" pitchFamily="34" charset="-122"/>
+              </a:rPr>
+              <a:t>1</a:t>
+            </a:r>
+            <a:r>
+              <a:rPr lang="zh-CN" altLang="en-US" sz="2400" dirty="0">
+                <a:latin typeface="Microsoft YaHei" panose="020B0503020204020204" pitchFamily="34" charset="-122"/>
+                <a:ea typeface="Microsoft YaHei" panose="020B0503020204020204" pitchFamily="34" charset="-122"/>
+              </a:rPr>
+              <a:t>的二进制   </a:t>
+            </a:r>
+            <a:r>
+              <a:rPr lang="en-US" altLang="zh-CN" sz="2400" dirty="0">
+                <a:latin typeface="Microsoft YaHei" panose="020B0503020204020204" pitchFamily="34" charset="-122"/>
+                <a:ea typeface="Microsoft YaHei" panose="020B0503020204020204" pitchFamily="34" charset="-122"/>
+              </a:rPr>
+              <a:t>0000 0001</a:t>
+            </a:r>
+          </a:p>
+          <a:p>
+            <a:endParaRPr lang="en-US" altLang="zh-CN" sz="2400" dirty="0">
+              <a:latin typeface="Microsoft YaHei" panose="020B0503020204020204" pitchFamily="34" charset="-122"/>
+              <a:ea typeface="Microsoft YaHei" panose="020B0503020204020204" pitchFamily="34" charset="-122"/>
+            </a:endParaRPr>
+          </a:p>
+          <a:p>
+            <a:r>
+              <a:rPr lang="zh-CN" altLang="en-US" sz="2400" dirty="0">
+                <a:latin typeface="Microsoft YaHei" panose="020B0503020204020204" pitchFamily="34" charset="-122"/>
+                <a:ea typeface="Microsoft YaHei" panose="020B0503020204020204" pitchFamily="34" charset="-122"/>
+              </a:rPr>
+              <a:t>                  </a:t>
+            </a:r>
+            <a:r>
+              <a:rPr lang="en-US" altLang="zh-CN" sz="2400" dirty="0">
+                <a:latin typeface="Microsoft YaHei" panose="020B0503020204020204" pitchFamily="34" charset="-122"/>
+                <a:ea typeface="Microsoft YaHei" panose="020B0503020204020204" pitchFamily="34" charset="-122"/>
+              </a:rPr>
+              <a:t>0000 0001</a:t>
+            </a:r>
+          </a:p>
+          <a:p>
+            <a:endParaRPr lang="en-US" altLang="zh-CN" sz="2400" dirty="0">
+              <a:latin typeface="Microsoft YaHei" panose="020B0503020204020204" pitchFamily="34" charset="-122"/>
+              <a:ea typeface="Microsoft YaHei" panose="020B0503020204020204" pitchFamily="34" charset="-122"/>
+            </a:endParaRPr>
+          </a:p>
+          <a:p>
+            <a:r>
+              <a:rPr lang="en-US" altLang="zh-CN" sz="2400" dirty="0">
+                <a:latin typeface="Microsoft YaHei" panose="020B0503020204020204" pitchFamily="34" charset="-122"/>
+                <a:ea typeface="Microsoft YaHei" panose="020B0503020204020204" pitchFamily="34" charset="-122"/>
+              </a:rPr>
+              <a:t>1</a:t>
+            </a:r>
+            <a:r>
+              <a:rPr lang="zh-CN" altLang="en-US" sz="2400" dirty="0">
+                <a:latin typeface="Microsoft YaHei" panose="020B0503020204020204" pitchFamily="34" charset="-122"/>
+                <a:ea typeface="Microsoft YaHei" panose="020B0503020204020204" pitchFamily="34" charset="-122"/>
+              </a:rPr>
+              <a:t>左移一位   </a:t>
+            </a:r>
+            <a:r>
+              <a:rPr lang="en-US" altLang="zh-CN" sz="2400" dirty="0">
+                <a:latin typeface="Microsoft YaHei" panose="020B0503020204020204" pitchFamily="34" charset="-122"/>
+                <a:ea typeface="Microsoft YaHei" panose="020B0503020204020204" pitchFamily="34" charset="-122"/>
+              </a:rPr>
+              <a:t>0000</a:t>
+            </a:r>
+            <a:r>
+              <a:rPr lang="zh-CN" altLang="en-US" sz="2400" dirty="0">
+                <a:latin typeface="Microsoft YaHei" panose="020B0503020204020204" pitchFamily="34" charset="-122"/>
+                <a:ea typeface="Microsoft YaHei" panose="020B0503020204020204" pitchFamily="34" charset="-122"/>
+              </a:rPr>
+              <a:t> </a:t>
+            </a:r>
+            <a:r>
+              <a:rPr lang="en-US" altLang="zh-CN" sz="2400" dirty="0">
+                <a:latin typeface="Microsoft YaHei" panose="020B0503020204020204" pitchFamily="34" charset="-122"/>
+                <a:ea typeface="Microsoft YaHei" panose="020B0503020204020204" pitchFamily="34" charset="-122"/>
+              </a:rPr>
+              <a:t>0010</a:t>
+            </a:r>
+          </a:p>
+          <a:p>
+            <a:r>
+              <a:rPr lang="en-US" altLang="zh-CN" sz="2400" dirty="0">
+                <a:latin typeface="Microsoft YaHei" panose="020B0503020204020204" pitchFamily="34" charset="-122"/>
+                <a:ea typeface="Microsoft YaHei" panose="020B0503020204020204" pitchFamily="34" charset="-122"/>
+              </a:rPr>
+              <a:t>&amp;9</a:t>
+            </a:r>
+            <a:r>
+              <a:rPr lang="zh-CN" altLang="en-US" sz="2400" dirty="0">
+                <a:latin typeface="Microsoft YaHei" panose="020B0503020204020204" pitchFamily="34" charset="-122"/>
+                <a:ea typeface="Microsoft YaHei" panose="020B0503020204020204" pitchFamily="34" charset="-122"/>
+              </a:rPr>
+              <a:t>             </a:t>
+            </a:r>
+            <a:r>
+              <a:rPr lang="en-US" altLang="zh-CN" sz="2400" dirty="0">
+                <a:latin typeface="Microsoft YaHei" panose="020B0503020204020204" pitchFamily="34" charset="-122"/>
+                <a:ea typeface="Microsoft YaHei" panose="020B0503020204020204" pitchFamily="34" charset="-122"/>
+              </a:rPr>
+              <a:t>0000</a:t>
+            </a:r>
+            <a:r>
+              <a:rPr lang="zh-CN" altLang="en-US" sz="2400" dirty="0">
+                <a:latin typeface="Microsoft YaHei" panose="020B0503020204020204" pitchFamily="34" charset="-122"/>
+                <a:ea typeface="Microsoft YaHei" panose="020B0503020204020204" pitchFamily="34" charset="-122"/>
+              </a:rPr>
+              <a:t>  </a:t>
+            </a:r>
+            <a:r>
+              <a:rPr lang="en-US" altLang="zh-CN" sz="2400" dirty="0">
+                <a:latin typeface="Microsoft YaHei" panose="020B0503020204020204" pitchFamily="34" charset="-122"/>
+                <a:ea typeface="Microsoft YaHei" panose="020B0503020204020204" pitchFamily="34" charset="-122"/>
+              </a:rPr>
+              <a:t>0000</a:t>
+            </a:r>
+          </a:p>
+          <a:p>
+            <a:r>
+              <a:rPr lang="zh-CN" altLang="en-US" sz="2400" dirty="0">
+                <a:latin typeface="Microsoft YaHei" panose="020B0503020204020204" pitchFamily="34" charset="-122"/>
+                <a:ea typeface="Microsoft YaHei" panose="020B0503020204020204" pitchFamily="34" charset="-122"/>
+              </a:rPr>
+              <a:t>。。。</a:t>
+            </a:r>
+            <a:endParaRPr lang="en-US" altLang="zh-CN" sz="2400" dirty="0">
+              <a:latin typeface="Microsoft YaHei" panose="020B0503020204020204" pitchFamily="34" charset="-122"/>
+              <a:ea typeface="Microsoft YaHei" panose="020B0503020204020204" pitchFamily="34" charset="-122"/>
+            </a:endParaRPr>
+          </a:p>
+          <a:p>
+            <a:r>
+              <a:rPr lang="zh-CN" altLang="en-US" sz="2400" dirty="0">
+                <a:latin typeface="Microsoft YaHei" panose="020B0503020204020204" pitchFamily="34" charset="-122"/>
+                <a:ea typeface="Microsoft YaHei" panose="020B0503020204020204" pitchFamily="34" charset="-122"/>
+              </a:rPr>
+              <a:t>                   </a:t>
+            </a:r>
+            <a:endParaRPr lang="en-US" altLang="zh-CN" sz="2400" dirty="0">
+              <a:latin typeface="Microsoft YaHei" panose="020B0503020204020204" pitchFamily="34" charset="-122"/>
+              <a:ea typeface="Microsoft YaHei" panose="020B0503020204020204" pitchFamily="34" charset="-122"/>
+            </a:endParaRPr>
+          </a:p>
+        </p:txBody>
+      </p:sp>
+    </p:spTree>
+    <p:extLst>
+      <p:ext uri="{BB962C8B-B14F-4D97-AF65-F5344CB8AC3E}">
+        <p14:creationId xmlns:p14="http://schemas.microsoft.com/office/powerpoint/2010/main" val="2343824976"/>
       </p:ext>
     </p:extLst>
   </p:cSld>

--- a/res/deduce.pptx
+++ b/res/deduce.pptx
@@ -5,7 +5,7 @@
     <p:sldMasterId id="2147483648" r:id="rId1"/>
   </p:sldMasterIdLst>
   <p:notesMasterIdLst>
-    <p:notesMasterId r:id="rId7"/>
+    <p:notesMasterId r:id="rId8"/>
   </p:notesMasterIdLst>
   <p:sldIdLst>
     <p:sldId id="256" r:id="rId2"/>
@@ -13,6 +13,7 @@
     <p:sldId id="259" r:id="rId4"/>
     <p:sldId id="258" r:id="rId5"/>
     <p:sldId id="260" r:id="rId6"/>
+    <p:sldId id="261" r:id="rId7"/>
   </p:sldIdLst>
   <p:sldSz cx="12192000" cy="6858000"/>
   <p:notesSz cx="6858000" cy="9144000"/>
@@ -12646,6 +12647,461 @@
     <p:extLst>
       <p:ext uri="{BB962C8B-B14F-4D97-AF65-F5344CB8AC3E}">
         <p14:creationId xmlns:p14="http://schemas.microsoft.com/office/powerpoint/2010/main" val="2343824976"/>
+      </p:ext>
+    </p:extLst>
+  </p:cSld>
+  <p:clrMapOvr>
+    <a:masterClrMapping/>
+  </p:clrMapOvr>
+</p:sld>
+</file>
+
+<file path=ppt/slides/slide6.xml><?xml version="1.0" encoding="utf-8"?>
+<p:sld xmlns:a="http://schemas.openxmlformats.org/drawingml/2006/main" xmlns:r="http://schemas.openxmlformats.org/officeDocument/2006/relationships" xmlns:p="http://schemas.openxmlformats.org/presentationml/2006/main">
+  <p:cSld>
+    <p:spTree>
+      <p:nvGrpSpPr>
+        <p:cNvPr id="1" name=""/>
+        <p:cNvGrpSpPr/>
+        <p:nvPr/>
+      </p:nvGrpSpPr>
+      <p:grpSpPr>
+        <a:xfrm>
+          <a:off x="0" y="0"/>
+          <a:ext cx="0" cy="0"/>
+          <a:chOff x="0" y="0"/>
+          <a:chExt cx="0" cy="0"/>
+        </a:xfrm>
+      </p:grpSpPr>
+      <p:sp>
+        <p:nvSpPr>
+          <p:cNvPr id="4" name="矩形 3">
+            <a:extLst>
+              <a:ext uri="{FF2B5EF4-FFF2-40B4-BE49-F238E27FC236}">
+                <a16:creationId xmlns:a16="http://schemas.microsoft.com/office/drawing/2014/main" id="{AFECA43F-6ADF-6A48-AFDC-72BCBB391629}"/>
+              </a:ext>
+            </a:extLst>
+          </p:cNvPr>
+          <p:cNvSpPr/>
+          <p:nvPr/>
+        </p:nvSpPr>
+        <p:spPr>
+          <a:xfrm>
+            <a:off x="0" y="142788"/>
+            <a:ext cx="2842445" cy="369332"/>
+          </a:xfrm>
+          <a:prstGeom prst="rect">
+            <a:avLst/>
+          </a:prstGeom>
+        </p:spPr>
+        <p:txBody>
+          <a:bodyPr wrap="none">
+            <a:spAutoFit/>
+          </a:bodyPr>
+          <a:lstStyle/>
+          <a:p>
+            <a:r>
+              <a:rPr lang="en" altLang="zh-CN" dirty="0">
+                <a:solidFill>
+                  <a:srgbClr val="FF0000"/>
+                </a:solidFill>
+              </a:rPr>
+              <a:t>_17_Print1ToMaxOfNDigits</a:t>
+            </a:r>
+            <a:endParaRPr lang="zh-CN" altLang="en-US" dirty="0">
+              <a:solidFill>
+                <a:srgbClr val="FF0000"/>
+              </a:solidFill>
+            </a:endParaRPr>
+          </a:p>
+        </p:txBody>
+      </p:sp>
+      <p:sp>
+        <p:nvSpPr>
+          <p:cNvPr id="5" name="圆角矩形 4">
+            <a:extLst>
+              <a:ext uri="{FF2B5EF4-FFF2-40B4-BE49-F238E27FC236}">
+                <a16:creationId xmlns:a16="http://schemas.microsoft.com/office/drawing/2014/main" id="{A3645D01-6E44-344F-A7FB-4B38EAFAAE88}"/>
+              </a:ext>
+            </a:extLst>
+          </p:cNvPr>
+          <p:cNvSpPr/>
+          <p:nvPr/>
+        </p:nvSpPr>
+        <p:spPr>
+          <a:xfrm>
+            <a:off x="134112" y="621792"/>
+            <a:ext cx="609600" cy="499872"/>
+          </a:xfrm>
+          <a:prstGeom prst="roundRect">
+            <a:avLst/>
+          </a:prstGeom>
+        </p:spPr>
+        <p:style>
+          <a:lnRef idx="2">
+            <a:schemeClr val="accent6"/>
+          </a:lnRef>
+          <a:fillRef idx="1">
+            <a:schemeClr val="lt1"/>
+          </a:fillRef>
+          <a:effectRef idx="0">
+            <a:schemeClr val="accent6"/>
+          </a:effectRef>
+          <a:fontRef idx="minor">
+            <a:schemeClr val="dk1"/>
+          </a:fontRef>
+        </p:style>
+        <p:txBody>
+          <a:bodyPr rtlCol="0" anchor="ctr"/>
+          <a:lstStyle/>
+          <a:p>
+            <a:pPr algn="ctr"/>
+            <a:r>
+              <a:rPr kumimoji="1" lang="en-US" altLang="zh-CN" sz="2400" b="1" dirty="0"/>
+              <a:t>0</a:t>
+            </a:r>
+            <a:endParaRPr kumimoji="1" lang="zh-CN" altLang="en-US" sz="2400" b="1" dirty="0"/>
+          </a:p>
+        </p:txBody>
+      </p:sp>
+      <p:sp>
+        <p:nvSpPr>
+          <p:cNvPr id="6" name="圆角矩形 5">
+            <a:extLst>
+              <a:ext uri="{FF2B5EF4-FFF2-40B4-BE49-F238E27FC236}">
+                <a16:creationId xmlns:a16="http://schemas.microsoft.com/office/drawing/2014/main" id="{C4997B76-980E-414C-9DE5-E3BCDCD069B0}"/>
+              </a:ext>
+            </a:extLst>
+          </p:cNvPr>
+          <p:cNvSpPr/>
+          <p:nvPr/>
+        </p:nvSpPr>
+        <p:spPr>
+          <a:xfrm>
+            <a:off x="743712" y="621792"/>
+            <a:ext cx="609600" cy="499872"/>
+          </a:xfrm>
+          <a:prstGeom prst="roundRect">
+            <a:avLst/>
+          </a:prstGeom>
+        </p:spPr>
+        <p:style>
+          <a:lnRef idx="2">
+            <a:schemeClr val="accent6"/>
+          </a:lnRef>
+          <a:fillRef idx="1">
+            <a:schemeClr val="lt1"/>
+          </a:fillRef>
+          <a:effectRef idx="0">
+            <a:schemeClr val="accent6"/>
+          </a:effectRef>
+          <a:fontRef idx="minor">
+            <a:schemeClr val="dk1"/>
+          </a:fontRef>
+        </p:style>
+        <p:txBody>
+          <a:bodyPr rtlCol="0" anchor="ctr"/>
+          <a:lstStyle/>
+          <a:p>
+            <a:pPr algn="ctr"/>
+            <a:r>
+              <a:rPr kumimoji="1" lang="en-US" altLang="zh-CN" sz="2400" b="1" dirty="0"/>
+              <a:t>0</a:t>
+            </a:r>
+            <a:endParaRPr kumimoji="1" lang="zh-CN" altLang="en-US" sz="2400" b="1" dirty="0"/>
+          </a:p>
+        </p:txBody>
+      </p:sp>
+      <p:sp>
+        <p:nvSpPr>
+          <p:cNvPr id="7" name="圆角矩形 6">
+            <a:extLst>
+              <a:ext uri="{FF2B5EF4-FFF2-40B4-BE49-F238E27FC236}">
+                <a16:creationId xmlns:a16="http://schemas.microsoft.com/office/drawing/2014/main" id="{3ED068F6-93B4-0149-AA99-2350A36EE0DA}"/>
+              </a:ext>
+            </a:extLst>
+          </p:cNvPr>
+          <p:cNvSpPr/>
+          <p:nvPr/>
+        </p:nvSpPr>
+        <p:spPr>
+          <a:xfrm>
+            <a:off x="1353312" y="621792"/>
+            <a:ext cx="609600" cy="499872"/>
+          </a:xfrm>
+          <a:prstGeom prst="roundRect">
+            <a:avLst/>
+          </a:prstGeom>
+        </p:spPr>
+        <p:style>
+          <a:lnRef idx="2">
+            <a:schemeClr val="accent6"/>
+          </a:lnRef>
+          <a:fillRef idx="1">
+            <a:schemeClr val="lt1"/>
+          </a:fillRef>
+          <a:effectRef idx="0">
+            <a:schemeClr val="accent6"/>
+          </a:effectRef>
+          <a:fontRef idx="minor">
+            <a:schemeClr val="dk1"/>
+          </a:fontRef>
+        </p:style>
+        <p:txBody>
+          <a:bodyPr rtlCol="0" anchor="ctr"/>
+          <a:lstStyle/>
+          <a:p>
+            <a:pPr algn="ctr"/>
+            <a:r>
+              <a:rPr kumimoji="1" lang="en-US" altLang="zh-CN" sz="2400" b="1" dirty="0"/>
+              <a:t>0</a:t>
+            </a:r>
+            <a:endParaRPr kumimoji="1" lang="zh-CN" altLang="en-US" sz="2400" b="1" dirty="0"/>
+          </a:p>
+        </p:txBody>
+      </p:sp>
+      <p:sp>
+        <p:nvSpPr>
+          <p:cNvPr id="8" name="圆角矩形 7">
+            <a:extLst>
+              <a:ext uri="{FF2B5EF4-FFF2-40B4-BE49-F238E27FC236}">
+                <a16:creationId xmlns:a16="http://schemas.microsoft.com/office/drawing/2014/main" id="{A7A80C8A-41F4-FB4F-9ADB-4A32DCD1FDA4}"/>
+              </a:ext>
+            </a:extLst>
+          </p:cNvPr>
+          <p:cNvSpPr/>
+          <p:nvPr/>
+        </p:nvSpPr>
+        <p:spPr>
+          <a:xfrm>
+            <a:off x="1962912" y="621792"/>
+            <a:ext cx="609600" cy="499872"/>
+          </a:xfrm>
+          <a:prstGeom prst="roundRect">
+            <a:avLst/>
+          </a:prstGeom>
+        </p:spPr>
+        <p:style>
+          <a:lnRef idx="2">
+            <a:schemeClr val="accent6"/>
+          </a:lnRef>
+          <a:fillRef idx="1">
+            <a:schemeClr val="lt1"/>
+          </a:fillRef>
+          <a:effectRef idx="0">
+            <a:schemeClr val="accent6"/>
+          </a:effectRef>
+          <a:fontRef idx="minor">
+            <a:schemeClr val="dk1"/>
+          </a:fontRef>
+        </p:style>
+        <p:txBody>
+          <a:bodyPr rtlCol="0" anchor="ctr"/>
+          <a:lstStyle/>
+          <a:p>
+            <a:pPr algn="ctr"/>
+            <a:r>
+              <a:rPr kumimoji="1" lang="en-US" altLang="zh-CN" sz="2400" b="1" dirty="0"/>
+              <a:t>0</a:t>
+            </a:r>
+            <a:endParaRPr kumimoji="1" lang="zh-CN" altLang="en-US" sz="2400" b="1" dirty="0"/>
+          </a:p>
+        </p:txBody>
+      </p:sp>
+      <p:sp>
+        <p:nvSpPr>
+          <p:cNvPr id="9" name="圆角矩形 8">
+            <a:extLst>
+              <a:ext uri="{FF2B5EF4-FFF2-40B4-BE49-F238E27FC236}">
+                <a16:creationId xmlns:a16="http://schemas.microsoft.com/office/drawing/2014/main" id="{C089CF68-1CF5-2049-BCF3-5D7CECFDC868}"/>
+              </a:ext>
+            </a:extLst>
+          </p:cNvPr>
+          <p:cNvSpPr/>
+          <p:nvPr/>
+        </p:nvSpPr>
+        <p:spPr>
+          <a:xfrm>
+            <a:off x="2572512" y="621792"/>
+            <a:ext cx="609600" cy="499872"/>
+          </a:xfrm>
+          <a:prstGeom prst="roundRect">
+            <a:avLst/>
+          </a:prstGeom>
+        </p:spPr>
+        <p:style>
+          <a:lnRef idx="2">
+            <a:schemeClr val="accent6"/>
+          </a:lnRef>
+          <a:fillRef idx="1">
+            <a:schemeClr val="lt1"/>
+          </a:fillRef>
+          <a:effectRef idx="0">
+            <a:schemeClr val="accent6"/>
+          </a:effectRef>
+          <a:fontRef idx="minor">
+            <a:schemeClr val="dk1"/>
+          </a:fontRef>
+        </p:style>
+        <p:txBody>
+          <a:bodyPr rtlCol="0" anchor="ctr"/>
+          <a:lstStyle/>
+          <a:p>
+            <a:pPr algn="ctr"/>
+            <a:r>
+              <a:rPr kumimoji="1" lang="en-US" altLang="zh-CN" sz="2400" b="1" dirty="0"/>
+              <a:t>0</a:t>
+            </a:r>
+            <a:endParaRPr kumimoji="1" lang="zh-CN" altLang="en-US" sz="2400" b="1" dirty="0"/>
+          </a:p>
+        </p:txBody>
+      </p:sp>
+      <p:sp>
+        <p:nvSpPr>
+          <p:cNvPr id="10" name="圆角矩形 9">
+            <a:extLst>
+              <a:ext uri="{FF2B5EF4-FFF2-40B4-BE49-F238E27FC236}">
+                <a16:creationId xmlns:a16="http://schemas.microsoft.com/office/drawing/2014/main" id="{EF01A5C2-8B10-4444-9922-9B1DDF47949E}"/>
+              </a:ext>
+            </a:extLst>
+          </p:cNvPr>
+          <p:cNvSpPr/>
+          <p:nvPr/>
+        </p:nvSpPr>
+        <p:spPr>
+          <a:xfrm>
+            <a:off x="3182112" y="621792"/>
+            <a:ext cx="609600" cy="499872"/>
+          </a:xfrm>
+          <a:prstGeom prst="roundRect">
+            <a:avLst/>
+          </a:prstGeom>
+        </p:spPr>
+        <p:style>
+          <a:lnRef idx="2">
+            <a:schemeClr val="accent6"/>
+          </a:lnRef>
+          <a:fillRef idx="1">
+            <a:schemeClr val="lt1"/>
+          </a:fillRef>
+          <a:effectRef idx="0">
+            <a:schemeClr val="accent6"/>
+          </a:effectRef>
+          <a:fontRef idx="minor">
+            <a:schemeClr val="dk1"/>
+          </a:fontRef>
+        </p:style>
+        <p:txBody>
+          <a:bodyPr rtlCol="0" anchor="ctr"/>
+          <a:lstStyle/>
+          <a:p>
+            <a:pPr algn="ctr"/>
+            <a:r>
+              <a:rPr kumimoji="1" lang="en-US" altLang="zh-CN" sz="2400" b="1" dirty="0"/>
+              <a:t>0</a:t>
+            </a:r>
+            <a:endParaRPr kumimoji="1" lang="zh-CN" altLang="en-US" sz="2400" b="1" dirty="0"/>
+          </a:p>
+        </p:txBody>
+      </p:sp>
+      <p:sp>
+        <p:nvSpPr>
+          <p:cNvPr id="11" name="矩形 10">
+            <a:extLst>
+              <a:ext uri="{FF2B5EF4-FFF2-40B4-BE49-F238E27FC236}">
+                <a16:creationId xmlns:a16="http://schemas.microsoft.com/office/drawing/2014/main" id="{77011C22-4E12-5741-B48A-8931166DBBF4}"/>
+              </a:ext>
+            </a:extLst>
+          </p:cNvPr>
+          <p:cNvSpPr/>
+          <p:nvPr/>
+        </p:nvSpPr>
+        <p:spPr>
+          <a:xfrm>
+            <a:off x="6096000" y="548562"/>
+            <a:ext cx="6096000" cy="646331"/>
+          </a:xfrm>
+          <a:prstGeom prst="rect">
+            <a:avLst/>
+          </a:prstGeom>
+        </p:spPr>
+        <p:txBody>
+          <a:bodyPr>
+            <a:spAutoFit/>
+          </a:bodyPr>
+          <a:lstStyle/>
+          <a:p>
+            <a:r>
+              <a:rPr lang="zh-CN" altLang="en-US" dirty="0">
+                <a:solidFill>
+                  <a:srgbClr val="000000"/>
+                </a:solidFill>
+                <a:latin typeface="Verdana" panose="020B0604030504040204" pitchFamily="34" charset="0"/>
+              </a:rPr>
+              <a:t>在</a:t>
+            </a:r>
+            <a:r>
+              <a:rPr lang="en-US" altLang="zh-CN" dirty="0">
+                <a:solidFill>
+                  <a:srgbClr val="000000"/>
+                </a:solidFill>
+                <a:latin typeface="Verdana" panose="020B0604030504040204" pitchFamily="34" charset="0"/>
+              </a:rPr>
+              <a:t>JAVA</a:t>
+            </a:r>
+            <a:r>
+              <a:rPr lang="zh-CN" altLang="en-US" dirty="0">
+                <a:solidFill>
+                  <a:srgbClr val="000000"/>
+                </a:solidFill>
+                <a:latin typeface="Verdana" panose="020B0604030504040204" pitchFamily="34" charset="0"/>
+              </a:rPr>
+              <a:t>中，对</a:t>
+            </a:r>
+            <a:r>
+              <a:rPr lang="en-US" altLang="zh-CN" dirty="0">
+                <a:solidFill>
+                  <a:srgbClr val="000000"/>
+                </a:solidFill>
+                <a:latin typeface="Verdana" panose="020B0604030504040204" pitchFamily="34" charset="0"/>
+              </a:rPr>
+              <a:t>char</a:t>
+            </a:r>
+            <a:r>
+              <a:rPr lang="zh-CN" altLang="en-US" dirty="0">
+                <a:solidFill>
+                  <a:srgbClr val="000000"/>
+                </a:solidFill>
+                <a:latin typeface="Verdana" panose="020B0604030504040204" pitchFamily="34" charset="0"/>
+              </a:rPr>
+              <a:t>类型字符运行时，直接当做</a:t>
+            </a:r>
+            <a:r>
+              <a:rPr lang="en-US" altLang="zh-CN" dirty="0">
+                <a:solidFill>
+                  <a:srgbClr val="000000"/>
+                </a:solidFill>
+                <a:latin typeface="Verdana" panose="020B0604030504040204" pitchFamily="34" charset="0"/>
+              </a:rPr>
+              <a:t>ASCII</a:t>
+            </a:r>
+            <a:r>
+              <a:rPr lang="zh-CN" altLang="en-US" dirty="0">
+                <a:solidFill>
+                  <a:srgbClr val="000000"/>
+                </a:solidFill>
+                <a:latin typeface="Verdana" panose="020B0604030504040204" pitchFamily="34" charset="0"/>
+              </a:rPr>
+              <a:t>表对应的整数来对待。</a:t>
+            </a:r>
+            <a:endParaRPr lang="zh-CN" altLang="en-US" dirty="0"/>
+          </a:p>
+        </p:txBody>
+      </p:sp>
+    </p:spTree>
+    <p:extLst>
+      <p:ext uri="{BB962C8B-B14F-4D97-AF65-F5344CB8AC3E}">
+        <p14:creationId xmlns:p14="http://schemas.microsoft.com/office/powerpoint/2010/main" val="4210886469"/>
       </p:ext>
     </p:extLst>
   </p:cSld>

--- a/res/deduce.pptx
+++ b/res/deduce.pptx
@@ -5,15 +5,16 @@
     <p:sldMasterId id="2147483648" r:id="rId1"/>
   </p:sldMasterIdLst>
   <p:notesMasterIdLst>
-    <p:notesMasterId r:id="rId8"/>
+    <p:notesMasterId r:id="rId9"/>
   </p:notesMasterIdLst>
   <p:sldIdLst>
     <p:sldId id="256" r:id="rId2"/>
     <p:sldId id="257" r:id="rId3"/>
-    <p:sldId id="259" r:id="rId4"/>
-    <p:sldId id="258" r:id="rId5"/>
-    <p:sldId id="260" r:id="rId6"/>
-    <p:sldId id="261" r:id="rId7"/>
+    <p:sldId id="260" r:id="rId4"/>
+    <p:sldId id="261" r:id="rId5"/>
+    <p:sldId id="259" r:id="rId6"/>
+    <p:sldId id="258" r:id="rId7"/>
+    <p:sldId id="262" r:id="rId8"/>
   </p:sldIdLst>
   <p:sldSz cx="12192000" cy="6858000"/>
   <p:notesSz cx="6858000" cy="9144000"/>
@@ -202,7 +203,7 @@
           <a:p>
             <a:fld id="{9D46E52F-CA79-6A4B-90D1-D6D05DAD10A0}" type="datetimeFigureOut">
               <a:rPr kumimoji="1" lang="zh-CN" altLang="en-US" smtClean="0"/>
-              <a:t>2019/12/10</a:t>
+              <a:t>2019/12/12</a:t>
             </a:fld>
             <a:endParaRPr kumimoji="1" lang="zh-CN" altLang="en-US"/>
           </a:p>
@@ -612,6 +613,90 @@
 </p:notes>
 </file>
 
+<file path=ppt/notesSlides/notesSlide2.xml><?xml version="1.0" encoding="utf-8"?>
+<p:notes xmlns:a="http://schemas.openxmlformats.org/drawingml/2006/main" xmlns:r="http://schemas.openxmlformats.org/officeDocument/2006/relationships" xmlns:p="http://schemas.openxmlformats.org/presentationml/2006/main">
+  <p:cSld>
+    <p:spTree>
+      <p:nvGrpSpPr>
+        <p:cNvPr id="1" name=""/>
+        <p:cNvGrpSpPr/>
+        <p:nvPr/>
+      </p:nvGrpSpPr>
+      <p:grpSpPr>
+        <a:xfrm>
+          <a:off x="0" y="0"/>
+          <a:ext cx="0" cy="0"/>
+          <a:chOff x="0" y="0"/>
+          <a:chExt cx="0" cy="0"/>
+        </a:xfrm>
+      </p:grpSpPr>
+      <p:sp>
+        <p:nvSpPr>
+          <p:cNvPr id="2" name="幻灯片图像占位符 1"/>
+          <p:cNvSpPr>
+            <a:spLocks noGrp="1" noRot="1" noChangeAspect="1"/>
+          </p:cNvSpPr>
+          <p:nvPr>
+            <p:ph type="sldImg"/>
+          </p:nvPr>
+        </p:nvSpPr>
+        <p:spPr/>
+      </p:sp>
+      <p:sp>
+        <p:nvSpPr>
+          <p:cNvPr id="3" name="备注占位符 2"/>
+          <p:cNvSpPr>
+            <a:spLocks noGrp="1"/>
+          </p:cNvSpPr>
+          <p:nvPr>
+            <p:ph type="body" idx="1"/>
+          </p:nvPr>
+        </p:nvSpPr>
+        <p:spPr/>
+        <p:txBody>
+          <a:bodyPr/>
+          <a:lstStyle/>
+          <a:p>
+            <a:endParaRPr kumimoji="1" lang="zh-CN" altLang="en-US" dirty="0"/>
+          </a:p>
+        </p:txBody>
+      </p:sp>
+      <p:sp>
+        <p:nvSpPr>
+          <p:cNvPr id="4" name="灯片编号占位符 3"/>
+          <p:cNvSpPr>
+            <a:spLocks noGrp="1"/>
+          </p:cNvSpPr>
+          <p:nvPr>
+            <p:ph type="sldNum" sz="quarter" idx="5"/>
+          </p:nvPr>
+        </p:nvSpPr>
+        <p:spPr/>
+        <p:txBody>
+          <a:bodyPr/>
+          <a:lstStyle/>
+          <a:p>
+            <a:fld id="{83D0C189-6362-324B-9535-B8BBBB2049DD}" type="slidenum">
+              <a:rPr kumimoji="1" lang="zh-CN" altLang="en-US" smtClean="0"/>
+              <a:t>7</a:t>
+            </a:fld>
+            <a:endParaRPr kumimoji="1" lang="zh-CN" altLang="en-US"/>
+          </a:p>
+        </p:txBody>
+      </p:sp>
+    </p:spTree>
+    <p:extLst>
+      <p:ext uri="{BB962C8B-B14F-4D97-AF65-F5344CB8AC3E}">
+        <p14:creationId xmlns:p14="http://schemas.microsoft.com/office/powerpoint/2010/main" val="579902470"/>
+      </p:ext>
+    </p:extLst>
+  </p:cSld>
+  <p:clrMapOvr>
+    <a:masterClrMapping/>
+  </p:clrMapOvr>
+</p:notes>
+</file>
+
 <file path=ppt/slideLayouts/slideLayout1.xml><?xml version="1.0" encoding="utf-8"?>
 <p:sldLayout xmlns:a="http://schemas.openxmlformats.org/drawingml/2006/main" xmlns:r="http://schemas.openxmlformats.org/officeDocument/2006/relationships" xmlns:p="http://schemas.openxmlformats.org/presentationml/2006/main" type="title" preserve="1">
   <p:cSld name="标题幻灯片">
@@ -759,7 +844,7 @@
           <a:p>
             <a:fld id="{CC72EA82-287C-4B49-9087-D15DF2E0952F}" type="datetimeFigureOut">
               <a:rPr kumimoji="1" lang="zh-CN" altLang="en-US" smtClean="0"/>
-              <a:t>2019/12/10</a:t>
+              <a:t>2019/12/12</a:t>
             </a:fld>
             <a:endParaRPr kumimoji="1" lang="zh-CN" altLang="en-US"/>
           </a:p>
@@ -932,7 +1017,7 @@
           <a:p>
             <a:fld id="{CC72EA82-287C-4B49-9087-D15DF2E0952F}" type="datetimeFigureOut">
               <a:rPr kumimoji="1" lang="zh-CN" altLang="en-US" smtClean="0"/>
-              <a:t>2019/12/10</a:t>
+              <a:t>2019/12/12</a:t>
             </a:fld>
             <a:endParaRPr kumimoji="1" lang="zh-CN" altLang="en-US"/>
           </a:p>
@@ -1115,7 +1200,7 @@
           <a:p>
             <a:fld id="{CC72EA82-287C-4B49-9087-D15DF2E0952F}" type="datetimeFigureOut">
               <a:rPr kumimoji="1" lang="zh-CN" altLang="en-US" smtClean="0"/>
-              <a:t>2019/12/10</a:t>
+              <a:t>2019/12/12</a:t>
             </a:fld>
             <a:endParaRPr kumimoji="1" lang="zh-CN" altLang="en-US"/>
           </a:p>
@@ -1288,7 +1373,7 @@
           <a:p>
             <a:fld id="{CC72EA82-287C-4B49-9087-D15DF2E0952F}" type="datetimeFigureOut">
               <a:rPr kumimoji="1" lang="zh-CN" altLang="en-US" smtClean="0"/>
-              <a:t>2019/12/10</a:t>
+              <a:t>2019/12/12</a:t>
             </a:fld>
             <a:endParaRPr kumimoji="1" lang="zh-CN" altLang="en-US"/>
           </a:p>
@@ -1566,7 +1651,7 @@
           <a:p>
             <a:fld id="{CC72EA82-287C-4B49-9087-D15DF2E0952F}" type="datetimeFigureOut">
               <a:rPr kumimoji="1" lang="zh-CN" altLang="en-US" smtClean="0"/>
-              <a:t>2019/12/10</a:t>
+              <a:t>2019/12/12</a:t>
             </a:fld>
             <a:endParaRPr kumimoji="1" lang="zh-CN" altLang="en-US"/>
           </a:p>
@@ -1781,7 +1866,7 @@
           <a:p>
             <a:fld id="{CC72EA82-287C-4B49-9087-D15DF2E0952F}" type="datetimeFigureOut">
               <a:rPr kumimoji="1" lang="zh-CN" altLang="en-US" smtClean="0"/>
-              <a:t>2019/12/10</a:t>
+              <a:t>2019/12/12</a:t>
             </a:fld>
             <a:endParaRPr kumimoji="1" lang="zh-CN" altLang="en-US"/>
           </a:p>
@@ -2149,7 +2234,7 @@
           <a:p>
             <a:fld id="{CC72EA82-287C-4B49-9087-D15DF2E0952F}" type="datetimeFigureOut">
               <a:rPr kumimoji="1" lang="zh-CN" altLang="en-US" smtClean="0"/>
-              <a:t>2019/12/10</a:t>
+              <a:t>2019/12/12</a:t>
             </a:fld>
             <a:endParaRPr kumimoji="1" lang="zh-CN" altLang="en-US"/>
           </a:p>
@@ -2290,7 +2375,7 @@
           <a:p>
             <a:fld id="{CC72EA82-287C-4B49-9087-D15DF2E0952F}" type="datetimeFigureOut">
               <a:rPr kumimoji="1" lang="zh-CN" altLang="en-US" smtClean="0"/>
-              <a:t>2019/12/10</a:t>
+              <a:t>2019/12/12</a:t>
             </a:fld>
             <a:endParaRPr kumimoji="1" lang="zh-CN" altLang="en-US"/>
           </a:p>
@@ -2403,7 +2488,7 @@
           <a:p>
             <a:fld id="{CC72EA82-287C-4B49-9087-D15DF2E0952F}" type="datetimeFigureOut">
               <a:rPr kumimoji="1" lang="zh-CN" altLang="en-US" smtClean="0"/>
-              <a:t>2019/12/10</a:t>
+              <a:t>2019/12/12</a:t>
             </a:fld>
             <a:endParaRPr kumimoji="1" lang="zh-CN" altLang="en-US"/>
           </a:p>
@@ -2692,7 +2777,7 @@
           <a:p>
             <a:fld id="{CC72EA82-287C-4B49-9087-D15DF2E0952F}" type="datetimeFigureOut">
               <a:rPr kumimoji="1" lang="zh-CN" altLang="en-US" smtClean="0"/>
-              <a:t>2019/12/10</a:t>
+              <a:t>2019/12/12</a:t>
             </a:fld>
             <a:endParaRPr kumimoji="1" lang="zh-CN" altLang="en-US"/>
           </a:p>
@@ -2983,7 +3068,7 @@
           <a:p>
             <a:fld id="{CC72EA82-287C-4B49-9087-D15DF2E0952F}" type="datetimeFigureOut">
               <a:rPr kumimoji="1" lang="zh-CN" altLang="en-US" smtClean="0"/>
-              <a:t>2019/12/10</a:t>
+              <a:t>2019/12/12</a:t>
             </a:fld>
             <a:endParaRPr kumimoji="1" lang="zh-CN" altLang="en-US"/>
           </a:p>
@@ -3199,7 +3284,7 @@
           <a:p>
             <a:fld id="{CC72EA82-287C-4B49-9087-D15DF2E0952F}" type="datetimeFigureOut">
               <a:rPr kumimoji="1" lang="zh-CN" altLang="en-US" smtClean="0"/>
-              <a:t>2019/12/10</a:t>
+              <a:t>2019/12/12</a:t>
             </a:fld>
             <a:endParaRPr kumimoji="1" lang="zh-CN" altLang="en-US"/>
           </a:p>
@@ -7891,7 +7976,7 @@
           <p:cNvPr id="4" name="矩形 3">
             <a:extLst>
               <a:ext uri="{FF2B5EF4-FFF2-40B4-BE49-F238E27FC236}">
-                <a16:creationId xmlns:a16="http://schemas.microsoft.com/office/drawing/2014/main" id="{8C3D9E44-BCB5-8344-A998-C57A35A45180}"/>
+                <a16:creationId xmlns:a16="http://schemas.microsoft.com/office/drawing/2014/main" id="{D438BCF4-13C4-4E47-9B6A-623EE0F6B821}"/>
               </a:ext>
             </a:extLst>
           </p:cNvPr>
@@ -7900,8 +7985,8 @@
         </p:nvSpPr>
         <p:spPr>
           <a:xfrm>
-            <a:off x="0" y="118075"/>
-            <a:ext cx="2664512" cy="369332"/>
+            <a:off x="0" y="129175"/>
+            <a:ext cx="2595582" cy="369332"/>
           </a:xfrm>
           <a:prstGeom prst="rect">
             <a:avLst/>
@@ -7914,12 +7999,12 @@
           <a:lstStyle/>
           <a:p>
             <a:r>
-              <a:rPr lang="en" altLang="zh-CN" dirty="0">
+              <a:rPr lang="en-US" altLang="zh-CN" dirty="0">
                 <a:solidFill>
                   <a:srgbClr val="FF0000"/>
                 </a:solidFill>
               </a:rPr>
-              <a:t>_18_01_DeleteNodeInList</a:t>
+              <a:t>_15_NumberOf1InBinary</a:t>
             </a:r>
             <a:endParaRPr lang="zh-CN" altLang="en-US" dirty="0">
               <a:solidFill>
@@ -7934,7 +8019,7 @@
           <p:cNvPr id="5" name="矩形 4">
             <a:extLst>
               <a:ext uri="{FF2B5EF4-FFF2-40B4-BE49-F238E27FC236}">
-                <a16:creationId xmlns:a16="http://schemas.microsoft.com/office/drawing/2014/main" id="{64747BB6-0A0E-2147-88C1-A4674FE76116}"/>
+                <a16:creationId xmlns:a16="http://schemas.microsoft.com/office/drawing/2014/main" id="{D44AC311-951C-5B44-BA55-A07D3EB49E45}"/>
               </a:ext>
             </a:extLst>
           </p:cNvPr>
@@ -7943,598 +8028,222 @@
         </p:nvSpPr>
         <p:spPr>
           <a:xfrm>
-            <a:off x="205629" y="785339"/>
-            <a:ext cx="1944763" cy="369332"/>
+            <a:off x="154983" y="733609"/>
+            <a:ext cx="3735092" cy="4524315"/>
           </a:xfrm>
           <a:prstGeom prst="rect">
             <a:avLst/>
           </a:prstGeom>
         </p:spPr>
         <p:txBody>
-          <a:bodyPr wrap="none">
+          <a:bodyPr wrap="square">
             <a:spAutoFit/>
           </a:bodyPr>
           <a:lstStyle/>
           <a:p>
             <a:r>
-              <a:rPr lang="en" altLang="zh-CN" dirty="0"/>
-              <a:t>A -&gt; B -&gt; C -&gt; D</a:t>
-            </a:r>
-            <a:endParaRPr lang="zh-CN" altLang="en-US" dirty="0"/>
-          </a:p>
-        </p:txBody>
-      </p:sp>
-      <p:cxnSp>
-        <p:nvCxnSpPr>
-          <p:cNvPr id="6" name="直线箭头连接符 5">
-            <a:extLst>
-              <a:ext uri="{FF2B5EF4-FFF2-40B4-BE49-F238E27FC236}">
-                <a16:creationId xmlns:a16="http://schemas.microsoft.com/office/drawing/2014/main" id="{EFCCFF36-984D-3340-9631-6C1DA1BB6BC3}"/>
-              </a:ext>
-            </a:extLst>
-          </p:cNvPr>
-          <p:cNvCxnSpPr>
-            <a:cxnSpLocks/>
-          </p:cNvCxnSpPr>
-          <p:nvPr/>
-        </p:nvCxnSpPr>
-        <p:spPr>
-          <a:xfrm flipV="1">
-            <a:off x="859372" y="1154671"/>
-            <a:ext cx="0" cy="353568"/>
-          </a:xfrm>
-          <a:prstGeom prst="straightConnector1">
-            <a:avLst/>
-          </a:prstGeom>
-          <a:ln>
-            <a:tailEnd type="triangle"/>
-          </a:ln>
-        </p:spPr>
-        <p:style>
-          <a:lnRef idx="1">
-            <a:schemeClr val="accent1"/>
-          </a:lnRef>
-          <a:fillRef idx="0">
-            <a:schemeClr val="accent1"/>
-          </a:fillRef>
-          <a:effectRef idx="0">
-            <a:schemeClr val="accent1"/>
-          </a:effectRef>
-          <a:fontRef idx="minor">
-            <a:schemeClr val="tx1"/>
-          </a:fontRef>
-        </p:style>
-      </p:cxnSp>
-      <p:sp>
-        <p:nvSpPr>
-          <p:cNvPr id="7" name="文本框 6">
-            <a:extLst>
-              <a:ext uri="{FF2B5EF4-FFF2-40B4-BE49-F238E27FC236}">
-                <a16:creationId xmlns:a16="http://schemas.microsoft.com/office/drawing/2014/main" id="{62B35800-8400-234F-B918-3AB64AE8CAF4}"/>
-              </a:ext>
-            </a:extLst>
-          </p:cNvPr>
-          <p:cNvSpPr txBox="1"/>
-          <p:nvPr/>
-        </p:nvSpPr>
-        <p:spPr>
-          <a:xfrm>
-            <a:off x="2483708" y="785339"/>
-            <a:ext cx="1338828" cy="369332"/>
-          </a:xfrm>
-          <a:prstGeom prst="rect">
-            <a:avLst/>
-          </a:prstGeom>
-          <a:noFill/>
-        </p:spPr>
-        <p:txBody>
-          <a:bodyPr wrap="none" rtlCol="0">
-            <a:spAutoFit/>
-          </a:bodyPr>
-          <a:lstStyle/>
-          <a:p>
-            <a:r>
-              <a:rPr kumimoji="1" lang="zh-CN" altLang="en-US" dirty="0"/>
-              <a:t>删除头结点</a:t>
-            </a:r>
-          </a:p>
-        </p:txBody>
-      </p:sp>
-      <p:sp>
-        <p:nvSpPr>
-          <p:cNvPr id="8" name="矩形 7">
-            <a:extLst>
-              <a:ext uri="{FF2B5EF4-FFF2-40B4-BE49-F238E27FC236}">
-                <a16:creationId xmlns:a16="http://schemas.microsoft.com/office/drawing/2014/main" id="{A5679AEC-028F-E94D-8479-7DE497AB3567}"/>
-              </a:ext>
-            </a:extLst>
-          </p:cNvPr>
-          <p:cNvSpPr/>
-          <p:nvPr/>
-        </p:nvSpPr>
-        <p:spPr>
-          <a:xfrm>
-            <a:off x="205629" y="2099274"/>
-            <a:ext cx="1944763" cy="369332"/>
-          </a:xfrm>
-          <a:prstGeom prst="rect">
-            <a:avLst/>
-          </a:prstGeom>
-        </p:spPr>
-        <p:txBody>
-          <a:bodyPr wrap="none">
-            <a:spAutoFit/>
-          </a:bodyPr>
-          <a:lstStyle/>
-          <a:p>
-            <a:r>
-              <a:rPr lang="en" altLang="zh-CN" dirty="0"/>
-              <a:t>A -&gt; B -&gt; C -&gt; D</a:t>
-            </a:r>
-            <a:endParaRPr lang="zh-CN" altLang="en-US" dirty="0"/>
-          </a:p>
-        </p:txBody>
-      </p:sp>
-      <p:cxnSp>
-        <p:nvCxnSpPr>
-          <p:cNvPr id="9" name="直线箭头连接符 8">
-            <a:extLst>
-              <a:ext uri="{FF2B5EF4-FFF2-40B4-BE49-F238E27FC236}">
-                <a16:creationId xmlns:a16="http://schemas.microsoft.com/office/drawing/2014/main" id="{62901F51-ED29-BF4D-B993-888C540E982B}"/>
-              </a:ext>
-            </a:extLst>
-          </p:cNvPr>
-          <p:cNvCxnSpPr>
-            <a:cxnSpLocks/>
-          </p:cNvCxnSpPr>
-          <p:nvPr/>
-        </p:nvCxnSpPr>
-        <p:spPr>
-          <a:xfrm flipV="1">
-            <a:off x="377459" y="2468606"/>
-            <a:ext cx="0" cy="353568"/>
-          </a:xfrm>
-          <a:prstGeom prst="straightConnector1">
-            <a:avLst/>
-          </a:prstGeom>
-          <a:ln>
-            <a:tailEnd type="triangle"/>
-          </a:ln>
-        </p:spPr>
-        <p:style>
-          <a:lnRef idx="1">
-            <a:schemeClr val="accent1"/>
-          </a:lnRef>
-          <a:fillRef idx="0">
-            <a:schemeClr val="accent1"/>
-          </a:fillRef>
-          <a:effectRef idx="0">
-            <a:schemeClr val="accent1"/>
-          </a:effectRef>
-          <a:fontRef idx="minor">
-            <a:schemeClr val="tx1"/>
-          </a:fontRef>
-        </p:style>
-      </p:cxnSp>
-      <p:sp>
-        <p:nvSpPr>
-          <p:cNvPr id="10" name="文本框 9">
-            <a:extLst>
-              <a:ext uri="{FF2B5EF4-FFF2-40B4-BE49-F238E27FC236}">
-                <a16:creationId xmlns:a16="http://schemas.microsoft.com/office/drawing/2014/main" id="{2041BDED-55B1-A84E-8F01-E35C1B383251}"/>
-              </a:ext>
-            </a:extLst>
-          </p:cNvPr>
-          <p:cNvSpPr txBox="1"/>
-          <p:nvPr/>
-        </p:nvSpPr>
-        <p:spPr>
-          <a:xfrm>
-            <a:off x="520176" y="1508954"/>
-            <a:ext cx="678391" cy="369332"/>
-          </a:xfrm>
-          <a:prstGeom prst="rect">
-            <a:avLst/>
-          </a:prstGeom>
-          <a:noFill/>
-        </p:spPr>
-        <p:txBody>
-          <a:bodyPr wrap="none" rtlCol="0">
-            <a:spAutoFit/>
-          </a:bodyPr>
-          <a:lstStyle/>
-          <a:p>
-            <a:r>
-              <a:rPr kumimoji="1" lang="en-US" altLang="zh-CN" dirty="0"/>
-              <a:t>head</a:t>
-            </a:r>
-            <a:endParaRPr kumimoji="1" lang="zh-CN" altLang="en-US" dirty="0"/>
-          </a:p>
-        </p:txBody>
-      </p:sp>
-      <p:sp>
-        <p:nvSpPr>
-          <p:cNvPr id="11" name="文本框 10">
-            <a:extLst>
-              <a:ext uri="{FF2B5EF4-FFF2-40B4-BE49-F238E27FC236}">
-                <a16:creationId xmlns:a16="http://schemas.microsoft.com/office/drawing/2014/main" id="{EA135DD5-5FF6-2C46-8EF6-A90A99C75016}"/>
-              </a:ext>
-            </a:extLst>
-          </p:cNvPr>
-          <p:cNvSpPr txBox="1"/>
-          <p:nvPr/>
-        </p:nvSpPr>
-        <p:spPr>
-          <a:xfrm>
-            <a:off x="43825" y="2822174"/>
-            <a:ext cx="678391" cy="369332"/>
-          </a:xfrm>
-          <a:prstGeom prst="rect">
-            <a:avLst/>
-          </a:prstGeom>
-          <a:noFill/>
-        </p:spPr>
-        <p:txBody>
-          <a:bodyPr wrap="none" rtlCol="0">
-            <a:spAutoFit/>
-          </a:bodyPr>
-          <a:lstStyle/>
-          <a:p>
-            <a:r>
-              <a:rPr kumimoji="1" lang="en-US" altLang="zh-CN" dirty="0"/>
-              <a:t>head</a:t>
-            </a:r>
-            <a:endParaRPr kumimoji="1" lang="zh-CN" altLang="en-US" dirty="0"/>
-          </a:p>
-        </p:txBody>
-      </p:sp>
-      <p:cxnSp>
-        <p:nvCxnSpPr>
-          <p:cNvPr id="12" name="直线箭头连接符 11">
-            <a:extLst>
-              <a:ext uri="{FF2B5EF4-FFF2-40B4-BE49-F238E27FC236}">
-                <a16:creationId xmlns:a16="http://schemas.microsoft.com/office/drawing/2014/main" id="{9BE98D2C-E577-C34D-A200-E371F06ED64B}"/>
-              </a:ext>
-            </a:extLst>
-          </p:cNvPr>
-          <p:cNvCxnSpPr>
-            <a:cxnSpLocks/>
-          </p:cNvCxnSpPr>
-          <p:nvPr/>
-        </p:nvCxnSpPr>
-        <p:spPr>
-          <a:xfrm flipV="1">
-            <a:off x="1926172" y="2468606"/>
-            <a:ext cx="0" cy="353568"/>
-          </a:xfrm>
-          <a:prstGeom prst="straightConnector1">
-            <a:avLst/>
-          </a:prstGeom>
-          <a:ln>
-            <a:tailEnd type="triangle"/>
-          </a:ln>
-        </p:spPr>
-        <p:style>
-          <a:lnRef idx="1">
-            <a:schemeClr val="accent1"/>
-          </a:lnRef>
-          <a:fillRef idx="0">
-            <a:schemeClr val="accent1"/>
-          </a:fillRef>
-          <a:effectRef idx="0">
-            <a:schemeClr val="accent1"/>
-          </a:effectRef>
-          <a:fontRef idx="minor">
-            <a:schemeClr val="tx1"/>
-          </a:fontRef>
-        </p:style>
-      </p:cxnSp>
-      <p:sp>
-        <p:nvSpPr>
-          <p:cNvPr id="13" name="文本框 12">
-            <a:extLst>
-              <a:ext uri="{FF2B5EF4-FFF2-40B4-BE49-F238E27FC236}">
-                <a16:creationId xmlns:a16="http://schemas.microsoft.com/office/drawing/2014/main" id="{A4FE33B1-CC97-874D-AE88-953232997BFF}"/>
-              </a:ext>
-            </a:extLst>
-          </p:cNvPr>
-          <p:cNvSpPr txBox="1"/>
-          <p:nvPr/>
-        </p:nvSpPr>
-        <p:spPr>
-          <a:xfrm>
-            <a:off x="1770520" y="2837938"/>
-            <a:ext cx="311304" cy="369332"/>
-          </a:xfrm>
-          <a:prstGeom prst="rect">
-            <a:avLst/>
-          </a:prstGeom>
-          <a:noFill/>
-        </p:spPr>
-        <p:txBody>
-          <a:bodyPr wrap="none" rtlCol="0">
-            <a:spAutoFit/>
-          </a:bodyPr>
-          <a:lstStyle/>
-          <a:p>
-            <a:r>
-              <a:rPr kumimoji="1" lang="en-US" altLang="zh-CN" dirty="0"/>
-              <a:t>P</a:t>
-            </a:r>
-            <a:endParaRPr kumimoji="1" lang="zh-CN" altLang="en-US" dirty="0"/>
-          </a:p>
-        </p:txBody>
-      </p:sp>
-      <p:sp>
-        <p:nvSpPr>
-          <p:cNvPr id="16" name="矩形 15">
-            <a:extLst>
-              <a:ext uri="{FF2B5EF4-FFF2-40B4-BE49-F238E27FC236}">
-                <a16:creationId xmlns:a16="http://schemas.microsoft.com/office/drawing/2014/main" id="{F16D5AA7-B9B3-3E49-AB3D-DEC4F2CAE966}"/>
-              </a:ext>
-            </a:extLst>
-          </p:cNvPr>
-          <p:cNvSpPr/>
-          <p:nvPr/>
-        </p:nvSpPr>
-        <p:spPr>
-          <a:xfrm>
-            <a:off x="1262097" y="2504928"/>
-            <a:ext cx="574196" cy="369332"/>
-          </a:xfrm>
-          <a:prstGeom prst="rect">
-            <a:avLst/>
-          </a:prstGeom>
-        </p:spPr>
-        <p:txBody>
-          <a:bodyPr wrap="none">
-            <a:spAutoFit/>
-          </a:bodyPr>
-          <a:lstStyle/>
-          <a:p>
-            <a:r>
-              <a:rPr lang="en-US" altLang="zh-CN" dirty="0"/>
-              <a:t>D</a:t>
-            </a:r>
-            <a:r>
-              <a:rPr lang="zh-CN" altLang="en-US" dirty="0"/>
-              <a:t>’</a:t>
-            </a:r>
-          </a:p>
-        </p:txBody>
-      </p:sp>
-      <p:sp>
-        <p:nvSpPr>
-          <p:cNvPr id="17" name="矩形 16">
-            <a:extLst>
-              <a:ext uri="{FF2B5EF4-FFF2-40B4-BE49-F238E27FC236}">
-                <a16:creationId xmlns:a16="http://schemas.microsoft.com/office/drawing/2014/main" id="{0276E5B3-9647-044B-8D85-30FD8746873C}"/>
-              </a:ext>
-            </a:extLst>
-          </p:cNvPr>
-          <p:cNvSpPr/>
-          <p:nvPr/>
-        </p:nvSpPr>
-        <p:spPr>
-          <a:xfrm>
-            <a:off x="2483708" y="2135596"/>
-            <a:ext cx="922047" cy="369332"/>
-          </a:xfrm>
-          <a:prstGeom prst="rect">
-            <a:avLst/>
-          </a:prstGeom>
-        </p:spPr>
-        <p:txBody>
-          <a:bodyPr wrap="none">
-            <a:spAutoFit/>
-          </a:bodyPr>
-          <a:lstStyle/>
-          <a:p>
-            <a:r>
-              <a:rPr kumimoji="1" lang="zh-CN" altLang="en-US" dirty="0"/>
-              <a:t>让</a:t>
-            </a:r>
-            <a:r>
-              <a:rPr kumimoji="1" lang="en-US" altLang="zh-CN" dirty="0"/>
-              <a:t>C=D'</a:t>
-            </a:r>
-            <a:endParaRPr kumimoji="1" lang="zh-CN" altLang="en-US" dirty="0"/>
-          </a:p>
-        </p:txBody>
-      </p:sp>
-      <p:sp>
-        <p:nvSpPr>
-          <p:cNvPr id="18" name="矩形 17">
-            <a:extLst>
-              <a:ext uri="{FF2B5EF4-FFF2-40B4-BE49-F238E27FC236}">
-                <a16:creationId xmlns:a16="http://schemas.microsoft.com/office/drawing/2014/main" id="{D48A57C0-BF30-E542-8737-20A570F1B464}"/>
-              </a:ext>
-            </a:extLst>
-          </p:cNvPr>
-          <p:cNvSpPr/>
-          <p:nvPr/>
-        </p:nvSpPr>
-        <p:spPr>
-          <a:xfrm>
-            <a:off x="205629" y="3614409"/>
-            <a:ext cx="2141933" cy="369332"/>
-          </a:xfrm>
-          <a:prstGeom prst="rect">
-            <a:avLst/>
-          </a:prstGeom>
-        </p:spPr>
-        <p:txBody>
-          <a:bodyPr wrap="none">
-            <a:spAutoFit/>
-          </a:bodyPr>
-          <a:lstStyle/>
-          <a:p>
-            <a:r>
-              <a:rPr lang="en" altLang="zh-CN" dirty="0"/>
-              <a:t>A -&gt; B -&gt; C -&gt; null</a:t>
-            </a:r>
-            <a:endParaRPr lang="zh-CN" altLang="en-US" dirty="0"/>
-          </a:p>
-        </p:txBody>
-      </p:sp>
-      <p:cxnSp>
-        <p:nvCxnSpPr>
-          <p:cNvPr id="19" name="直线箭头连接符 18">
-            <a:extLst>
-              <a:ext uri="{FF2B5EF4-FFF2-40B4-BE49-F238E27FC236}">
-                <a16:creationId xmlns:a16="http://schemas.microsoft.com/office/drawing/2014/main" id="{102F4C59-B716-5942-BBC9-FE8CAC20F01C}"/>
-              </a:ext>
-            </a:extLst>
-          </p:cNvPr>
-          <p:cNvCxnSpPr>
-            <a:cxnSpLocks/>
-          </p:cNvCxnSpPr>
-          <p:nvPr/>
-        </p:nvCxnSpPr>
-        <p:spPr>
-          <a:xfrm flipV="1">
-            <a:off x="377459" y="3983741"/>
-            <a:ext cx="0" cy="353568"/>
-          </a:xfrm>
-          <a:prstGeom prst="straightConnector1">
-            <a:avLst/>
-          </a:prstGeom>
-          <a:ln>
-            <a:tailEnd type="triangle"/>
-          </a:ln>
-        </p:spPr>
-        <p:style>
-          <a:lnRef idx="1">
-            <a:schemeClr val="accent1"/>
-          </a:lnRef>
-          <a:fillRef idx="0">
-            <a:schemeClr val="accent1"/>
-          </a:fillRef>
-          <a:effectRef idx="0">
-            <a:schemeClr val="accent1"/>
-          </a:effectRef>
-          <a:fontRef idx="minor">
-            <a:schemeClr val="tx1"/>
-          </a:fontRef>
-        </p:style>
-      </p:cxnSp>
-      <p:sp>
-        <p:nvSpPr>
-          <p:cNvPr id="20" name="文本框 19">
-            <a:extLst>
-              <a:ext uri="{FF2B5EF4-FFF2-40B4-BE49-F238E27FC236}">
-                <a16:creationId xmlns:a16="http://schemas.microsoft.com/office/drawing/2014/main" id="{86AB36EB-50BA-3249-887E-16A55C942F7C}"/>
-              </a:ext>
-            </a:extLst>
-          </p:cNvPr>
-          <p:cNvSpPr txBox="1"/>
-          <p:nvPr/>
-        </p:nvSpPr>
-        <p:spPr>
-          <a:xfrm>
-            <a:off x="43825" y="4337309"/>
-            <a:ext cx="678391" cy="369332"/>
-          </a:xfrm>
-          <a:prstGeom prst="rect">
-            <a:avLst/>
-          </a:prstGeom>
-          <a:noFill/>
-        </p:spPr>
-        <p:txBody>
-          <a:bodyPr wrap="none" rtlCol="0">
-            <a:spAutoFit/>
-          </a:bodyPr>
-          <a:lstStyle/>
-          <a:p>
-            <a:r>
-              <a:rPr kumimoji="1" lang="en-US" altLang="zh-CN" dirty="0"/>
-              <a:t>head</a:t>
-            </a:r>
-            <a:endParaRPr kumimoji="1" lang="zh-CN" altLang="en-US" dirty="0"/>
-          </a:p>
-        </p:txBody>
-      </p:sp>
-      <p:sp>
-        <p:nvSpPr>
-          <p:cNvPr id="23" name="矩形 22">
-            <a:extLst>
-              <a:ext uri="{FF2B5EF4-FFF2-40B4-BE49-F238E27FC236}">
-                <a16:creationId xmlns:a16="http://schemas.microsoft.com/office/drawing/2014/main" id="{F95AE11D-19B8-0844-90BD-6FB651F8FAFE}"/>
-              </a:ext>
-            </a:extLst>
-          </p:cNvPr>
-          <p:cNvSpPr/>
-          <p:nvPr/>
-        </p:nvSpPr>
-        <p:spPr>
-          <a:xfrm>
-            <a:off x="1262097" y="4020063"/>
-            <a:ext cx="574196" cy="369332"/>
-          </a:xfrm>
-          <a:prstGeom prst="rect">
-            <a:avLst/>
-          </a:prstGeom>
-        </p:spPr>
-        <p:txBody>
-          <a:bodyPr wrap="none">
-            <a:spAutoFit/>
-          </a:bodyPr>
-          <a:lstStyle/>
-          <a:p>
-            <a:r>
-              <a:rPr lang="en-US" altLang="zh-CN" dirty="0"/>
-              <a:t>D</a:t>
-            </a:r>
-            <a:r>
-              <a:rPr lang="zh-CN" altLang="en-US" dirty="0"/>
-              <a:t>’</a:t>
-            </a:r>
-          </a:p>
-        </p:txBody>
-      </p:sp>
-      <p:sp>
-        <p:nvSpPr>
-          <p:cNvPr id="24" name="矩形 23">
-            <a:extLst>
-              <a:ext uri="{FF2B5EF4-FFF2-40B4-BE49-F238E27FC236}">
-                <a16:creationId xmlns:a16="http://schemas.microsoft.com/office/drawing/2014/main" id="{07D8642F-DFBA-7248-A81B-6AC124EDD71B}"/>
-              </a:ext>
-            </a:extLst>
-          </p:cNvPr>
-          <p:cNvSpPr/>
-          <p:nvPr/>
-        </p:nvSpPr>
-        <p:spPr>
-          <a:xfrm>
-            <a:off x="2483708" y="3650731"/>
-            <a:ext cx="1475084" cy="369332"/>
-          </a:xfrm>
-          <a:prstGeom prst="rect">
-            <a:avLst/>
-          </a:prstGeom>
-        </p:spPr>
-        <p:txBody>
-          <a:bodyPr wrap="none">
-            <a:spAutoFit/>
-          </a:bodyPr>
-          <a:lstStyle/>
-          <a:p>
-            <a:r>
-              <a:rPr kumimoji="1" lang="en-US" altLang="zh-CN" dirty="0" err="1"/>
-              <a:t>C.Next</a:t>
-            </a:r>
-            <a:r>
-              <a:rPr kumimoji="1" lang="en-US" altLang="zh-CN" dirty="0"/>
-              <a:t> = null</a:t>
-            </a:r>
-            <a:endParaRPr kumimoji="1" lang="zh-CN" altLang="en-US" dirty="0"/>
+              <a:rPr lang="en-US" altLang="zh-CN" sz="2400" dirty="0">
+                <a:latin typeface="Microsoft YaHei" panose="020B0503020204020204" pitchFamily="34" charset="-122"/>
+                <a:ea typeface="Microsoft YaHei" panose="020B0503020204020204" pitchFamily="34" charset="-122"/>
+              </a:rPr>
+              <a:t>9</a:t>
+            </a:r>
+            <a:r>
+              <a:rPr lang="zh-CN" altLang="en-US" sz="2400" dirty="0">
+                <a:latin typeface="Microsoft YaHei" panose="020B0503020204020204" pitchFamily="34" charset="-122"/>
+                <a:ea typeface="Microsoft YaHei" panose="020B0503020204020204" pitchFamily="34" charset="-122"/>
+              </a:rPr>
+              <a:t>的二进制</a:t>
+            </a:r>
+            <a:r>
+              <a:rPr lang="en-US" altLang="zh-CN" sz="2400" dirty="0">
+                <a:latin typeface="Microsoft YaHei" panose="020B0503020204020204" pitchFamily="34" charset="-122"/>
+                <a:ea typeface="Microsoft YaHei" panose="020B0503020204020204" pitchFamily="34" charset="-122"/>
+              </a:rPr>
+              <a:t>   0000 1001</a:t>
+            </a:r>
+          </a:p>
+          <a:p>
+            <a:r>
+              <a:rPr lang="en-US" altLang="zh-CN" sz="2400" dirty="0">
+                <a:latin typeface="Microsoft YaHei" panose="020B0503020204020204" pitchFamily="34" charset="-122"/>
+                <a:ea typeface="Microsoft YaHei" panose="020B0503020204020204" pitchFamily="34" charset="-122"/>
+              </a:rPr>
+              <a:t>   </a:t>
+            </a:r>
+          </a:p>
+          <a:p>
+            <a:r>
+              <a:rPr lang="en-US" altLang="zh-CN" sz="2400" dirty="0">
+                <a:latin typeface="Microsoft YaHei" panose="020B0503020204020204" pitchFamily="34" charset="-122"/>
+                <a:ea typeface="Microsoft YaHei" panose="020B0503020204020204" pitchFamily="34" charset="-122"/>
+              </a:rPr>
+              <a:t>        &amp;</a:t>
+            </a:r>
+          </a:p>
+          <a:p>
+            <a:endParaRPr lang="en-US" altLang="zh-CN" sz="2400" dirty="0">
+              <a:latin typeface="Microsoft YaHei" panose="020B0503020204020204" pitchFamily="34" charset="-122"/>
+              <a:ea typeface="Microsoft YaHei" panose="020B0503020204020204" pitchFamily="34" charset="-122"/>
+            </a:endParaRPr>
+          </a:p>
+          <a:p>
+            <a:r>
+              <a:rPr lang="en-US" altLang="zh-CN" sz="2400" dirty="0">
+                <a:latin typeface="Microsoft YaHei" panose="020B0503020204020204" pitchFamily="34" charset="-122"/>
+                <a:ea typeface="Microsoft YaHei" panose="020B0503020204020204" pitchFamily="34" charset="-122"/>
+              </a:rPr>
+              <a:t>1</a:t>
+            </a:r>
+            <a:r>
+              <a:rPr lang="zh-CN" altLang="en-US" sz="2400" dirty="0">
+                <a:latin typeface="Microsoft YaHei" panose="020B0503020204020204" pitchFamily="34" charset="-122"/>
+                <a:ea typeface="Microsoft YaHei" panose="020B0503020204020204" pitchFamily="34" charset="-122"/>
+              </a:rPr>
+              <a:t>的二进制   </a:t>
+            </a:r>
+            <a:r>
+              <a:rPr lang="en-US" altLang="zh-CN" sz="2400" dirty="0">
+                <a:latin typeface="Microsoft YaHei" panose="020B0503020204020204" pitchFamily="34" charset="-122"/>
+                <a:ea typeface="Microsoft YaHei" panose="020B0503020204020204" pitchFamily="34" charset="-122"/>
+              </a:rPr>
+              <a:t>0000 0001</a:t>
+            </a:r>
+          </a:p>
+          <a:p>
+            <a:endParaRPr lang="en-US" altLang="zh-CN" sz="2400" dirty="0">
+              <a:latin typeface="Microsoft YaHei" panose="020B0503020204020204" pitchFamily="34" charset="-122"/>
+              <a:ea typeface="Microsoft YaHei" panose="020B0503020204020204" pitchFamily="34" charset="-122"/>
+            </a:endParaRPr>
+          </a:p>
+          <a:p>
+            <a:r>
+              <a:rPr lang="zh-CN" altLang="en-US" sz="2400" dirty="0">
+                <a:latin typeface="Microsoft YaHei" panose="020B0503020204020204" pitchFamily="34" charset="-122"/>
+                <a:ea typeface="Microsoft YaHei" panose="020B0503020204020204" pitchFamily="34" charset="-122"/>
+              </a:rPr>
+              <a:t>                  </a:t>
+            </a:r>
+            <a:r>
+              <a:rPr lang="en-US" altLang="zh-CN" sz="2400" dirty="0">
+                <a:latin typeface="Microsoft YaHei" panose="020B0503020204020204" pitchFamily="34" charset="-122"/>
+                <a:ea typeface="Microsoft YaHei" panose="020B0503020204020204" pitchFamily="34" charset="-122"/>
+              </a:rPr>
+              <a:t>0000 0001</a:t>
+            </a:r>
+          </a:p>
+          <a:p>
+            <a:endParaRPr lang="en-US" altLang="zh-CN" sz="2400" dirty="0">
+              <a:latin typeface="Microsoft YaHei" panose="020B0503020204020204" pitchFamily="34" charset="-122"/>
+              <a:ea typeface="Microsoft YaHei" panose="020B0503020204020204" pitchFamily="34" charset="-122"/>
+            </a:endParaRPr>
+          </a:p>
+          <a:p>
+            <a:r>
+              <a:rPr lang="en-US" altLang="zh-CN" sz="2400" dirty="0">
+                <a:latin typeface="Microsoft YaHei" panose="020B0503020204020204" pitchFamily="34" charset="-122"/>
+                <a:ea typeface="Microsoft YaHei" panose="020B0503020204020204" pitchFamily="34" charset="-122"/>
+              </a:rPr>
+              <a:t>1</a:t>
+            </a:r>
+            <a:r>
+              <a:rPr lang="zh-CN" altLang="en-US" sz="2400" dirty="0">
+                <a:latin typeface="Microsoft YaHei" panose="020B0503020204020204" pitchFamily="34" charset="-122"/>
+                <a:ea typeface="Microsoft YaHei" panose="020B0503020204020204" pitchFamily="34" charset="-122"/>
+              </a:rPr>
+              <a:t>左移一位   </a:t>
+            </a:r>
+            <a:r>
+              <a:rPr lang="en-US" altLang="zh-CN" sz="2400" dirty="0">
+                <a:latin typeface="Microsoft YaHei" panose="020B0503020204020204" pitchFamily="34" charset="-122"/>
+                <a:ea typeface="Microsoft YaHei" panose="020B0503020204020204" pitchFamily="34" charset="-122"/>
+              </a:rPr>
+              <a:t>0000</a:t>
+            </a:r>
+            <a:r>
+              <a:rPr lang="zh-CN" altLang="en-US" sz="2400" dirty="0">
+                <a:latin typeface="Microsoft YaHei" panose="020B0503020204020204" pitchFamily="34" charset="-122"/>
+                <a:ea typeface="Microsoft YaHei" panose="020B0503020204020204" pitchFamily="34" charset="-122"/>
+              </a:rPr>
+              <a:t> </a:t>
+            </a:r>
+            <a:r>
+              <a:rPr lang="en-US" altLang="zh-CN" sz="2400" dirty="0">
+                <a:latin typeface="Microsoft YaHei" panose="020B0503020204020204" pitchFamily="34" charset="-122"/>
+                <a:ea typeface="Microsoft YaHei" panose="020B0503020204020204" pitchFamily="34" charset="-122"/>
+              </a:rPr>
+              <a:t>0010</a:t>
+            </a:r>
+          </a:p>
+          <a:p>
+            <a:r>
+              <a:rPr lang="en-US" altLang="zh-CN" sz="2400" dirty="0">
+                <a:latin typeface="Microsoft YaHei" panose="020B0503020204020204" pitchFamily="34" charset="-122"/>
+                <a:ea typeface="Microsoft YaHei" panose="020B0503020204020204" pitchFamily="34" charset="-122"/>
+              </a:rPr>
+              <a:t>&amp;9</a:t>
+            </a:r>
+            <a:r>
+              <a:rPr lang="zh-CN" altLang="en-US" sz="2400" dirty="0">
+                <a:latin typeface="Microsoft YaHei" panose="020B0503020204020204" pitchFamily="34" charset="-122"/>
+                <a:ea typeface="Microsoft YaHei" panose="020B0503020204020204" pitchFamily="34" charset="-122"/>
+              </a:rPr>
+              <a:t>             </a:t>
+            </a:r>
+            <a:r>
+              <a:rPr lang="en-US" altLang="zh-CN" sz="2400" dirty="0">
+                <a:latin typeface="Microsoft YaHei" panose="020B0503020204020204" pitchFamily="34" charset="-122"/>
+                <a:ea typeface="Microsoft YaHei" panose="020B0503020204020204" pitchFamily="34" charset="-122"/>
+              </a:rPr>
+              <a:t>0000</a:t>
+            </a:r>
+            <a:r>
+              <a:rPr lang="zh-CN" altLang="en-US" sz="2400" dirty="0">
+                <a:latin typeface="Microsoft YaHei" panose="020B0503020204020204" pitchFamily="34" charset="-122"/>
+                <a:ea typeface="Microsoft YaHei" panose="020B0503020204020204" pitchFamily="34" charset="-122"/>
+              </a:rPr>
+              <a:t>  </a:t>
+            </a:r>
+            <a:r>
+              <a:rPr lang="en-US" altLang="zh-CN" sz="2400" dirty="0">
+                <a:latin typeface="Microsoft YaHei" panose="020B0503020204020204" pitchFamily="34" charset="-122"/>
+                <a:ea typeface="Microsoft YaHei" panose="020B0503020204020204" pitchFamily="34" charset="-122"/>
+              </a:rPr>
+              <a:t>0000</a:t>
+            </a:r>
+          </a:p>
+          <a:p>
+            <a:r>
+              <a:rPr lang="zh-CN" altLang="en-US" sz="2400" dirty="0">
+                <a:latin typeface="Microsoft YaHei" panose="020B0503020204020204" pitchFamily="34" charset="-122"/>
+                <a:ea typeface="Microsoft YaHei" panose="020B0503020204020204" pitchFamily="34" charset="-122"/>
+              </a:rPr>
+              <a:t>。。。</a:t>
+            </a:r>
+            <a:endParaRPr lang="en-US" altLang="zh-CN" sz="2400" dirty="0">
+              <a:latin typeface="Microsoft YaHei" panose="020B0503020204020204" pitchFamily="34" charset="-122"/>
+              <a:ea typeface="Microsoft YaHei" panose="020B0503020204020204" pitchFamily="34" charset="-122"/>
+            </a:endParaRPr>
+          </a:p>
+          <a:p>
+            <a:r>
+              <a:rPr lang="zh-CN" altLang="en-US" sz="2400" dirty="0">
+                <a:latin typeface="Microsoft YaHei" panose="020B0503020204020204" pitchFamily="34" charset="-122"/>
+                <a:ea typeface="Microsoft YaHei" panose="020B0503020204020204" pitchFamily="34" charset="-122"/>
+              </a:rPr>
+              <a:t>                   </a:t>
+            </a:r>
+            <a:endParaRPr lang="en-US" altLang="zh-CN" sz="2400" dirty="0">
+              <a:latin typeface="Microsoft YaHei" panose="020B0503020204020204" pitchFamily="34" charset="-122"/>
+              <a:ea typeface="Microsoft YaHei" panose="020B0503020204020204" pitchFamily="34" charset="-122"/>
+            </a:endParaRPr>
           </a:p>
         </p:txBody>
       </p:sp>
     </p:spTree>
     <p:extLst>
       <p:ext uri="{BB962C8B-B14F-4D97-AF65-F5344CB8AC3E}">
-        <p14:creationId xmlns:p14="http://schemas.microsoft.com/office/powerpoint/2010/main" val="3840162472"/>
+        <p14:creationId xmlns:p14="http://schemas.microsoft.com/office/powerpoint/2010/main" val="2343824976"/>
       </p:ext>
     </p:extLst>
   </p:cSld>
@@ -8566,7 +8275,7 @@
           <p:cNvPr id="4" name="矩形 3">
             <a:extLst>
               <a:ext uri="{FF2B5EF4-FFF2-40B4-BE49-F238E27FC236}">
-                <a16:creationId xmlns:a16="http://schemas.microsoft.com/office/drawing/2014/main" id="{294908A2-9A89-6C4A-9F1C-8A9E4C6291BB}"/>
+                <a16:creationId xmlns:a16="http://schemas.microsoft.com/office/drawing/2014/main" id="{AFECA43F-6ADF-6A48-AFDC-72BCBB391629}"/>
               </a:ext>
             </a:extLst>
           </p:cNvPr>
@@ -8575,8 +8284,8 @@
         </p:nvSpPr>
         <p:spPr>
           <a:xfrm>
-            <a:off x="0" y="113677"/>
-            <a:ext cx="3278462" cy="369332"/>
+            <a:off x="0" y="142788"/>
+            <a:ext cx="2842445" cy="369332"/>
           </a:xfrm>
           <a:prstGeom prst="rect">
             <a:avLst/>
@@ -8589,12 +8298,12 @@
           <a:lstStyle/>
           <a:p>
             <a:r>
-              <a:rPr lang="en-US" altLang="zh-CN" dirty="0">
+              <a:rPr lang="en" altLang="zh-CN" dirty="0">
                 <a:solidFill>
                   <a:srgbClr val="FF0000"/>
                 </a:solidFill>
               </a:rPr>
-              <a:t>_18_02_DeleteDuplicationNode</a:t>
+              <a:t>_17_Print1ToMaxOfNDigits</a:t>
             </a:r>
             <a:endParaRPr lang="zh-CN" altLang="en-US" dirty="0">
               <a:solidFill>
@@ -8606,10 +8315,10 @@
       </p:sp>
       <p:sp>
         <p:nvSpPr>
-          <p:cNvPr id="6" name="圆角矩形 5">
-            <a:extLst>
-              <a:ext uri="{FF2B5EF4-FFF2-40B4-BE49-F238E27FC236}">
-                <a16:creationId xmlns:a16="http://schemas.microsoft.com/office/drawing/2014/main" id="{D40D7FAD-4100-0048-AEA3-F91C676F856E}"/>
+          <p:cNvPr id="5" name="圆角矩形 4">
+            <a:extLst>
+              <a:ext uri="{FF2B5EF4-FFF2-40B4-BE49-F238E27FC236}">
+                <a16:creationId xmlns:a16="http://schemas.microsoft.com/office/drawing/2014/main" id="{A3645D01-6E44-344F-A7FB-4B38EAFAAE88}"/>
               </a:ext>
             </a:extLst>
           </p:cNvPr>
@@ -8644,16 +8353,20 @@
           <a:lstStyle/>
           <a:p>
             <a:pPr algn="ctr"/>
+            <a:r>
+              <a:rPr kumimoji="1" lang="en-US" altLang="zh-CN" sz="2400" b="1" dirty="0"/>
+              <a:t>0</a:t>
+            </a:r>
             <a:endParaRPr kumimoji="1" lang="zh-CN" altLang="en-US" sz="2400" b="1" dirty="0"/>
           </a:p>
         </p:txBody>
       </p:sp>
       <p:sp>
         <p:nvSpPr>
-          <p:cNvPr id="7" name="圆角矩形 6">
-            <a:extLst>
-              <a:ext uri="{FF2B5EF4-FFF2-40B4-BE49-F238E27FC236}">
-                <a16:creationId xmlns:a16="http://schemas.microsoft.com/office/drawing/2014/main" id="{96992FC7-2BA3-E34F-998E-2C494037BF57}"/>
+          <p:cNvPr id="6" name="圆角矩形 5">
+            <a:extLst>
+              <a:ext uri="{FF2B5EF4-FFF2-40B4-BE49-F238E27FC236}">
+                <a16:creationId xmlns:a16="http://schemas.microsoft.com/office/drawing/2014/main" id="{C4997B76-980E-414C-9DE5-E3BCDCD069B0}"/>
               </a:ext>
             </a:extLst>
           </p:cNvPr>
@@ -8690,7 +8403,7 @@
             <a:pPr algn="ctr"/>
             <a:r>
               <a:rPr kumimoji="1" lang="en-US" altLang="zh-CN" sz="2400" b="1" dirty="0"/>
-              <a:t>5</a:t>
+              <a:t>0</a:t>
             </a:r>
             <a:endParaRPr kumimoji="1" lang="zh-CN" altLang="en-US" sz="2400" b="1" dirty="0"/>
           </a:p>
@@ -8698,10 +8411,10 @@
       </p:sp>
       <p:sp>
         <p:nvSpPr>
-          <p:cNvPr id="8" name="圆角矩形 7">
-            <a:extLst>
-              <a:ext uri="{FF2B5EF4-FFF2-40B4-BE49-F238E27FC236}">
-                <a16:creationId xmlns:a16="http://schemas.microsoft.com/office/drawing/2014/main" id="{63CC1323-0015-234B-A931-8408226DC122}"/>
+          <p:cNvPr id="7" name="圆角矩形 6">
+            <a:extLst>
+              <a:ext uri="{FF2B5EF4-FFF2-40B4-BE49-F238E27FC236}">
+                <a16:creationId xmlns:a16="http://schemas.microsoft.com/office/drawing/2014/main" id="{3ED068F6-93B4-0149-AA99-2350A36EE0DA}"/>
               </a:ext>
             </a:extLst>
           </p:cNvPr>
@@ -8738,7 +8451,7 @@
             <a:pPr algn="ctr"/>
             <a:r>
               <a:rPr kumimoji="1" lang="en-US" altLang="zh-CN" sz="2400" b="1" dirty="0"/>
-              <a:t>5</a:t>
+              <a:t>0</a:t>
             </a:r>
             <a:endParaRPr kumimoji="1" lang="zh-CN" altLang="en-US" sz="2400" b="1" dirty="0"/>
           </a:p>
@@ -8746,10 +8459,10 @@
       </p:sp>
       <p:sp>
         <p:nvSpPr>
-          <p:cNvPr id="9" name="圆角矩形 8">
-            <a:extLst>
-              <a:ext uri="{FF2B5EF4-FFF2-40B4-BE49-F238E27FC236}">
-                <a16:creationId xmlns:a16="http://schemas.microsoft.com/office/drawing/2014/main" id="{7B5F0A39-D6DC-FA4B-A8D9-85CAFA268046}"/>
+          <p:cNvPr id="8" name="圆角矩形 7">
+            <a:extLst>
+              <a:ext uri="{FF2B5EF4-FFF2-40B4-BE49-F238E27FC236}">
+                <a16:creationId xmlns:a16="http://schemas.microsoft.com/office/drawing/2014/main" id="{A7A80C8A-41F4-FB4F-9ADB-4A32DCD1FDA4}"/>
               </a:ext>
             </a:extLst>
           </p:cNvPr>
@@ -8786,7 +8499,7 @@
             <a:pPr algn="ctr"/>
             <a:r>
               <a:rPr kumimoji="1" lang="en-US" altLang="zh-CN" sz="2400" b="1" dirty="0"/>
-              <a:t>5</a:t>
+              <a:t>0</a:t>
             </a:r>
             <a:endParaRPr kumimoji="1" lang="zh-CN" altLang="en-US" sz="2400" b="1" dirty="0"/>
           </a:p>
@@ -8794,10 +8507,10 @@
       </p:sp>
       <p:sp>
         <p:nvSpPr>
-          <p:cNvPr id="10" name="圆角矩形 9">
-            <a:extLst>
-              <a:ext uri="{FF2B5EF4-FFF2-40B4-BE49-F238E27FC236}">
-                <a16:creationId xmlns:a16="http://schemas.microsoft.com/office/drawing/2014/main" id="{85E7C7B3-34ED-C945-B452-C8462FE54007}"/>
+          <p:cNvPr id="9" name="圆角矩形 8">
+            <a:extLst>
+              <a:ext uri="{FF2B5EF4-FFF2-40B4-BE49-F238E27FC236}">
+                <a16:creationId xmlns:a16="http://schemas.microsoft.com/office/drawing/2014/main" id="{C089CF68-1CF5-2049-BCF3-5D7CECFDC868}"/>
               </a:ext>
             </a:extLst>
           </p:cNvPr>
@@ -8834,7 +8547,7 @@
             <a:pPr algn="ctr"/>
             <a:r>
               <a:rPr kumimoji="1" lang="en-US" altLang="zh-CN" sz="2400" b="1" dirty="0"/>
-              <a:t>5</a:t>
+              <a:t>0</a:t>
             </a:r>
             <a:endParaRPr kumimoji="1" lang="zh-CN" altLang="en-US" sz="2400" b="1" dirty="0"/>
           </a:p>
@@ -8842,10 +8555,10 @@
       </p:sp>
       <p:sp>
         <p:nvSpPr>
-          <p:cNvPr id="11" name="圆角矩形 10">
-            <a:extLst>
-              <a:ext uri="{FF2B5EF4-FFF2-40B4-BE49-F238E27FC236}">
-                <a16:creationId xmlns:a16="http://schemas.microsoft.com/office/drawing/2014/main" id="{FCBC5867-DC57-C540-BA3E-A8B6D8DB4D01}"/>
+          <p:cNvPr id="10" name="圆角矩形 9">
+            <a:extLst>
+              <a:ext uri="{FF2B5EF4-FFF2-40B4-BE49-F238E27FC236}">
+                <a16:creationId xmlns:a16="http://schemas.microsoft.com/office/drawing/2014/main" id="{EF01A5C2-8B10-4444-9922-9B1DDF47949E}"/>
               </a:ext>
             </a:extLst>
           </p:cNvPr>
@@ -8882,7 +8595,7 @@
             <a:pPr algn="ctr"/>
             <a:r>
               <a:rPr kumimoji="1" lang="en-US" altLang="zh-CN" sz="2400" b="1" dirty="0"/>
-              <a:t>6</a:t>
+              <a:t>0</a:t>
             </a:r>
             <a:endParaRPr kumimoji="1" lang="zh-CN" altLang="en-US" sz="2400" b="1" dirty="0"/>
           </a:p>
@@ -8890,10 +8603,10 @@
       </p:sp>
       <p:sp>
         <p:nvSpPr>
-          <p:cNvPr id="12" name="圆角矩形 11">
-            <a:extLst>
-              <a:ext uri="{FF2B5EF4-FFF2-40B4-BE49-F238E27FC236}">
-                <a16:creationId xmlns:a16="http://schemas.microsoft.com/office/drawing/2014/main" id="{54D36731-F7A8-5B4D-92C6-5B5A7E50D869}"/>
+          <p:cNvPr id="11" name="矩形 10">
+            <a:extLst>
+              <a:ext uri="{FF2B5EF4-FFF2-40B4-BE49-F238E27FC236}">
+                <a16:creationId xmlns:a16="http://schemas.microsoft.com/office/drawing/2014/main" id="{77011C22-4E12-5741-B48A-8931166DBBF4}"/>
               </a:ext>
             </a:extLst>
           </p:cNvPr>
@@ -8902,3452 +8615,90 @@
         </p:nvSpPr>
         <p:spPr>
           <a:xfrm>
-            <a:off x="3791712" y="621792"/>
-            <a:ext cx="609600" cy="499872"/>
-          </a:xfrm>
-          <a:prstGeom prst="roundRect">
-            <a:avLst/>
-          </a:prstGeom>
-        </p:spPr>
-        <p:style>
-          <a:lnRef idx="2">
-            <a:schemeClr val="accent6"/>
-          </a:lnRef>
-          <a:fillRef idx="1">
-            <a:schemeClr val="lt1"/>
-          </a:fillRef>
-          <a:effectRef idx="0">
-            <a:schemeClr val="accent6"/>
-          </a:effectRef>
-          <a:fontRef idx="minor">
-            <a:schemeClr val="dk1"/>
-          </a:fontRef>
-        </p:style>
-        <p:txBody>
-          <a:bodyPr rtlCol="0" anchor="ctr"/>
-          <a:lstStyle/>
-          <a:p>
-            <a:pPr algn="ctr"/>
-            <a:r>
-              <a:rPr kumimoji="1" lang="en-US" altLang="zh-CN" sz="2400" b="1" dirty="0"/>
-              <a:t>7</a:t>
-            </a:r>
-            <a:endParaRPr kumimoji="1" lang="zh-CN" altLang="en-US" sz="2400" b="1" dirty="0"/>
-          </a:p>
-        </p:txBody>
-      </p:sp>
-      <p:sp>
-        <p:nvSpPr>
-          <p:cNvPr id="13" name="圆角矩形 12">
-            <a:extLst>
-              <a:ext uri="{FF2B5EF4-FFF2-40B4-BE49-F238E27FC236}">
-                <a16:creationId xmlns:a16="http://schemas.microsoft.com/office/drawing/2014/main" id="{DEE32E12-248A-0A48-B128-42FBB7EC21F3}"/>
-              </a:ext>
-            </a:extLst>
-          </p:cNvPr>
-          <p:cNvSpPr/>
-          <p:nvPr/>
-        </p:nvSpPr>
-        <p:spPr>
-          <a:xfrm>
-            <a:off x="4401312" y="621792"/>
-            <a:ext cx="609600" cy="499872"/>
-          </a:xfrm>
-          <a:prstGeom prst="roundRect">
-            <a:avLst/>
-          </a:prstGeom>
-        </p:spPr>
-        <p:style>
-          <a:lnRef idx="2">
-            <a:schemeClr val="accent6"/>
-          </a:lnRef>
-          <a:fillRef idx="1">
-            <a:schemeClr val="lt1"/>
-          </a:fillRef>
-          <a:effectRef idx="0">
-            <a:schemeClr val="accent6"/>
-          </a:effectRef>
-          <a:fontRef idx="minor">
-            <a:schemeClr val="dk1"/>
-          </a:fontRef>
-        </p:style>
-        <p:txBody>
-          <a:bodyPr rtlCol="0" anchor="ctr"/>
-          <a:lstStyle/>
-          <a:p>
-            <a:pPr algn="ctr"/>
-            <a:r>
-              <a:rPr kumimoji="1" lang="en-US" altLang="zh-CN" sz="2400" b="1" dirty="0"/>
-              <a:t>8</a:t>
-            </a:r>
-            <a:endParaRPr kumimoji="1" lang="zh-CN" altLang="en-US" sz="2400" b="1" dirty="0"/>
-          </a:p>
-        </p:txBody>
-      </p:sp>
-      <p:cxnSp>
-        <p:nvCxnSpPr>
-          <p:cNvPr id="22" name="直线箭头连接符 21">
-            <a:extLst>
-              <a:ext uri="{FF2B5EF4-FFF2-40B4-BE49-F238E27FC236}">
-                <a16:creationId xmlns:a16="http://schemas.microsoft.com/office/drawing/2014/main" id="{28955C7B-B8BB-0A41-8297-C992122586A1}"/>
-              </a:ext>
-            </a:extLst>
-          </p:cNvPr>
-          <p:cNvCxnSpPr>
-            <a:cxnSpLocks/>
-          </p:cNvCxnSpPr>
-          <p:nvPr/>
-        </p:nvCxnSpPr>
-        <p:spPr>
-          <a:xfrm flipV="1">
-            <a:off x="414528" y="1121664"/>
-            <a:ext cx="0" cy="353568"/>
-          </a:xfrm>
-          <a:prstGeom prst="straightConnector1">
-            <a:avLst/>
-          </a:prstGeom>
-          <a:ln>
-            <a:tailEnd type="triangle"/>
-          </a:ln>
-        </p:spPr>
-        <p:style>
-          <a:lnRef idx="1">
-            <a:schemeClr val="accent1"/>
-          </a:lnRef>
-          <a:fillRef idx="0">
-            <a:schemeClr val="accent1"/>
-          </a:fillRef>
-          <a:effectRef idx="0">
-            <a:schemeClr val="accent1"/>
-          </a:effectRef>
-          <a:fontRef idx="minor">
-            <a:schemeClr val="tx1"/>
-          </a:fontRef>
-        </p:style>
-      </p:cxnSp>
-      <p:sp>
-        <p:nvSpPr>
-          <p:cNvPr id="23" name="文本框 22">
-            <a:extLst>
-              <a:ext uri="{FF2B5EF4-FFF2-40B4-BE49-F238E27FC236}">
-                <a16:creationId xmlns:a16="http://schemas.microsoft.com/office/drawing/2014/main" id="{04799C1F-A43B-884C-B372-3BEB2607AE01}"/>
-              </a:ext>
-            </a:extLst>
-          </p:cNvPr>
-          <p:cNvSpPr txBox="1"/>
-          <p:nvPr/>
-        </p:nvSpPr>
-        <p:spPr>
-          <a:xfrm>
-            <a:off x="181469" y="1478125"/>
-            <a:ext cx="514885" cy="369332"/>
+            <a:off x="6096000" y="548562"/>
+            <a:ext cx="6096000" cy="646331"/>
           </a:xfrm>
           <a:prstGeom prst="rect">
             <a:avLst/>
           </a:prstGeom>
-          <a:noFill/>
-        </p:spPr>
-        <p:txBody>
-          <a:bodyPr wrap="none" rtlCol="0">
+        </p:spPr>
+        <p:txBody>
+          <a:bodyPr>
             <a:spAutoFit/>
           </a:bodyPr>
           <a:lstStyle/>
           <a:p>
             <a:r>
-              <a:rPr kumimoji="1" lang="en-US" altLang="zh-CN" dirty="0"/>
-              <a:t>pre</a:t>
-            </a:r>
-            <a:endParaRPr kumimoji="1" lang="zh-CN" altLang="en-US" dirty="0"/>
-          </a:p>
-        </p:txBody>
-      </p:sp>
-      <p:cxnSp>
-        <p:nvCxnSpPr>
-          <p:cNvPr id="24" name="直线箭头连接符 23">
-            <a:extLst>
-              <a:ext uri="{FF2B5EF4-FFF2-40B4-BE49-F238E27FC236}">
-                <a16:creationId xmlns:a16="http://schemas.microsoft.com/office/drawing/2014/main" id="{1BB7E81C-2E93-C941-817B-C8EAFE7D8C54}"/>
-              </a:ext>
-            </a:extLst>
-          </p:cNvPr>
-          <p:cNvCxnSpPr>
-            <a:cxnSpLocks/>
-          </p:cNvCxnSpPr>
-          <p:nvPr/>
-        </p:nvCxnSpPr>
-        <p:spPr>
-          <a:xfrm flipV="1">
-            <a:off x="915293" y="1135009"/>
-            <a:ext cx="0" cy="353568"/>
-          </a:xfrm>
-          <a:prstGeom prst="straightConnector1">
-            <a:avLst/>
-          </a:prstGeom>
-          <a:ln>
-            <a:tailEnd type="triangle"/>
-          </a:ln>
-        </p:spPr>
-        <p:style>
-          <a:lnRef idx="1">
-            <a:schemeClr val="accent1"/>
-          </a:lnRef>
-          <a:fillRef idx="0">
-            <a:schemeClr val="accent1"/>
-          </a:fillRef>
-          <a:effectRef idx="0">
-            <a:schemeClr val="accent1"/>
-          </a:effectRef>
-          <a:fontRef idx="minor">
-            <a:schemeClr val="tx1"/>
-          </a:fontRef>
-        </p:style>
-      </p:cxnSp>
-      <p:sp>
-        <p:nvSpPr>
-          <p:cNvPr id="25" name="文本框 24">
-            <a:extLst>
-              <a:ext uri="{FF2B5EF4-FFF2-40B4-BE49-F238E27FC236}">
-                <a16:creationId xmlns:a16="http://schemas.microsoft.com/office/drawing/2014/main" id="{59DB1076-212E-944C-BD71-B22DE0210BE8}"/>
-              </a:ext>
-            </a:extLst>
-          </p:cNvPr>
-          <p:cNvSpPr txBox="1"/>
-          <p:nvPr/>
-        </p:nvSpPr>
-        <p:spPr>
-          <a:xfrm>
-            <a:off x="576097" y="1790438"/>
-            <a:ext cx="678391" cy="369332"/>
-          </a:xfrm>
-          <a:prstGeom prst="rect">
-            <a:avLst/>
-          </a:prstGeom>
-          <a:noFill/>
-        </p:spPr>
-        <p:txBody>
-          <a:bodyPr wrap="none" rtlCol="0">
-            <a:spAutoFit/>
-          </a:bodyPr>
-          <a:lstStyle/>
-          <a:p>
-            <a:r>
-              <a:rPr kumimoji="1" lang="en-US" altLang="zh-CN" dirty="0"/>
-              <a:t>head</a:t>
-            </a:r>
-            <a:endParaRPr kumimoji="1" lang="zh-CN" altLang="en-US" dirty="0"/>
-          </a:p>
-        </p:txBody>
-      </p:sp>
-      <p:sp>
-        <p:nvSpPr>
-          <p:cNvPr id="27" name="圆角矩形 26">
-            <a:extLst>
-              <a:ext uri="{FF2B5EF4-FFF2-40B4-BE49-F238E27FC236}">
-                <a16:creationId xmlns:a16="http://schemas.microsoft.com/office/drawing/2014/main" id="{9547ECEE-B30D-834C-88A8-A48873E01CC6}"/>
-              </a:ext>
-            </a:extLst>
-          </p:cNvPr>
-          <p:cNvSpPr/>
-          <p:nvPr/>
-        </p:nvSpPr>
-        <p:spPr>
-          <a:xfrm>
-            <a:off x="6571490" y="621792"/>
-            <a:ext cx="609600" cy="499872"/>
-          </a:xfrm>
-          <a:prstGeom prst="roundRect">
-            <a:avLst/>
-          </a:prstGeom>
-        </p:spPr>
-        <p:style>
-          <a:lnRef idx="2">
-            <a:schemeClr val="accent6"/>
-          </a:lnRef>
-          <a:fillRef idx="1">
-            <a:schemeClr val="lt1"/>
-          </a:fillRef>
-          <a:effectRef idx="0">
-            <a:schemeClr val="accent6"/>
-          </a:effectRef>
-          <a:fontRef idx="minor">
-            <a:schemeClr val="dk1"/>
-          </a:fontRef>
-        </p:style>
-        <p:txBody>
-          <a:bodyPr rtlCol="0" anchor="ctr"/>
-          <a:lstStyle/>
-          <a:p>
-            <a:pPr algn="ctr"/>
-            <a:r>
-              <a:rPr kumimoji="1" lang="en-US" altLang="zh-CN" sz="2400" b="1" dirty="0"/>
-              <a:t>5</a:t>
-            </a:r>
-            <a:endParaRPr kumimoji="1" lang="zh-CN" altLang="en-US" sz="2400" b="1" dirty="0"/>
-          </a:p>
-        </p:txBody>
-      </p:sp>
-      <p:sp>
-        <p:nvSpPr>
-          <p:cNvPr id="28" name="圆角矩形 27">
-            <a:extLst>
-              <a:ext uri="{FF2B5EF4-FFF2-40B4-BE49-F238E27FC236}">
-                <a16:creationId xmlns:a16="http://schemas.microsoft.com/office/drawing/2014/main" id="{3DF24344-3A50-684B-8F2D-E1D9A2FBC989}"/>
-              </a:ext>
-            </a:extLst>
-          </p:cNvPr>
-          <p:cNvSpPr/>
-          <p:nvPr/>
-        </p:nvSpPr>
-        <p:spPr>
-          <a:xfrm>
-            <a:off x="7181090" y="621792"/>
-            <a:ext cx="609600" cy="499872"/>
-          </a:xfrm>
-          <a:prstGeom prst="roundRect">
-            <a:avLst/>
-          </a:prstGeom>
-        </p:spPr>
-        <p:style>
-          <a:lnRef idx="2">
-            <a:schemeClr val="accent6"/>
-          </a:lnRef>
-          <a:fillRef idx="1">
-            <a:schemeClr val="lt1"/>
-          </a:fillRef>
-          <a:effectRef idx="0">
-            <a:schemeClr val="accent6"/>
-          </a:effectRef>
-          <a:fontRef idx="minor">
-            <a:schemeClr val="dk1"/>
-          </a:fontRef>
-        </p:style>
-        <p:txBody>
-          <a:bodyPr rtlCol="0" anchor="ctr"/>
-          <a:lstStyle/>
-          <a:p>
-            <a:pPr algn="ctr"/>
-            <a:r>
-              <a:rPr kumimoji="1" lang="en-US" altLang="zh-CN" sz="2400" b="1" dirty="0"/>
-              <a:t>5</a:t>
-            </a:r>
-            <a:endParaRPr kumimoji="1" lang="zh-CN" altLang="en-US" sz="2400" b="1" dirty="0"/>
-          </a:p>
-        </p:txBody>
-      </p:sp>
-      <p:sp>
-        <p:nvSpPr>
-          <p:cNvPr id="29" name="圆角矩形 28">
-            <a:extLst>
-              <a:ext uri="{FF2B5EF4-FFF2-40B4-BE49-F238E27FC236}">
-                <a16:creationId xmlns:a16="http://schemas.microsoft.com/office/drawing/2014/main" id="{51B2007E-593B-EA40-8DC5-8439B83A7872}"/>
-              </a:ext>
-            </a:extLst>
-          </p:cNvPr>
-          <p:cNvSpPr/>
-          <p:nvPr/>
-        </p:nvSpPr>
-        <p:spPr>
-          <a:xfrm>
-            <a:off x="7790690" y="621792"/>
-            <a:ext cx="609600" cy="499872"/>
-          </a:xfrm>
-          <a:prstGeom prst="roundRect">
-            <a:avLst/>
-          </a:prstGeom>
-        </p:spPr>
-        <p:style>
-          <a:lnRef idx="2">
-            <a:schemeClr val="accent6"/>
-          </a:lnRef>
-          <a:fillRef idx="1">
-            <a:schemeClr val="lt1"/>
-          </a:fillRef>
-          <a:effectRef idx="0">
-            <a:schemeClr val="accent6"/>
-          </a:effectRef>
-          <a:fontRef idx="minor">
-            <a:schemeClr val="dk1"/>
-          </a:fontRef>
-        </p:style>
-        <p:txBody>
-          <a:bodyPr rtlCol="0" anchor="ctr"/>
-          <a:lstStyle/>
-          <a:p>
-            <a:pPr algn="ctr"/>
-            <a:r>
-              <a:rPr kumimoji="1" lang="en-US" altLang="zh-CN" sz="2400" b="1" dirty="0"/>
-              <a:t>5</a:t>
-            </a:r>
-            <a:endParaRPr kumimoji="1" lang="zh-CN" altLang="en-US" sz="2400" b="1" dirty="0"/>
-          </a:p>
-        </p:txBody>
-      </p:sp>
-      <p:sp>
-        <p:nvSpPr>
-          <p:cNvPr id="30" name="圆角矩形 29">
-            <a:extLst>
-              <a:ext uri="{FF2B5EF4-FFF2-40B4-BE49-F238E27FC236}">
-                <a16:creationId xmlns:a16="http://schemas.microsoft.com/office/drawing/2014/main" id="{53CF0A20-683C-134B-BD0D-DEA7DCAD019F}"/>
-              </a:ext>
-            </a:extLst>
-          </p:cNvPr>
-          <p:cNvSpPr/>
-          <p:nvPr/>
-        </p:nvSpPr>
-        <p:spPr>
-          <a:xfrm>
-            <a:off x="8400290" y="621792"/>
-            <a:ext cx="609600" cy="499872"/>
-          </a:xfrm>
-          <a:prstGeom prst="roundRect">
-            <a:avLst/>
-          </a:prstGeom>
-        </p:spPr>
-        <p:style>
-          <a:lnRef idx="2">
-            <a:schemeClr val="accent6"/>
-          </a:lnRef>
-          <a:fillRef idx="1">
-            <a:schemeClr val="lt1"/>
-          </a:fillRef>
-          <a:effectRef idx="0">
-            <a:schemeClr val="accent6"/>
-          </a:effectRef>
-          <a:fontRef idx="minor">
-            <a:schemeClr val="dk1"/>
-          </a:fontRef>
-        </p:style>
-        <p:txBody>
-          <a:bodyPr rtlCol="0" anchor="ctr"/>
-          <a:lstStyle/>
-          <a:p>
-            <a:pPr algn="ctr"/>
-            <a:r>
-              <a:rPr kumimoji="1" lang="en-US" altLang="zh-CN" sz="2400" b="1" dirty="0"/>
-              <a:t>5</a:t>
-            </a:r>
-            <a:endParaRPr kumimoji="1" lang="zh-CN" altLang="en-US" sz="2400" b="1" dirty="0"/>
-          </a:p>
-        </p:txBody>
-      </p:sp>
-      <p:sp>
-        <p:nvSpPr>
-          <p:cNvPr id="26" name="圆角矩形 25">
-            <a:extLst>
-              <a:ext uri="{FF2B5EF4-FFF2-40B4-BE49-F238E27FC236}">
-                <a16:creationId xmlns:a16="http://schemas.microsoft.com/office/drawing/2014/main" id="{50DAD705-162C-D54E-BE99-EDED630C7B81}"/>
-              </a:ext>
-            </a:extLst>
-          </p:cNvPr>
-          <p:cNvSpPr/>
-          <p:nvPr/>
-        </p:nvSpPr>
-        <p:spPr>
-          <a:xfrm>
-            <a:off x="5961890" y="621792"/>
-            <a:ext cx="609600" cy="499872"/>
-          </a:xfrm>
-          <a:prstGeom prst="roundRect">
-            <a:avLst/>
-          </a:prstGeom>
-        </p:spPr>
-        <p:style>
-          <a:lnRef idx="2">
-            <a:schemeClr val="accent6"/>
-          </a:lnRef>
-          <a:fillRef idx="1">
-            <a:schemeClr val="lt1"/>
-          </a:fillRef>
-          <a:effectRef idx="0">
-            <a:schemeClr val="accent6"/>
-          </a:effectRef>
-          <a:fontRef idx="minor">
-            <a:schemeClr val="dk1"/>
-          </a:fontRef>
-        </p:style>
-        <p:txBody>
-          <a:bodyPr rtlCol="0" anchor="ctr"/>
-          <a:lstStyle/>
-          <a:p>
-            <a:pPr algn="ctr"/>
-            <a:r>
-              <a:rPr kumimoji="1" lang="en-US" altLang="zh-CN" sz="2400" b="1" dirty="0"/>
-              <a:t>?</a:t>
-            </a:r>
-            <a:endParaRPr kumimoji="1" lang="zh-CN" altLang="en-US" sz="2400" b="1" dirty="0"/>
-          </a:p>
-        </p:txBody>
-      </p:sp>
-      <p:sp>
-        <p:nvSpPr>
-          <p:cNvPr id="31" name="圆角矩形 30">
-            <a:extLst>
-              <a:ext uri="{FF2B5EF4-FFF2-40B4-BE49-F238E27FC236}">
-                <a16:creationId xmlns:a16="http://schemas.microsoft.com/office/drawing/2014/main" id="{D10BBAD9-AF77-AB4A-AD91-6975BAA2E563}"/>
-              </a:ext>
-            </a:extLst>
-          </p:cNvPr>
-          <p:cNvSpPr/>
-          <p:nvPr/>
-        </p:nvSpPr>
-        <p:spPr>
-          <a:xfrm>
-            <a:off x="9009890" y="621792"/>
-            <a:ext cx="609600" cy="499872"/>
-          </a:xfrm>
-          <a:prstGeom prst="roundRect">
-            <a:avLst/>
-          </a:prstGeom>
-        </p:spPr>
-        <p:style>
-          <a:lnRef idx="2">
-            <a:schemeClr val="accent6"/>
-          </a:lnRef>
-          <a:fillRef idx="1">
-            <a:schemeClr val="lt1"/>
-          </a:fillRef>
-          <a:effectRef idx="0">
-            <a:schemeClr val="accent6"/>
-          </a:effectRef>
-          <a:fontRef idx="minor">
-            <a:schemeClr val="dk1"/>
-          </a:fontRef>
-        </p:style>
-        <p:txBody>
-          <a:bodyPr rtlCol="0" anchor="ctr"/>
-          <a:lstStyle/>
-          <a:p>
-            <a:pPr algn="ctr"/>
-            <a:r>
-              <a:rPr kumimoji="1" lang="en-US" altLang="zh-CN" sz="2400" b="1" dirty="0"/>
-              <a:t>6</a:t>
-            </a:r>
-            <a:endParaRPr kumimoji="1" lang="zh-CN" altLang="en-US" sz="2400" b="1" dirty="0"/>
-          </a:p>
-        </p:txBody>
-      </p:sp>
-      <p:sp>
-        <p:nvSpPr>
-          <p:cNvPr id="32" name="圆角矩形 31">
-            <a:extLst>
-              <a:ext uri="{FF2B5EF4-FFF2-40B4-BE49-F238E27FC236}">
-                <a16:creationId xmlns:a16="http://schemas.microsoft.com/office/drawing/2014/main" id="{4AC493D7-E6FB-1948-BDE0-9E116452564C}"/>
-              </a:ext>
-            </a:extLst>
-          </p:cNvPr>
-          <p:cNvSpPr/>
-          <p:nvPr/>
-        </p:nvSpPr>
-        <p:spPr>
-          <a:xfrm>
-            <a:off x="9619490" y="621792"/>
-            <a:ext cx="609600" cy="499872"/>
-          </a:xfrm>
-          <a:prstGeom prst="roundRect">
-            <a:avLst/>
-          </a:prstGeom>
-        </p:spPr>
-        <p:style>
-          <a:lnRef idx="2">
-            <a:schemeClr val="accent6"/>
-          </a:lnRef>
-          <a:fillRef idx="1">
-            <a:schemeClr val="lt1"/>
-          </a:fillRef>
-          <a:effectRef idx="0">
-            <a:schemeClr val="accent6"/>
-          </a:effectRef>
-          <a:fontRef idx="minor">
-            <a:schemeClr val="dk1"/>
-          </a:fontRef>
-        </p:style>
-        <p:txBody>
-          <a:bodyPr rtlCol="0" anchor="ctr"/>
-          <a:lstStyle/>
-          <a:p>
-            <a:pPr algn="ctr"/>
-            <a:r>
-              <a:rPr kumimoji="1" lang="en-US" altLang="zh-CN" sz="2400" b="1" dirty="0"/>
-              <a:t>7</a:t>
-            </a:r>
-            <a:endParaRPr kumimoji="1" lang="zh-CN" altLang="en-US" sz="2400" b="1" dirty="0"/>
-          </a:p>
-        </p:txBody>
-      </p:sp>
-      <p:sp>
-        <p:nvSpPr>
-          <p:cNvPr id="33" name="圆角矩形 32">
-            <a:extLst>
-              <a:ext uri="{FF2B5EF4-FFF2-40B4-BE49-F238E27FC236}">
-                <a16:creationId xmlns:a16="http://schemas.microsoft.com/office/drawing/2014/main" id="{18CC294B-DD1F-D345-8448-944E0493C7C0}"/>
-              </a:ext>
-            </a:extLst>
-          </p:cNvPr>
-          <p:cNvSpPr/>
-          <p:nvPr/>
-        </p:nvSpPr>
-        <p:spPr>
-          <a:xfrm>
-            <a:off x="10229090" y="621792"/>
-            <a:ext cx="609600" cy="499872"/>
-          </a:xfrm>
-          <a:prstGeom prst="roundRect">
-            <a:avLst/>
-          </a:prstGeom>
-        </p:spPr>
-        <p:style>
-          <a:lnRef idx="2">
-            <a:schemeClr val="accent6"/>
-          </a:lnRef>
-          <a:fillRef idx="1">
-            <a:schemeClr val="lt1"/>
-          </a:fillRef>
-          <a:effectRef idx="0">
-            <a:schemeClr val="accent6"/>
-          </a:effectRef>
-          <a:fontRef idx="minor">
-            <a:schemeClr val="dk1"/>
-          </a:fontRef>
-        </p:style>
-        <p:txBody>
-          <a:bodyPr rtlCol="0" anchor="ctr"/>
-          <a:lstStyle/>
-          <a:p>
-            <a:pPr algn="ctr"/>
-            <a:r>
-              <a:rPr kumimoji="1" lang="en-US" altLang="zh-CN" sz="2400" b="1" dirty="0"/>
-              <a:t>8</a:t>
-            </a:r>
-            <a:endParaRPr kumimoji="1" lang="zh-CN" altLang="en-US" sz="2400" b="1" dirty="0"/>
-          </a:p>
-        </p:txBody>
-      </p:sp>
-      <p:cxnSp>
-        <p:nvCxnSpPr>
-          <p:cNvPr id="34" name="直线箭头连接符 33">
-            <a:extLst>
-              <a:ext uri="{FF2B5EF4-FFF2-40B4-BE49-F238E27FC236}">
-                <a16:creationId xmlns:a16="http://schemas.microsoft.com/office/drawing/2014/main" id="{872F418C-7179-AE44-82E0-0A9B85B4EBCA}"/>
-              </a:ext>
-            </a:extLst>
-          </p:cNvPr>
-          <p:cNvCxnSpPr>
-            <a:cxnSpLocks/>
-          </p:cNvCxnSpPr>
-          <p:nvPr/>
-        </p:nvCxnSpPr>
-        <p:spPr>
-          <a:xfrm flipV="1">
-            <a:off x="6242306" y="1121664"/>
-            <a:ext cx="0" cy="353568"/>
-          </a:xfrm>
-          <a:prstGeom prst="straightConnector1">
-            <a:avLst/>
-          </a:prstGeom>
-          <a:ln>
-            <a:tailEnd type="triangle"/>
-          </a:ln>
-        </p:spPr>
-        <p:style>
-          <a:lnRef idx="1">
-            <a:schemeClr val="accent1"/>
-          </a:lnRef>
-          <a:fillRef idx="0">
-            <a:schemeClr val="accent1"/>
-          </a:fillRef>
-          <a:effectRef idx="0">
-            <a:schemeClr val="accent1"/>
-          </a:effectRef>
-          <a:fontRef idx="minor">
-            <a:schemeClr val="tx1"/>
-          </a:fontRef>
-        </p:style>
-      </p:cxnSp>
-      <p:sp>
-        <p:nvSpPr>
-          <p:cNvPr id="35" name="文本框 34">
-            <a:extLst>
-              <a:ext uri="{FF2B5EF4-FFF2-40B4-BE49-F238E27FC236}">
-                <a16:creationId xmlns:a16="http://schemas.microsoft.com/office/drawing/2014/main" id="{4ADD9723-8BE0-1948-A02B-D5E95A5AD13D}"/>
-              </a:ext>
-            </a:extLst>
-          </p:cNvPr>
-          <p:cNvSpPr txBox="1"/>
-          <p:nvPr/>
-        </p:nvSpPr>
-        <p:spPr>
-          <a:xfrm>
-            <a:off x="6009247" y="1478125"/>
-            <a:ext cx="514885" cy="369332"/>
-          </a:xfrm>
-          <a:prstGeom prst="rect">
-            <a:avLst/>
-          </a:prstGeom>
-          <a:noFill/>
-        </p:spPr>
-        <p:txBody>
-          <a:bodyPr wrap="none" rtlCol="0">
-            <a:spAutoFit/>
-          </a:bodyPr>
-          <a:lstStyle/>
-          <a:p>
-            <a:r>
-              <a:rPr kumimoji="1" lang="en-US" altLang="zh-CN" dirty="0"/>
-              <a:t>pre</a:t>
-            </a:r>
-            <a:endParaRPr kumimoji="1" lang="zh-CN" altLang="en-US" dirty="0"/>
-          </a:p>
-        </p:txBody>
-      </p:sp>
-      <p:cxnSp>
-        <p:nvCxnSpPr>
-          <p:cNvPr id="36" name="直线箭头连接符 35">
-            <a:extLst>
-              <a:ext uri="{FF2B5EF4-FFF2-40B4-BE49-F238E27FC236}">
-                <a16:creationId xmlns:a16="http://schemas.microsoft.com/office/drawing/2014/main" id="{C11D04FB-0A28-DD4E-801B-29B79498AA2D}"/>
-              </a:ext>
-            </a:extLst>
-          </p:cNvPr>
-          <p:cNvCxnSpPr>
-            <a:cxnSpLocks/>
-          </p:cNvCxnSpPr>
-          <p:nvPr/>
-        </p:nvCxnSpPr>
-        <p:spPr>
-          <a:xfrm flipV="1">
-            <a:off x="9078086" y="1147755"/>
-            <a:ext cx="0" cy="353568"/>
-          </a:xfrm>
-          <a:prstGeom prst="straightConnector1">
-            <a:avLst/>
-          </a:prstGeom>
-          <a:ln>
-            <a:tailEnd type="triangle"/>
-          </a:ln>
-        </p:spPr>
-        <p:style>
-          <a:lnRef idx="1">
-            <a:schemeClr val="accent1"/>
-          </a:lnRef>
-          <a:fillRef idx="0">
-            <a:schemeClr val="accent1"/>
-          </a:fillRef>
-          <a:effectRef idx="0">
-            <a:schemeClr val="accent1"/>
-          </a:effectRef>
-          <a:fontRef idx="minor">
-            <a:schemeClr val="tx1"/>
-          </a:fontRef>
-        </p:style>
-      </p:cxnSp>
-      <p:sp>
-        <p:nvSpPr>
-          <p:cNvPr id="37" name="文本框 36">
-            <a:extLst>
-              <a:ext uri="{FF2B5EF4-FFF2-40B4-BE49-F238E27FC236}">
-                <a16:creationId xmlns:a16="http://schemas.microsoft.com/office/drawing/2014/main" id="{F1A8B725-3CC2-4249-82DD-00C4D65C0ECB}"/>
-              </a:ext>
-            </a:extLst>
-          </p:cNvPr>
-          <p:cNvSpPr txBox="1"/>
-          <p:nvPr/>
-        </p:nvSpPr>
-        <p:spPr>
-          <a:xfrm>
-            <a:off x="8588941" y="1673144"/>
-            <a:ext cx="678391" cy="369332"/>
-          </a:xfrm>
-          <a:prstGeom prst="rect">
-            <a:avLst/>
-          </a:prstGeom>
-          <a:noFill/>
-        </p:spPr>
-        <p:txBody>
-          <a:bodyPr wrap="none" rtlCol="0">
-            <a:spAutoFit/>
-          </a:bodyPr>
-          <a:lstStyle/>
-          <a:p>
-            <a:r>
-              <a:rPr kumimoji="1" lang="en-US" altLang="zh-CN" dirty="0"/>
-              <a:t>head</a:t>
-            </a:r>
-            <a:endParaRPr kumimoji="1" lang="zh-CN" altLang="en-US" dirty="0"/>
-          </a:p>
-        </p:txBody>
-      </p:sp>
-      <p:sp>
-        <p:nvSpPr>
-          <p:cNvPr id="38" name="圆角矩形 37">
-            <a:extLst>
-              <a:ext uri="{FF2B5EF4-FFF2-40B4-BE49-F238E27FC236}">
-                <a16:creationId xmlns:a16="http://schemas.microsoft.com/office/drawing/2014/main" id="{9167F176-05A6-F546-974B-454D16CB3BA8}"/>
-              </a:ext>
-            </a:extLst>
-          </p:cNvPr>
-          <p:cNvSpPr/>
-          <p:nvPr/>
-        </p:nvSpPr>
-        <p:spPr>
-          <a:xfrm>
-            <a:off x="134112" y="2417012"/>
-            <a:ext cx="609600" cy="499872"/>
-          </a:xfrm>
-          <a:prstGeom prst="roundRect">
-            <a:avLst/>
-          </a:prstGeom>
-        </p:spPr>
-        <p:style>
-          <a:lnRef idx="2">
-            <a:schemeClr val="accent6"/>
-          </a:lnRef>
-          <a:fillRef idx="1">
-            <a:schemeClr val="lt1"/>
-          </a:fillRef>
-          <a:effectRef idx="0">
-            <a:schemeClr val="accent6"/>
-          </a:effectRef>
-          <a:fontRef idx="minor">
-            <a:schemeClr val="dk1"/>
-          </a:fontRef>
-        </p:style>
-        <p:txBody>
-          <a:bodyPr rtlCol="0" anchor="ctr"/>
-          <a:lstStyle/>
-          <a:p>
-            <a:pPr algn="ctr"/>
-            <a:r>
-              <a:rPr kumimoji="1" lang="en-US" altLang="zh-CN" sz="2400" b="1" dirty="0"/>
-              <a:t>?</a:t>
-            </a:r>
-            <a:endParaRPr kumimoji="1" lang="zh-CN" altLang="en-US" sz="2400" b="1" dirty="0"/>
-          </a:p>
-        </p:txBody>
-      </p:sp>
-      <p:sp>
-        <p:nvSpPr>
-          <p:cNvPr id="39" name="圆角矩形 38">
-            <a:extLst>
-              <a:ext uri="{FF2B5EF4-FFF2-40B4-BE49-F238E27FC236}">
-                <a16:creationId xmlns:a16="http://schemas.microsoft.com/office/drawing/2014/main" id="{6B4DC8C3-6491-A84C-9D3D-997DF1581331}"/>
-              </a:ext>
-            </a:extLst>
-          </p:cNvPr>
-          <p:cNvSpPr/>
-          <p:nvPr/>
-        </p:nvSpPr>
-        <p:spPr>
-          <a:xfrm>
-            <a:off x="743712" y="2417012"/>
-            <a:ext cx="609600" cy="499872"/>
-          </a:xfrm>
-          <a:prstGeom prst="roundRect">
-            <a:avLst/>
-          </a:prstGeom>
-        </p:spPr>
-        <p:style>
-          <a:lnRef idx="2">
-            <a:schemeClr val="accent6"/>
-          </a:lnRef>
-          <a:fillRef idx="1">
-            <a:schemeClr val="lt1"/>
-          </a:fillRef>
-          <a:effectRef idx="0">
-            <a:schemeClr val="accent6"/>
-          </a:effectRef>
-          <a:fontRef idx="minor">
-            <a:schemeClr val="dk1"/>
-          </a:fontRef>
-        </p:style>
-        <p:txBody>
-          <a:bodyPr rtlCol="0" anchor="ctr"/>
-          <a:lstStyle/>
-          <a:p>
-            <a:pPr algn="ctr"/>
-            <a:r>
-              <a:rPr kumimoji="1" lang="en-US" altLang="zh-CN" sz="2400" b="1" dirty="0"/>
-              <a:t>1</a:t>
-            </a:r>
-            <a:endParaRPr kumimoji="1" lang="zh-CN" altLang="en-US" sz="2400" b="1" dirty="0"/>
-          </a:p>
-        </p:txBody>
-      </p:sp>
-      <p:sp>
-        <p:nvSpPr>
-          <p:cNvPr id="40" name="圆角矩形 39">
-            <a:extLst>
-              <a:ext uri="{FF2B5EF4-FFF2-40B4-BE49-F238E27FC236}">
-                <a16:creationId xmlns:a16="http://schemas.microsoft.com/office/drawing/2014/main" id="{31903EE7-D64F-954F-B018-E692A411E0ED}"/>
-              </a:ext>
-            </a:extLst>
-          </p:cNvPr>
-          <p:cNvSpPr/>
-          <p:nvPr/>
-        </p:nvSpPr>
-        <p:spPr>
-          <a:xfrm>
-            <a:off x="1353312" y="2417012"/>
-            <a:ext cx="609600" cy="499872"/>
-          </a:xfrm>
-          <a:prstGeom prst="roundRect">
-            <a:avLst/>
-          </a:prstGeom>
-        </p:spPr>
-        <p:style>
-          <a:lnRef idx="2">
-            <a:schemeClr val="accent6"/>
-          </a:lnRef>
-          <a:fillRef idx="1">
-            <a:schemeClr val="lt1"/>
-          </a:fillRef>
-          <a:effectRef idx="0">
-            <a:schemeClr val="accent6"/>
-          </a:effectRef>
-          <a:fontRef idx="minor">
-            <a:schemeClr val="dk1"/>
-          </a:fontRef>
-        </p:style>
-        <p:txBody>
-          <a:bodyPr rtlCol="0" anchor="ctr"/>
-          <a:lstStyle/>
-          <a:p>
-            <a:pPr algn="ctr"/>
-            <a:r>
-              <a:rPr kumimoji="1" lang="en-US" altLang="zh-CN" sz="2400" b="1" dirty="0"/>
-              <a:t>5</a:t>
-            </a:r>
-            <a:endParaRPr kumimoji="1" lang="zh-CN" altLang="en-US" sz="2400" b="1" dirty="0"/>
-          </a:p>
-        </p:txBody>
-      </p:sp>
-      <p:sp>
-        <p:nvSpPr>
-          <p:cNvPr id="41" name="圆角矩形 40">
-            <a:extLst>
-              <a:ext uri="{FF2B5EF4-FFF2-40B4-BE49-F238E27FC236}">
-                <a16:creationId xmlns:a16="http://schemas.microsoft.com/office/drawing/2014/main" id="{EFB08D54-7297-EC42-83B4-5AB9DB4756FD}"/>
-              </a:ext>
-            </a:extLst>
-          </p:cNvPr>
-          <p:cNvSpPr/>
-          <p:nvPr/>
-        </p:nvSpPr>
-        <p:spPr>
-          <a:xfrm>
-            <a:off x="1962912" y="2417012"/>
-            <a:ext cx="609600" cy="499872"/>
-          </a:xfrm>
-          <a:prstGeom prst="roundRect">
-            <a:avLst/>
-          </a:prstGeom>
-        </p:spPr>
-        <p:style>
-          <a:lnRef idx="2">
-            <a:schemeClr val="accent6"/>
-          </a:lnRef>
-          <a:fillRef idx="1">
-            <a:schemeClr val="lt1"/>
-          </a:fillRef>
-          <a:effectRef idx="0">
-            <a:schemeClr val="accent6"/>
-          </a:effectRef>
-          <a:fontRef idx="minor">
-            <a:schemeClr val="dk1"/>
-          </a:fontRef>
-        </p:style>
-        <p:txBody>
-          <a:bodyPr rtlCol="0" anchor="ctr"/>
-          <a:lstStyle/>
-          <a:p>
-            <a:pPr algn="ctr"/>
-            <a:r>
-              <a:rPr kumimoji="1" lang="en-US" altLang="zh-CN" sz="2400" b="1" dirty="0"/>
-              <a:t>5</a:t>
-            </a:r>
-            <a:endParaRPr kumimoji="1" lang="zh-CN" altLang="en-US" sz="2400" b="1" dirty="0"/>
-          </a:p>
-        </p:txBody>
-      </p:sp>
-      <p:sp>
-        <p:nvSpPr>
-          <p:cNvPr id="42" name="圆角矩形 41">
-            <a:extLst>
-              <a:ext uri="{FF2B5EF4-FFF2-40B4-BE49-F238E27FC236}">
-                <a16:creationId xmlns:a16="http://schemas.microsoft.com/office/drawing/2014/main" id="{062B1955-1490-4E4B-9BDF-B4FCC3FB8FC3}"/>
-              </a:ext>
-            </a:extLst>
-          </p:cNvPr>
-          <p:cNvSpPr/>
-          <p:nvPr/>
-        </p:nvSpPr>
-        <p:spPr>
-          <a:xfrm>
-            <a:off x="2572512" y="2417012"/>
-            <a:ext cx="609600" cy="499872"/>
-          </a:xfrm>
-          <a:prstGeom prst="roundRect">
-            <a:avLst/>
-          </a:prstGeom>
-        </p:spPr>
-        <p:style>
-          <a:lnRef idx="2">
-            <a:schemeClr val="accent6"/>
-          </a:lnRef>
-          <a:fillRef idx="1">
-            <a:schemeClr val="lt1"/>
-          </a:fillRef>
-          <a:effectRef idx="0">
-            <a:schemeClr val="accent6"/>
-          </a:effectRef>
-          <a:fontRef idx="minor">
-            <a:schemeClr val="dk1"/>
-          </a:fontRef>
-        </p:style>
-        <p:txBody>
-          <a:bodyPr rtlCol="0" anchor="ctr"/>
-          <a:lstStyle/>
-          <a:p>
-            <a:pPr algn="ctr"/>
-            <a:r>
-              <a:rPr kumimoji="1" lang="en-US" altLang="zh-CN" sz="2400" b="1" dirty="0"/>
-              <a:t>5</a:t>
-            </a:r>
-            <a:endParaRPr kumimoji="1" lang="zh-CN" altLang="en-US" sz="2400" b="1" dirty="0"/>
-          </a:p>
-        </p:txBody>
-      </p:sp>
-      <p:sp>
-        <p:nvSpPr>
-          <p:cNvPr id="43" name="圆角矩形 42">
-            <a:extLst>
-              <a:ext uri="{FF2B5EF4-FFF2-40B4-BE49-F238E27FC236}">
-                <a16:creationId xmlns:a16="http://schemas.microsoft.com/office/drawing/2014/main" id="{FEF34E59-B213-F542-8385-7028C03225D0}"/>
-              </a:ext>
-            </a:extLst>
-          </p:cNvPr>
-          <p:cNvSpPr/>
-          <p:nvPr/>
-        </p:nvSpPr>
-        <p:spPr>
-          <a:xfrm>
-            <a:off x="3182112" y="2417012"/>
-            <a:ext cx="609600" cy="499872"/>
-          </a:xfrm>
-          <a:prstGeom prst="roundRect">
-            <a:avLst/>
-          </a:prstGeom>
-        </p:spPr>
-        <p:style>
-          <a:lnRef idx="2">
-            <a:schemeClr val="accent6"/>
-          </a:lnRef>
-          <a:fillRef idx="1">
-            <a:schemeClr val="lt1"/>
-          </a:fillRef>
-          <a:effectRef idx="0">
-            <a:schemeClr val="accent6"/>
-          </a:effectRef>
-          <a:fontRef idx="minor">
-            <a:schemeClr val="dk1"/>
-          </a:fontRef>
-        </p:style>
-        <p:txBody>
-          <a:bodyPr rtlCol="0" anchor="ctr"/>
-          <a:lstStyle/>
-          <a:p>
-            <a:pPr algn="ctr"/>
-            <a:r>
-              <a:rPr kumimoji="1" lang="en-US" altLang="zh-CN" sz="2400" b="1" dirty="0"/>
-              <a:t>6</a:t>
-            </a:r>
-            <a:endParaRPr kumimoji="1" lang="zh-CN" altLang="en-US" sz="2400" b="1" dirty="0"/>
-          </a:p>
-        </p:txBody>
-      </p:sp>
-      <p:sp>
-        <p:nvSpPr>
-          <p:cNvPr id="44" name="圆角矩形 43">
-            <a:extLst>
-              <a:ext uri="{FF2B5EF4-FFF2-40B4-BE49-F238E27FC236}">
-                <a16:creationId xmlns:a16="http://schemas.microsoft.com/office/drawing/2014/main" id="{C0C661AD-4705-A84A-BC26-410C9A346797}"/>
-              </a:ext>
-            </a:extLst>
-          </p:cNvPr>
-          <p:cNvSpPr/>
-          <p:nvPr/>
-        </p:nvSpPr>
-        <p:spPr>
-          <a:xfrm>
-            <a:off x="3791712" y="2417012"/>
-            <a:ext cx="609600" cy="499872"/>
-          </a:xfrm>
-          <a:prstGeom prst="roundRect">
-            <a:avLst/>
-          </a:prstGeom>
-        </p:spPr>
-        <p:style>
-          <a:lnRef idx="2">
-            <a:schemeClr val="accent6"/>
-          </a:lnRef>
-          <a:fillRef idx="1">
-            <a:schemeClr val="lt1"/>
-          </a:fillRef>
-          <a:effectRef idx="0">
-            <a:schemeClr val="accent6"/>
-          </a:effectRef>
-          <a:fontRef idx="minor">
-            <a:schemeClr val="dk1"/>
-          </a:fontRef>
-        </p:style>
-        <p:txBody>
-          <a:bodyPr rtlCol="0" anchor="ctr"/>
-          <a:lstStyle/>
-          <a:p>
-            <a:pPr algn="ctr"/>
-            <a:r>
-              <a:rPr kumimoji="1" lang="en-US" altLang="zh-CN" sz="2400" b="1" dirty="0"/>
-              <a:t>7</a:t>
-            </a:r>
-            <a:endParaRPr kumimoji="1" lang="zh-CN" altLang="en-US" sz="2400" b="1" dirty="0"/>
-          </a:p>
-        </p:txBody>
-      </p:sp>
-      <p:sp>
-        <p:nvSpPr>
-          <p:cNvPr id="45" name="圆角矩形 44">
-            <a:extLst>
-              <a:ext uri="{FF2B5EF4-FFF2-40B4-BE49-F238E27FC236}">
-                <a16:creationId xmlns:a16="http://schemas.microsoft.com/office/drawing/2014/main" id="{8D1CD15D-954D-E146-877C-172CA8706B15}"/>
-              </a:ext>
-            </a:extLst>
-          </p:cNvPr>
-          <p:cNvSpPr/>
-          <p:nvPr/>
-        </p:nvSpPr>
-        <p:spPr>
-          <a:xfrm>
-            <a:off x="4401312" y="2417012"/>
-            <a:ext cx="609600" cy="499872"/>
-          </a:xfrm>
-          <a:prstGeom prst="roundRect">
-            <a:avLst/>
-          </a:prstGeom>
-        </p:spPr>
-        <p:style>
-          <a:lnRef idx="2">
-            <a:schemeClr val="accent6"/>
-          </a:lnRef>
-          <a:fillRef idx="1">
-            <a:schemeClr val="lt1"/>
-          </a:fillRef>
-          <a:effectRef idx="0">
-            <a:schemeClr val="accent6"/>
-          </a:effectRef>
-          <a:fontRef idx="minor">
-            <a:schemeClr val="dk1"/>
-          </a:fontRef>
-        </p:style>
-        <p:txBody>
-          <a:bodyPr rtlCol="0" anchor="ctr"/>
-          <a:lstStyle/>
-          <a:p>
-            <a:pPr algn="ctr"/>
-            <a:r>
-              <a:rPr kumimoji="1" lang="en-US" altLang="zh-CN" sz="2400" b="1" dirty="0"/>
-              <a:t>8</a:t>
-            </a:r>
-            <a:endParaRPr kumimoji="1" lang="zh-CN" altLang="en-US" sz="2400" b="1" dirty="0"/>
-          </a:p>
-        </p:txBody>
-      </p:sp>
-      <p:cxnSp>
-        <p:nvCxnSpPr>
-          <p:cNvPr id="46" name="直线箭头连接符 45">
-            <a:extLst>
-              <a:ext uri="{FF2B5EF4-FFF2-40B4-BE49-F238E27FC236}">
-                <a16:creationId xmlns:a16="http://schemas.microsoft.com/office/drawing/2014/main" id="{48A78B45-4636-B345-8750-934A2B348D18}"/>
-              </a:ext>
-            </a:extLst>
-          </p:cNvPr>
-          <p:cNvCxnSpPr>
-            <a:cxnSpLocks/>
-          </p:cNvCxnSpPr>
-          <p:nvPr/>
-        </p:nvCxnSpPr>
-        <p:spPr>
-          <a:xfrm flipV="1">
-            <a:off x="414528" y="2916884"/>
-            <a:ext cx="0" cy="353568"/>
-          </a:xfrm>
-          <a:prstGeom prst="straightConnector1">
-            <a:avLst/>
-          </a:prstGeom>
-          <a:ln>
-            <a:tailEnd type="triangle"/>
-          </a:ln>
-        </p:spPr>
-        <p:style>
-          <a:lnRef idx="1">
-            <a:schemeClr val="accent1"/>
-          </a:lnRef>
-          <a:fillRef idx="0">
-            <a:schemeClr val="accent1"/>
-          </a:fillRef>
-          <a:effectRef idx="0">
-            <a:schemeClr val="accent1"/>
-          </a:effectRef>
-          <a:fontRef idx="minor">
-            <a:schemeClr val="tx1"/>
-          </a:fontRef>
-        </p:style>
-      </p:cxnSp>
-      <p:sp>
-        <p:nvSpPr>
-          <p:cNvPr id="47" name="文本框 46">
-            <a:extLst>
-              <a:ext uri="{FF2B5EF4-FFF2-40B4-BE49-F238E27FC236}">
-                <a16:creationId xmlns:a16="http://schemas.microsoft.com/office/drawing/2014/main" id="{AB11396E-A3D0-4D4E-9BE6-4F5F7C9315E1}"/>
-              </a:ext>
-            </a:extLst>
-          </p:cNvPr>
-          <p:cNvSpPr txBox="1"/>
-          <p:nvPr/>
-        </p:nvSpPr>
-        <p:spPr>
-          <a:xfrm>
-            <a:off x="181469" y="3273345"/>
-            <a:ext cx="514885" cy="369332"/>
-          </a:xfrm>
-          <a:prstGeom prst="rect">
-            <a:avLst/>
-          </a:prstGeom>
-          <a:noFill/>
-        </p:spPr>
-        <p:txBody>
-          <a:bodyPr wrap="none" rtlCol="0">
-            <a:spAutoFit/>
-          </a:bodyPr>
-          <a:lstStyle/>
-          <a:p>
-            <a:r>
-              <a:rPr kumimoji="1" lang="en-US" altLang="zh-CN" dirty="0"/>
-              <a:t>pre</a:t>
-            </a:r>
-            <a:endParaRPr kumimoji="1" lang="zh-CN" altLang="en-US" dirty="0"/>
-          </a:p>
-        </p:txBody>
-      </p:sp>
-      <p:cxnSp>
-        <p:nvCxnSpPr>
-          <p:cNvPr id="48" name="直线箭头连接符 47">
-            <a:extLst>
-              <a:ext uri="{FF2B5EF4-FFF2-40B4-BE49-F238E27FC236}">
-                <a16:creationId xmlns:a16="http://schemas.microsoft.com/office/drawing/2014/main" id="{40056881-D9CC-7745-9676-02ED92C693BE}"/>
-              </a:ext>
-            </a:extLst>
-          </p:cNvPr>
-          <p:cNvCxnSpPr>
-            <a:cxnSpLocks/>
-          </p:cNvCxnSpPr>
-          <p:nvPr/>
-        </p:nvCxnSpPr>
-        <p:spPr>
-          <a:xfrm flipV="1">
-            <a:off x="1026504" y="2916884"/>
-            <a:ext cx="0" cy="353568"/>
-          </a:xfrm>
-          <a:prstGeom prst="straightConnector1">
-            <a:avLst/>
-          </a:prstGeom>
-          <a:ln>
-            <a:tailEnd type="triangle"/>
-          </a:ln>
-        </p:spPr>
-        <p:style>
-          <a:lnRef idx="1">
-            <a:schemeClr val="accent1"/>
-          </a:lnRef>
-          <a:fillRef idx="0">
-            <a:schemeClr val="accent1"/>
-          </a:fillRef>
-          <a:effectRef idx="0">
-            <a:schemeClr val="accent1"/>
-          </a:effectRef>
-          <a:fontRef idx="minor">
-            <a:schemeClr val="tx1"/>
-          </a:fontRef>
-        </p:style>
-      </p:cxnSp>
-      <p:sp>
-        <p:nvSpPr>
-          <p:cNvPr id="49" name="文本框 48">
-            <a:extLst>
-              <a:ext uri="{FF2B5EF4-FFF2-40B4-BE49-F238E27FC236}">
-                <a16:creationId xmlns:a16="http://schemas.microsoft.com/office/drawing/2014/main" id="{16FDE00C-F62A-2B4C-949C-688651A71AAD}"/>
-              </a:ext>
-            </a:extLst>
-          </p:cNvPr>
-          <p:cNvSpPr txBox="1"/>
-          <p:nvPr/>
-        </p:nvSpPr>
-        <p:spPr>
-          <a:xfrm>
-            <a:off x="668786" y="3486439"/>
-            <a:ext cx="678391" cy="369332"/>
-          </a:xfrm>
-          <a:prstGeom prst="rect">
-            <a:avLst/>
-          </a:prstGeom>
-          <a:noFill/>
-        </p:spPr>
-        <p:txBody>
-          <a:bodyPr wrap="none" rtlCol="0">
-            <a:spAutoFit/>
-          </a:bodyPr>
-          <a:lstStyle/>
-          <a:p>
-            <a:r>
-              <a:rPr kumimoji="1" lang="en-US" altLang="zh-CN" dirty="0"/>
-              <a:t>head</a:t>
-            </a:r>
-            <a:endParaRPr kumimoji="1" lang="zh-CN" altLang="en-US" dirty="0"/>
-          </a:p>
-        </p:txBody>
-      </p:sp>
-      <p:sp>
-        <p:nvSpPr>
-          <p:cNvPr id="50" name="圆角矩形 49">
-            <a:extLst>
-              <a:ext uri="{FF2B5EF4-FFF2-40B4-BE49-F238E27FC236}">
-                <a16:creationId xmlns:a16="http://schemas.microsoft.com/office/drawing/2014/main" id="{4E313451-A2B2-AA40-AAC3-6294F9132F0E}"/>
-              </a:ext>
-            </a:extLst>
-          </p:cNvPr>
-          <p:cNvSpPr/>
-          <p:nvPr/>
-        </p:nvSpPr>
-        <p:spPr>
-          <a:xfrm>
-            <a:off x="5914532" y="2417012"/>
-            <a:ext cx="609600" cy="499872"/>
-          </a:xfrm>
-          <a:prstGeom prst="roundRect">
-            <a:avLst/>
-          </a:prstGeom>
-        </p:spPr>
-        <p:style>
-          <a:lnRef idx="2">
-            <a:schemeClr val="accent6"/>
-          </a:lnRef>
-          <a:fillRef idx="1">
-            <a:schemeClr val="lt1"/>
-          </a:fillRef>
-          <a:effectRef idx="0">
-            <a:schemeClr val="accent6"/>
-          </a:effectRef>
-          <a:fontRef idx="minor">
-            <a:schemeClr val="dk1"/>
-          </a:fontRef>
-        </p:style>
-        <p:txBody>
-          <a:bodyPr rtlCol="0" anchor="ctr"/>
-          <a:lstStyle/>
-          <a:p>
-            <a:pPr algn="ctr"/>
-            <a:r>
-              <a:rPr kumimoji="1" lang="en-US" altLang="zh-CN" sz="2400" b="1" dirty="0"/>
-              <a:t>?</a:t>
-            </a:r>
-            <a:endParaRPr kumimoji="1" lang="zh-CN" altLang="en-US" sz="2400" b="1" dirty="0"/>
-          </a:p>
-        </p:txBody>
-      </p:sp>
-      <p:sp>
-        <p:nvSpPr>
-          <p:cNvPr id="51" name="圆角矩形 50">
-            <a:extLst>
-              <a:ext uri="{FF2B5EF4-FFF2-40B4-BE49-F238E27FC236}">
-                <a16:creationId xmlns:a16="http://schemas.microsoft.com/office/drawing/2014/main" id="{5801DD6C-0A66-E94D-A994-1F6C2ACD8C90}"/>
-              </a:ext>
-            </a:extLst>
-          </p:cNvPr>
-          <p:cNvSpPr/>
-          <p:nvPr/>
-        </p:nvSpPr>
-        <p:spPr>
-          <a:xfrm>
-            <a:off x="6524132" y="2417012"/>
-            <a:ext cx="609600" cy="499872"/>
-          </a:xfrm>
-          <a:prstGeom prst="roundRect">
-            <a:avLst/>
-          </a:prstGeom>
-        </p:spPr>
-        <p:style>
-          <a:lnRef idx="2">
-            <a:schemeClr val="accent6"/>
-          </a:lnRef>
-          <a:fillRef idx="1">
-            <a:schemeClr val="lt1"/>
-          </a:fillRef>
-          <a:effectRef idx="0">
-            <a:schemeClr val="accent6"/>
-          </a:effectRef>
-          <a:fontRef idx="minor">
-            <a:schemeClr val="dk1"/>
-          </a:fontRef>
-        </p:style>
-        <p:txBody>
-          <a:bodyPr rtlCol="0" anchor="ctr"/>
-          <a:lstStyle/>
-          <a:p>
-            <a:pPr algn="ctr"/>
-            <a:r>
-              <a:rPr kumimoji="1" lang="en-US" altLang="zh-CN" sz="2400" b="1" dirty="0"/>
-              <a:t>1</a:t>
-            </a:r>
-            <a:endParaRPr kumimoji="1" lang="zh-CN" altLang="en-US" sz="2400" b="1" dirty="0"/>
-          </a:p>
-        </p:txBody>
-      </p:sp>
-      <p:sp>
-        <p:nvSpPr>
-          <p:cNvPr id="52" name="圆角矩形 51">
-            <a:extLst>
-              <a:ext uri="{FF2B5EF4-FFF2-40B4-BE49-F238E27FC236}">
-                <a16:creationId xmlns:a16="http://schemas.microsoft.com/office/drawing/2014/main" id="{3A88F084-58E1-A94E-B94C-7799C41DA894}"/>
-              </a:ext>
-            </a:extLst>
-          </p:cNvPr>
-          <p:cNvSpPr/>
-          <p:nvPr/>
-        </p:nvSpPr>
-        <p:spPr>
-          <a:xfrm>
-            <a:off x="7133732" y="2417012"/>
-            <a:ext cx="609600" cy="499872"/>
-          </a:xfrm>
-          <a:prstGeom prst="roundRect">
-            <a:avLst/>
-          </a:prstGeom>
-        </p:spPr>
-        <p:style>
-          <a:lnRef idx="2">
-            <a:schemeClr val="accent6"/>
-          </a:lnRef>
-          <a:fillRef idx="1">
-            <a:schemeClr val="lt1"/>
-          </a:fillRef>
-          <a:effectRef idx="0">
-            <a:schemeClr val="accent6"/>
-          </a:effectRef>
-          <a:fontRef idx="minor">
-            <a:schemeClr val="dk1"/>
-          </a:fontRef>
-        </p:style>
-        <p:txBody>
-          <a:bodyPr rtlCol="0" anchor="ctr"/>
-          <a:lstStyle/>
-          <a:p>
-            <a:pPr algn="ctr"/>
-            <a:r>
-              <a:rPr kumimoji="1" lang="en-US" altLang="zh-CN" sz="2400" b="1" dirty="0"/>
-              <a:t>5</a:t>
-            </a:r>
-            <a:endParaRPr kumimoji="1" lang="zh-CN" altLang="en-US" sz="2400" b="1" dirty="0"/>
-          </a:p>
-        </p:txBody>
-      </p:sp>
-      <p:sp>
-        <p:nvSpPr>
-          <p:cNvPr id="53" name="圆角矩形 52">
-            <a:extLst>
-              <a:ext uri="{FF2B5EF4-FFF2-40B4-BE49-F238E27FC236}">
-                <a16:creationId xmlns:a16="http://schemas.microsoft.com/office/drawing/2014/main" id="{A3729F1A-3E12-344A-A11A-CF64C189C3FA}"/>
-              </a:ext>
-            </a:extLst>
-          </p:cNvPr>
-          <p:cNvSpPr/>
-          <p:nvPr/>
-        </p:nvSpPr>
-        <p:spPr>
-          <a:xfrm>
-            <a:off x="7743332" y="2417012"/>
-            <a:ext cx="609600" cy="499872"/>
-          </a:xfrm>
-          <a:prstGeom prst="roundRect">
-            <a:avLst/>
-          </a:prstGeom>
-        </p:spPr>
-        <p:style>
-          <a:lnRef idx="2">
-            <a:schemeClr val="accent6"/>
-          </a:lnRef>
-          <a:fillRef idx="1">
-            <a:schemeClr val="lt1"/>
-          </a:fillRef>
-          <a:effectRef idx="0">
-            <a:schemeClr val="accent6"/>
-          </a:effectRef>
-          <a:fontRef idx="minor">
-            <a:schemeClr val="dk1"/>
-          </a:fontRef>
-        </p:style>
-        <p:txBody>
-          <a:bodyPr rtlCol="0" anchor="ctr"/>
-          <a:lstStyle/>
-          <a:p>
-            <a:pPr algn="ctr"/>
-            <a:r>
-              <a:rPr kumimoji="1" lang="en-US" altLang="zh-CN" sz="2400" b="1" dirty="0"/>
-              <a:t>5</a:t>
-            </a:r>
-            <a:endParaRPr kumimoji="1" lang="zh-CN" altLang="en-US" sz="2400" b="1" dirty="0"/>
-          </a:p>
-        </p:txBody>
-      </p:sp>
-      <p:sp>
-        <p:nvSpPr>
-          <p:cNvPr id="54" name="圆角矩形 53">
-            <a:extLst>
-              <a:ext uri="{FF2B5EF4-FFF2-40B4-BE49-F238E27FC236}">
-                <a16:creationId xmlns:a16="http://schemas.microsoft.com/office/drawing/2014/main" id="{3CCC764E-C237-E44C-AF70-3E09A8E0803F}"/>
-              </a:ext>
-            </a:extLst>
-          </p:cNvPr>
-          <p:cNvSpPr/>
-          <p:nvPr/>
-        </p:nvSpPr>
-        <p:spPr>
-          <a:xfrm>
-            <a:off x="8352932" y="2417012"/>
-            <a:ext cx="609600" cy="499872"/>
-          </a:xfrm>
-          <a:prstGeom prst="roundRect">
-            <a:avLst/>
-          </a:prstGeom>
-        </p:spPr>
-        <p:style>
-          <a:lnRef idx="2">
-            <a:schemeClr val="accent6"/>
-          </a:lnRef>
-          <a:fillRef idx="1">
-            <a:schemeClr val="lt1"/>
-          </a:fillRef>
-          <a:effectRef idx="0">
-            <a:schemeClr val="accent6"/>
-          </a:effectRef>
-          <a:fontRef idx="minor">
-            <a:schemeClr val="dk1"/>
-          </a:fontRef>
-        </p:style>
-        <p:txBody>
-          <a:bodyPr rtlCol="0" anchor="ctr"/>
-          <a:lstStyle/>
-          <a:p>
-            <a:pPr algn="ctr"/>
-            <a:r>
-              <a:rPr kumimoji="1" lang="en-US" altLang="zh-CN" sz="2400" b="1" dirty="0"/>
-              <a:t>5</a:t>
-            </a:r>
-            <a:endParaRPr kumimoji="1" lang="zh-CN" altLang="en-US" sz="2400" b="1" dirty="0"/>
-          </a:p>
-        </p:txBody>
-      </p:sp>
-      <p:sp>
-        <p:nvSpPr>
-          <p:cNvPr id="55" name="圆角矩形 54">
-            <a:extLst>
-              <a:ext uri="{FF2B5EF4-FFF2-40B4-BE49-F238E27FC236}">
-                <a16:creationId xmlns:a16="http://schemas.microsoft.com/office/drawing/2014/main" id="{EBB17218-C919-7040-9FCF-5A6D80354239}"/>
-              </a:ext>
-            </a:extLst>
-          </p:cNvPr>
-          <p:cNvSpPr/>
-          <p:nvPr/>
-        </p:nvSpPr>
-        <p:spPr>
-          <a:xfrm>
-            <a:off x="8962532" y="2417012"/>
-            <a:ext cx="609600" cy="499872"/>
-          </a:xfrm>
-          <a:prstGeom prst="roundRect">
-            <a:avLst/>
-          </a:prstGeom>
-        </p:spPr>
-        <p:style>
-          <a:lnRef idx="2">
-            <a:schemeClr val="accent6"/>
-          </a:lnRef>
-          <a:fillRef idx="1">
-            <a:schemeClr val="lt1"/>
-          </a:fillRef>
-          <a:effectRef idx="0">
-            <a:schemeClr val="accent6"/>
-          </a:effectRef>
-          <a:fontRef idx="minor">
-            <a:schemeClr val="dk1"/>
-          </a:fontRef>
-        </p:style>
-        <p:txBody>
-          <a:bodyPr rtlCol="0" anchor="ctr"/>
-          <a:lstStyle/>
-          <a:p>
-            <a:pPr algn="ctr"/>
-            <a:r>
-              <a:rPr kumimoji="1" lang="en-US" altLang="zh-CN" sz="2400" b="1" dirty="0"/>
-              <a:t>6</a:t>
-            </a:r>
-            <a:endParaRPr kumimoji="1" lang="zh-CN" altLang="en-US" sz="2400" b="1" dirty="0"/>
-          </a:p>
-        </p:txBody>
-      </p:sp>
-      <p:sp>
-        <p:nvSpPr>
-          <p:cNvPr id="56" name="圆角矩形 55">
-            <a:extLst>
-              <a:ext uri="{FF2B5EF4-FFF2-40B4-BE49-F238E27FC236}">
-                <a16:creationId xmlns:a16="http://schemas.microsoft.com/office/drawing/2014/main" id="{5AE32E4F-7D58-3443-A106-87D8D296919D}"/>
-              </a:ext>
-            </a:extLst>
-          </p:cNvPr>
-          <p:cNvSpPr/>
-          <p:nvPr/>
-        </p:nvSpPr>
-        <p:spPr>
-          <a:xfrm>
-            <a:off x="9572132" y="2417012"/>
-            <a:ext cx="609600" cy="499872"/>
-          </a:xfrm>
-          <a:prstGeom prst="roundRect">
-            <a:avLst/>
-          </a:prstGeom>
-        </p:spPr>
-        <p:style>
-          <a:lnRef idx="2">
-            <a:schemeClr val="accent6"/>
-          </a:lnRef>
-          <a:fillRef idx="1">
-            <a:schemeClr val="lt1"/>
-          </a:fillRef>
-          <a:effectRef idx="0">
-            <a:schemeClr val="accent6"/>
-          </a:effectRef>
-          <a:fontRef idx="minor">
-            <a:schemeClr val="dk1"/>
-          </a:fontRef>
-        </p:style>
-        <p:txBody>
-          <a:bodyPr rtlCol="0" anchor="ctr"/>
-          <a:lstStyle/>
-          <a:p>
-            <a:pPr algn="ctr"/>
-            <a:r>
-              <a:rPr kumimoji="1" lang="en-US" altLang="zh-CN" sz="2400" b="1" dirty="0"/>
-              <a:t>7</a:t>
-            </a:r>
-            <a:endParaRPr kumimoji="1" lang="zh-CN" altLang="en-US" sz="2400" b="1" dirty="0"/>
-          </a:p>
-        </p:txBody>
-      </p:sp>
-      <p:sp>
-        <p:nvSpPr>
-          <p:cNvPr id="57" name="圆角矩形 56">
-            <a:extLst>
-              <a:ext uri="{FF2B5EF4-FFF2-40B4-BE49-F238E27FC236}">
-                <a16:creationId xmlns:a16="http://schemas.microsoft.com/office/drawing/2014/main" id="{F2CF07EF-CB66-3647-A0FF-D3E644EA3E27}"/>
-              </a:ext>
-            </a:extLst>
-          </p:cNvPr>
-          <p:cNvSpPr/>
-          <p:nvPr/>
-        </p:nvSpPr>
-        <p:spPr>
-          <a:xfrm>
-            <a:off x="10181732" y="2417012"/>
-            <a:ext cx="609600" cy="499872"/>
-          </a:xfrm>
-          <a:prstGeom prst="roundRect">
-            <a:avLst/>
-          </a:prstGeom>
-        </p:spPr>
-        <p:style>
-          <a:lnRef idx="2">
-            <a:schemeClr val="accent6"/>
-          </a:lnRef>
-          <a:fillRef idx="1">
-            <a:schemeClr val="lt1"/>
-          </a:fillRef>
-          <a:effectRef idx="0">
-            <a:schemeClr val="accent6"/>
-          </a:effectRef>
-          <a:fontRef idx="minor">
-            <a:schemeClr val="dk1"/>
-          </a:fontRef>
-        </p:style>
-        <p:txBody>
-          <a:bodyPr rtlCol="0" anchor="ctr"/>
-          <a:lstStyle/>
-          <a:p>
-            <a:pPr algn="ctr"/>
-            <a:r>
-              <a:rPr kumimoji="1" lang="en-US" altLang="zh-CN" sz="2400" b="1" dirty="0"/>
-              <a:t>8</a:t>
-            </a:r>
-            <a:endParaRPr kumimoji="1" lang="zh-CN" altLang="en-US" sz="2400" b="1" dirty="0"/>
-          </a:p>
-        </p:txBody>
-      </p:sp>
-      <p:cxnSp>
-        <p:nvCxnSpPr>
-          <p:cNvPr id="58" name="直线箭头连接符 57">
-            <a:extLst>
-              <a:ext uri="{FF2B5EF4-FFF2-40B4-BE49-F238E27FC236}">
-                <a16:creationId xmlns:a16="http://schemas.microsoft.com/office/drawing/2014/main" id="{BEC3B022-0C62-DD4F-BD26-B8BDFBC45EBE}"/>
-              </a:ext>
-            </a:extLst>
-          </p:cNvPr>
-          <p:cNvCxnSpPr>
-            <a:cxnSpLocks/>
-          </p:cNvCxnSpPr>
-          <p:nvPr/>
-        </p:nvCxnSpPr>
-        <p:spPr>
-          <a:xfrm flipV="1">
-            <a:off x="6841574" y="2945312"/>
-            <a:ext cx="0" cy="353568"/>
-          </a:xfrm>
-          <a:prstGeom prst="straightConnector1">
-            <a:avLst/>
-          </a:prstGeom>
-          <a:ln>
-            <a:tailEnd type="triangle"/>
-          </a:ln>
-        </p:spPr>
-        <p:style>
-          <a:lnRef idx="1">
-            <a:schemeClr val="accent1"/>
-          </a:lnRef>
-          <a:fillRef idx="0">
-            <a:schemeClr val="accent1"/>
-          </a:fillRef>
-          <a:effectRef idx="0">
-            <a:schemeClr val="accent1"/>
-          </a:effectRef>
-          <a:fontRef idx="minor">
-            <a:schemeClr val="tx1"/>
-          </a:fontRef>
-        </p:style>
-      </p:cxnSp>
-      <p:sp>
-        <p:nvSpPr>
-          <p:cNvPr id="59" name="文本框 58">
-            <a:extLst>
-              <a:ext uri="{FF2B5EF4-FFF2-40B4-BE49-F238E27FC236}">
-                <a16:creationId xmlns:a16="http://schemas.microsoft.com/office/drawing/2014/main" id="{464E3DFF-A169-9A4A-B644-7CF9E449DD6B}"/>
-              </a:ext>
-            </a:extLst>
-          </p:cNvPr>
-          <p:cNvSpPr txBox="1"/>
-          <p:nvPr/>
-        </p:nvSpPr>
-        <p:spPr>
-          <a:xfrm>
-            <a:off x="6608515" y="3301773"/>
-            <a:ext cx="514885" cy="369332"/>
-          </a:xfrm>
-          <a:prstGeom prst="rect">
-            <a:avLst/>
-          </a:prstGeom>
-          <a:noFill/>
-        </p:spPr>
-        <p:txBody>
-          <a:bodyPr wrap="none" rtlCol="0">
-            <a:spAutoFit/>
-          </a:bodyPr>
-          <a:lstStyle/>
-          <a:p>
-            <a:r>
-              <a:rPr kumimoji="1" lang="en-US" altLang="zh-CN" dirty="0"/>
-              <a:t>pre</a:t>
-            </a:r>
-            <a:endParaRPr kumimoji="1" lang="zh-CN" altLang="en-US" dirty="0"/>
-          </a:p>
-        </p:txBody>
-      </p:sp>
-      <p:cxnSp>
-        <p:nvCxnSpPr>
-          <p:cNvPr id="60" name="直线箭头连接符 59">
-            <a:extLst>
-              <a:ext uri="{FF2B5EF4-FFF2-40B4-BE49-F238E27FC236}">
-                <a16:creationId xmlns:a16="http://schemas.microsoft.com/office/drawing/2014/main" id="{9361037B-C068-6E43-84ED-41E6EFEF594E}"/>
-              </a:ext>
-            </a:extLst>
-          </p:cNvPr>
-          <p:cNvCxnSpPr>
-            <a:cxnSpLocks/>
-          </p:cNvCxnSpPr>
-          <p:nvPr/>
-        </p:nvCxnSpPr>
-        <p:spPr>
-          <a:xfrm flipV="1">
-            <a:off x="6606378" y="2966021"/>
-            <a:ext cx="0" cy="353568"/>
-          </a:xfrm>
-          <a:prstGeom prst="straightConnector1">
-            <a:avLst/>
-          </a:prstGeom>
-          <a:ln>
-            <a:tailEnd type="triangle"/>
-          </a:ln>
-        </p:spPr>
-        <p:style>
-          <a:lnRef idx="1">
-            <a:schemeClr val="accent1"/>
-          </a:lnRef>
-          <a:fillRef idx="0">
-            <a:schemeClr val="accent1"/>
-          </a:fillRef>
-          <a:effectRef idx="0">
-            <a:schemeClr val="accent1"/>
-          </a:effectRef>
-          <a:fontRef idx="minor">
-            <a:schemeClr val="tx1"/>
-          </a:fontRef>
-        </p:style>
-      </p:cxnSp>
-      <p:sp>
-        <p:nvSpPr>
-          <p:cNvPr id="61" name="文本框 60">
-            <a:extLst>
-              <a:ext uri="{FF2B5EF4-FFF2-40B4-BE49-F238E27FC236}">
-                <a16:creationId xmlns:a16="http://schemas.microsoft.com/office/drawing/2014/main" id="{74CD7246-22D3-5447-985A-6CD1AD8E5667}"/>
-              </a:ext>
-            </a:extLst>
-          </p:cNvPr>
-          <p:cNvSpPr txBox="1"/>
-          <p:nvPr/>
-        </p:nvSpPr>
-        <p:spPr>
-          <a:xfrm>
-            <a:off x="6137949" y="3475987"/>
-            <a:ext cx="678391" cy="369332"/>
-          </a:xfrm>
-          <a:prstGeom prst="rect">
-            <a:avLst/>
-          </a:prstGeom>
-          <a:noFill/>
-        </p:spPr>
-        <p:txBody>
-          <a:bodyPr wrap="none" rtlCol="0">
-            <a:spAutoFit/>
-          </a:bodyPr>
-          <a:lstStyle/>
-          <a:p>
-            <a:r>
-              <a:rPr kumimoji="1" lang="en-US" altLang="zh-CN" dirty="0"/>
-              <a:t>head</a:t>
-            </a:r>
-            <a:endParaRPr kumimoji="1" lang="zh-CN" altLang="en-US" dirty="0"/>
-          </a:p>
-        </p:txBody>
-      </p:sp>
-      <p:cxnSp>
-        <p:nvCxnSpPr>
-          <p:cNvPr id="62" name="直线箭头连接符 61">
-            <a:extLst>
-              <a:ext uri="{FF2B5EF4-FFF2-40B4-BE49-F238E27FC236}">
-                <a16:creationId xmlns:a16="http://schemas.microsoft.com/office/drawing/2014/main" id="{86FE10D1-7634-1045-8F56-83082CA85B32}"/>
-              </a:ext>
-            </a:extLst>
-          </p:cNvPr>
-          <p:cNvCxnSpPr>
-            <a:cxnSpLocks/>
-          </p:cNvCxnSpPr>
-          <p:nvPr/>
-        </p:nvCxnSpPr>
-        <p:spPr>
-          <a:xfrm flipV="1">
-            <a:off x="1130264" y="1121664"/>
-            <a:ext cx="0" cy="353568"/>
-          </a:xfrm>
-          <a:prstGeom prst="straightConnector1">
-            <a:avLst/>
-          </a:prstGeom>
-          <a:ln>
-            <a:tailEnd type="triangle"/>
-          </a:ln>
-        </p:spPr>
-        <p:style>
-          <a:lnRef idx="1">
-            <a:schemeClr val="accent1"/>
-          </a:lnRef>
-          <a:fillRef idx="0">
-            <a:schemeClr val="accent1"/>
-          </a:fillRef>
-          <a:effectRef idx="0">
-            <a:schemeClr val="accent1"/>
-          </a:effectRef>
-          <a:fontRef idx="minor">
-            <a:schemeClr val="tx1"/>
-          </a:fontRef>
-        </p:style>
-      </p:cxnSp>
-      <p:sp>
-        <p:nvSpPr>
-          <p:cNvPr id="63" name="文本框 62">
-            <a:extLst>
-              <a:ext uri="{FF2B5EF4-FFF2-40B4-BE49-F238E27FC236}">
-                <a16:creationId xmlns:a16="http://schemas.microsoft.com/office/drawing/2014/main" id="{11931C4C-A310-494D-89E4-F2B9798FA0A2}"/>
-              </a:ext>
-            </a:extLst>
-          </p:cNvPr>
-          <p:cNvSpPr txBox="1"/>
-          <p:nvPr/>
-        </p:nvSpPr>
-        <p:spPr>
-          <a:xfrm>
-            <a:off x="883241" y="1482142"/>
-            <a:ext cx="494046" cy="369332"/>
-          </a:xfrm>
-          <a:prstGeom prst="rect">
-            <a:avLst/>
-          </a:prstGeom>
-          <a:noFill/>
-        </p:spPr>
-        <p:txBody>
-          <a:bodyPr wrap="none" rtlCol="0">
-            <a:spAutoFit/>
-          </a:bodyPr>
-          <a:lstStyle/>
-          <a:p>
-            <a:r>
-              <a:rPr kumimoji="1" lang="en-US" altLang="zh-CN" dirty="0"/>
-              <a:t>cur</a:t>
-            </a:r>
-            <a:endParaRPr kumimoji="1" lang="zh-CN" altLang="en-US" dirty="0"/>
-          </a:p>
-        </p:txBody>
-      </p:sp>
-      <p:cxnSp>
-        <p:nvCxnSpPr>
-          <p:cNvPr id="64" name="直线箭头连接符 63">
-            <a:extLst>
-              <a:ext uri="{FF2B5EF4-FFF2-40B4-BE49-F238E27FC236}">
-                <a16:creationId xmlns:a16="http://schemas.microsoft.com/office/drawing/2014/main" id="{92EDCBCA-5670-6741-9FE9-8EC56DEED26D}"/>
-              </a:ext>
-            </a:extLst>
-          </p:cNvPr>
-          <p:cNvCxnSpPr>
-            <a:cxnSpLocks/>
-          </p:cNvCxnSpPr>
-          <p:nvPr/>
-        </p:nvCxnSpPr>
-        <p:spPr>
-          <a:xfrm flipV="1">
-            <a:off x="9325109" y="1128099"/>
-            <a:ext cx="0" cy="353568"/>
-          </a:xfrm>
-          <a:prstGeom prst="straightConnector1">
-            <a:avLst/>
-          </a:prstGeom>
-          <a:ln>
-            <a:tailEnd type="triangle"/>
-          </a:ln>
-        </p:spPr>
-        <p:style>
-          <a:lnRef idx="1">
-            <a:schemeClr val="accent1"/>
-          </a:lnRef>
-          <a:fillRef idx="0">
-            <a:schemeClr val="accent1"/>
-          </a:fillRef>
-          <a:effectRef idx="0">
-            <a:schemeClr val="accent1"/>
-          </a:effectRef>
-          <a:fontRef idx="minor">
-            <a:schemeClr val="tx1"/>
-          </a:fontRef>
-        </p:style>
-      </p:cxnSp>
-      <p:sp>
-        <p:nvSpPr>
-          <p:cNvPr id="65" name="文本框 64">
-            <a:extLst>
-              <a:ext uri="{FF2B5EF4-FFF2-40B4-BE49-F238E27FC236}">
-                <a16:creationId xmlns:a16="http://schemas.microsoft.com/office/drawing/2014/main" id="{6387A99D-8710-EE41-BD64-41D104DA1C39}"/>
-              </a:ext>
-            </a:extLst>
-          </p:cNvPr>
-          <p:cNvSpPr txBox="1"/>
-          <p:nvPr/>
-        </p:nvSpPr>
-        <p:spPr>
-          <a:xfrm>
-            <a:off x="9078086" y="1488577"/>
-            <a:ext cx="494046" cy="369332"/>
-          </a:xfrm>
-          <a:prstGeom prst="rect">
-            <a:avLst/>
-          </a:prstGeom>
-          <a:noFill/>
-        </p:spPr>
-        <p:txBody>
-          <a:bodyPr wrap="none" rtlCol="0">
-            <a:spAutoFit/>
-          </a:bodyPr>
-          <a:lstStyle/>
-          <a:p>
-            <a:r>
-              <a:rPr kumimoji="1" lang="en-US" altLang="zh-CN" dirty="0"/>
-              <a:t>cur</a:t>
-            </a:r>
-            <a:endParaRPr kumimoji="1" lang="zh-CN" altLang="en-US" dirty="0"/>
-          </a:p>
-        </p:txBody>
-      </p:sp>
-      <p:cxnSp>
-        <p:nvCxnSpPr>
-          <p:cNvPr id="66" name="直线箭头连接符 65">
-            <a:extLst>
-              <a:ext uri="{FF2B5EF4-FFF2-40B4-BE49-F238E27FC236}">
-                <a16:creationId xmlns:a16="http://schemas.microsoft.com/office/drawing/2014/main" id="{877B5F65-EFFD-504E-B61F-BC39B7620338}"/>
-              </a:ext>
-            </a:extLst>
-          </p:cNvPr>
-          <p:cNvCxnSpPr>
-            <a:cxnSpLocks/>
-          </p:cNvCxnSpPr>
-          <p:nvPr/>
-        </p:nvCxnSpPr>
-        <p:spPr>
-          <a:xfrm flipV="1">
-            <a:off x="1255005" y="2909974"/>
-            <a:ext cx="0" cy="353568"/>
-          </a:xfrm>
-          <a:prstGeom prst="straightConnector1">
-            <a:avLst/>
-          </a:prstGeom>
-          <a:ln>
-            <a:tailEnd type="triangle"/>
-          </a:ln>
-        </p:spPr>
-        <p:style>
-          <a:lnRef idx="1">
-            <a:schemeClr val="accent1"/>
-          </a:lnRef>
-          <a:fillRef idx="0">
-            <a:schemeClr val="accent1"/>
-          </a:fillRef>
-          <a:effectRef idx="0">
-            <a:schemeClr val="accent1"/>
-          </a:effectRef>
-          <a:fontRef idx="minor">
-            <a:schemeClr val="tx1"/>
-          </a:fontRef>
-        </p:style>
-      </p:cxnSp>
-      <p:sp>
-        <p:nvSpPr>
-          <p:cNvPr id="67" name="文本框 66">
-            <a:extLst>
-              <a:ext uri="{FF2B5EF4-FFF2-40B4-BE49-F238E27FC236}">
-                <a16:creationId xmlns:a16="http://schemas.microsoft.com/office/drawing/2014/main" id="{153D67E5-7B09-4249-A0F0-A03DBCAF6F57}"/>
-              </a:ext>
-            </a:extLst>
-          </p:cNvPr>
-          <p:cNvSpPr txBox="1"/>
-          <p:nvPr/>
-        </p:nvSpPr>
-        <p:spPr>
-          <a:xfrm>
-            <a:off x="1007982" y="3270452"/>
-            <a:ext cx="494046" cy="369332"/>
-          </a:xfrm>
-          <a:prstGeom prst="rect">
-            <a:avLst/>
-          </a:prstGeom>
-          <a:noFill/>
-        </p:spPr>
-        <p:txBody>
-          <a:bodyPr wrap="none" rtlCol="0">
-            <a:spAutoFit/>
-          </a:bodyPr>
-          <a:lstStyle/>
-          <a:p>
-            <a:r>
-              <a:rPr kumimoji="1" lang="en-US" altLang="zh-CN" dirty="0"/>
-              <a:t>cur</a:t>
-            </a:r>
-            <a:endParaRPr kumimoji="1" lang="zh-CN" altLang="en-US" dirty="0"/>
-          </a:p>
-        </p:txBody>
-      </p:sp>
-      <p:cxnSp>
-        <p:nvCxnSpPr>
-          <p:cNvPr id="68" name="直线箭头连接符 67">
-            <a:extLst>
-              <a:ext uri="{FF2B5EF4-FFF2-40B4-BE49-F238E27FC236}">
-                <a16:creationId xmlns:a16="http://schemas.microsoft.com/office/drawing/2014/main" id="{1E4FC5B9-8486-274E-9DD5-946A550F4063}"/>
-              </a:ext>
-            </a:extLst>
-          </p:cNvPr>
-          <p:cNvCxnSpPr>
-            <a:cxnSpLocks/>
-          </p:cNvCxnSpPr>
-          <p:nvPr/>
-        </p:nvCxnSpPr>
-        <p:spPr>
-          <a:xfrm flipV="1">
-            <a:off x="7380755" y="2924662"/>
-            <a:ext cx="0" cy="353568"/>
-          </a:xfrm>
-          <a:prstGeom prst="straightConnector1">
-            <a:avLst/>
-          </a:prstGeom>
-          <a:ln>
-            <a:tailEnd type="triangle"/>
-          </a:ln>
-        </p:spPr>
-        <p:style>
-          <a:lnRef idx="1">
-            <a:schemeClr val="accent1"/>
-          </a:lnRef>
-          <a:fillRef idx="0">
-            <a:schemeClr val="accent1"/>
-          </a:fillRef>
-          <a:effectRef idx="0">
-            <a:schemeClr val="accent1"/>
-          </a:effectRef>
-          <a:fontRef idx="minor">
-            <a:schemeClr val="tx1"/>
-          </a:fontRef>
-        </p:style>
-      </p:cxnSp>
-      <p:sp>
-        <p:nvSpPr>
-          <p:cNvPr id="69" name="文本框 68">
-            <a:extLst>
-              <a:ext uri="{FF2B5EF4-FFF2-40B4-BE49-F238E27FC236}">
-                <a16:creationId xmlns:a16="http://schemas.microsoft.com/office/drawing/2014/main" id="{843A2B37-EAFB-5341-99D2-9A422A6B6A1F}"/>
-              </a:ext>
-            </a:extLst>
-          </p:cNvPr>
-          <p:cNvSpPr txBox="1"/>
-          <p:nvPr/>
-        </p:nvSpPr>
-        <p:spPr>
-          <a:xfrm>
-            <a:off x="7133732" y="3285140"/>
-            <a:ext cx="494046" cy="369332"/>
-          </a:xfrm>
-          <a:prstGeom prst="rect">
-            <a:avLst/>
-          </a:prstGeom>
-          <a:noFill/>
-        </p:spPr>
-        <p:txBody>
-          <a:bodyPr wrap="none" rtlCol="0">
-            <a:spAutoFit/>
-          </a:bodyPr>
-          <a:lstStyle/>
-          <a:p>
-            <a:r>
-              <a:rPr kumimoji="1" lang="en-US" altLang="zh-CN" dirty="0"/>
-              <a:t>cur</a:t>
-            </a:r>
-            <a:endParaRPr kumimoji="1" lang="zh-CN" altLang="en-US" dirty="0"/>
-          </a:p>
-        </p:txBody>
-      </p:sp>
-      <p:cxnSp>
-        <p:nvCxnSpPr>
-          <p:cNvPr id="3" name="直线连接符 2">
-            <a:extLst>
-              <a:ext uri="{FF2B5EF4-FFF2-40B4-BE49-F238E27FC236}">
-                <a16:creationId xmlns:a16="http://schemas.microsoft.com/office/drawing/2014/main" id="{DD0C55DD-36A9-8849-A0FF-875E6F392437}"/>
-              </a:ext>
-            </a:extLst>
-          </p:cNvPr>
-          <p:cNvCxnSpPr/>
-          <p:nvPr/>
-        </p:nvCxnSpPr>
-        <p:spPr>
-          <a:xfrm>
-            <a:off x="134112" y="2159770"/>
-            <a:ext cx="12057888" cy="0"/>
-          </a:xfrm>
-          <a:prstGeom prst="line">
-            <a:avLst/>
-          </a:prstGeom>
-        </p:spPr>
-        <p:style>
-          <a:lnRef idx="1">
-            <a:schemeClr val="accent1"/>
-          </a:lnRef>
-          <a:fillRef idx="0">
-            <a:schemeClr val="accent1"/>
-          </a:fillRef>
-          <a:effectRef idx="0">
-            <a:schemeClr val="accent1"/>
-          </a:effectRef>
-          <a:fontRef idx="minor">
-            <a:schemeClr val="tx1"/>
-          </a:fontRef>
-        </p:style>
-      </p:cxnSp>
-      <p:sp>
-        <p:nvSpPr>
-          <p:cNvPr id="70" name="圆角矩形 69">
-            <a:extLst>
-              <a:ext uri="{FF2B5EF4-FFF2-40B4-BE49-F238E27FC236}">
-                <a16:creationId xmlns:a16="http://schemas.microsoft.com/office/drawing/2014/main" id="{7C55778B-743B-5247-A703-A6FCC28F5122}"/>
-              </a:ext>
-            </a:extLst>
-          </p:cNvPr>
-          <p:cNvSpPr/>
-          <p:nvPr/>
-        </p:nvSpPr>
-        <p:spPr>
-          <a:xfrm>
-            <a:off x="86754" y="4068865"/>
-            <a:ext cx="609600" cy="499872"/>
-          </a:xfrm>
-          <a:prstGeom prst="roundRect">
-            <a:avLst/>
-          </a:prstGeom>
-        </p:spPr>
-        <p:style>
-          <a:lnRef idx="2">
-            <a:schemeClr val="accent6"/>
-          </a:lnRef>
-          <a:fillRef idx="1">
-            <a:schemeClr val="lt1"/>
-          </a:fillRef>
-          <a:effectRef idx="0">
-            <a:schemeClr val="accent6"/>
-          </a:effectRef>
-          <a:fontRef idx="minor">
-            <a:schemeClr val="dk1"/>
-          </a:fontRef>
-        </p:style>
-        <p:txBody>
-          <a:bodyPr rtlCol="0" anchor="ctr"/>
-          <a:lstStyle/>
-          <a:p>
-            <a:pPr algn="ctr"/>
-            <a:r>
-              <a:rPr kumimoji="1" lang="en-US" altLang="zh-CN" sz="2400" b="1" dirty="0"/>
-              <a:t>?</a:t>
-            </a:r>
-            <a:endParaRPr kumimoji="1" lang="zh-CN" altLang="en-US" sz="2400" b="1" dirty="0"/>
-          </a:p>
-        </p:txBody>
-      </p:sp>
-      <p:sp>
-        <p:nvSpPr>
-          <p:cNvPr id="71" name="圆角矩形 70">
-            <a:extLst>
-              <a:ext uri="{FF2B5EF4-FFF2-40B4-BE49-F238E27FC236}">
-                <a16:creationId xmlns:a16="http://schemas.microsoft.com/office/drawing/2014/main" id="{BA539E9E-CE49-F44B-82D6-32A5E7D7B69C}"/>
-              </a:ext>
-            </a:extLst>
-          </p:cNvPr>
-          <p:cNvSpPr/>
-          <p:nvPr/>
-        </p:nvSpPr>
-        <p:spPr>
-          <a:xfrm>
-            <a:off x="696354" y="4068865"/>
-            <a:ext cx="609600" cy="499872"/>
-          </a:xfrm>
-          <a:prstGeom prst="roundRect">
-            <a:avLst/>
-          </a:prstGeom>
-        </p:spPr>
-        <p:style>
-          <a:lnRef idx="2">
-            <a:schemeClr val="accent6"/>
-          </a:lnRef>
-          <a:fillRef idx="1">
-            <a:schemeClr val="lt1"/>
-          </a:fillRef>
-          <a:effectRef idx="0">
-            <a:schemeClr val="accent6"/>
-          </a:effectRef>
-          <a:fontRef idx="minor">
-            <a:schemeClr val="dk1"/>
-          </a:fontRef>
-        </p:style>
-        <p:txBody>
-          <a:bodyPr rtlCol="0" anchor="ctr"/>
-          <a:lstStyle/>
-          <a:p>
-            <a:pPr algn="ctr"/>
-            <a:r>
-              <a:rPr kumimoji="1" lang="en-US" altLang="zh-CN" sz="2400" b="1" dirty="0"/>
-              <a:t>1</a:t>
-            </a:r>
-            <a:endParaRPr kumimoji="1" lang="zh-CN" altLang="en-US" sz="2400" b="1" dirty="0"/>
-          </a:p>
-        </p:txBody>
-      </p:sp>
-      <p:sp>
-        <p:nvSpPr>
-          <p:cNvPr id="72" name="圆角矩形 71">
-            <a:extLst>
-              <a:ext uri="{FF2B5EF4-FFF2-40B4-BE49-F238E27FC236}">
-                <a16:creationId xmlns:a16="http://schemas.microsoft.com/office/drawing/2014/main" id="{7734001E-8BDB-914C-BC81-A5CB200F3499}"/>
-              </a:ext>
-            </a:extLst>
-          </p:cNvPr>
-          <p:cNvSpPr/>
-          <p:nvPr/>
-        </p:nvSpPr>
-        <p:spPr>
-          <a:xfrm>
-            <a:off x="1305954" y="4068865"/>
-            <a:ext cx="609600" cy="499872"/>
-          </a:xfrm>
-          <a:prstGeom prst="roundRect">
-            <a:avLst/>
-          </a:prstGeom>
-        </p:spPr>
-        <p:style>
-          <a:lnRef idx="2">
-            <a:schemeClr val="accent6"/>
-          </a:lnRef>
-          <a:fillRef idx="1">
-            <a:schemeClr val="lt1"/>
-          </a:fillRef>
-          <a:effectRef idx="0">
-            <a:schemeClr val="accent6"/>
-          </a:effectRef>
-          <a:fontRef idx="minor">
-            <a:schemeClr val="dk1"/>
-          </a:fontRef>
-        </p:style>
-        <p:txBody>
-          <a:bodyPr rtlCol="0" anchor="ctr"/>
-          <a:lstStyle/>
-          <a:p>
-            <a:pPr algn="ctr"/>
-            <a:r>
-              <a:rPr kumimoji="1" lang="en-US" altLang="zh-CN" sz="2400" b="1" dirty="0"/>
-              <a:t>5</a:t>
-            </a:r>
-            <a:endParaRPr kumimoji="1" lang="zh-CN" altLang="en-US" sz="2400" b="1" dirty="0"/>
-          </a:p>
-        </p:txBody>
-      </p:sp>
-      <p:sp>
-        <p:nvSpPr>
-          <p:cNvPr id="73" name="圆角矩形 72">
-            <a:extLst>
-              <a:ext uri="{FF2B5EF4-FFF2-40B4-BE49-F238E27FC236}">
-                <a16:creationId xmlns:a16="http://schemas.microsoft.com/office/drawing/2014/main" id="{133B109B-FD92-8C41-B3BC-1D67D145D1B2}"/>
-              </a:ext>
-            </a:extLst>
-          </p:cNvPr>
-          <p:cNvSpPr/>
-          <p:nvPr/>
-        </p:nvSpPr>
-        <p:spPr>
-          <a:xfrm>
-            <a:off x="1915554" y="4068865"/>
-            <a:ext cx="609600" cy="499872"/>
-          </a:xfrm>
-          <a:prstGeom prst="roundRect">
-            <a:avLst/>
-          </a:prstGeom>
-        </p:spPr>
-        <p:style>
-          <a:lnRef idx="2">
-            <a:schemeClr val="accent6"/>
-          </a:lnRef>
-          <a:fillRef idx="1">
-            <a:schemeClr val="lt1"/>
-          </a:fillRef>
-          <a:effectRef idx="0">
-            <a:schemeClr val="accent6"/>
-          </a:effectRef>
-          <a:fontRef idx="minor">
-            <a:schemeClr val="dk1"/>
-          </a:fontRef>
-        </p:style>
-        <p:txBody>
-          <a:bodyPr rtlCol="0" anchor="ctr"/>
-          <a:lstStyle/>
-          <a:p>
-            <a:pPr algn="ctr"/>
-            <a:r>
-              <a:rPr kumimoji="1" lang="en-US" altLang="zh-CN" sz="2400" b="1" dirty="0"/>
-              <a:t>5</a:t>
-            </a:r>
-            <a:endParaRPr kumimoji="1" lang="zh-CN" altLang="en-US" sz="2400" b="1" dirty="0"/>
-          </a:p>
-        </p:txBody>
-      </p:sp>
-      <p:sp>
-        <p:nvSpPr>
-          <p:cNvPr id="74" name="圆角矩形 73">
-            <a:extLst>
-              <a:ext uri="{FF2B5EF4-FFF2-40B4-BE49-F238E27FC236}">
-                <a16:creationId xmlns:a16="http://schemas.microsoft.com/office/drawing/2014/main" id="{D6575BF6-E064-EE44-B743-E1E20DD9F8F1}"/>
-              </a:ext>
-            </a:extLst>
-          </p:cNvPr>
-          <p:cNvSpPr/>
-          <p:nvPr/>
-        </p:nvSpPr>
-        <p:spPr>
-          <a:xfrm>
-            <a:off x="2525154" y="4068865"/>
-            <a:ext cx="609600" cy="499872"/>
-          </a:xfrm>
-          <a:prstGeom prst="roundRect">
-            <a:avLst/>
-          </a:prstGeom>
-        </p:spPr>
-        <p:style>
-          <a:lnRef idx="2">
-            <a:schemeClr val="accent6"/>
-          </a:lnRef>
-          <a:fillRef idx="1">
-            <a:schemeClr val="lt1"/>
-          </a:fillRef>
-          <a:effectRef idx="0">
-            <a:schemeClr val="accent6"/>
-          </a:effectRef>
-          <a:fontRef idx="minor">
-            <a:schemeClr val="dk1"/>
-          </a:fontRef>
-        </p:style>
-        <p:txBody>
-          <a:bodyPr rtlCol="0" anchor="ctr"/>
-          <a:lstStyle/>
-          <a:p>
-            <a:pPr algn="ctr"/>
-            <a:r>
-              <a:rPr kumimoji="1" lang="en-US" altLang="zh-CN" sz="2400" b="1" dirty="0"/>
-              <a:t>5</a:t>
-            </a:r>
-            <a:endParaRPr kumimoji="1" lang="zh-CN" altLang="en-US" sz="2400" b="1" dirty="0"/>
-          </a:p>
-        </p:txBody>
-      </p:sp>
-      <p:sp>
-        <p:nvSpPr>
-          <p:cNvPr id="75" name="圆角矩形 74">
-            <a:extLst>
-              <a:ext uri="{FF2B5EF4-FFF2-40B4-BE49-F238E27FC236}">
-                <a16:creationId xmlns:a16="http://schemas.microsoft.com/office/drawing/2014/main" id="{1CF0BA43-3A7B-A045-AD4C-0276D6E0142A}"/>
-              </a:ext>
-            </a:extLst>
-          </p:cNvPr>
-          <p:cNvSpPr/>
-          <p:nvPr/>
-        </p:nvSpPr>
-        <p:spPr>
-          <a:xfrm>
-            <a:off x="3134754" y="4068865"/>
-            <a:ext cx="609600" cy="499872"/>
-          </a:xfrm>
-          <a:prstGeom prst="roundRect">
-            <a:avLst/>
-          </a:prstGeom>
-        </p:spPr>
-        <p:style>
-          <a:lnRef idx="2">
-            <a:schemeClr val="accent6"/>
-          </a:lnRef>
-          <a:fillRef idx="1">
-            <a:schemeClr val="lt1"/>
-          </a:fillRef>
-          <a:effectRef idx="0">
-            <a:schemeClr val="accent6"/>
-          </a:effectRef>
-          <a:fontRef idx="minor">
-            <a:schemeClr val="dk1"/>
-          </a:fontRef>
-        </p:style>
-        <p:txBody>
-          <a:bodyPr rtlCol="0" anchor="ctr"/>
-          <a:lstStyle/>
-          <a:p>
-            <a:pPr algn="ctr"/>
-            <a:r>
-              <a:rPr kumimoji="1" lang="en-US" altLang="zh-CN" sz="2400" b="1" dirty="0"/>
-              <a:t>6</a:t>
-            </a:r>
-            <a:endParaRPr kumimoji="1" lang="zh-CN" altLang="en-US" sz="2400" b="1" dirty="0"/>
-          </a:p>
-        </p:txBody>
-      </p:sp>
-      <p:sp>
-        <p:nvSpPr>
-          <p:cNvPr id="76" name="圆角矩形 75">
-            <a:extLst>
-              <a:ext uri="{FF2B5EF4-FFF2-40B4-BE49-F238E27FC236}">
-                <a16:creationId xmlns:a16="http://schemas.microsoft.com/office/drawing/2014/main" id="{B80D725E-B14F-9C48-98F4-CCEA8CB9F3DA}"/>
-              </a:ext>
-            </a:extLst>
-          </p:cNvPr>
-          <p:cNvSpPr/>
-          <p:nvPr/>
-        </p:nvSpPr>
-        <p:spPr>
-          <a:xfrm>
-            <a:off x="3744354" y="4068865"/>
-            <a:ext cx="609600" cy="499872"/>
-          </a:xfrm>
-          <a:prstGeom prst="roundRect">
-            <a:avLst/>
-          </a:prstGeom>
-        </p:spPr>
-        <p:style>
-          <a:lnRef idx="2">
-            <a:schemeClr val="accent6"/>
-          </a:lnRef>
-          <a:fillRef idx="1">
-            <a:schemeClr val="lt1"/>
-          </a:fillRef>
-          <a:effectRef idx="0">
-            <a:schemeClr val="accent6"/>
-          </a:effectRef>
-          <a:fontRef idx="minor">
-            <a:schemeClr val="dk1"/>
-          </a:fontRef>
-        </p:style>
-        <p:txBody>
-          <a:bodyPr rtlCol="0" anchor="ctr"/>
-          <a:lstStyle/>
-          <a:p>
-            <a:pPr algn="ctr"/>
-            <a:r>
-              <a:rPr kumimoji="1" lang="en-US" altLang="zh-CN" sz="2400" b="1" dirty="0"/>
-              <a:t>7</a:t>
-            </a:r>
-            <a:endParaRPr kumimoji="1" lang="zh-CN" altLang="en-US" sz="2400" b="1" dirty="0"/>
-          </a:p>
-        </p:txBody>
-      </p:sp>
-      <p:sp>
-        <p:nvSpPr>
-          <p:cNvPr id="77" name="圆角矩形 76">
-            <a:extLst>
-              <a:ext uri="{FF2B5EF4-FFF2-40B4-BE49-F238E27FC236}">
-                <a16:creationId xmlns:a16="http://schemas.microsoft.com/office/drawing/2014/main" id="{A1A8CB2C-C9EA-B242-8F30-EB436D18D90D}"/>
-              </a:ext>
-            </a:extLst>
-          </p:cNvPr>
-          <p:cNvSpPr/>
-          <p:nvPr/>
-        </p:nvSpPr>
-        <p:spPr>
-          <a:xfrm>
-            <a:off x="4353954" y="4068865"/>
-            <a:ext cx="609600" cy="499872"/>
-          </a:xfrm>
-          <a:prstGeom prst="roundRect">
-            <a:avLst/>
-          </a:prstGeom>
-        </p:spPr>
-        <p:style>
-          <a:lnRef idx="2">
-            <a:schemeClr val="accent6"/>
-          </a:lnRef>
-          <a:fillRef idx="1">
-            <a:schemeClr val="lt1"/>
-          </a:fillRef>
-          <a:effectRef idx="0">
-            <a:schemeClr val="accent6"/>
-          </a:effectRef>
-          <a:fontRef idx="minor">
-            <a:schemeClr val="dk1"/>
-          </a:fontRef>
-        </p:style>
-        <p:txBody>
-          <a:bodyPr rtlCol="0" anchor="ctr"/>
-          <a:lstStyle/>
-          <a:p>
-            <a:pPr algn="ctr"/>
-            <a:r>
-              <a:rPr kumimoji="1" lang="en-US" altLang="zh-CN" sz="2400" b="1" dirty="0"/>
-              <a:t>8</a:t>
-            </a:r>
-            <a:endParaRPr kumimoji="1" lang="zh-CN" altLang="en-US" sz="2400" b="1" dirty="0"/>
-          </a:p>
-        </p:txBody>
-      </p:sp>
-      <p:cxnSp>
-        <p:nvCxnSpPr>
-          <p:cNvPr id="78" name="直线箭头连接符 77">
-            <a:extLst>
-              <a:ext uri="{FF2B5EF4-FFF2-40B4-BE49-F238E27FC236}">
-                <a16:creationId xmlns:a16="http://schemas.microsoft.com/office/drawing/2014/main" id="{13BAB4C9-7A41-8640-9ABA-6E033F76CBB9}"/>
-              </a:ext>
-            </a:extLst>
-          </p:cNvPr>
-          <p:cNvCxnSpPr>
-            <a:cxnSpLocks/>
-          </p:cNvCxnSpPr>
-          <p:nvPr/>
-        </p:nvCxnSpPr>
-        <p:spPr>
-          <a:xfrm flipV="1">
-            <a:off x="1013796" y="4597165"/>
-            <a:ext cx="0" cy="353568"/>
-          </a:xfrm>
-          <a:prstGeom prst="straightConnector1">
-            <a:avLst/>
-          </a:prstGeom>
-          <a:ln>
-            <a:tailEnd type="triangle"/>
-          </a:ln>
-        </p:spPr>
-        <p:style>
-          <a:lnRef idx="1">
-            <a:schemeClr val="accent1"/>
-          </a:lnRef>
-          <a:fillRef idx="0">
-            <a:schemeClr val="accent1"/>
-          </a:fillRef>
-          <a:effectRef idx="0">
-            <a:schemeClr val="accent1"/>
-          </a:effectRef>
-          <a:fontRef idx="minor">
-            <a:schemeClr val="tx1"/>
-          </a:fontRef>
-        </p:style>
-      </p:cxnSp>
-      <p:sp>
-        <p:nvSpPr>
-          <p:cNvPr id="79" name="文本框 78">
-            <a:extLst>
-              <a:ext uri="{FF2B5EF4-FFF2-40B4-BE49-F238E27FC236}">
-                <a16:creationId xmlns:a16="http://schemas.microsoft.com/office/drawing/2014/main" id="{0C08C153-30FB-A648-9463-8F64872AB1A9}"/>
-              </a:ext>
-            </a:extLst>
-          </p:cNvPr>
-          <p:cNvSpPr txBox="1"/>
-          <p:nvPr/>
-        </p:nvSpPr>
-        <p:spPr>
-          <a:xfrm>
-            <a:off x="780737" y="4953626"/>
-            <a:ext cx="514885" cy="369332"/>
-          </a:xfrm>
-          <a:prstGeom prst="rect">
-            <a:avLst/>
-          </a:prstGeom>
-          <a:noFill/>
-        </p:spPr>
-        <p:txBody>
-          <a:bodyPr wrap="none" rtlCol="0">
-            <a:spAutoFit/>
-          </a:bodyPr>
-          <a:lstStyle/>
-          <a:p>
-            <a:r>
-              <a:rPr kumimoji="1" lang="en-US" altLang="zh-CN" dirty="0"/>
-              <a:t>pre</a:t>
-            </a:r>
-            <a:endParaRPr kumimoji="1" lang="zh-CN" altLang="en-US" dirty="0"/>
-          </a:p>
-        </p:txBody>
-      </p:sp>
-      <p:cxnSp>
-        <p:nvCxnSpPr>
-          <p:cNvPr id="80" name="直线箭头连接符 79">
-            <a:extLst>
-              <a:ext uri="{FF2B5EF4-FFF2-40B4-BE49-F238E27FC236}">
-                <a16:creationId xmlns:a16="http://schemas.microsoft.com/office/drawing/2014/main" id="{27B26D99-F588-9049-97DC-953EA49957F5}"/>
-              </a:ext>
-            </a:extLst>
-          </p:cNvPr>
-          <p:cNvCxnSpPr>
-            <a:cxnSpLocks/>
-          </p:cNvCxnSpPr>
-          <p:nvPr/>
-        </p:nvCxnSpPr>
-        <p:spPr>
-          <a:xfrm flipV="1">
-            <a:off x="778600" y="4617874"/>
-            <a:ext cx="0" cy="353568"/>
-          </a:xfrm>
-          <a:prstGeom prst="straightConnector1">
-            <a:avLst/>
-          </a:prstGeom>
-          <a:ln>
-            <a:tailEnd type="triangle"/>
-          </a:ln>
-        </p:spPr>
-        <p:style>
-          <a:lnRef idx="1">
-            <a:schemeClr val="accent1"/>
-          </a:lnRef>
-          <a:fillRef idx="0">
-            <a:schemeClr val="accent1"/>
-          </a:fillRef>
-          <a:effectRef idx="0">
-            <a:schemeClr val="accent1"/>
-          </a:effectRef>
-          <a:fontRef idx="minor">
-            <a:schemeClr val="tx1"/>
-          </a:fontRef>
-        </p:style>
-      </p:cxnSp>
-      <p:sp>
-        <p:nvSpPr>
-          <p:cNvPr id="81" name="文本框 80">
-            <a:extLst>
-              <a:ext uri="{FF2B5EF4-FFF2-40B4-BE49-F238E27FC236}">
-                <a16:creationId xmlns:a16="http://schemas.microsoft.com/office/drawing/2014/main" id="{6F05DA13-24C0-6D45-B455-F423D8E0210B}"/>
-              </a:ext>
-            </a:extLst>
-          </p:cNvPr>
-          <p:cNvSpPr txBox="1"/>
-          <p:nvPr/>
-        </p:nvSpPr>
-        <p:spPr>
-          <a:xfrm>
-            <a:off x="310171" y="5127840"/>
-            <a:ext cx="678391" cy="369332"/>
-          </a:xfrm>
-          <a:prstGeom prst="rect">
-            <a:avLst/>
-          </a:prstGeom>
-          <a:noFill/>
-        </p:spPr>
-        <p:txBody>
-          <a:bodyPr wrap="none" rtlCol="0">
-            <a:spAutoFit/>
-          </a:bodyPr>
-          <a:lstStyle/>
-          <a:p>
-            <a:r>
-              <a:rPr kumimoji="1" lang="en-US" altLang="zh-CN" dirty="0"/>
-              <a:t>head</a:t>
-            </a:r>
-            <a:endParaRPr kumimoji="1" lang="zh-CN" altLang="en-US" dirty="0"/>
-          </a:p>
-        </p:txBody>
-      </p:sp>
-      <p:cxnSp>
-        <p:nvCxnSpPr>
-          <p:cNvPr id="82" name="直线箭头连接符 81">
-            <a:extLst>
-              <a:ext uri="{FF2B5EF4-FFF2-40B4-BE49-F238E27FC236}">
-                <a16:creationId xmlns:a16="http://schemas.microsoft.com/office/drawing/2014/main" id="{8DDC023D-35D1-534F-850B-95FA0EBCDC7D}"/>
-              </a:ext>
-            </a:extLst>
-          </p:cNvPr>
-          <p:cNvCxnSpPr>
-            <a:cxnSpLocks/>
-          </p:cNvCxnSpPr>
-          <p:nvPr/>
-        </p:nvCxnSpPr>
-        <p:spPr>
-          <a:xfrm flipV="1">
-            <a:off x="3381777" y="4590255"/>
-            <a:ext cx="0" cy="353568"/>
-          </a:xfrm>
-          <a:prstGeom prst="straightConnector1">
-            <a:avLst/>
-          </a:prstGeom>
-          <a:ln>
-            <a:tailEnd type="triangle"/>
-          </a:ln>
-        </p:spPr>
-        <p:style>
-          <a:lnRef idx="1">
-            <a:schemeClr val="accent1"/>
-          </a:lnRef>
-          <a:fillRef idx="0">
-            <a:schemeClr val="accent1"/>
-          </a:fillRef>
-          <a:effectRef idx="0">
-            <a:schemeClr val="accent1"/>
-          </a:effectRef>
-          <a:fontRef idx="minor">
-            <a:schemeClr val="tx1"/>
-          </a:fontRef>
-        </p:style>
-      </p:cxnSp>
-      <p:sp>
-        <p:nvSpPr>
-          <p:cNvPr id="83" name="文本框 82">
-            <a:extLst>
-              <a:ext uri="{FF2B5EF4-FFF2-40B4-BE49-F238E27FC236}">
-                <a16:creationId xmlns:a16="http://schemas.microsoft.com/office/drawing/2014/main" id="{F3BF2E7B-7F80-854A-A157-C245A91EE19A}"/>
-              </a:ext>
-            </a:extLst>
-          </p:cNvPr>
-          <p:cNvSpPr txBox="1"/>
-          <p:nvPr/>
-        </p:nvSpPr>
-        <p:spPr>
-          <a:xfrm>
-            <a:off x="3134754" y="4950733"/>
-            <a:ext cx="494046" cy="369332"/>
-          </a:xfrm>
-          <a:prstGeom prst="rect">
-            <a:avLst/>
-          </a:prstGeom>
-          <a:noFill/>
-        </p:spPr>
-        <p:txBody>
-          <a:bodyPr wrap="none" rtlCol="0">
-            <a:spAutoFit/>
-          </a:bodyPr>
-          <a:lstStyle/>
-          <a:p>
-            <a:r>
-              <a:rPr kumimoji="1" lang="en-US" altLang="zh-CN" dirty="0"/>
-              <a:t>cur</a:t>
-            </a:r>
-            <a:endParaRPr kumimoji="1" lang="zh-CN" altLang="en-US" dirty="0"/>
-          </a:p>
-        </p:txBody>
-      </p:sp>
-      <p:sp>
-        <p:nvSpPr>
-          <p:cNvPr id="84" name="圆角矩形 83">
-            <a:extLst>
-              <a:ext uri="{FF2B5EF4-FFF2-40B4-BE49-F238E27FC236}">
-                <a16:creationId xmlns:a16="http://schemas.microsoft.com/office/drawing/2014/main" id="{C9C9BD02-CA96-A545-A8A4-14C42FD2D953}"/>
-              </a:ext>
-            </a:extLst>
-          </p:cNvPr>
-          <p:cNvSpPr/>
-          <p:nvPr/>
-        </p:nvSpPr>
-        <p:spPr>
-          <a:xfrm>
-            <a:off x="5914532" y="4230208"/>
-            <a:ext cx="609600" cy="499872"/>
-          </a:xfrm>
-          <a:prstGeom prst="roundRect">
-            <a:avLst/>
-          </a:prstGeom>
-        </p:spPr>
-        <p:style>
-          <a:lnRef idx="2">
-            <a:schemeClr val="accent6"/>
-          </a:lnRef>
-          <a:fillRef idx="1">
-            <a:schemeClr val="lt1"/>
-          </a:fillRef>
-          <a:effectRef idx="0">
-            <a:schemeClr val="accent6"/>
-          </a:effectRef>
-          <a:fontRef idx="minor">
-            <a:schemeClr val="dk1"/>
-          </a:fontRef>
-        </p:style>
-        <p:txBody>
-          <a:bodyPr rtlCol="0" anchor="ctr"/>
-          <a:lstStyle/>
-          <a:p>
-            <a:pPr algn="ctr"/>
-            <a:r>
-              <a:rPr kumimoji="1" lang="en-US" altLang="zh-CN" sz="2400" b="1" dirty="0"/>
-              <a:t>?</a:t>
-            </a:r>
-            <a:endParaRPr kumimoji="1" lang="zh-CN" altLang="en-US" sz="2400" b="1" dirty="0"/>
-          </a:p>
-        </p:txBody>
-      </p:sp>
-      <p:sp>
-        <p:nvSpPr>
-          <p:cNvPr id="85" name="圆角矩形 84">
-            <a:extLst>
-              <a:ext uri="{FF2B5EF4-FFF2-40B4-BE49-F238E27FC236}">
-                <a16:creationId xmlns:a16="http://schemas.microsoft.com/office/drawing/2014/main" id="{6C0A0EAF-8778-424D-932C-14692CB45D4E}"/>
-              </a:ext>
-            </a:extLst>
-          </p:cNvPr>
-          <p:cNvSpPr/>
-          <p:nvPr/>
-        </p:nvSpPr>
-        <p:spPr>
-          <a:xfrm>
-            <a:off x="6524132" y="4230208"/>
-            <a:ext cx="609600" cy="499872"/>
-          </a:xfrm>
-          <a:prstGeom prst="roundRect">
-            <a:avLst/>
-          </a:prstGeom>
-        </p:spPr>
-        <p:style>
-          <a:lnRef idx="2">
-            <a:schemeClr val="accent6"/>
-          </a:lnRef>
-          <a:fillRef idx="1">
-            <a:schemeClr val="lt1"/>
-          </a:fillRef>
-          <a:effectRef idx="0">
-            <a:schemeClr val="accent6"/>
-          </a:effectRef>
-          <a:fontRef idx="minor">
-            <a:schemeClr val="dk1"/>
-          </a:fontRef>
-        </p:style>
-        <p:txBody>
-          <a:bodyPr rtlCol="0" anchor="ctr"/>
-          <a:lstStyle/>
-          <a:p>
-            <a:pPr algn="ctr"/>
-            <a:r>
-              <a:rPr kumimoji="1" lang="en-US" altLang="zh-CN" sz="2400" b="1" dirty="0"/>
-              <a:t>1</a:t>
-            </a:r>
-            <a:endParaRPr kumimoji="1" lang="zh-CN" altLang="en-US" sz="2400" b="1" dirty="0"/>
-          </a:p>
-        </p:txBody>
-      </p:sp>
-      <p:sp>
-        <p:nvSpPr>
-          <p:cNvPr id="86" name="圆角矩形 85">
-            <a:extLst>
-              <a:ext uri="{FF2B5EF4-FFF2-40B4-BE49-F238E27FC236}">
-                <a16:creationId xmlns:a16="http://schemas.microsoft.com/office/drawing/2014/main" id="{161ACCD9-68DB-364F-8018-519B4A3CBA1D}"/>
-              </a:ext>
-            </a:extLst>
-          </p:cNvPr>
-          <p:cNvSpPr/>
-          <p:nvPr/>
-        </p:nvSpPr>
-        <p:spPr>
-          <a:xfrm>
-            <a:off x="7133732" y="4230208"/>
-            <a:ext cx="609600" cy="499872"/>
-          </a:xfrm>
-          <a:prstGeom prst="roundRect">
-            <a:avLst/>
-          </a:prstGeom>
-          <a:ln>
-            <a:solidFill>
-              <a:schemeClr val="accent6"/>
-            </a:solidFill>
-            <a:prstDash val="sysDash"/>
-          </a:ln>
-        </p:spPr>
-        <p:style>
-          <a:lnRef idx="2">
-            <a:schemeClr val="accent6"/>
-          </a:lnRef>
-          <a:fillRef idx="1">
-            <a:schemeClr val="lt1"/>
-          </a:fillRef>
-          <a:effectRef idx="0">
-            <a:schemeClr val="accent6"/>
-          </a:effectRef>
-          <a:fontRef idx="minor">
-            <a:schemeClr val="dk1"/>
-          </a:fontRef>
-        </p:style>
-        <p:txBody>
-          <a:bodyPr rtlCol="0" anchor="ctr"/>
-          <a:lstStyle/>
-          <a:p>
-            <a:pPr algn="ctr"/>
-            <a:r>
-              <a:rPr kumimoji="1" lang="en-US" altLang="zh-CN" sz="2400" b="1" strike="sngStrike" dirty="0"/>
-              <a:t>5</a:t>
-            </a:r>
-            <a:endParaRPr kumimoji="1" lang="zh-CN" altLang="en-US" sz="2400" b="1" strike="sngStrike" dirty="0"/>
-          </a:p>
-        </p:txBody>
-      </p:sp>
-      <p:sp>
-        <p:nvSpPr>
-          <p:cNvPr id="87" name="圆角矩形 86">
-            <a:extLst>
-              <a:ext uri="{FF2B5EF4-FFF2-40B4-BE49-F238E27FC236}">
-                <a16:creationId xmlns:a16="http://schemas.microsoft.com/office/drawing/2014/main" id="{F0CD68AE-6C03-194A-9519-C39D5C044CC7}"/>
-              </a:ext>
-            </a:extLst>
-          </p:cNvPr>
-          <p:cNvSpPr/>
-          <p:nvPr/>
-        </p:nvSpPr>
-        <p:spPr>
-          <a:xfrm>
-            <a:off x="7743332" y="4230208"/>
-            <a:ext cx="609600" cy="499872"/>
-          </a:xfrm>
-          <a:prstGeom prst="roundRect">
-            <a:avLst/>
-          </a:prstGeom>
-          <a:ln>
-            <a:solidFill>
-              <a:schemeClr val="accent6"/>
-            </a:solidFill>
-            <a:prstDash val="sysDash"/>
-          </a:ln>
-        </p:spPr>
-        <p:style>
-          <a:lnRef idx="2">
-            <a:schemeClr val="accent6"/>
-          </a:lnRef>
-          <a:fillRef idx="1">
-            <a:schemeClr val="lt1"/>
-          </a:fillRef>
-          <a:effectRef idx="0">
-            <a:schemeClr val="accent6"/>
-          </a:effectRef>
-          <a:fontRef idx="minor">
-            <a:schemeClr val="dk1"/>
-          </a:fontRef>
-        </p:style>
-        <p:txBody>
-          <a:bodyPr rtlCol="0" anchor="ctr"/>
-          <a:lstStyle/>
-          <a:p>
-            <a:pPr algn="ctr"/>
-            <a:r>
-              <a:rPr kumimoji="1" lang="en-US" altLang="zh-CN" sz="2400" b="1" strike="sngStrike" dirty="0"/>
-              <a:t>5</a:t>
-            </a:r>
-            <a:endParaRPr kumimoji="1" lang="zh-CN" altLang="en-US" sz="2400" b="1" strike="sngStrike" dirty="0"/>
-          </a:p>
-        </p:txBody>
-      </p:sp>
-      <p:sp>
-        <p:nvSpPr>
-          <p:cNvPr id="88" name="圆角矩形 87">
-            <a:extLst>
-              <a:ext uri="{FF2B5EF4-FFF2-40B4-BE49-F238E27FC236}">
-                <a16:creationId xmlns:a16="http://schemas.microsoft.com/office/drawing/2014/main" id="{EC6C5538-A921-D943-8659-9C59EFDA7AC5}"/>
-              </a:ext>
-            </a:extLst>
-          </p:cNvPr>
-          <p:cNvSpPr/>
-          <p:nvPr/>
-        </p:nvSpPr>
-        <p:spPr>
-          <a:xfrm>
-            <a:off x="8352932" y="4230208"/>
-            <a:ext cx="609600" cy="499872"/>
-          </a:xfrm>
-          <a:prstGeom prst="roundRect">
-            <a:avLst/>
-          </a:prstGeom>
-          <a:ln>
-            <a:solidFill>
-              <a:schemeClr val="accent6"/>
-            </a:solidFill>
-            <a:prstDash val="sysDash"/>
-          </a:ln>
-        </p:spPr>
-        <p:style>
-          <a:lnRef idx="2">
-            <a:schemeClr val="accent6"/>
-          </a:lnRef>
-          <a:fillRef idx="1">
-            <a:schemeClr val="lt1"/>
-          </a:fillRef>
-          <a:effectRef idx="0">
-            <a:schemeClr val="accent6"/>
-          </a:effectRef>
-          <a:fontRef idx="minor">
-            <a:schemeClr val="dk1"/>
-          </a:fontRef>
-        </p:style>
-        <p:txBody>
-          <a:bodyPr rtlCol="0" anchor="ctr"/>
-          <a:lstStyle/>
-          <a:p>
-            <a:pPr algn="ctr"/>
-            <a:r>
-              <a:rPr kumimoji="1" lang="en-US" altLang="zh-CN" sz="2400" b="1" strike="sngStrike" dirty="0"/>
-              <a:t>5</a:t>
-            </a:r>
-            <a:endParaRPr kumimoji="1" lang="zh-CN" altLang="en-US" sz="2400" b="1" strike="sngStrike" dirty="0"/>
-          </a:p>
-        </p:txBody>
-      </p:sp>
-      <p:sp>
-        <p:nvSpPr>
-          <p:cNvPr id="89" name="圆角矩形 88">
-            <a:extLst>
-              <a:ext uri="{FF2B5EF4-FFF2-40B4-BE49-F238E27FC236}">
-                <a16:creationId xmlns:a16="http://schemas.microsoft.com/office/drawing/2014/main" id="{5E922720-EFDF-B54A-892F-C53A5D4321F4}"/>
-              </a:ext>
-            </a:extLst>
-          </p:cNvPr>
-          <p:cNvSpPr/>
-          <p:nvPr/>
-        </p:nvSpPr>
-        <p:spPr>
-          <a:xfrm>
-            <a:off x="8962532" y="4230208"/>
-            <a:ext cx="609600" cy="499872"/>
-          </a:xfrm>
-          <a:prstGeom prst="roundRect">
-            <a:avLst/>
-          </a:prstGeom>
-        </p:spPr>
-        <p:style>
-          <a:lnRef idx="2">
-            <a:schemeClr val="accent6"/>
-          </a:lnRef>
-          <a:fillRef idx="1">
-            <a:schemeClr val="lt1"/>
-          </a:fillRef>
-          <a:effectRef idx="0">
-            <a:schemeClr val="accent6"/>
-          </a:effectRef>
-          <a:fontRef idx="minor">
-            <a:schemeClr val="dk1"/>
-          </a:fontRef>
-        </p:style>
-        <p:txBody>
-          <a:bodyPr rtlCol="0" anchor="ctr"/>
-          <a:lstStyle/>
-          <a:p>
-            <a:pPr algn="ctr"/>
-            <a:r>
-              <a:rPr kumimoji="1" lang="en-US" altLang="zh-CN" sz="2400" b="1" dirty="0"/>
-              <a:t>6</a:t>
-            </a:r>
-            <a:endParaRPr kumimoji="1" lang="zh-CN" altLang="en-US" sz="2400" b="1" dirty="0"/>
-          </a:p>
-        </p:txBody>
-      </p:sp>
-      <p:sp>
-        <p:nvSpPr>
-          <p:cNvPr id="90" name="圆角矩形 89">
-            <a:extLst>
-              <a:ext uri="{FF2B5EF4-FFF2-40B4-BE49-F238E27FC236}">
-                <a16:creationId xmlns:a16="http://schemas.microsoft.com/office/drawing/2014/main" id="{FA3F9C66-48F1-734C-9DA3-E5337239F349}"/>
-              </a:ext>
-            </a:extLst>
-          </p:cNvPr>
-          <p:cNvSpPr/>
-          <p:nvPr/>
-        </p:nvSpPr>
-        <p:spPr>
-          <a:xfrm>
-            <a:off x="9572132" y="4230208"/>
-            <a:ext cx="609600" cy="499872"/>
-          </a:xfrm>
-          <a:prstGeom prst="roundRect">
-            <a:avLst/>
-          </a:prstGeom>
-        </p:spPr>
-        <p:style>
-          <a:lnRef idx="2">
-            <a:schemeClr val="accent6"/>
-          </a:lnRef>
-          <a:fillRef idx="1">
-            <a:schemeClr val="lt1"/>
-          </a:fillRef>
-          <a:effectRef idx="0">
-            <a:schemeClr val="accent6"/>
-          </a:effectRef>
-          <a:fontRef idx="minor">
-            <a:schemeClr val="dk1"/>
-          </a:fontRef>
-        </p:style>
-        <p:txBody>
-          <a:bodyPr rtlCol="0" anchor="ctr"/>
-          <a:lstStyle/>
-          <a:p>
-            <a:pPr algn="ctr"/>
-            <a:r>
-              <a:rPr kumimoji="1" lang="en-US" altLang="zh-CN" sz="2400" b="1" dirty="0"/>
-              <a:t>7</a:t>
-            </a:r>
-            <a:endParaRPr kumimoji="1" lang="zh-CN" altLang="en-US" sz="2400" b="1" dirty="0"/>
-          </a:p>
-        </p:txBody>
-      </p:sp>
-      <p:sp>
-        <p:nvSpPr>
-          <p:cNvPr id="91" name="圆角矩形 90">
-            <a:extLst>
-              <a:ext uri="{FF2B5EF4-FFF2-40B4-BE49-F238E27FC236}">
-                <a16:creationId xmlns:a16="http://schemas.microsoft.com/office/drawing/2014/main" id="{CE443E6E-07C0-FB41-93E8-5609F1086F89}"/>
-              </a:ext>
-            </a:extLst>
-          </p:cNvPr>
-          <p:cNvSpPr/>
-          <p:nvPr/>
-        </p:nvSpPr>
-        <p:spPr>
-          <a:xfrm>
-            <a:off x="10181732" y="4230208"/>
-            <a:ext cx="609600" cy="499872"/>
-          </a:xfrm>
-          <a:prstGeom prst="roundRect">
-            <a:avLst/>
-          </a:prstGeom>
-        </p:spPr>
-        <p:style>
-          <a:lnRef idx="2">
-            <a:schemeClr val="accent6"/>
-          </a:lnRef>
-          <a:fillRef idx="1">
-            <a:schemeClr val="lt1"/>
-          </a:fillRef>
-          <a:effectRef idx="0">
-            <a:schemeClr val="accent6"/>
-          </a:effectRef>
-          <a:fontRef idx="minor">
-            <a:schemeClr val="dk1"/>
-          </a:fontRef>
-        </p:style>
-        <p:txBody>
-          <a:bodyPr rtlCol="0" anchor="ctr"/>
-          <a:lstStyle/>
-          <a:p>
-            <a:pPr algn="ctr"/>
-            <a:r>
-              <a:rPr kumimoji="1" lang="en-US" altLang="zh-CN" sz="2400" b="1" dirty="0"/>
-              <a:t>8</a:t>
-            </a:r>
-            <a:endParaRPr kumimoji="1" lang="zh-CN" altLang="en-US" sz="2400" b="1" dirty="0"/>
-          </a:p>
-        </p:txBody>
-      </p:sp>
-      <p:cxnSp>
-        <p:nvCxnSpPr>
-          <p:cNvPr id="92" name="直线箭头连接符 91">
-            <a:extLst>
-              <a:ext uri="{FF2B5EF4-FFF2-40B4-BE49-F238E27FC236}">
-                <a16:creationId xmlns:a16="http://schemas.microsoft.com/office/drawing/2014/main" id="{DFDA2662-537B-F649-8936-E1F8CE5BB7F5}"/>
-              </a:ext>
-            </a:extLst>
-          </p:cNvPr>
-          <p:cNvCxnSpPr>
-            <a:cxnSpLocks/>
-          </p:cNvCxnSpPr>
-          <p:nvPr/>
-        </p:nvCxnSpPr>
-        <p:spPr>
-          <a:xfrm flipV="1">
-            <a:off x="6841574" y="4758508"/>
-            <a:ext cx="0" cy="353568"/>
-          </a:xfrm>
-          <a:prstGeom prst="straightConnector1">
-            <a:avLst/>
-          </a:prstGeom>
-          <a:ln>
-            <a:tailEnd type="triangle"/>
-          </a:ln>
-        </p:spPr>
-        <p:style>
-          <a:lnRef idx="1">
-            <a:schemeClr val="accent1"/>
-          </a:lnRef>
-          <a:fillRef idx="0">
-            <a:schemeClr val="accent1"/>
-          </a:fillRef>
-          <a:effectRef idx="0">
-            <a:schemeClr val="accent1"/>
-          </a:effectRef>
-          <a:fontRef idx="minor">
-            <a:schemeClr val="tx1"/>
-          </a:fontRef>
-        </p:style>
-      </p:cxnSp>
-      <p:sp>
-        <p:nvSpPr>
-          <p:cNvPr id="93" name="文本框 92">
-            <a:extLst>
-              <a:ext uri="{FF2B5EF4-FFF2-40B4-BE49-F238E27FC236}">
-                <a16:creationId xmlns:a16="http://schemas.microsoft.com/office/drawing/2014/main" id="{DE45E5D7-AE33-864E-AD46-78896DBB68AB}"/>
-              </a:ext>
-            </a:extLst>
-          </p:cNvPr>
-          <p:cNvSpPr txBox="1"/>
-          <p:nvPr/>
-        </p:nvSpPr>
-        <p:spPr>
-          <a:xfrm>
-            <a:off x="6608515" y="5114969"/>
-            <a:ext cx="514885" cy="369332"/>
-          </a:xfrm>
-          <a:prstGeom prst="rect">
-            <a:avLst/>
-          </a:prstGeom>
-          <a:noFill/>
-        </p:spPr>
-        <p:txBody>
-          <a:bodyPr wrap="none" rtlCol="0">
-            <a:spAutoFit/>
-          </a:bodyPr>
-          <a:lstStyle/>
-          <a:p>
-            <a:r>
-              <a:rPr kumimoji="1" lang="en-US" altLang="zh-CN" dirty="0"/>
-              <a:t>pre</a:t>
-            </a:r>
-            <a:endParaRPr kumimoji="1" lang="zh-CN" altLang="en-US" dirty="0"/>
-          </a:p>
-        </p:txBody>
-      </p:sp>
-      <p:cxnSp>
-        <p:nvCxnSpPr>
-          <p:cNvPr id="94" name="直线箭头连接符 93">
-            <a:extLst>
-              <a:ext uri="{FF2B5EF4-FFF2-40B4-BE49-F238E27FC236}">
-                <a16:creationId xmlns:a16="http://schemas.microsoft.com/office/drawing/2014/main" id="{D991879F-2D56-234B-B6F7-46E0BC2384C8}"/>
-              </a:ext>
-            </a:extLst>
-          </p:cNvPr>
-          <p:cNvCxnSpPr>
-            <a:cxnSpLocks/>
-          </p:cNvCxnSpPr>
-          <p:nvPr/>
-        </p:nvCxnSpPr>
-        <p:spPr>
-          <a:xfrm flipV="1">
-            <a:off x="6606378" y="4779217"/>
-            <a:ext cx="0" cy="353568"/>
-          </a:xfrm>
-          <a:prstGeom prst="straightConnector1">
-            <a:avLst/>
-          </a:prstGeom>
-          <a:ln>
-            <a:tailEnd type="triangle"/>
-          </a:ln>
-        </p:spPr>
-        <p:style>
-          <a:lnRef idx="1">
-            <a:schemeClr val="accent1"/>
-          </a:lnRef>
-          <a:fillRef idx="0">
-            <a:schemeClr val="accent1"/>
-          </a:fillRef>
-          <a:effectRef idx="0">
-            <a:schemeClr val="accent1"/>
-          </a:effectRef>
-          <a:fontRef idx="minor">
-            <a:schemeClr val="tx1"/>
-          </a:fontRef>
-        </p:style>
-      </p:cxnSp>
-      <p:sp>
-        <p:nvSpPr>
-          <p:cNvPr id="95" name="文本框 94">
-            <a:extLst>
-              <a:ext uri="{FF2B5EF4-FFF2-40B4-BE49-F238E27FC236}">
-                <a16:creationId xmlns:a16="http://schemas.microsoft.com/office/drawing/2014/main" id="{4322680D-6BFF-B744-8EC5-C2862A54FD36}"/>
-              </a:ext>
-            </a:extLst>
-          </p:cNvPr>
-          <p:cNvSpPr txBox="1"/>
-          <p:nvPr/>
-        </p:nvSpPr>
-        <p:spPr>
-          <a:xfrm>
-            <a:off x="6137949" y="5289183"/>
-            <a:ext cx="678391" cy="369332"/>
-          </a:xfrm>
-          <a:prstGeom prst="rect">
-            <a:avLst/>
-          </a:prstGeom>
-          <a:noFill/>
-        </p:spPr>
-        <p:txBody>
-          <a:bodyPr wrap="none" rtlCol="0">
-            <a:spAutoFit/>
-          </a:bodyPr>
-          <a:lstStyle/>
-          <a:p>
-            <a:r>
-              <a:rPr kumimoji="1" lang="en-US" altLang="zh-CN" dirty="0"/>
-              <a:t>head</a:t>
-            </a:r>
-            <a:endParaRPr kumimoji="1" lang="zh-CN" altLang="en-US" dirty="0"/>
-          </a:p>
-        </p:txBody>
-      </p:sp>
-      <p:cxnSp>
-        <p:nvCxnSpPr>
-          <p:cNvPr id="96" name="直线箭头连接符 95">
-            <a:extLst>
-              <a:ext uri="{FF2B5EF4-FFF2-40B4-BE49-F238E27FC236}">
-                <a16:creationId xmlns:a16="http://schemas.microsoft.com/office/drawing/2014/main" id="{1F33F366-8AEB-7241-B738-C0C72D25558E}"/>
-              </a:ext>
-            </a:extLst>
-          </p:cNvPr>
-          <p:cNvCxnSpPr>
-            <a:cxnSpLocks/>
-          </p:cNvCxnSpPr>
-          <p:nvPr/>
-        </p:nvCxnSpPr>
-        <p:spPr>
-          <a:xfrm flipV="1">
-            <a:off x="9209555" y="4751598"/>
-            <a:ext cx="0" cy="353568"/>
-          </a:xfrm>
-          <a:prstGeom prst="straightConnector1">
-            <a:avLst/>
-          </a:prstGeom>
-          <a:ln>
-            <a:tailEnd type="triangle"/>
-          </a:ln>
-        </p:spPr>
-        <p:style>
-          <a:lnRef idx="1">
-            <a:schemeClr val="accent1"/>
-          </a:lnRef>
-          <a:fillRef idx="0">
-            <a:schemeClr val="accent1"/>
-          </a:fillRef>
-          <a:effectRef idx="0">
-            <a:schemeClr val="accent1"/>
-          </a:effectRef>
-          <a:fontRef idx="minor">
-            <a:schemeClr val="tx1"/>
-          </a:fontRef>
-        </p:style>
-      </p:cxnSp>
-      <p:sp>
-        <p:nvSpPr>
-          <p:cNvPr id="97" name="文本框 96">
-            <a:extLst>
-              <a:ext uri="{FF2B5EF4-FFF2-40B4-BE49-F238E27FC236}">
-                <a16:creationId xmlns:a16="http://schemas.microsoft.com/office/drawing/2014/main" id="{4D39EBF4-433C-9E45-983D-394E4013CB96}"/>
-              </a:ext>
-            </a:extLst>
-          </p:cNvPr>
-          <p:cNvSpPr txBox="1"/>
-          <p:nvPr/>
-        </p:nvSpPr>
-        <p:spPr>
-          <a:xfrm>
-            <a:off x="8962532" y="5112076"/>
-            <a:ext cx="494046" cy="369332"/>
-          </a:xfrm>
-          <a:prstGeom prst="rect">
-            <a:avLst/>
-          </a:prstGeom>
-          <a:noFill/>
-        </p:spPr>
-        <p:txBody>
-          <a:bodyPr wrap="none" rtlCol="0">
-            <a:spAutoFit/>
-          </a:bodyPr>
-          <a:lstStyle/>
-          <a:p>
-            <a:r>
-              <a:rPr kumimoji="1" lang="en-US" altLang="zh-CN" dirty="0"/>
-              <a:t>cur</a:t>
-            </a:r>
-            <a:endParaRPr kumimoji="1" lang="zh-CN" altLang="en-US" dirty="0"/>
+              <a:rPr lang="zh-CN" altLang="en-US" dirty="0">
+                <a:solidFill>
+                  <a:srgbClr val="000000"/>
+                </a:solidFill>
+                <a:latin typeface="Verdana" panose="020B0604030504040204" pitchFamily="34" charset="0"/>
+              </a:rPr>
+              <a:t>在</a:t>
+            </a:r>
+            <a:r>
+              <a:rPr lang="en-US" altLang="zh-CN" dirty="0">
+                <a:solidFill>
+                  <a:srgbClr val="000000"/>
+                </a:solidFill>
+                <a:latin typeface="Verdana" panose="020B0604030504040204" pitchFamily="34" charset="0"/>
+              </a:rPr>
+              <a:t>JAVA</a:t>
+            </a:r>
+            <a:r>
+              <a:rPr lang="zh-CN" altLang="en-US" dirty="0">
+                <a:solidFill>
+                  <a:srgbClr val="000000"/>
+                </a:solidFill>
+                <a:latin typeface="Verdana" panose="020B0604030504040204" pitchFamily="34" charset="0"/>
+              </a:rPr>
+              <a:t>中，对</a:t>
+            </a:r>
+            <a:r>
+              <a:rPr lang="en-US" altLang="zh-CN" dirty="0">
+                <a:solidFill>
+                  <a:srgbClr val="000000"/>
+                </a:solidFill>
+                <a:latin typeface="Verdana" panose="020B0604030504040204" pitchFamily="34" charset="0"/>
+              </a:rPr>
+              <a:t>char</a:t>
+            </a:r>
+            <a:r>
+              <a:rPr lang="zh-CN" altLang="en-US" dirty="0">
+                <a:solidFill>
+                  <a:srgbClr val="000000"/>
+                </a:solidFill>
+                <a:latin typeface="Verdana" panose="020B0604030504040204" pitchFamily="34" charset="0"/>
+              </a:rPr>
+              <a:t>类型字符运行时，直接当做</a:t>
+            </a:r>
+            <a:r>
+              <a:rPr lang="en-US" altLang="zh-CN" dirty="0">
+                <a:solidFill>
+                  <a:srgbClr val="000000"/>
+                </a:solidFill>
+                <a:latin typeface="Verdana" panose="020B0604030504040204" pitchFamily="34" charset="0"/>
+              </a:rPr>
+              <a:t>ASCII</a:t>
+            </a:r>
+            <a:r>
+              <a:rPr lang="zh-CN" altLang="en-US" dirty="0">
+                <a:solidFill>
+                  <a:srgbClr val="000000"/>
+                </a:solidFill>
+                <a:latin typeface="Verdana" panose="020B0604030504040204" pitchFamily="34" charset="0"/>
+              </a:rPr>
+              <a:t>表对应的整数来对待。</a:t>
+            </a:r>
+            <a:endParaRPr lang="zh-CN" altLang="en-US" dirty="0"/>
           </a:p>
         </p:txBody>
       </p:sp>
     </p:spTree>
     <p:extLst>
       <p:ext uri="{BB962C8B-B14F-4D97-AF65-F5344CB8AC3E}">
-        <p14:creationId xmlns:p14="http://schemas.microsoft.com/office/powerpoint/2010/main" val="1628421797"/>
+        <p14:creationId xmlns:p14="http://schemas.microsoft.com/office/powerpoint/2010/main" val="4210886469"/>
       </p:ext>
     </p:extLst>
   </p:cSld>
@@ -12379,7 +8730,7 @@
           <p:cNvPr id="4" name="矩形 3">
             <a:extLst>
               <a:ext uri="{FF2B5EF4-FFF2-40B4-BE49-F238E27FC236}">
-                <a16:creationId xmlns:a16="http://schemas.microsoft.com/office/drawing/2014/main" id="{D438BCF4-13C4-4E47-9B6A-623EE0F6B821}"/>
+                <a16:creationId xmlns:a16="http://schemas.microsoft.com/office/drawing/2014/main" id="{8C3D9E44-BCB5-8344-A998-C57A35A45180}"/>
               </a:ext>
             </a:extLst>
           </p:cNvPr>
@@ -12388,8 +8739,8 @@
         </p:nvSpPr>
         <p:spPr>
           <a:xfrm>
-            <a:off x="0" y="129175"/>
-            <a:ext cx="2595582" cy="369332"/>
+            <a:off x="0" y="118075"/>
+            <a:ext cx="2664512" cy="369332"/>
           </a:xfrm>
           <a:prstGeom prst="rect">
             <a:avLst/>
@@ -12402,12 +8753,12 @@
           <a:lstStyle/>
           <a:p>
             <a:r>
-              <a:rPr lang="en-US" altLang="zh-CN" dirty="0">
+              <a:rPr lang="en" altLang="zh-CN" dirty="0">
                 <a:solidFill>
                   <a:srgbClr val="FF0000"/>
                 </a:solidFill>
               </a:rPr>
-              <a:t>_15_NumberOf1InBinary</a:t>
+              <a:t>_18_01_DeleteNodeInList</a:t>
             </a:r>
             <a:endParaRPr lang="zh-CN" altLang="en-US" dirty="0">
               <a:solidFill>
@@ -12422,7 +8773,7 @@
           <p:cNvPr id="5" name="矩形 4">
             <a:extLst>
               <a:ext uri="{FF2B5EF4-FFF2-40B4-BE49-F238E27FC236}">
-                <a16:creationId xmlns:a16="http://schemas.microsoft.com/office/drawing/2014/main" id="{D44AC311-951C-5B44-BA55-A07D3EB49E45}"/>
+                <a16:creationId xmlns:a16="http://schemas.microsoft.com/office/drawing/2014/main" id="{64747BB6-0A0E-2147-88C1-A4674FE76116}"/>
               </a:ext>
             </a:extLst>
           </p:cNvPr>
@@ -12431,222 +8782,598 @@
         </p:nvSpPr>
         <p:spPr>
           <a:xfrm>
-            <a:off x="154983" y="733609"/>
-            <a:ext cx="3735092" cy="4524315"/>
+            <a:off x="205629" y="785339"/>
+            <a:ext cx="1944763" cy="369332"/>
           </a:xfrm>
           <a:prstGeom prst="rect">
             <a:avLst/>
           </a:prstGeom>
         </p:spPr>
         <p:txBody>
-          <a:bodyPr wrap="square">
+          <a:bodyPr wrap="none">
             <a:spAutoFit/>
           </a:bodyPr>
           <a:lstStyle/>
           <a:p>
             <a:r>
-              <a:rPr lang="en-US" altLang="zh-CN" sz="2400" dirty="0">
-                <a:latin typeface="Microsoft YaHei" panose="020B0503020204020204" pitchFamily="34" charset="-122"/>
-                <a:ea typeface="Microsoft YaHei" panose="020B0503020204020204" pitchFamily="34" charset="-122"/>
-              </a:rPr>
-              <a:t>9</a:t>
-            </a:r>
-            <a:r>
-              <a:rPr lang="zh-CN" altLang="en-US" sz="2400" dirty="0">
-                <a:latin typeface="Microsoft YaHei" panose="020B0503020204020204" pitchFamily="34" charset="-122"/>
-                <a:ea typeface="Microsoft YaHei" panose="020B0503020204020204" pitchFamily="34" charset="-122"/>
-              </a:rPr>
-              <a:t>的二进制</a:t>
-            </a:r>
-            <a:r>
-              <a:rPr lang="en-US" altLang="zh-CN" sz="2400" dirty="0">
-                <a:latin typeface="Microsoft YaHei" panose="020B0503020204020204" pitchFamily="34" charset="-122"/>
-                <a:ea typeface="Microsoft YaHei" panose="020B0503020204020204" pitchFamily="34" charset="-122"/>
-              </a:rPr>
-              <a:t>   0000 1001</a:t>
-            </a:r>
-          </a:p>
-          <a:p>
-            <a:r>
-              <a:rPr lang="en-US" altLang="zh-CN" sz="2400" dirty="0">
-                <a:latin typeface="Microsoft YaHei" panose="020B0503020204020204" pitchFamily="34" charset="-122"/>
-                <a:ea typeface="Microsoft YaHei" panose="020B0503020204020204" pitchFamily="34" charset="-122"/>
-              </a:rPr>
-              <a:t>   </a:t>
-            </a:r>
-          </a:p>
-          <a:p>
-            <a:r>
-              <a:rPr lang="en-US" altLang="zh-CN" sz="2400" dirty="0">
-                <a:latin typeface="Microsoft YaHei" panose="020B0503020204020204" pitchFamily="34" charset="-122"/>
-                <a:ea typeface="Microsoft YaHei" panose="020B0503020204020204" pitchFamily="34" charset="-122"/>
-              </a:rPr>
-              <a:t>        &amp;</a:t>
-            </a:r>
-          </a:p>
-          <a:p>
-            <a:endParaRPr lang="en-US" altLang="zh-CN" sz="2400" dirty="0">
-              <a:latin typeface="Microsoft YaHei" panose="020B0503020204020204" pitchFamily="34" charset="-122"/>
-              <a:ea typeface="Microsoft YaHei" panose="020B0503020204020204" pitchFamily="34" charset="-122"/>
-            </a:endParaRPr>
-          </a:p>
-          <a:p>
-            <a:r>
-              <a:rPr lang="en-US" altLang="zh-CN" sz="2400" dirty="0">
-                <a:latin typeface="Microsoft YaHei" panose="020B0503020204020204" pitchFamily="34" charset="-122"/>
-                <a:ea typeface="Microsoft YaHei" panose="020B0503020204020204" pitchFamily="34" charset="-122"/>
-              </a:rPr>
-              <a:t>1</a:t>
-            </a:r>
-            <a:r>
-              <a:rPr lang="zh-CN" altLang="en-US" sz="2400" dirty="0">
-                <a:latin typeface="Microsoft YaHei" panose="020B0503020204020204" pitchFamily="34" charset="-122"/>
-                <a:ea typeface="Microsoft YaHei" panose="020B0503020204020204" pitchFamily="34" charset="-122"/>
-              </a:rPr>
-              <a:t>的二进制   </a:t>
-            </a:r>
-            <a:r>
-              <a:rPr lang="en-US" altLang="zh-CN" sz="2400" dirty="0">
-                <a:latin typeface="Microsoft YaHei" panose="020B0503020204020204" pitchFamily="34" charset="-122"/>
-                <a:ea typeface="Microsoft YaHei" panose="020B0503020204020204" pitchFamily="34" charset="-122"/>
-              </a:rPr>
-              <a:t>0000 0001</a:t>
-            </a:r>
-          </a:p>
-          <a:p>
-            <a:endParaRPr lang="en-US" altLang="zh-CN" sz="2400" dirty="0">
-              <a:latin typeface="Microsoft YaHei" panose="020B0503020204020204" pitchFamily="34" charset="-122"/>
-              <a:ea typeface="Microsoft YaHei" panose="020B0503020204020204" pitchFamily="34" charset="-122"/>
-            </a:endParaRPr>
-          </a:p>
-          <a:p>
-            <a:r>
-              <a:rPr lang="zh-CN" altLang="en-US" sz="2400" dirty="0">
-                <a:latin typeface="Microsoft YaHei" panose="020B0503020204020204" pitchFamily="34" charset="-122"/>
-                <a:ea typeface="Microsoft YaHei" panose="020B0503020204020204" pitchFamily="34" charset="-122"/>
-              </a:rPr>
-              <a:t>                  </a:t>
-            </a:r>
-            <a:r>
-              <a:rPr lang="en-US" altLang="zh-CN" sz="2400" dirty="0">
-                <a:latin typeface="Microsoft YaHei" panose="020B0503020204020204" pitchFamily="34" charset="-122"/>
-                <a:ea typeface="Microsoft YaHei" panose="020B0503020204020204" pitchFamily="34" charset="-122"/>
-              </a:rPr>
-              <a:t>0000 0001</a:t>
-            </a:r>
-          </a:p>
-          <a:p>
-            <a:endParaRPr lang="en-US" altLang="zh-CN" sz="2400" dirty="0">
-              <a:latin typeface="Microsoft YaHei" panose="020B0503020204020204" pitchFamily="34" charset="-122"/>
-              <a:ea typeface="Microsoft YaHei" panose="020B0503020204020204" pitchFamily="34" charset="-122"/>
-            </a:endParaRPr>
-          </a:p>
-          <a:p>
-            <a:r>
-              <a:rPr lang="en-US" altLang="zh-CN" sz="2400" dirty="0">
-                <a:latin typeface="Microsoft YaHei" panose="020B0503020204020204" pitchFamily="34" charset="-122"/>
-                <a:ea typeface="Microsoft YaHei" panose="020B0503020204020204" pitchFamily="34" charset="-122"/>
-              </a:rPr>
-              <a:t>1</a:t>
-            </a:r>
-            <a:r>
-              <a:rPr lang="zh-CN" altLang="en-US" sz="2400" dirty="0">
-                <a:latin typeface="Microsoft YaHei" panose="020B0503020204020204" pitchFamily="34" charset="-122"/>
-                <a:ea typeface="Microsoft YaHei" panose="020B0503020204020204" pitchFamily="34" charset="-122"/>
-              </a:rPr>
-              <a:t>左移一位   </a:t>
-            </a:r>
-            <a:r>
-              <a:rPr lang="en-US" altLang="zh-CN" sz="2400" dirty="0">
-                <a:latin typeface="Microsoft YaHei" panose="020B0503020204020204" pitchFamily="34" charset="-122"/>
-                <a:ea typeface="Microsoft YaHei" panose="020B0503020204020204" pitchFamily="34" charset="-122"/>
-              </a:rPr>
-              <a:t>0000</a:t>
-            </a:r>
-            <a:r>
-              <a:rPr lang="zh-CN" altLang="en-US" sz="2400" dirty="0">
-                <a:latin typeface="Microsoft YaHei" panose="020B0503020204020204" pitchFamily="34" charset="-122"/>
-                <a:ea typeface="Microsoft YaHei" panose="020B0503020204020204" pitchFamily="34" charset="-122"/>
-              </a:rPr>
-              <a:t> </a:t>
-            </a:r>
-            <a:r>
-              <a:rPr lang="en-US" altLang="zh-CN" sz="2400" dirty="0">
-                <a:latin typeface="Microsoft YaHei" panose="020B0503020204020204" pitchFamily="34" charset="-122"/>
-                <a:ea typeface="Microsoft YaHei" panose="020B0503020204020204" pitchFamily="34" charset="-122"/>
-              </a:rPr>
-              <a:t>0010</a:t>
-            </a:r>
-          </a:p>
-          <a:p>
-            <a:r>
-              <a:rPr lang="en-US" altLang="zh-CN" sz="2400" dirty="0">
-                <a:latin typeface="Microsoft YaHei" panose="020B0503020204020204" pitchFamily="34" charset="-122"/>
-                <a:ea typeface="Microsoft YaHei" panose="020B0503020204020204" pitchFamily="34" charset="-122"/>
-              </a:rPr>
-              <a:t>&amp;9</a:t>
-            </a:r>
-            <a:r>
-              <a:rPr lang="zh-CN" altLang="en-US" sz="2400" dirty="0">
-                <a:latin typeface="Microsoft YaHei" panose="020B0503020204020204" pitchFamily="34" charset="-122"/>
-                <a:ea typeface="Microsoft YaHei" panose="020B0503020204020204" pitchFamily="34" charset="-122"/>
-              </a:rPr>
-              <a:t>             </a:t>
-            </a:r>
-            <a:r>
-              <a:rPr lang="en-US" altLang="zh-CN" sz="2400" dirty="0">
-                <a:latin typeface="Microsoft YaHei" panose="020B0503020204020204" pitchFamily="34" charset="-122"/>
-                <a:ea typeface="Microsoft YaHei" panose="020B0503020204020204" pitchFamily="34" charset="-122"/>
-              </a:rPr>
-              <a:t>0000</a:t>
-            </a:r>
-            <a:r>
-              <a:rPr lang="zh-CN" altLang="en-US" sz="2400" dirty="0">
-                <a:latin typeface="Microsoft YaHei" panose="020B0503020204020204" pitchFamily="34" charset="-122"/>
-                <a:ea typeface="Microsoft YaHei" panose="020B0503020204020204" pitchFamily="34" charset="-122"/>
-              </a:rPr>
-              <a:t>  </a:t>
-            </a:r>
-            <a:r>
-              <a:rPr lang="en-US" altLang="zh-CN" sz="2400" dirty="0">
-                <a:latin typeface="Microsoft YaHei" panose="020B0503020204020204" pitchFamily="34" charset="-122"/>
-                <a:ea typeface="Microsoft YaHei" panose="020B0503020204020204" pitchFamily="34" charset="-122"/>
-              </a:rPr>
-              <a:t>0000</a:t>
-            </a:r>
-          </a:p>
-          <a:p>
-            <a:r>
-              <a:rPr lang="zh-CN" altLang="en-US" sz="2400" dirty="0">
-                <a:latin typeface="Microsoft YaHei" panose="020B0503020204020204" pitchFamily="34" charset="-122"/>
-                <a:ea typeface="Microsoft YaHei" panose="020B0503020204020204" pitchFamily="34" charset="-122"/>
-              </a:rPr>
-              <a:t>。。。</a:t>
-            </a:r>
-            <a:endParaRPr lang="en-US" altLang="zh-CN" sz="2400" dirty="0">
-              <a:latin typeface="Microsoft YaHei" panose="020B0503020204020204" pitchFamily="34" charset="-122"/>
-              <a:ea typeface="Microsoft YaHei" panose="020B0503020204020204" pitchFamily="34" charset="-122"/>
-            </a:endParaRPr>
-          </a:p>
-          <a:p>
-            <a:r>
-              <a:rPr lang="zh-CN" altLang="en-US" sz="2400" dirty="0">
-                <a:latin typeface="Microsoft YaHei" panose="020B0503020204020204" pitchFamily="34" charset="-122"/>
-                <a:ea typeface="Microsoft YaHei" panose="020B0503020204020204" pitchFamily="34" charset="-122"/>
-              </a:rPr>
-              <a:t>                   </a:t>
-            </a:r>
-            <a:endParaRPr lang="en-US" altLang="zh-CN" sz="2400" dirty="0">
-              <a:latin typeface="Microsoft YaHei" panose="020B0503020204020204" pitchFamily="34" charset="-122"/>
-              <a:ea typeface="Microsoft YaHei" panose="020B0503020204020204" pitchFamily="34" charset="-122"/>
-            </a:endParaRPr>
+              <a:rPr lang="en" altLang="zh-CN" dirty="0"/>
+              <a:t>A -&gt; B -&gt; C -&gt; D</a:t>
+            </a:r>
+            <a:endParaRPr lang="zh-CN" altLang="en-US" dirty="0"/>
+          </a:p>
+        </p:txBody>
+      </p:sp>
+      <p:cxnSp>
+        <p:nvCxnSpPr>
+          <p:cNvPr id="6" name="直线箭头连接符 5">
+            <a:extLst>
+              <a:ext uri="{FF2B5EF4-FFF2-40B4-BE49-F238E27FC236}">
+                <a16:creationId xmlns:a16="http://schemas.microsoft.com/office/drawing/2014/main" id="{EFCCFF36-984D-3340-9631-6C1DA1BB6BC3}"/>
+              </a:ext>
+            </a:extLst>
+          </p:cNvPr>
+          <p:cNvCxnSpPr>
+            <a:cxnSpLocks/>
+          </p:cNvCxnSpPr>
+          <p:nvPr/>
+        </p:nvCxnSpPr>
+        <p:spPr>
+          <a:xfrm flipV="1">
+            <a:off x="859372" y="1154671"/>
+            <a:ext cx="0" cy="353568"/>
+          </a:xfrm>
+          <a:prstGeom prst="straightConnector1">
+            <a:avLst/>
+          </a:prstGeom>
+          <a:ln>
+            <a:tailEnd type="triangle"/>
+          </a:ln>
+        </p:spPr>
+        <p:style>
+          <a:lnRef idx="1">
+            <a:schemeClr val="accent1"/>
+          </a:lnRef>
+          <a:fillRef idx="0">
+            <a:schemeClr val="accent1"/>
+          </a:fillRef>
+          <a:effectRef idx="0">
+            <a:schemeClr val="accent1"/>
+          </a:effectRef>
+          <a:fontRef idx="minor">
+            <a:schemeClr val="tx1"/>
+          </a:fontRef>
+        </p:style>
+      </p:cxnSp>
+      <p:sp>
+        <p:nvSpPr>
+          <p:cNvPr id="7" name="文本框 6">
+            <a:extLst>
+              <a:ext uri="{FF2B5EF4-FFF2-40B4-BE49-F238E27FC236}">
+                <a16:creationId xmlns:a16="http://schemas.microsoft.com/office/drawing/2014/main" id="{62B35800-8400-234F-B918-3AB64AE8CAF4}"/>
+              </a:ext>
+            </a:extLst>
+          </p:cNvPr>
+          <p:cNvSpPr txBox="1"/>
+          <p:nvPr/>
+        </p:nvSpPr>
+        <p:spPr>
+          <a:xfrm>
+            <a:off x="2483708" y="785339"/>
+            <a:ext cx="1338828" cy="369332"/>
+          </a:xfrm>
+          <a:prstGeom prst="rect">
+            <a:avLst/>
+          </a:prstGeom>
+          <a:noFill/>
+        </p:spPr>
+        <p:txBody>
+          <a:bodyPr wrap="none" rtlCol="0">
+            <a:spAutoFit/>
+          </a:bodyPr>
+          <a:lstStyle/>
+          <a:p>
+            <a:r>
+              <a:rPr kumimoji="1" lang="zh-CN" altLang="en-US" dirty="0"/>
+              <a:t>删除头结点</a:t>
+            </a:r>
+          </a:p>
+        </p:txBody>
+      </p:sp>
+      <p:sp>
+        <p:nvSpPr>
+          <p:cNvPr id="8" name="矩形 7">
+            <a:extLst>
+              <a:ext uri="{FF2B5EF4-FFF2-40B4-BE49-F238E27FC236}">
+                <a16:creationId xmlns:a16="http://schemas.microsoft.com/office/drawing/2014/main" id="{A5679AEC-028F-E94D-8479-7DE497AB3567}"/>
+              </a:ext>
+            </a:extLst>
+          </p:cNvPr>
+          <p:cNvSpPr/>
+          <p:nvPr/>
+        </p:nvSpPr>
+        <p:spPr>
+          <a:xfrm>
+            <a:off x="205629" y="2099274"/>
+            <a:ext cx="1944763" cy="369332"/>
+          </a:xfrm>
+          <a:prstGeom prst="rect">
+            <a:avLst/>
+          </a:prstGeom>
+        </p:spPr>
+        <p:txBody>
+          <a:bodyPr wrap="none">
+            <a:spAutoFit/>
+          </a:bodyPr>
+          <a:lstStyle/>
+          <a:p>
+            <a:r>
+              <a:rPr lang="en" altLang="zh-CN" dirty="0"/>
+              <a:t>A -&gt; B -&gt; C -&gt; D</a:t>
+            </a:r>
+            <a:endParaRPr lang="zh-CN" altLang="en-US" dirty="0"/>
+          </a:p>
+        </p:txBody>
+      </p:sp>
+      <p:cxnSp>
+        <p:nvCxnSpPr>
+          <p:cNvPr id="9" name="直线箭头连接符 8">
+            <a:extLst>
+              <a:ext uri="{FF2B5EF4-FFF2-40B4-BE49-F238E27FC236}">
+                <a16:creationId xmlns:a16="http://schemas.microsoft.com/office/drawing/2014/main" id="{62901F51-ED29-BF4D-B993-888C540E982B}"/>
+              </a:ext>
+            </a:extLst>
+          </p:cNvPr>
+          <p:cNvCxnSpPr>
+            <a:cxnSpLocks/>
+          </p:cNvCxnSpPr>
+          <p:nvPr/>
+        </p:nvCxnSpPr>
+        <p:spPr>
+          <a:xfrm flipV="1">
+            <a:off x="377459" y="2468606"/>
+            <a:ext cx="0" cy="353568"/>
+          </a:xfrm>
+          <a:prstGeom prst="straightConnector1">
+            <a:avLst/>
+          </a:prstGeom>
+          <a:ln>
+            <a:tailEnd type="triangle"/>
+          </a:ln>
+        </p:spPr>
+        <p:style>
+          <a:lnRef idx="1">
+            <a:schemeClr val="accent1"/>
+          </a:lnRef>
+          <a:fillRef idx="0">
+            <a:schemeClr val="accent1"/>
+          </a:fillRef>
+          <a:effectRef idx="0">
+            <a:schemeClr val="accent1"/>
+          </a:effectRef>
+          <a:fontRef idx="minor">
+            <a:schemeClr val="tx1"/>
+          </a:fontRef>
+        </p:style>
+      </p:cxnSp>
+      <p:sp>
+        <p:nvSpPr>
+          <p:cNvPr id="10" name="文本框 9">
+            <a:extLst>
+              <a:ext uri="{FF2B5EF4-FFF2-40B4-BE49-F238E27FC236}">
+                <a16:creationId xmlns:a16="http://schemas.microsoft.com/office/drawing/2014/main" id="{2041BDED-55B1-A84E-8F01-E35C1B383251}"/>
+              </a:ext>
+            </a:extLst>
+          </p:cNvPr>
+          <p:cNvSpPr txBox="1"/>
+          <p:nvPr/>
+        </p:nvSpPr>
+        <p:spPr>
+          <a:xfrm>
+            <a:off x="520176" y="1508954"/>
+            <a:ext cx="678391" cy="369332"/>
+          </a:xfrm>
+          <a:prstGeom prst="rect">
+            <a:avLst/>
+          </a:prstGeom>
+          <a:noFill/>
+        </p:spPr>
+        <p:txBody>
+          <a:bodyPr wrap="none" rtlCol="0">
+            <a:spAutoFit/>
+          </a:bodyPr>
+          <a:lstStyle/>
+          <a:p>
+            <a:r>
+              <a:rPr kumimoji="1" lang="en-US" altLang="zh-CN" dirty="0"/>
+              <a:t>head</a:t>
+            </a:r>
+            <a:endParaRPr kumimoji="1" lang="zh-CN" altLang="en-US" dirty="0"/>
+          </a:p>
+        </p:txBody>
+      </p:sp>
+      <p:sp>
+        <p:nvSpPr>
+          <p:cNvPr id="11" name="文本框 10">
+            <a:extLst>
+              <a:ext uri="{FF2B5EF4-FFF2-40B4-BE49-F238E27FC236}">
+                <a16:creationId xmlns:a16="http://schemas.microsoft.com/office/drawing/2014/main" id="{EA135DD5-5FF6-2C46-8EF6-A90A99C75016}"/>
+              </a:ext>
+            </a:extLst>
+          </p:cNvPr>
+          <p:cNvSpPr txBox="1"/>
+          <p:nvPr/>
+        </p:nvSpPr>
+        <p:spPr>
+          <a:xfrm>
+            <a:off x="43825" y="2822174"/>
+            <a:ext cx="678391" cy="369332"/>
+          </a:xfrm>
+          <a:prstGeom prst="rect">
+            <a:avLst/>
+          </a:prstGeom>
+          <a:noFill/>
+        </p:spPr>
+        <p:txBody>
+          <a:bodyPr wrap="none" rtlCol="0">
+            <a:spAutoFit/>
+          </a:bodyPr>
+          <a:lstStyle/>
+          <a:p>
+            <a:r>
+              <a:rPr kumimoji="1" lang="en-US" altLang="zh-CN" dirty="0"/>
+              <a:t>head</a:t>
+            </a:r>
+            <a:endParaRPr kumimoji="1" lang="zh-CN" altLang="en-US" dirty="0"/>
+          </a:p>
+        </p:txBody>
+      </p:sp>
+      <p:cxnSp>
+        <p:nvCxnSpPr>
+          <p:cNvPr id="12" name="直线箭头连接符 11">
+            <a:extLst>
+              <a:ext uri="{FF2B5EF4-FFF2-40B4-BE49-F238E27FC236}">
+                <a16:creationId xmlns:a16="http://schemas.microsoft.com/office/drawing/2014/main" id="{9BE98D2C-E577-C34D-A200-E371F06ED64B}"/>
+              </a:ext>
+            </a:extLst>
+          </p:cNvPr>
+          <p:cNvCxnSpPr>
+            <a:cxnSpLocks/>
+          </p:cNvCxnSpPr>
+          <p:nvPr/>
+        </p:nvCxnSpPr>
+        <p:spPr>
+          <a:xfrm flipV="1">
+            <a:off x="1926172" y="2468606"/>
+            <a:ext cx="0" cy="353568"/>
+          </a:xfrm>
+          <a:prstGeom prst="straightConnector1">
+            <a:avLst/>
+          </a:prstGeom>
+          <a:ln>
+            <a:tailEnd type="triangle"/>
+          </a:ln>
+        </p:spPr>
+        <p:style>
+          <a:lnRef idx="1">
+            <a:schemeClr val="accent1"/>
+          </a:lnRef>
+          <a:fillRef idx="0">
+            <a:schemeClr val="accent1"/>
+          </a:fillRef>
+          <a:effectRef idx="0">
+            <a:schemeClr val="accent1"/>
+          </a:effectRef>
+          <a:fontRef idx="minor">
+            <a:schemeClr val="tx1"/>
+          </a:fontRef>
+        </p:style>
+      </p:cxnSp>
+      <p:sp>
+        <p:nvSpPr>
+          <p:cNvPr id="13" name="文本框 12">
+            <a:extLst>
+              <a:ext uri="{FF2B5EF4-FFF2-40B4-BE49-F238E27FC236}">
+                <a16:creationId xmlns:a16="http://schemas.microsoft.com/office/drawing/2014/main" id="{A4FE33B1-CC97-874D-AE88-953232997BFF}"/>
+              </a:ext>
+            </a:extLst>
+          </p:cNvPr>
+          <p:cNvSpPr txBox="1"/>
+          <p:nvPr/>
+        </p:nvSpPr>
+        <p:spPr>
+          <a:xfrm>
+            <a:off x="1770520" y="2837938"/>
+            <a:ext cx="311304" cy="369332"/>
+          </a:xfrm>
+          <a:prstGeom prst="rect">
+            <a:avLst/>
+          </a:prstGeom>
+          <a:noFill/>
+        </p:spPr>
+        <p:txBody>
+          <a:bodyPr wrap="none" rtlCol="0">
+            <a:spAutoFit/>
+          </a:bodyPr>
+          <a:lstStyle/>
+          <a:p>
+            <a:r>
+              <a:rPr kumimoji="1" lang="en-US" altLang="zh-CN" dirty="0"/>
+              <a:t>P</a:t>
+            </a:r>
+            <a:endParaRPr kumimoji="1" lang="zh-CN" altLang="en-US" dirty="0"/>
+          </a:p>
+        </p:txBody>
+      </p:sp>
+      <p:sp>
+        <p:nvSpPr>
+          <p:cNvPr id="16" name="矩形 15">
+            <a:extLst>
+              <a:ext uri="{FF2B5EF4-FFF2-40B4-BE49-F238E27FC236}">
+                <a16:creationId xmlns:a16="http://schemas.microsoft.com/office/drawing/2014/main" id="{F16D5AA7-B9B3-3E49-AB3D-DEC4F2CAE966}"/>
+              </a:ext>
+            </a:extLst>
+          </p:cNvPr>
+          <p:cNvSpPr/>
+          <p:nvPr/>
+        </p:nvSpPr>
+        <p:spPr>
+          <a:xfrm>
+            <a:off x="1262097" y="2504928"/>
+            <a:ext cx="574196" cy="369332"/>
+          </a:xfrm>
+          <a:prstGeom prst="rect">
+            <a:avLst/>
+          </a:prstGeom>
+        </p:spPr>
+        <p:txBody>
+          <a:bodyPr wrap="none">
+            <a:spAutoFit/>
+          </a:bodyPr>
+          <a:lstStyle/>
+          <a:p>
+            <a:r>
+              <a:rPr lang="en-US" altLang="zh-CN" dirty="0"/>
+              <a:t>D</a:t>
+            </a:r>
+            <a:r>
+              <a:rPr lang="zh-CN" altLang="en-US" dirty="0"/>
+              <a:t>’</a:t>
+            </a:r>
+          </a:p>
+        </p:txBody>
+      </p:sp>
+      <p:sp>
+        <p:nvSpPr>
+          <p:cNvPr id="17" name="矩形 16">
+            <a:extLst>
+              <a:ext uri="{FF2B5EF4-FFF2-40B4-BE49-F238E27FC236}">
+                <a16:creationId xmlns:a16="http://schemas.microsoft.com/office/drawing/2014/main" id="{0276E5B3-9647-044B-8D85-30FD8746873C}"/>
+              </a:ext>
+            </a:extLst>
+          </p:cNvPr>
+          <p:cNvSpPr/>
+          <p:nvPr/>
+        </p:nvSpPr>
+        <p:spPr>
+          <a:xfrm>
+            <a:off x="2483708" y="2135596"/>
+            <a:ext cx="922047" cy="369332"/>
+          </a:xfrm>
+          <a:prstGeom prst="rect">
+            <a:avLst/>
+          </a:prstGeom>
+        </p:spPr>
+        <p:txBody>
+          <a:bodyPr wrap="none">
+            <a:spAutoFit/>
+          </a:bodyPr>
+          <a:lstStyle/>
+          <a:p>
+            <a:r>
+              <a:rPr kumimoji="1" lang="zh-CN" altLang="en-US" dirty="0"/>
+              <a:t>让</a:t>
+            </a:r>
+            <a:r>
+              <a:rPr kumimoji="1" lang="en-US" altLang="zh-CN" dirty="0"/>
+              <a:t>C=D'</a:t>
+            </a:r>
+            <a:endParaRPr kumimoji="1" lang="zh-CN" altLang="en-US" dirty="0"/>
+          </a:p>
+        </p:txBody>
+      </p:sp>
+      <p:sp>
+        <p:nvSpPr>
+          <p:cNvPr id="18" name="矩形 17">
+            <a:extLst>
+              <a:ext uri="{FF2B5EF4-FFF2-40B4-BE49-F238E27FC236}">
+                <a16:creationId xmlns:a16="http://schemas.microsoft.com/office/drawing/2014/main" id="{D48A57C0-BF30-E542-8737-20A570F1B464}"/>
+              </a:ext>
+            </a:extLst>
+          </p:cNvPr>
+          <p:cNvSpPr/>
+          <p:nvPr/>
+        </p:nvSpPr>
+        <p:spPr>
+          <a:xfrm>
+            <a:off x="205629" y="3614409"/>
+            <a:ext cx="2141933" cy="369332"/>
+          </a:xfrm>
+          <a:prstGeom prst="rect">
+            <a:avLst/>
+          </a:prstGeom>
+        </p:spPr>
+        <p:txBody>
+          <a:bodyPr wrap="none">
+            <a:spAutoFit/>
+          </a:bodyPr>
+          <a:lstStyle/>
+          <a:p>
+            <a:r>
+              <a:rPr lang="en" altLang="zh-CN" dirty="0"/>
+              <a:t>A -&gt; B -&gt; C -&gt; null</a:t>
+            </a:r>
+            <a:endParaRPr lang="zh-CN" altLang="en-US" dirty="0"/>
+          </a:p>
+        </p:txBody>
+      </p:sp>
+      <p:cxnSp>
+        <p:nvCxnSpPr>
+          <p:cNvPr id="19" name="直线箭头连接符 18">
+            <a:extLst>
+              <a:ext uri="{FF2B5EF4-FFF2-40B4-BE49-F238E27FC236}">
+                <a16:creationId xmlns:a16="http://schemas.microsoft.com/office/drawing/2014/main" id="{102F4C59-B716-5942-BBC9-FE8CAC20F01C}"/>
+              </a:ext>
+            </a:extLst>
+          </p:cNvPr>
+          <p:cNvCxnSpPr>
+            <a:cxnSpLocks/>
+          </p:cNvCxnSpPr>
+          <p:nvPr/>
+        </p:nvCxnSpPr>
+        <p:spPr>
+          <a:xfrm flipV="1">
+            <a:off x="377459" y="3983741"/>
+            <a:ext cx="0" cy="353568"/>
+          </a:xfrm>
+          <a:prstGeom prst="straightConnector1">
+            <a:avLst/>
+          </a:prstGeom>
+          <a:ln>
+            <a:tailEnd type="triangle"/>
+          </a:ln>
+        </p:spPr>
+        <p:style>
+          <a:lnRef idx="1">
+            <a:schemeClr val="accent1"/>
+          </a:lnRef>
+          <a:fillRef idx="0">
+            <a:schemeClr val="accent1"/>
+          </a:fillRef>
+          <a:effectRef idx="0">
+            <a:schemeClr val="accent1"/>
+          </a:effectRef>
+          <a:fontRef idx="minor">
+            <a:schemeClr val="tx1"/>
+          </a:fontRef>
+        </p:style>
+      </p:cxnSp>
+      <p:sp>
+        <p:nvSpPr>
+          <p:cNvPr id="20" name="文本框 19">
+            <a:extLst>
+              <a:ext uri="{FF2B5EF4-FFF2-40B4-BE49-F238E27FC236}">
+                <a16:creationId xmlns:a16="http://schemas.microsoft.com/office/drawing/2014/main" id="{86AB36EB-50BA-3249-887E-16A55C942F7C}"/>
+              </a:ext>
+            </a:extLst>
+          </p:cNvPr>
+          <p:cNvSpPr txBox="1"/>
+          <p:nvPr/>
+        </p:nvSpPr>
+        <p:spPr>
+          <a:xfrm>
+            <a:off x="43825" y="4337309"/>
+            <a:ext cx="678391" cy="369332"/>
+          </a:xfrm>
+          <a:prstGeom prst="rect">
+            <a:avLst/>
+          </a:prstGeom>
+          <a:noFill/>
+        </p:spPr>
+        <p:txBody>
+          <a:bodyPr wrap="none" rtlCol="0">
+            <a:spAutoFit/>
+          </a:bodyPr>
+          <a:lstStyle/>
+          <a:p>
+            <a:r>
+              <a:rPr kumimoji="1" lang="en-US" altLang="zh-CN" dirty="0"/>
+              <a:t>head</a:t>
+            </a:r>
+            <a:endParaRPr kumimoji="1" lang="zh-CN" altLang="en-US" dirty="0"/>
+          </a:p>
+        </p:txBody>
+      </p:sp>
+      <p:sp>
+        <p:nvSpPr>
+          <p:cNvPr id="23" name="矩形 22">
+            <a:extLst>
+              <a:ext uri="{FF2B5EF4-FFF2-40B4-BE49-F238E27FC236}">
+                <a16:creationId xmlns:a16="http://schemas.microsoft.com/office/drawing/2014/main" id="{F95AE11D-19B8-0844-90BD-6FB651F8FAFE}"/>
+              </a:ext>
+            </a:extLst>
+          </p:cNvPr>
+          <p:cNvSpPr/>
+          <p:nvPr/>
+        </p:nvSpPr>
+        <p:spPr>
+          <a:xfrm>
+            <a:off x="1262097" y="4020063"/>
+            <a:ext cx="574196" cy="369332"/>
+          </a:xfrm>
+          <a:prstGeom prst="rect">
+            <a:avLst/>
+          </a:prstGeom>
+        </p:spPr>
+        <p:txBody>
+          <a:bodyPr wrap="none">
+            <a:spAutoFit/>
+          </a:bodyPr>
+          <a:lstStyle/>
+          <a:p>
+            <a:r>
+              <a:rPr lang="en-US" altLang="zh-CN" dirty="0"/>
+              <a:t>D</a:t>
+            </a:r>
+            <a:r>
+              <a:rPr lang="zh-CN" altLang="en-US" dirty="0"/>
+              <a:t>’</a:t>
+            </a:r>
+          </a:p>
+        </p:txBody>
+      </p:sp>
+      <p:sp>
+        <p:nvSpPr>
+          <p:cNvPr id="24" name="矩形 23">
+            <a:extLst>
+              <a:ext uri="{FF2B5EF4-FFF2-40B4-BE49-F238E27FC236}">
+                <a16:creationId xmlns:a16="http://schemas.microsoft.com/office/drawing/2014/main" id="{07D8642F-DFBA-7248-A81B-6AC124EDD71B}"/>
+              </a:ext>
+            </a:extLst>
+          </p:cNvPr>
+          <p:cNvSpPr/>
+          <p:nvPr/>
+        </p:nvSpPr>
+        <p:spPr>
+          <a:xfrm>
+            <a:off x="2483708" y="3650731"/>
+            <a:ext cx="1475084" cy="369332"/>
+          </a:xfrm>
+          <a:prstGeom prst="rect">
+            <a:avLst/>
+          </a:prstGeom>
+        </p:spPr>
+        <p:txBody>
+          <a:bodyPr wrap="none">
+            <a:spAutoFit/>
+          </a:bodyPr>
+          <a:lstStyle/>
+          <a:p>
+            <a:r>
+              <a:rPr kumimoji="1" lang="en-US" altLang="zh-CN" dirty="0" err="1"/>
+              <a:t>C.Next</a:t>
+            </a:r>
+            <a:r>
+              <a:rPr kumimoji="1" lang="en-US" altLang="zh-CN" dirty="0"/>
+              <a:t> = null</a:t>
+            </a:r>
+            <a:endParaRPr kumimoji="1" lang="zh-CN" altLang="en-US" dirty="0"/>
           </a:p>
         </p:txBody>
       </p:sp>
     </p:spTree>
     <p:extLst>
       <p:ext uri="{BB962C8B-B14F-4D97-AF65-F5344CB8AC3E}">
-        <p14:creationId xmlns:p14="http://schemas.microsoft.com/office/powerpoint/2010/main" val="2343824976"/>
+        <p14:creationId xmlns:p14="http://schemas.microsoft.com/office/powerpoint/2010/main" val="3840162472"/>
       </p:ext>
     </p:extLst>
   </p:cSld>
@@ -12678,7 +9405,7 @@
           <p:cNvPr id="4" name="矩形 3">
             <a:extLst>
               <a:ext uri="{FF2B5EF4-FFF2-40B4-BE49-F238E27FC236}">
-                <a16:creationId xmlns:a16="http://schemas.microsoft.com/office/drawing/2014/main" id="{AFECA43F-6ADF-6A48-AFDC-72BCBB391629}"/>
+                <a16:creationId xmlns:a16="http://schemas.microsoft.com/office/drawing/2014/main" id="{294908A2-9A89-6C4A-9F1C-8A9E4C6291BB}"/>
               </a:ext>
             </a:extLst>
           </p:cNvPr>
@@ -12687,8 +9414,8 @@
         </p:nvSpPr>
         <p:spPr>
           <a:xfrm>
-            <a:off x="0" y="142788"/>
-            <a:ext cx="2842445" cy="369332"/>
+            <a:off x="0" y="113677"/>
+            <a:ext cx="3278462" cy="369332"/>
           </a:xfrm>
           <a:prstGeom prst="rect">
             <a:avLst/>
@@ -12701,12 +9428,12 @@
           <a:lstStyle/>
           <a:p>
             <a:r>
-              <a:rPr lang="en" altLang="zh-CN" dirty="0">
+              <a:rPr lang="en-US" altLang="zh-CN" dirty="0">
                 <a:solidFill>
                   <a:srgbClr val="FF0000"/>
                 </a:solidFill>
               </a:rPr>
-              <a:t>_17_Print1ToMaxOfNDigits</a:t>
+              <a:t>_18_02_DeleteDuplicationNode</a:t>
             </a:r>
             <a:endParaRPr lang="zh-CN" altLang="en-US" dirty="0">
               <a:solidFill>
@@ -12718,10 +9445,10 @@
       </p:sp>
       <p:sp>
         <p:nvSpPr>
-          <p:cNvPr id="5" name="圆角矩形 4">
-            <a:extLst>
-              <a:ext uri="{FF2B5EF4-FFF2-40B4-BE49-F238E27FC236}">
-                <a16:creationId xmlns:a16="http://schemas.microsoft.com/office/drawing/2014/main" id="{A3645D01-6E44-344F-A7FB-4B38EAFAAE88}"/>
+          <p:cNvPr id="6" name="圆角矩形 5">
+            <a:extLst>
+              <a:ext uri="{FF2B5EF4-FFF2-40B4-BE49-F238E27FC236}">
+                <a16:creationId xmlns:a16="http://schemas.microsoft.com/office/drawing/2014/main" id="{D40D7FAD-4100-0048-AEA3-F91C676F856E}"/>
               </a:ext>
             </a:extLst>
           </p:cNvPr>
@@ -12756,20 +9483,16 @@
           <a:lstStyle/>
           <a:p>
             <a:pPr algn="ctr"/>
-            <a:r>
-              <a:rPr kumimoji="1" lang="en-US" altLang="zh-CN" sz="2400" b="1" dirty="0"/>
-              <a:t>0</a:t>
-            </a:r>
             <a:endParaRPr kumimoji="1" lang="zh-CN" altLang="en-US" sz="2400" b="1" dirty="0"/>
           </a:p>
         </p:txBody>
       </p:sp>
       <p:sp>
         <p:nvSpPr>
-          <p:cNvPr id="6" name="圆角矩形 5">
-            <a:extLst>
-              <a:ext uri="{FF2B5EF4-FFF2-40B4-BE49-F238E27FC236}">
-                <a16:creationId xmlns:a16="http://schemas.microsoft.com/office/drawing/2014/main" id="{C4997B76-980E-414C-9DE5-E3BCDCD069B0}"/>
+          <p:cNvPr id="7" name="圆角矩形 6">
+            <a:extLst>
+              <a:ext uri="{FF2B5EF4-FFF2-40B4-BE49-F238E27FC236}">
+                <a16:creationId xmlns:a16="http://schemas.microsoft.com/office/drawing/2014/main" id="{96992FC7-2BA3-E34F-998E-2C494037BF57}"/>
               </a:ext>
             </a:extLst>
           </p:cNvPr>
@@ -12806,7 +9529,7 @@
             <a:pPr algn="ctr"/>
             <a:r>
               <a:rPr kumimoji="1" lang="en-US" altLang="zh-CN" sz="2400" b="1" dirty="0"/>
-              <a:t>0</a:t>
+              <a:t>5</a:t>
             </a:r>
             <a:endParaRPr kumimoji="1" lang="zh-CN" altLang="en-US" sz="2400" b="1" dirty="0"/>
           </a:p>
@@ -12814,10 +9537,10 @@
       </p:sp>
       <p:sp>
         <p:nvSpPr>
-          <p:cNvPr id="7" name="圆角矩形 6">
-            <a:extLst>
-              <a:ext uri="{FF2B5EF4-FFF2-40B4-BE49-F238E27FC236}">
-                <a16:creationId xmlns:a16="http://schemas.microsoft.com/office/drawing/2014/main" id="{3ED068F6-93B4-0149-AA99-2350A36EE0DA}"/>
+          <p:cNvPr id="8" name="圆角矩形 7">
+            <a:extLst>
+              <a:ext uri="{FF2B5EF4-FFF2-40B4-BE49-F238E27FC236}">
+                <a16:creationId xmlns:a16="http://schemas.microsoft.com/office/drawing/2014/main" id="{63CC1323-0015-234B-A931-8408226DC122}"/>
               </a:ext>
             </a:extLst>
           </p:cNvPr>
@@ -12854,7 +9577,7 @@
             <a:pPr algn="ctr"/>
             <a:r>
               <a:rPr kumimoji="1" lang="en-US" altLang="zh-CN" sz="2400" b="1" dirty="0"/>
-              <a:t>0</a:t>
+              <a:t>5</a:t>
             </a:r>
             <a:endParaRPr kumimoji="1" lang="zh-CN" altLang="en-US" sz="2400" b="1" dirty="0"/>
           </a:p>
@@ -12862,10 +9585,10 @@
       </p:sp>
       <p:sp>
         <p:nvSpPr>
-          <p:cNvPr id="8" name="圆角矩形 7">
-            <a:extLst>
-              <a:ext uri="{FF2B5EF4-FFF2-40B4-BE49-F238E27FC236}">
-                <a16:creationId xmlns:a16="http://schemas.microsoft.com/office/drawing/2014/main" id="{A7A80C8A-41F4-FB4F-9ADB-4A32DCD1FDA4}"/>
+          <p:cNvPr id="9" name="圆角矩形 8">
+            <a:extLst>
+              <a:ext uri="{FF2B5EF4-FFF2-40B4-BE49-F238E27FC236}">
+                <a16:creationId xmlns:a16="http://schemas.microsoft.com/office/drawing/2014/main" id="{7B5F0A39-D6DC-FA4B-A8D9-85CAFA268046}"/>
               </a:ext>
             </a:extLst>
           </p:cNvPr>
@@ -12902,7 +9625,7 @@
             <a:pPr algn="ctr"/>
             <a:r>
               <a:rPr kumimoji="1" lang="en-US" altLang="zh-CN" sz="2400" b="1" dirty="0"/>
-              <a:t>0</a:t>
+              <a:t>5</a:t>
             </a:r>
             <a:endParaRPr kumimoji="1" lang="zh-CN" altLang="en-US" sz="2400" b="1" dirty="0"/>
           </a:p>
@@ -12910,10 +9633,10 @@
       </p:sp>
       <p:sp>
         <p:nvSpPr>
-          <p:cNvPr id="9" name="圆角矩形 8">
-            <a:extLst>
-              <a:ext uri="{FF2B5EF4-FFF2-40B4-BE49-F238E27FC236}">
-                <a16:creationId xmlns:a16="http://schemas.microsoft.com/office/drawing/2014/main" id="{C089CF68-1CF5-2049-BCF3-5D7CECFDC868}"/>
+          <p:cNvPr id="10" name="圆角矩形 9">
+            <a:extLst>
+              <a:ext uri="{FF2B5EF4-FFF2-40B4-BE49-F238E27FC236}">
+                <a16:creationId xmlns:a16="http://schemas.microsoft.com/office/drawing/2014/main" id="{85E7C7B3-34ED-C945-B452-C8462FE54007}"/>
               </a:ext>
             </a:extLst>
           </p:cNvPr>
@@ -12950,7 +9673,7 @@
             <a:pPr algn="ctr"/>
             <a:r>
               <a:rPr kumimoji="1" lang="en-US" altLang="zh-CN" sz="2400" b="1" dirty="0"/>
-              <a:t>0</a:t>
+              <a:t>5</a:t>
             </a:r>
             <a:endParaRPr kumimoji="1" lang="zh-CN" altLang="en-US" sz="2400" b="1" dirty="0"/>
           </a:p>
@@ -12958,10 +9681,10 @@
       </p:sp>
       <p:sp>
         <p:nvSpPr>
-          <p:cNvPr id="10" name="圆角矩形 9">
-            <a:extLst>
-              <a:ext uri="{FF2B5EF4-FFF2-40B4-BE49-F238E27FC236}">
-                <a16:creationId xmlns:a16="http://schemas.microsoft.com/office/drawing/2014/main" id="{EF01A5C2-8B10-4444-9922-9B1DDF47949E}"/>
+          <p:cNvPr id="11" name="圆角矩形 10">
+            <a:extLst>
+              <a:ext uri="{FF2B5EF4-FFF2-40B4-BE49-F238E27FC236}">
+                <a16:creationId xmlns:a16="http://schemas.microsoft.com/office/drawing/2014/main" id="{FCBC5867-DC57-C540-BA3E-A8B6D8DB4D01}"/>
               </a:ext>
             </a:extLst>
           </p:cNvPr>
@@ -12998,7 +9721,7 @@
             <a:pPr algn="ctr"/>
             <a:r>
               <a:rPr kumimoji="1" lang="en-US" altLang="zh-CN" sz="2400" b="1" dirty="0"/>
-              <a:t>0</a:t>
+              <a:t>6</a:t>
             </a:r>
             <a:endParaRPr kumimoji="1" lang="zh-CN" altLang="en-US" sz="2400" b="1" dirty="0"/>
           </a:p>
@@ -13006,10 +9729,10 @@
       </p:sp>
       <p:sp>
         <p:nvSpPr>
-          <p:cNvPr id="11" name="矩形 10">
-            <a:extLst>
-              <a:ext uri="{FF2B5EF4-FFF2-40B4-BE49-F238E27FC236}">
-                <a16:creationId xmlns:a16="http://schemas.microsoft.com/office/drawing/2014/main" id="{77011C22-4E12-5741-B48A-8931166DBBF4}"/>
+          <p:cNvPr id="12" name="圆角矩形 11">
+            <a:extLst>
+              <a:ext uri="{FF2B5EF4-FFF2-40B4-BE49-F238E27FC236}">
+                <a16:creationId xmlns:a16="http://schemas.microsoft.com/office/drawing/2014/main" id="{54D36731-F7A8-5B4D-92C6-5B5A7E50D869}"/>
               </a:ext>
             </a:extLst>
           </p:cNvPr>
@@ -13018,8 +9741,3567 @@
         </p:nvSpPr>
         <p:spPr>
           <a:xfrm>
-            <a:off x="6096000" y="548562"/>
-            <a:ext cx="6096000" cy="646331"/>
+            <a:off x="3791712" y="621792"/>
+            <a:ext cx="609600" cy="499872"/>
+          </a:xfrm>
+          <a:prstGeom prst="roundRect">
+            <a:avLst/>
+          </a:prstGeom>
+        </p:spPr>
+        <p:style>
+          <a:lnRef idx="2">
+            <a:schemeClr val="accent6"/>
+          </a:lnRef>
+          <a:fillRef idx="1">
+            <a:schemeClr val="lt1"/>
+          </a:fillRef>
+          <a:effectRef idx="0">
+            <a:schemeClr val="accent6"/>
+          </a:effectRef>
+          <a:fontRef idx="minor">
+            <a:schemeClr val="dk1"/>
+          </a:fontRef>
+        </p:style>
+        <p:txBody>
+          <a:bodyPr rtlCol="0" anchor="ctr"/>
+          <a:lstStyle/>
+          <a:p>
+            <a:pPr algn="ctr"/>
+            <a:r>
+              <a:rPr kumimoji="1" lang="en-US" altLang="zh-CN" sz="2400" b="1" dirty="0"/>
+              <a:t>7</a:t>
+            </a:r>
+            <a:endParaRPr kumimoji="1" lang="zh-CN" altLang="en-US" sz="2400" b="1" dirty="0"/>
+          </a:p>
+        </p:txBody>
+      </p:sp>
+      <p:sp>
+        <p:nvSpPr>
+          <p:cNvPr id="13" name="圆角矩形 12">
+            <a:extLst>
+              <a:ext uri="{FF2B5EF4-FFF2-40B4-BE49-F238E27FC236}">
+                <a16:creationId xmlns:a16="http://schemas.microsoft.com/office/drawing/2014/main" id="{DEE32E12-248A-0A48-B128-42FBB7EC21F3}"/>
+              </a:ext>
+            </a:extLst>
+          </p:cNvPr>
+          <p:cNvSpPr/>
+          <p:nvPr/>
+        </p:nvSpPr>
+        <p:spPr>
+          <a:xfrm>
+            <a:off x="4401312" y="621792"/>
+            <a:ext cx="609600" cy="499872"/>
+          </a:xfrm>
+          <a:prstGeom prst="roundRect">
+            <a:avLst/>
+          </a:prstGeom>
+        </p:spPr>
+        <p:style>
+          <a:lnRef idx="2">
+            <a:schemeClr val="accent6"/>
+          </a:lnRef>
+          <a:fillRef idx="1">
+            <a:schemeClr val="lt1"/>
+          </a:fillRef>
+          <a:effectRef idx="0">
+            <a:schemeClr val="accent6"/>
+          </a:effectRef>
+          <a:fontRef idx="minor">
+            <a:schemeClr val="dk1"/>
+          </a:fontRef>
+        </p:style>
+        <p:txBody>
+          <a:bodyPr rtlCol="0" anchor="ctr"/>
+          <a:lstStyle/>
+          <a:p>
+            <a:pPr algn="ctr"/>
+            <a:r>
+              <a:rPr kumimoji="1" lang="en-US" altLang="zh-CN" sz="2400" b="1" dirty="0"/>
+              <a:t>8</a:t>
+            </a:r>
+            <a:endParaRPr kumimoji="1" lang="zh-CN" altLang="en-US" sz="2400" b="1" dirty="0"/>
+          </a:p>
+        </p:txBody>
+      </p:sp>
+      <p:cxnSp>
+        <p:nvCxnSpPr>
+          <p:cNvPr id="22" name="直线箭头连接符 21">
+            <a:extLst>
+              <a:ext uri="{FF2B5EF4-FFF2-40B4-BE49-F238E27FC236}">
+                <a16:creationId xmlns:a16="http://schemas.microsoft.com/office/drawing/2014/main" id="{28955C7B-B8BB-0A41-8297-C992122586A1}"/>
+              </a:ext>
+            </a:extLst>
+          </p:cNvPr>
+          <p:cNvCxnSpPr>
+            <a:cxnSpLocks/>
+          </p:cNvCxnSpPr>
+          <p:nvPr/>
+        </p:nvCxnSpPr>
+        <p:spPr>
+          <a:xfrm flipV="1">
+            <a:off x="414528" y="1121664"/>
+            <a:ext cx="0" cy="353568"/>
+          </a:xfrm>
+          <a:prstGeom prst="straightConnector1">
+            <a:avLst/>
+          </a:prstGeom>
+          <a:ln>
+            <a:tailEnd type="triangle"/>
+          </a:ln>
+        </p:spPr>
+        <p:style>
+          <a:lnRef idx="1">
+            <a:schemeClr val="accent1"/>
+          </a:lnRef>
+          <a:fillRef idx="0">
+            <a:schemeClr val="accent1"/>
+          </a:fillRef>
+          <a:effectRef idx="0">
+            <a:schemeClr val="accent1"/>
+          </a:effectRef>
+          <a:fontRef idx="minor">
+            <a:schemeClr val="tx1"/>
+          </a:fontRef>
+        </p:style>
+      </p:cxnSp>
+      <p:sp>
+        <p:nvSpPr>
+          <p:cNvPr id="23" name="文本框 22">
+            <a:extLst>
+              <a:ext uri="{FF2B5EF4-FFF2-40B4-BE49-F238E27FC236}">
+                <a16:creationId xmlns:a16="http://schemas.microsoft.com/office/drawing/2014/main" id="{04799C1F-A43B-884C-B372-3BEB2607AE01}"/>
+              </a:ext>
+            </a:extLst>
+          </p:cNvPr>
+          <p:cNvSpPr txBox="1"/>
+          <p:nvPr/>
+        </p:nvSpPr>
+        <p:spPr>
+          <a:xfrm>
+            <a:off x="181469" y="1478125"/>
+            <a:ext cx="514885" cy="369332"/>
+          </a:xfrm>
+          <a:prstGeom prst="rect">
+            <a:avLst/>
+          </a:prstGeom>
+          <a:noFill/>
+        </p:spPr>
+        <p:txBody>
+          <a:bodyPr wrap="none" rtlCol="0">
+            <a:spAutoFit/>
+          </a:bodyPr>
+          <a:lstStyle/>
+          <a:p>
+            <a:r>
+              <a:rPr kumimoji="1" lang="en-US" altLang="zh-CN" dirty="0"/>
+              <a:t>pre</a:t>
+            </a:r>
+            <a:endParaRPr kumimoji="1" lang="zh-CN" altLang="en-US" dirty="0"/>
+          </a:p>
+        </p:txBody>
+      </p:sp>
+      <p:cxnSp>
+        <p:nvCxnSpPr>
+          <p:cNvPr id="24" name="直线箭头连接符 23">
+            <a:extLst>
+              <a:ext uri="{FF2B5EF4-FFF2-40B4-BE49-F238E27FC236}">
+                <a16:creationId xmlns:a16="http://schemas.microsoft.com/office/drawing/2014/main" id="{1BB7E81C-2E93-C941-817B-C8EAFE7D8C54}"/>
+              </a:ext>
+            </a:extLst>
+          </p:cNvPr>
+          <p:cNvCxnSpPr>
+            <a:cxnSpLocks/>
+          </p:cNvCxnSpPr>
+          <p:nvPr/>
+        </p:nvCxnSpPr>
+        <p:spPr>
+          <a:xfrm flipV="1">
+            <a:off x="915293" y="1135009"/>
+            <a:ext cx="0" cy="353568"/>
+          </a:xfrm>
+          <a:prstGeom prst="straightConnector1">
+            <a:avLst/>
+          </a:prstGeom>
+          <a:ln>
+            <a:tailEnd type="triangle"/>
+          </a:ln>
+        </p:spPr>
+        <p:style>
+          <a:lnRef idx="1">
+            <a:schemeClr val="accent1"/>
+          </a:lnRef>
+          <a:fillRef idx="0">
+            <a:schemeClr val="accent1"/>
+          </a:fillRef>
+          <a:effectRef idx="0">
+            <a:schemeClr val="accent1"/>
+          </a:effectRef>
+          <a:fontRef idx="minor">
+            <a:schemeClr val="tx1"/>
+          </a:fontRef>
+        </p:style>
+      </p:cxnSp>
+      <p:sp>
+        <p:nvSpPr>
+          <p:cNvPr id="25" name="文本框 24">
+            <a:extLst>
+              <a:ext uri="{FF2B5EF4-FFF2-40B4-BE49-F238E27FC236}">
+                <a16:creationId xmlns:a16="http://schemas.microsoft.com/office/drawing/2014/main" id="{59DB1076-212E-944C-BD71-B22DE0210BE8}"/>
+              </a:ext>
+            </a:extLst>
+          </p:cNvPr>
+          <p:cNvSpPr txBox="1"/>
+          <p:nvPr/>
+        </p:nvSpPr>
+        <p:spPr>
+          <a:xfrm>
+            <a:off x="576097" y="1790438"/>
+            <a:ext cx="678391" cy="369332"/>
+          </a:xfrm>
+          <a:prstGeom prst="rect">
+            <a:avLst/>
+          </a:prstGeom>
+          <a:noFill/>
+        </p:spPr>
+        <p:txBody>
+          <a:bodyPr wrap="none" rtlCol="0">
+            <a:spAutoFit/>
+          </a:bodyPr>
+          <a:lstStyle/>
+          <a:p>
+            <a:r>
+              <a:rPr kumimoji="1" lang="en-US" altLang="zh-CN" dirty="0"/>
+              <a:t>head</a:t>
+            </a:r>
+            <a:endParaRPr kumimoji="1" lang="zh-CN" altLang="en-US" dirty="0"/>
+          </a:p>
+        </p:txBody>
+      </p:sp>
+      <p:sp>
+        <p:nvSpPr>
+          <p:cNvPr id="27" name="圆角矩形 26">
+            <a:extLst>
+              <a:ext uri="{FF2B5EF4-FFF2-40B4-BE49-F238E27FC236}">
+                <a16:creationId xmlns:a16="http://schemas.microsoft.com/office/drawing/2014/main" id="{9547ECEE-B30D-834C-88A8-A48873E01CC6}"/>
+              </a:ext>
+            </a:extLst>
+          </p:cNvPr>
+          <p:cNvSpPr/>
+          <p:nvPr/>
+        </p:nvSpPr>
+        <p:spPr>
+          <a:xfrm>
+            <a:off x="6571490" y="621792"/>
+            <a:ext cx="609600" cy="499872"/>
+          </a:xfrm>
+          <a:prstGeom prst="roundRect">
+            <a:avLst/>
+          </a:prstGeom>
+        </p:spPr>
+        <p:style>
+          <a:lnRef idx="2">
+            <a:schemeClr val="accent6"/>
+          </a:lnRef>
+          <a:fillRef idx="1">
+            <a:schemeClr val="lt1"/>
+          </a:fillRef>
+          <a:effectRef idx="0">
+            <a:schemeClr val="accent6"/>
+          </a:effectRef>
+          <a:fontRef idx="minor">
+            <a:schemeClr val="dk1"/>
+          </a:fontRef>
+        </p:style>
+        <p:txBody>
+          <a:bodyPr rtlCol="0" anchor="ctr"/>
+          <a:lstStyle/>
+          <a:p>
+            <a:pPr algn="ctr"/>
+            <a:r>
+              <a:rPr kumimoji="1" lang="en-US" altLang="zh-CN" sz="2400" b="1" dirty="0"/>
+              <a:t>5</a:t>
+            </a:r>
+            <a:endParaRPr kumimoji="1" lang="zh-CN" altLang="en-US" sz="2400" b="1" dirty="0"/>
+          </a:p>
+        </p:txBody>
+      </p:sp>
+      <p:sp>
+        <p:nvSpPr>
+          <p:cNvPr id="28" name="圆角矩形 27">
+            <a:extLst>
+              <a:ext uri="{FF2B5EF4-FFF2-40B4-BE49-F238E27FC236}">
+                <a16:creationId xmlns:a16="http://schemas.microsoft.com/office/drawing/2014/main" id="{3DF24344-3A50-684B-8F2D-E1D9A2FBC989}"/>
+              </a:ext>
+            </a:extLst>
+          </p:cNvPr>
+          <p:cNvSpPr/>
+          <p:nvPr/>
+        </p:nvSpPr>
+        <p:spPr>
+          <a:xfrm>
+            <a:off x="7181090" y="621792"/>
+            <a:ext cx="609600" cy="499872"/>
+          </a:xfrm>
+          <a:prstGeom prst="roundRect">
+            <a:avLst/>
+          </a:prstGeom>
+        </p:spPr>
+        <p:style>
+          <a:lnRef idx="2">
+            <a:schemeClr val="accent6"/>
+          </a:lnRef>
+          <a:fillRef idx="1">
+            <a:schemeClr val="lt1"/>
+          </a:fillRef>
+          <a:effectRef idx="0">
+            <a:schemeClr val="accent6"/>
+          </a:effectRef>
+          <a:fontRef idx="minor">
+            <a:schemeClr val="dk1"/>
+          </a:fontRef>
+        </p:style>
+        <p:txBody>
+          <a:bodyPr rtlCol="0" anchor="ctr"/>
+          <a:lstStyle/>
+          <a:p>
+            <a:pPr algn="ctr"/>
+            <a:r>
+              <a:rPr kumimoji="1" lang="en-US" altLang="zh-CN" sz="2400" b="1" dirty="0"/>
+              <a:t>5</a:t>
+            </a:r>
+            <a:endParaRPr kumimoji="1" lang="zh-CN" altLang="en-US" sz="2400" b="1" dirty="0"/>
+          </a:p>
+        </p:txBody>
+      </p:sp>
+      <p:sp>
+        <p:nvSpPr>
+          <p:cNvPr id="29" name="圆角矩形 28">
+            <a:extLst>
+              <a:ext uri="{FF2B5EF4-FFF2-40B4-BE49-F238E27FC236}">
+                <a16:creationId xmlns:a16="http://schemas.microsoft.com/office/drawing/2014/main" id="{51B2007E-593B-EA40-8DC5-8439B83A7872}"/>
+              </a:ext>
+            </a:extLst>
+          </p:cNvPr>
+          <p:cNvSpPr/>
+          <p:nvPr/>
+        </p:nvSpPr>
+        <p:spPr>
+          <a:xfrm>
+            <a:off x="7790690" y="621792"/>
+            <a:ext cx="609600" cy="499872"/>
+          </a:xfrm>
+          <a:prstGeom prst="roundRect">
+            <a:avLst/>
+          </a:prstGeom>
+        </p:spPr>
+        <p:style>
+          <a:lnRef idx="2">
+            <a:schemeClr val="accent6"/>
+          </a:lnRef>
+          <a:fillRef idx="1">
+            <a:schemeClr val="lt1"/>
+          </a:fillRef>
+          <a:effectRef idx="0">
+            <a:schemeClr val="accent6"/>
+          </a:effectRef>
+          <a:fontRef idx="minor">
+            <a:schemeClr val="dk1"/>
+          </a:fontRef>
+        </p:style>
+        <p:txBody>
+          <a:bodyPr rtlCol="0" anchor="ctr"/>
+          <a:lstStyle/>
+          <a:p>
+            <a:pPr algn="ctr"/>
+            <a:r>
+              <a:rPr kumimoji="1" lang="en-US" altLang="zh-CN" sz="2400" b="1" dirty="0"/>
+              <a:t>5</a:t>
+            </a:r>
+            <a:endParaRPr kumimoji="1" lang="zh-CN" altLang="en-US" sz="2400" b="1" dirty="0"/>
+          </a:p>
+        </p:txBody>
+      </p:sp>
+      <p:sp>
+        <p:nvSpPr>
+          <p:cNvPr id="30" name="圆角矩形 29">
+            <a:extLst>
+              <a:ext uri="{FF2B5EF4-FFF2-40B4-BE49-F238E27FC236}">
+                <a16:creationId xmlns:a16="http://schemas.microsoft.com/office/drawing/2014/main" id="{53CF0A20-683C-134B-BD0D-DEA7DCAD019F}"/>
+              </a:ext>
+            </a:extLst>
+          </p:cNvPr>
+          <p:cNvSpPr/>
+          <p:nvPr/>
+        </p:nvSpPr>
+        <p:spPr>
+          <a:xfrm>
+            <a:off x="8400290" y="621792"/>
+            <a:ext cx="609600" cy="499872"/>
+          </a:xfrm>
+          <a:prstGeom prst="roundRect">
+            <a:avLst/>
+          </a:prstGeom>
+        </p:spPr>
+        <p:style>
+          <a:lnRef idx="2">
+            <a:schemeClr val="accent6"/>
+          </a:lnRef>
+          <a:fillRef idx="1">
+            <a:schemeClr val="lt1"/>
+          </a:fillRef>
+          <a:effectRef idx="0">
+            <a:schemeClr val="accent6"/>
+          </a:effectRef>
+          <a:fontRef idx="minor">
+            <a:schemeClr val="dk1"/>
+          </a:fontRef>
+        </p:style>
+        <p:txBody>
+          <a:bodyPr rtlCol="0" anchor="ctr"/>
+          <a:lstStyle/>
+          <a:p>
+            <a:pPr algn="ctr"/>
+            <a:r>
+              <a:rPr kumimoji="1" lang="en-US" altLang="zh-CN" sz="2400" b="1" dirty="0"/>
+              <a:t>5</a:t>
+            </a:r>
+            <a:endParaRPr kumimoji="1" lang="zh-CN" altLang="en-US" sz="2400" b="1" dirty="0"/>
+          </a:p>
+        </p:txBody>
+      </p:sp>
+      <p:sp>
+        <p:nvSpPr>
+          <p:cNvPr id="26" name="圆角矩形 25">
+            <a:extLst>
+              <a:ext uri="{FF2B5EF4-FFF2-40B4-BE49-F238E27FC236}">
+                <a16:creationId xmlns:a16="http://schemas.microsoft.com/office/drawing/2014/main" id="{50DAD705-162C-D54E-BE99-EDED630C7B81}"/>
+              </a:ext>
+            </a:extLst>
+          </p:cNvPr>
+          <p:cNvSpPr/>
+          <p:nvPr/>
+        </p:nvSpPr>
+        <p:spPr>
+          <a:xfrm>
+            <a:off x="5961890" y="621792"/>
+            <a:ext cx="609600" cy="499872"/>
+          </a:xfrm>
+          <a:prstGeom prst="roundRect">
+            <a:avLst/>
+          </a:prstGeom>
+        </p:spPr>
+        <p:style>
+          <a:lnRef idx="2">
+            <a:schemeClr val="accent6"/>
+          </a:lnRef>
+          <a:fillRef idx="1">
+            <a:schemeClr val="lt1"/>
+          </a:fillRef>
+          <a:effectRef idx="0">
+            <a:schemeClr val="accent6"/>
+          </a:effectRef>
+          <a:fontRef idx="minor">
+            <a:schemeClr val="dk1"/>
+          </a:fontRef>
+        </p:style>
+        <p:txBody>
+          <a:bodyPr rtlCol="0" anchor="ctr"/>
+          <a:lstStyle/>
+          <a:p>
+            <a:pPr algn="ctr"/>
+            <a:r>
+              <a:rPr kumimoji="1" lang="en-US" altLang="zh-CN" sz="2400" b="1" dirty="0"/>
+              <a:t>?</a:t>
+            </a:r>
+            <a:endParaRPr kumimoji="1" lang="zh-CN" altLang="en-US" sz="2400" b="1" dirty="0"/>
+          </a:p>
+        </p:txBody>
+      </p:sp>
+      <p:sp>
+        <p:nvSpPr>
+          <p:cNvPr id="31" name="圆角矩形 30">
+            <a:extLst>
+              <a:ext uri="{FF2B5EF4-FFF2-40B4-BE49-F238E27FC236}">
+                <a16:creationId xmlns:a16="http://schemas.microsoft.com/office/drawing/2014/main" id="{D10BBAD9-AF77-AB4A-AD91-6975BAA2E563}"/>
+              </a:ext>
+            </a:extLst>
+          </p:cNvPr>
+          <p:cNvSpPr/>
+          <p:nvPr/>
+        </p:nvSpPr>
+        <p:spPr>
+          <a:xfrm>
+            <a:off x="9009890" y="621792"/>
+            <a:ext cx="609600" cy="499872"/>
+          </a:xfrm>
+          <a:prstGeom prst="roundRect">
+            <a:avLst/>
+          </a:prstGeom>
+        </p:spPr>
+        <p:style>
+          <a:lnRef idx="2">
+            <a:schemeClr val="accent6"/>
+          </a:lnRef>
+          <a:fillRef idx="1">
+            <a:schemeClr val="lt1"/>
+          </a:fillRef>
+          <a:effectRef idx="0">
+            <a:schemeClr val="accent6"/>
+          </a:effectRef>
+          <a:fontRef idx="minor">
+            <a:schemeClr val="dk1"/>
+          </a:fontRef>
+        </p:style>
+        <p:txBody>
+          <a:bodyPr rtlCol="0" anchor="ctr"/>
+          <a:lstStyle/>
+          <a:p>
+            <a:pPr algn="ctr"/>
+            <a:r>
+              <a:rPr kumimoji="1" lang="en-US" altLang="zh-CN" sz="2400" b="1" dirty="0"/>
+              <a:t>6</a:t>
+            </a:r>
+            <a:endParaRPr kumimoji="1" lang="zh-CN" altLang="en-US" sz="2400" b="1" dirty="0"/>
+          </a:p>
+        </p:txBody>
+      </p:sp>
+      <p:sp>
+        <p:nvSpPr>
+          <p:cNvPr id="32" name="圆角矩形 31">
+            <a:extLst>
+              <a:ext uri="{FF2B5EF4-FFF2-40B4-BE49-F238E27FC236}">
+                <a16:creationId xmlns:a16="http://schemas.microsoft.com/office/drawing/2014/main" id="{4AC493D7-E6FB-1948-BDE0-9E116452564C}"/>
+              </a:ext>
+            </a:extLst>
+          </p:cNvPr>
+          <p:cNvSpPr/>
+          <p:nvPr/>
+        </p:nvSpPr>
+        <p:spPr>
+          <a:xfrm>
+            <a:off x="9619490" y="621792"/>
+            <a:ext cx="609600" cy="499872"/>
+          </a:xfrm>
+          <a:prstGeom prst="roundRect">
+            <a:avLst/>
+          </a:prstGeom>
+        </p:spPr>
+        <p:style>
+          <a:lnRef idx="2">
+            <a:schemeClr val="accent6"/>
+          </a:lnRef>
+          <a:fillRef idx="1">
+            <a:schemeClr val="lt1"/>
+          </a:fillRef>
+          <a:effectRef idx="0">
+            <a:schemeClr val="accent6"/>
+          </a:effectRef>
+          <a:fontRef idx="minor">
+            <a:schemeClr val="dk1"/>
+          </a:fontRef>
+        </p:style>
+        <p:txBody>
+          <a:bodyPr rtlCol="0" anchor="ctr"/>
+          <a:lstStyle/>
+          <a:p>
+            <a:pPr algn="ctr"/>
+            <a:r>
+              <a:rPr kumimoji="1" lang="en-US" altLang="zh-CN" sz="2400" b="1" dirty="0"/>
+              <a:t>7</a:t>
+            </a:r>
+            <a:endParaRPr kumimoji="1" lang="zh-CN" altLang="en-US" sz="2400" b="1" dirty="0"/>
+          </a:p>
+        </p:txBody>
+      </p:sp>
+      <p:sp>
+        <p:nvSpPr>
+          <p:cNvPr id="33" name="圆角矩形 32">
+            <a:extLst>
+              <a:ext uri="{FF2B5EF4-FFF2-40B4-BE49-F238E27FC236}">
+                <a16:creationId xmlns:a16="http://schemas.microsoft.com/office/drawing/2014/main" id="{18CC294B-DD1F-D345-8448-944E0493C7C0}"/>
+              </a:ext>
+            </a:extLst>
+          </p:cNvPr>
+          <p:cNvSpPr/>
+          <p:nvPr/>
+        </p:nvSpPr>
+        <p:spPr>
+          <a:xfrm>
+            <a:off x="10229090" y="621792"/>
+            <a:ext cx="609600" cy="499872"/>
+          </a:xfrm>
+          <a:prstGeom prst="roundRect">
+            <a:avLst/>
+          </a:prstGeom>
+        </p:spPr>
+        <p:style>
+          <a:lnRef idx="2">
+            <a:schemeClr val="accent6"/>
+          </a:lnRef>
+          <a:fillRef idx="1">
+            <a:schemeClr val="lt1"/>
+          </a:fillRef>
+          <a:effectRef idx="0">
+            <a:schemeClr val="accent6"/>
+          </a:effectRef>
+          <a:fontRef idx="minor">
+            <a:schemeClr val="dk1"/>
+          </a:fontRef>
+        </p:style>
+        <p:txBody>
+          <a:bodyPr rtlCol="0" anchor="ctr"/>
+          <a:lstStyle/>
+          <a:p>
+            <a:pPr algn="ctr"/>
+            <a:r>
+              <a:rPr kumimoji="1" lang="en-US" altLang="zh-CN" sz="2400" b="1" dirty="0"/>
+              <a:t>8</a:t>
+            </a:r>
+            <a:endParaRPr kumimoji="1" lang="zh-CN" altLang="en-US" sz="2400" b="1" dirty="0"/>
+          </a:p>
+        </p:txBody>
+      </p:sp>
+      <p:cxnSp>
+        <p:nvCxnSpPr>
+          <p:cNvPr id="34" name="直线箭头连接符 33">
+            <a:extLst>
+              <a:ext uri="{FF2B5EF4-FFF2-40B4-BE49-F238E27FC236}">
+                <a16:creationId xmlns:a16="http://schemas.microsoft.com/office/drawing/2014/main" id="{872F418C-7179-AE44-82E0-0A9B85B4EBCA}"/>
+              </a:ext>
+            </a:extLst>
+          </p:cNvPr>
+          <p:cNvCxnSpPr>
+            <a:cxnSpLocks/>
+          </p:cNvCxnSpPr>
+          <p:nvPr/>
+        </p:nvCxnSpPr>
+        <p:spPr>
+          <a:xfrm flipV="1">
+            <a:off x="6242306" y="1121664"/>
+            <a:ext cx="0" cy="353568"/>
+          </a:xfrm>
+          <a:prstGeom prst="straightConnector1">
+            <a:avLst/>
+          </a:prstGeom>
+          <a:ln>
+            <a:tailEnd type="triangle"/>
+          </a:ln>
+        </p:spPr>
+        <p:style>
+          <a:lnRef idx="1">
+            <a:schemeClr val="accent1"/>
+          </a:lnRef>
+          <a:fillRef idx="0">
+            <a:schemeClr val="accent1"/>
+          </a:fillRef>
+          <a:effectRef idx="0">
+            <a:schemeClr val="accent1"/>
+          </a:effectRef>
+          <a:fontRef idx="minor">
+            <a:schemeClr val="tx1"/>
+          </a:fontRef>
+        </p:style>
+      </p:cxnSp>
+      <p:sp>
+        <p:nvSpPr>
+          <p:cNvPr id="35" name="文本框 34">
+            <a:extLst>
+              <a:ext uri="{FF2B5EF4-FFF2-40B4-BE49-F238E27FC236}">
+                <a16:creationId xmlns:a16="http://schemas.microsoft.com/office/drawing/2014/main" id="{4ADD9723-8BE0-1948-A02B-D5E95A5AD13D}"/>
+              </a:ext>
+            </a:extLst>
+          </p:cNvPr>
+          <p:cNvSpPr txBox="1"/>
+          <p:nvPr/>
+        </p:nvSpPr>
+        <p:spPr>
+          <a:xfrm>
+            <a:off x="6009247" y="1478125"/>
+            <a:ext cx="514885" cy="369332"/>
+          </a:xfrm>
+          <a:prstGeom prst="rect">
+            <a:avLst/>
+          </a:prstGeom>
+          <a:noFill/>
+        </p:spPr>
+        <p:txBody>
+          <a:bodyPr wrap="none" rtlCol="0">
+            <a:spAutoFit/>
+          </a:bodyPr>
+          <a:lstStyle/>
+          <a:p>
+            <a:r>
+              <a:rPr kumimoji="1" lang="en-US" altLang="zh-CN" dirty="0"/>
+              <a:t>pre</a:t>
+            </a:r>
+            <a:endParaRPr kumimoji="1" lang="zh-CN" altLang="en-US" dirty="0"/>
+          </a:p>
+        </p:txBody>
+      </p:sp>
+      <p:cxnSp>
+        <p:nvCxnSpPr>
+          <p:cNvPr id="36" name="直线箭头连接符 35">
+            <a:extLst>
+              <a:ext uri="{FF2B5EF4-FFF2-40B4-BE49-F238E27FC236}">
+                <a16:creationId xmlns:a16="http://schemas.microsoft.com/office/drawing/2014/main" id="{C11D04FB-0A28-DD4E-801B-29B79498AA2D}"/>
+              </a:ext>
+            </a:extLst>
+          </p:cNvPr>
+          <p:cNvCxnSpPr>
+            <a:cxnSpLocks/>
+          </p:cNvCxnSpPr>
+          <p:nvPr/>
+        </p:nvCxnSpPr>
+        <p:spPr>
+          <a:xfrm flipV="1">
+            <a:off x="9078086" y="1147755"/>
+            <a:ext cx="0" cy="353568"/>
+          </a:xfrm>
+          <a:prstGeom prst="straightConnector1">
+            <a:avLst/>
+          </a:prstGeom>
+          <a:ln>
+            <a:tailEnd type="triangle"/>
+          </a:ln>
+        </p:spPr>
+        <p:style>
+          <a:lnRef idx="1">
+            <a:schemeClr val="accent1"/>
+          </a:lnRef>
+          <a:fillRef idx="0">
+            <a:schemeClr val="accent1"/>
+          </a:fillRef>
+          <a:effectRef idx="0">
+            <a:schemeClr val="accent1"/>
+          </a:effectRef>
+          <a:fontRef idx="minor">
+            <a:schemeClr val="tx1"/>
+          </a:fontRef>
+        </p:style>
+      </p:cxnSp>
+      <p:sp>
+        <p:nvSpPr>
+          <p:cNvPr id="37" name="文本框 36">
+            <a:extLst>
+              <a:ext uri="{FF2B5EF4-FFF2-40B4-BE49-F238E27FC236}">
+                <a16:creationId xmlns:a16="http://schemas.microsoft.com/office/drawing/2014/main" id="{F1A8B725-3CC2-4249-82DD-00C4D65C0ECB}"/>
+              </a:ext>
+            </a:extLst>
+          </p:cNvPr>
+          <p:cNvSpPr txBox="1"/>
+          <p:nvPr/>
+        </p:nvSpPr>
+        <p:spPr>
+          <a:xfrm>
+            <a:off x="8588941" y="1673144"/>
+            <a:ext cx="678391" cy="369332"/>
+          </a:xfrm>
+          <a:prstGeom prst="rect">
+            <a:avLst/>
+          </a:prstGeom>
+          <a:noFill/>
+        </p:spPr>
+        <p:txBody>
+          <a:bodyPr wrap="none" rtlCol="0">
+            <a:spAutoFit/>
+          </a:bodyPr>
+          <a:lstStyle/>
+          <a:p>
+            <a:r>
+              <a:rPr kumimoji="1" lang="en-US" altLang="zh-CN" dirty="0"/>
+              <a:t>head</a:t>
+            </a:r>
+            <a:endParaRPr kumimoji="1" lang="zh-CN" altLang="en-US" dirty="0"/>
+          </a:p>
+        </p:txBody>
+      </p:sp>
+      <p:sp>
+        <p:nvSpPr>
+          <p:cNvPr id="38" name="圆角矩形 37">
+            <a:extLst>
+              <a:ext uri="{FF2B5EF4-FFF2-40B4-BE49-F238E27FC236}">
+                <a16:creationId xmlns:a16="http://schemas.microsoft.com/office/drawing/2014/main" id="{9167F176-05A6-F546-974B-454D16CB3BA8}"/>
+              </a:ext>
+            </a:extLst>
+          </p:cNvPr>
+          <p:cNvSpPr/>
+          <p:nvPr/>
+        </p:nvSpPr>
+        <p:spPr>
+          <a:xfrm>
+            <a:off x="134112" y="2417012"/>
+            <a:ext cx="609600" cy="499872"/>
+          </a:xfrm>
+          <a:prstGeom prst="roundRect">
+            <a:avLst/>
+          </a:prstGeom>
+        </p:spPr>
+        <p:style>
+          <a:lnRef idx="2">
+            <a:schemeClr val="accent6"/>
+          </a:lnRef>
+          <a:fillRef idx="1">
+            <a:schemeClr val="lt1"/>
+          </a:fillRef>
+          <a:effectRef idx="0">
+            <a:schemeClr val="accent6"/>
+          </a:effectRef>
+          <a:fontRef idx="minor">
+            <a:schemeClr val="dk1"/>
+          </a:fontRef>
+        </p:style>
+        <p:txBody>
+          <a:bodyPr rtlCol="0" anchor="ctr"/>
+          <a:lstStyle/>
+          <a:p>
+            <a:pPr algn="ctr"/>
+            <a:r>
+              <a:rPr kumimoji="1" lang="en-US" altLang="zh-CN" sz="2400" b="1" dirty="0"/>
+              <a:t>?</a:t>
+            </a:r>
+            <a:endParaRPr kumimoji="1" lang="zh-CN" altLang="en-US" sz="2400" b="1" dirty="0"/>
+          </a:p>
+        </p:txBody>
+      </p:sp>
+      <p:sp>
+        <p:nvSpPr>
+          <p:cNvPr id="39" name="圆角矩形 38">
+            <a:extLst>
+              <a:ext uri="{FF2B5EF4-FFF2-40B4-BE49-F238E27FC236}">
+                <a16:creationId xmlns:a16="http://schemas.microsoft.com/office/drawing/2014/main" id="{6B4DC8C3-6491-A84C-9D3D-997DF1581331}"/>
+              </a:ext>
+            </a:extLst>
+          </p:cNvPr>
+          <p:cNvSpPr/>
+          <p:nvPr/>
+        </p:nvSpPr>
+        <p:spPr>
+          <a:xfrm>
+            <a:off x="743712" y="2417012"/>
+            <a:ext cx="609600" cy="499872"/>
+          </a:xfrm>
+          <a:prstGeom prst="roundRect">
+            <a:avLst/>
+          </a:prstGeom>
+        </p:spPr>
+        <p:style>
+          <a:lnRef idx="2">
+            <a:schemeClr val="accent6"/>
+          </a:lnRef>
+          <a:fillRef idx="1">
+            <a:schemeClr val="lt1"/>
+          </a:fillRef>
+          <a:effectRef idx="0">
+            <a:schemeClr val="accent6"/>
+          </a:effectRef>
+          <a:fontRef idx="minor">
+            <a:schemeClr val="dk1"/>
+          </a:fontRef>
+        </p:style>
+        <p:txBody>
+          <a:bodyPr rtlCol="0" anchor="ctr"/>
+          <a:lstStyle/>
+          <a:p>
+            <a:pPr algn="ctr"/>
+            <a:r>
+              <a:rPr kumimoji="1" lang="en-US" altLang="zh-CN" sz="2400" b="1" dirty="0"/>
+              <a:t>1</a:t>
+            </a:r>
+            <a:endParaRPr kumimoji="1" lang="zh-CN" altLang="en-US" sz="2400" b="1" dirty="0"/>
+          </a:p>
+        </p:txBody>
+      </p:sp>
+      <p:sp>
+        <p:nvSpPr>
+          <p:cNvPr id="40" name="圆角矩形 39">
+            <a:extLst>
+              <a:ext uri="{FF2B5EF4-FFF2-40B4-BE49-F238E27FC236}">
+                <a16:creationId xmlns:a16="http://schemas.microsoft.com/office/drawing/2014/main" id="{31903EE7-D64F-954F-B018-E692A411E0ED}"/>
+              </a:ext>
+            </a:extLst>
+          </p:cNvPr>
+          <p:cNvSpPr/>
+          <p:nvPr/>
+        </p:nvSpPr>
+        <p:spPr>
+          <a:xfrm>
+            <a:off x="1353312" y="2417012"/>
+            <a:ext cx="609600" cy="499872"/>
+          </a:xfrm>
+          <a:prstGeom prst="roundRect">
+            <a:avLst/>
+          </a:prstGeom>
+        </p:spPr>
+        <p:style>
+          <a:lnRef idx="2">
+            <a:schemeClr val="accent6"/>
+          </a:lnRef>
+          <a:fillRef idx="1">
+            <a:schemeClr val="lt1"/>
+          </a:fillRef>
+          <a:effectRef idx="0">
+            <a:schemeClr val="accent6"/>
+          </a:effectRef>
+          <a:fontRef idx="minor">
+            <a:schemeClr val="dk1"/>
+          </a:fontRef>
+        </p:style>
+        <p:txBody>
+          <a:bodyPr rtlCol="0" anchor="ctr"/>
+          <a:lstStyle/>
+          <a:p>
+            <a:pPr algn="ctr"/>
+            <a:r>
+              <a:rPr kumimoji="1" lang="en-US" altLang="zh-CN" sz="2400" b="1" dirty="0"/>
+              <a:t>5</a:t>
+            </a:r>
+            <a:endParaRPr kumimoji="1" lang="zh-CN" altLang="en-US" sz="2400" b="1" dirty="0"/>
+          </a:p>
+        </p:txBody>
+      </p:sp>
+      <p:sp>
+        <p:nvSpPr>
+          <p:cNvPr id="41" name="圆角矩形 40">
+            <a:extLst>
+              <a:ext uri="{FF2B5EF4-FFF2-40B4-BE49-F238E27FC236}">
+                <a16:creationId xmlns:a16="http://schemas.microsoft.com/office/drawing/2014/main" id="{EFB08D54-7297-EC42-83B4-5AB9DB4756FD}"/>
+              </a:ext>
+            </a:extLst>
+          </p:cNvPr>
+          <p:cNvSpPr/>
+          <p:nvPr/>
+        </p:nvSpPr>
+        <p:spPr>
+          <a:xfrm>
+            <a:off x="1962912" y="2417012"/>
+            <a:ext cx="609600" cy="499872"/>
+          </a:xfrm>
+          <a:prstGeom prst="roundRect">
+            <a:avLst/>
+          </a:prstGeom>
+        </p:spPr>
+        <p:style>
+          <a:lnRef idx="2">
+            <a:schemeClr val="accent6"/>
+          </a:lnRef>
+          <a:fillRef idx="1">
+            <a:schemeClr val="lt1"/>
+          </a:fillRef>
+          <a:effectRef idx="0">
+            <a:schemeClr val="accent6"/>
+          </a:effectRef>
+          <a:fontRef idx="minor">
+            <a:schemeClr val="dk1"/>
+          </a:fontRef>
+        </p:style>
+        <p:txBody>
+          <a:bodyPr rtlCol="0" anchor="ctr"/>
+          <a:lstStyle/>
+          <a:p>
+            <a:pPr algn="ctr"/>
+            <a:r>
+              <a:rPr kumimoji="1" lang="en-US" altLang="zh-CN" sz="2400" b="1" dirty="0"/>
+              <a:t>5</a:t>
+            </a:r>
+            <a:endParaRPr kumimoji="1" lang="zh-CN" altLang="en-US" sz="2400" b="1" dirty="0"/>
+          </a:p>
+        </p:txBody>
+      </p:sp>
+      <p:sp>
+        <p:nvSpPr>
+          <p:cNvPr id="42" name="圆角矩形 41">
+            <a:extLst>
+              <a:ext uri="{FF2B5EF4-FFF2-40B4-BE49-F238E27FC236}">
+                <a16:creationId xmlns:a16="http://schemas.microsoft.com/office/drawing/2014/main" id="{062B1955-1490-4E4B-9BDF-B4FCC3FB8FC3}"/>
+              </a:ext>
+            </a:extLst>
+          </p:cNvPr>
+          <p:cNvSpPr/>
+          <p:nvPr/>
+        </p:nvSpPr>
+        <p:spPr>
+          <a:xfrm>
+            <a:off x="2572512" y="2417012"/>
+            <a:ext cx="609600" cy="499872"/>
+          </a:xfrm>
+          <a:prstGeom prst="roundRect">
+            <a:avLst/>
+          </a:prstGeom>
+        </p:spPr>
+        <p:style>
+          <a:lnRef idx="2">
+            <a:schemeClr val="accent6"/>
+          </a:lnRef>
+          <a:fillRef idx="1">
+            <a:schemeClr val="lt1"/>
+          </a:fillRef>
+          <a:effectRef idx="0">
+            <a:schemeClr val="accent6"/>
+          </a:effectRef>
+          <a:fontRef idx="minor">
+            <a:schemeClr val="dk1"/>
+          </a:fontRef>
+        </p:style>
+        <p:txBody>
+          <a:bodyPr rtlCol="0" anchor="ctr"/>
+          <a:lstStyle/>
+          <a:p>
+            <a:pPr algn="ctr"/>
+            <a:r>
+              <a:rPr kumimoji="1" lang="en-US" altLang="zh-CN" sz="2400" b="1" dirty="0"/>
+              <a:t>5</a:t>
+            </a:r>
+            <a:endParaRPr kumimoji="1" lang="zh-CN" altLang="en-US" sz="2400" b="1" dirty="0"/>
+          </a:p>
+        </p:txBody>
+      </p:sp>
+      <p:sp>
+        <p:nvSpPr>
+          <p:cNvPr id="43" name="圆角矩形 42">
+            <a:extLst>
+              <a:ext uri="{FF2B5EF4-FFF2-40B4-BE49-F238E27FC236}">
+                <a16:creationId xmlns:a16="http://schemas.microsoft.com/office/drawing/2014/main" id="{FEF34E59-B213-F542-8385-7028C03225D0}"/>
+              </a:ext>
+            </a:extLst>
+          </p:cNvPr>
+          <p:cNvSpPr/>
+          <p:nvPr/>
+        </p:nvSpPr>
+        <p:spPr>
+          <a:xfrm>
+            <a:off x="3182112" y="2417012"/>
+            <a:ext cx="609600" cy="499872"/>
+          </a:xfrm>
+          <a:prstGeom prst="roundRect">
+            <a:avLst/>
+          </a:prstGeom>
+        </p:spPr>
+        <p:style>
+          <a:lnRef idx="2">
+            <a:schemeClr val="accent6"/>
+          </a:lnRef>
+          <a:fillRef idx="1">
+            <a:schemeClr val="lt1"/>
+          </a:fillRef>
+          <a:effectRef idx="0">
+            <a:schemeClr val="accent6"/>
+          </a:effectRef>
+          <a:fontRef idx="minor">
+            <a:schemeClr val="dk1"/>
+          </a:fontRef>
+        </p:style>
+        <p:txBody>
+          <a:bodyPr rtlCol="0" anchor="ctr"/>
+          <a:lstStyle/>
+          <a:p>
+            <a:pPr algn="ctr"/>
+            <a:r>
+              <a:rPr kumimoji="1" lang="en-US" altLang="zh-CN" sz="2400" b="1" dirty="0"/>
+              <a:t>6</a:t>
+            </a:r>
+            <a:endParaRPr kumimoji="1" lang="zh-CN" altLang="en-US" sz="2400" b="1" dirty="0"/>
+          </a:p>
+        </p:txBody>
+      </p:sp>
+      <p:sp>
+        <p:nvSpPr>
+          <p:cNvPr id="44" name="圆角矩形 43">
+            <a:extLst>
+              <a:ext uri="{FF2B5EF4-FFF2-40B4-BE49-F238E27FC236}">
+                <a16:creationId xmlns:a16="http://schemas.microsoft.com/office/drawing/2014/main" id="{C0C661AD-4705-A84A-BC26-410C9A346797}"/>
+              </a:ext>
+            </a:extLst>
+          </p:cNvPr>
+          <p:cNvSpPr/>
+          <p:nvPr/>
+        </p:nvSpPr>
+        <p:spPr>
+          <a:xfrm>
+            <a:off x="3791712" y="2417012"/>
+            <a:ext cx="609600" cy="499872"/>
+          </a:xfrm>
+          <a:prstGeom prst="roundRect">
+            <a:avLst/>
+          </a:prstGeom>
+        </p:spPr>
+        <p:style>
+          <a:lnRef idx="2">
+            <a:schemeClr val="accent6"/>
+          </a:lnRef>
+          <a:fillRef idx="1">
+            <a:schemeClr val="lt1"/>
+          </a:fillRef>
+          <a:effectRef idx="0">
+            <a:schemeClr val="accent6"/>
+          </a:effectRef>
+          <a:fontRef idx="minor">
+            <a:schemeClr val="dk1"/>
+          </a:fontRef>
+        </p:style>
+        <p:txBody>
+          <a:bodyPr rtlCol="0" anchor="ctr"/>
+          <a:lstStyle/>
+          <a:p>
+            <a:pPr algn="ctr"/>
+            <a:r>
+              <a:rPr kumimoji="1" lang="en-US" altLang="zh-CN" sz="2400" b="1" dirty="0"/>
+              <a:t>7</a:t>
+            </a:r>
+            <a:endParaRPr kumimoji="1" lang="zh-CN" altLang="en-US" sz="2400" b="1" dirty="0"/>
+          </a:p>
+        </p:txBody>
+      </p:sp>
+      <p:sp>
+        <p:nvSpPr>
+          <p:cNvPr id="45" name="圆角矩形 44">
+            <a:extLst>
+              <a:ext uri="{FF2B5EF4-FFF2-40B4-BE49-F238E27FC236}">
+                <a16:creationId xmlns:a16="http://schemas.microsoft.com/office/drawing/2014/main" id="{8D1CD15D-954D-E146-877C-172CA8706B15}"/>
+              </a:ext>
+            </a:extLst>
+          </p:cNvPr>
+          <p:cNvSpPr/>
+          <p:nvPr/>
+        </p:nvSpPr>
+        <p:spPr>
+          <a:xfrm>
+            <a:off x="4401312" y="2417012"/>
+            <a:ext cx="609600" cy="499872"/>
+          </a:xfrm>
+          <a:prstGeom prst="roundRect">
+            <a:avLst/>
+          </a:prstGeom>
+        </p:spPr>
+        <p:style>
+          <a:lnRef idx="2">
+            <a:schemeClr val="accent6"/>
+          </a:lnRef>
+          <a:fillRef idx="1">
+            <a:schemeClr val="lt1"/>
+          </a:fillRef>
+          <a:effectRef idx="0">
+            <a:schemeClr val="accent6"/>
+          </a:effectRef>
+          <a:fontRef idx="minor">
+            <a:schemeClr val="dk1"/>
+          </a:fontRef>
+        </p:style>
+        <p:txBody>
+          <a:bodyPr rtlCol="0" anchor="ctr"/>
+          <a:lstStyle/>
+          <a:p>
+            <a:pPr algn="ctr"/>
+            <a:r>
+              <a:rPr kumimoji="1" lang="en-US" altLang="zh-CN" sz="2400" b="1" dirty="0"/>
+              <a:t>8</a:t>
+            </a:r>
+            <a:endParaRPr kumimoji="1" lang="zh-CN" altLang="en-US" sz="2400" b="1" dirty="0"/>
+          </a:p>
+        </p:txBody>
+      </p:sp>
+      <p:cxnSp>
+        <p:nvCxnSpPr>
+          <p:cNvPr id="46" name="直线箭头连接符 45">
+            <a:extLst>
+              <a:ext uri="{FF2B5EF4-FFF2-40B4-BE49-F238E27FC236}">
+                <a16:creationId xmlns:a16="http://schemas.microsoft.com/office/drawing/2014/main" id="{48A78B45-4636-B345-8750-934A2B348D18}"/>
+              </a:ext>
+            </a:extLst>
+          </p:cNvPr>
+          <p:cNvCxnSpPr>
+            <a:cxnSpLocks/>
+          </p:cNvCxnSpPr>
+          <p:nvPr/>
+        </p:nvCxnSpPr>
+        <p:spPr>
+          <a:xfrm flipV="1">
+            <a:off x="414528" y="2916884"/>
+            <a:ext cx="0" cy="353568"/>
+          </a:xfrm>
+          <a:prstGeom prst="straightConnector1">
+            <a:avLst/>
+          </a:prstGeom>
+          <a:ln>
+            <a:tailEnd type="triangle"/>
+          </a:ln>
+        </p:spPr>
+        <p:style>
+          <a:lnRef idx="1">
+            <a:schemeClr val="accent1"/>
+          </a:lnRef>
+          <a:fillRef idx="0">
+            <a:schemeClr val="accent1"/>
+          </a:fillRef>
+          <a:effectRef idx="0">
+            <a:schemeClr val="accent1"/>
+          </a:effectRef>
+          <a:fontRef idx="minor">
+            <a:schemeClr val="tx1"/>
+          </a:fontRef>
+        </p:style>
+      </p:cxnSp>
+      <p:sp>
+        <p:nvSpPr>
+          <p:cNvPr id="47" name="文本框 46">
+            <a:extLst>
+              <a:ext uri="{FF2B5EF4-FFF2-40B4-BE49-F238E27FC236}">
+                <a16:creationId xmlns:a16="http://schemas.microsoft.com/office/drawing/2014/main" id="{AB11396E-A3D0-4D4E-9BE6-4F5F7C9315E1}"/>
+              </a:ext>
+            </a:extLst>
+          </p:cNvPr>
+          <p:cNvSpPr txBox="1"/>
+          <p:nvPr/>
+        </p:nvSpPr>
+        <p:spPr>
+          <a:xfrm>
+            <a:off x="181469" y="3273345"/>
+            <a:ext cx="514885" cy="369332"/>
+          </a:xfrm>
+          <a:prstGeom prst="rect">
+            <a:avLst/>
+          </a:prstGeom>
+          <a:noFill/>
+        </p:spPr>
+        <p:txBody>
+          <a:bodyPr wrap="none" rtlCol="0">
+            <a:spAutoFit/>
+          </a:bodyPr>
+          <a:lstStyle/>
+          <a:p>
+            <a:r>
+              <a:rPr kumimoji="1" lang="en-US" altLang="zh-CN" dirty="0"/>
+              <a:t>pre</a:t>
+            </a:r>
+            <a:endParaRPr kumimoji="1" lang="zh-CN" altLang="en-US" dirty="0"/>
+          </a:p>
+        </p:txBody>
+      </p:sp>
+      <p:cxnSp>
+        <p:nvCxnSpPr>
+          <p:cNvPr id="48" name="直线箭头连接符 47">
+            <a:extLst>
+              <a:ext uri="{FF2B5EF4-FFF2-40B4-BE49-F238E27FC236}">
+                <a16:creationId xmlns:a16="http://schemas.microsoft.com/office/drawing/2014/main" id="{40056881-D9CC-7745-9676-02ED92C693BE}"/>
+              </a:ext>
+            </a:extLst>
+          </p:cNvPr>
+          <p:cNvCxnSpPr>
+            <a:cxnSpLocks/>
+          </p:cNvCxnSpPr>
+          <p:nvPr/>
+        </p:nvCxnSpPr>
+        <p:spPr>
+          <a:xfrm flipV="1">
+            <a:off x="1026504" y="2916884"/>
+            <a:ext cx="0" cy="353568"/>
+          </a:xfrm>
+          <a:prstGeom prst="straightConnector1">
+            <a:avLst/>
+          </a:prstGeom>
+          <a:ln>
+            <a:tailEnd type="triangle"/>
+          </a:ln>
+        </p:spPr>
+        <p:style>
+          <a:lnRef idx="1">
+            <a:schemeClr val="accent1"/>
+          </a:lnRef>
+          <a:fillRef idx="0">
+            <a:schemeClr val="accent1"/>
+          </a:fillRef>
+          <a:effectRef idx="0">
+            <a:schemeClr val="accent1"/>
+          </a:effectRef>
+          <a:fontRef idx="minor">
+            <a:schemeClr val="tx1"/>
+          </a:fontRef>
+        </p:style>
+      </p:cxnSp>
+      <p:sp>
+        <p:nvSpPr>
+          <p:cNvPr id="49" name="文本框 48">
+            <a:extLst>
+              <a:ext uri="{FF2B5EF4-FFF2-40B4-BE49-F238E27FC236}">
+                <a16:creationId xmlns:a16="http://schemas.microsoft.com/office/drawing/2014/main" id="{16FDE00C-F62A-2B4C-949C-688651A71AAD}"/>
+              </a:ext>
+            </a:extLst>
+          </p:cNvPr>
+          <p:cNvSpPr txBox="1"/>
+          <p:nvPr/>
+        </p:nvSpPr>
+        <p:spPr>
+          <a:xfrm>
+            <a:off x="668786" y="3486439"/>
+            <a:ext cx="678391" cy="369332"/>
+          </a:xfrm>
+          <a:prstGeom prst="rect">
+            <a:avLst/>
+          </a:prstGeom>
+          <a:noFill/>
+        </p:spPr>
+        <p:txBody>
+          <a:bodyPr wrap="none" rtlCol="0">
+            <a:spAutoFit/>
+          </a:bodyPr>
+          <a:lstStyle/>
+          <a:p>
+            <a:r>
+              <a:rPr kumimoji="1" lang="en-US" altLang="zh-CN" dirty="0"/>
+              <a:t>head</a:t>
+            </a:r>
+            <a:endParaRPr kumimoji="1" lang="zh-CN" altLang="en-US" dirty="0"/>
+          </a:p>
+        </p:txBody>
+      </p:sp>
+      <p:sp>
+        <p:nvSpPr>
+          <p:cNvPr id="50" name="圆角矩形 49">
+            <a:extLst>
+              <a:ext uri="{FF2B5EF4-FFF2-40B4-BE49-F238E27FC236}">
+                <a16:creationId xmlns:a16="http://schemas.microsoft.com/office/drawing/2014/main" id="{4E313451-A2B2-AA40-AAC3-6294F9132F0E}"/>
+              </a:ext>
+            </a:extLst>
+          </p:cNvPr>
+          <p:cNvSpPr/>
+          <p:nvPr/>
+        </p:nvSpPr>
+        <p:spPr>
+          <a:xfrm>
+            <a:off x="5914532" y="2417012"/>
+            <a:ext cx="609600" cy="499872"/>
+          </a:xfrm>
+          <a:prstGeom prst="roundRect">
+            <a:avLst/>
+          </a:prstGeom>
+        </p:spPr>
+        <p:style>
+          <a:lnRef idx="2">
+            <a:schemeClr val="accent6"/>
+          </a:lnRef>
+          <a:fillRef idx="1">
+            <a:schemeClr val="lt1"/>
+          </a:fillRef>
+          <a:effectRef idx="0">
+            <a:schemeClr val="accent6"/>
+          </a:effectRef>
+          <a:fontRef idx="minor">
+            <a:schemeClr val="dk1"/>
+          </a:fontRef>
+        </p:style>
+        <p:txBody>
+          <a:bodyPr rtlCol="0" anchor="ctr"/>
+          <a:lstStyle/>
+          <a:p>
+            <a:pPr algn="ctr"/>
+            <a:r>
+              <a:rPr kumimoji="1" lang="en-US" altLang="zh-CN" sz="2400" b="1" dirty="0"/>
+              <a:t>?</a:t>
+            </a:r>
+            <a:endParaRPr kumimoji="1" lang="zh-CN" altLang="en-US" sz="2400" b="1" dirty="0"/>
+          </a:p>
+        </p:txBody>
+      </p:sp>
+      <p:sp>
+        <p:nvSpPr>
+          <p:cNvPr id="51" name="圆角矩形 50">
+            <a:extLst>
+              <a:ext uri="{FF2B5EF4-FFF2-40B4-BE49-F238E27FC236}">
+                <a16:creationId xmlns:a16="http://schemas.microsoft.com/office/drawing/2014/main" id="{5801DD6C-0A66-E94D-A994-1F6C2ACD8C90}"/>
+              </a:ext>
+            </a:extLst>
+          </p:cNvPr>
+          <p:cNvSpPr/>
+          <p:nvPr/>
+        </p:nvSpPr>
+        <p:spPr>
+          <a:xfrm>
+            <a:off x="6524132" y="2417012"/>
+            <a:ext cx="609600" cy="499872"/>
+          </a:xfrm>
+          <a:prstGeom prst="roundRect">
+            <a:avLst/>
+          </a:prstGeom>
+        </p:spPr>
+        <p:style>
+          <a:lnRef idx="2">
+            <a:schemeClr val="accent6"/>
+          </a:lnRef>
+          <a:fillRef idx="1">
+            <a:schemeClr val="lt1"/>
+          </a:fillRef>
+          <a:effectRef idx="0">
+            <a:schemeClr val="accent6"/>
+          </a:effectRef>
+          <a:fontRef idx="minor">
+            <a:schemeClr val="dk1"/>
+          </a:fontRef>
+        </p:style>
+        <p:txBody>
+          <a:bodyPr rtlCol="0" anchor="ctr"/>
+          <a:lstStyle/>
+          <a:p>
+            <a:pPr algn="ctr"/>
+            <a:r>
+              <a:rPr kumimoji="1" lang="en-US" altLang="zh-CN" sz="2400" b="1" dirty="0"/>
+              <a:t>1</a:t>
+            </a:r>
+            <a:endParaRPr kumimoji="1" lang="zh-CN" altLang="en-US" sz="2400" b="1" dirty="0"/>
+          </a:p>
+        </p:txBody>
+      </p:sp>
+      <p:sp>
+        <p:nvSpPr>
+          <p:cNvPr id="52" name="圆角矩形 51">
+            <a:extLst>
+              <a:ext uri="{FF2B5EF4-FFF2-40B4-BE49-F238E27FC236}">
+                <a16:creationId xmlns:a16="http://schemas.microsoft.com/office/drawing/2014/main" id="{3A88F084-58E1-A94E-B94C-7799C41DA894}"/>
+              </a:ext>
+            </a:extLst>
+          </p:cNvPr>
+          <p:cNvSpPr/>
+          <p:nvPr/>
+        </p:nvSpPr>
+        <p:spPr>
+          <a:xfrm>
+            <a:off x="7133732" y="2417012"/>
+            <a:ext cx="609600" cy="499872"/>
+          </a:xfrm>
+          <a:prstGeom prst="roundRect">
+            <a:avLst/>
+          </a:prstGeom>
+        </p:spPr>
+        <p:style>
+          <a:lnRef idx="2">
+            <a:schemeClr val="accent6"/>
+          </a:lnRef>
+          <a:fillRef idx="1">
+            <a:schemeClr val="lt1"/>
+          </a:fillRef>
+          <a:effectRef idx="0">
+            <a:schemeClr val="accent6"/>
+          </a:effectRef>
+          <a:fontRef idx="minor">
+            <a:schemeClr val="dk1"/>
+          </a:fontRef>
+        </p:style>
+        <p:txBody>
+          <a:bodyPr rtlCol="0" anchor="ctr"/>
+          <a:lstStyle/>
+          <a:p>
+            <a:pPr algn="ctr"/>
+            <a:r>
+              <a:rPr kumimoji="1" lang="en-US" altLang="zh-CN" sz="2400" b="1" dirty="0"/>
+              <a:t>5</a:t>
+            </a:r>
+            <a:endParaRPr kumimoji="1" lang="zh-CN" altLang="en-US" sz="2400" b="1" dirty="0"/>
+          </a:p>
+        </p:txBody>
+      </p:sp>
+      <p:sp>
+        <p:nvSpPr>
+          <p:cNvPr id="53" name="圆角矩形 52">
+            <a:extLst>
+              <a:ext uri="{FF2B5EF4-FFF2-40B4-BE49-F238E27FC236}">
+                <a16:creationId xmlns:a16="http://schemas.microsoft.com/office/drawing/2014/main" id="{A3729F1A-3E12-344A-A11A-CF64C189C3FA}"/>
+              </a:ext>
+            </a:extLst>
+          </p:cNvPr>
+          <p:cNvSpPr/>
+          <p:nvPr/>
+        </p:nvSpPr>
+        <p:spPr>
+          <a:xfrm>
+            <a:off x="7743332" y="2417012"/>
+            <a:ext cx="609600" cy="499872"/>
+          </a:xfrm>
+          <a:prstGeom prst="roundRect">
+            <a:avLst/>
+          </a:prstGeom>
+        </p:spPr>
+        <p:style>
+          <a:lnRef idx="2">
+            <a:schemeClr val="accent6"/>
+          </a:lnRef>
+          <a:fillRef idx="1">
+            <a:schemeClr val="lt1"/>
+          </a:fillRef>
+          <a:effectRef idx="0">
+            <a:schemeClr val="accent6"/>
+          </a:effectRef>
+          <a:fontRef idx="minor">
+            <a:schemeClr val="dk1"/>
+          </a:fontRef>
+        </p:style>
+        <p:txBody>
+          <a:bodyPr rtlCol="0" anchor="ctr"/>
+          <a:lstStyle/>
+          <a:p>
+            <a:pPr algn="ctr"/>
+            <a:r>
+              <a:rPr kumimoji="1" lang="en-US" altLang="zh-CN" sz="2400" b="1" dirty="0"/>
+              <a:t>5</a:t>
+            </a:r>
+            <a:endParaRPr kumimoji="1" lang="zh-CN" altLang="en-US" sz="2400" b="1" dirty="0"/>
+          </a:p>
+        </p:txBody>
+      </p:sp>
+      <p:sp>
+        <p:nvSpPr>
+          <p:cNvPr id="54" name="圆角矩形 53">
+            <a:extLst>
+              <a:ext uri="{FF2B5EF4-FFF2-40B4-BE49-F238E27FC236}">
+                <a16:creationId xmlns:a16="http://schemas.microsoft.com/office/drawing/2014/main" id="{3CCC764E-C237-E44C-AF70-3E09A8E0803F}"/>
+              </a:ext>
+            </a:extLst>
+          </p:cNvPr>
+          <p:cNvSpPr/>
+          <p:nvPr/>
+        </p:nvSpPr>
+        <p:spPr>
+          <a:xfrm>
+            <a:off x="8352932" y="2417012"/>
+            <a:ext cx="609600" cy="499872"/>
+          </a:xfrm>
+          <a:prstGeom prst="roundRect">
+            <a:avLst/>
+          </a:prstGeom>
+        </p:spPr>
+        <p:style>
+          <a:lnRef idx="2">
+            <a:schemeClr val="accent6"/>
+          </a:lnRef>
+          <a:fillRef idx="1">
+            <a:schemeClr val="lt1"/>
+          </a:fillRef>
+          <a:effectRef idx="0">
+            <a:schemeClr val="accent6"/>
+          </a:effectRef>
+          <a:fontRef idx="minor">
+            <a:schemeClr val="dk1"/>
+          </a:fontRef>
+        </p:style>
+        <p:txBody>
+          <a:bodyPr rtlCol="0" anchor="ctr"/>
+          <a:lstStyle/>
+          <a:p>
+            <a:pPr algn="ctr"/>
+            <a:r>
+              <a:rPr kumimoji="1" lang="en-US" altLang="zh-CN" sz="2400" b="1" dirty="0"/>
+              <a:t>5</a:t>
+            </a:r>
+            <a:endParaRPr kumimoji="1" lang="zh-CN" altLang="en-US" sz="2400" b="1" dirty="0"/>
+          </a:p>
+        </p:txBody>
+      </p:sp>
+      <p:sp>
+        <p:nvSpPr>
+          <p:cNvPr id="55" name="圆角矩形 54">
+            <a:extLst>
+              <a:ext uri="{FF2B5EF4-FFF2-40B4-BE49-F238E27FC236}">
+                <a16:creationId xmlns:a16="http://schemas.microsoft.com/office/drawing/2014/main" id="{EBB17218-C919-7040-9FCF-5A6D80354239}"/>
+              </a:ext>
+            </a:extLst>
+          </p:cNvPr>
+          <p:cNvSpPr/>
+          <p:nvPr/>
+        </p:nvSpPr>
+        <p:spPr>
+          <a:xfrm>
+            <a:off x="8962532" y="2417012"/>
+            <a:ext cx="609600" cy="499872"/>
+          </a:xfrm>
+          <a:prstGeom prst="roundRect">
+            <a:avLst/>
+          </a:prstGeom>
+        </p:spPr>
+        <p:style>
+          <a:lnRef idx="2">
+            <a:schemeClr val="accent6"/>
+          </a:lnRef>
+          <a:fillRef idx="1">
+            <a:schemeClr val="lt1"/>
+          </a:fillRef>
+          <a:effectRef idx="0">
+            <a:schemeClr val="accent6"/>
+          </a:effectRef>
+          <a:fontRef idx="minor">
+            <a:schemeClr val="dk1"/>
+          </a:fontRef>
+        </p:style>
+        <p:txBody>
+          <a:bodyPr rtlCol="0" anchor="ctr"/>
+          <a:lstStyle/>
+          <a:p>
+            <a:pPr algn="ctr"/>
+            <a:r>
+              <a:rPr kumimoji="1" lang="en-US" altLang="zh-CN" sz="2400" b="1" dirty="0"/>
+              <a:t>6</a:t>
+            </a:r>
+            <a:endParaRPr kumimoji="1" lang="zh-CN" altLang="en-US" sz="2400" b="1" dirty="0"/>
+          </a:p>
+        </p:txBody>
+      </p:sp>
+      <p:sp>
+        <p:nvSpPr>
+          <p:cNvPr id="56" name="圆角矩形 55">
+            <a:extLst>
+              <a:ext uri="{FF2B5EF4-FFF2-40B4-BE49-F238E27FC236}">
+                <a16:creationId xmlns:a16="http://schemas.microsoft.com/office/drawing/2014/main" id="{5AE32E4F-7D58-3443-A106-87D8D296919D}"/>
+              </a:ext>
+            </a:extLst>
+          </p:cNvPr>
+          <p:cNvSpPr/>
+          <p:nvPr/>
+        </p:nvSpPr>
+        <p:spPr>
+          <a:xfrm>
+            <a:off x="9572132" y="2417012"/>
+            <a:ext cx="609600" cy="499872"/>
+          </a:xfrm>
+          <a:prstGeom prst="roundRect">
+            <a:avLst/>
+          </a:prstGeom>
+        </p:spPr>
+        <p:style>
+          <a:lnRef idx="2">
+            <a:schemeClr val="accent6"/>
+          </a:lnRef>
+          <a:fillRef idx="1">
+            <a:schemeClr val="lt1"/>
+          </a:fillRef>
+          <a:effectRef idx="0">
+            <a:schemeClr val="accent6"/>
+          </a:effectRef>
+          <a:fontRef idx="minor">
+            <a:schemeClr val="dk1"/>
+          </a:fontRef>
+        </p:style>
+        <p:txBody>
+          <a:bodyPr rtlCol="0" anchor="ctr"/>
+          <a:lstStyle/>
+          <a:p>
+            <a:pPr algn="ctr"/>
+            <a:r>
+              <a:rPr kumimoji="1" lang="en-US" altLang="zh-CN" sz="2400" b="1" dirty="0"/>
+              <a:t>7</a:t>
+            </a:r>
+            <a:endParaRPr kumimoji="1" lang="zh-CN" altLang="en-US" sz="2400" b="1" dirty="0"/>
+          </a:p>
+        </p:txBody>
+      </p:sp>
+      <p:sp>
+        <p:nvSpPr>
+          <p:cNvPr id="57" name="圆角矩形 56">
+            <a:extLst>
+              <a:ext uri="{FF2B5EF4-FFF2-40B4-BE49-F238E27FC236}">
+                <a16:creationId xmlns:a16="http://schemas.microsoft.com/office/drawing/2014/main" id="{F2CF07EF-CB66-3647-A0FF-D3E644EA3E27}"/>
+              </a:ext>
+            </a:extLst>
+          </p:cNvPr>
+          <p:cNvSpPr/>
+          <p:nvPr/>
+        </p:nvSpPr>
+        <p:spPr>
+          <a:xfrm>
+            <a:off x="10181732" y="2417012"/>
+            <a:ext cx="609600" cy="499872"/>
+          </a:xfrm>
+          <a:prstGeom prst="roundRect">
+            <a:avLst/>
+          </a:prstGeom>
+        </p:spPr>
+        <p:style>
+          <a:lnRef idx="2">
+            <a:schemeClr val="accent6"/>
+          </a:lnRef>
+          <a:fillRef idx="1">
+            <a:schemeClr val="lt1"/>
+          </a:fillRef>
+          <a:effectRef idx="0">
+            <a:schemeClr val="accent6"/>
+          </a:effectRef>
+          <a:fontRef idx="minor">
+            <a:schemeClr val="dk1"/>
+          </a:fontRef>
+        </p:style>
+        <p:txBody>
+          <a:bodyPr rtlCol="0" anchor="ctr"/>
+          <a:lstStyle/>
+          <a:p>
+            <a:pPr algn="ctr"/>
+            <a:r>
+              <a:rPr kumimoji="1" lang="en-US" altLang="zh-CN" sz="2400" b="1" dirty="0"/>
+              <a:t>8</a:t>
+            </a:r>
+            <a:endParaRPr kumimoji="1" lang="zh-CN" altLang="en-US" sz="2400" b="1" dirty="0"/>
+          </a:p>
+        </p:txBody>
+      </p:sp>
+      <p:cxnSp>
+        <p:nvCxnSpPr>
+          <p:cNvPr id="58" name="直线箭头连接符 57">
+            <a:extLst>
+              <a:ext uri="{FF2B5EF4-FFF2-40B4-BE49-F238E27FC236}">
+                <a16:creationId xmlns:a16="http://schemas.microsoft.com/office/drawing/2014/main" id="{BEC3B022-0C62-DD4F-BD26-B8BDFBC45EBE}"/>
+              </a:ext>
+            </a:extLst>
+          </p:cNvPr>
+          <p:cNvCxnSpPr>
+            <a:cxnSpLocks/>
+          </p:cNvCxnSpPr>
+          <p:nvPr/>
+        </p:nvCxnSpPr>
+        <p:spPr>
+          <a:xfrm flipV="1">
+            <a:off x="6841574" y="2945312"/>
+            <a:ext cx="0" cy="353568"/>
+          </a:xfrm>
+          <a:prstGeom prst="straightConnector1">
+            <a:avLst/>
+          </a:prstGeom>
+          <a:ln>
+            <a:tailEnd type="triangle"/>
+          </a:ln>
+        </p:spPr>
+        <p:style>
+          <a:lnRef idx="1">
+            <a:schemeClr val="accent1"/>
+          </a:lnRef>
+          <a:fillRef idx="0">
+            <a:schemeClr val="accent1"/>
+          </a:fillRef>
+          <a:effectRef idx="0">
+            <a:schemeClr val="accent1"/>
+          </a:effectRef>
+          <a:fontRef idx="minor">
+            <a:schemeClr val="tx1"/>
+          </a:fontRef>
+        </p:style>
+      </p:cxnSp>
+      <p:sp>
+        <p:nvSpPr>
+          <p:cNvPr id="59" name="文本框 58">
+            <a:extLst>
+              <a:ext uri="{FF2B5EF4-FFF2-40B4-BE49-F238E27FC236}">
+                <a16:creationId xmlns:a16="http://schemas.microsoft.com/office/drawing/2014/main" id="{464E3DFF-A169-9A4A-B644-7CF9E449DD6B}"/>
+              </a:ext>
+            </a:extLst>
+          </p:cNvPr>
+          <p:cNvSpPr txBox="1"/>
+          <p:nvPr/>
+        </p:nvSpPr>
+        <p:spPr>
+          <a:xfrm>
+            <a:off x="6608515" y="3301773"/>
+            <a:ext cx="514885" cy="369332"/>
+          </a:xfrm>
+          <a:prstGeom prst="rect">
+            <a:avLst/>
+          </a:prstGeom>
+          <a:noFill/>
+        </p:spPr>
+        <p:txBody>
+          <a:bodyPr wrap="none" rtlCol="0">
+            <a:spAutoFit/>
+          </a:bodyPr>
+          <a:lstStyle/>
+          <a:p>
+            <a:r>
+              <a:rPr kumimoji="1" lang="en-US" altLang="zh-CN" dirty="0"/>
+              <a:t>pre</a:t>
+            </a:r>
+            <a:endParaRPr kumimoji="1" lang="zh-CN" altLang="en-US" dirty="0"/>
+          </a:p>
+        </p:txBody>
+      </p:sp>
+      <p:cxnSp>
+        <p:nvCxnSpPr>
+          <p:cNvPr id="60" name="直线箭头连接符 59">
+            <a:extLst>
+              <a:ext uri="{FF2B5EF4-FFF2-40B4-BE49-F238E27FC236}">
+                <a16:creationId xmlns:a16="http://schemas.microsoft.com/office/drawing/2014/main" id="{9361037B-C068-6E43-84ED-41E6EFEF594E}"/>
+              </a:ext>
+            </a:extLst>
+          </p:cNvPr>
+          <p:cNvCxnSpPr>
+            <a:cxnSpLocks/>
+          </p:cNvCxnSpPr>
+          <p:nvPr/>
+        </p:nvCxnSpPr>
+        <p:spPr>
+          <a:xfrm flipV="1">
+            <a:off x="6606378" y="2966021"/>
+            <a:ext cx="0" cy="353568"/>
+          </a:xfrm>
+          <a:prstGeom prst="straightConnector1">
+            <a:avLst/>
+          </a:prstGeom>
+          <a:ln>
+            <a:tailEnd type="triangle"/>
+          </a:ln>
+        </p:spPr>
+        <p:style>
+          <a:lnRef idx="1">
+            <a:schemeClr val="accent1"/>
+          </a:lnRef>
+          <a:fillRef idx="0">
+            <a:schemeClr val="accent1"/>
+          </a:fillRef>
+          <a:effectRef idx="0">
+            <a:schemeClr val="accent1"/>
+          </a:effectRef>
+          <a:fontRef idx="minor">
+            <a:schemeClr val="tx1"/>
+          </a:fontRef>
+        </p:style>
+      </p:cxnSp>
+      <p:sp>
+        <p:nvSpPr>
+          <p:cNvPr id="61" name="文本框 60">
+            <a:extLst>
+              <a:ext uri="{FF2B5EF4-FFF2-40B4-BE49-F238E27FC236}">
+                <a16:creationId xmlns:a16="http://schemas.microsoft.com/office/drawing/2014/main" id="{74CD7246-22D3-5447-985A-6CD1AD8E5667}"/>
+              </a:ext>
+            </a:extLst>
+          </p:cNvPr>
+          <p:cNvSpPr txBox="1"/>
+          <p:nvPr/>
+        </p:nvSpPr>
+        <p:spPr>
+          <a:xfrm>
+            <a:off x="6137949" y="3475987"/>
+            <a:ext cx="678391" cy="369332"/>
+          </a:xfrm>
+          <a:prstGeom prst="rect">
+            <a:avLst/>
+          </a:prstGeom>
+          <a:noFill/>
+        </p:spPr>
+        <p:txBody>
+          <a:bodyPr wrap="none" rtlCol="0">
+            <a:spAutoFit/>
+          </a:bodyPr>
+          <a:lstStyle/>
+          <a:p>
+            <a:r>
+              <a:rPr kumimoji="1" lang="en-US" altLang="zh-CN" dirty="0"/>
+              <a:t>head</a:t>
+            </a:r>
+            <a:endParaRPr kumimoji="1" lang="zh-CN" altLang="en-US" dirty="0"/>
+          </a:p>
+        </p:txBody>
+      </p:sp>
+      <p:cxnSp>
+        <p:nvCxnSpPr>
+          <p:cNvPr id="62" name="直线箭头连接符 61">
+            <a:extLst>
+              <a:ext uri="{FF2B5EF4-FFF2-40B4-BE49-F238E27FC236}">
+                <a16:creationId xmlns:a16="http://schemas.microsoft.com/office/drawing/2014/main" id="{86FE10D1-7634-1045-8F56-83082CA85B32}"/>
+              </a:ext>
+            </a:extLst>
+          </p:cNvPr>
+          <p:cNvCxnSpPr>
+            <a:cxnSpLocks/>
+          </p:cNvCxnSpPr>
+          <p:nvPr/>
+        </p:nvCxnSpPr>
+        <p:spPr>
+          <a:xfrm flipV="1">
+            <a:off x="1130264" y="1121664"/>
+            <a:ext cx="0" cy="353568"/>
+          </a:xfrm>
+          <a:prstGeom prst="straightConnector1">
+            <a:avLst/>
+          </a:prstGeom>
+          <a:ln>
+            <a:tailEnd type="triangle"/>
+          </a:ln>
+        </p:spPr>
+        <p:style>
+          <a:lnRef idx="1">
+            <a:schemeClr val="accent1"/>
+          </a:lnRef>
+          <a:fillRef idx="0">
+            <a:schemeClr val="accent1"/>
+          </a:fillRef>
+          <a:effectRef idx="0">
+            <a:schemeClr val="accent1"/>
+          </a:effectRef>
+          <a:fontRef idx="minor">
+            <a:schemeClr val="tx1"/>
+          </a:fontRef>
+        </p:style>
+      </p:cxnSp>
+      <p:sp>
+        <p:nvSpPr>
+          <p:cNvPr id="63" name="文本框 62">
+            <a:extLst>
+              <a:ext uri="{FF2B5EF4-FFF2-40B4-BE49-F238E27FC236}">
+                <a16:creationId xmlns:a16="http://schemas.microsoft.com/office/drawing/2014/main" id="{11931C4C-A310-494D-89E4-F2B9798FA0A2}"/>
+              </a:ext>
+            </a:extLst>
+          </p:cNvPr>
+          <p:cNvSpPr txBox="1"/>
+          <p:nvPr/>
+        </p:nvSpPr>
+        <p:spPr>
+          <a:xfrm>
+            <a:off x="883241" y="1482142"/>
+            <a:ext cx="494046" cy="369332"/>
+          </a:xfrm>
+          <a:prstGeom prst="rect">
+            <a:avLst/>
+          </a:prstGeom>
+          <a:noFill/>
+        </p:spPr>
+        <p:txBody>
+          <a:bodyPr wrap="none" rtlCol="0">
+            <a:spAutoFit/>
+          </a:bodyPr>
+          <a:lstStyle/>
+          <a:p>
+            <a:r>
+              <a:rPr kumimoji="1" lang="en-US" altLang="zh-CN" dirty="0"/>
+              <a:t>cur</a:t>
+            </a:r>
+            <a:endParaRPr kumimoji="1" lang="zh-CN" altLang="en-US" dirty="0"/>
+          </a:p>
+        </p:txBody>
+      </p:sp>
+      <p:cxnSp>
+        <p:nvCxnSpPr>
+          <p:cNvPr id="64" name="直线箭头连接符 63">
+            <a:extLst>
+              <a:ext uri="{FF2B5EF4-FFF2-40B4-BE49-F238E27FC236}">
+                <a16:creationId xmlns:a16="http://schemas.microsoft.com/office/drawing/2014/main" id="{92EDCBCA-5670-6741-9FE9-8EC56DEED26D}"/>
+              </a:ext>
+            </a:extLst>
+          </p:cNvPr>
+          <p:cNvCxnSpPr>
+            <a:cxnSpLocks/>
+          </p:cNvCxnSpPr>
+          <p:nvPr/>
+        </p:nvCxnSpPr>
+        <p:spPr>
+          <a:xfrm flipV="1">
+            <a:off x="9325109" y="1128099"/>
+            <a:ext cx="0" cy="353568"/>
+          </a:xfrm>
+          <a:prstGeom prst="straightConnector1">
+            <a:avLst/>
+          </a:prstGeom>
+          <a:ln>
+            <a:tailEnd type="triangle"/>
+          </a:ln>
+        </p:spPr>
+        <p:style>
+          <a:lnRef idx="1">
+            <a:schemeClr val="accent1"/>
+          </a:lnRef>
+          <a:fillRef idx="0">
+            <a:schemeClr val="accent1"/>
+          </a:fillRef>
+          <a:effectRef idx="0">
+            <a:schemeClr val="accent1"/>
+          </a:effectRef>
+          <a:fontRef idx="minor">
+            <a:schemeClr val="tx1"/>
+          </a:fontRef>
+        </p:style>
+      </p:cxnSp>
+      <p:sp>
+        <p:nvSpPr>
+          <p:cNvPr id="65" name="文本框 64">
+            <a:extLst>
+              <a:ext uri="{FF2B5EF4-FFF2-40B4-BE49-F238E27FC236}">
+                <a16:creationId xmlns:a16="http://schemas.microsoft.com/office/drawing/2014/main" id="{6387A99D-8710-EE41-BD64-41D104DA1C39}"/>
+              </a:ext>
+            </a:extLst>
+          </p:cNvPr>
+          <p:cNvSpPr txBox="1"/>
+          <p:nvPr/>
+        </p:nvSpPr>
+        <p:spPr>
+          <a:xfrm>
+            <a:off x="9078086" y="1488577"/>
+            <a:ext cx="494046" cy="369332"/>
+          </a:xfrm>
+          <a:prstGeom prst="rect">
+            <a:avLst/>
+          </a:prstGeom>
+          <a:noFill/>
+        </p:spPr>
+        <p:txBody>
+          <a:bodyPr wrap="none" rtlCol="0">
+            <a:spAutoFit/>
+          </a:bodyPr>
+          <a:lstStyle/>
+          <a:p>
+            <a:r>
+              <a:rPr kumimoji="1" lang="en-US" altLang="zh-CN" dirty="0"/>
+              <a:t>cur</a:t>
+            </a:r>
+            <a:endParaRPr kumimoji="1" lang="zh-CN" altLang="en-US" dirty="0"/>
+          </a:p>
+        </p:txBody>
+      </p:sp>
+      <p:cxnSp>
+        <p:nvCxnSpPr>
+          <p:cNvPr id="66" name="直线箭头连接符 65">
+            <a:extLst>
+              <a:ext uri="{FF2B5EF4-FFF2-40B4-BE49-F238E27FC236}">
+                <a16:creationId xmlns:a16="http://schemas.microsoft.com/office/drawing/2014/main" id="{877B5F65-EFFD-504E-B61F-BC39B7620338}"/>
+              </a:ext>
+            </a:extLst>
+          </p:cNvPr>
+          <p:cNvCxnSpPr>
+            <a:cxnSpLocks/>
+          </p:cNvCxnSpPr>
+          <p:nvPr/>
+        </p:nvCxnSpPr>
+        <p:spPr>
+          <a:xfrm flipV="1">
+            <a:off x="1255005" y="2909974"/>
+            <a:ext cx="0" cy="353568"/>
+          </a:xfrm>
+          <a:prstGeom prst="straightConnector1">
+            <a:avLst/>
+          </a:prstGeom>
+          <a:ln>
+            <a:tailEnd type="triangle"/>
+          </a:ln>
+        </p:spPr>
+        <p:style>
+          <a:lnRef idx="1">
+            <a:schemeClr val="accent1"/>
+          </a:lnRef>
+          <a:fillRef idx="0">
+            <a:schemeClr val="accent1"/>
+          </a:fillRef>
+          <a:effectRef idx="0">
+            <a:schemeClr val="accent1"/>
+          </a:effectRef>
+          <a:fontRef idx="minor">
+            <a:schemeClr val="tx1"/>
+          </a:fontRef>
+        </p:style>
+      </p:cxnSp>
+      <p:sp>
+        <p:nvSpPr>
+          <p:cNvPr id="67" name="文本框 66">
+            <a:extLst>
+              <a:ext uri="{FF2B5EF4-FFF2-40B4-BE49-F238E27FC236}">
+                <a16:creationId xmlns:a16="http://schemas.microsoft.com/office/drawing/2014/main" id="{153D67E5-7B09-4249-A0F0-A03DBCAF6F57}"/>
+              </a:ext>
+            </a:extLst>
+          </p:cNvPr>
+          <p:cNvSpPr txBox="1"/>
+          <p:nvPr/>
+        </p:nvSpPr>
+        <p:spPr>
+          <a:xfrm>
+            <a:off x="1007982" y="3270452"/>
+            <a:ext cx="494046" cy="369332"/>
+          </a:xfrm>
+          <a:prstGeom prst="rect">
+            <a:avLst/>
+          </a:prstGeom>
+          <a:noFill/>
+        </p:spPr>
+        <p:txBody>
+          <a:bodyPr wrap="none" rtlCol="0">
+            <a:spAutoFit/>
+          </a:bodyPr>
+          <a:lstStyle/>
+          <a:p>
+            <a:r>
+              <a:rPr kumimoji="1" lang="en-US" altLang="zh-CN" dirty="0"/>
+              <a:t>cur</a:t>
+            </a:r>
+            <a:endParaRPr kumimoji="1" lang="zh-CN" altLang="en-US" dirty="0"/>
+          </a:p>
+        </p:txBody>
+      </p:sp>
+      <p:cxnSp>
+        <p:nvCxnSpPr>
+          <p:cNvPr id="68" name="直线箭头连接符 67">
+            <a:extLst>
+              <a:ext uri="{FF2B5EF4-FFF2-40B4-BE49-F238E27FC236}">
+                <a16:creationId xmlns:a16="http://schemas.microsoft.com/office/drawing/2014/main" id="{1E4FC5B9-8486-274E-9DD5-946A550F4063}"/>
+              </a:ext>
+            </a:extLst>
+          </p:cNvPr>
+          <p:cNvCxnSpPr>
+            <a:cxnSpLocks/>
+          </p:cNvCxnSpPr>
+          <p:nvPr/>
+        </p:nvCxnSpPr>
+        <p:spPr>
+          <a:xfrm flipV="1">
+            <a:off x="7380755" y="2924662"/>
+            <a:ext cx="0" cy="353568"/>
+          </a:xfrm>
+          <a:prstGeom prst="straightConnector1">
+            <a:avLst/>
+          </a:prstGeom>
+          <a:ln>
+            <a:tailEnd type="triangle"/>
+          </a:ln>
+        </p:spPr>
+        <p:style>
+          <a:lnRef idx="1">
+            <a:schemeClr val="accent1"/>
+          </a:lnRef>
+          <a:fillRef idx="0">
+            <a:schemeClr val="accent1"/>
+          </a:fillRef>
+          <a:effectRef idx="0">
+            <a:schemeClr val="accent1"/>
+          </a:effectRef>
+          <a:fontRef idx="minor">
+            <a:schemeClr val="tx1"/>
+          </a:fontRef>
+        </p:style>
+      </p:cxnSp>
+      <p:sp>
+        <p:nvSpPr>
+          <p:cNvPr id="69" name="文本框 68">
+            <a:extLst>
+              <a:ext uri="{FF2B5EF4-FFF2-40B4-BE49-F238E27FC236}">
+                <a16:creationId xmlns:a16="http://schemas.microsoft.com/office/drawing/2014/main" id="{843A2B37-EAFB-5341-99D2-9A422A6B6A1F}"/>
+              </a:ext>
+            </a:extLst>
+          </p:cNvPr>
+          <p:cNvSpPr txBox="1"/>
+          <p:nvPr/>
+        </p:nvSpPr>
+        <p:spPr>
+          <a:xfrm>
+            <a:off x="7133732" y="3285140"/>
+            <a:ext cx="494046" cy="369332"/>
+          </a:xfrm>
+          <a:prstGeom prst="rect">
+            <a:avLst/>
+          </a:prstGeom>
+          <a:noFill/>
+        </p:spPr>
+        <p:txBody>
+          <a:bodyPr wrap="none" rtlCol="0">
+            <a:spAutoFit/>
+          </a:bodyPr>
+          <a:lstStyle/>
+          <a:p>
+            <a:r>
+              <a:rPr kumimoji="1" lang="en-US" altLang="zh-CN" dirty="0"/>
+              <a:t>cur</a:t>
+            </a:r>
+            <a:endParaRPr kumimoji="1" lang="zh-CN" altLang="en-US" dirty="0"/>
+          </a:p>
+        </p:txBody>
+      </p:sp>
+      <p:cxnSp>
+        <p:nvCxnSpPr>
+          <p:cNvPr id="3" name="直线连接符 2">
+            <a:extLst>
+              <a:ext uri="{FF2B5EF4-FFF2-40B4-BE49-F238E27FC236}">
+                <a16:creationId xmlns:a16="http://schemas.microsoft.com/office/drawing/2014/main" id="{DD0C55DD-36A9-8849-A0FF-875E6F392437}"/>
+              </a:ext>
+            </a:extLst>
+          </p:cNvPr>
+          <p:cNvCxnSpPr/>
+          <p:nvPr/>
+        </p:nvCxnSpPr>
+        <p:spPr>
+          <a:xfrm>
+            <a:off x="134112" y="2159770"/>
+            <a:ext cx="12057888" cy="0"/>
+          </a:xfrm>
+          <a:prstGeom prst="line">
+            <a:avLst/>
+          </a:prstGeom>
+        </p:spPr>
+        <p:style>
+          <a:lnRef idx="1">
+            <a:schemeClr val="accent1"/>
+          </a:lnRef>
+          <a:fillRef idx="0">
+            <a:schemeClr val="accent1"/>
+          </a:fillRef>
+          <a:effectRef idx="0">
+            <a:schemeClr val="accent1"/>
+          </a:effectRef>
+          <a:fontRef idx="minor">
+            <a:schemeClr val="tx1"/>
+          </a:fontRef>
+        </p:style>
+      </p:cxnSp>
+      <p:sp>
+        <p:nvSpPr>
+          <p:cNvPr id="70" name="圆角矩形 69">
+            <a:extLst>
+              <a:ext uri="{FF2B5EF4-FFF2-40B4-BE49-F238E27FC236}">
+                <a16:creationId xmlns:a16="http://schemas.microsoft.com/office/drawing/2014/main" id="{7C55778B-743B-5247-A703-A6FCC28F5122}"/>
+              </a:ext>
+            </a:extLst>
+          </p:cNvPr>
+          <p:cNvSpPr/>
+          <p:nvPr/>
+        </p:nvSpPr>
+        <p:spPr>
+          <a:xfrm>
+            <a:off x="86754" y="4068865"/>
+            <a:ext cx="609600" cy="499872"/>
+          </a:xfrm>
+          <a:prstGeom prst="roundRect">
+            <a:avLst/>
+          </a:prstGeom>
+        </p:spPr>
+        <p:style>
+          <a:lnRef idx="2">
+            <a:schemeClr val="accent6"/>
+          </a:lnRef>
+          <a:fillRef idx="1">
+            <a:schemeClr val="lt1"/>
+          </a:fillRef>
+          <a:effectRef idx="0">
+            <a:schemeClr val="accent6"/>
+          </a:effectRef>
+          <a:fontRef idx="minor">
+            <a:schemeClr val="dk1"/>
+          </a:fontRef>
+        </p:style>
+        <p:txBody>
+          <a:bodyPr rtlCol="0" anchor="ctr"/>
+          <a:lstStyle/>
+          <a:p>
+            <a:pPr algn="ctr"/>
+            <a:r>
+              <a:rPr kumimoji="1" lang="en-US" altLang="zh-CN" sz="2400" b="1" dirty="0"/>
+              <a:t>?</a:t>
+            </a:r>
+            <a:endParaRPr kumimoji="1" lang="zh-CN" altLang="en-US" sz="2400" b="1" dirty="0"/>
+          </a:p>
+        </p:txBody>
+      </p:sp>
+      <p:sp>
+        <p:nvSpPr>
+          <p:cNvPr id="71" name="圆角矩形 70">
+            <a:extLst>
+              <a:ext uri="{FF2B5EF4-FFF2-40B4-BE49-F238E27FC236}">
+                <a16:creationId xmlns:a16="http://schemas.microsoft.com/office/drawing/2014/main" id="{BA539E9E-CE49-F44B-82D6-32A5E7D7B69C}"/>
+              </a:ext>
+            </a:extLst>
+          </p:cNvPr>
+          <p:cNvSpPr/>
+          <p:nvPr/>
+        </p:nvSpPr>
+        <p:spPr>
+          <a:xfrm>
+            <a:off x="696354" y="4068865"/>
+            <a:ext cx="609600" cy="499872"/>
+          </a:xfrm>
+          <a:prstGeom prst="roundRect">
+            <a:avLst/>
+          </a:prstGeom>
+        </p:spPr>
+        <p:style>
+          <a:lnRef idx="2">
+            <a:schemeClr val="accent6"/>
+          </a:lnRef>
+          <a:fillRef idx="1">
+            <a:schemeClr val="lt1"/>
+          </a:fillRef>
+          <a:effectRef idx="0">
+            <a:schemeClr val="accent6"/>
+          </a:effectRef>
+          <a:fontRef idx="minor">
+            <a:schemeClr val="dk1"/>
+          </a:fontRef>
+        </p:style>
+        <p:txBody>
+          <a:bodyPr rtlCol="0" anchor="ctr"/>
+          <a:lstStyle/>
+          <a:p>
+            <a:pPr algn="ctr"/>
+            <a:r>
+              <a:rPr kumimoji="1" lang="en-US" altLang="zh-CN" sz="2400" b="1" dirty="0"/>
+              <a:t>1</a:t>
+            </a:r>
+            <a:endParaRPr kumimoji="1" lang="zh-CN" altLang="en-US" sz="2400" b="1" dirty="0"/>
+          </a:p>
+        </p:txBody>
+      </p:sp>
+      <p:sp>
+        <p:nvSpPr>
+          <p:cNvPr id="72" name="圆角矩形 71">
+            <a:extLst>
+              <a:ext uri="{FF2B5EF4-FFF2-40B4-BE49-F238E27FC236}">
+                <a16:creationId xmlns:a16="http://schemas.microsoft.com/office/drawing/2014/main" id="{7734001E-8BDB-914C-BC81-A5CB200F3499}"/>
+              </a:ext>
+            </a:extLst>
+          </p:cNvPr>
+          <p:cNvSpPr/>
+          <p:nvPr/>
+        </p:nvSpPr>
+        <p:spPr>
+          <a:xfrm>
+            <a:off x="1305954" y="4068865"/>
+            <a:ext cx="609600" cy="499872"/>
+          </a:xfrm>
+          <a:prstGeom prst="roundRect">
+            <a:avLst/>
+          </a:prstGeom>
+        </p:spPr>
+        <p:style>
+          <a:lnRef idx="2">
+            <a:schemeClr val="accent6"/>
+          </a:lnRef>
+          <a:fillRef idx="1">
+            <a:schemeClr val="lt1"/>
+          </a:fillRef>
+          <a:effectRef idx="0">
+            <a:schemeClr val="accent6"/>
+          </a:effectRef>
+          <a:fontRef idx="minor">
+            <a:schemeClr val="dk1"/>
+          </a:fontRef>
+        </p:style>
+        <p:txBody>
+          <a:bodyPr rtlCol="0" anchor="ctr"/>
+          <a:lstStyle/>
+          <a:p>
+            <a:pPr algn="ctr"/>
+            <a:r>
+              <a:rPr kumimoji="1" lang="en-US" altLang="zh-CN" sz="2400" b="1" dirty="0"/>
+              <a:t>5</a:t>
+            </a:r>
+            <a:endParaRPr kumimoji="1" lang="zh-CN" altLang="en-US" sz="2400" b="1" dirty="0"/>
+          </a:p>
+        </p:txBody>
+      </p:sp>
+      <p:sp>
+        <p:nvSpPr>
+          <p:cNvPr id="73" name="圆角矩形 72">
+            <a:extLst>
+              <a:ext uri="{FF2B5EF4-FFF2-40B4-BE49-F238E27FC236}">
+                <a16:creationId xmlns:a16="http://schemas.microsoft.com/office/drawing/2014/main" id="{133B109B-FD92-8C41-B3BC-1D67D145D1B2}"/>
+              </a:ext>
+            </a:extLst>
+          </p:cNvPr>
+          <p:cNvSpPr/>
+          <p:nvPr/>
+        </p:nvSpPr>
+        <p:spPr>
+          <a:xfrm>
+            <a:off x="1915554" y="4068865"/>
+            <a:ext cx="609600" cy="499872"/>
+          </a:xfrm>
+          <a:prstGeom prst="roundRect">
+            <a:avLst/>
+          </a:prstGeom>
+        </p:spPr>
+        <p:style>
+          <a:lnRef idx="2">
+            <a:schemeClr val="accent6"/>
+          </a:lnRef>
+          <a:fillRef idx="1">
+            <a:schemeClr val="lt1"/>
+          </a:fillRef>
+          <a:effectRef idx="0">
+            <a:schemeClr val="accent6"/>
+          </a:effectRef>
+          <a:fontRef idx="minor">
+            <a:schemeClr val="dk1"/>
+          </a:fontRef>
+        </p:style>
+        <p:txBody>
+          <a:bodyPr rtlCol="0" anchor="ctr"/>
+          <a:lstStyle/>
+          <a:p>
+            <a:pPr algn="ctr"/>
+            <a:r>
+              <a:rPr kumimoji="1" lang="en-US" altLang="zh-CN" sz="2400" b="1" dirty="0"/>
+              <a:t>5</a:t>
+            </a:r>
+            <a:endParaRPr kumimoji="1" lang="zh-CN" altLang="en-US" sz="2400" b="1" dirty="0"/>
+          </a:p>
+        </p:txBody>
+      </p:sp>
+      <p:sp>
+        <p:nvSpPr>
+          <p:cNvPr id="74" name="圆角矩形 73">
+            <a:extLst>
+              <a:ext uri="{FF2B5EF4-FFF2-40B4-BE49-F238E27FC236}">
+                <a16:creationId xmlns:a16="http://schemas.microsoft.com/office/drawing/2014/main" id="{D6575BF6-E064-EE44-B743-E1E20DD9F8F1}"/>
+              </a:ext>
+            </a:extLst>
+          </p:cNvPr>
+          <p:cNvSpPr/>
+          <p:nvPr/>
+        </p:nvSpPr>
+        <p:spPr>
+          <a:xfrm>
+            <a:off x="2525154" y="4068865"/>
+            <a:ext cx="609600" cy="499872"/>
+          </a:xfrm>
+          <a:prstGeom prst="roundRect">
+            <a:avLst/>
+          </a:prstGeom>
+        </p:spPr>
+        <p:style>
+          <a:lnRef idx="2">
+            <a:schemeClr val="accent6"/>
+          </a:lnRef>
+          <a:fillRef idx="1">
+            <a:schemeClr val="lt1"/>
+          </a:fillRef>
+          <a:effectRef idx="0">
+            <a:schemeClr val="accent6"/>
+          </a:effectRef>
+          <a:fontRef idx="minor">
+            <a:schemeClr val="dk1"/>
+          </a:fontRef>
+        </p:style>
+        <p:txBody>
+          <a:bodyPr rtlCol="0" anchor="ctr"/>
+          <a:lstStyle/>
+          <a:p>
+            <a:pPr algn="ctr"/>
+            <a:r>
+              <a:rPr kumimoji="1" lang="en-US" altLang="zh-CN" sz="2400" b="1" dirty="0"/>
+              <a:t>5</a:t>
+            </a:r>
+            <a:endParaRPr kumimoji="1" lang="zh-CN" altLang="en-US" sz="2400" b="1" dirty="0"/>
+          </a:p>
+        </p:txBody>
+      </p:sp>
+      <p:sp>
+        <p:nvSpPr>
+          <p:cNvPr id="75" name="圆角矩形 74">
+            <a:extLst>
+              <a:ext uri="{FF2B5EF4-FFF2-40B4-BE49-F238E27FC236}">
+                <a16:creationId xmlns:a16="http://schemas.microsoft.com/office/drawing/2014/main" id="{1CF0BA43-3A7B-A045-AD4C-0276D6E0142A}"/>
+              </a:ext>
+            </a:extLst>
+          </p:cNvPr>
+          <p:cNvSpPr/>
+          <p:nvPr/>
+        </p:nvSpPr>
+        <p:spPr>
+          <a:xfrm>
+            <a:off x="3134754" y="4068865"/>
+            <a:ext cx="609600" cy="499872"/>
+          </a:xfrm>
+          <a:prstGeom prst="roundRect">
+            <a:avLst/>
+          </a:prstGeom>
+        </p:spPr>
+        <p:style>
+          <a:lnRef idx="2">
+            <a:schemeClr val="accent6"/>
+          </a:lnRef>
+          <a:fillRef idx="1">
+            <a:schemeClr val="lt1"/>
+          </a:fillRef>
+          <a:effectRef idx="0">
+            <a:schemeClr val="accent6"/>
+          </a:effectRef>
+          <a:fontRef idx="minor">
+            <a:schemeClr val="dk1"/>
+          </a:fontRef>
+        </p:style>
+        <p:txBody>
+          <a:bodyPr rtlCol="0" anchor="ctr"/>
+          <a:lstStyle/>
+          <a:p>
+            <a:pPr algn="ctr"/>
+            <a:r>
+              <a:rPr kumimoji="1" lang="en-US" altLang="zh-CN" sz="2400" b="1" dirty="0"/>
+              <a:t>6</a:t>
+            </a:r>
+            <a:endParaRPr kumimoji="1" lang="zh-CN" altLang="en-US" sz="2400" b="1" dirty="0"/>
+          </a:p>
+        </p:txBody>
+      </p:sp>
+      <p:sp>
+        <p:nvSpPr>
+          <p:cNvPr id="76" name="圆角矩形 75">
+            <a:extLst>
+              <a:ext uri="{FF2B5EF4-FFF2-40B4-BE49-F238E27FC236}">
+                <a16:creationId xmlns:a16="http://schemas.microsoft.com/office/drawing/2014/main" id="{B80D725E-B14F-9C48-98F4-CCEA8CB9F3DA}"/>
+              </a:ext>
+            </a:extLst>
+          </p:cNvPr>
+          <p:cNvSpPr/>
+          <p:nvPr/>
+        </p:nvSpPr>
+        <p:spPr>
+          <a:xfrm>
+            <a:off x="3744354" y="4068865"/>
+            <a:ext cx="609600" cy="499872"/>
+          </a:xfrm>
+          <a:prstGeom prst="roundRect">
+            <a:avLst/>
+          </a:prstGeom>
+        </p:spPr>
+        <p:style>
+          <a:lnRef idx="2">
+            <a:schemeClr val="accent6"/>
+          </a:lnRef>
+          <a:fillRef idx="1">
+            <a:schemeClr val="lt1"/>
+          </a:fillRef>
+          <a:effectRef idx="0">
+            <a:schemeClr val="accent6"/>
+          </a:effectRef>
+          <a:fontRef idx="minor">
+            <a:schemeClr val="dk1"/>
+          </a:fontRef>
+        </p:style>
+        <p:txBody>
+          <a:bodyPr rtlCol="0" anchor="ctr"/>
+          <a:lstStyle/>
+          <a:p>
+            <a:pPr algn="ctr"/>
+            <a:r>
+              <a:rPr kumimoji="1" lang="en-US" altLang="zh-CN" sz="2400" b="1" dirty="0"/>
+              <a:t>7</a:t>
+            </a:r>
+            <a:endParaRPr kumimoji="1" lang="zh-CN" altLang="en-US" sz="2400" b="1" dirty="0"/>
+          </a:p>
+        </p:txBody>
+      </p:sp>
+      <p:sp>
+        <p:nvSpPr>
+          <p:cNvPr id="77" name="圆角矩形 76">
+            <a:extLst>
+              <a:ext uri="{FF2B5EF4-FFF2-40B4-BE49-F238E27FC236}">
+                <a16:creationId xmlns:a16="http://schemas.microsoft.com/office/drawing/2014/main" id="{A1A8CB2C-C9EA-B242-8F30-EB436D18D90D}"/>
+              </a:ext>
+            </a:extLst>
+          </p:cNvPr>
+          <p:cNvSpPr/>
+          <p:nvPr/>
+        </p:nvSpPr>
+        <p:spPr>
+          <a:xfrm>
+            <a:off x="4353954" y="4068865"/>
+            <a:ext cx="609600" cy="499872"/>
+          </a:xfrm>
+          <a:prstGeom prst="roundRect">
+            <a:avLst/>
+          </a:prstGeom>
+        </p:spPr>
+        <p:style>
+          <a:lnRef idx="2">
+            <a:schemeClr val="accent6"/>
+          </a:lnRef>
+          <a:fillRef idx="1">
+            <a:schemeClr val="lt1"/>
+          </a:fillRef>
+          <a:effectRef idx="0">
+            <a:schemeClr val="accent6"/>
+          </a:effectRef>
+          <a:fontRef idx="minor">
+            <a:schemeClr val="dk1"/>
+          </a:fontRef>
+        </p:style>
+        <p:txBody>
+          <a:bodyPr rtlCol="0" anchor="ctr"/>
+          <a:lstStyle/>
+          <a:p>
+            <a:pPr algn="ctr"/>
+            <a:r>
+              <a:rPr kumimoji="1" lang="en-US" altLang="zh-CN" sz="2400" b="1" dirty="0"/>
+              <a:t>8</a:t>
+            </a:r>
+            <a:endParaRPr kumimoji="1" lang="zh-CN" altLang="en-US" sz="2400" b="1" dirty="0"/>
+          </a:p>
+        </p:txBody>
+      </p:sp>
+      <p:cxnSp>
+        <p:nvCxnSpPr>
+          <p:cNvPr id="78" name="直线箭头连接符 77">
+            <a:extLst>
+              <a:ext uri="{FF2B5EF4-FFF2-40B4-BE49-F238E27FC236}">
+                <a16:creationId xmlns:a16="http://schemas.microsoft.com/office/drawing/2014/main" id="{13BAB4C9-7A41-8640-9ABA-6E033F76CBB9}"/>
+              </a:ext>
+            </a:extLst>
+          </p:cNvPr>
+          <p:cNvCxnSpPr>
+            <a:cxnSpLocks/>
+          </p:cNvCxnSpPr>
+          <p:nvPr/>
+        </p:nvCxnSpPr>
+        <p:spPr>
+          <a:xfrm flipV="1">
+            <a:off x="1013796" y="4597165"/>
+            <a:ext cx="0" cy="353568"/>
+          </a:xfrm>
+          <a:prstGeom prst="straightConnector1">
+            <a:avLst/>
+          </a:prstGeom>
+          <a:ln>
+            <a:tailEnd type="triangle"/>
+          </a:ln>
+        </p:spPr>
+        <p:style>
+          <a:lnRef idx="1">
+            <a:schemeClr val="accent1"/>
+          </a:lnRef>
+          <a:fillRef idx="0">
+            <a:schemeClr val="accent1"/>
+          </a:fillRef>
+          <a:effectRef idx="0">
+            <a:schemeClr val="accent1"/>
+          </a:effectRef>
+          <a:fontRef idx="minor">
+            <a:schemeClr val="tx1"/>
+          </a:fontRef>
+        </p:style>
+      </p:cxnSp>
+      <p:sp>
+        <p:nvSpPr>
+          <p:cNvPr id="79" name="文本框 78">
+            <a:extLst>
+              <a:ext uri="{FF2B5EF4-FFF2-40B4-BE49-F238E27FC236}">
+                <a16:creationId xmlns:a16="http://schemas.microsoft.com/office/drawing/2014/main" id="{0C08C153-30FB-A648-9463-8F64872AB1A9}"/>
+              </a:ext>
+            </a:extLst>
+          </p:cNvPr>
+          <p:cNvSpPr txBox="1"/>
+          <p:nvPr/>
+        </p:nvSpPr>
+        <p:spPr>
+          <a:xfrm>
+            <a:off x="780737" y="4953626"/>
+            <a:ext cx="514885" cy="369332"/>
+          </a:xfrm>
+          <a:prstGeom prst="rect">
+            <a:avLst/>
+          </a:prstGeom>
+          <a:noFill/>
+        </p:spPr>
+        <p:txBody>
+          <a:bodyPr wrap="none" rtlCol="0">
+            <a:spAutoFit/>
+          </a:bodyPr>
+          <a:lstStyle/>
+          <a:p>
+            <a:r>
+              <a:rPr kumimoji="1" lang="en-US" altLang="zh-CN" dirty="0"/>
+              <a:t>pre</a:t>
+            </a:r>
+            <a:endParaRPr kumimoji="1" lang="zh-CN" altLang="en-US" dirty="0"/>
+          </a:p>
+        </p:txBody>
+      </p:sp>
+      <p:cxnSp>
+        <p:nvCxnSpPr>
+          <p:cNvPr id="80" name="直线箭头连接符 79">
+            <a:extLst>
+              <a:ext uri="{FF2B5EF4-FFF2-40B4-BE49-F238E27FC236}">
+                <a16:creationId xmlns:a16="http://schemas.microsoft.com/office/drawing/2014/main" id="{27B26D99-F588-9049-97DC-953EA49957F5}"/>
+              </a:ext>
+            </a:extLst>
+          </p:cNvPr>
+          <p:cNvCxnSpPr>
+            <a:cxnSpLocks/>
+          </p:cNvCxnSpPr>
+          <p:nvPr/>
+        </p:nvCxnSpPr>
+        <p:spPr>
+          <a:xfrm flipV="1">
+            <a:off x="778600" y="4617874"/>
+            <a:ext cx="0" cy="353568"/>
+          </a:xfrm>
+          <a:prstGeom prst="straightConnector1">
+            <a:avLst/>
+          </a:prstGeom>
+          <a:ln>
+            <a:tailEnd type="triangle"/>
+          </a:ln>
+        </p:spPr>
+        <p:style>
+          <a:lnRef idx="1">
+            <a:schemeClr val="accent1"/>
+          </a:lnRef>
+          <a:fillRef idx="0">
+            <a:schemeClr val="accent1"/>
+          </a:fillRef>
+          <a:effectRef idx="0">
+            <a:schemeClr val="accent1"/>
+          </a:effectRef>
+          <a:fontRef idx="minor">
+            <a:schemeClr val="tx1"/>
+          </a:fontRef>
+        </p:style>
+      </p:cxnSp>
+      <p:sp>
+        <p:nvSpPr>
+          <p:cNvPr id="81" name="文本框 80">
+            <a:extLst>
+              <a:ext uri="{FF2B5EF4-FFF2-40B4-BE49-F238E27FC236}">
+                <a16:creationId xmlns:a16="http://schemas.microsoft.com/office/drawing/2014/main" id="{6F05DA13-24C0-6D45-B455-F423D8E0210B}"/>
+              </a:ext>
+            </a:extLst>
+          </p:cNvPr>
+          <p:cNvSpPr txBox="1"/>
+          <p:nvPr/>
+        </p:nvSpPr>
+        <p:spPr>
+          <a:xfrm>
+            <a:off x="310171" y="5127840"/>
+            <a:ext cx="678391" cy="369332"/>
+          </a:xfrm>
+          <a:prstGeom prst="rect">
+            <a:avLst/>
+          </a:prstGeom>
+          <a:noFill/>
+        </p:spPr>
+        <p:txBody>
+          <a:bodyPr wrap="none" rtlCol="0">
+            <a:spAutoFit/>
+          </a:bodyPr>
+          <a:lstStyle/>
+          <a:p>
+            <a:r>
+              <a:rPr kumimoji="1" lang="en-US" altLang="zh-CN" dirty="0"/>
+              <a:t>head</a:t>
+            </a:r>
+            <a:endParaRPr kumimoji="1" lang="zh-CN" altLang="en-US" dirty="0"/>
+          </a:p>
+        </p:txBody>
+      </p:sp>
+      <p:cxnSp>
+        <p:nvCxnSpPr>
+          <p:cNvPr id="82" name="直线箭头连接符 81">
+            <a:extLst>
+              <a:ext uri="{FF2B5EF4-FFF2-40B4-BE49-F238E27FC236}">
+                <a16:creationId xmlns:a16="http://schemas.microsoft.com/office/drawing/2014/main" id="{8DDC023D-35D1-534F-850B-95FA0EBCDC7D}"/>
+              </a:ext>
+            </a:extLst>
+          </p:cNvPr>
+          <p:cNvCxnSpPr>
+            <a:cxnSpLocks/>
+          </p:cNvCxnSpPr>
+          <p:nvPr/>
+        </p:nvCxnSpPr>
+        <p:spPr>
+          <a:xfrm flipV="1">
+            <a:off x="3381777" y="4590255"/>
+            <a:ext cx="0" cy="353568"/>
+          </a:xfrm>
+          <a:prstGeom prst="straightConnector1">
+            <a:avLst/>
+          </a:prstGeom>
+          <a:ln>
+            <a:tailEnd type="triangle"/>
+          </a:ln>
+        </p:spPr>
+        <p:style>
+          <a:lnRef idx="1">
+            <a:schemeClr val="accent1"/>
+          </a:lnRef>
+          <a:fillRef idx="0">
+            <a:schemeClr val="accent1"/>
+          </a:fillRef>
+          <a:effectRef idx="0">
+            <a:schemeClr val="accent1"/>
+          </a:effectRef>
+          <a:fontRef idx="minor">
+            <a:schemeClr val="tx1"/>
+          </a:fontRef>
+        </p:style>
+      </p:cxnSp>
+      <p:sp>
+        <p:nvSpPr>
+          <p:cNvPr id="83" name="文本框 82">
+            <a:extLst>
+              <a:ext uri="{FF2B5EF4-FFF2-40B4-BE49-F238E27FC236}">
+                <a16:creationId xmlns:a16="http://schemas.microsoft.com/office/drawing/2014/main" id="{F3BF2E7B-7F80-854A-A157-C245A91EE19A}"/>
+              </a:ext>
+            </a:extLst>
+          </p:cNvPr>
+          <p:cNvSpPr txBox="1"/>
+          <p:nvPr/>
+        </p:nvSpPr>
+        <p:spPr>
+          <a:xfrm>
+            <a:off x="3134754" y="4950733"/>
+            <a:ext cx="494046" cy="369332"/>
+          </a:xfrm>
+          <a:prstGeom prst="rect">
+            <a:avLst/>
+          </a:prstGeom>
+          <a:noFill/>
+        </p:spPr>
+        <p:txBody>
+          <a:bodyPr wrap="none" rtlCol="0">
+            <a:spAutoFit/>
+          </a:bodyPr>
+          <a:lstStyle/>
+          <a:p>
+            <a:r>
+              <a:rPr kumimoji="1" lang="en-US" altLang="zh-CN" dirty="0"/>
+              <a:t>cur</a:t>
+            </a:r>
+            <a:endParaRPr kumimoji="1" lang="zh-CN" altLang="en-US" dirty="0"/>
+          </a:p>
+        </p:txBody>
+      </p:sp>
+      <p:sp>
+        <p:nvSpPr>
+          <p:cNvPr id="84" name="圆角矩形 83">
+            <a:extLst>
+              <a:ext uri="{FF2B5EF4-FFF2-40B4-BE49-F238E27FC236}">
+                <a16:creationId xmlns:a16="http://schemas.microsoft.com/office/drawing/2014/main" id="{C9C9BD02-CA96-A545-A8A4-14C42FD2D953}"/>
+              </a:ext>
+            </a:extLst>
+          </p:cNvPr>
+          <p:cNvSpPr/>
+          <p:nvPr/>
+        </p:nvSpPr>
+        <p:spPr>
+          <a:xfrm>
+            <a:off x="5914532" y="4230208"/>
+            <a:ext cx="609600" cy="499872"/>
+          </a:xfrm>
+          <a:prstGeom prst="roundRect">
+            <a:avLst/>
+          </a:prstGeom>
+        </p:spPr>
+        <p:style>
+          <a:lnRef idx="2">
+            <a:schemeClr val="accent6"/>
+          </a:lnRef>
+          <a:fillRef idx="1">
+            <a:schemeClr val="lt1"/>
+          </a:fillRef>
+          <a:effectRef idx="0">
+            <a:schemeClr val="accent6"/>
+          </a:effectRef>
+          <a:fontRef idx="minor">
+            <a:schemeClr val="dk1"/>
+          </a:fontRef>
+        </p:style>
+        <p:txBody>
+          <a:bodyPr rtlCol="0" anchor="ctr"/>
+          <a:lstStyle/>
+          <a:p>
+            <a:pPr algn="ctr"/>
+            <a:r>
+              <a:rPr kumimoji="1" lang="en-US" altLang="zh-CN" sz="2400" b="1" dirty="0"/>
+              <a:t>?</a:t>
+            </a:r>
+            <a:endParaRPr kumimoji="1" lang="zh-CN" altLang="en-US" sz="2400" b="1" dirty="0"/>
+          </a:p>
+        </p:txBody>
+      </p:sp>
+      <p:sp>
+        <p:nvSpPr>
+          <p:cNvPr id="85" name="圆角矩形 84">
+            <a:extLst>
+              <a:ext uri="{FF2B5EF4-FFF2-40B4-BE49-F238E27FC236}">
+                <a16:creationId xmlns:a16="http://schemas.microsoft.com/office/drawing/2014/main" id="{6C0A0EAF-8778-424D-932C-14692CB45D4E}"/>
+              </a:ext>
+            </a:extLst>
+          </p:cNvPr>
+          <p:cNvSpPr/>
+          <p:nvPr/>
+        </p:nvSpPr>
+        <p:spPr>
+          <a:xfrm>
+            <a:off x="6524132" y="4230208"/>
+            <a:ext cx="609600" cy="499872"/>
+          </a:xfrm>
+          <a:prstGeom prst="roundRect">
+            <a:avLst/>
+          </a:prstGeom>
+        </p:spPr>
+        <p:style>
+          <a:lnRef idx="2">
+            <a:schemeClr val="accent6"/>
+          </a:lnRef>
+          <a:fillRef idx="1">
+            <a:schemeClr val="lt1"/>
+          </a:fillRef>
+          <a:effectRef idx="0">
+            <a:schemeClr val="accent6"/>
+          </a:effectRef>
+          <a:fontRef idx="minor">
+            <a:schemeClr val="dk1"/>
+          </a:fontRef>
+        </p:style>
+        <p:txBody>
+          <a:bodyPr rtlCol="0" anchor="ctr"/>
+          <a:lstStyle/>
+          <a:p>
+            <a:pPr algn="ctr"/>
+            <a:r>
+              <a:rPr kumimoji="1" lang="en-US" altLang="zh-CN" sz="2400" b="1" dirty="0"/>
+              <a:t>1</a:t>
+            </a:r>
+            <a:endParaRPr kumimoji="1" lang="zh-CN" altLang="en-US" sz="2400" b="1" dirty="0"/>
+          </a:p>
+        </p:txBody>
+      </p:sp>
+      <p:sp>
+        <p:nvSpPr>
+          <p:cNvPr id="86" name="圆角矩形 85">
+            <a:extLst>
+              <a:ext uri="{FF2B5EF4-FFF2-40B4-BE49-F238E27FC236}">
+                <a16:creationId xmlns:a16="http://schemas.microsoft.com/office/drawing/2014/main" id="{161ACCD9-68DB-364F-8018-519B4A3CBA1D}"/>
+              </a:ext>
+            </a:extLst>
+          </p:cNvPr>
+          <p:cNvSpPr/>
+          <p:nvPr/>
+        </p:nvSpPr>
+        <p:spPr>
+          <a:xfrm>
+            <a:off x="7133732" y="4230208"/>
+            <a:ext cx="609600" cy="499872"/>
+          </a:xfrm>
+          <a:prstGeom prst="roundRect">
+            <a:avLst/>
+          </a:prstGeom>
+          <a:ln>
+            <a:solidFill>
+              <a:schemeClr val="accent6"/>
+            </a:solidFill>
+            <a:prstDash val="sysDash"/>
+          </a:ln>
+        </p:spPr>
+        <p:style>
+          <a:lnRef idx="2">
+            <a:schemeClr val="accent6"/>
+          </a:lnRef>
+          <a:fillRef idx="1">
+            <a:schemeClr val="lt1"/>
+          </a:fillRef>
+          <a:effectRef idx="0">
+            <a:schemeClr val="accent6"/>
+          </a:effectRef>
+          <a:fontRef idx="minor">
+            <a:schemeClr val="dk1"/>
+          </a:fontRef>
+        </p:style>
+        <p:txBody>
+          <a:bodyPr rtlCol="0" anchor="ctr"/>
+          <a:lstStyle/>
+          <a:p>
+            <a:pPr algn="ctr"/>
+            <a:r>
+              <a:rPr kumimoji="1" lang="en-US" altLang="zh-CN" sz="2400" b="1" strike="sngStrike" dirty="0"/>
+              <a:t>5</a:t>
+            </a:r>
+            <a:endParaRPr kumimoji="1" lang="zh-CN" altLang="en-US" sz="2400" b="1" strike="sngStrike" dirty="0"/>
+          </a:p>
+        </p:txBody>
+      </p:sp>
+      <p:sp>
+        <p:nvSpPr>
+          <p:cNvPr id="87" name="圆角矩形 86">
+            <a:extLst>
+              <a:ext uri="{FF2B5EF4-FFF2-40B4-BE49-F238E27FC236}">
+                <a16:creationId xmlns:a16="http://schemas.microsoft.com/office/drawing/2014/main" id="{F0CD68AE-6C03-194A-9519-C39D5C044CC7}"/>
+              </a:ext>
+            </a:extLst>
+          </p:cNvPr>
+          <p:cNvSpPr/>
+          <p:nvPr/>
+        </p:nvSpPr>
+        <p:spPr>
+          <a:xfrm>
+            <a:off x="7743332" y="4230208"/>
+            <a:ext cx="609600" cy="499872"/>
+          </a:xfrm>
+          <a:prstGeom prst="roundRect">
+            <a:avLst/>
+          </a:prstGeom>
+          <a:ln>
+            <a:solidFill>
+              <a:schemeClr val="accent6"/>
+            </a:solidFill>
+            <a:prstDash val="sysDash"/>
+          </a:ln>
+        </p:spPr>
+        <p:style>
+          <a:lnRef idx="2">
+            <a:schemeClr val="accent6"/>
+          </a:lnRef>
+          <a:fillRef idx="1">
+            <a:schemeClr val="lt1"/>
+          </a:fillRef>
+          <a:effectRef idx="0">
+            <a:schemeClr val="accent6"/>
+          </a:effectRef>
+          <a:fontRef idx="minor">
+            <a:schemeClr val="dk1"/>
+          </a:fontRef>
+        </p:style>
+        <p:txBody>
+          <a:bodyPr rtlCol="0" anchor="ctr"/>
+          <a:lstStyle/>
+          <a:p>
+            <a:pPr algn="ctr"/>
+            <a:r>
+              <a:rPr kumimoji="1" lang="en-US" altLang="zh-CN" sz="2400" b="1" strike="sngStrike" dirty="0"/>
+              <a:t>5</a:t>
+            </a:r>
+            <a:endParaRPr kumimoji="1" lang="zh-CN" altLang="en-US" sz="2400" b="1" strike="sngStrike" dirty="0"/>
+          </a:p>
+        </p:txBody>
+      </p:sp>
+      <p:sp>
+        <p:nvSpPr>
+          <p:cNvPr id="88" name="圆角矩形 87">
+            <a:extLst>
+              <a:ext uri="{FF2B5EF4-FFF2-40B4-BE49-F238E27FC236}">
+                <a16:creationId xmlns:a16="http://schemas.microsoft.com/office/drawing/2014/main" id="{EC6C5538-A921-D943-8659-9C59EFDA7AC5}"/>
+              </a:ext>
+            </a:extLst>
+          </p:cNvPr>
+          <p:cNvSpPr/>
+          <p:nvPr/>
+        </p:nvSpPr>
+        <p:spPr>
+          <a:xfrm>
+            <a:off x="8352932" y="4230208"/>
+            <a:ext cx="609600" cy="499872"/>
+          </a:xfrm>
+          <a:prstGeom prst="roundRect">
+            <a:avLst/>
+          </a:prstGeom>
+          <a:ln>
+            <a:solidFill>
+              <a:schemeClr val="accent6"/>
+            </a:solidFill>
+            <a:prstDash val="sysDash"/>
+          </a:ln>
+        </p:spPr>
+        <p:style>
+          <a:lnRef idx="2">
+            <a:schemeClr val="accent6"/>
+          </a:lnRef>
+          <a:fillRef idx="1">
+            <a:schemeClr val="lt1"/>
+          </a:fillRef>
+          <a:effectRef idx="0">
+            <a:schemeClr val="accent6"/>
+          </a:effectRef>
+          <a:fontRef idx="minor">
+            <a:schemeClr val="dk1"/>
+          </a:fontRef>
+        </p:style>
+        <p:txBody>
+          <a:bodyPr rtlCol="0" anchor="ctr"/>
+          <a:lstStyle/>
+          <a:p>
+            <a:pPr algn="ctr"/>
+            <a:r>
+              <a:rPr kumimoji="1" lang="en-US" altLang="zh-CN" sz="2400" b="1" strike="sngStrike" dirty="0"/>
+              <a:t>5</a:t>
+            </a:r>
+            <a:endParaRPr kumimoji="1" lang="zh-CN" altLang="en-US" sz="2400" b="1" strike="sngStrike" dirty="0"/>
+          </a:p>
+        </p:txBody>
+      </p:sp>
+      <p:sp>
+        <p:nvSpPr>
+          <p:cNvPr id="89" name="圆角矩形 88">
+            <a:extLst>
+              <a:ext uri="{FF2B5EF4-FFF2-40B4-BE49-F238E27FC236}">
+                <a16:creationId xmlns:a16="http://schemas.microsoft.com/office/drawing/2014/main" id="{5E922720-EFDF-B54A-892F-C53A5D4321F4}"/>
+              </a:ext>
+            </a:extLst>
+          </p:cNvPr>
+          <p:cNvSpPr/>
+          <p:nvPr/>
+        </p:nvSpPr>
+        <p:spPr>
+          <a:xfrm>
+            <a:off x="8962532" y="4230208"/>
+            <a:ext cx="609600" cy="499872"/>
+          </a:xfrm>
+          <a:prstGeom prst="roundRect">
+            <a:avLst/>
+          </a:prstGeom>
+        </p:spPr>
+        <p:style>
+          <a:lnRef idx="2">
+            <a:schemeClr val="accent6"/>
+          </a:lnRef>
+          <a:fillRef idx="1">
+            <a:schemeClr val="lt1"/>
+          </a:fillRef>
+          <a:effectRef idx="0">
+            <a:schemeClr val="accent6"/>
+          </a:effectRef>
+          <a:fontRef idx="minor">
+            <a:schemeClr val="dk1"/>
+          </a:fontRef>
+        </p:style>
+        <p:txBody>
+          <a:bodyPr rtlCol="0" anchor="ctr"/>
+          <a:lstStyle/>
+          <a:p>
+            <a:pPr algn="ctr"/>
+            <a:r>
+              <a:rPr kumimoji="1" lang="en-US" altLang="zh-CN" sz="2400" b="1" dirty="0"/>
+              <a:t>6</a:t>
+            </a:r>
+            <a:endParaRPr kumimoji="1" lang="zh-CN" altLang="en-US" sz="2400" b="1" dirty="0"/>
+          </a:p>
+        </p:txBody>
+      </p:sp>
+      <p:sp>
+        <p:nvSpPr>
+          <p:cNvPr id="90" name="圆角矩形 89">
+            <a:extLst>
+              <a:ext uri="{FF2B5EF4-FFF2-40B4-BE49-F238E27FC236}">
+                <a16:creationId xmlns:a16="http://schemas.microsoft.com/office/drawing/2014/main" id="{FA3F9C66-48F1-734C-9DA3-E5337239F349}"/>
+              </a:ext>
+            </a:extLst>
+          </p:cNvPr>
+          <p:cNvSpPr/>
+          <p:nvPr/>
+        </p:nvSpPr>
+        <p:spPr>
+          <a:xfrm>
+            <a:off x="9572132" y="4230208"/>
+            <a:ext cx="609600" cy="499872"/>
+          </a:xfrm>
+          <a:prstGeom prst="roundRect">
+            <a:avLst/>
+          </a:prstGeom>
+        </p:spPr>
+        <p:style>
+          <a:lnRef idx="2">
+            <a:schemeClr val="accent6"/>
+          </a:lnRef>
+          <a:fillRef idx="1">
+            <a:schemeClr val="lt1"/>
+          </a:fillRef>
+          <a:effectRef idx="0">
+            <a:schemeClr val="accent6"/>
+          </a:effectRef>
+          <a:fontRef idx="minor">
+            <a:schemeClr val="dk1"/>
+          </a:fontRef>
+        </p:style>
+        <p:txBody>
+          <a:bodyPr rtlCol="0" anchor="ctr"/>
+          <a:lstStyle/>
+          <a:p>
+            <a:pPr algn="ctr"/>
+            <a:r>
+              <a:rPr kumimoji="1" lang="en-US" altLang="zh-CN" sz="2400" b="1" dirty="0"/>
+              <a:t>7</a:t>
+            </a:r>
+            <a:endParaRPr kumimoji="1" lang="zh-CN" altLang="en-US" sz="2400" b="1" dirty="0"/>
+          </a:p>
+        </p:txBody>
+      </p:sp>
+      <p:sp>
+        <p:nvSpPr>
+          <p:cNvPr id="91" name="圆角矩形 90">
+            <a:extLst>
+              <a:ext uri="{FF2B5EF4-FFF2-40B4-BE49-F238E27FC236}">
+                <a16:creationId xmlns:a16="http://schemas.microsoft.com/office/drawing/2014/main" id="{CE443E6E-07C0-FB41-93E8-5609F1086F89}"/>
+              </a:ext>
+            </a:extLst>
+          </p:cNvPr>
+          <p:cNvSpPr/>
+          <p:nvPr/>
+        </p:nvSpPr>
+        <p:spPr>
+          <a:xfrm>
+            <a:off x="10181732" y="4230208"/>
+            <a:ext cx="609600" cy="499872"/>
+          </a:xfrm>
+          <a:prstGeom prst="roundRect">
+            <a:avLst/>
+          </a:prstGeom>
+        </p:spPr>
+        <p:style>
+          <a:lnRef idx="2">
+            <a:schemeClr val="accent6"/>
+          </a:lnRef>
+          <a:fillRef idx="1">
+            <a:schemeClr val="lt1"/>
+          </a:fillRef>
+          <a:effectRef idx="0">
+            <a:schemeClr val="accent6"/>
+          </a:effectRef>
+          <a:fontRef idx="minor">
+            <a:schemeClr val="dk1"/>
+          </a:fontRef>
+        </p:style>
+        <p:txBody>
+          <a:bodyPr rtlCol="0" anchor="ctr"/>
+          <a:lstStyle/>
+          <a:p>
+            <a:pPr algn="ctr"/>
+            <a:r>
+              <a:rPr kumimoji="1" lang="en-US" altLang="zh-CN" sz="2400" b="1" dirty="0"/>
+              <a:t>8</a:t>
+            </a:r>
+            <a:endParaRPr kumimoji="1" lang="zh-CN" altLang="en-US" sz="2400" b="1" dirty="0"/>
+          </a:p>
+        </p:txBody>
+      </p:sp>
+      <p:cxnSp>
+        <p:nvCxnSpPr>
+          <p:cNvPr id="92" name="直线箭头连接符 91">
+            <a:extLst>
+              <a:ext uri="{FF2B5EF4-FFF2-40B4-BE49-F238E27FC236}">
+                <a16:creationId xmlns:a16="http://schemas.microsoft.com/office/drawing/2014/main" id="{DFDA2662-537B-F649-8936-E1F8CE5BB7F5}"/>
+              </a:ext>
+            </a:extLst>
+          </p:cNvPr>
+          <p:cNvCxnSpPr>
+            <a:cxnSpLocks/>
+          </p:cNvCxnSpPr>
+          <p:nvPr/>
+        </p:nvCxnSpPr>
+        <p:spPr>
+          <a:xfrm flipV="1">
+            <a:off x="6841574" y="4758508"/>
+            <a:ext cx="0" cy="353568"/>
+          </a:xfrm>
+          <a:prstGeom prst="straightConnector1">
+            <a:avLst/>
+          </a:prstGeom>
+          <a:ln>
+            <a:tailEnd type="triangle"/>
+          </a:ln>
+        </p:spPr>
+        <p:style>
+          <a:lnRef idx="1">
+            <a:schemeClr val="accent1"/>
+          </a:lnRef>
+          <a:fillRef idx="0">
+            <a:schemeClr val="accent1"/>
+          </a:fillRef>
+          <a:effectRef idx="0">
+            <a:schemeClr val="accent1"/>
+          </a:effectRef>
+          <a:fontRef idx="minor">
+            <a:schemeClr val="tx1"/>
+          </a:fontRef>
+        </p:style>
+      </p:cxnSp>
+      <p:sp>
+        <p:nvSpPr>
+          <p:cNvPr id="93" name="文本框 92">
+            <a:extLst>
+              <a:ext uri="{FF2B5EF4-FFF2-40B4-BE49-F238E27FC236}">
+                <a16:creationId xmlns:a16="http://schemas.microsoft.com/office/drawing/2014/main" id="{DE45E5D7-AE33-864E-AD46-78896DBB68AB}"/>
+              </a:ext>
+            </a:extLst>
+          </p:cNvPr>
+          <p:cNvSpPr txBox="1"/>
+          <p:nvPr/>
+        </p:nvSpPr>
+        <p:spPr>
+          <a:xfrm>
+            <a:off x="6608515" y="5114969"/>
+            <a:ext cx="514885" cy="369332"/>
+          </a:xfrm>
+          <a:prstGeom prst="rect">
+            <a:avLst/>
+          </a:prstGeom>
+          <a:noFill/>
+        </p:spPr>
+        <p:txBody>
+          <a:bodyPr wrap="none" rtlCol="0">
+            <a:spAutoFit/>
+          </a:bodyPr>
+          <a:lstStyle/>
+          <a:p>
+            <a:r>
+              <a:rPr kumimoji="1" lang="en-US" altLang="zh-CN" dirty="0"/>
+              <a:t>pre</a:t>
+            </a:r>
+            <a:endParaRPr kumimoji="1" lang="zh-CN" altLang="en-US" dirty="0"/>
+          </a:p>
+        </p:txBody>
+      </p:sp>
+      <p:cxnSp>
+        <p:nvCxnSpPr>
+          <p:cNvPr id="94" name="直线箭头连接符 93">
+            <a:extLst>
+              <a:ext uri="{FF2B5EF4-FFF2-40B4-BE49-F238E27FC236}">
+                <a16:creationId xmlns:a16="http://schemas.microsoft.com/office/drawing/2014/main" id="{D991879F-2D56-234B-B6F7-46E0BC2384C8}"/>
+              </a:ext>
+            </a:extLst>
+          </p:cNvPr>
+          <p:cNvCxnSpPr>
+            <a:cxnSpLocks/>
+          </p:cNvCxnSpPr>
+          <p:nvPr/>
+        </p:nvCxnSpPr>
+        <p:spPr>
+          <a:xfrm flipV="1">
+            <a:off x="6606378" y="4779217"/>
+            <a:ext cx="0" cy="353568"/>
+          </a:xfrm>
+          <a:prstGeom prst="straightConnector1">
+            <a:avLst/>
+          </a:prstGeom>
+          <a:ln>
+            <a:tailEnd type="triangle"/>
+          </a:ln>
+        </p:spPr>
+        <p:style>
+          <a:lnRef idx="1">
+            <a:schemeClr val="accent1"/>
+          </a:lnRef>
+          <a:fillRef idx="0">
+            <a:schemeClr val="accent1"/>
+          </a:fillRef>
+          <a:effectRef idx="0">
+            <a:schemeClr val="accent1"/>
+          </a:effectRef>
+          <a:fontRef idx="minor">
+            <a:schemeClr val="tx1"/>
+          </a:fontRef>
+        </p:style>
+      </p:cxnSp>
+      <p:sp>
+        <p:nvSpPr>
+          <p:cNvPr id="95" name="文本框 94">
+            <a:extLst>
+              <a:ext uri="{FF2B5EF4-FFF2-40B4-BE49-F238E27FC236}">
+                <a16:creationId xmlns:a16="http://schemas.microsoft.com/office/drawing/2014/main" id="{4322680D-6BFF-B744-8EC5-C2862A54FD36}"/>
+              </a:ext>
+            </a:extLst>
+          </p:cNvPr>
+          <p:cNvSpPr txBox="1"/>
+          <p:nvPr/>
+        </p:nvSpPr>
+        <p:spPr>
+          <a:xfrm>
+            <a:off x="6137949" y="5289183"/>
+            <a:ext cx="678391" cy="369332"/>
+          </a:xfrm>
+          <a:prstGeom prst="rect">
+            <a:avLst/>
+          </a:prstGeom>
+          <a:noFill/>
+        </p:spPr>
+        <p:txBody>
+          <a:bodyPr wrap="none" rtlCol="0">
+            <a:spAutoFit/>
+          </a:bodyPr>
+          <a:lstStyle/>
+          <a:p>
+            <a:r>
+              <a:rPr kumimoji="1" lang="en-US" altLang="zh-CN" dirty="0"/>
+              <a:t>head</a:t>
+            </a:r>
+            <a:endParaRPr kumimoji="1" lang="zh-CN" altLang="en-US" dirty="0"/>
+          </a:p>
+        </p:txBody>
+      </p:sp>
+      <p:cxnSp>
+        <p:nvCxnSpPr>
+          <p:cNvPr id="96" name="直线箭头连接符 95">
+            <a:extLst>
+              <a:ext uri="{FF2B5EF4-FFF2-40B4-BE49-F238E27FC236}">
+                <a16:creationId xmlns:a16="http://schemas.microsoft.com/office/drawing/2014/main" id="{1F33F366-8AEB-7241-B738-C0C72D25558E}"/>
+              </a:ext>
+            </a:extLst>
+          </p:cNvPr>
+          <p:cNvCxnSpPr>
+            <a:cxnSpLocks/>
+          </p:cNvCxnSpPr>
+          <p:nvPr/>
+        </p:nvCxnSpPr>
+        <p:spPr>
+          <a:xfrm flipV="1">
+            <a:off x="9209555" y="4751598"/>
+            <a:ext cx="0" cy="353568"/>
+          </a:xfrm>
+          <a:prstGeom prst="straightConnector1">
+            <a:avLst/>
+          </a:prstGeom>
+          <a:ln>
+            <a:tailEnd type="triangle"/>
+          </a:ln>
+        </p:spPr>
+        <p:style>
+          <a:lnRef idx="1">
+            <a:schemeClr val="accent1"/>
+          </a:lnRef>
+          <a:fillRef idx="0">
+            <a:schemeClr val="accent1"/>
+          </a:fillRef>
+          <a:effectRef idx="0">
+            <a:schemeClr val="accent1"/>
+          </a:effectRef>
+          <a:fontRef idx="minor">
+            <a:schemeClr val="tx1"/>
+          </a:fontRef>
+        </p:style>
+      </p:cxnSp>
+      <p:sp>
+        <p:nvSpPr>
+          <p:cNvPr id="97" name="文本框 96">
+            <a:extLst>
+              <a:ext uri="{FF2B5EF4-FFF2-40B4-BE49-F238E27FC236}">
+                <a16:creationId xmlns:a16="http://schemas.microsoft.com/office/drawing/2014/main" id="{4D39EBF4-433C-9E45-983D-394E4013CB96}"/>
+              </a:ext>
+            </a:extLst>
+          </p:cNvPr>
+          <p:cNvSpPr txBox="1"/>
+          <p:nvPr/>
+        </p:nvSpPr>
+        <p:spPr>
+          <a:xfrm>
+            <a:off x="8962532" y="5112076"/>
+            <a:ext cx="494046" cy="369332"/>
+          </a:xfrm>
+          <a:prstGeom prst="rect">
+            <a:avLst/>
+          </a:prstGeom>
+          <a:noFill/>
+        </p:spPr>
+        <p:txBody>
+          <a:bodyPr wrap="none" rtlCol="0">
+            <a:spAutoFit/>
+          </a:bodyPr>
+          <a:lstStyle/>
+          <a:p>
+            <a:r>
+              <a:rPr kumimoji="1" lang="en-US" altLang="zh-CN" dirty="0"/>
+              <a:t>cur</a:t>
+            </a:r>
+            <a:endParaRPr kumimoji="1" lang="zh-CN" altLang="en-US" dirty="0"/>
+          </a:p>
+        </p:txBody>
+      </p:sp>
+    </p:spTree>
+    <p:extLst>
+      <p:ext uri="{BB962C8B-B14F-4D97-AF65-F5344CB8AC3E}">
+        <p14:creationId xmlns:p14="http://schemas.microsoft.com/office/powerpoint/2010/main" val="1628421797"/>
+      </p:ext>
+    </p:extLst>
+  </p:cSld>
+  <p:clrMapOvr>
+    <a:masterClrMapping/>
+  </p:clrMapOvr>
+</p:sld>
+</file>
+
+<file path=ppt/slides/slide7.xml><?xml version="1.0" encoding="utf-8"?>
+<p:sld xmlns:a="http://schemas.openxmlformats.org/drawingml/2006/main" xmlns:r="http://schemas.openxmlformats.org/officeDocument/2006/relationships" xmlns:p="http://schemas.openxmlformats.org/presentationml/2006/main">
+  <p:cSld>
+    <p:spTree>
+      <p:nvGrpSpPr>
+        <p:cNvPr id="1" name=""/>
+        <p:cNvGrpSpPr/>
+        <p:nvPr/>
+      </p:nvGrpSpPr>
+      <p:grpSpPr>
+        <a:xfrm>
+          <a:off x="0" y="0"/>
+          <a:ext cx="0" cy="0"/>
+          <a:chOff x="0" y="0"/>
+          <a:chExt cx="0" cy="0"/>
+        </a:xfrm>
+      </p:grpSpPr>
+      <p:sp>
+        <p:nvSpPr>
+          <p:cNvPr id="4" name="矩形 3">
+            <a:extLst>
+              <a:ext uri="{FF2B5EF4-FFF2-40B4-BE49-F238E27FC236}">
+                <a16:creationId xmlns:a16="http://schemas.microsoft.com/office/drawing/2014/main" id="{3C893A65-A5EF-0947-B42E-33A5DC4F8935}"/>
+              </a:ext>
+            </a:extLst>
+          </p:cNvPr>
+          <p:cNvSpPr/>
+          <p:nvPr/>
+        </p:nvSpPr>
+        <p:spPr>
+          <a:xfrm>
+            <a:off x="0" y="129174"/>
+            <a:ext cx="2957861" cy="369332"/>
+          </a:xfrm>
+          <a:prstGeom prst="rect">
+            <a:avLst/>
+          </a:prstGeom>
+        </p:spPr>
+        <p:txBody>
+          <a:bodyPr wrap="none">
+            <a:spAutoFit/>
+          </a:bodyPr>
+          <a:lstStyle/>
+          <a:p>
+            <a:r>
+              <a:rPr lang="en-US" altLang="zh-CN" dirty="0">
+                <a:solidFill>
+                  <a:srgbClr val="FF0000"/>
+                </a:solidFill>
+              </a:rPr>
+              <a:t>_07_NextNodeInBinaryTrees</a:t>
+            </a:r>
+            <a:endParaRPr lang="zh-CN" altLang="en-US" dirty="0">
+              <a:solidFill>
+                <a:srgbClr val="FF0000"/>
+              </a:solidFill>
+            </a:endParaRPr>
+          </a:p>
+        </p:txBody>
+      </p:sp>
+      <p:pic>
+        <p:nvPicPr>
+          <p:cNvPr id="5" name="图片 4">
+            <a:extLst>
+              <a:ext uri="{FF2B5EF4-FFF2-40B4-BE49-F238E27FC236}">
+                <a16:creationId xmlns:a16="http://schemas.microsoft.com/office/drawing/2014/main" id="{985CBCC3-EB33-6346-B952-E88754927902}"/>
+              </a:ext>
+            </a:extLst>
+          </p:cNvPr>
+          <p:cNvPicPr>
+            <a:picLocks noChangeAspect="1"/>
+          </p:cNvPicPr>
+          <p:nvPr/>
+        </p:nvPicPr>
+        <p:blipFill>
+          <a:blip r:embed="rId3"/>
+          <a:stretch>
+            <a:fillRect/>
+          </a:stretch>
+        </p:blipFill>
+        <p:spPr>
+          <a:xfrm>
+            <a:off x="0" y="641458"/>
+            <a:ext cx="5576161" cy="4805472"/>
+          </a:xfrm>
+          <a:prstGeom prst="rect">
+            <a:avLst/>
+          </a:prstGeom>
+        </p:spPr>
+      </p:pic>
+      <p:sp>
+        <p:nvSpPr>
+          <p:cNvPr id="7" name="矩形 6">
+            <a:extLst>
+              <a:ext uri="{FF2B5EF4-FFF2-40B4-BE49-F238E27FC236}">
+                <a16:creationId xmlns:a16="http://schemas.microsoft.com/office/drawing/2014/main" id="{D2B1FC69-42BE-5244-B18A-5051A159EE76}"/>
+              </a:ext>
+            </a:extLst>
+          </p:cNvPr>
+          <p:cNvSpPr/>
+          <p:nvPr/>
+        </p:nvSpPr>
+        <p:spPr>
+          <a:xfrm>
+            <a:off x="5576161" y="498506"/>
+            <a:ext cx="6096000" cy="3416320"/>
           </a:xfrm>
           <a:prstGeom prst="rect">
             <a:avLst/>
@@ -13032,76 +13314,105 @@
           <a:lstStyle/>
           <a:p>
             <a:r>
-              <a:rPr lang="zh-CN" altLang="en-US" dirty="0">
-                <a:solidFill>
-                  <a:srgbClr val="000000"/>
-                </a:solidFill>
-                <a:latin typeface="Verdana" panose="020B0604030504040204" pitchFamily="34" charset="0"/>
-              </a:rPr>
-              <a:t>在</a:t>
-            </a:r>
-            <a:r>
-              <a:rPr lang="en-US" altLang="zh-CN" dirty="0">
-                <a:solidFill>
-                  <a:srgbClr val="000000"/>
-                </a:solidFill>
-                <a:latin typeface="Verdana" panose="020B0604030504040204" pitchFamily="34" charset="0"/>
-              </a:rPr>
-              <a:t>JAVA</a:t>
-            </a:r>
-            <a:r>
-              <a:rPr lang="zh-CN" altLang="en-US" dirty="0">
-                <a:solidFill>
-                  <a:srgbClr val="000000"/>
-                </a:solidFill>
-                <a:latin typeface="Verdana" panose="020B0604030504040204" pitchFamily="34" charset="0"/>
-              </a:rPr>
-              <a:t>中，对</a:t>
-            </a:r>
-            <a:r>
-              <a:rPr lang="en-US" altLang="zh-CN" dirty="0">
-                <a:solidFill>
-                  <a:srgbClr val="000000"/>
-                </a:solidFill>
-                <a:latin typeface="Verdana" panose="020B0604030504040204" pitchFamily="34" charset="0"/>
-              </a:rPr>
-              <a:t>char</a:t>
-            </a:r>
-            <a:r>
-              <a:rPr lang="zh-CN" altLang="en-US" dirty="0">
-                <a:solidFill>
-                  <a:srgbClr val="000000"/>
-                </a:solidFill>
-                <a:latin typeface="Verdana" panose="020B0604030504040204" pitchFamily="34" charset="0"/>
-              </a:rPr>
-              <a:t>类型字符运行时，直接当做</a:t>
-            </a:r>
-            <a:r>
-              <a:rPr lang="en-US" altLang="zh-CN" dirty="0">
-                <a:solidFill>
-                  <a:srgbClr val="000000"/>
-                </a:solidFill>
-                <a:latin typeface="Verdana" panose="020B0604030504040204" pitchFamily="34" charset="0"/>
-              </a:rPr>
-              <a:t>ASCII</a:t>
-            </a:r>
-            <a:r>
-              <a:rPr lang="zh-CN" altLang="en-US" dirty="0">
-                <a:solidFill>
-                  <a:srgbClr val="000000"/>
-                </a:solidFill>
-                <a:latin typeface="Verdana" panose="020B0604030504040204" pitchFamily="34" charset="0"/>
-              </a:rPr>
-              <a:t>表对应的整数来对待。</a:t>
-            </a:r>
+              <a:rPr lang="zh-CN" altLang="en-US" dirty="0"/>
+              <a:t>中序遍历结果：</a:t>
+            </a:r>
+            <a:endParaRPr lang="en-US" altLang="zh-CN" dirty="0"/>
+          </a:p>
+          <a:p>
+            <a:r>
+              <a:rPr lang="zh-CN" altLang="en-US" dirty="0"/>
+              <a:t>    </a:t>
+            </a:r>
+            <a:r>
+              <a:rPr lang="en-US" altLang="zh-CN" dirty="0"/>
+              <a:t>DBHEIAFCG</a:t>
+            </a:r>
+          </a:p>
+          <a:p>
+            <a:endParaRPr lang="en-US" altLang="zh-CN" dirty="0"/>
+          </a:p>
+          <a:p>
+            <a:r>
+              <a:rPr lang="zh-CN" altLang="en-US" dirty="0"/>
+              <a:t>三种情况：</a:t>
+            </a:r>
+          </a:p>
+          <a:p>
             <a:endParaRPr lang="zh-CN" altLang="en-US" dirty="0"/>
+          </a:p>
+          <a:p>
+            <a:r>
+              <a:rPr lang="zh-CN" altLang="en-US" dirty="0"/>
+              <a:t>1、有右子树，下一结点是右子树中的最左结点，例如 B，下一结点是 H</a:t>
+            </a:r>
+          </a:p>
+          <a:p>
+            <a:endParaRPr lang="zh-CN" altLang="en-US" dirty="0"/>
+          </a:p>
+          <a:p>
+            <a:r>
+              <a:rPr lang="zh-CN" altLang="en-US" dirty="0"/>
+              <a:t>2、没右子树，如</a:t>
+            </a:r>
+            <a:r>
+              <a:rPr lang="en-US" altLang="zh-CN" dirty="0"/>
+              <a:t>:D</a:t>
+            </a:r>
+            <a:r>
+              <a:rPr lang="zh-CN" altLang="en-US" dirty="0"/>
+              <a:t> </a:t>
+            </a:r>
+            <a:r>
+              <a:rPr lang="en-US" altLang="zh-CN" dirty="0"/>
+              <a:t>H</a:t>
+            </a:r>
+            <a:r>
+              <a:rPr lang="zh-CN" altLang="en-US" dirty="0"/>
+              <a:t> </a:t>
+            </a:r>
+            <a:r>
+              <a:rPr lang="en-US" altLang="zh-CN" dirty="0"/>
+              <a:t>I</a:t>
+            </a:r>
+            <a:r>
+              <a:rPr lang="zh-CN" altLang="en-US" dirty="0"/>
+              <a:t> </a:t>
+            </a:r>
+            <a:r>
+              <a:rPr lang="en-US" altLang="zh-CN" dirty="0"/>
+              <a:t>F</a:t>
+            </a:r>
+            <a:r>
+              <a:rPr lang="zh-CN" altLang="en-US" dirty="0"/>
+              <a:t> </a:t>
+            </a:r>
+            <a:r>
+              <a:rPr lang="en-US" altLang="zh-CN" dirty="0"/>
+              <a:t>G</a:t>
+            </a:r>
+            <a:endParaRPr lang="zh-CN" altLang="en-US" dirty="0"/>
+          </a:p>
+          <a:p>
+            <a:r>
+              <a:rPr lang="zh-CN" altLang="en-US" dirty="0"/>
+              <a:t>如果该节点是其父节点的左孩子，则返回父节点 如</a:t>
+            </a:r>
+            <a:r>
+              <a:rPr lang="en-US" altLang="zh-CN" dirty="0"/>
+              <a:t>DHF</a:t>
+            </a:r>
+            <a:r>
+              <a:rPr lang="zh-CN" altLang="en-US" dirty="0"/>
+              <a:t>；否则继续向上遍历其父节点的父节点，重复之前的判断，返回结果</a:t>
+            </a:r>
           </a:p>
         </p:txBody>
       </p:sp>
     </p:spTree>
     <p:extLst>
       <p:ext uri="{BB962C8B-B14F-4D97-AF65-F5344CB8AC3E}">
-        <p14:creationId xmlns:p14="http://schemas.microsoft.com/office/powerpoint/2010/main" val="4210886469"/>
+        <p14:creationId xmlns:p14="http://schemas.microsoft.com/office/powerpoint/2010/main" val="3178803237"/>
       </p:ext>
     </p:extLst>
   </p:cSld>

--- a/res/deduce.pptx
+++ b/res/deduce.pptx
@@ -5,7 +5,7 @@
     <p:sldMasterId id="2147483648" r:id="rId1"/>
   </p:sldMasterIdLst>
   <p:notesMasterIdLst>
-    <p:notesMasterId r:id="rId9"/>
+    <p:notesMasterId r:id="rId10"/>
   </p:notesMasterIdLst>
   <p:sldIdLst>
     <p:sldId id="256" r:id="rId2"/>
@@ -15,6 +15,7 @@
     <p:sldId id="259" r:id="rId6"/>
     <p:sldId id="258" r:id="rId7"/>
     <p:sldId id="262" r:id="rId8"/>
+    <p:sldId id="263" r:id="rId9"/>
   </p:sldIdLst>
   <p:sldSz cx="12192000" cy="6858000"/>
   <p:notesSz cx="6858000" cy="9144000"/>
@@ -203,7 +204,7 @@
           <a:p>
             <a:fld id="{9D46E52F-CA79-6A4B-90D1-D6D05DAD10A0}" type="datetimeFigureOut">
               <a:rPr kumimoji="1" lang="zh-CN" altLang="en-US" smtClean="0"/>
-              <a:t>2019/12/12</a:t>
+              <a:t>2019/12/24</a:t>
             </a:fld>
             <a:endParaRPr kumimoji="1" lang="zh-CN" altLang="en-US"/>
           </a:p>
@@ -844,7 +845,7 @@
           <a:p>
             <a:fld id="{CC72EA82-287C-4B49-9087-D15DF2E0952F}" type="datetimeFigureOut">
               <a:rPr kumimoji="1" lang="zh-CN" altLang="en-US" smtClean="0"/>
-              <a:t>2019/12/12</a:t>
+              <a:t>2019/12/24</a:t>
             </a:fld>
             <a:endParaRPr kumimoji="1" lang="zh-CN" altLang="en-US"/>
           </a:p>
@@ -1017,7 +1018,7 @@
           <a:p>
             <a:fld id="{CC72EA82-287C-4B49-9087-D15DF2E0952F}" type="datetimeFigureOut">
               <a:rPr kumimoji="1" lang="zh-CN" altLang="en-US" smtClean="0"/>
-              <a:t>2019/12/12</a:t>
+              <a:t>2019/12/24</a:t>
             </a:fld>
             <a:endParaRPr kumimoji="1" lang="zh-CN" altLang="en-US"/>
           </a:p>
@@ -1200,7 +1201,7 @@
           <a:p>
             <a:fld id="{CC72EA82-287C-4B49-9087-D15DF2E0952F}" type="datetimeFigureOut">
               <a:rPr kumimoji="1" lang="zh-CN" altLang="en-US" smtClean="0"/>
-              <a:t>2019/12/12</a:t>
+              <a:t>2019/12/24</a:t>
             </a:fld>
             <a:endParaRPr kumimoji="1" lang="zh-CN" altLang="en-US"/>
           </a:p>
@@ -1373,7 +1374,7 @@
           <a:p>
             <a:fld id="{CC72EA82-287C-4B49-9087-D15DF2E0952F}" type="datetimeFigureOut">
               <a:rPr kumimoji="1" lang="zh-CN" altLang="en-US" smtClean="0"/>
-              <a:t>2019/12/12</a:t>
+              <a:t>2019/12/24</a:t>
             </a:fld>
             <a:endParaRPr kumimoji="1" lang="zh-CN" altLang="en-US"/>
           </a:p>
@@ -1651,7 +1652,7 @@
           <a:p>
             <a:fld id="{CC72EA82-287C-4B49-9087-D15DF2E0952F}" type="datetimeFigureOut">
               <a:rPr kumimoji="1" lang="zh-CN" altLang="en-US" smtClean="0"/>
-              <a:t>2019/12/12</a:t>
+              <a:t>2019/12/24</a:t>
             </a:fld>
             <a:endParaRPr kumimoji="1" lang="zh-CN" altLang="en-US"/>
           </a:p>
@@ -1866,7 +1867,7 @@
           <a:p>
             <a:fld id="{CC72EA82-287C-4B49-9087-D15DF2E0952F}" type="datetimeFigureOut">
               <a:rPr kumimoji="1" lang="zh-CN" altLang="en-US" smtClean="0"/>
-              <a:t>2019/12/12</a:t>
+              <a:t>2019/12/24</a:t>
             </a:fld>
             <a:endParaRPr kumimoji="1" lang="zh-CN" altLang="en-US"/>
           </a:p>
@@ -2234,7 +2235,7 @@
           <a:p>
             <a:fld id="{CC72EA82-287C-4B49-9087-D15DF2E0952F}" type="datetimeFigureOut">
               <a:rPr kumimoji="1" lang="zh-CN" altLang="en-US" smtClean="0"/>
-              <a:t>2019/12/12</a:t>
+              <a:t>2019/12/24</a:t>
             </a:fld>
             <a:endParaRPr kumimoji="1" lang="zh-CN" altLang="en-US"/>
           </a:p>
@@ -2375,7 +2376,7 @@
           <a:p>
             <a:fld id="{CC72EA82-287C-4B49-9087-D15DF2E0952F}" type="datetimeFigureOut">
               <a:rPr kumimoji="1" lang="zh-CN" altLang="en-US" smtClean="0"/>
-              <a:t>2019/12/12</a:t>
+              <a:t>2019/12/24</a:t>
             </a:fld>
             <a:endParaRPr kumimoji="1" lang="zh-CN" altLang="en-US"/>
           </a:p>
@@ -2488,7 +2489,7 @@
           <a:p>
             <a:fld id="{CC72EA82-287C-4B49-9087-D15DF2E0952F}" type="datetimeFigureOut">
               <a:rPr kumimoji="1" lang="zh-CN" altLang="en-US" smtClean="0"/>
-              <a:t>2019/12/12</a:t>
+              <a:t>2019/12/24</a:t>
             </a:fld>
             <a:endParaRPr kumimoji="1" lang="zh-CN" altLang="en-US"/>
           </a:p>
@@ -2777,7 +2778,7 @@
           <a:p>
             <a:fld id="{CC72EA82-287C-4B49-9087-D15DF2E0952F}" type="datetimeFigureOut">
               <a:rPr kumimoji="1" lang="zh-CN" altLang="en-US" smtClean="0"/>
-              <a:t>2019/12/12</a:t>
+              <a:t>2019/12/24</a:t>
             </a:fld>
             <a:endParaRPr kumimoji="1" lang="zh-CN" altLang="en-US"/>
           </a:p>
@@ -3068,7 +3069,7 @@
           <a:p>
             <a:fld id="{CC72EA82-287C-4B49-9087-D15DF2E0952F}" type="datetimeFigureOut">
               <a:rPr kumimoji="1" lang="zh-CN" altLang="en-US" smtClean="0"/>
-              <a:t>2019/12/12</a:t>
+              <a:t>2019/12/24</a:t>
             </a:fld>
             <a:endParaRPr kumimoji="1" lang="zh-CN" altLang="en-US"/>
           </a:p>
@@ -3284,7 +3285,7 @@
           <a:p>
             <a:fld id="{CC72EA82-287C-4B49-9087-D15DF2E0952F}" type="datetimeFigureOut">
               <a:rPr kumimoji="1" lang="zh-CN" altLang="en-US" smtClean="0"/>
-              <a:t>2019/12/12</a:t>
+              <a:t>2019/12/24</a:t>
             </a:fld>
             <a:endParaRPr kumimoji="1" lang="zh-CN" altLang="en-US"/>
           </a:p>
@@ -13413,6 +13414,151 @@
     <p:extLst>
       <p:ext uri="{BB962C8B-B14F-4D97-AF65-F5344CB8AC3E}">
         <p14:creationId xmlns:p14="http://schemas.microsoft.com/office/powerpoint/2010/main" val="3178803237"/>
+      </p:ext>
+    </p:extLst>
+  </p:cSld>
+  <p:clrMapOvr>
+    <a:masterClrMapping/>
+  </p:clrMapOvr>
+</p:sld>
+</file>
+
+<file path=ppt/slides/slide8.xml><?xml version="1.0" encoding="utf-8"?>
+<p:sld xmlns:a="http://schemas.openxmlformats.org/drawingml/2006/main" xmlns:r="http://schemas.openxmlformats.org/officeDocument/2006/relationships" xmlns:p="http://schemas.openxmlformats.org/presentationml/2006/main">
+  <p:cSld>
+    <p:spTree>
+      <p:nvGrpSpPr>
+        <p:cNvPr id="1" name=""/>
+        <p:cNvGrpSpPr/>
+        <p:nvPr/>
+      </p:nvGrpSpPr>
+      <p:grpSpPr>
+        <a:xfrm>
+          <a:off x="0" y="0"/>
+          <a:ext cx="0" cy="0"/>
+          <a:chOff x="0" y="0"/>
+          <a:chExt cx="0" cy="0"/>
+        </a:xfrm>
+      </p:grpSpPr>
+      <p:sp>
+        <p:nvSpPr>
+          <p:cNvPr id="4" name="矩形 3">
+            <a:extLst>
+              <a:ext uri="{FF2B5EF4-FFF2-40B4-BE49-F238E27FC236}">
+                <a16:creationId xmlns:a16="http://schemas.microsoft.com/office/drawing/2014/main" id="{5D310D84-4974-A041-ADF9-0C0E4645D7A7}"/>
+              </a:ext>
+            </a:extLst>
+          </p:cNvPr>
+          <p:cNvSpPr/>
+          <p:nvPr/>
+        </p:nvSpPr>
+        <p:spPr>
+          <a:xfrm>
+            <a:off x="0" y="191168"/>
+            <a:ext cx="3449983" cy="369332"/>
+          </a:xfrm>
+          <a:prstGeom prst="rect">
+            <a:avLst/>
+          </a:prstGeom>
+        </p:spPr>
+        <p:txBody>
+          <a:bodyPr wrap="none">
+            <a:spAutoFit/>
+          </a:bodyPr>
+          <a:lstStyle/>
+          <a:p>
+            <a:r>
+              <a:rPr lang="en-US" altLang="zh-CN" dirty="0"/>
+              <a:t>_19_RegularExpressionsMatching</a:t>
+            </a:r>
+            <a:endParaRPr lang="zh-CN" altLang="en-US" dirty="0"/>
+          </a:p>
+        </p:txBody>
+      </p:sp>
+      <p:sp>
+        <p:nvSpPr>
+          <p:cNvPr id="5" name="矩形 4">
+            <a:extLst>
+              <a:ext uri="{FF2B5EF4-FFF2-40B4-BE49-F238E27FC236}">
+                <a16:creationId xmlns:a16="http://schemas.microsoft.com/office/drawing/2014/main" id="{A65AC5F9-1294-7648-81F9-689FF2ECAA80}"/>
+              </a:ext>
+            </a:extLst>
+          </p:cNvPr>
+          <p:cNvSpPr/>
+          <p:nvPr/>
+        </p:nvSpPr>
+        <p:spPr>
+          <a:xfrm>
+            <a:off x="175647" y="1074572"/>
+            <a:ext cx="370614" cy="369332"/>
+          </a:xfrm>
+          <a:prstGeom prst="rect">
+            <a:avLst/>
+          </a:prstGeom>
+        </p:spPr>
+        <p:txBody>
+          <a:bodyPr wrap="none">
+            <a:spAutoFit/>
+          </a:bodyPr>
+          <a:lstStyle/>
+          <a:p>
+            <a:r>
+              <a:rPr lang="en-US" altLang="zh-CN" dirty="0">
+                <a:solidFill>
+                  <a:srgbClr val="032F62"/>
+                </a:solidFill>
+                <a:latin typeface="SFMono-Regular"/>
+              </a:rPr>
+              <a:t>""</a:t>
+            </a:r>
+            <a:endParaRPr lang="zh-CN" altLang="en-US" dirty="0"/>
+          </a:p>
+        </p:txBody>
+      </p:sp>
+      <p:sp>
+        <p:nvSpPr>
+          <p:cNvPr id="6" name="矩形 5">
+            <a:extLst>
+              <a:ext uri="{FF2B5EF4-FFF2-40B4-BE49-F238E27FC236}">
+                <a16:creationId xmlns:a16="http://schemas.microsoft.com/office/drawing/2014/main" id="{959BE38C-600B-F242-83FA-AC4256106919}"/>
+              </a:ext>
+            </a:extLst>
+          </p:cNvPr>
+          <p:cNvSpPr/>
+          <p:nvPr/>
+        </p:nvSpPr>
+        <p:spPr>
+          <a:xfrm>
+            <a:off x="1013228" y="1074572"/>
+            <a:ext cx="370614" cy="369332"/>
+          </a:xfrm>
+          <a:prstGeom prst="rect">
+            <a:avLst/>
+          </a:prstGeom>
+        </p:spPr>
+        <p:txBody>
+          <a:bodyPr wrap="none">
+            <a:spAutoFit/>
+          </a:bodyPr>
+          <a:lstStyle/>
+          <a:p>
+            <a:r>
+              <a:rPr lang="en-US" altLang="zh-CN" dirty="0">
+                <a:solidFill>
+                  <a:srgbClr val="032F62"/>
+                </a:solidFill>
+                <a:latin typeface="SFMono-Regular"/>
+              </a:rPr>
+              <a:t>""</a:t>
+            </a:r>
+            <a:endParaRPr lang="zh-CN" altLang="en-US" dirty="0"/>
+          </a:p>
+        </p:txBody>
+      </p:sp>
+    </p:spTree>
+    <p:extLst>
+      <p:ext uri="{BB962C8B-B14F-4D97-AF65-F5344CB8AC3E}">
+        <p14:creationId xmlns:p14="http://schemas.microsoft.com/office/powerpoint/2010/main" val="783146129"/>
       </p:ext>
     </p:extLst>
   </p:cSld>
